--- a/sketches.pptx
+++ b/sketches.pptx
@@ -5,7 +5,7 @@
     <p:sldMasterId id="2147483648" r:id="rId1"/>
   </p:sldMasterIdLst>
   <p:notesMasterIdLst>
-    <p:notesMasterId r:id="rId8"/>
+    <p:notesMasterId r:id="rId9"/>
   </p:notesMasterIdLst>
   <p:sldIdLst>
     <p:sldId id="256" r:id="rId2"/>
@@ -14,6 +14,7 @@
     <p:sldId id="259" r:id="rId5"/>
     <p:sldId id="260" r:id="rId6"/>
     <p:sldId id="261" r:id="rId7"/>
+    <p:sldId id="262" r:id="rId8"/>
   </p:sldIdLst>
   <p:sldSz cx="12192000" cy="6858000"/>
   <p:notesSz cx="6858000" cy="9144000"/>
@@ -9641,6 +9642,457 @@
 </p:sld>
 </file>
 
+<file path=ppt/slides/slide7.xml><?xml version="1.0" encoding="utf-8"?>
+<p:sld xmlns:a="http://schemas.openxmlformats.org/drawingml/2006/main" xmlns:r="http://schemas.openxmlformats.org/officeDocument/2006/relationships" xmlns:p="http://schemas.openxmlformats.org/presentationml/2006/main">
+  <p:cSld>
+    <p:spTree>
+      <p:nvGrpSpPr>
+        <p:cNvPr id="1" name=""/>
+        <p:cNvGrpSpPr/>
+        <p:nvPr/>
+      </p:nvGrpSpPr>
+      <p:grpSpPr>
+        <a:xfrm>
+          <a:off x="0" y="0"/>
+          <a:ext cx="0" cy="0"/>
+          <a:chOff x="0" y="0"/>
+          <a:chExt cx="0" cy="0"/>
+        </a:xfrm>
+      </p:grpSpPr>
+      <p:pic>
+        <p:nvPicPr>
+          <p:cNvPr id="20" name="Picture 19">
+            <a:extLst>
+              <a:ext uri="{FF2B5EF4-FFF2-40B4-BE49-F238E27FC236}">
+                <a16:creationId xmlns:a16="http://schemas.microsoft.com/office/drawing/2014/main" id="{02A8BB8A-8BF6-B4EE-5503-FE8FD65263EB}"/>
+              </a:ext>
+            </a:extLst>
+          </p:cNvPr>
+          <p:cNvPicPr>
+            <a:picLocks noChangeAspect="1"/>
+          </p:cNvPicPr>
+          <p:nvPr/>
+        </p:nvPicPr>
+        <p:blipFill>
+          <a:blip r:embed="rId2"/>
+          <a:stretch>
+            <a:fillRect/>
+          </a:stretch>
+        </p:blipFill>
+        <p:spPr>
+          <a:xfrm>
+            <a:off x="3686175" y="1557337"/>
+            <a:ext cx="4819650" cy="3743325"/>
+          </a:xfrm>
+          <a:prstGeom prst="rect">
+            <a:avLst/>
+          </a:prstGeom>
+        </p:spPr>
+      </p:pic>
+      <p:sp>
+        <p:nvSpPr>
+          <p:cNvPr id="6" name="Oval 5">
+            <a:extLst>
+              <a:ext uri="{FF2B5EF4-FFF2-40B4-BE49-F238E27FC236}">
+                <a16:creationId xmlns:a16="http://schemas.microsoft.com/office/drawing/2014/main" id="{BAAE0647-0ADE-9F36-369A-3592C8DD7336}"/>
+              </a:ext>
+            </a:extLst>
+          </p:cNvPr>
+          <p:cNvSpPr/>
+          <p:nvPr/>
+        </p:nvSpPr>
+        <p:spPr>
+          <a:xfrm>
+            <a:off x="4959858" y="3493008"/>
+            <a:ext cx="73152" cy="73152"/>
+          </a:xfrm>
+          <a:prstGeom prst="ellipse">
+            <a:avLst/>
+          </a:prstGeom>
+          <a:solidFill>
+            <a:srgbClr val="C00000"/>
+          </a:solidFill>
+          <a:ln>
+            <a:solidFill>
+              <a:srgbClr val="C00000"/>
+            </a:solidFill>
+          </a:ln>
+        </p:spPr>
+        <p:style>
+          <a:lnRef idx="2">
+            <a:schemeClr val="accent1">
+              <a:shade val="50000"/>
+            </a:schemeClr>
+          </a:lnRef>
+          <a:fillRef idx="1">
+            <a:schemeClr val="accent1"/>
+          </a:fillRef>
+          <a:effectRef idx="0">
+            <a:schemeClr val="accent1"/>
+          </a:effectRef>
+          <a:fontRef idx="minor">
+            <a:schemeClr val="lt1"/>
+          </a:fontRef>
+        </p:style>
+        <p:txBody>
+          <a:bodyPr rtlCol="0" anchor="ctr"/>
+          <a:lstStyle/>
+          <a:p>
+            <a:pPr algn="ctr"/>
+            <a:endParaRPr lang="de-DE"/>
+          </a:p>
+        </p:txBody>
+      </p:sp>
+      <p:sp>
+        <p:nvSpPr>
+          <p:cNvPr id="7" name="Oval 6">
+            <a:extLst>
+              <a:ext uri="{FF2B5EF4-FFF2-40B4-BE49-F238E27FC236}">
+                <a16:creationId xmlns:a16="http://schemas.microsoft.com/office/drawing/2014/main" id="{75FD2564-7275-05AF-7453-6D8FEE5763B0}"/>
+              </a:ext>
+            </a:extLst>
+          </p:cNvPr>
+          <p:cNvSpPr/>
+          <p:nvPr/>
+        </p:nvSpPr>
+        <p:spPr>
+          <a:xfrm>
+            <a:off x="5775198" y="3260598"/>
+            <a:ext cx="73152" cy="73152"/>
+          </a:xfrm>
+          <a:prstGeom prst="ellipse">
+            <a:avLst/>
+          </a:prstGeom>
+          <a:solidFill>
+            <a:srgbClr val="C00000"/>
+          </a:solidFill>
+          <a:ln>
+            <a:solidFill>
+              <a:srgbClr val="C00000"/>
+            </a:solidFill>
+          </a:ln>
+        </p:spPr>
+        <p:style>
+          <a:lnRef idx="2">
+            <a:schemeClr val="accent1">
+              <a:shade val="50000"/>
+            </a:schemeClr>
+          </a:lnRef>
+          <a:fillRef idx="1">
+            <a:schemeClr val="accent1"/>
+          </a:fillRef>
+          <a:effectRef idx="0">
+            <a:schemeClr val="accent1"/>
+          </a:effectRef>
+          <a:fontRef idx="minor">
+            <a:schemeClr val="lt1"/>
+          </a:fontRef>
+        </p:style>
+        <p:txBody>
+          <a:bodyPr rtlCol="0" anchor="ctr"/>
+          <a:lstStyle/>
+          <a:p>
+            <a:pPr algn="ctr"/>
+            <a:endParaRPr lang="de-DE"/>
+          </a:p>
+        </p:txBody>
+      </p:sp>
+      <p:sp>
+        <p:nvSpPr>
+          <p:cNvPr id="8" name="Oval 7">
+            <a:extLst>
+              <a:ext uri="{FF2B5EF4-FFF2-40B4-BE49-F238E27FC236}">
+                <a16:creationId xmlns:a16="http://schemas.microsoft.com/office/drawing/2014/main" id="{A2031D8E-8639-0CF5-C0A0-1170BFDD5E05}"/>
+              </a:ext>
+            </a:extLst>
+          </p:cNvPr>
+          <p:cNvSpPr/>
+          <p:nvPr/>
+        </p:nvSpPr>
+        <p:spPr>
+          <a:xfrm>
+            <a:off x="7371069" y="4752594"/>
+            <a:ext cx="73152" cy="73152"/>
+          </a:xfrm>
+          <a:prstGeom prst="ellipse">
+            <a:avLst/>
+          </a:prstGeom>
+          <a:solidFill>
+            <a:srgbClr val="C00000"/>
+          </a:solidFill>
+          <a:ln>
+            <a:solidFill>
+              <a:srgbClr val="C00000"/>
+            </a:solidFill>
+          </a:ln>
+        </p:spPr>
+        <p:style>
+          <a:lnRef idx="2">
+            <a:schemeClr val="accent1">
+              <a:shade val="50000"/>
+            </a:schemeClr>
+          </a:lnRef>
+          <a:fillRef idx="1">
+            <a:schemeClr val="accent1"/>
+          </a:fillRef>
+          <a:effectRef idx="0">
+            <a:schemeClr val="accent1"/>
+          </a:effectRef>
+          <a:fontRef idx="minor">
+            <a:schemeClr val="lt1"/>
+          </a:fontRef>
+        </p:style>
+        <p:txBody>
+          <a:bodyPr rtlCol="0" anchor="ctr"/>
+          <a:lstStyle/>
+          <a:p>
+            <a:pPr algn="ctr"/>
+            <a:endParaRPr lang="de-DE"/>
+          </a:p>
+        </p:txBody>
+      </p:sp>
+      <p:cxnSp>
+        <p:nvCxnSpPr>
+          <p:cNvPr id="12" name="Straight Arrow Connector 11">
+            <a:extLst>
+              <a:ext uri="{FF2B5EF4-FFF2-40B4-BE49-F238E27FC236}">
+                <a16:creationId xmlns:a16="http://schemas.microsoft.com/office/drawing/2014/main" id="{3172D9F8-19A9-95A2-56B1-F04B0CC17704}"/>
+              </a:ext>
+            </a:extLst>
+          </p:cNvPr>
+          <p:cNvCxnSpPr/>
+          <p:nvPr/>
+        </p:nvCxnSpPr>
+        <p:spPr>
+          <a:xfrm flipV="1">
+            <a:off x="4997370" y="3628707"/>
+            <a:ext cx="0" cy="436880"/>
+          </a:xfrm>
+          <a:prstGeom prst="straightConnector1">
+            <a:avLst/>
+          </a:prstGeom>
+          <a:ln>
+            <a:tailEnd type="triangle"/>
+          </a:ln>
+        </p:spPr>
+        <p:style>
+          <a:lnRef idx="1">
+            <a:schemeClr val="accent1"/>
+          </a:lnRef>
+          <a:fillRef idx="0">
+            <a:schemeClr val="accent1"/>
+          </a:fillRef>
+          <a:effectRef idx="0">
+            <a:schemeClr val="accent1"/>
+          </a:effectRef>
+          <a:fontRef idx="minor">
+            <a:schemeClr val="tx1"/>
+          </a:fontRef>
+        </p:style>
+      </p:cxnSp>
+      <p:cxnSp>
+        <p:nvCxnSpPr>
+          <p:cNvPr id="13" name="Straight Arrow Connector 12">
+            <a:extLst>
+              <a:ext uri="{FF2B5EF4-FFF2-40B4-BE49-F238E27FC236}">
+                <a16:creationId xmlns:a16="http://schemas.microsoft.com/office/drawing/2014/main" id="{D65A6492-AA4A-B8DF-9851-59D245B89B3A}"/>
+              </a:ext>
+            </a:extLst>
+          </p:cNvPr>
+          <p:cNvCxnSpPr>
+            <a:cxnSpLocks/>
+          </p:cNvCxnSpPr>
+          <p:nvPr/>
+        </p:nvCxnSpPr>
+        <p:spPr>
+          <a:xfrm>
+            <a:off x="5817603" y="2958447"/>
+            <a:ext cx="0" cy="253100"/>
+          </a:xfrm>
+          <a:prstGeom prst="straightConnector1">
+            <a:avLst/>
+          </a:prstGeom>
+          <a:ln>
+            <a:tailEnd type="triangle"/>
+          </a:ln>
+        </p:spPr>
+        <p:style>
+          <a:lnRef idx="1">
+            <a:schemeClr val="accent1"/>
+          </a:lnRef>
+          <a:fillRef idx="0">
+            <a:schemeClr val="accent1"/>
+          </a:fillRef>
+          <a:effectRef idx="0">
+            <a:schemeClr val="accent1"/>
+          </a:effectRef>
+          <a:fontRef idx="minor">
+            <a:schemeClr val="tx1"/>
+          </a:fontRef>
+        </p:style>
+      </p:cxnSp>
+      <p:cxnSp>
+        <p:nvCxnSpPr>
+          <p:cNvPr id="14" name="Straight Arrow Connector 13">
+            <a:extLst>
+              <a:ext uri="{FF2B5EF4-FFF2-40B4-BE49-F238E27FC236}">
+                <a16:creationId xmlns:a16="http://schemas.microsoft.com/office/drawing/2014/main" id="{1C791403-08B6-392D-03EC-55CB2881B6D2}"/>
+              </a:ext>
+            </a:extLst>
+          </p:cNvPr>
+          <p:cNvCxnSpPr>
+            <a:cxnSpLocks/>
+          </p:cNvCxnSpPr>
+          <p:nvPr/>
+        </p:nvCxnSpPr>
+        <p:spPr>
+          <a:xfrm>
+            <a:off x="7407645" y="3628707"/>
+            <a:ext cx="0" cy="914400"/>
+          </a:xfrm>
+          <a:prstGeom prst="straightConnector1">
+            <a:avLst/>
+          </a:prstGeom>
+          <a:ln>
+            <a:tailEnd type="triangle"/>
+          </a:ln>
+        </p:spPr>
+        <p:style>
+          <a:lnRef idx="1">
+            <a:schemeClr val="accent1"/>
+          </a:lnRef>
+          <a:fillRef idx="0">
+            <a:schemeClr val="accent1"/>
+          </a:fillRef>
+          <a:effectRef idx="0">
+            <a:schemeClr val="accent1"/>
+          </a:effectRef>
+          <a:fontRef idx="minor">
+            <a:schemeClr val="tx1"/>
+          </a:fontRef>
+        </p:style>
+      </p:cxnSp>
+      <p:sp>
+        <p:nvSpPr>
+          <p:cNvPr id="15" name="TextBox 14">
+            <a:extLst>
+              <a:ext uri="{FF2B5EF4-FFF2-40B4-BE49-F238E27FC236}">
+                <a16:creationId xmlns:a16="http://schemas.microsoft.com/office/drawing/2014/main" id="{C9BCA6C6-4319-C575-69DA-893CA42EBC76}"/>
+              </a:ext>
+            </a:extLst>
+          </p:cNvPr>
+          <p:cNvSpPr txBox="1"/>
+          <p:nvPr/>
+        </p:nvSpPr>
+        <p:spPr>
+          <a:xfrm>
+            <a:off x="4159170" y="4089650"/>
+            <a:ext cx="1676399" cy="338554"/>
+          </a:xfrm>
+          <a:prstGeom prst="rect">
+            <a:avLst/>
+          </a:prstGeom>
+          <a:noFill/>
+        </p:spPr>
+        <p:txBody>
+          <a:bodyPr wrap="square">
+            <a:spAutoFit/>
+          </a:bodyPr>
+          <a:lstStyle/>
+          <a:p>
+            <a:r>
+              <a:rPr lang="de-DE" sz="1600" b="0" dirty="0"/>
+              <a:t>Lokales Minimum</a:t>
+            </a:r>
+            <a:endParaRPr lang="de-DE" sz="1600" dirty="0"/>
+          </a:p>
+        </p:txBody>
+      </p:sp>
+      <p:sp>
+        <p:nvSpPr>
+          <p:cNvPr id="16" name="TextBox 15">
+            <a:extLst>
+              <a:ext uri="{FF2B5EF4-FFF2-40B4-BE49-F238E27FC236}">
+                <a16:creationId xmlns:a16="http://schemas.microsoft.com/office/drawing/2014/main" id="{0B87E3C0-3CF1-2B04-8148-E1775E7A9448}"/>
+              </a:ext>
+            </a:extLst>
+          </p:cNvPr>
+          <p:cNvSpPr txBox="1"/>
+          <p:nvPr/>
+        </p:nvSpPr>
+        <p:spPr>
+          <a:xfrm>
+            <a:off x="5194953" y="2619893"/>
+            <a:ext cx="1676399" cy="338554"/>
+          </a:xfrm>
+          <a:prstGeom prst="rect">
+            <a:avLst/>
+          </a:prstGeom>
+          <a:noFill/>
+        </p:spPr>
+        <p:txBody>
+          <a:bodyPr wrap="square">
+            <a:spAutoFit/>
+          </a:bodyPr>
+          <a:lstStyle/>
+          <a:p>
+            <a:r>
+              <a:rPr lang="de-DE" sz="1600" b="0" dirty="0"/>
+              <a:t>Lokales Maximum</a:t>
+            </a:r>
+            <a:endParaRPr lang="de-DE" sz="1600" dirty="0"/>
+          </a:p>
+        </p:txBody>
+      </p:sp>
+      <p:sp>
+        <p:nvSpPr>
+          <p:cNvPr id="17" name="TextBox 16">
+            <a:extLst>
+              <a:ext uri="{FF2B5EF4-FFF2-40B4-BE49-F238E27FC236}">
+                <a16:creationId xmlns:a16="http://schemas.microsoft.com/office/drawing/2014/main" id="{E1264CD7-BEF8-5978-6881-7D67B06C0A72}"/>
+              </a:ext>
+            </a:extLst>
+          </p:cNvPr>
+          <p:cNvSpPr txBox="1"/>
+          <p:nvPr/>
+        </p:nvSpPr>
+        <p:spPr>
+          <a:xfrm>
+            <a:off x="6442258" y="3297174"/>
+            <a:ext cx="1930773" cy="338554"/>
+          </a:xfrm>
+          <a:prstGeom prst="rect">
+            <a:avLst/>
+          </a:prstGeom>
+          <a:noFill/>
+        </p:spPr>
+        <p:txBody>
+          <a:bodyPr wrap="square">
+            <a:spAutoFit/>
+          </a:bodyPr>
+          <a:lstStyle/>
+          <a:p>
+            <a:r>
+              <a:rPr lang="de-DE" sz="1600" b="0" dirty="0"/>
+              <a:t>Globales Minimum</a:t>
+            </a:r>
+            <a:endParaRPr lang="de-DE" sz="1600" dirty="0"/>
+          </a:p>
+        </p:txBody>
+      </p:sp>
+    </p:spTree>
+    <p:extLst>
+      <p:ext uri="{BB962C8B-B14F-4D97-AF65-F5344CB8AC3E}">
+        <p14:creationId xmlns:p14="http://schemas.microsoft.com/office/powerpoint/2010/main" val="2920498922"/>
+      </p:ext>
+    </p:extLst>
+  </p:cSld>
+  <p:clrMapOvr>
+    <a:masterClrMapping/>
+  </p:clrMapOvr>
+</p:sld>
+</file>
+
 <file path=ppt/theme/theme1.xml><?xml version="1.0" encoding="utf-8"?>
 <a:theme xmlns:a="http://schemas.openxmlformats.org/drawingml/2006/main" name="Office Theme">
   <a:themeElements>

--- a/sketches.pptx
+++ b/sketches.pptx
@@ -5,7 +5,7 @@
     <p:sldMasterId id="2147483648" r:id="rId1"/>
   </p:sldMasterIdLst>
   <p:notesMasterIdLst>
-    <p:notesMasterId r:id="rId9"/>
+    <p:notesMasterId r:id="rId10"/>
   </p:notesMasterIdLst>
   <p:sldIdLst>
     <p:sldId id="256" r:id="rId2"/>
@@ -15,6 +15,7 @@
     <p:sldId id="260" r:id="rId6"/>
     <p:sldId id="261" r:id="rId7"/>
     <p:sldId id="262" r:id="rId8"/>
+    <p:sldId id="263" r:id="rId9"/>
   </p:sldIdLst>
   <p:sldSz cx="12192000" cy="6858000"/>
   <p:notesSz cx="6858000" cy="9144000"/>
@@ -203,7 +204,7 @@
           <a:p>
             <a:fld id="{83BEFFCD-55D1-46DA-89C3-8B3AE4381425}" type="datetimeFigureOut">
               <a:rPr lang="de-DE" smtClean="0"/>
-              <a:t>20.02.2023</a:t>
+              <a:t>03.04.2023</a:t>
             </a:fld>
             <a:endParaRPr lang="de-DE"/>
           </a:p>
@@ -704,7 +705,7 @@
           <a:p>
             <a:fld id="{475E47E5-6F11-44CE-B90D-6B38E21F4970}" type="datetimeFigureOut">
               <a:rPr lang="de-DE" smtClean="0"/>
-              <a:t>20.02.2023</a:t>
+              <a:t>03.04.2023</a:t>
             </a:fld>
             <a:endParaRPr lang="de-DE"/>
           </a:p>
@@ -904,7 +905,7 @@
           <a:p>
             <a:fld id="{475E47E5-6F11-44CE-B90D-6B38E21F4970}" type="datetimeFigureOut">
               <a:rPr lang="de-DE" smtClean="0"/>
-              <a:t>20.02.2023</a:t>
+              <a:t>03.04.2023</a:t>
             </a:fld>
             <a:endParaRPr lang="de-DE"/>
           </a:p>
@@ -1114,7 +1115,7 @@
           <a:p>
             <a:fld id="{475E47E5-6F11-44CE-B90D-6B38E21F4970}" type="datetimeFigureOut">
               <a:rPr lang="de-DE" smtClean="0"/>
-              <a:t>20.02.2023</a:t>
+              <a:t>03.04.2023</a:t>
             </a:fld>
             <a:endParaRPr lang="de-DE"/>
           </a:p>
@@ -1314,7 +1315,7 @@
           <a:p>
             <a:fld id="{475E47E5-6F11-44CE-B90D-6B38E21F4970}" type="datetimeFigureOut">
               <a:rPr lang="de-DE" smtClean="0"/>
-              <a:t>20.02.2023</a:t>
+              <a:t>03.04.2023</a:t>
             </a:fld>
             <a:endParaRPr lang="de-DE"/>
           </a:p>
@@ -1590,7 +1591,7 @@
           <a:p>
             <a:fld id="{475E47E5-6F11-44CE-B90D-6B38E21F4970}" type="datetimeFigureOut">
               <a:rPr lang="de-DE" smtClean="0"/>
-              <a:t>20.02.2023</a:t>
+              <a:t>03.04.2023</a:t>
             </a:fld>
             <a:endParaRPr lang="de-DE"/>
           </a:p>
@@ -1858,7 +1859,7 @@
           <a:p>
             <a:fld id="{475E47E5-6F11-44CE-B90D-6B38E21F4970}" type="datetimeFigureOut">
               <a:rPr lang="de-DE" smtClean="0"/>
-              <a:t>20.02.2023</a:t>
+              <a:t>03.04.2023</a:t>
             </a:fld>
             <a:endParaRPr lang="de-DE"/>
           </a:p>
@@ -2273,7 +2274,7 @@
           <a:p>
             <a:fld id="{475E47E5-6F11-44CE-B90D-6B38E21F4970}" type="datetimeFigureOut">
               <a:rPr lang="de-DE" smtClean="0"/>
-              <a:t>20.02.2023</a:t>
+              <a:t>03.04.2023</a:t>
             </a:fld>
             <a:endParaRPr lang="de-DE"/>
           </a:p>
@@ -2415,7 +2416,7 @@
           <a:p>
             <a:fld id="{475E47E5-6F11-44CE-B90D-6B38E21F4970}" type="datetimeFigureOut">
               <a:rPr lang="de-DE" smtClean="0"/>
-              <a:t>20.02.2023</a:t>
+              <a:t>03.04.2023</a:t>
             </a:fld>
             <a:endParaRPr lang="de-DE"/>
           </a:p>
@@ -2528,7 +2529,7 @@
           <a:p>
             <a:fld id="{475E47E5-6F11-44CE-B90D-6B38E21F4970}" type="datetimeFigureOut">
               <a:rPr lang="de-DE" smtClean="0"/>
-              <a:t>20.02.2023</a:t>
+              <a:t>03.04.2023</a:t>
             </a:fld>
             <a:endParaRPr lang="de-DE"/>
           </a:p>
@@ -2841,7 +2842,7 @@
           <a:p>
             <a:fld id="{475E47E5-6F11-44CE-B90D-6B38E21F4970}" type="datetimeFigureOut">
               <a:rPr lang="de-DE" smtClean="0"/>
-              <a:t>20.02.2023</a:t>
+              <a:t>03.04.2023</a:t>
             </a:fld>
             <a:endParaRPr lang="de-DE"/>
           </a:p>
@@ -3130,7 +3131,7 @@
           <a:p>
             <a:fld id="{475E47E5-6F11-44CE-B90D-6B38E21F4970}" type="datetimeFigureOut">
               <a:rPr lang="de-DE" smtClean="0"/>
-              <a:t>20.02.2023</a:t>
+              <a:t>03.04.2023</a:t>
             </a:fld>
             <a:endParaRPr lang="de-DE"/>
           </a:p>
@@ -3373,7 +3374,7 @@
           <a:p>
             <a:fld id="{475E47E5-6F11-44CE-B90D-6B38E21F4970}" type="datetimeFigureOut">
               <a:rPr lang="de-DE" smtClean="0"/>
-              <a:t>20.02.2023</a:t>
+              <a:t>03.04.2023</a:t>
             </a:fld>
             <a:endParaRPr lang="de-DE"/>
           </a:p>
@@ -8614,8 +8615,8 @@
           </a:fontRef>
         </p:style>
       </p:cxnSp>
-      <mc:AlternateContent xmlns:mc="http://schemas.openxmlformats.org/markup-compatibility/2006">
-        <mc:Choice xmlns:a14="http://schemas.microsoft.com/office/drawing/2010/main" Requires="a14">
+      <mc:AlternateContent xmlns:mc="http://schemas.openxmlformats.org/markup-compatibility/2006" xmlns:a14="http://schemas.microsoft.com/office/drawing/2010/main">
+        <mc:Choice Requires="a14">
           <p:sp>
             <p:nvSpPr>
               <p:cNvPr id="10" name="TextBox 9">
@@ -8700,7 +8701,7 @@
             </p:txBody>
           </p:sp>
         </mc:Choice>
-        <mc:Fallback>
+        <mc:Fallback xmlns="">
           <p:sp>
             <p:nvSpPr>
               <p:cNvPr id="10" name="TextBox 9">
@@ -8748,8 +8749,8 @@
           </p:sp>
         </mc:Fallback>
       </mc:AlternateContent>
-      <mc:AlternateContent xmlns:mc="http://schemas.openxmlformats.org/markup-compatibility/2006">
-        <mc:Choice xmlns:a14="http://schemas.microsoft.com/office/drawing/2010/main" Requires="a14">
+      <mc:AlternateContent xmlns:mc="http://schemas.openxmlformats.org/markup-compatibility/2006" xmlns:a14="http://schemas.microsoft.com/office/drawing/2010/main">
+        <mc:Choice Requires="a14">
           <p:sp>
             <p:nvSpPr>
               <p:cNvPr id="11" name="TextBox 10">
@@ -8926,7 +8927,7 @@
             </p:txBody>
           </p:sp>
         </mc:Choice>
-        <mc:Fallback>
+        <mc:Fallback xmlns="">
           <p:sp>
             <p:nvSpPr>
               <p:cNvPr id="11" name="TextBox 10">
@@ -8974,8 +8975,8 @@
           </p:sp>
         </mc:Fallback>
       </mc:AlternateContent>
-      <mc:AlternateContent xmlns:mc="http://schemas.openxmlformats.org/markup-compatibility/2006">
-        <mc:Choice xmlns:a14="http://schemas.microsoft.com/office/drawing/2010/main" Requires="a14">
+      <mc:AlternateContent xmlns:mc="http://schemas.openxmlformats.org/markup-compatibility/2006" xmlns:a14="http://schemas.microsoft.com/office/drawing/2010/main">
+        <mc:Choice Requires="a14">
           <p:sp>
             <p:nvSpPr>
               <p:cNvPr id="12" name="TextBox 11">
@@ -9152,7 +9153,7 @@
             </p:txBody>
           </p:sp>
         </mc:Choice>
-        <mc:Fallback>
+        <mc:Fallback xmlns="">
           <p:sp>
             <p:nvSpPr>
               <p:cNvPr id="12" name="TextBox 11">
@@ -9245,8 +9246,8 @@
           </a:fontRef>
         </p:style>
       </p:cxnSp>
-      <mc:AlternateContent xmlns:mc="http://schemas.openxmlformats.org/markup-compatibility/2006">
-        <mc:Choice xmlns:a14="http://schemas.microsoft.com/office/drawing/2010/main" Requires="a14">
+      <mc:AlternateContent xmlns:mc="http://schemas.openxmlformats.org/markup-compatibility/2006" xmlns:a14="http://schemas.microsoft.com/office/drawing/2010/main">
+        <mc:Choice Requires="a14">
           <p:sp>
             <p:nvSpPr>
               <p:cNvPr id="15" name="TextBox 14">
@@ -9306,7 +9307,7 @@
             </p:txBody>
           </p:sp>
         </mc:Choice>
-        <mc:Fallback>
+        <mc:Fallback xmlns="">
           <p:sp>
             <p:nvSpPr>
               <p:cNvPr id="15" name="TextBox 14">
@@ -9398,8 +9399,8 @@
           </a:fontRef>
         </p:style>
       </p:cxnSp>
-      <mc:AlternateContent xmlns:mc="http://schemas.openxmlformats.org/markup-compatibility/2006">
-        <mc:Choice xmlns:a14="http://schemas.microsoft.com/office/drawing/2010/main" Requires="a14">
+      <mc:AlternateContent xmlns:mc="http://schemas.openxmlformats.org/markup-compatibility/2006" xmlns:a14="http://schemas.microsoft.com/office/drawing/2010/main">
+        <mc:Choice Requires="a14">
           <p:sp>
             <p:nvSpPr>
               <p:cNvPr id="17" name="TextBox 16">
@@ -9523,7 +9524,7 @@
             </p:txBody>
           </p:sp>
         </mc:Choice>
-        <mc:Fallback>
+        <mc:Fallback xmlns="">
           <p:sp>
             <p:nvSpPr>
               <p:cNvPr id="17" name="TextBox 16">
@@ -10084,6 +10085,523 @@
     <p:extLst>
       <p:ext uri="{BB962C8B-B14F-4D97-AF65-F5344CB8AC3E}">
         <p14:creationId xmlns:p14="http://schemas.microsoft.com/office/powerpoint/2010/main" val="2920498922"/>
+      </p:ext>
+    </p:extLst>
+  </p:cSld>
+  <p:clrMapOvr>
+    <a:masterClrMapping/>
+  </p:clrMapOvr>
+</p:sld>
+</file>
+
+<file path=ppt/slides/slide8.xml><?xml version="1.0" encoding="utf-8"?>
+<p:sld xmlns:a="http://schemas.openxmlformats.org/drawingml/2006/main" xmlns:r="http://schemas.openxmlformats.org/officeDocument/2006/relationships" xmlns:p="http://schemas.openxmlformats.org/presentationml/2006/main">
+  <p:cSld>
+    <p:spTree>
+      <p:nvGrpSpPr>
+        <p:cNvPr id="1" name=""/>
+        <p:cNvGrpSpPr/>
+        <p:nvPr/>
+      </p:nvGrpSpPr>
+      <p:grpSpPr>
+        <a:xfrm>
+          <a:off x="0" y="0"/>
+          <a:ext cx="0" cy="0"/>
+          <a:chOff x="0" y="0"/>
+          <a:chExt cx="0" cy="0"/>
+        </a:xfrm>
+      </p:grpSpPr>
+      <p:sp>
+        <p:nvSpPr>
+          <p:cNvPr id="18" name="Rectangle 17">
+            <a:extLst>
+              <a:ext uri="{FF2B5EF4-FFF2-40B4-BE49-F238E27FC236}">
+                <a16:creationId xmlns:a16="http://schemas.microsoft.com/office/drawing/2014/main" id="{395EFA85-AFB9-E5F6-EF5E-F8E97E6D2E42}"/>
+              </a:ext>
+            </a:extLst>
+          </p:cNvPr>
+          <p:cNvSpPr/>
+          <p:nvPr/>
+        </p:nvSpPr>
+        <p:spPr>
+          <a:xfrm>
+            <a:off x="351692" y="462224"/>
+            <a:ext cx="10464679" cy="4682532"/>
+          </a:xfrm>
+          <a:prstGeom prst="rect">
+            <a:avLst/>
+          </a:prstGeom>
+          <a:solidFill>
+            <a:schemeClr val="bg1"/>
+          </a:solidFill>
+          <a:ln>
+            <a:solidFill>
+              <a:schemeClr val="bg1"/>
+            </a:solidFill>
+          </a:ln>
+        </p:spPr>
+        <p:style>
+          <a:lnRef idx="2">
+            <a:schemeClr val="accent1">
+              <a:shade val="50000"/>
+            </a:schemeClr>
+          </a:lnRef>
+          <a:fillRef idx="1">
+            <a:schemeClr val="accent1"/>
+          </a:fillRef>
+          <a:effectRef idx="0">
+            <a:schemeClr val="accent1"/>
+          </a:effectRef>
+          <a:fontRef idx="minor">
+            <a:schemeClr val="lt1"/>
+          </a:fontRef>
+        </p:style>
+        <p:txBody>
+          <a:bodyPr rtlCol="0" anchor="ctr"/>
+          <a:lstStyle/>
+          <a:p>
+            <a:pPr algn="ctr"/>
+            <a:endParaRPr lang="de-DE"/>
+          </a:p>
+        </p:txBody>
+      </p:sp>
+      <p:pic>
+        <p:nvPicPr>
+          <p:cNvPr id="9" name="Picture 8" descr="Chart&#10;&#10;Description automatically generated with medium confidence">
+            <a:extLst>
+              <a:ext uri="{FF2B5EF4-FFF2-40B4-BE49-F238E27FC236}">
+                <a16:creationId xmlns:a16="http://schemas.microsoft.com/office/drawing/2014/main" id="{6C50C9D1-20C6-E555-A5B2-32E58F2CBA8A}"/>
+              </a:ext>
+            </a:extLst>
+          </p:cNvPr>
+          <p:cNvPicPr>
+            <a:picLocks noChangeAspect="1"/>
+          </p:cNvPicPr>
+          <p:nvPr/>
+        </p:nvPicPr>
+        <p:blipFill rotWithShape="1">
+          <a:blip r:embed="rId2">
+            <a:extLst>
+              <a:ext uri="{28A0092B-C50C-407E-A947-70E740481C1C}">
+                <a14:useLocalDpi xmlns:a14="http://schemas.microsoft.com/office/drawing/2010/main" val="0"/>
+              </a:ext>
+            </a:extLst>
+          </a:blip>
+          <a:srcRect l="6857" t="12880" b="8000"/>
+          <a:stretch/>
+        </p:blipFill>
+        <p:spPr>
+          <a:xfrm>
+            <a:off x="351692" y="628022"/>
+            <a:ext cx="6364080" cy="4054510"/>
+          </a:xfrm>
+          <a:prstGeom prst="rect">
+            <a:avLst/>
+          </a:prstGeom>
+        </p:spPr>
+      </p:pic>
+      <p:pic>
+        <p:nvPicPr>
+          <p:cNvPr id="7" name="Picture 6" descr="Graphical user interface&#10;&#10;Description automatically generated with medium confidence">
+            <a:extLst>
+              <a:ext uri="{FF2B5EF4-FFF2-40B4-BE49-F238E27FC236}">
+                <a16:creationId xmlns:a16="http://schemas.microsoft.com/office/drawing/2014/main" id="{FDAED47D-C184-1A68-834C-6ABF4FD3F84A}"/>
+              </a:ext>
+            </a:extLst>
+          </p:cNvPr>
+          <p:cNvPicPr>
+            <a:picLocks noChangeAspect="1"/>
+          </p:cNvPicPr>
+          <p:nvPr/>
+        </p:nvPicPr>
+        <p:blipFill rotWithShape="1">
+          <a:blip r:embed="rId3">
+            <a:extLst>
+              <a:ext uri="{28A0092B-C50C-407E-A947-70E740481C1C}">
+                <a14:useLocalDpi xmlns:a14="http://schemas.microsoft.com/office/drawing/2010/main" val="0"/>
+              </a:ext>
+            </a:extLst>
+          </a:blip>
+          <a:srcRect l="5737" t="14616" r="20285" b="9428"/>
+          <a:stretch/>
+        </p:blipFill>
+        <p:spPr>
+          <a:xfrm>
+            <a:off x="5399438" y="628022"/>
+            <a:ext cx="5027109" cy="3871142"/>
+          </a:xfrm>
+          <a:prstGeom prst="rect">
+            <a:avLst/>
+          </a:prstGeom>
+        </p:spPr>
+      </p:pic>
+      <p:sp>
+        <p:nvSpPr>
+          <p:cNvPr id="10" name="Arrow: Right 9">
+            <a:extLst>
+              <a:ext uri="{FF2B5EF4-FFF2-40B4-BE49-F238E27FC236}">
+                <a16:creationId xmlns:a16="http://schemas.microsoft.com/office/drawing/2014/main" id="{5344BD26-38F3-63F5-F1DB-3352F6CE8229}"/>
+              </a:ext>
+            </a:extLst>
+          </p:cNvPr>
+          <p:cNvSpPr/>
+          <p:nvPr/>
+        </p:nvSpPr>
+        <p:spPr>
+          <a:xfrm rot="18485235">
+            <a:off x="6035134" y="3476841"/>
+            <a:ext cx="2341265" cy="351692"/>
+          </a:xfrm>
+          <a:prstGeom prst="rightArrow">
+            <a:avLst/>
+          </a:prstGeom>
+          <a:solidFill>
+            <a:schemeClr val="accent6">
+              <a:lumMod val="75000"/>
+            </a:schemeClr>
+          </a:solidFill>
+          <a:ln>
+            <a:solidFill>
+              <a:schemeClr val="accent6">
+                <a:lumMod val="75000"/>
+              </a:schemeClr>
+            </a:solidFill>
+          </a:ln>
+        </p:spPr>
+        <p:style>
+          <a:lnRef idx="2">
+            <a:schemeClr val="accent1">
+              <a:shade val="50000"/>
+            </a:schemeClr>
+          </a:lnRef>
+          <a:fillRef idx="1">
+            <a:schemeClr val="accent1"/>
+          </a:fillRef>
+          <a:effectRef idx="0">
+            <a:schemeClr val="accent1"/>
+          </a:effectRef>
+          <a:fontRef idx="minor">
+            <a:schemeClr val="lt1"/>
+          </a:fontRef>
+        </p:style>
+        <p:txBody>
+          <a:bodyPr rtlCol="0" anchor="ctr"/>
+          <a:lstStyle/>
+          <a:p>
+            <a:pPr algn="ctr"/>
+            <a:endParaRPr lang="de-DE"/>
+          </a:p>
+        </p:txBody>
+      </p:sp>
+      <p:sp>
+        <p:nvSpPr>
+          <p:cNvPr id="11" name="TextBox 10">
+            <a:extLst>
+              <a:ext uri="{FF2B5EF4-FFF2-40B4-BE49-F238E27FC236}">
+                <a16:creationId xmlns:a16="http://schemas.microsoft.com/office/drawing/2014/main" id="{B0606371-F20A-3BEE-D1C8-69DA86AF3423}"/>
+              </a:ext>
+            </a:extLst>
+          </p:cNvPr>
+          <p:cNvSpPr txBox="1"/>
+          <p:nvPr/>
+        </p:nvSpPr>
+        <p:spPr>
+          <a:xfrm>
+            <a:off x="5541187" y="4682532"/>
+            <a:ext cx="2349169" cy="369332"/>
+          </a:xfrm>
+          <a:prstGeom prst="rect">
+            <a:avLst/>
+          </a:prstGeom>
+          <a:noFill/>
+        </p:spPr>
+        <p:txBody>
+          <a:bodyPr wrap="none" rtlCol="0">
+            <a:spAutoFit/>
+          </a:bodyPr>
+          <a:lstStyle/>
+          <a:p>
+            <a:r>
+              <a:rPr lang="de-DE" dirty="0"/>
+              <a:t>Tal des </a:t>
+            </a:r>
+            <a:r>
+              <a:rPr lang="de-DE" i="1" dirty="0"/>
+              <a:t>besten </a:t>
+            </a:r>
+            <a:r>
+              <a:rPr lang="de-DE" dirty="0"/>
+              <a:t>Abstiegs</a:t>
+            </a:r>
+          </a:p>
+        </p:txBody>
+      </p:sp>
+      <p:sp>
+        <p:nvSpPr>
+          <p:cNvPr id="14" name="Arrow: Right 13">
+            <a:extLst>
+              <a:ext uri="{FF2B5EF4-FFF2-40B4-BE49-F238E27FC236}">
+                <a16:creationId xmlns:a16="http://schemas.microsoft.com/office/drawing/2014/main" id="{2AA1DAAE-9929-A768-D3ED-B7EDDD9BA9EA}"/>
+              </a:ext>
+            </a:extLst>
+          </p:cNvPr>
+          <p:cNvSpPr/>
+          <p:nvPr/>
+        </p:nvSpPr>
+        <p:spPr>
+          <a:xfrm rot="11898466">
+            <a:off x="8235158" y="2493526"/>
+            <a:ext cx="1553875" cy="258630"/>
+          </a:xfrm>
+          <a:prstGeom prst="rightArrow">
+            <a:avLst>
+              <a:gd name="adj1" fmla="val 25670"/>
+              <a:gd name="adj2" fmla="val 39524"/>
+            </a:avLst>
+          </a:prstGeom>
+          <a:solidFill>
+            <a:srgbClr val="C00000"/>
+          </a:solidFill>
+          <a:ln>
+            <a:solidFill>
+              <a:srgbClr val="C00000"/>
+            </a:solidFill>
+          </a:ln>
+        </p:spPr>
+        <p:style>
+          <a:lnRef idx="2">
+            <a:schemeClr val="accent1">
+              <a:shade val="50000"/>
+            </a:schemeClr>
+          </a:lnRef>
+          <a:fillRef idx="1">
+            <a:schemeClr val="accent1"/>
+          </a:fillRef>
+          <a:effectRef idx="0">
+            <a:schemeClr val="accent1"/>
+          </a:effectRef>
+          <a:fontRef idx="minor">
+            <a:schemeClr val="lt1"/>
+          </a:fontRef>
+        </p:style>
+        <p:txBody>
+          <a:bodyPr rtlCol="0" anchor="ctr"/>
+          <a:lstStyle/>
+          <a:p>
+            <a:pPr algn="ctr"/>
+            <a:endParaRPr lang="de-DE"/>
+          </a:p>
+        </p:txBody>
+      </p:sp>
+      <p:sp>
+        <p:nvSpPr>
+          <p:cNvPr id="15" name="TextBox 14">
+            <a:extLst>
+              <a:ext uri="{FF2B5EF4-FFF2-40B4-BE49-F238E27FC236}">
+                <a16:creationId xmlns:a16="http://schemas.microsoft.com/office/drawing/2014/main" id="{171BE9A1-C207-0C06-8A67-1EC8B4081EA6}"/>
+              </a:ext>
+            </a:extLst>
+          </p:cNvPr>
+          <p:cNvSpPr txBox="1"/>
+          <p:nvPr/>
+        </p:nvSpPr>
+        <p:spPr>
+          <a:xfrm>
+            <a:off x="9012095" y="2989663"/>
+            <a:ext cx="1804276" cy="646331"/>
+          </a:xfrm>
+          <a:prstGeom prst="rect">
+            <a:avLst/>
+          </a:prstGeom>
+          <a:noFill/>
+        </p:spPr>
+        <p:txBody>
+          <a:bodyPr wrap="none" rtlCol="0">
+            <a:spAutoFit/>
+          </a:bodyPr>
+          <a:lstStyle/>
+          <a:p>
+            <a:r>
+              <a:rPr lang="de-DE" dirty="0"/>
+              <a:t>Richtung des </a:t>
+            </a:r>
+            <a:br>
+              <a:rPr lang="de-DE" dirty="0"/>
+            </a:br>
+            <a:r>
+              <a:rPr lang="de-DE" dirty="0"/>
+              <a:t>steilsten</a:t>
+            </a:r>
+            <a:r>
+              <a:rPr lang="de-DE" i="1" dirty="0"/>
+              <a:t> </a:t>
+            </a:r>
+            <a:r>
+              <a:rPr lang="de-DE" dirty="0"/>
+              <a:t>Abstiegs</a:t>
+            </a:r>
+          </a:p>
+        </p:txBody>
+      </p:sp>
+      <p:sp>
+        <p:nvSpPr>
+          <p:cNvPr id="16" name="Oval 15">
+            <a:extLst>
+              <a:ext uri="{FF2B5EF4-FFF2-40B4-BE49-F238E27FC236}">
+                <a16:creationId xmlns:a16="http://schemas.microsoft.com/office/drawing/2014/main" id="{4D2E8787-26F9-B01B-1C2B-6B0CC182EF0F}"/>
+              </a:ext>
+            </a:extLst>
+          </p:cNvPr>
+          <p:cNvSpPr/>
+          <p:nvPr/>
+        </p:nvSpPr>
+        <p:spPr>
+          <a:xfrm>
+            <a:off x="4612192" y="984738"/>
+            <a:ext cx="452176" cy="512466"/>
+          </a:xfrm>
+          <a:prstGeom prst="ellipse">
+            <a:avLst/>
+          </a:prstGeom>
+          <a:noFill/>
+          <a:ln w="19050" cap="flat" cmpd="sng" algn="ctr">
+            <a:solidFill>
+              <a:schemeClr val="dk1"/>
+            </a:solidFill>
+            <a:prstDash val="solid"/>
+            <a:round/>
+            <a:headEnd type="none" w="med" len="med"/>
+            <a:tailEnd type="none" w="med" len="med"/>
+          </a:ln>
+        </p:spPr>
+        <p:style>
+          <a:lnRef idx="0">
+            <a:scrgbClr r="0" g="0" b="0"/>
+          </a:lnRef>
+          <a:fillRef idx="0">
+            <a:scrgbClr r="0" g="0" b="0"/>
+          </a:fillRef>
+          <a:effectRef idx="0">
+            <a:scrgbClr r="0" g="0" b="0"/>
+          </a:effectRef>
+          <a:fontRef idx="minor">
+            <a:schemeClr val="dk1"/>
+          </a:fontRef>
+        </p:style>
+        <p:txBody>
+          <a:bodyPr rtlCol="0" anchor="ctr"/>
+          <a:lstStyle/>
+          <a:p>
+            <a:pPr algn="ctr"/>
+            <a:endParaRPr lang="de-DE"/>
+          </a:p>
+        </p:txBody>
+      </p:sp>
+      <p:sp>
+        <p:nvSpPr>
+          <p:cNvPr id="17" name="Arc 16">
+            <a:extLst>
+              <a:ext uri="{FF2B5EF4-FFF2-40B4-BE49-F238E27FC236}">
+                <a16:creationId xmlns:a16="http://schemas.microsoft.com/office/drawing/2014/main" id="{39E420B8-6C68-47E4-C786-2CBECA66F737}"/>
+              </a:ext>
+            </a:extLst>
+          </p:cNvPr>
+          <p:cNvSpPr/>
+          <p:nvPr/>
+        </p:nvSpPr>
+        <p:spPr>
+          <a:xfrm rot="19356537">
+            <a:off x="4838028" y="648015"/>
+            <a:ext cx="2236204" cy="2770159"/>
+          </a:xfrm>
+          <a:prstGeom prst="arc">
+            <a:avLst>
+              <a:gd name="adj1" fmla="val 15916097"/>
+              <a:gd name="adj2" fmla="val 20979330"/>
+            </a:avLst>
+          </a:prstGeom>
+          <a:noFill/>
+          <a:ln w="19050">
+            <a:solidFill>
+              <a:schemeClr val="tx1"/>
+            </a:solidFill>
+            <a:headEnd type="none" w="med" len="med"/>
+            <a:tailEnd type="arrow" w="med" len="med"/>
+          </a:ln>
+        </p:spPr>
+        <p:style>
+          <a:lnRef idx="1">
+            <a:schemeClr val="accent1"/>
+          </a:lnRef>
+          <a:fillRef idx="0">
+            <a:schemeClr val="accent1"/>
+          </a:fillRef>
+          <a:effectRef idx="0">
+            <a:schemeClr val="accent1"/>
+          </a:effectRef>
+          <a:fontRef idx="minor">
+            <a:schemeClr val="tx1"/>
+          </a:fontRef>
+        </p:style>
+        <p:txBody>
+          <a:bodyPr rtlCol="0" anchor="ctr"/>
+          <a:lstStyle/>
+          <a:p>
+            <a:pPr algn="ctr"/>
+            <a:endParaRPr lang="de-DE"/>
+          </a:p>
+        </p:txBody>
+      </p:sp>
+      <p:sp>
+        <p:nvSpPr>
+          <p:cNvPr id="19" name="Oval 18">
+            <a:extLst>
+              <a:ext uri="{FF2B5EF4-FFF2-40B4-BE49-F238E27FC236}">
+                <a16:creationId xmlns:a16="http://schemas.microsoft.com/office/drawing/2014/main" id="{6B86134D-6B6F-AA06-9DA7-B0F3C260CD95}"/>
+              </a:ext>
+            </a:extLst>
+          </p:cNvPr>
+          <p:cNvSpPr/>
+          <p:nvPr/>
+        </p:nvSpPr>
+        <p:spPr>
+          <a:xfrm>
+            <a:off x="8107269" y="3931652"/>
+            <a:ext cx="109996" cy="109996"/>
+          </a:xfrm>
+          <a:prstGeom prst="ellipse">
+            <a:avLst/>
+          </a:prstGeom>
+        </p:spPr>
+        <p:style>
+          <a:lnRef idx="2">
+            <a:schemeClr val="dk1">
+              <a:shade val="50000"/>
+            </a:schemeClr>
+          </a:lnRef>
+          <a:fillRef idx="1">
+            <a:schemeClr val="dk1"/>
+          </a:fillRef>
+          <a:effectRef idx="0">
+            <a:schemeClr val="dk1"/>
+          </a:effectRef>
+          <a:fontRef idx="minor">
+            <a:schemeClr val="lt1"/>
+          </a:fontRef>
+        </p:style>
+        <p:txBody>
+          <a:bodyPr rtlCol="0" anchor="ctr"/>
+          <a:lstStyle/>
+          <a:p>
+            <a:pPr algn="ctr"/>
+            <a:endParaRPr lang="de-DE"/>
+          </a:p>
+        </p:txBody>
+      </p:sp>
+    </p:spTree>
+    <p:extLst>
+      <p:ext uri="{BB962C8B-B14F-4D97-AF65-F5344CB8AC3E}">
+        <p14:creationId xmlns:p14="http://schemas.microsoft.com/office/powerpoint/2010/main" val="1766550120"/>
       </p:ext>
     </p:extLst>
   </p:cSld>

--- a/sketches.pptx
+++ b/sketches.pptx
@@ -5,17 +5,18 @@
     <p:sldMasterId id="2147483648" r:id="rId1"/>
   </p:sldMasterIdLst>
   <p:notesMasterIdLst>
-    <p:notesMasterId r:id="rId10"/>
+    <p:notesMasterId r:id="rId11"/>
   </p:notesMasterIdLst>
   <p:sldIdLst>
     <p:sldId id="256" r:id="rId2"/>
     <p:sldId id="257" r:id="rId3"/>
     <p:sldId id="258" r:id="rId4"/>
     <p:sldId id="259" r:id="rId5"/>
-    <p:sldId id="260" r:id="rId6"/>
-    <p:sldId id="261" r:id="rId7"/>
-    <p:sldId id="262" r:id="rId8"/>
-    <p:sldId id="263" r:id="rId9"/>
+    <p:sldId id="264" r:id="rId6"/>
+    <p:sldId id="260" r:id="rId7"/>
+    <p:sldId id="261" r:id="rId8"/>
+    <p:sldId id="262" r:id="rId9"/>
+    <p:sldId id="263" r:id="rId10"/>
   </p:sldIdLst>
   <p:sldSz cx="12192000" cy="6858000"/>
   <p:notesSz cx="6858000" cy="9144000"/>
@@ -204,7 +205,7 @@
           <a:p>
             <a:fld id="{83BEFFCD-55D1-46DA-89C3-8B3AE4381425}" type="datetimeFigureOut">
               <a:rPr lang="de-DE" smtClean="0"/>
-              <a:t>03.04.2023</a:t>
+              <a:t>20.11.2023</a:t>
             </a:fld>
             <a:endParaRPr lang="de-DE"/>
           </a:p>
@@ -537,7 +538,7 @@
           <a:p>
             <a:fld id="{2A9EB1CA-8E32-43B2-8FCA-33A31D7A2105}" type="slidenum">
               <a:rPr lang="de-DE" smtClean="0"/>
-              <a:t>6</a:t>
+              <a:t>7</a:t>
             </a:fld>
             <a:endParaRPr lang="de-DE"/>
           </a:p>
@@ -705,7 +706,7 @@
           <a:p>
             <a:fld id="{475E47E5-6F11-44CE-B90D-6B38E21F4970}" type="datetimeFigureOut">
               <a:rPr lang="de-DE" smtClean="0"/>
-              <a:t>03.04.2023</a:t>
+              <a:t>20.11.2023</a:t>
             </a:fld>
             <a:endParaRPr lang="de-DE"/>
           </a:p>
@@ -905,7 +906,7 @@
           <a:p>
             <a:fld id="{475E47E5-6F11-44CE-B90D-6B38E21F4970}" type="datetimeFigureOut">
               <a:rPr lang="de-DE" smtClean="0"/>
-              <a:t>03.04.2023</a:t>
+              <a:t>20.11.2023</a:t>
             </a:fld>
             <a:endParaRPr lang="de-DE"/>
           </a:p>
@@ -1115,7 +1116,7 @@
           <a:p>
             <a:fld id="{475E47E5-6F11-44CE-B90D-6B38E21F4970}" type="datetimeFigureOut">
               <a:rPr lang="de-DE" smtClean="0"/>
-              <a:t>03.04.2023</a:t>
+              <a:t>20.11.2023</a:t>
             </a:fld>
             <a:endParaRPr lang="de-DE"/>
           </a:p>
@@ -1315,7 +1316,7 @@
           <a:p>
             <a:fld id="{475E47E5-6F11-44CE-B90D-6B38E21F4970}" type="datetimeFigureOut">
               <a:rPr lang="de-DE" smtClean="0"/>
-              <a:t>03.04.2023</a:t>
+              <a:t>20.11.2023</a:t>
             </a:fld>
             <a:endParaRPr lang="de-DE"/>
           </a:p>
@@ -1591,7 +1592,7 @@
           <a:p>
             <a:fld id="{475E47E5-6F11-44CE-B90D-6B38E21F4970}" type="datetimeFigureOut">
               <a:rPr lang="de-DE" smtClean="0"/>
-              <a:t>03.04.2023</a:t>
+              <a:t>20.11.2023</a:t>
             </a:fld>
             <a:endParaRPr lang="de-DE"/>
           </a:p>
@@ -1859,7 +1860,7 @@
           <a:p>
             <a:fld id="{475E47E5-6F11-44CE-B90D-6B38E21F4970}" type="datetimeFigureOut">
               <a:rPr lang="de-DE" smtClean="0"/>
-              <a:t>03.04.2023</a:t>
+              <a:t>20.11.2023</a:t>
             </a:fld>
             <a:endParaRPr lang="de-DE"/>
           </a:p>
@@ -2274,7 +2275,7 @@
           <a:p>
             <a:fld id="{475E47E5-6F11-44CE-B90D-6B38E21F4970}" type="datetimeFigureOut">
               <a:rPr lang="de-DE" smtClean="0"/>
-              <a:t>03.04.2023</a:t>
+              <a:t>20.11.2023</a:t>
             </a:fld>
             <a:endParaRPr lang="de-DE"/>
           </a:p>
@@ -2416,7 +2417,7 @@
           <a:p>
             <a:fld id="{475E47E5-6F11-44CE-B90D-6B38E21F4970}" type="datetimeFigureOut">
               <a:rPr lang="de-DE" smtClean="0"/>
-              <a:t>03.04.2023</a:t>
+              <a:t>20.11.2023</a:t>
             </a:fld>
             <a:endParaRPr lang="de-DE"/>
           </a:p>
@@ -2529,7 +2530,7 @@
           <a:p>
             <a:fld id="{475E47E5-6F11-44CE-B90D-6B38E21F4970}" type="datetimeFigureOut">
               <a:rPr lang="de-DE" smtClean="0"/>
-              <a:t>03.04.2023</a:t>
+              <a:t>20.11.2023</a:t>
             </a:fld>
             <a:endParaRPr lang="de-DE"/>
           </a:p>
@@ -2842,7 +2843,7 @@
           <a:p>
             <a:fld id="{475E47E5-6F11-44CE-B90D-6B38E21F4970}" type="datetimeFigureOut">
               <a:rPr lang="de-DE" smtClean="0"/>
-              <a:t>03.04.2023</a:t>
+              <a:t>20.11.2023</a:t>
             </a:fld>
             <a:endParaRPr lang="de-DE"/>
           </a:p>
@@ -3131,7 +3132,7 @@
           <a:p>
             <a:fld id="{475E47E5-6F11-44CE-B90D-6B38E21F4970}" type="datetimeFigureOut">
               <a:rPr lang="de-DE" smtClean="0"/>
-              <a:t>03.04.2023</a:t>
+              <a:t>20.11.2023</a:t>
             </a:fld>
             <a:endParaRPr lang="de-DE"/>
           </a:p>
@@ -3374,7 +3375,7 @@
           <a:p>
             <a:fld id="{475E47E5-6F11-44CE-B90D-6B38E21F4970}" type="datetimeFigureOut">
               <a:rPr lang="de-DE" smtClean="0"/>
-              <a:t>03.04.2023</a:t>
+              <a:t>20.11.2023</a:t>
             </a:fld>
             <a:endParaRPr lang="de-DE"/>
           </a:p>
@@ -8155,6 +8156,404 @@
       </p:grpSpPr>
       <p:pic>
         <p:nvPicPr>
+          <p:cNvPr id="1026" name="Picture 2">
+            <a:extLst>
+              <a:ext uri="{FF2B5EF4-FFF2-40B4-BE49-F238E27FC236}">
+                <a16:creationId xmlns:a16="http://schemas.microsoft.com/office/drawing/2014/main" id="{74D4F882-829B-3ADF-8FCF-F45F1904FB38}"/>
+              </a:ext>
+            </a:extLst>
+          </p:cNvPr>
+          <p:cNvPicPr>
+            <a:picLocks noChangeAspect="1" noChangeArrowheads="1"/>
+          </p:cNvPicPr>
+          <p:nvPr/>
+        </p:nvPicPr>
+        <p:blipFill>
+          <a:blip r:embed="rId2">
+            <a:extLst>
+              <a:ext uri="{28A0092B-C50C-407E-A947-70E740481C1C}">
+                <a14:useLocalDpi xmlns:a14="http://schemas.microsoft.com/office/drawing/2010/main" val="0"/>
+              </a:ext>
+            </a:extLst>
+          </a:blip>
+          <a:srcRect/>
+          <a:stretch>
+            <a:fillRect/>
+          </a:stretch>
+        </p:blipFill>
+        <p:spPr bwMode="auto">
+          <a:xfrm>
+            <a:off x="2625877" y="559278"/>
+            <a:ext cx="5739441" cy="5739441"/>
+          </a:xfrm>
+          <a:prstGeom prst="rect">
+            <a:avLst/>
+          </a:prstGeom>
+          <a:noFill/>
+          <a:extLst>
+            <a:ext uri="{909E8E84-426E-40DD-AFC4-6F175D3DCCD1}">
+              <a14:hiddenFill xmlns:a14="http://schemas.microsoft.com/office/drawing/2010/main">
+                <a:solidFill>
+                  <a:srgbClr val="FFFFFF"/>
+                </a:solidFill>
+              </a14:hiddenFill>
+            </a:ext>
+          </a:extLst>
+        </p:spPr>
+      </p:pic>
+      <p:sp>
+        <p:nvSpPr>
+          <p:cNvPr id="4" name="Rectangle 3">
+            <a:extLst>
+              <a:ext uri="{FF2B5EF4-FFF2-40B4-BE49-F238E27FC236}">
+                <a16:creationId xmlns:a16="http://schemas.microsoft.com/office/drawing/2014/main" id="{36BDFF82-6130-78CE-9CBD-6B00CEB16BE4}"/>
+              </a:ext>
+            </a:extLst>
+          </p:cNvPr>
+          <p:cNvSpPr/>
+          <p:nvPr/>
+        </p:nvSpPr>
+        <p:spPr>
+          <a:xfrm>
+            <a:off x="4637105" y="3071183"/>
+            <a:ext cx="1966546" cy="1519096"/>
+          </a:xfrm>
+          <a:prstGeom prst="rect">
+            <a:avLst/>
+          </a:prstGeom>
+          <a:solidFill>
+            <a:schemeClr val="accent1">
+              <a:lumMod val="40000"/>
+              <a:lumOff val="60000"/>
+              <a:alpha val="50000"/>
+            </a:schemeClr>
+          </a:solidFill>
+          <a:ln>
+            <a:solidFill>
+              <a:schemeClr val="tx1"/>
+            </a:solidFill>
+          </a:ln>
+          <a:scene3d>
+            <a:camera prst="perspectiveRelaxed">
+              <a:rot lat="21000000" lon="0" rev="0"/>
+            </a:camera>
+            <a:lightRig rig="threePt" dir="t"/>
+          </a:scene3d>
+        </p:spPr>
+        <p:style>
+          <a:lnRef idx="2">
+            <a:schemeClr val="accent1">
+              <a:shade val="50000"/>
+            </a:schemeClr>
+          </a:lnRef>
+          <a:fillRef idx="1">
+            <a:schemeClr val="accent1"/>
+          </a:fillRef>
+          <a:effectRef idx="0">
+            <a:schemeClr val="accent1"/>
+          </a:effectRef>
+          <a:fontRef idx="minor">
+            <a:schemeClr val="lt1"/>
+          </a:fontRef>
+        </p:style>
+        <p:txBody>
+          <a:bodyPr rtlCol="0" anchor="ctr"/>
+          <a:lstStyle/>
+          <a:p>
+            <a:pPr algn="ctr"/>
+            <a:endParaRPr lang="de-DE"/>
+          </a:p>
+        </p:txBody>
+      </p:sp>
+      <p:cxnSp>
+        <p:nvCxnSpPr>
+          <p:cNvPr id="6" name="Straight Arrow Connector 5">
+            <a:extLst>
+              <a:ext uri="{FF2B5EF4-FFF2-40B4-BE49-F238E27FC236}">
+                <a16:creationId xmlns:a16="http://schemas.microsoft.com/office/drawing/2014/main" id="{DD3F5AC0-3070-2A24-8CDE-59023994DAB5}"/>
+              </a:ext>
+            </a:extLst>
+          </p:cNvPr>
+          <p:cNvCxnSpPr>
+            <a:cxnSpLocks/>
+          </p:cNvCxnSpPr>
+          <p:nvPr/>
+        </p:nvCxnSpPr>
+        <p:spPr>
+          <a:xfrm flipH="1" flipV="1">
+            <a:off x="4833257" y="3221572"/>
+            <a:ext cx="791705" cy="609159"/>
+          </a:xfrm>
+          <a:prstGeom prst="straightConnector1">
+            <a:avLst/>
+          </a:prstGeom>
+          <a:ln w="19050">
+            <a:solidFill>
+              <a:schemeClr val="tx1"/>
+            </a:solidFill>
+            <a:tailEnd type="triangle"/>
+          </a:ln>
+        </p:spPr>
+        <p:style>
+          <a:lnRef idx="1">
+            <a:schemeClr val="accent1"/>
+          </a:lnRef>
+          <a:fillRef idx="0">
+            <a:schemeClr val="accent1"/>
+          </a:fillRef>
+          <a:effectRef idx="0">
+            <a:schemeClr val="accent1"/>
+          </a:effectRef>
+          <a:fontRef idx="minor">
+            <a:schemeClr val="tx1"/>
+          </a:fontRef>
+        </p:style>
+      </p:cxnSp>
+      <p:cxnSp>
+        <p:nvCxnSpPr>
+          <p:cNvPr id="8" name="Straight Arrow Connector 7">
+            <a:extLst>
+              <a:ext uri="{FF2B5EF4-FFF2-40B4-BE49-F238E27FC236}">
+                <a16:creationId xmlns:a16="http://schemas.microsoft.com/office/drawing/2014/main" id="{6C8903A2-8B0F-CAAB-9256-E990172FDF0D}"/>
+              </a:ext>
+            </a:extLst>
+          </p:cNvPr>
+          <p:cNvCxnSpPr>
+            <a:cxnSpLocks/>
+          </p:cNvCxnSpPr>
+          <p:nvPr/>
+        </p:nvCxnSpPr>
+        <p:spPr>
+          <a:xfrm flipV="1">
+            <a:off x="5659729" y="3194757"/>
+            <a:ext cx="641874" cy="618001"/>
+          </a:xfrm>
+          <a:prstGeom prst="straightConnector1">
+            <a:avLst/>
+          </a:prstGeom>
+          <a:ln w="19050">
+            <a:solidFill>
+              <a:schemeClr val="tx1"/>
+            </a:solidFill>
+            <a:tailEnd type="triangle"/>
+          </a:ln>
+        </p:spPr>
+        <p:style>
+          <a:lnRef idx="1">
+            <a:schemeClr val="accent1"/>
+          </a:lnRef>
+          <a:fillRef idx="0">
+            <a:schemeClr val="accent1"/>
+          </a:fillRef>
+          <a:effectRef idx="0">
+            <a:schemeClr val="accent1"/>
+          </a:effectRef>
+          <a:fontRef idx="minor">
+            <a:schemeClr val="tx1"/>
+          </a:fontRef>
+        </p:style>
+      </p:cxnSp>
+      <p:sp>
+        <p:nvSpPr>
+          <p:cNvPr id="12" name="Oval 11">
+            <a:extLst>
+              <a:ext uri="{FF2B5EF4-FFF2-40B4-BE49-F238E27FC236}">
+                <a16:creationId xmlns:a16="http://schemas.microsoft.com/office/drawing/2014/main" id="{1D7B7CB9-08B8-03CC-A70B-3E7E5F6CE441}"/>
+              </a:ext>
+            </a:extLst>
+          </p:cNvPr>
+          <p:cNvSpPr/>
+          <p:nvPr/>
+        </p:nvSpPr>
+        <p:spPr>
+          <a:xfrm>
+            <a:off x="5566749" y="3777102"/>
+            <a:ext cx="107259" cy="107259"/>
+          </a:xfrm>
+          <a:prstGeom prst="ellipse">
+            <a:avLst/>
+          </a:prstGeom>
+          <a:solidFill>
+            <a:srgbClr val="C00000"/>
+          </a:solidFill>
+          <a:ln>
+            <a:solidFill>
+              <a:srgbClr val="C00000"/>
+            </a:solidFill>
+          </a:ln>
+        </p:spPr>
+        <p:style>
+          <a:lnRef idx="2">
+            <a:schemeClr val="accent1">
+              <a:shade val="50000"/>
+            </a:schemeClr>
+          </a:lnRef>
+          <a:fillRef idx="1">
+            <a:schemeClr val="accent1"/>
+          </a:fillRef>
+          <a:effectRef idx="0">
+            <a:schemeClr val="accent1"/>
+          </a:effectRef>
+          <a:fontRef idx="minor">
+            <a:schemeClr val="lt1"/>
+          </a:fontRef>
+        </p:style>
+        <p:txBody>
+          <a:bodyPr rtlCol="0" anchor="ctr"/>
+          <a:lstStyle/>
+          <a:p>
+            <a:pPr algn="ctr"/>
+            <a:endParaRPr lang="de-DE"/>
+          </a:p>
+        </p:txBody>
+      </p:sp>
+      <mc:AlternateContent xmlns:mc="http://schemas.openxmlformats.org/markup-compatibility/2006">
+        <mc:Choice xmlns:a14="http://schemas.microsoft.com/office/drawing/2010/main" Requires="a14">
+          <p:sp>
+            <p:nvSpPr>
+              <p:cNvPr id="13" name="TextBox 12">
+                <a:extLst>
+                  <a:ext uri="{FF2B5EF4-FFF2-40B4-BE49-F238E27FC236}">
+                    <a16:creationId xmlns:a16="http://schemas.microsoft.com/office/drawing/2014/main" id="{FD211AC4-35FA-195C-F27A-8DA5320364E8}"/>
+                  </a:ext>
+                </a:extLst>
+              </p:cNvPr>
+              <p:cNvSpPr txBox="1"/>
+              <p:nvPr/>
+            </p:nvSpPr>
+            <p:spPr>
+              <a:xfrm>
+                <a:off x="5070740" y="3546269"/>
+                <a:ext cx="549638" cy="461665"/>
+              </a:xfrm>
+              <a:prstGeom prst="rect">
+                <a:avLst/>
+              </a:prstGeom>
+              <a:noFill/>
+            </p:spPr>
+            <p:txBody>
+              <a:bodyPr wrap="none" rtlCol="0">
+                <a:spAutoFit/>
+              </a:bodyPr>
+              <a:lstStyle/>
+              <a:p>
+                <a:pPr/>
+                <a14:m>
+                  <m:oMathPara xmlns:m="http://schemas.openxmlformats.org/officeDocument/2006/math">
+                    <m:oMathParaPr>
+                      <m:jc m:val="centerGroup"/>
+                    </m:oMathParaPr>
+                    <m:oMath xmlns:m="http://schemas.openxmlformats.org/officeDocument/2006/math">
+                      <m:sSub>
+                        <m:sSubPr>
+                          <m:ctrlPr>
+                            <a:rPr lang="de-DE" sz="2400" b="0" i="1" dirty="0" smtClean="0">
+                              <a:latin typeface="Cambria Math" panose="02040503050406030204" pitchFamily="18" charset="0"/>
+                            </a:rPr>
+                          </m:ctrlPr>
+                        </m:sSubPr>
+                        <m:e>
+                          <m:r>
+                            <a:rPr lang="de-DE" sz="2400" b="0" i="1" dirty="0" smtClean="0">
+                              <a:latin typeface="Cambria Math" panose="02040503050406030204" pitchFamily="18" charset="0"/>
+                            </a:rPr>
+                            <m:t>𝑥</m:t>
+                          </m:r>
+                        </m:e>
+                        <m:sub>
+                          <m:r>
+                            <a:rPr lang="de-DE" sz="2400" b="0" i="1" dirty="0" smtClean="0">
+                              <a:latin typeface="Cambria Math" panose="02040503050406030204" pitchFamily="18" charset="0"/>
+                            </a:rPr>
+                            <m:t>0</m:t>
+                          </m:r>
+                        </m:sub>
+                      </m:sSub>
+                    </m:oMath>
+                  </m:oMathPara>
+                </a14:m>
+                <a:endParaRPr lang="de-DE" dirty="0"/>
+              </a:p>
+            </p:txBody>
+          </p:sp>
+        </mc:Choice>
+        <mc:Fallback>
+          <p:sp>
+            <p:nvSpPr>
+              <p:cNvPr id="13" name="TextBox 12">
+                <a:extLst>
+                  <a:ext uri="{FF2B5EF4-FFF2-40B4-BE49-F238E27FC236}">
+                    <a16:creationId xmlns:a16="http://schemas.microsoft.com/office/drawing/2014/main" id="{FD211AC4-35FA-195C-F27A-8DA5320364E8}"/>
+                  </a:ext>
+                </a:extLst>
+              </p:cNvPr>
+              <p:cNvSpPr txBox="1">
+                <a:spLocks noRot="1" noChangeAspect="1" noMove="1" noResize="1" noEditPoints="1" noAdjustHandles="1" noChangeArrowheads="1" noChangeShapeType="1" noTextEdit="1"/>
+              </p:cNvSpPr>
+              <p:nvPr/>
+            </p:nvSpPr>
+            <p:spPr>
+              <a:xfrm>
+                <a:off x="5070740" y="3546269"/>
+                <a:ext cx="549638" cy="461665"/>
+              </a:xfrm>
+              <a:prstGeom prst="rect">
+                <a:avLst/>
+              </a:prstGeom>
+              <a:blipFill>
+                <a:blip r:embed="rId3"/>
+                <a:stretch>
+                  <a:fillRect b="-1333"/>
+                </a:stretch>
+              </a:blipFill>
+            </p:spPr>
+            <p:txBody>
+              <a:bodyPr/>
+              <a:lstStyle/>
+              <a:p>
+                <a:r>
+                  <a:rPr lang="en-US">
+                    <a:noFill/>
+                  </a:rPr>
+                  <a:t> </a:t>
+                </a:r>
+              </a:p>
+            </p:txBody>
+          </p:sp>
+        </mc:Fallback>
+      </mc:AlternateContent>
+    </p:spTree>
+    <p:extLst>
+      <p:ext uri="{BB962C8B-B14F-4D97-AF65-F5344CB8AC3E}">
+        <p14:creationId xmlns:p14="http://schemas.microsoft.com/office/powerpoint/2010/main" val="3297130885"/>
+      </p:ext>
+    </p:extLst>
+  </p:cSld>
+  <p:clrMapOvr>
+    <a:masterClrMapping/>
+  </p:clrMapOvr>
+</p:sld>
+</file>
+
+<file path=ppt/slides/slide6.xml><?xml version="1.0" encoding="utf-8"?>
+<p:sld xmlns:a="http://schemas.openxmlformats.org/drawingml/2006/main" xmlns:r="http://schemas.openxmlformats.org/officeDocument/2006/relationships" xmlns:p="http://schemas.openxmlformats.org/presentationml/2006/main">
+  <p:cSld>
+    <p:spTree>
+      <p:nvGrpSpPr>
+        <p:cNvPr id="1" name=""/>
+        <p:cNvGrpSpPr/>
+        <p:nvPr/>
+      </p:nvGrpSpPr>
+      <p:grpSpPr>
+        <a:xfrm>
+          <a:off x="0" y="0"/>
+          <a:ext cx="0" cy="0"/>
+          <a:chOff x="0" y="0"/>
+          <a:chExt cx="0" cy="0"/>
+        </a:xfrm>
+      </p:grpSpPr>
+      <p:pic>
+        <p:nvPicPr>
           <p:cNvPr id="2050" name="Picture 2">
             <a:extLst>
               <a:ext uri="{FF2B5EF4-FFF2-40B4-BE49-F238E27FC236}">
@@ -8473,7 +8872,7 @@
 </p:sld>
 </file>
 
-<file path=ppt/slides/slide6.xml><?xml version="1.0" encoding="utf-8"?>
+<file path=ppt/slides/slide7.xml><?xml version="1.0" encoding="utf-8"?>
 <p:sld xmlns:a="http://schemas.openxmlformats.org/drawingml/2006/main" xmlns:r="http://schemas.openxmlformats.org/officeDocument/2006/relationships" xmlns:p="http://schemas.openxmlformats.org/presentationml/2006/main">
   <p:cSld>
     <p:spTree>
@@ -9643,7 +10042,7 @@
 </p:sld>
 </file>
 
-<file path=ppt/slides/slide7.xml><?xml version="1.0" encoding="utf-8"?>
+<file path=ppt/slides/slide8.xml><?xml version="1.0" encoding="utf-8"?>
 <p:sld xmlns:a="http://schemas.openxmlformats.org/drawingml/2006/main" xmlns:r="http://schemas.openxmlformats.org/officeDocument/2006/relationships" xmlns:p="http://schemas.openxmlformats.org/presentationml/2006/main">
   <p:cSld>
     <p:spTree>
@@ -10094,7 +10493,7 @@
 </p:sld>
 </file>
 
-<file path=ppt/slides/slide8.xml><?xml version="1.0" encoding="utf-8"?>
+<file path=ppt/slides/slide9.xml><?xml version="1.0" encoding="utf-8"?>
 <p:sld xmlns:a="http://schemas.openxmlformats.org/drawingml/2006/main" xmlns:r="http://schemas.openxmlformats.org/officeDocument/2006/relationships" xmlns:p="http://schemas.openxmlformats.org/presentationml/2006/main">
   <p:cSld>
     <p:spTree>

--- a/sketches.pptx
+++ b/sketches.pptx
@@ -5,7 +5,7 @@
     <p:sldMasterId id="2147483648" r:id="rId1"/>
   </p:sldMasterIdLst>
   <p:notesMasterIdLst>
-    <p:notesMasterId r:id="rId11"/>
+    <p:notesMasterId r:id="rId12"/>
   </p:notesMasterIdLst>
   <p:sldIdLst>
     <p:sldId id="256" r:id="rId2"/>
@@ -17,6 +17,7 @@
     <p:sldId id="261" r:id="rId8"/>
     <p:sldId id="262" r:id="rId9"/>
     <p:sldId id="263" r:id="rId10"/>
+    <p:sldId id="265" r:id="rId11"/>
   </p:sldIdLst>
   <p:sldSz cx="12192000" cy="6858000"/>
   <p:notesSz cx="6858000" cy="9144000"/>
@@ -123,6 +124,62 @@
 </p:presentation>
 </file>
 
+<file path=ppt/ink/ink1.xml><?xml version="1.0" encoding="utf-8"?>
+<inkml:ink xmlns:inkml="http://www.w3.org/2003/InkML">
+  <inkml:definitions>
+    <inkml:context xml:id="ctx0">
+      <inkml:inkSource xml:id="inkSrc0">
+        <inkml:traceFormat>
+          <inkml:channel name="X" type="integer" min="-2.14748E9" max="2.14748E9" units="cm"/>
+          <inkml:channel name="Y" type="integer" min="-2.14748E9" max="2.14748E9" units="cm"/>
+          <inkml:channel name="F" type="integer" max="32767" units="dev"/>
+        </inkml:traceFormat>
+        <inkml:channelProperties>
+          <inkml:channelProperty channel="X" name="resolution" value="1000" units="1/cm"/>
+          <inkml:channelProperty channel="Y" name="resolution" value="1000" units="1/cm"/>
+          <inkml:channelProperty channel="F" name="resolution" value="0" units="1/dev"/>
+        </inkml:channelProperties>
+      </inkml:inkSource>
+      <inkml:timestamp xml:id="ts0" timeString="2024-02-23T11:31:13.599"/>
+    </inkml:context>
+    <inkml:brush xml:id="br0">
+      <inkml:brushProperty name="width" value="0.05" units="cm"/>
+      <inkml:brushProperty name="height" value="0.05" units="cm"/>
+      <inkml:brushProperty name="color" value="#004F8B"/>
+    </inkml:brush>
+  </inkml:definitions>
+  <inkml:trace contextRef="#ctx0" brushRef="#br0">1 2 24575,'79'-1'0,"85"2"0,-155 2 0,1 0 0,-1 0 0,0 1 0,-1 0 0,1 1 0,14 10 0,-20-13 0,40 28 0,-3 2 0,0 2 0,42 47 0,48 38 0,-62-60 0,14 25 0,-81-84 0,-1 0 0,0 1 0,0-1 0,0 0 0,1 0 0,-1 1 0,0-1 0,0 0 0,1 0 0,-1 0 0,0 0 0,1 1 0,-1-1 0,0 0 0,0 0 0,1 0 0,-1 0 0,0 0 0,1 0 0,-1 0 0,0 0 0,1 0 0,-1 0 0,0 0 0,1 0 0,-1 0 0,0 0 0,1 0 0,-1 0 0,0 0 0,1 0 0,-1 0 0,0-1 0,1 1 0,4-13 0,-3-20 0,-2 31 0,-1-113-1365,1 106-5461</inkml:trace>
+</inkml:ink>
+</file>
+
+<file path=ppt/ink/ink2.xml><?xml version="1.0" encoding="utf-8"?>
+<inkml:ink xmlns:inkml="http://www.w3.org/2003/InkML">
+  <inkml:definitions>
+    <inkml:context xml:id="ctx0">
+      <inkml:inkSource xml:id="inkSrc0">
+        <inkml:traceFormat>
+          <inkml:channel name="X" type="integer" min="-2.14748E9" max="2.14748E9" units="cm"/>
+          <inkml:channel name="Y" type="integer" min="-2.14748E9" max="2.14748E9" units="cm"/>
+          <inkml:channel name="F" type="integer" max="32767" units="dev"/>
+        </inkml:traceFormat>
+        <inkml:channelProperties>
+          <inkml:channelProperty channel="X" name="resolution" value="1000" units="1/cm"/>
+          <inkml:channelProperty channel="Y" name="resolution" value="1000" units="1/cm"/>
+          <inkml:channelProperty channel="F" name="resolution" value="0" units="1/dev"/>
+        </inkml:channelProperties>
+      </inkml:inkSource>
+      <inkml:timestamp xml:id="ts0" timeString="2024-02-23T11:31:13.600"/>
+    </inkml:context>
+    <inkml:brush xml:id="br0">
+      <inkml:brushProperty name="width" value="0.05" units="cm"/>
+      <inkml:brushProperty name="height" value="0.05" units="cm"/>
+      <inkml:brushProperty name="color" value="#004F8B"/>
+    </inkml:brush>
+  </inkml:definitions>
+  <inkml:trace contextRef="#ctx0" brushRef="#br0">150 1 24575,'-2'0'0,"-4"0"0,-3 0 0,-1 0 0,-2 0 0,0 0 0,1 0 0,-1 0 0,1 0 0,0 0 0,0 0 0,1 0 0,-1 0 0,0 0 0,1 0 0</inkml:trace>
+</inkml:ink>
+</file>
+
 <file path=ppt/notesMasters/notesMaster1.xml><?xml version="1.0" encoding="utf-8"?>
 <p:notesMaster xmlns:a="http://schemas.openxmlformats.org/drawingml/2006/main" xmlns:r="http://schemas.openxmlformats.org/officeDocument/2006/relationships" xmlns:p="http://schemas.openxmlformats.org/presentationml/2006/main">
   <p:cSld>
@@ -205,7 +262,7 @@
           <a:p>
             <a:fld id="{83BEFFCD-55D1-46DA-89C3-8B3AE4381425}" type="datetimeFigureOut">
               <a:rPr lang="de-DE" smtClean="0"/>
-              <a:t>20.11.2023</a:t>
+              <a:t>23.02.2024</a:t>
             </a:fld>
             <a:endParaRPr lang="de-DE"/>
           </a:p>
@@ -706,7 +763,7 @@
           <a:p>
             <a:fld id="{475E47E5-6F11-44CE-B90D-6B38E21F4970}" type="datetimeFigureOut">
               <a:rPr lang="de-DE" smtClean="0"/>
-              <a:t>20.11.2023</a:t>
+              <a:t>23.02.2024</a:t>
             </a:fld>
             <a:endParaRPr lang="de-DE"/>
           </a:p>
@@ -906,7 +963,7 @@
           <a:p>
             <a:fld id="{475E47E5-6F11-44CE-B90D-6B38E21F4970}" type="datetimeFigureOut">
               <a:rPr lang="de-DE" smtClean="0"/>
-              <a:t>20.11.2023</a:t>
+              <a:t>23.02.2024</a:t>
             </a:fld>
             <a:endParaRPr lang="de-DE"/>
           </a:p>
@@ -1116,7 +1173,7 @@
           <a:p>
             <a:fld id="{475E47E5-6F11-44CE-B90D-6B38E21F4970}" type="datetimeFigureOut">
               <a:rPr lang="de-DE" smtClean="0"/>
-              <a:t>20.11.2023</a:t>
+              <a:t>23.02.2024</a:t>
             </a:fld>
             <a:endParaRPr lang="de-DE"/>
           </a:p>
@@ -1316,7 +1373,7 @@
           <a:p>
             <a:fld id="{475E47E5-6F11-44CE-B90D-6B38E21F4970}" type="datetimeFigureOut">
               <a:rPr lang="de-DE" smtClean="0"/>
-              <a:t>20.11.2023</a:t>
+              <a:t>23.02.2024</a:t>
             </a:fld>
             <a:endParaRPr lang="de-DE"/>
           </a:p>
@@ -1592,7 +1649,7 @@
           <a:p>
             <a:fld id="{475E47E5-6F11-44CE-B90D-6B38E21F4970}" type="datetimeFigureOut">
               <a:rPr lang="de-DE" smtClean="0"/>
-              <a:t>20.11.2023</a:t>
+              <a:t>23.02.2024</a:t>
             </a:fld>
             <a:endParaRPr lang="de-DE"/>
           </a:p>
@@ -1860,7 +1917,7 @@
           <a:p>
             <a:fld id="{475E47E5-6F11-44CE-B90D-6B38E21F4970}" type="datetimeFigureOut">
               <a:rPr lang="de-DE" smtClean="0"/>
-              <a:t>20.11.2023</a:t>
+              <a:t>23.02.2024</a:t>
             </a:fld>
             <a:endParaRPr lang="de-DE"/>
           </a:p>
@@ -2275,7 +2332,7 @@
           <a:p>
             <a:fld id="{475E47E5-6F11-44CE-B90D-6B38E21F4970}" type="datetimeFigureOut">
               <a:rPr lang="de-DE" smtClean="0"/>
-              <a:t>20.11.2023</a:t>
+              <a:t>23.02.2024</a:t>
             </a:fld>
             <a:endParaRPr lang="de-DE"/>
           </a:p>
@@ -2417,7 +2474,7 @@
           <a:p>
             <a:fld id="{475E47E5-6F11-44CE-B90D-6B38E21F4970}" type="datetimeFigureOut">
               <a:rPr lang="de-DE" smtClean="0"/>
-              <a:t>20.11.2023</a:t>
+              <a:t>23.02.2024</a:t>
             </a:fld>
             <a:endParaRPr lang="de-DE"/>
           </a:p>
@@ -2530,7 +2587,7 @@
           <a:p>
             <a:fld id="{475E47E5-6F11-44CE-B90D-6B38E21F4970}" type="datetimeFigureOut">
               <a:rPr lang="de-DE" smtClean="0"/>
-              <a:t>20.11.2023</a:t>
+              <a:t>23.02.2024</a:t>
             </a:fld>
             <a:endParaRPr lang="de-DE"/>
           </a:p>
@@ -2843,7 +2900,7 @@
           <a:p>
             <a:fld id="{475E47E5-6F11-44CE-B90D-6B38E21F4970}" type="datetimeFigureOut">
               <a:rPr lang="de-DE" smtClean="0"/>
-              <a:t>20.11.2023</a:t>
+              <a:t>23.02.2024</a:t>
             </a:fld>
             <a:endParaRPr lang="de-DE"/>
           </a:p>
@@ -3132,7 +3189,7 @@
           <a:p>
             <a:fld id="{475E47E5-6F11-44CE-B90D-6B38E21F4970}" type="datetimeFigureOut">
               <a:rPr lang="de-DE" smtClean="0"/>
-              <a:t>20.11.2023</a:t>
+              <a:t>23.02.2024</a:t>
             </a:fld>
             <a:endParaRPr lang="de-DE"/>
           </a:p>
@@ -3375,7 +3432,7 @@
           <a:p>
             <a:fld id="{475E47E5-6F11-44CE-B90D-6B38E21F4970}" type="datetimeFigureOut">
               <a:rPr lang="de-DE" smtClean="0"/>
-              <a:t>20.11.2023</a:t>
+              <a:t>23.02.2024</a:t>
             </a:fld>
             <a:endParaRPr lang="de-DE"/>
           </a:p>
@@ -7228,6 +7285,2693 @@
 </p:sld>
 </file>
 
+<file path=ppt/slides/slide10.xml><?xml version="1.0" encoding="utf-8"?>
+<p:sld xmlns:a="http://schemas.openxmlformats.org/drawingml/2006/main" xmlns:r="http://schemas.openxmlformats.org/officeDocument/2006/relationships" xmlns:p="http://schemas.openxmlformats.org/presentationml/2006/main">
+  <p:cSld>
+    <p:spTree>
+      <p:nvGrpSpPr>
+        <p:cNvPr id="1" name=""/>
+        <p:cNvGrpSpPr/>
+        <p:nvPr/>
+      </p:nvGrpSpPr>
+      <p:grpSpPr>
+        <a:xfrm>
+          <a:off x="0" y="0"/>
+          <a:ext cx="0" cy="0"/>
+          <a:chOff x="0" y="0"/>
+          <a:chExt cx="0" cy="0"/>
+        </a:xfrm>
+      </p:grpSpPr>
+      <p:cxnSp>
+        <p:nvCxnSpPr>
+          <p:cNvPr id="4" name="Straight Arrow Connector 3">
+            <a:extLst>
+              <a:ext uri="{FF2B5EF4-FFF2-40B4-BE49-F238E27FC236}">
+                <a16:creationId xmlns:a16="http://schemas.microsoft.com/office/drawing/2014/main" id="{A7B8E557-FB84-824B-D4A1-F79B7C935743}"/>
+              </a:ext>
+            </a:extLst>
+          </p:cNvPr>
+          <p:cNvCxnSpPr>
+            <a:cxnSpLocks/>
+          </p:cNvCxnSpPr>
+          <p:nvPr/>
+        </p:nvCxnSpPr>
+        <p:spPr>
+          <a:xfrm flipH="1" flipV="1">
+            <a:off x="4121552" y="1487156"/>
+            <a:ext cx="0" cy="3633870"/>
+          </a:xfrm>
+          <a:prstGeom prst="straightConnector1">
+            <a:avLst/>
+          </a:prstGeom>
+          <a:ln>
+            <a:tailEnd type="triangle"/>
+          </a:ln>
+        </p:spPr>
+        <p:style>
+          <a:lnRef idx="1">
+            <a:schemeClr val="accent1"/>
+          </a:lnRef>
+          <a:fillRef idx="0">
+            <a:schemeClr val="accent1"/>
+          </a:fillRef>
+          <a:effectRef idx="0">
+            <a:schemeClr val="accent1"/>
+          </a:effectRef>
+          <a:fontRef idx="minor">
+            <a:schemeClr val="tx1"/>
+          </a:fontRef>
+        </p:style>
+      </p:cxnSp>
+      <p:cxnSp>
+        <p:nvCxnSpPr>
+          <p:cNvPr id="5" name="Straight Arrow Connector 4">
+            <a:extLst>
+              <a:ext uri="{FF2B5EF4-FFF2-40B4-BE49-F238E27FC236}">
+                <a16:creationId xmlns:a16="http://schemas.microsoft.com/office/drawing/2014/main" id="{97AE32F1-7285-057C-D2A4-FEAF670875C9}"/>
+              </a:ext>
+            </a:extLst>
+          </p:cNvPr>
+          <p:cNvCxnSpPr>
+            <a:cxnSpLocks/>
+          </p:cNvCxnSpPr>
+          <p:nvPr/>
+        </p:nvCxnSpPr>
+        <p:spPr>
+          <a:xfrm>
+            <a:off x="4052898" y="5108077"/>
+            <a:ext cx="3679086" cy="0"/>
+          </a:xfrm>
+          <a:prstGeom prst="straightConnector1">
+            <a:avLst/>
+          </a:prstGeom>
+          <a:ln>
+            <a:tailEnd type="triangle"/>
+          </a:ln>
+        </p:spPr>
+        <p:style>
+          <a:lnRef idx="1">
+            <a:schemeClr val="accent1"/>
+          </a:lnRef>
+          <a:fillRef idx="0">
+            <a:schemeClr val="accent1"/>
+          </a:fillRef>
+          <a:effectRef idx="0">
+            <a:schemeClr val="accent1"/>
+          </a:effectRef>
+          <a:fontRef idx="minor">
+            <a:schemeClr val="tx1"/>
+          </a:fontRef>
+        </p:style>
+      </p:cxnSp>
+      <p:cxnSp>
+        <p:nvCxnSpPr>
+          <p:cNvPr id="6" name="Straight Connector 5">
+            <a:extLst>
+              <a:ext uri="{FF2B5EF4-FFF2-40B4-BE49-F238E27FC236}">
+                <a16:creationId xmlns:a16="http://schemas.microsoft.com/office/drawing/2014/main" id="{E344AE04-1752-5163-74F9-CB89CBC1B99B}"/>
+              </a:ext>
+            </a:extLst>
+          </p:cNvPr>
+          <p:cNvCxnSpPr>
+            <a:cxnSpLocks/>
+          </p:cNvCxnSpPr>
+          <p:nvPr/>
+        </p:nvCxnSpPr>
+        <p:spPr>
+          <a:xfrm flipH="1" flipV="1">
+            <a:off x="4145034" y="2180656"/>
+            <a:ext cx="1960134" cy="2961856"/>
+          </a:xfrm>
+          <a:prstGeom prst="line">
+            <a:avLst/>
+          </a:prstGeom>
+        </p:spPr>
+        <p:style>
+          <a:lnRef idx="3">
+            <a:schemeClr val="accent2"/>
+          </a:lnRef>
+          <a:fillRef idx="0">
+            <a:schemeClr val="accent2"/>
+          </a:fillRef>
+          <a:effectRef idx="2">
+            <a:schemeClr val="accent2"/>
+          </a:effectRef>
+          <a:fontRef idx="minor">
+            <a:schemeClr val="tx1"/>
+          </a:fontRef>
+        </p:style>
+      </p:cxnSp>
+      <mc:AlternateContent xmlns:mc="http://schemas.openxmlformats.org/markup-compatibility/2006">
+        <mc:Choice xmlns:a14="http://schemas.microsoft.com/office/drawing/2010/main" Requires="a14">
+          <p:sp>
+            <p:nvSpPr>
+              <p:cNvPr id="7" name="TextBox 6">
+                <a:extLst>
+                  <a:ext uri="{FF2B5EF4-FFF2-40B4-BE49-F238E27FC236}">
+                    <a16:creationId xmlns:a16="http://schemas.microsoft.com/office/drawing/2014/main" id="{74F27F87-080E-B489-BBDA-CC0AB6CF070A}"/>
+                  </a:ext>
+                </a:extLst>
+              </p:cNvPr>
+              <p:cNvSpPr txBox="1"/>
+              <p:nvPr/>
+            </p:nvSpPr>
+            <p:spPr>
+              <a:xfrm>
+                <a:off x="5776753" y="5493970"/>
+                <a:ext cx="275562" cy="369332"/>
+              </a:xfrm>
+              <a:prstGeom prst="rect">
+                <a:avLst/>
+              </a:prstGeom>
+              <a:noFill/>
+            </p:spPr>
+            <p:txBody>
+              <a:bodyPr wrap="square">
+                <a:spAutoFit/>
+              </a:bodyPr>
+              <a:lstStyle/>
+              <a:p>
+                <a:pPr/>
+                <a14:m>
+                  <m:oMathPara xmlns:m="http://schemas.openxmlformats.org/officeDocument/2006/math">
+                    <m:oMathParaPr>
+                      <m:jc m:val="centerGroup"/>
+                    </m:oMathParaPr>
+                    <m:oMath xmlns:m="http://schemas.openxmlformats.org/officeDocument/2006/math">
+                      <m:sSub>
+                        <m:sSubPr>
+                          <m:ctrlPr>
+                            <a:rPr lang="de-DE" sz="1800" b="0" i="1" smtClean="0">
+                              <a:latin typeface="Cambria Math" panose="02040503050406030204" pitchFamily="18" charset="0"/>
+                            </a:rPr>
+                          </m:ctrlPr>
+                        </m:sSubPr>
+                        <m:e>
+                          <m:r>
+                            <a:rPr lang="de-DE" sz="1800" b="0" i="1" smtClean="0">
+                              <a:latin typeface="Cambria Math" panose="02040503050406030204" pitchFamily="18" charset="0"/>
+                            </a:rPr>
+                            <m:t>𝑥</m:t>
+                          </m:r>
+                        </m:e>
+                        <m:sub>
+                          <m:r>
+                            <a:rPr lang="de-DE" sz="1800" b="0" i="0" smtClean="0">
+                              <a:latin typeface="Cambria Math" panose="02040503050406030204" pitchFamily="18" charset="0"/>
+                            </a:rPr>
+                            <m:t>1</m:t>
+                          </m:r>
+                        </m:sub>
+                      </m:sSub>
+                    </m:oMath>
+                  </m:oMathPara>
+                </a14:m>
+                <a:endParaRPr lang="de-DE" dirty="0"/>
+              </a:p>
+            </p:txBody>
+          </p:sp>
+        </mc:Choice>
+        <mc:Fallback>
+          <p:sp>
+            <p:nvSpPr>
+              <p:cNvPr id="7" name="TextBox 6">
+                <a:extLst>
+                  <a:ext uri="{FF2B5EF4-FFF2-40B4-BE49-F238E27FC236}">
+                    <a16:creationId xmlns:a16="http://schemas.microsoft.com/office/drawing/2014/main" id="{74F27F87-080E-B489-BBDA-CC0AB6CF070A}"/>
+                  </a:ext>
+                </a:extLst>
+              </p:cNvPr>
+              <p:cNvSpPr txBox="1">
+                <a:spLocks noRot="1" noChangeAspect="1" noMove="1" noResize="1" noEditPoints="1" noAdjustHandles="1" noChangeArrowheads="1" noChangeShapeType="1" noTextEdit="1"/>
+              </p:cNvSpPr>
+              <p:nvPr/>
+            </p:nvSpPr>
+            <p:spPr>
+              <a:xfrm>
+                <a:off x="5776753" y="5493970"/>
+                <a:ext cx="275562" cy="369332"/>
+              </a:xfrm>
+              <a:prstGeom prst="rect">
+                <a:avLst/>
+              </a:prstGeom>
+              <a:blipFill>
+                <a:blip r:embed="rId2"/>
+                <a:stretch>
+                  <a:fillRect r="-31111"/>
+                </a:stretch>
+              </a:blipFill>
+            </p:spPr>
+            <p:txBody>
+              <a:bodyPr/>
+              <a:lstStyle/>
+              <a:p>
+                <a:r>
+                  <a:rPr lang="en-US">
+                    <a:noFill/>
+                  </a:rPr>
+                  <a:t> </a:t>
+                </a:r>
+              </a:p>
+            </p:txBody>
+          </p:sp>
+        </mc:Fallback>
+      </mc:AlternateContent>
+      <mc:AlternateContent xmlns:mc="http://schemas.openxmlformats.org/markup-compatibility/2006">
+        <mc:Choice xmlns:a14="http://schemas.microsoft.com/office/drawing/2010/main" Requires="a14">
+          <p:sp>
+            <p:nvSpPr>
+              <p:cNvPr id="8" name="TextBox 7">
+                <a:extLst>
+                  <a:ext uri="{FF2B5EF4-FFF2-40B4-BE49-F238E27FC236}">
+                    <a16:creationId xmlns:a16="http://schemas.microsoft.com/office/drawing/2014/main" id="{F7749233-B42D-B968-D08D-9DFDF256277B}"/>
+                  </a:ext>
+                </a:extLst>
+              </p:cNvPr>
+              <p:cNvSpPr txBox="1"/>
+              <p:nvPr/>
+            </p:nvSpPr>
+            <p:spPr>
+              <a:xfrm>
+                <a:off x="3343636" y="3071899"/>
+                <a:ext cx="275562" cy="369332"/>
+              </a:xfrm>
+              <a:prstGeom prst="rect">
+                <a:avLst/>
+              </a:prstGeom>
+              <a:noFill/>
+            </p:spPr>
+            <p:txBody>
+              <a:bodyPr wrap="square">
+                <a:spAutoFit/>
+              </a:bodyPr>
+              <a:lstStyle/>
+              <a:p>
+                <a:pPr/>
+                <a14:m>
+                  <m:oMathPara xmlns:m="http://schemas.openxmlformats.org/officeDocument/2006/math">
+                    <m:oMathParaPr>
+                      <m:jc m:val="centerGroup"/>
+                    </m:oMathParaPr>
+                    <m:oMath xmlns:m="http://schemas.openxmlformats.org/officeDocument/2006/math">
+                      <m:sSub>
+                        <m:sSubPr>
+                          <m:ctrlPr>
+                            <a:rPr lang="de-DE" sz="1800" b="0" i="1" smtClean="0">
+                              <a:latin typeface="Cambria Math" panose="02040503050406030204" pitchFamily="18" charset="0"/>
+                            </a:rPr>
+                          </m:ctrlPr>
+                        </m:sSubPr>
+                        <m:e>
+                          <m:r>
+                            <a:rPr lang="de-DE" sz="1800" b="0" i="1" smtClean="0">
+                              <a:latin typeface="Cambria Math" panose="02040503050406030204" pitchFamily="18" charset="0"/>
+                            </a:rPr>
+                            <m:t>𝑥</m:t>
+                          </m:r>
+                        </m:e>
+                        <m:sub>
+                          <m:r>
+                            <a:rPr lang="de-DE" sz="1800" b="0" i="1" smtClean="0">
+                              <a:latin typeface="Cambria Math" panose="02040503050406030204" pitchFamily="18" charset="0"/>
+                            </a:rPr>
+                            <m:t>2</m:t>
+                          </m:r>
+                        </m:sub>
+                      </m:sSub>
+                    </m:oMath>
+                  </m:oMathPara>
+                </a14:m>
+                <a:endParaRPr lang="de-DE" dirty="0"/>
+              </a:p>
+            </p:txBody>
+          </p:sp>
+        </mc:Choice>
+        <mc:Fallback>
+          <p:sp>
+            <p:nvSpPr>
+              <p:cNvPr id="8" name="TextBox 7">
+                <a:extLst>
+                  <a:ext uri="{FF2B5EF4-FFF2-40B4-BE49-F238E27FC236}">
+                    <a16:creationId xmlns:a16="http://schemas.microsoft.com/office/drawing/2014/main" id="{F7749233-B42D-B968-D08D-9DFDF256277B}"/>
+                  </a:ext>
+                </a:extLst>
+              </p:cNvPr>
+              <p:cNvSpPr txBox="1">
+                <a:spLocks noRot="1" noChangeAspect="1" noMove="1" noResize="1" noEditPoints="1" noAdjustHandles="1" noChangeArrowheads="1" noChangeShapeType="1" noTextEdit="1"/>
+              </p:cNvSpPr>
+              <p:nvPr/>
+            </p:nvSpPr>
+            <p:spPr>
+              <a:xfrm>
+                <a:off x="3343636" y="3071899"/>
+                <a:ext cx="275562" cy="369332"/>
+              </a:xfrm>
+              <a:prstGeom prst="rect">
+                <a:avLst/>
+              </a:prstGeom>
+              <a:blipFill>
+                <a:blip r:embed="rId3"/>
+                <a:stretch>
+                  <a:fillRect r="-32609"/>
+                </a:stretch>
+              </a:blipFill>
+            </p:spPr>
+            <p:txBody>
+              <a:bodyPr/>
+              <a:lstStyle/>
+              <a:p>
+                <a:r>
+                  <a:rPr lang="en-US">
+                    <a:noFill/>
+                  </a:rPr>
+                  <a:t> </a:t>
+                </a:r>
+              </a:p>
+            </p:txBody>
+          </p:sp>
+        </mc:Fallback>
+      </mc:AlternateContent>
+      <mc:AlternateContent xmlns:mc="http://schemas.openxmlformats.org/markup-compatibility/2006">
+        <mc:Choice xmlns:a14="http://schemas.microsoft.com/office/drawing/2010/main" Requires="a14">
+          <p:sp>
+            <p:nvSpPr>
+              <p:cNvPr id="9" name="TextBox 8">
+                <a:extLst>
+                  <a:ext uri="{FF2B5EF4-FFF2-40B4-BE49-F238E27FC236}">
+                    <a16:creationId xmlns:a16="http://schemas.microsoft.com/office/drawing/2014/main" id="{351D2D51-9A7D-713C-3E83-2A97F061164E}"/>
+                  </a:ext>
+                </a:extLst>
+              </p:cNvPr>
+              <p:cNvSpPr txBox="1"/>
+              <p:nvPr/>
+            </p:nvSpPr>
+            <p:spPr>
+              <a:xfrm>
+                <a:off x="3600599" y="1677818"/>
+                <a:ext cx="425094" cy="3652282"/>
+              </a:xfrm>
+              <a:prstGeom prst="rect">
+                <a:avLst/>
+              </a:prstGeom>
+              <a:noFill/>
+            </p:spPr>
+            <p:txBody>
+              <a:bodyPr wrap="square">
+                <a:spAutoFit/>
+              </a:bodyPr>
+              <a:lstStyle/>
+              <a:p>
+                <a:pPr algn="r">
+                  <a:spcBef>
+                    <a:spcPts val="400"/>
+                  </a:spcBef>
+                </a:pPr>
+                <a14:m>
+                  <m:oMathPara xmlns:m="http://schemas.openxmlformats.org/officeDocument/2006/math">
+                    <m:oMathParaPr>
+                      <m:jc m:val="centerGroup"/>
+                    </m:oMathParaPr>
+                    <m:oMath xmlns:m="http://schemas.openxmlformats.org/officeDocument/2006/math">
+                      <m:r>
+                        <a:rPr lang="de-DE" sz="1800" b="0" i="1" dirty="0" smtClean="0">
+                          <a:latin typeface="Cambria Math" panose="02040503050406030204" pitchFamily="18" charset="0"/>
+                        </a:rPr>
+                        <m:t>10</m:t>
+                      </m:r>
+                    </m:oMath>
+                  </m:oMathPara>
+                </a14:m>
+                <a:endParaRPr lang="de-DE" sz="1800" b="0" i="1" dirty="0">
+                  <a:latin typeface="Cambria Math" panose="02040503050406030204" pitchFamily="18" charset="0"/>
+                </a:endParaRPr>
+              </a:p>
+              <a:p>
+                <a:pPr algn="r">
+                  <a:spcBef>
+                    <a:spcPts val="400"/>
+                  </a:spcBef>
+                </a:pPr>
+                <a:r>
+                  <a:rPr lang="de-DE" dirty="0"/>
+                  <a:t> </a:t>
+                </a:r>
+                <a14:m>
+                  <m:oMath xmlns:m="http://schemas.openxmlformats.org/officeDocument/2006/math">
+                    <m:r>
+                      <a:rPr lang="de-DE" i="1" dirty="0" smtClean="0">
+                        <a:latin typeface="Cambria Math" panose="02040503050406030204" pitchFamily="18" charset="0"/>
+                      </a:rPr>
+                      <m:t>9</m:t>
+                    </m:r>
+                  </m:oMath>
+                </a14:m>
+                <a:endParaRPr lang="de-DE" dirty="0"/>
+              </a:p>
+              <a:p>
+                <a:pPr algn="r">
+                  <a:spcBef>
+                    <a:spcPts val="400"/>
+                  </a:spcBef>
+                </a:pPr>
+                <a:r>
+                  <a:rPr lang="de-DE" dirty="0"/>
+                  <a:t> </a:t>
+                </a:r>
+                <a14:m>
+                  <m:oMath xmlns:m="http://schemas.openxmlformats.org/officeDocument/2006/math">
+                    <m:r>
+                      <a:rPr lang="de-DE" i="1" dirty="0" smtClean="0">
+                        <a:latin typeface="Cambria Math" panose="02040503050406030204" pitchFamily="18" charset="0"/>
+                      </a:rPr>
+                      <m:t>8</m:t>
+                    </m:r>
+                  </m:oMath>
+                </a14:m>
+                <a:endParaRPr lang="de-DE" dirty="0"/>
+              </a:p>
+              <a:p>
+                <a:pPr algn="r">
+                  <a:spcBef>
+                    <a:spcPts val="400"/>
+                  </a:spcBef>
+                </a:pPr>
+                <a:r>
+                  <a:rPr lang="de-DE" dirty="0"/>
+                  <a:t> </a:t>
+                </a:r>
+                <a14:m>
+                  <m:oMath xmlns:m="http://schemas.openxmlformats.org/officeDocument/2006/math">
+                    <m:r>
+                      <a:rPr lang="de-DE" i="1" dirty="0" smtClean="0">
+                        <a:latin typeface="Cambria Math" panose="02040503050406030204" pitchFamily="18" charset="0"/>
+                      </a:rPr>
+                      <m:t>7</m:t>
+                    </m:r>
+                  </m:oMath>
+                </a14:m>
+                <a:endParaRPr lang="de-DE" dirty="0"/>
+              </a:p>
+              <a:p>
+                <a:pPr algn="r">
+                  <a:spcBef>
+                    <a:spcPts val="400"/>
+                  </a:spcBef>
+                </a:pPr>
+                <a:r>
+                  <a:rPr lang="de-DE" dirty="0"/>
+                  <a:t> </a:t>
+                </a:r>
+                <a14:m>
+                  <m:oMath xmlns:m="http://schemas.openxmlformats.org/officeDocument/2006/math">
+                    <m:r>
+                      <a:rPr lang="de-DE" i="1" dirty="0" smtClean="0">
+                        <a:latin typeface="Cambria Math" panose="02040503050406030204" pitchFamily="18" charset="0"/>
+                      </a:rPr>
+                      <m:t>6</m:t>
+                    </m:r>
+                  </m:oMath>
+                </a14:m>
+                <a:endParaRPr lang="de-DE" dirty="0"/>
+              </a:p>
+              <a:p>
+                <a:pPr algn="r">
+                  <a:spcBef>
+                    <a:spcPts val="400"/>
+                  </a:spcBef>
+                </a:pPr>
+                <a:r>
+                  <a:rPr lang="de-DE" dirty="0"/>
+                  <a:t> </a:t>
+                </a:r>
+                <a14:m>
+                  <m:oMath xmlns:m="http://schemas.openxmlformats.org/officeDocument/2006/math">
+                    <m:r>
+                      <a:rPr lang="de-DE" i="1" dirty="0" smtClean="0">
+                        <a:latin typeface="Cambria Math" panose="02040503050406030204" pitchFamily="18" charset="0"/>
+                      </a:rPr>
+                      <m:t>5</m:t>
+                    </m:r>
+                  </m:oMath>
+                </a14:m>
+                <a:endParaRPr lang="de-DE" dirty="0"/>
+              </a:p>
+              <a:p>
+                <a:pPr algn="r">
+                  <a:spcBef>
+                    <a:spcPts val="400"/>
+                  </a:spcBef>
+                </a:pPr>
+                <a:r>
+                  <a:rPr lang="de-DE" dirty="0"/>
+                  <a:t> </a:t>
+                </a:r>
+                <a14:m>
+                  <m:oMath xmlns:m="http://schemas.openxmlformats.org/officeDocument/2006/math">
+                    <m:r>
+                      <a:rPr lang="de-DE" i="1" dirty="0" smtClean="0">
+                        <a:latin typeface="Cambria Math" panose="02040503050406030204" pitchFamily="18" charset="0"/>
+                      </a:rPr>
+                      <m:t>4</m:t>
+                    </m:r>
+                  </m:oMath>
+                </a14:m>
+                <a:endParaRPr lang="de-DE" dirty="0"/>
+              </a:p>
+              <a:p>
+                <a:pPr algn="r">
+                  <a:spcBef>
+                    <a:spcPts val="400"/>
+                  </a:spcBef>
+                </a:pPr>
+                <a:r>
+                  <a:rPr lang="de-DE" dirty="0"/>
+                  <a:t> </a:t>
+                </a:r>
+                <a14:m>
+                  <m:oMath xmlns:m="http://schemas.openxmlformats.org/officeDocument/2006/math">
+                    <m:r>
+                      <a:rPr lang="de-DE" i="1" dirty="0" smtClean="0">
+                        <a:latin typeface="Cambria Math" panose="02040503050406030204" pitchFamily="18" charset="0"/>
+                      </a:rPr>
+                      <m:t>3</m:t>
+                    </m:r>
+                  </m:oMath>
+                </a14:m>
+                <a:endParaRPr lang="de-DE" dirty="0"/>
+              </a:p>
+              <a:p>
+                <a:pPr algn="r">
+                  <a:spcBef>
+                    <a:spcPts val="400"/>
+                  </a:spcBef>
+                </a:pPr>
+                <a:r>
+                  <a:rPr lang="de-DE" dirty="0"/>
+                  <a:t> </a:t>
+                </a:r>
+                <a14:m>
+                  <m:oMath xmlns:m="http://schemas.openxmlformats.org/officeDocument/2006/math">
+                    <m:r>
+                      <a:rPr lang="de-DE" i="1" dirty="0" smtClean="0">
+                        <a:latin typeface="Cambria Math" panose="02040503050406030204" pitchFamily="18" charset="0"/>
+                      </a:rPr>
+                      <m:t>2</m:t>
+                    </m:r>
+                  </m:oMath>
+                </a14:m>
+                <a:endParaRPr lang="de-DE" dirty="0"/>
+              </a:p>
+              <a:p>
+                <a:pPr algn="r">
+                  <a:spcBef>
+                    <a:spcPts val="400"/>
+                  </a:spcBef>
+                </a:pPr>
+                <a:r>
+                  <a:rPr lang="de-DE" dirty="0"/>
+                  <a:t> </a:t>
+                </a:r>
+                <a14:m>
+                  <m:oMath xmlns:m="http://schemas.openxmlformats.org/officeDocument/2006/math">
+                    <m:r>
+                      <a:rPr lang="de-DE" i="1" dirty="0" smtClean="0">
+                        <a:latin typeface="Cambria Math" panose="02040503050406030204" pitchFamily="18" charset="0"/>
+                      </a:rPr>
+                      <m:t>1</m:t>
+                    </m:r>
+                  </m:oMath>
+                </a14:m>
+                <a:endParaRPr lang="de-DE" dirty="0"/>
+              </a:p>
+              <a:p>
+                <a:pPr algn="r">
+                  <a:spcBef>
+                    <a:spcPts val="400"/>
+                  </a:spcBef>
+                </a:pPr>
+                <a:r>
+                  <a:rPr lang="de-DE" b="0" dirty="0"/>
+                  <a:t> </a:t>
+                </a:r>
+                <a14:m>
+                  <m:oMath xmlns:m="http://schemas.openxmlformats.org/officeDocument/2006/math">
+                    <m:r>
+                      <a:rPr lang="de-DE" b="0" i="1" smtClean="0">
+                        <a:latin typeface="Cambria Math" panose="02040503050406030204" pitchFamily="18" charset="0"/>
+                      </a:rPr>
+                      <m:t>0</m:t>
+                    </m:r>
+                  </m:oMath>
+                </a14:m>
+                <a:endParaRPr lang="de-DE" dirty="0"/>
+              </a:p>
+            </p:txBody>
+          </p:sp>
+        </mc:Choice>
+        <mc:Fallback>
+          <p:sp>
+            <p:nvSpPr>
+              <p:cNvPr id="9" name="TextBox 8">
+                <a:extLst>
+                  <a:ext uri="{FF2B5EF4-FFF2-40B4-BE49-F238E27FC236}">
+                    <a16:creationId xmlns:a16="http://schemas.microsoft.com/office/drawing/2014/main" id="{351D2D51-9A7D-713C-3E83-2A97F061164E}"/>
+                  </a:ext>
+                </a:extLst>
+              </p:cNvPr>
+              <p:cNvSpPr txBox="1">
+                <a:spLocks noRot="1" noChangeAspect="1" noMove="1" noResize="1" noEditPoints="1" noAdjustHandles="1" noChangeArrowheads="1" noChangeShapeType="1" noTextEdit="1"/>
+              </p:cNvSpPr>
+              <p:nvPr/>
+            </p:nvSpPr>
+            <p:spPr>
+              <a:xfrm>
+                <a:off x="3600599" y="1677818"/>
+                <a:ext cx="425094" cy="3652282"/>
+              </a:xfrm>
+              <a:prstGeom prst="rect">
+                <a:avLst/>
+              </a:prstGeom>
+              <a:blipFill>
+                <a:blip r:embed="rId4"/>
+                <a:stretch>
+                  <a:fillRect r="-1449"/>
+                </a:stretch>
+              </a:blipFill>
+            </p:spPr>
+            <p:txBody>
+              <a:bodyPr/>
+              <a:lstStyle/>
+              <a:p>
+                <a:r>
+                  <a:rPr lang="en-US">
+                    <a:noFill/>
+                  </a:rPr>
+                  <a:t> </a:t>
+                </a:r>
+              </a:p>
+            </p:txBody>
+          </p:sp>
+        </mc:Fallback>
+      </mc:AlternateContent>
+      <mc:AlternateContent xmlns:mc="http://schemas.openxmlformats.org/markup-compatibility/2006">
+        <mc:Choice xmlns:a14="http://schemas.microsoft.com/office/drawing/2010/main" Requires="a14">
+          <p:sp>
+            <p:nvSpPr>
+              <p:cNvPr id="10" name="TextBox 9">
+                <a:extLst>
+                  <a:ext uri="{FF2B5EF4-FFF2-40B4-BE49-F238E27FC236}">
+                    <a16:creationId xmlns:a16="http://schemas.microsoft.com/office/drawing/2014/main" id="{7F52F6AD-A33A-6890-683D-A1734B7DB1CD}"/>
+                  </a:ext>
+                </a:extLst>
+              </p:cNvPr>
+              <p:cNvSpPr txBox="1"/>
+              <p:nvPr/>
+            </p:nvSpPr>
+            <p:spPr>
+              <a:xfrm>
+                <a:off x="4303312" y="5133227"/>
+                <a:ext cx="3282398" cy="369332"/>
+              </a:xfrm>
+              <a:prstGeom prst="rect">
+                <a:avLst/>
+              </a:prstGeom>
+              <a:noFill/>
+            </p:spPr>
+            <p:txBody>
+              <a:bodyPr wrap="square">
+                <a:spAutoFit/>
+              </a:bodyPr>
+              <a:lstStyle/>
+              <a:p>
+                <a:pPr/>
+                <a14:m>
+                  <m:oMathPara xmlns:m="http://schemas.openxmlformats.org/officeDocument/2006/math">
+                    <m:oMathParaPr>
+                      <m:jc m:val="left"/>
+                    </m:oMathParaPr>
+                    <m:oMath xmlns:m="http://schemas.openxmlformats.org/officeDocument/2006/math">
+                      <m:r>
+                        <a:rPr lang="de-DE" sz="1800" b="0" i="1" smtClean="0">
+                          <a:latin typeface="Cambria Math" panose="02040503050406030204" pitchFamily="18" charset="0"/>
+                        </a:rPr>
+                        <m:t>1    2    3    4    5    6    7    8    9   10</m:t>
+                      </m:r>
+                    </m:oMath>
+                  </m:oMathPara>
+                </a14:m>
+                <a:endParaRPr lang="de-DE" dirty="0"/>
+              </a:p>
+            </p:txBody>
+          </p:sp>
+        </mc:Choice>
+        <mc:Fallback>
+          <p:sp>
+            <p:nvSpPr>
+              <p:cNvPr id="10" name="TextBox 9">
+                <a:extLst>
+                  <a:ext uri="{FF2B5EF4-FFF2-40B4-BE49-F238E27FC236}">
+                    <a16:creationId xmlns:a16="http://schemas.microsoft.com/office/drawing/2014/main" id="{7F52F6AD-A33A-6890-683D-A1734B7DB1CD}"/>
+                  </a:ext>
+                </a:extLst>
+              </p:cNvPr>
+              <p:cNvSpPr txBox="1">
+                <a:spLocks noRot="1" noChangeAspect="1" noMove="1" noResize="1" noEditPoints="1" noAdjustHandles="1" noChangeArrowheads="1" noChangeShapeType="1" noTextEdit="1"/>
+              </p:cNvSpPr>
+              <p:nvPr/>
+            </p:nvSpPr>
+            <p:spPr>
+              <a:xfrm>
+                <a:off x="4303312" y="5133227"/>
+                <a:ext cx="3282398" cy="369332"/>
+              </a:xfrm>
+              <a:prstGeom prst="rect">
+                <a:avLst/>
+              </a:prstGeom>
+              <a:blipFill>
+                <a:blip r:embed="rId5"/>
+                <a:stretch>
+                  <a:fillRect r="-2045"/>
+                </a:stretch>
+              </a:blipFill>
+            </p:spPr>
+            <p:txBody>
+              <a:bodyPr/>
+              <a:lstStyle/>
+              <a:p>
+                <a:r>
+                  <a:rPr lang="en-US">
+                    <a:noFill/>
+                  </a:rPr>
+                  <a:t> </a:t>
+                </a:r>
+              </a:p>
+            </p:txBody>
+          </p:sp>
+        </mc:Fallback>
+      </mc:AlternateContent>
+      <p:cxnSp>
+        <p:nvCxnSpPr>
+          <p:cNvPr id="11" name="Straight Connector 10">
+            <a:extLst>
+              <a:ext uri="{FF2B5EF4-FFF2-40B4-BE49-F238E27FC236}">
+                <a16:creationId xmlns:a16="http://schemas.microsoft.com/office/drawing/2014/main" id="{1285CF8C-5B81-D866-869E-6E92EDCE3FC8}"/>
+              </a:ext>
+            </a:extLst>
+          </p:cNvPr>
+          <p:cNvCxnSpPr>
+            <a:cxnSpLocks/>
+          </p:cNvCxnSpPr>
+          <p:nvPr/>
+        </p:nvCxnSpPr>
+        <p:spPr>
+          <a:xfrm>
+            <a:off x="4045352" y="4811916"/>
+            <a:ext cx="152400" cy="0"/>
+          </a:xfrm>
+          <a:prstGeom prst="line">
+            <a:avLst/>
+          </a:prstGeom>
+        </p:spPr>
+        <p:style>
+          <a:lnRef idx="1">
+            <a:schemeClr val="accent1"/>
+          </a:lnRef>
+          <a:fillRef idx="0">
+            <a:schemeClr val="accent1"/>
+          </a:fillRef>
+          <a:effectRef idx="0">
+            <a:schemeClr val="accent1"/>
+          </a:effectRef>
+          <a:fontRef idx="minor">
+            <a:schemeClr val="tx1"/>
+          </a:fontRef>
+        </p:style>
+      </p:cxnSp>
+      <p:cxnSp>
+        <p:nvCxnSpPr>
+          <p:cNvPr id="12" name="Straight Connector 11">
+            <a:extLst>
+              <a:ext uri="{FF2B5EF4-FFF2-40B4-BE49-F238E27FC236}">
+                <a16:creationId xmlns:a16="http://schemas.microsoft.com/office/drawing/2014/main" id="{AA9585DC-AF39-C529-24D7-C82D78470311}"/>
+              </a:ext>
+            </a:extLst>
+          </p:cNvPr>
+          <p:cNvCxnSpPr>
+            <a:cxnSpLocks/>
+          </p:cNvCxnSpPr>
+          <p:nvPr/>
+        </p:nvCxnSpPr>
+        <p:spPr>
+          <a:xfrm>
+            <a:off x="4045352" y="4483748"/>
+            <a:ext cx="152400" cy="0"/>
+          </a:xfrm>
+          <a:prstGeom prst="line">
+            <a:avLst/>
+          </a:prstGeom>
+        </p:spPr>
+        <p:style>
+          <a:lnRef idx="1">
+            <a:schemeClr val="accent1"/>
+          </a:lnRef>
+          <a:fillRef idx="0">
+            <a:schemeClr val="accent1"/>
+          </a:fillRef>
+          <a:effectRef idx="0">
+            <a:schemeClr val="accent1"/>
+          </a:effectRef>
+          <a:fontRef idx="minor">
+            <a:schemeClr val="tx1"/>
+          </a:fontRef>
+        </p:style>
+      </p:cxnSp>
+      <p:cxnSp>
+        <p:nvCxnSpPr>
+          <p:cNvPr id="13" name="Straight Connector 12">
+            <a:extLst>
+              <a:ext uri="{FF2B5EF4-FFF2-40B4-BE49-F238E27FC236}">
+                <a16:creationId xmlns:a16="http://schemas.microsoft.com/office/drawing/2014/main" id="{2667AEC3-F16E-93B1-9F81-AC2B8A796649}"/>
+              </a:ext>
+            </a:extLst>
+          </p:cNvPr>
+          <p:cNvCxnSpPr>
+            <a:cxnSpLocks/>
+          </p:cNvCxnSpPr>
+          <p:nvPr/>
+        </p:nvCxnSpPr>
+        <p:spPr>
+          <a:xfrm>
+            <a:off x="4045352" y="4155580"/>
+            <a:ext cx="152400" cy="0"/>
+          </a:xfrm>
+          <a:prstGeom prst="line">
+            <a:avLst/>
+          </a:prstGeom>
+        </p:spPr>
+        <p:style>
+          <a:lnRef idx="1">
+            <a:schemeClr val="accent1"/>
+          </a:lnRef>
+          <a:fillRef idx="0">
+            <a:schemeClr val="accent1"/>
+          </a:fillRef>
+          <a:effectRef idx="0">
+            <a:schemeClr val="accent1"/>
+          </a:effectRef>
+          <a:fontRef idx="minor">
+            <a:schemeClr val="tx1"/>
+          </a:fontRef>
+        </p:style>
+      </p:cxnSp>
+      <p:cxnSp>
+        <p:nvCxnSpPr>
+          <p:cNvPr id="14" name="Straight Connector 13">
+            <a:extLst>
+              <a:ext uri="{FF2B5EF4-FFF2-40B4-BE49-F238E27FC236}">
+                <a16:creationId xmlns:a16="http://schemas.microsoft.com/office/drawing/2014/main" id="{4C2AF7FE-503E-6A38-EFC0-77452B0636B7}"/>
+              </a:ext>
+            </a:extLst>
+          </p:cNvPr>
+          <p:cNvCxnSpPr>
+            <a:cxnSpLocks/>
+          </p:cNvCxnSpPr>
+          <p:nvPr/>
+        </p:nvCxnSpPr>
+        <p:spPr>
+          <a:xfrm rot="5400000">
+            <a:off x="4383817" y="5123942"/>
+            <a:ext cx="152400" cy="0"/>
+          </a:xfrm>
+          <a:prstGeom prst="line">
+            <a:avLst/>
+          </a:prstGeom>
+        </p:spPr>
+        <p:style>
+          <a:lnRef idx="1">
+            <a:schemeClr val="accent1"/>
+          </a:lnRef>
+          <a:fillRef idx="0">
+            <a:schemeClr val="accent1"/>
+          </a:fillRef>
+          <a:effectRef idx="0">
+            <a:schemeClr val="accent1"/>
+          </a:effectRef>
+          <a:fontRef idx="minor">
+            <a:schemeClr val="tx1"/>
+          </a:fontRef>
+        </p:style>
+      </p:cxnSp>
+      <p:cxnSp>
+        <p:nvCxnSpPr>
+          <p:cNvPr id="15" name="Straight Connector 14">
+            <a:extLst>
+              <a:ext uri="{FF2B5EF4-FFF2-40B4-BE49-F238E27FC236}">
+                <a16:creationId xmlns:a16="http://schemas.microsoft.com/office/drawing/2014/main" id="{037F1AA5-79DD-2901-7828-34F4431E9F5A}"/>
+              </a:ext>
+            </a:extLst>
+          </p:cNvPr>
+          <p:cNvCxnSpPr>
+            <a:cxnSpLocks/>
+          </p:cNvCxnSpPr>
+          <p:nvPr/>
+        </p:nvCxnSpPr>
+        <p:spPr>
+          <a:xfrm rot="5400000">
+            <a:off x="4713001" y="5123942"/>
+            <a:ext cx="152400" cy="0"/>
+          </a:xfrm>
+          <a:prstGeom prst="line">
+            <a:avLst/>
+          </a:prstGeom>
+        </p:spPr>
+        <p:style>
+          <a:lnRef idx="1">
+            <a:schemeClr val="accent1"/>
+          </a:lnRef>
+          <a:fillRef idx="0">
+            <a:schemeClr val="accent1"/>
+          </a:fillRef>
+          <a:effectRef idx="0">
+            <a:schemeClr val="accent1"/>
+          </a:effectRef>
+          <a:fontRef idx="minor">
+            <a:schemeClr val="tx1"/>
+          </a:fontRef>
+        </p:style>
+      </p:cxnSp>
+      <p:cxnSp>
+        <p:nvCxnSpPr>
+          <p:cNvPr id="16" name="Straight Connector 15">
+            <a:extLst>
+              <a:ext uri="{FF2B5EF4-FFF2-40B4-BE49-F238E27FC236}">
+                <a16:creationId xmlns:a16="http://schemas.microsoft.com/office/drawing/2014/main" id="{400EA10C-1E4E-8107-6F0E-F661AE989220}"/>
+              </a:ext>
+            </a:extLst>
+          </p:cNvPr>
+          <p:cNvCxnSpPr>
+            <a:cxnSpLocks/>
+          </p:cNvCxnSpPr>
+          <p:nvPr/>
+        </p:nvCxnSpPr>
+        <p:spPr>
+          <a:xfrm rot="5400000">
+            <a:off x="5042185" y="5123942"/>
+            <a:ext cx="152400" cy="0"/>
+          </a:xfrm>
+          <a:prstGeom prst="line">
+            <a:avLst/>
+          </a:prstGeom>
+        </p:spPr>
+        <p:style>
+          <a:lnRef idx="1">
+            <a:schemeClr val="accent1"/>
+          </a:lnRef>
+          <a:fillRef idx="0">
+            <a:schemeClr val="accent1"/>
+          </a:fillRef>
+          <a:effectRef idx="0">
+            <a:schemeClr val="accent1"/>
+          </a:effectRef>
+          <a:fontRef idx="minor">
+            <a:schemeClr val="tx1"/>
+          </a:fontRef>
+        </p:style>
+      </p:cxnSp>
+      <p:cxnSp>
+        <p:nvCxnSpPr>
+          <p:cNvPr id="17" name="Straight Connector 16">
+            <a:extLst>
+              <a:ext uri="{FF2B5EF4-FFF2-40B4-BE49-F238E27FC236}">
+                <a16:creationId xmlns:a16="http://schemas.microsoft.com/office/drawing/2014/main" id="{BE14042F-F6DB-19A0-C06D-141188B6C141}"/>
+              </a:ext>
+            </a:extLst>
+          </p:cNvPr>
+          <p:cNvCxnSpPr>
+            <a:cxnSpLocks/>
+          </p:cNvCxnSpPr>
+          <p:nvPr/>
+        </p:nvCxnSpPr>
+        <p:spPr>
+          <a:xfrm rot="5400000">
+            <a:off x="5371369" y="5123942"/>
+            <a:ext cx="152400" cy="0"/>
+          </a:xfrm>
+          <a:prstGeom prst="line">
+            <a:avLst/>
+          </a:prstGeom>
+        </p:spPr>
+        <p:style>
+          <a:lnRef idx="1">
+            <a:schemeClr val="accent1"/>
+          </a:lnRef>
+          <a:fillRef idx="0">
+            <a:schemeClr val="accent1"/>
+          </a:fillRef>
+          <a:effectRef idx="0">
+            <a:schemeClr val="accent1"/>
+          </a:effectRef>
+          <a:fontRef idx="minor">
+            <a:schemeClr val="tx1"/>
+          </a:fontRef>
+        </p:style>
+      </p:cxnSp>
+      <p:cxnSp>
+        <p:nvCxnSpPr>
+          <p:cNvPr id="18" name="Straight Connector 17">
+            <a:extLst>
+              <a:ext uri="{FF2B5EF4-FFF2-40B4-BE49-F238E27FC236}">
+                <a16:creationId xmlns:a16="http://schemas.microsoft.com/office/drawing/2014/main" id="{D00409A5-9662-BBF2-1E11-5A164DFBD86D}"/>
+              </a:ext>
+            </a:extLst>
+          </p:cNvPr>
+          <p:cNvCxnSpPr>
+            <a:cxnSpLocks/>
+          </p:cNvCxnSpPr>
+          <p:nvPr/>
+        </p:nvCxnSpPr>
+        <p:spPr>
+          <a:xfrm rot="5400000">
+            <a:off x="5700553" y="5123942"/>
+            <a:ext cx="152400" cy="0"/>
+          </a:xfrm>
+          <a:prstGeom prst="line">
+            <a:avLst/>
+          </a:prstGeom>
+        </p:spPr>
+        <p:style>
+          <a:lnRef idx="1">
+            <a:schemeClr val="accent1"/>
+          </a:lnRef>
+          <a:fillRef idx="0">
+            <a:schemeClr val="accent1"/>
+          </a:fillRef>
+          <a:effectRef idx="0">
+            <a:schemeClr val="accent1"/>
+          </a:effectRef>
+          <a:fontRef idx="minor">
+            <a:schemeClr val="tx1"/>
+          </a:fontRef>
+        </p:style>
+      </p:cxnSp>
+      <p:cxnSp>
+        <p:nvCxnSpPr>
+          <p:cNvPr id="19" name="Straight Connector 18">
+            <a:extLst>
+              <a:ext uri="{FF2B5EF4-FFF2-40B4-BE49-F238E27FC236}">
+                <a16:creationId xmlns:a16="http://schemas.microsoft.com/office/drawing/2014/main" id="{761407A7-73F3-68B0-CDDF-B11787BFE1A3}"/>
+              </a:ext>
+            </a:extLst>
+          </p:cNvPr>
+          <p:cNvCxnSpPr>
+            <a:cxnSpLocks/>
+          </p:cNvCxnSpPr>
+          <p:nvPr/>
+        </p:nvCxnSpPr>
+        <p:spPr>
+          <a:xfrm>
+            <a:off x="4045352" y="3827412"/>
+            <a:ext cx="152400" cy="0"/>
+          </a:xfrm>
+          <a:prstGeom prst="line">
+            <a:avLst/>
+          </a:prstGeom>
+        </p:spPr>
+        <p:style>
+          <a:lnRef idx="1">
+            <a:schemeClr val="accent1"/>
+          </a:lnRef>
+          <a:fillRef idx="0">
+            <a:schemeClr val="accent1"/>
+          </a:fillRef>
+          <a:effectRef idx="0">
+            <a:schemeClr val="accent1"/>
+          </a:effectRef>
+          <a:fontRef idx="minor">
+            <a:schemeClr val="tx1"/>
+          </a:fontRef>
+        </p:style>
+      </p:cxnSp>
+      <p:cxnSp>
+        <p:nvCxnSpPr>
+          <p:cNvPr id="20" name="Straight Connector 19">
+            <a:extLst>
+              <a:ext uri="{FF2B5EF4-FFF2-40B4-BE49-F238E27FC236}">
+                <a16:creationId xmlns:a16="http://schemas.microsoft.com/office/drawing/2014/main" id="{4A843F2D-F7DC-B1E8-3FDA-DAC74115C61F}"/>
+              </a:ext>
+            </a:extLst>
+          </p:cNvPr>
+          <p:cNvCxnSpPr>
+            <a:cxnSpLocks/>
+          </p:cNvCxnSpPr>
+          <p:nvPr/>
+        </p:nvCxnSpPr>
+        <p:spPr>
+          <a:xfrm>
+            <a:off x="4045352" y="3499244"/>
+            <a:ext cx="152400" cy="0"/>
+          </a:xfrm>
+          <a:prstGeom prst="line">
+            <a:avLst/>
+          </a:prstGeom>
+        </p:spPr>
+        <p:style>
+          <a:lnRef idx="1">
+            <a:schemeClr val="accent1"/>
+          </a:lnRef>
+          <a:fillRef idx="0">
+            <a:schemeClr val="accent1"/>
+          </a:fillRef>
+          <a:effectRef idx="0">
+            <a:schemeClr val="accent1"/>
+          </a:effectRef>
+          <a:fontRef idx="minor">
+            <a:schemeClr val="tx1"/>
+          </a:fontRef>
+        </p:style>
+      </p:cxnSp>
+      <p:cxnSp>
+        <p:nvCxnSpPr>
+          <p:cNvPr id="25" name="Straight Connector 24">
+            <a:extLst>
+              <a:ext uri="{FF2B5EF4-FFF2-40B4-BE49-F238E27FC236}">
+                <a16:creationId xmlns:a16="http://schemas.microsoft.com/office/drawing/2014/main" id="{DC38FECC-202A-ABA8-0C10-69ABD9376A89}"/>
+              </a:ext>
+            </a:extLst>
+          </p:cNvPr>
+          <p:cNvCxnSpPr>
+            <a:cxnSpLocks/>
+          </p:cNvCxnSpPr>
+          <p:nvPr/>
+        </p:nvCxnSpPr>
+        <p:spPr>
+          <a:xfrm flipH="1" flipV="1">
+            <a:off x="1382395" y="2518108"/>
+            <a:ext cx="1290788" cy="14019"/>
+          </a:xfrm>
+          <a:prstGeom prst="line">
+            <a:avLst/>
+          </a:prstGeom>
+        </p:spPr>
+        <p:style>
+          <a:lnRef idx="3">
+            <a:schemeClr val="accent2"/>
+          </a:lnRef>
+          <a:fillRef idx="0">
+            <a:schemeClr val="accent2"/>
+          </a:fillRef>
+          <a:effectRef idx="2">
+            <a:schemeClr val="accent2"/>
+          </a:effectRef>
+          <a:fontRef idx="minor">
+            <a:schemeClr val="tx1"/>
+          </a:fontRef>
+        </p:style>
+      </p:cxnSp>
+      <p:cxnSp>
+        <p:nvCxnSpPr>
+          <p:cNvPr id="26" name="Straight Connector 25">
+            <a:extLst>
+              <a:ext uri="{FF2B5EF4-FFF2-40B4-BE49-F238E27FC236}">
+                <a16:creationId xmlns:a16="http://schemas.microsoft.com/office/drawing/2014/main" id="{F01C5DDF-2931-7020-71A0-9E57A6EC18F5}"/>
+              </a:ext>
+            </a:extLst>
+          </p:cNvPr>
+          <p:cNvCxnSpPr>
+            <a:cxnSpLocks/>
+          </p:cNvCxnSpPr>
+          <p:nvPr/>
+        </p:nvCxnSpPr>
+        <p:spPr>
+          <a:xfrm flipH="1" flipV="1">
+            <a:off x="4126542" y="3499244"/>
+            <a:ext cx="3311340" cy="1655746"/>
+          </a:xfrm>
+          <a:prstGeom prst="line">
+            <a:avLst/>
+          </a:prstGeom>
+        </p:spPr>
+        <p:style>
+          <a:lnRef idx="3">
+            <a:schemeClr val="accent2"/>
+          </a:lnRef>
+          <a:fillRef idx="0">
+            <a:schemeClr val="accent2"/>
+          </a:fillRef>
+          <a:effectRef idx="2">
+            <a:schemeClr val="accent2"/>
+          </a:effectRef>
+          <a:fontRef idx="minor">
+            <a:schemeClr val="tx1"/>
+          </a:fontRef>
+        </p:style>
+      </p:cxnSp>
+      <p:cxnSp>
+        <p:nvCxnSpPr>
+          <p:cNvPr id="27" name="Straight Connector 26">
+            <a:extLst>
+              <a:ext uri="{FF2B5EF4-FFF2-40B4-BE49-F238E27FC236}">
+                <a16:creationId xmlns:a16="http://schemas.microsoft.com/office/drawing/2014/main" id="{E342176E-725C-3421-2EB3-10B3B070BC40}"/>
+              </a:ext>
+            </a:extLst>
+          </p:cNvPr>
+          <p:cNvCxnSpPr>
+            <a:cxnSpLocks/>
+          </p:cNvCxnSpPr>
+          <p:nvPr/>
+        </p:nvCxnSpPr>
+        <p:spPr>
+          <a:xfrm flipH="1" flipV="1">
+            <a:off x="5769549" y="2286928"/>
+            <a:ext cx="7204" cy="2855584"/>
+          </a:xfrm>
+          <a:prstGeom prst="line">
+            <a:avLst/>
+          </a:prstGeom>
+        </p:spPr>
+        <p:style>
+          <a:lnRef idx="3">
+            <a:schemeClr val="accent2"/>
+          </a:lnRef>
+          <a:fillRef idx="0">
+            <a:schemeClr val="accent2"/>
+          </a:fillRef>
+          <a:effectRef idx="2">
+            <a:schemeClr val="accent2"/>
+          </a:effectRef>
+          <a:fontRef idx="minor">
+            <a:schemeClr val="tx1"/>
+          </a:fontRef>
+        </p:style>
+      </p:cxnSp>
+      <p:cxnSp>
+        <p:nvCxnSpPr>
+          <p:cNvPr id="31" name="Straight Connector 30">
+            <a:extLst>
+              <a:ext uri="{FF2B5EF4-FFF2-40B4-BE49-F238E27FC236}">
+                <a16:creationId xmlns:a16="http://schemas.microsoft.com/office/drawing/2014/main" id="{F00B0E1D-78E1-57BC-B886-EA8B7A1E42A0}"/>
+              </a:ext>
+            </a:extLst>
+          </p:cNvPr>
+          <p:cNvCxnSpPr>
+            <a:cxnSpLocks/>
+          </p:cNvCxnSpPr>
+          <p:nvPr/>
+        </p:nvCxnSpPr>
+        <p:spPr>
+          <a:xfrm>
+            <a:off x="1553846" y="3706342"/>
+            <a:ext cx="513373" cy="1031400"/>
+          </a:xfrm>
+          <a:prstGeom prst="line">
+            <a:avLst/>
+          </a:prstGeom>
+        </p:spPr>
+        <p:style>
+          <a:lnRef idx="3">
+            <a:schemeClr val="dk1"/>
+          </a:lnRef>
+          <a:fillRef idx="0">
+            <a:schemeClr val="dk1"/>
+          </a:fillRef>
+          <a:effectRef idx="2">
+            <a:schemeClr val="dk1"/>
+          </a:effectRef>
+          <a:fontRef idx="minor">
+            <a:schemeClr val="tx1"/>
+          </a:fontRef>
+        </p:style>
+      </p:cxnSp>
+      <p:grpSp>
+        <p:nvGrpSpPr>
+          <p:cNvPr id="33" name="Group 32">
+            <a:extLst>
+              <a:ext uri="{FF2B5EF4-FFF2-40B4-BE49-F238E27FC236}">
+                <a16:creationId xmlns:a16="http://schemas.microsoft.com/office/drawing/2014/main" id="{FA0E2D66-8F83-BA1A-5C52-AD9E32008FF2}"/>
+              </a:ext>
+            </a:extLst>
+          </p:cNvPr>
+          <p:cNvGrpSpPr/>
+          <p:nvPr/>
+        </p:nvGrpSpPr>
+        <p:grpSpPr>
+          <a:xfrm>
+            <a:off x="1760040" y="3441231"/>
+            <a:ext cx="298080" cy="174240"/>
+            <a:chOff x="3786960" y="3900630"/>
+            <a:chExt cx="298080" cy="174240"/>
+          </a:xfrm>
+        </p:grpSpPr>
+        <mc:AlternateContent xmlns:mc="http://schemas.openxmlformats.org/markup-compatibility/2006" xmlns:p14="http://schemas.microsoft.com/office/powerpoint/2010/main">
+          <mc:Choice Requires="p14">
+            <p:contentPart p14:bwMode="auto" r:id="rId6">
+              <p14:nvContentPartPr>
+                <p14:cNvPr id="34" name="Ink 33">
+                  <a:extLst>
+                    <a:ext uri="{FF2B5EF4-FFF2-40B4-BE49-F238E27FC236}">
+                      <a16:creationId xmlns:a16="http://schemas.microsoft.com/office/drawing/2014/main" id="{43240F90-DC2B-D514-4D94-E4BA2BE604B9}"/>
+                    </a:ext>
+                  </a:extLst>
+                </p14:cNvPr>
+                <p14:cNvContentPartPr/>
+                <p14:nvPr/>
+              </p14:nvContentPartPr>
+              <p14:xfrm>
+                <a:off x="3786960" y="3900630"/>
+                <a:ext cx="298080" cy="174240"/>
+              </p14:xfrm>
+            </p:contentPart>
+          </mc:Choice>
+          <mc:Fallback xmlns="">
+            <p:pic>
+              <p:nvPicPr>
+                <p:cNvPr id="58" name="Ink 57">
+                  <a:extLst>
+                    <a:ext uri="{FF2B5EF4-FFF2-40B4-BE49-F238E27FC236}">
+                      <a16:creationId xmlns:a16="http://schemas.microsoft.com/office/drawing/2014/main" id="{4D894F02-EF6F-80C5-C648-93FD636B6E1E}"/>
+                    </a:ext>
+                  </a:extLst>
+                </p:cNvPr>
+                <p:cNvPicPr/>
+                <p:nvPr/>
+              </p:nvPicPr>
+              <p:blipFill>
+                <a:blip r:embed="rId19"/>
+                <a:stretch>
+                  <a:fillRect/>
+                </a:stretch>
+              </p:blipFill>
+              <p:spPr>
+                <a:xfrm>
+                  <a:off x="3777960" y="3891990"/>
+                  <a:ext cx="315720" cy="191880"/>
+                </a:xfrm>
+                <a:prstGeom prst="rect">
+                  <a:avLst/>
+                </a:prstGeom>
+              </p:spPr>
+            </p:pic>
+          </mc:Fallback>
+        </mc:AlternateContent>
+        <mc:AlternateContent xmlns:mc="http://schemas.openxmlformats.org/markup-compatibility/2006" xmlns:p14="http://schemas.microsoft.com/office/powerpoint/2010/main">
+          <mc:Choice Requires="p14">
+            <p:contentPart p14:bwMode="auto" r:id="rId20">
+              <p14:nvContentPartPr>
+                <p14:cNvPr id="35" name="Ink 34">
+                  <a:extLst>
+                    <a:ext uri="{FF2B5EF4-FFF2-40B4-BE49-F238E27FC236}">
+                      <a16:creationId xmlns:a16="http://schemas.microsoft.com/office/drawing/2014/main" id="{776DC314-1533-7AB3-AA76-90CE327D929E}"/>
+                    </a:ext>
+                  </a:extLst>
+                </p14:cNvPr>
+                <p14:cNvContentPartPr/>
+                <p14:nvPr/>
+              </p14:nvContentPartPr>
+              <p14:xfrm>
+                <a:off x="4011240" y="4072710"/>
+                <a:ext cx="54000" cy="360"/>
+              </p14:xfrm>
+            </p:contentPart>
+          </mc:Choice>
+          <mc:Fallback xmlns="">
+            <p:pic>
+              <p:nvPicPr>
+                <p:cNvPr id="59" name="Ink 58">
+                  <a:extLst>
+                    <a:ext uri="{FF2B5EF4-FFF2-40B4-BE49-F238E27FC236}">
+                      <a16:creationId xmlns:a16="http://schemas.microsoft.com/office/drawing/2014/main" id="{EF151C6B-3485-3684-6701-7A323215FF09}"/>
+                    </a:ext>
+                  </a:extLst>
+                </p:cNvPr>
+                <p:cNvPicPr/>
+                <p:nvPr/>
+              </p:nvPicPr>
+              <p:blipFill>
+                <a:blip r:embed="rId21"/>
+                <a:stretch>
+                  <a:fillRect/>
+                </a:stretch>
+              </p:blipFill>
+              <p:spPr>
+                <a:xfrm>
+                  <a:off x="4002600" y="4063710"/>
+                  <a:ext cx="71640" cy="18000"/>
+                </a:xfrm>
+                <a:prstGeom prst="rect">
+                  <a:avLst/>
+                </a:prstGeom>
+              </p:spPr>
+            </p:pic>
+          </mc:Fallback>
+        </mc:AlternateContent>
+      </p:grpSp>
+      <p:sp>
+        <p:nvSpPr>
+          <p:cNvPr id="36" name="Oval 35">
+            <a:extLst>
+              <a:ext uri="{FF2B5EF4-FFF2-40B4-BE49-F238E27FC236}">
+                <a16:creationId xmlns:a16="http://schemas.microsoft.com/office/drawing/2014/main" id="{6C8EFB0A-CDEA-B2AD-3218-707D8024280A}"/>
+              </a:ext>
+            </a:extLst>
+          </p:cNvPr>
+          <p:cNvSpPr/>
+          <p:nvPr/>
+        </p:nvSpPr>
+        <p:spPr>
+          <a:xfrm>
+            <a:off x="2389198" y="4047544"/>
+            <a:ext cx="60562" cy="60562"/>
+          </a:xfrm>
+          <a:prstGeom prst="ellipse">
+            <a:avLst/>
+          </a:prstGeom>
+        </p:spPr>
+        <p:style>
+          <a:lnRef idx="2">
+            <a:schemeClr val="dk1">
+              <a:shade val="50000"/>
+            </a:schemeClr>
+          </a:lnRef>
+          <a:fillRef idx="1">
+            <a:schemeClr val="dk1"/>
+          </a:fillRef>
+          <a:effectRef idx="0">
+            <a:schemeClr val="dk1"/>
+          </a:effectRef>
+          <a:fontRef idx="minor">
+            <a:schemeClr val="lt1"/>
+          </a:fontRef>
+        </p:style>
+        <p:txBody>
+          <a:bodyPr rtlCol="0" anchor="ctr"/>
+          <a:lstStyle/>
+          <a:p>
+            <a:pPr algn="ctr"/>
+            <a:endParaRPr lang="de-DE"/>
+          </a:p>
+        </p:txBody>
+      </p:sp>
+      <p:sp>
+        <p:nvSpPr>
+          <p:cNvPr id="41" name="Oval 40">
+            <a:extLst>
+              <a:ext uri="{FF2B5EF4-FFF2-40B4-BE49-F238E27FC236}">
+                <a16:creationId xmlns:a16="http://schemas.microsoft.com/office/drawing/2014/main" id="{FBA1EFD5-D348-A6C6-AFA6-294042FD8DA8}"/>
+              </a:ext>
+            </a:extLst>
+          </p:cNvPr>
+          <p:cNvSpPr/>
+          <p:nvPr/>
+        </p:nvSpPr>
+        <p:spPr>
+          <a:xfrm>
+            <a:off x="2036938" y="4008995"/>
+            <a:ext cx="60562" cy="60562"/>
+          </a:xfrm>
+          <a:prstGeom prst="ellipse">
+            <a:avLst/>
+          </a:prstGeom>
+        </p:spPr>
+        <p:style>
+          <a:lnRef idx="2">
+            <a:schemeClr val="dk1">
+              <a:shade val="50000"/>
+            </a:schemeClr>
+          </a:lnRef>
+          <a:fillRef idx="1">
+            <a:schemeClr val="dk1"/>
+          </a:fillRef>
+          <a:effectRef idx="0">
+            <a:schemeClr val="dk1"/>
+          </a:effectRef>
+          <a:fontRef idx="minor">
+            <a:schemeClr val="lt1"/>
+          </a:fontRef>
+        </p:style>
+        <p:txBody>
+          <a:bodyPr rtlCol="0" anchor="ctr"/>
+          <a:lstStyle/>
+          <a:p>
+            <a:pPr algn="ctr"/>
+            <a:endParaRPr lang="de-DE"/>
+          </a:p>
+        </p:txBody>
+      </p:sp>
+      <p:cxnSp>
+        <p:nvCxnSpPr>
+          <p:cNvPr id="46" name="Straight Connector 45">
+            <a:extLst>
+              <a:ext uri="{FF2B5EF4-FFF2-40B4-BE49-F238E27FC236}">
+                <a16:creationId xmlns:a16="http://schemas.microsoft.com/office/drawing/2014/main" id="{AA253CAB-2C75-3782-1F37-124472EF6805}"/>
+              </a:ext>
+            </a:extLst>
+          </p:cNvPr>
+          <p:cNvCxnSpPr>
+            <a:cxnSpLocks/>
+          </p:cNvCxnSpPr>
+          <p:nvPr/>
+        </p:nvCxnSpPr>
+        <p:spPr>
+          <a:xfrm rot="5400000" flipH="1" flipV="1">
+            <a:off x="1618331" y="4432513"/>
+            <a:ext cx="128565" cy="259073"/>
+          </a:xfrm>
+          <a:prstGeom prst="line">
+            <a:avLst/>
+          </a:prstGeom>
+          <a:ln>
+            <a:tailEnd type="triangle"/>
+          </a:ln>
+        </p:spPr>
+        <p:style>
+          <a:lnRef idx="3">
+            <a:schemeClr val="dk1"/>
+          </a:lnRef>
+          <a:fillRef idx="0">
+            <a:schemeClr val="dk1"/>
+          </a:fillRef>
+          <a:effectRef idx="2">
+            <a:schemeClr val="dk1"/>
+          </a:effectRef>
+          <a:fontRef idx="minor">
+            <a:schemeClr val="tx1"/>
+          </a:fontRef>
+        </p:style>
+      </p:cxnSp>
+      <p:cxnSp>
+        <p:nvCxnSpPr>
+          <p:cNvPr id="48" name="Straight Connector 47">
+            <a:extLst>
+              <a:ext uri="{FF2B5EF4-FFF2-40B4-BE49-F238E27FC236}">
+                <a16:creationId xmlns:a16="http://schemas.microsoft.com/office/drawing/2014/main" id="{3FDB827C-AB63-41F1-1ECA-E1DBEE129CB4}"/>
+              </a:ext>
+            </a:extLst>
+          </p:cNvPr>
+          <p:cNvCxnSpPr>
+            <a:cxnSpLocks/>
+          </p:cNvCxnSpPr>
+          <p:nvPr/>
+        </p:nvCxnSpPr>
+        <p:spPr>
+          <a:xfrm rot="5400000">
+            <a:off x="6029737" y="5123942"/>
+            <a:ext cx="152400" cy="0"/>
+          </a:xfrm>
+          <a:prstGeom prst="line">
+            <a:avLst/>
+          </a:prstGeom>
+        </p:spPr>
+        <p:style>
+          <a:lnRef idx="1">
+            <a:schemeClr val="accent1"/>
+          </a:lnRef>
+          <a:fillRef idx="0">
+            <a:schemeClr val="accent1"/>
+          </a:fillRef>
+          <a:effectRef idx="0">
+            <a:schemeClr val="accent1"/>
+          </a:effectRef>
+          <a:fontRef idx="minor">
+            <a:schemeClr val="tx1"/>
+          </a:fontRef>
+        </p:style>
+      </p:cxnSp>
+      <p:cxnSp>
+        <p:nvCxnSpPr>
+          <p:cNvPr id="49" name="Straight Connector 48">
+            <a:extLst>
+              <a:ext uri="{FF2B5EF4-FFF2-40B4-BE49-F238E27FC236}">
+                <a16:creationId xmlns:a16="http://schemas.microsoft.com/office/drawing/2014/main" id="{FB608029-44AC-B5F0-E543-4892DF9A489C}"/>
+              </a:ext>
+            </a:extLst>
+          </p:cNvPr>
+          <p:cNvCxnSpPr>
+            <a:cxnSpLocks/>
+          </p:cNvCxnSpPr>
+          <p:nvPr/>
+        </p:nvCxnSpPr>
+        <p:spPr>
+          <a:xfrm rot="5400000">
+            <a:off x="6358921" y="5123942"/>
+            <a:ext cx="152400" cy="0"/>
+          </a:xfrm>
+          <a:prstGeom prst="line">
+            <a:avLst/>
+          </a:prstGeom>
+        </p:spPr>
+        <p:style>
+          <a:lnRef idx="1">
+            <a:schemeClr val="accent1"/>
+          </a:lnRef>
+          <a:fillRef idx="0">
+            <a:schemeClr val="accent1"/>
+          </a:fillRef>
+          <a:effectRef idx="0">
+            <a:schemeClr val="accent1"/>
+          </a:effectRef>
+          <a:fontRef idx="minor">
+            <a:schemeClr val="tx1"/>
+          </a:fontRef>
+        </p:style>
+      </p:cxnSp>
+      <p:cxnSp>
+        <p:nvCxnSpPr>
+          <p:cNvPr id="50" name="Straight Connector 49">
+            <a:extLst>
+              <a:ext uri="{FF2B5EF4-FFF2-40B4-BE49-F238E27FC236}">
+                <a16:creationId xmlns:a16="http://schemas.microsoft.com/office/drawing/2014/main" id="{E939CD2E-7E91-E6CD-C0FB-07ACD87590A8}"/>
+              </a:ext>
+            </a:extLst>
+          </p:cNvPr>
+          <p:cNvCxnSpPr>
+            <a:cxnSpLocks/>
+          </p:cNvCxnSpPr>
+          <p:nvPr/>
+        </p:nvCxnSpPr>
+        <p:spPr>
+          <a:xfrm rot="5400000">
+            <a:off x="6688105" y="5123942"/>
+            <a:ext cx="152400" cy="0"/>
+          </a:xfrm>
+          <a:prstGeom prst="line">
+            <a:avLst/>
+          </a:prstGeom>
+        </p:spPr>
+        <p:style>
+          <a:lnRef idx="1">
+            <a:schemeClr val="accent1"/>
+          </a:lnRef>
+          <a:fillRef idx="0">
+            <a:schemeClr val="accent1"/>
+          </a:fillRef>
+          <a:effectRef idx="0">
+            <a:schemeClr val="accent1"/>
+          </a:effectRef>
+          <a:fontRef idx="minor">
+            <a:schemeClr val="tx1"/>
+          </a:fontRef>
+        </p:style>
+      </p:cxnSp>
+      <p:cxnSp>
+        <p:nvCxnSpPr>
+          <p:cNvPr id="51" name="Straight Connector 50">
+            <a:extLst>
+              <a:ext uri="{FF2B5EF4-FFF2-40B4-BE49-F238E27FC236}">
+                <a16:creationId xmlns:a16="http://schemas.microsoft.com/office/drawing/2014/main" id="{5895158B-F3E3-FC5E-6838-98BBC6B69102}"/>
+              </a:ext>
+            </a:extLst>
+          </p:cNvPr>
+          <p:cNvCxnSpPr>
+            <a:cxnSpLocks/>
+          </p:cNvCxnSpPr>
+          <p:nvPr/>
+        </p:nvCxnSpPr>
+        <p:spPr>
+          <a:xfrm rot="5400000">
+            <a:off x="7017289" y="5123942"/>
+            <a:ext cx="152400" cy="0"/>
+          </a:xfrm>
+          <a:prstGeom prst="line">
+            <a:avLst/>
+          </a:prstGeom>
+        </p:spPr>
+        <p:style>
+          <a:lnRef idx="1">
+            <a:schemeClr val="accent1"/>
+          </a:lnRef>
+          <a:fillRef idx="0">
+            <a:schemeClr val="accent1"/>
+          </a:fillRef>
+          <a:effectRef idx="0">
+            <a:schemeClr val="accent1"/>
+          </a:effectRef>
+          <a:fontRef idx="minor">
+            <a:schemeClr val="tx1"/>
+          </a:fontRef>
+        </p:style>
+      </p:cxnSp>
+      <p:cxnSp>
+        <p:nvCxnSpPr>
+          <p:cNvPr id="52" name="Straight Connector 51">
+            <a:extLst>
+              <a:ext uri="{FF2B5EF4-FFF2-40B4-BE49-F238E27FC236}">
+                <a16:creationId xmlns:a16="http://schemas.microsoft.com/office/drawing/2014/main" id="{14A9CA17-7B13-F012-3F54-203A25FD7D4D}"/>
+              </a:ext>
+            </a:extLst>
+          </p:cNvPr>
+          <p:cNvCxnSpPr>
+            <a:cxnSpLocks/>
+          </p:cNvCxnSpPr>
+          <p:nvPr/>
+        </p:nvCxnSpPr>
+        <p:spPr>
+          <a:xfrm rot="5400000">
+            <a:off x="7346473" y="5123942"/>
+            <a:ext cx="152400" cy="0"/>
+          </a:xfrm>
+          <a:prstGeom prst="line">
+            <a:avLst/>
+          </a:prstGeom>
+        </p:spPr>
+        <p:style>
+          <a:lnRef idx="1">
+            <a:schemeClr val="accent1"/>
+          </a:lnRef>
+          <a:fillRef idx="0">
+            <a:schemeClr val="accent1"/>
+          </a:fillRef>
+          <a:effectRef idx="0">
+            <a:schemeClr val="accent1"/>
+          </a:effectRef>
+          <a:fontRef idx="minor">
+            <a:schemeClr val="tx1"/>
+          </a:fontRef>
+        </p:style>
+      </p:cxnSp>
+      <p:cxnSp>
+        <p:nvCxnSpPr>
+          <p:cNvPr id="56" name="Straight Connector 55">
+            <a:extLst>
+              <a:ext uri="{FF2B5EF4-FFF2-40B4-BE49-F238E27FC236}">
+                <a16:creationId xmlns:a16="http://schemas.microsoft.com/office/drawing/2014/main" id="{F16D1A5B-DF3C-1C75-E5B8-DC73D417685B}"/>
+              </a:ext>
+            </a:extLst>
+          </p:cNvPr>
+          <p:cNvCxnSpPr>
+            <a:cxnSpLocks/>
+          </p:cNvCxnSpPr>
+          <p:nvPr/>
+        </p:nvCxnSpPr>
+        <p:spPr>
+          <a:xfrm>
+            <a:off x="4045352" y="3165160"/>
+            <a:ext cx="152400" cy="0"/>
+          </a:xfrm>
+          <a:prstGeom prst="line">
+            <a:avLst/>
+          </a:prstGeom>
+        </p:spPr>
+        <p:style>
+          <a:lnRef idx="1">
+            <a:schemeClr val="accent1"/>
+          </a:lnRef>
+          <a:fillRef idx="0">
+            <a:schemeClr val="accent1"/>
+          </a:fillRef>
+          <a:effectRef idx="0">
+            <a:schemeClr val="accent1"/>
+          </a:effectRef>
+          <a:fontRef idx="minor">
+            <a:schemeClr val="tx1"/>
+          </a:fontRef>
+        </p:style>
+      </p:cxnSp>
+      <p:cxnSp>
+        <p:nvCxnSpPr>
+          <p:cNvPr id="57" name="Straight Connector 56">
+            <a:extLst>
+              <a:ext uri="{FF2B5EF4-FFF2-40B4-BE49-F238E27FC236}">
+                <a16:creationId xmlns:a16="http://schemas.microsoft.com/office/drawing/2014/main" id="{726DF651-9C52-1272-C0AB-B34717F4A600}"/>
+              </a:ext>
+            </a:extLst>
+          </p:cNvPr>
+          <p:cNvCxnSpPr>
+            <a:cxnSpLocks/>
+          </p:cNvCxnSpPr>
+          <p:nvPr/>
+        </p:nvCxnSpPr>
+        <p:spPr>
+          <a:xfrm>
+            <a:off x="4045352" y="2836992"/>
+            <a:ext cx="152400" cy="0"/>
+          </a:xfrm>
+          <a:prstGeom prst="line">
+            <a:avLst/>
+          </a:prstGeom>
+        </p:spPr>
+        <p:style>
+          <a:lnRef idx="1">
+            <a:schemeClr val="accent1"/>
+          </a:lnRef>
+          <a:fillRef idx="0">
+            <a:schemeClr val="accent1"/>
+          </a:fillRef>
+          <a:effectRef idx="0">
+            <a:schemeClr val="accent1"/>
+          </a:effectRef>
+          <a:fontRef idx="minor">
+            <a:schemeClr val="tx1"/>
+          </a:fontRef>
+        </p:style>
+      </p:cxnSp>
+      <p:cxnSp>
+        <p:nvCxnSpPr>
+          <p:cNvPr id="58" name="Straight Connector 57">
+            <a:extLst>
+              <a:ext uri="{FF2B5EF4-FFF2-40B4-BE49-F238E27FC236}">
+                <a16:creationId xmlns:a16="http://schemas.microsoft.com/office/drawing/2014/main" id="{71236C87-AC10-1F54-413B-0DDDB9893FE9}"/>
+              </a:ext>
+            </a:extLst>
+          </p:cNvPr>
+          <p:cNvCxnSpPr>
+            <a:cxnSpLocks/>
+          </p:cNvCxnSpPr>
+          <p:nvPr/>
+        </p:nvCxnSpPr>
+        <p:spPr>
+          <a:xfrm>
+            <a:off x="4045352" y="2508824"/>
+            <a:ext cx="152400" cy="0"/>
+          </a:xfrm>
+          <a:prstGeom prst="line">
+            <a:avLst/>
+          </a:prstGeom>
+        </p:spPr>
+        <p:style>
+          <a:lnRef idx="1">
+            <a:schemeClr val="accent1"/>
+          </a:lnRef>
+          <a:fillRef idx="0">
+            <a:schemeClr val="accent1"/>
+          </a:fillRef>
+          <a:effectRef idx="0">
+            <a:schemeClr val="accent1"/>
+          </a:effectRef>
+          <a:fontRef idx="minor">
+            <a:schemeClr val="tx1"/>
+          </a:fontRef>
+        </p:style>
+      </p:cxnSp>
+      <p:cxnSp>
+        <p:nvCxnSpPr>
+          <p:cNvPr id="59" name="Straight Connector 58">
+            <a:extLst>
+              <a:ext uri="{FF2B5EF4-FFF2-40B4-BE49-F238E27FC236}">
+                <a16:creationId xmlns:a16="http://schemas.microsoft.com/office/drawing/2014/main" id="{47474FA0-9CAA-6759-9CA2-8FC9E2322DC9}"/>
+              </a:ext>
+            </a:extLst>
+          </p:cNvPr>
+          <p:cNvCxnSpPr>
+            <a:cxnSpLocks/>
+          </p:cNvCxnSpPr>
+          <p:nvPr/>
+        </p:nvCxnSpPr>
+        <p:spPr>
+          <a:xfrm>
+            <a:off x="4045352" y="2180656"/>
+            <a:ext cx="152400" cy="0"/>
+          </a:xfrm>
+          <a:prstGeom prst="line">
+            <a:avLst/>
+          </a:prstGeom>
+        </p:spPr>
+        <p:style>
+          <a:lnRef idx="1">
+            <a:schemeClr val="accent1"/>
+          </a:lnRef>
+          <a:fillRef idx="0">
+            <a:schemeClr val="accent1"/>
+          </a:fillRef>
+          <a:effectRef idx="0">
+            <a:schemeClr val="accent1"/>
+          </a:effectRef>
+          <a:fontRef idx="minor">
+            <a:schemeClr val="tx1"/>
+          </a:fontRef>
+        </p:style>
+      </p:cxnSp>
+      <p:cxnSp>
+        <p:nvCxnSpPr>
+          <p:cNvPr id="62" name="Straight Connector 61">
+            <a:extLst>
+              <a:ext uri="{FF2B5EF4-FFF2-40B4-BE49-F238E27FC236}">
+                <a16:creationId xmlns:a16="http://schemas.microsoft.com/office/drawing/2014/main" id="{762DABC5-44AF-B762-7E02-4CF120F28017}"/>
+              </a:ext>
+            </a:extLst>
+          </p:cNvPr>
+          <p:cNvCxnSpPr>
+            <a:cxnSpLocks/>
+          </p:cNvCxnSpPr>
+          <p:nvPr/>
+        </p:nvCxnSpPr>
+        <p:spPr>
+          <a:xfrm>
+            <a:off x="4045352" y="1868236"/>
+            <a:ext cx="152400" cy="0"/>
+          </a:xfrm>
+          <a:prstGeom prst="line">
+            <a:avLst/>
+          </a:prstGeom>
+        </p:spPr>
+        <p:style>
+          <a:lnRef idx="1">
+            <a:schemeClr val="accent1"/>
+          </a:lnRef>
+          <a:fillRef idx="0">
+            <a:schemeClr val="accent1"/>
+          </a:fillRef>
+          <a:effectRef idx="0">
+            <a:schemeClr val="accent1"/>
+          </a:effectRef>
+          <a:fontRef idx="minor">
+            <a:schemeClr val="tx1"/>
+          </a:fontRef>
+        </p:style>
+      </p:cxnSp>
+      <p:sp>
+        <p:nvSpPr>
+          <p:cNvPr id="72" name="TextBox 71">
+            <a:extLst>
+              <a:ext uri="{FF2B5EF4-FFF2-40B4-BE49-F238E27FC236}">
+                <a16:creationId xmlns:a16="http://schemas.microsoft.com/office/drawing/2014/main" id="{BF2F9FD0-1068-1E3E-8F3B-3CBFFD5DA13D}"/>
+              </a:ext>
+            </a:extLst>
+          </p:cNvPr>
+          <p:cNvSpPr txBox="1"/>
+          <p:nvPr/>
+        </p:nvSpPr>
+        <p:spPr>
+          <a:xfrm>
+            <a:off x="6710845" y="4281395"/>
+            <a:ext cx="1275410" cy="738664"/>
+          </a:xfrm>
+          <a:prstGeom prst="rect">
+            <a:avLst/>
+          </a:prstGeom>
+          <a:noFill/>
+        </p:spPr>
+        <p:txBody>
+          <a:bodyPr wrap="square">
+            <a:spAutoFit/>
+          </a:bodyPr>
+          <a:lstStyle/>
+          <a:p>
+            <a:pPr>
+              <a:spcBef>
+                <a:spcPts val="400"/>
+              </a:spcBef>
+            </a:pPr>
+            <a:r>
+              <a:rPr lang="de-DE" sz="1400" dirty="0"/>
+              <a:t>Begrenzung Nachfrage Produkt A</a:t>
+            </a:r>
+            <a:endParaRPr lang="de-DE" sz="1400" b="0" dirty="0"/>
+          </a:p>
+        </p:txBody>
+      </p:sp>
+      <p:sp>
+        <p:nvSpPr>
+          <p:cNvPr id="73" name="TextBox 72">
+            <a:extLst>
+              <a:ext uri="{FF2B5EF4-FFF2-40B4-BE49-F238E27FC236}">
+                <a16:creationId xmlns:a16="http://schemas.microsoft.com/office/drawing/2014/main" id="{AD70799B-772C-4AED-E513-476757BA5654}"/>
+              </a:ext>
+            </a:extLst>
+          </p:cNvPr>
+          <p:cNvSpPr txBox="1"/>
+          <p:nvPr/>
+        </p:nvSpPr>
+        <p:spPr>
+          <a:xfrm>
+            <a:off x="4311087" y="1868236"/>
+            <a:ext cx="1275410" cy="738664"/>
+          </a:xfrm>
+          <a:prstGeom prst="rect">
+            <a:avLst/>
+          </a:prstGeom>
+          <a:noFill/>
+        </p:spPr>
+        <p:txBody>
+          <a:bodyPr wrap="square">
+            <a:spAutoFit/>
+          </a:bodyPr>
+          <a:lstStyle/>
+          <a:p>
+            <a:pPr>
+              <a:spcBef>
+                <a:spcPts val="400"/>
+              </a:spcBef>
+            </a:pPr>
+            <a:r>
+              <a:rPr lang="de-DE" sz="1400"/>
+              <a:t>Begrenzung Nachfrage </a:t>
+            </a:r>
+            <a:r>
+              <a:rPr lang="de-DE" sz="1400" dirty="0"/>
+              <a:t>Produkt B</a:t>
+            </a:r>
+            <a:endParaRPr lang="de-DE" sz="1400" b="0" dirty="0"/>
+          </a:p>
+        </p:txBody>
+      </p:sp>
+      <p:sp>
+        <p:nvSpPr>
+          <p:cNvPr id="74" name="TextBox 73">
+            <a:extLst>
+              <a:ext uri="{FF2B5EF4-FFF2-40B4-BE49-F238E27FC236}">
+                <a16:creationId xmlns:a16="http://schemas.microsoft.com/office/drawing/2014/main" id="{1D3C637D-A28E-74DF-D0E4-573D564225EB}"/>
+              </a:ext>
+            </a:extLst>
+          </p:cNvPr>
+          <p:cNvSpPr txBox="1"/>
+          <p:nvPr/>
+        </p:nvSpPr>
+        <p:spPr>
+          <a:xfrm>
+            <a:off x="5751217" y="2943806"/>
+            <a:ext cx="1275410" cy="738664"/>
+          </a:xfrm>
+          <a:prstGeom prst="rect">
+            <a:avLst/>
+          </a:prstGeom>
+          <a:noFill/>
+        </p:spPr>
+        <p:txBody>
+          <a:bodyPr wrap="square">
+            <a:spAutoFit/>
+          </a:bodyPr>
+          <a:lstStyle/>
+          <a:p>
+            <a:pPr>
+              <a:spcBef>
+                <a:spcPts val="400"/>
+              </a:spcBef>
+            </a:pPr>
+            <a:r>
+              <a:rPr lang="de-DE" sz="1400" dirty="0"/>
+              <a:t>Begrenzung Nachfrage Produkt C</a:t>
+            </a:r>
+            <a:endParaRPr lang="de-DE" sz="1400" b="0" dirty="0"/>
+          </a:p>
+        </p:txBody>
+      </p:sp>
+    </p:spTree>
+    <p:extLst>
+      <p:ext uri="{BB962C8B-B14F-4D97-AF65-F5344CB8AC3E}">
+        <p14:creationId xmlns:p14="http://schemas.microsoft.com/office/powerpoint/2010/main" val="488912307"/>
+      </p:ext>
+    </p:extLst>
+  </p:cSld>
+  <p:clrMapOvr>
+    <a:masterClrMapping/>
+  </p:clrMapOvr>
+  <p:timing>
+    <p:tnLst>
+      <p:par>
+        <p:cTn id="1" dur="indefinite" restart="never" nodeType="tmRoot">
+          <p:childTnLst>
+            <p:seq concurrent="1" nextAc="seek">
+              <p:cTn id="2" dur="indefinite" nodeType="mainSeq">
+                <p:childTnLst>
+                  <p:par>
+                    <p:cTn id="3" fill="hold">
+                      <p:stCondLst>
+                        <p:cond delay="indefinite"/>
+                      </p:stCondLst>
+                      <p:childTnLst>
+                        <p:par>
+                          <p:cTn id="4" fill="hold">
+                            <p:stCondLst>
+                              <p:cond delay="0"/>
+                            </p:stCondLst>
+                            <p:childTnLst>
+                              <p:par>
+                                <p:cTn id="5" presetID="1" presetClass="entr" presetSubtype="0" fill="hold" nodeType="clickEffect">
+                                  <p:stCondLst>
+                                    <p:cond delay="0"/>
+                                  </p:stCondLst>
+                                  <p:childTnLst>
+                                    <p:set>
+                                      <p:cBhvr>
+                                        <p:cTn id="6" dur="1" fill="hold">
+                                          <p:stCondLst>
+                                            <p:cond delay="0"/>
+                                          </p:stCondLst>
+                                        </p:cTn>
+                                        <p:tgtEl>
+                                          <p:spTgt spid="4"/>
+                                        </p:tgtEl>
+                                        <p:attrNameLst>
+                                          <p:attrName>style.visibility</p:attrName>
+                                        </p:attrNameLst>
+                                      </p:cBhvr>
+                                      <p:to>
+                                        <p:strVal val="visible"/>
+                                      </p:to>
+                                    </p:set>
+                                  </p:childTnLst>
+                                </p:cTn>
+                              </p:par>
+                              <p:par>
+                                <p:cTn id="7" presetID="1" presetClass="entr" presetSubtype="0" fill="hold" nodeType="withEffect">
+                                  <p:stCondLst>
+                                    <p:cond delay="0"/>
+                                  </p:stCondLst>
+                                  <p:childTnLst>
+                                    <p:set>
+                                      <p:cBhvr>
+                                        <p:cTn id="8" dur="1" fill="hold">
+                                          <p:stCondLst>
+                                            <p:cond delay="0"/>
+                                          </p:stCondLst>
+                                        </p:cTn>
+                                        <p:tgtEl>
+                                          <p:spTgt spid="5"/>
+                                        </p:tgtEl>
+                                        <p:attrNameLst>
+                                          <p:attrName>style.visibility</p:attrName>
+                                        </p:attrNameLst>
+                                      </p:cBhvr>
+                                      <p:to>
+                                        <p:strVal val="visible"/>
+                                      </p:to>
+                                    </p:set>
+                                  </p:childTnLst>
+                                </p:cTn>
+                              </p:par>
+                              <p:par>
+                                <p:cTn id="9" presetID="1" presetClass="entr" presetSubtype="0" fill="hold" nodeType="withEffect">
+                                  <p:stCondLst>
+                                    <p:cond delay="0"/>
+                                  </p:stCondLst>
+                                  <p:childTnLst>
+                                    <p:set>
+                                      <p:cBhvr>
+                                        <p:cTn id="10" dur="1" fill="hold">
+                                          <p:stCondLst>
+                                            <p:cond delay="0"/>
+                                          </p:stCondLst>
+                                        </p:cTn>
+                                        <p:tgtEl>
+                                          <p:spTgt spid="6"/>
+                                        </p:tgtEl>
+                                        <p:attrNameLst>
+                                          <p:attrName>style.visibility</p:attrName>
+                                        </p:attrNameLst>
+                                      </p:cBhvr>
+                                      <p:to>
+                                        <p:strVal val="visible"/>
+                                      </p:to>
+                                    </p:set>
+                                  </p:childTnLst>
+                                </p:cTn>
+                              </p:par>
+                              <p:par>
+                                <p:cTn id="11" presetID="1" presetClass="entr" presetSubtype="0" fill="hold" grpId="0" nodeType="withEffect">
+                                  <p:stCondLst>
+                                    <p:cond delay="0"/>
+                                  </p:stCondLst>
+                                  <p:childTnLst>
+                                    <p:set>
+                                      <p:cBhvr>
+                                        <p:cTn id="12" dur="1" fill="hold">
+                                          <p:stCondLst>
+                                            <p:cond delay="0"/>
+                                          </p:stCondLst>
+                                        </p:cTn>
+                                        <p:tgtEl>
+                                          <p:spTgt spid="7"/>
+                                        </p:tgtEl>
+                                        <p:attrNameLst>
+                                          <p:attrName>style.visibility</p:attrName>
+                                        </p:attrNameLst>
+                                      </p:cBhvr>
+                                      <p:to>
+                                        <p:strVal val="visible"/>
+                                      </p:to>
+                                    </p:set>
+                                  </p:childTnLst>
+                                </p:cTn>
+                              </p:par>
+                              <p:par>
+                                <p:cTn id="13" presetID="1" presetClass="entr" presetSubtype="0" fill="hold" grpId="0" nodeType="withEffect">
+                                  <p:stCondLst>
+                                    <p:cond delay="0"/>
+                                  </p:stCondLst>
+                                  <p:childTnLst>
+                                    <p:set>
+                                      <p:cBhvr>
+                                        <p:cTn id="14" dur="1" fill="hold">
+                                          <p:stCondLst>
+                                            <p:cond delay="0"/>
+                                          </p:stCondLst>
+                                        </p:cTn>
+                                        <p:tgtEl>
+                                          <p:spTgt spid="8"/>
+                                        </p:tgtEl>
+                                        <p:attrNameLst>
+                                          <p:attrName>style.visibility</p:attrName>
+                                        </p:attrNameLst>
+                                      </p:cBhvr>
+                                      <p:to>
+                                        <p:strVal val="visible"/>
+                                      </p:to>
+                                    </p:set>
+                                  </p:childTnLst>
+                                </p:cTn>
+                              </p:par>
+                              <p:par>
+                                <p:cTn id="15" presetID="1" presetClass="entr" presetSubtype="0" fill="hold" grpId="0" nodeType="withEffect">
+                                  <p:stCondLst>
+                                    <p:cond delay="0"/>
+                                  </p:stCondLst>
+                                  <p:childTnLst>
+                                    <p:set>
+                                      <p:cBhvr>
+                                        <p:cTn id="16" dur="1" fill="hold">
+                                          <p:stCondLst>
+                                            <p:cond delay="0"/>
+                                          </p:stCondLst>
+                                        </p:cTn>
+                                        <p:tgtEl>
+                                          <p:spTgt spid="9"/>
+                                        </p:tgtEl>
+                                        <p:attrNameLst>
+                                          <p:attrName>style.visibility</p:attrName>
+                                        </p:attrNameLst>
+                                      </p:cBhvr>
+                                      <p:to>
+                                        <p:strVal val="visible"/>
+                                      </p:to>
+                                    </p:set>
+                                  </p:childTnLst>
+                                </p:cTn>
+                              </p:par>
+                              <p:par>
+                                <p:cTn id="17" presetID="1" presetClass="entr" presetSubtype="0" fill="hold" grpId="0" nodeType="withEffect">
+                                  <p:stCondLst>
+                                    <p:cond delay="0"/>
+                                  </p:stCondLst>
+                                  <p:childTnLst>
+                                    <p:set>
+                                      <p:cBhvr>
+                                        <p:cTn id="18" dur="1" fill="hold">
+                                          <p:stCondLst>
+                                            <p:cond delay="0"/>
+                                          </p:stCondLst>
+                                        </p:cTn>
+                                        <p:tgtEl>
+                                          <p:spTgt spid="10"/>
+                                        </p:tgtEl>
+                                        <p:attrNameLst>
+                                          <p:attrName>style.visibility</p:attrName>
+                                        </p:attrNameLst>
+                                      </p:cBhvr>
+                                      <p:to>
+                                        <p:strVal val="visible"/>
+                                      </p:to>
+                                    </p:set>
+                                  </p:childTnLst>
+                                </p:cTn>
+                              </p:par>
+                              <p:par>
+                                <p:cTn id="19" presetID="1" presetClass="entr" presetSubtype="0" fill="hold" nodeType="withEffect">
+                                  <p:stCondLst>
+                                    <p:cond delay="0"/>
+                                  </p:stCondLst>
+                                  <p:childTnLst>
+                                    <p:set>
+                                      <p:cBhvr>
+                                        <p:cTn id="20" dur="1" fill="hold">
+                                          <p:stCondLst>
+                                            <p:cond delay="0"/>
+                                          </p:stCondLst>
+                                        </p:cTn>
+                                        <p:tgtEl>
+                                          <p:spTgt spid="11"/>
+                                        </p:tgtEl>
+                                        <p:attrNameLst>
+                                          <p:attrName>style.visibility</p:attrName>
+                                        </p:attrNameLst>
+                                      </p:cBhvr>
+                                      <p:to>
+                                        <p:strVal val="visible"/>
+                                      </p:to>
+                                    </p:set>
+                                  </p:childTnLst>
+                                </p:cTn>
+                              </p:par>
+                              <p:par>
+                                <p:cTn id="21" presetID="1" presetClass="entr" presetSubtype="0" fill="hold" nodeType="withEffect">
+                                  <p:stCondLst>
+                                    <p:cond delay="0"/>
+                                  </p:stCondLst>
+                                  <p:childTnLst>
+                                    <p:set>
+                                      <p:cBhvr>
+                                        <p:cTn id="22" dur="1" fill="hold">
+                                          <p:stCondLst>
+                                            <p:cond delay="0"/>
+                                          </p:stCondLst>
+                                        </p:cTn>
+                                        <p:tgtEl>
+                                          <p:spTgt spid="12"/>
+                                        </p:tgtEl>
+                                        <p:attrNameLst>
+                                          <p:attrName>style.visibility</p:attrName>
+                                        </p:attrNameLst>
+                                      </p:cBhvr>
+                                      <p:to>
+                                        <p:strVal val="visible"/>
+                                      </p:to>
+                                    </p:set>
+                                  </p:childTnLst>
+                                </p:cTn>
+                              </p:par>
+                              <p:par>
+                                <p:cTn id="23" presetID="1" presetClass="entr" presetSubtype="0" fill="hold" nodeType="withEffect">
+                                  <p:stCondLst>
+                                    <p:cond delay="0"/>
+                                  </p:stCondLst>
+                                  <p:childTnLst>
+                                    <p:set>
+                                      <p:cBhvr>
+                                        <p:cTn id="24" dur="1" fill="hold">
+                                          <p:stCondLst>
+                                            <p:cond delay="0"/>
+                                          </p:stCondLst>
+                                        </p:cTn>
+                                        <p:tgtEl>
+                                          <p:spTgt spid="13"/>
+                                        </p:tgtEl>
+                                        <p:attrNameLst>
+                                          <p:attrName>style.visibility</p:attrName>
+                                        </p:attrNameLst>
+                                      </p:cBhvr>
+                                      <p:to>
+                                        <p:strVal val="visible"/>
+                                      </p:to>
+                                    </p:set>
+                                  </p:childTnLst>
+                                </p:cTn>
+                              </p:par>
+                              <p:par>
+                                <p:cTn id="25" presetID="1" presetClass="entr" presetSubtype="0" fill="hold" nodeType="withEffect">
+                                  <p:stCondLst>
+                                    <p:cond delay="0"/>
+                                  </p:stCondLst>
+                                  <p:childTnLst>
+                                    <p:set>
+                                      <p:cBhvr>
+                                        <p:cTn id="26" dur="1" fill="hold">
+                                          <p:stCondLst>
+                                            <p:cond delay="0"/>
+                                          </p:stCondLst>
+                                        </p:cTn>
+                                        <p:tgtEl>
+                                          <p:spTgt spid="19"/>
+                                        </p:tgtEl>
+                                        <p:attrNameLst>
+                                          <p:attrName>style.visibility</p:attrName>
+                                        </p:attrNameLst>
+                                      </p:cBhvr>
+                                      <p:to>
+                                        <p:strVal val="visible"/>
+                                      </p:to>
+                                    </p:set>
+                                  </p:childTnLst>
+                                </p:cTn>
+                              </p:par>
+                              <p:par>
+                                <p:cTn id="27" presetID="1" presetClass="entr" presetSubtype="0" fill="hold" nodeType="withEffect">
+                                  <p:stCondLst>
+                                    <p:cond delay="0"/>
+                                  </p:stCondLst>
+                                  <p:childTnLst>
+                                    <p:set>
+                                      <p:cBhvr>
+                                        <p:cTn id="28" dur="1" fill="hold">
+                                          <p:stCondLst>
+                                            <p:cond delay="0"/>
+                                          </p:stCondLst>
+                                        </p:cTn>
+                                        <p:tgtEl>
+                                          <p:spTgt spid="20"/>
+                                        </p:tgtEl>
+                                        <p:attrNameLst>
+                                          <p:attrName>style.visibility</p:attrName>
+                                        </p:attrNameLst>
+                                      </p:cBhvr>
+                                      <p:to>
+                                        <p:strVal val="visible"/>
+                                      </p:to>
+                                    </p:set>
+                                  </p:childTnLst>
+                                </p:cTn>
+                              </p:par>
+                              <p:par>
+                                <p:cTn id="29" presetID="1" presetClass="entr" presetSubtype="0" fill="hold" nodeType="withEffect">
+                                  <p:stCondLst>
+                                    <p:cond delay="0"/>
+                                  </p:stCondLst>
+                                  <p:childTnLst>
+                                    <p:set>
+                                      <p:cBhvr>
+                                        <p:cTn id="30" dur="1" fill="hold">
+                                          <p:stCondLst>
+                                            <p:cond delay="0"/>
+                                          </p:stCondLst>
+                                        </p:cTn>
+                                        <p:tgtEl>
+                                          <p:spTgt spid="25"/>
+                                        </p:tgtEl>
+                                        <p:attrNameLst>
+                                          <p:attrName>style.visibility</p:attrName>
+                                        </p:attrNameLst>
+                                      </p:cBhvr>
+                                      <p:to>
+                                        <p:strVal val="visible"/>
+                                      </p:to>
+                                    </p:set>
+                                  </p:childTnLst>
+                                </p:cTn>
+                              </p:par>
+                              <p:par>
+                                <p:cTn id="31" presetID="1" presetClass="entr" presetSubtype="0" fill="hold" nodeType="withEffect">
+                                  <p:stCondLst>
+                                    <p:cond delay="0"/>
+                                  </p:stCondLst>
+                                  <p:childTnLst>
+                                    <p:set>
+                                      <p:cBhvr>
+                                        <p:cTn id="32" dur="1" fill="hold">
+                                          <p:stCondLst>
+                                            <p:cond delay="0"/>
+                                          </p:stCondLst>
+                                        </p:cTn>
+                                        <p:tgtEl>
+                                          <p:spTgt spid="26"/>
+                                        </p:tgtEl>
+                                        <p:attrNameLst>
+                                          <p:attrName>style.visibility</p:attrName>
+                                        </p:attrNameLst>
+                                      </p:cBhvr>
+                                      <p:to>
+                                        <p:strVal val="visible"/>
+                                      </p:to>
+                                    </p:set>
+                                  </p:childTnLst>
+                                </p:cTn>
+                              </p:par>
+                              <p:par>
+                                <p:cTn id="33" presetID="1" presetClass="entr" presetSubtype="0" fill="hold" nodeType="withEffect">
+                                  <p:stCondLst>
+                                    <p:cond delay="0"/>
+                                  </p:stCondLst>
+                                  <p:childTnLst>
+                                    <p:set>
+                                      <p:cBhvr>
+                                        <p:cTn id="34" dur="1" fill="hold">
+                                          <p:stCondLst>
+                                            <p:cond delay="0"/>
+                                          </p:stCondLst>
+                                        </p:cTn>
+                                        <p:tgtEl>
+                                          <p:spTgt spid="27"/>
+                                        </p:tgtEl>
+                                        <p:attrNameLst>
+                                          <p:attrName>style.visibility</p:attrName>
+                                        </p:attrNameLst>
+                                      </p:cBhvr>
+                                      <p:to>
+                                        <p:strVal val="visible"/>
+                                      </p:to>
+                                    </p:set>
+                                  </p:childTnLst>
+                                </p:cTn>
+                              </p:par>
+                              <p:par>
+                                <p:cTn id="35" presetID="1" presetClass="entr" presetSubtype="0" fill="hold" nodeType="withEffect">
+                                  <p:stCondLst>
+                                    <p:cond delay="0"/>
+                                  </p:stCondLst>
+                                  <p:childTnLst>
+                                    <p:set>
+                                      <p:cBhvr>
+                                        <p:cTn id="36" dur="1" fill="hold">
+                                          <p:stCondLst>
+                                            <p:cond delay="0"/>
+                                          </p:stCondLst>
+                                        </p:cTn>
+                                        <p:tgtEl>
+                                          <p:spTgt spid="56"/>
+                                        </p:tgtEl>
+                                        <p:attrNameLst>
+                                          <p:attrName>style.visibility</p:attrName>
+                                        </p:attrNameLst>
+                                      </p:cBhvr>
+                                      <p:to>
+                                        <p:strVal val="visible"/>
+                                      </p:to>
+                                    </p:set>
+                                  </p:childTnLst>
+                                </p:cTn>
+                              </p:par>
+                              <p:par>
+                                <p:cTn id="37" presetID="1" presetClass="entr" presetSubtype="0" fill="hold" nodeType="withEffect">
+                                  <p:stCondLst>
+                                    <p:cond delay="0"/>
+                                  </p:stCondLst>
+                                  <p:childTnLst>
+                                    <p:set>
+                                      <p:cBhvr>
+                                        <p:cTn id="38" dur="1" fill="hold">
+                                          <p:stCondLst>
+                                            <p:cond delay="0"/>
+                                          </p:stCondLst>
+                                        </p:cTn>
+                                        <p:tgtEl>
+                                          <p:spTgt spid="57"/>
+                                        </p:tgtEl>
+                                        <p:attrNameLst>
+                                          <p:attrName>style.visibility</p:attrName>
+                                        </p:attrNameLst>
+                                      </p:cBhvr>
+                                      <p:to>
+                                        <p:strVal val="visible"/>
+                                      </p:to>
+                                    </p:set>
+                                  </p:childTnLst>
+                                </p:cTn>
+                              </p:par>
+                              <p:par>
+                                <p:cTn id="39" presetID="1" presetClass="entr" presetSubtype="0" fill="hold" nodeType="withEffect">
+                                  <p:stCondLst>
+                                    <p:cond delay="0"/>
+                                  </p:stCondLst>
+                                  <p:childTnLst>
+                                    <p:set>
+                                      <p:cBhvr>
+                                        <p:cTn id="40" dur="1" fill="hold">
+                                          <p:stCondLst>
+                                            <p:cond delay="0"/>
+                                          </p:stCondLst>
+                                        </p:cTn>
+                                        <p:tgtEl>
+                                          <p:spTgt spid="58"/>
+                                        </p:tgtEl>
+                                        <p:attrNameLst>
+                                          <p:attrName>style.visibility</p:attrName>
+                                        </p:attrNameLst>
+                                      </p:cBhvr>
+                                      <p:to>
+                                        <p:strVal val="visible"/>
+                                      </p:to>
+                                    </p:set>
+                                  </p:childTnLst>
+                                </p:cTn>
+                              </p:par>
+                              <p:par>
+                                <p:cTn id="41" presetID="1" presetClass="entr" presetSubtype="0" fill="hold" nodeType="withEffect">
+                                  <p:stCondLst>
+                                    <p:cond delay="0"/>
+                                  </p:stCondLst>
+                                  <p:childTnLst>
+                                    <p:set>
+                                      <p:cBhvr>
+                                        <p:cTn id="42" dur="1" fill="hold">
+                                          <p:stCondLst>
+                                            <p:cond delay="0"/>
+                                          </p:stCondLst>
+                                        </p:cTn>
+                                        <p:tgtEl>
+                                          <p:spTgt spid="59"/>
+                                        </p:tgtEl>
+                                        <p:attrNameLst>
+                                          <p:attrName>style.visibility</p:attrName>
+                                        </p:attrNameLst>
+                                      </p:cBhvr>
+                                      <p:to>
+                                        <p:strVal val="visible"/>
+                                      </p:to>
+                                    </p:set>
+                                  </p:childTnLst>
+                                </p:cTn>
+                              </p:par>
+                              <p:par>
+                                <p:cTn id="43" presetID="1" presetClass="entr" presetSubtype="0" fill="hold" nodeType="withEffect">
+                                  <p:stCondLst>
+                                    <p:cond delay="0"/>
+                                  </p:stCondLst>
+                                  <p:childTnLst>
+                                    <p:set>
+                                      <p:cBhvr>
+                                        <p:cTn id="44" dur="1" fill="hold">
+                                          <p:stCondLst>
+                                            <p:cond delay="0"/>
+                                          </p:stCondLst>
+                                        </p:cTn>
+                                        <p:tgtEl>
+                                          <p:spTgt spid="62"/>
+                                        </p:tgtEl>
+                                        <p:attrNameLst>
+                                          <p:attrName>style.visibility</p:attrName>
+                                        </p:attrNameLst>
+                                      </p:cBhvr>
+                                      <p:to>
+                                        <p:strVal val="visible"/>
+                                      </p:to>
+                                    </p:set>
+                                  </p:childTnLst>
+                                </p:cTn>
+                              </p:par>
+                            </p:childTnLst>
+                          </p:cTn>
+                        </p:par>
+                      </p:childTnLst>
+                    </p:cTn>
+                  </p:par>
+                </p:childTnLst>
+              </p:cTn>
+              <p:prevCondLst>
+                <p:cond evt="onPrev" delay="0">
+                  <p:tgtEl>
+                    <p:sldTgt/>
+                  </p:tgtEl>
+                </p:cond>
+              </p:prevCondLst>
+              <p:nextCondLst>
+                <p:cond evt="onNext" delay="0">
+                  <p:tgtEl>
+                    <p:sldTgt/>
+                  </p:tgtEl>
+                </p:cond>
+              </p:nextCondLst>
+            </p:seq>
+          </p:childTnLst>
+        </p:cTn>
+      </p:par>
+    </p:tnLst>
+    <p:bldLst>
+      <p:bldP spid="7" grpId="0"/>
+      <p:bldP spid="8" grpId="0"/>
+      <p:bldP spid="9" grpId="0"/>
+      <p:bldP spid="10" grpId="0"/>
+    </p:bldLst>
+  </p:timing>
+</p:sld>
+</file>
+
 <file path=ppt/slides/slide2.xml><?xml version="1.0" encoding="utf-8"?>
 <p:sld xmlns:a="http://schemas.openxmlformats.org/drawingml/2006/main" xmlns:r="http://schemas.openxmlformats.org/officeDocument/2006/relationships" xmlns:p="http://schemas.openxmlformats.org/presentationml/2006/main">
   <p:cSld>
@@ -8407,8 +11151,8 @@
           </a:p>
         </p:txBody>
       </p:sp>
-      <mc:AlternateContent xmlns:mc="http://schemas.openxmlformats.org/markup-compatibility/2006">
-        <mc:Choice xmlns:a14="http://schemas.microsoft.com/office/drawing/2010/main" Requires="a14">
+      <mc:AlternateContent xmlns:mc="http://schemas.openxmlformats.org/markup-compatibility/2006" xmlns:a14="http://schemas.microsoft.com/office/drawing/2010/main">
+        <mc:Choice Requires="a14">
           <p:sp>
             <p:nvSpPr>
               <p:cNvPr id="13" name="TextBox 12">
@@ -8477,7 +11221,7 @@
             </p:txBody>
           </p:sp>
         </mc:Choice>
-        <mc:Fallback>
+        <mc:Fallback xmlns="">
           <p:sp>
             <p:nvSpPr>
               <p:cNvPr id="13" name="TextBox 12">

--- a/sketches.pptx
+++ b/sketches.pptx
@@ -5,7 +5,7 @@
     <p:sldMasterId id="2147483648" r:id="rId1"/>
   </p:sldMasterIdLst>
   <p:notesMasterIdLst>
-    <p:notesMasterId r:id="rId12"/>
+    <p:notesMasterId r:id="rId14"/>
   </p:notesMasterIdLst>
   <p:sldIdLst>
     <p:sldId id="256" r:id="rId2"/>
@@ -18,6 +18,8 @@
     <p:sldId id="262" r:id="rId9"/>
     <p:sldId id="263" r:id="rId10"/>
     <p:sldId id="265" r:id="rId11"/>
+    <p:sldId id="266" r:id="rId12"/>
+    <p:sldId id="267" r:id="rId13"/>
   </p:sldIdLst>
   <p:sldSz cx="12192000" cy="6858000"/>
   <p:notesSz cx="6858000" cy="9144000"/>
@@ -177,6 +179,202 @@
     </inkml:brush>
   </inkml:definitions>
   <inkml:trace contextRef="#ctx0" brushRef="#br0">150 1 24575,'-2'0'0,"-4"0"0,-3 0 0,-1 0 0,-2 0 0,0 0 0,1 0 0,-1 0 0,1 0 0,0 0 0,0 0 0,1 0 0,-1 0 0,0 0 0,1 0 0</inkml:trace>
+</inkml:ink>
+</file>
+
+<file path=ppt/ink/ink3.xml><?xml version="1.0" encoding="utf-8"?>
+<inkml:ink xmlns:inkml="http://www.w3.org/2003/InkML">
+  <inkml:definitions>
+    <inkml:context xml:id="ctx0">
+      <inkml:inkSource xml:id="inkSrc0">
+        <inkml:traceFormat>
+          <inkml:channel name="X" type="integer" min="-2.14748E9" max="2.14748E9" units="cm"/>
+          <inkml:channel name="Y" type="integer" min="-2.14748E9" max="2.14748E9" units="cm"/>
+          <inkml:channel name="F" type="integer" max="32767" units="dev"/>
+        </inkml:traceFormat>
+        <inkml:channelProperties>
+          <inkml:channelProperty channel="X" name="resolution" value="1000" units="1/cm"/>
+          <inkml:channelProperty channel="Y" name="resolution" value="1000" units="1/cm"/>
+          <inkml:channelProperty channel="F" name="resolution" value="0" units="1/dev"/>
+        </inkml:channelProperties>
+      </inkml:inkSource>
+      <inkml:timestamp xml:id="ts0" timeString="2024-02-23T12:06:19.229"/>
+    </inkml:context>
+    <inkml:brush xml:id="br0">
+      <inkml:brushProperty name="width" value="0.05" units="cm"/>
+      <inkml:brushProperty name="height" value="0.05" units="cm"/>
+      <inkml:brushProperty name="color" value="#004F8B"/>
+    </inkml:brush>
+  </inkml:definitions>
+  <inkml:trace contextRef="#ctx0" brushRef="#br0">1 473 24575,'0'-1'0,"0"1"0,0-1 0,1 1 0,-1-1 0,0 0 0,1 1 0,-1-1 0,1 1 0,-1-1 0,0 1 0,1 0 0,-1-1 0,1 1 0,-1-1 0,1 1 0,-1 0 0,1 0 0,0-1 0,-1 1 0,1 0 0,-1 0 0,1-1 0,0 1 0,-1 0 0,1 0 0,0 0 0,20-3 0,-18 3 0,124-20 0,0-5 0,140-48 0,-138 36 0,380-95 0,-468 123 0,46-6 0,-74 13 0,0-1 0,0-1 0,0 0 0,-1 0 0,14-8 0,23-8 0,192-46 0,-142 41 0,-79 21-1365,-3 0-5461</inkml:trace>
+</inkml:ink>
+</file>
+
+<file path=ppt/ink/ink4.xml><?xml version="1.0" encoding="utf-8"?>
+<inkml:ink xmlns:inkml="http://www.w3.org/2003/InkML">
+  <inkml:definitions>
+    <inkml:context xml:id="ctx0">
+      <inkml:inkSource xml:id="inkSrc0">
+        <inkml:traceFormat>
+          <inkml:channel name="X" type="integer" min="-2.14748E9" max="2.14748E9" units="cm"/>
+          <inkml:channel name="Y" type="integer" min="-2.14748E9" max="2.14748E9" units="cm"/>
+          <inkml:channel name="F" type="integer" max="32767" units="dev"/>
+        </inkml:traceFormat>
+        <inkml:channelProperties>
+          <inkml:channelProperty channel="X" name="resolution" value="1000" units="1/cm"/>
+          <inkml:channelProperty channel="Y" name="resolution" value="1000" units="1/cm"/>
+          <inkml:channelProperty channel="F" name="resolution" value="0" units="1/dev"/>
+        </inkml:channelProperties>
+      </inkml:inkSource>
+      <inkml:timestamp xml:id="ts0" timeString="2024-02-23T12:06:20.049"/>
+    </inkml:context>
+    <inkml:brush xml:id="br0">
+      <inkml:brushProperty name="width" value="0.05" units="cm"/>
+      <inkml:brushProperty name="height" value="0.05" units="cm"/>
+      <inkml:brushProperty name="color" value="#004F8B"/>
+    </inkml:brush>
+  </inkml:definitions>
+  <inkml:trace contextRef="#ctx0" brushRef="#br0">384 0 24575,'-2'1'0,"-1"0"0,0 0 0,0 0 0,1 1 0,-1-1 0,1 0 0,-1 1 0,1 0 0,0-1 0,-1 1 0,1 0 0,-3 4 0,-4 2 0,-162 140 0,19-34 0,143-106-1365,2 0-5461</inkml:trace>
+</inkml:ink>
+</file>
+
+<file path=ppt/ink/ink5.xml><?xml version="1.0" encoding="utf-8"?>
+<inkml:ink xmlns:inkml="http://www.w3.org/2003/InkML">
+  <inkml:definitions>
+    <inkml:context xml:id="ctx0">
+      <inkml:inkSource xml:id="inkSrc0">
+        <inkml:traceFormat>
+          <inkml:channel name="X" type="integer" min="-2.14748E9" max="2.14748E9" units="cm"/>
+          <inkml:channel name="Y" type="integer" min="-2.14748E9" max="2.14748E9" units="cm"/>
+          <inkml:channel name="F" type="integer" max="32767" units="dev"/>
+        </inkml:traceFormat>
+        <inkml:channelProperties>
+          <inkml:channelProperty channel="X" name="resolution" value="1000" units="1/cm"/>
+          <inkml:channelProperty channel="Y" name="resolution" value="1000" units="1/cm"/>
+          <inkml:channelProperty channel="F" name="resolution" value="0" units="1/dev"/>
+        </inkml:channelProperties>
+      </inkml:inkSource>
+      <inkml:timestamp xml:id="ts0" timeString="2024-02-23T12:06:21.443"/>
+    </inkml:context>
+    <inkml:brush xml:id="br0">
+      <inkml:brushProperty name="width" value="0.05" units="cm"/>
+      <inkml:brushProperty name="height" value="0.05" units="cm"/>
+      <inkml:brushProperty name="color" value="#004F8B"/>
+    </inkml:brush>
+  </inkml:definitions>
+  <inkml:trace contextRef="#ctx0" brushRef="#br0">507 7 24575,'-460'0'0,"428"-3"-1365,17 0-5461</inkml:trace>
+</inkml:ink>
+</file>
+
+<file path=ppt/ink/ink6.xml><?xml version="1.0" encoding="utf-8"?>
+<inkml:ink xmlns:inkml="http://www.w3.org/2003/InkML">
+  <inkml:definitions>
+    <inkml:context xml:id="ctx0">
+      <inkml:inkSource xml:id="inkSrc0">
+        <inkml:traceFormat>
+          <inkml:channel name="X" type="integer" min="-2.14748E9" max="2.14748E9" units="cm"/>
+          <inkml:channel name="Y" type="integer" min="-2.14748E9" max="2.14748E9" units="cm"/>
+          <inkml:channel name="F" type="integer" max="32767" units="dev"/>
+        </inkml:traceFormat>
+        <inkml:channelProperties>
+          <inkml:channelProperty channel="X" name="resolution" value="1000" units="1/cm"/>
+          <inkml:channelProperty channel="Y" name="resolution" value="1000" units="1/cm"/>
+          <inkml:channelProperty channel="F" name="resolution" value="0" units="1/dev"/>
+        </inkml:channelProperties>
+      </inkml:inkSource>
+      <inkml:timestamp xml:id="ts0" timeString="2024-02-23T12:06:53.494"/>
+    </inkml:context>
+    <inkml:brush xml:id="br0">
+      <inkml:brushProperty name="width" value="0.05" units="cm"/>
+      <inkml:brushProperty name="height" value="0.05" units="cm"/>
+      <inkml:brushProperty name="color" value="#004F8B"/>
+    </inkml:brush>
+  </inkml:definitions>
+  <inkml:trace contextRef="#ctx0" brushRef="#br0">1289 1 24575,'-19'0'0,"-119"4"0,114-2 0,1 2 0,1 0 0,-45 15 0,-85 25 0,106-31 0,19-7 0,-49 20 0,-28 12 0,31-12 0,-59 17 0,84-29 0,18-6 0,-47 5 0,45-9 0,2-1 0,-1-1 0,0-1 0,-41-4 0,71 3 0,-1 0 0,1 0 0,0 0 0,-1-1 0,1 1 0,0 0 0,-1 0 0,1-1 0,0 1 0,-1-1 0,1 1 0,0-1 0,0 0 0,-1 1 0,1-1 0,0 0 0,0 0 0,0 0 0,0 0 0,0 0 0,0 0 0,0 0 0,0 0 0,1 0 0,-1 0 0,0 0 0,1-1 0,-1 1 0,1 0 0,-1 0 0,1-1 0,0 1 0,-1 0 0,1-1 0,0 1 0,0-1 0,0 1 0,0 0 0,0-1 0,0 1 0,0 0 0,1-3 0,0 0 0,0 0 0,1 0 0,-1 1 0,1-1 0,0 0 0,0 1 0,0-1 0,0 1 0,1 0 0,-1 0 0,1 0 0,0 0 0,6-5 0,89-50-1365,-86 50-5461</inkml:trace>
+</inkml:ink>
+</file>
+
+<file path=ppt/ink/ink7.xml><?xml version="1.0" encoding="utf-8"?>
+<inkml:ink xmlns:inkml="http://www.w3.org/2003/InkML">
+  <inkml:definitions>
+    <inkml:context xml:id="ctx0">
+      <inkml:inkSource xml:id="inkSrc0">
+        <inkml:traceFormat>
+          <inkml:channel name="X" type="integer" min="-2.14748E9" max="2.14748E9" units="cm"/>
+          <inkml:channel name="Y" type="integer" min="-2.14748E9" max="2.14748E9" units="cm"/>
+          <inkml:channel name="F" type="integer" max="32767" units="dev"/>
+        </inkml:traceFormat>
+        <inkml:channelProperties>
+          <inkml:channelProperty channel="X" name="resolution" value="1000" units="1/cm"/>
+          <inkml:channelProperty channel="Y" name="resolution" value="1000" units="1/cm"/>
+          <inkml:channelProperty channel="F" name="resolution" value="0" units="1/dev"/>
+        </inkml:channelProperties>
+      </inkml:inkSource>
+      <inkml:timestamp xml:id="ts0" timeString="2024-02-23T12:06:55.928"/>
+    </inkml:context>
+    <inkml:brush xml:id="br0">
+      <inkml:brushProperty name="width" value="0.05" units="cm"/>
+      <inkml:brushProperty name="height" value="0.05" units="cm"/>
+      <inkml:brushProperty name="color" value="#004F8B"/>
+    </inkml:brush>
+  </inkml:definitions>
+  <inkml:trace contextRef="#ctx0" brushRef="#br0">1 1 24575,'5'0'0,"-1"0"0,1 1 0,0 0 0,0 0 0,0 1 0,-1-1 0,1 1 0,-1 0 0,1 0 0,5 4 0,44 34 0,-5-3 0,-17-19-1365,-21-14-5461</inkml:trace>
+</inkml:ink>
+</file>
+
+<file path=ppt/ink/ink8.xml><?xml version="1.0" encoding="utf-8"?>
+<inkml:ink xmlns:inkml="http://www.w3.org/2003/InkML">
+  <inkml:definitions>
+    <inkml:context xml:id="ctx0">
+      <inkml:inkSource xml:id="inkSrc0">
+        <inkml:traceFormat>
+          <inkml:channel name="X" type="integer" min="-2.14748E9" max="2.14748E9" units="cm"/>
+          <inkml:channel name="Y" type="integer" min="-2.14748E9" max="2.14748E9" units="cm"/>
+          <inkml:channel name="F" type="integer" max="32767" units="dev"/>
+        </inkml:traceFormat>
+        <inkml:channelProperties>
+          <inkml:channelProperty channel="X" name="resolution" value="1000" units="1/cm"/>
+          <inkml:channelProperty channel="Y" name="resolution" value="1000" units="1/cm"/>
+          <inkml:channelProperty channel="F" name="resolution" value="0" units="1/dev"/>
+        </inkml:channelProperties>
+      </inkml:inkSource>
+      <inkml:timestamp xml:id="ts0" timeString="2024-02-23T12:07:06.588"/>
+    </inkml:context>
+    <inkml:brush xml:id="br0">
+      <inkml:brushProperty name="width" value="0.05" units="cm"/>
+      <inkml:brushProperty name="height" value="0.05" units="cm"/>
+      <inkml:brushProperty name="color" value="#004F8B"/>
+    </inkml:brush>
+  </inkml:definitions>
+  <inkml:trace contextRef="#ctx0" brushRef="#br0">0 1171 24575,'47'-3'0,"-1"-2"0,0-1 0,57-17 0,-26 6 0,-55 11 0,0-1 0,0-1 0,38-20 0,-34 15 0,50-18 0,8-1 0,-55 20 0,40-13 0,253-85 0,-231 83 0,-22 7 0,129-58 0,-66 30 0,-73 28 0,211-87 0,-194 74 0,139-40 0,-69 31 0,121-29 0,-204 56 0,-29 6 0,43-4 0,56-4 0,-32 2 0,-61 8 0,1 1 0,47 1 0,-55 4 0,-1-2 0,55-12 0,-19 3 0,-28 11 0,-33 1 0,1 0 0,-1 0 0,0-1 0,0 0 0,0 0 0,8-2 0,-14 3 0,0-1 0,-1 1 0,1 0 0,0 0 0,0-1 0,-1 1 0,1 0 0,0-1 0,-1 1 0,1-1 0,-1 1 0,1-1 0,0 1 0,-1-1 0,1 0 0,-1 1 0,0-1 0,1 1 0,-1-1 0,1 0 0,-1 0 0,0 1 0,0-1 0,1 0 0,-1 0 0,0 1 0,0-3 0,0 2 0,0-1 0,-1 0 0,1 0 0,-1 1 0,1-1 0,-1 0 0,0 1 0,0-1 0,1 1 0,-1-1 0,-3-2 0,-4-5 0,0 0 0,-19-15 0,20 18 0,-32-25 0,24 19 0,0 0 0,-23-25 0,31 26-1365,2 1-5461</inkml:trace>
+</inkml:ink>
+</file>
+
+<file path=ppt/ink/ink9.xml><?xml version="1.0" encoding="utf-8"?>
+<inkml:ink xmlns:inkml="http://www.w3.org/2003/InkML">
+  <inkml:definitions>
+    <inkml:context xml:id="ctx0">
+      <inkml:inkSource xml:id="inkSrc0">
+        <inkml:traceFormat>
+          <inkml:channel name="X" type="integer" min="-2.14748E9" max="2.14748E9" units="cm"/>
+          <inkml:channel name="Y" type="integer" min="-2.14748E9" max="2.14748E9" units="cm"/>
+          <inkml:channel name="F" type="integer" max="32767" units="dev"/>
+        </inkml:traceFormat>
+        <inkml:channelProperties>
+          <inkml:channelProperty channel="X" name="resolution" value="1000" units="1/cm"/>
+          <inkml:channelProperty channel="Y" name="resolution" value="1000" units="1/cm"/>
+          <inkml:channelProperty channel="F" name="resolution" value="0" units="1/dev"/>
+        </inkml:channelProperties>
+      </inkml:inkSource>
+      <inkml:timestamp xml:id="ts0" timeString="2024-02-23T12:07:08.844"/>
+    </inkml:context>
+    <inkml:brush xml:id="br0">
+      <inkml:brushProperty name="width" value="0.05" units="cm"/>
+      <inkml:brushProperty name="height" value="0.05" units="cm"/>
+      <inkml:brushProperty name="color" value="#004F8B"/>
+    </inkml:brush>
+  </inkml:definitions>
+  <inkml:trace contextRef="#ctx0" brushRef="#br0">279 0 24575,'-9'1'0,"-1"0"0,1 0 0,0 1 0,-1 0 0,1 1 0,0 0 0,-12 6 0,-63 35 0,51-25 0,-18 18-56,35-24-1253,8-6-5517</inkml:trace>
 </inkml:ink>
 </file>
 
@@ -7304,1154 +7502,6 @@
       </p:grpSpPr>
       <p:cxnSp>
         <p:nvCxnSpPr>
-          <p:cNvPr id="4" name="Straight Arrow Connector 3">
-            <a:extLst>
-              <a:ext uri="{FF2B5EF4-FFF2-40B4-BE49-F238E27FC236}">
-                <a16:creationId xmlns:a16="http://schemas.microsoft.com/office/drawing/2014/main" id="{A7B8E557-FB84-824B-D4A1-F79B7C935743}"/>
-              </a:ext>
-            </a:extLst>
-          </p:cNvPr>
-          <p:cNvCxnSpPr>
-            <a:cxnSpLocks/>
-          </p:cNvCxnSpPr>
-          <p:nvPr/>
-        </p:nvCxnSpPr>
-        <p:spPr>
-          <a:xfrm flipH="1" flipV="1">
-            <a:off x="4121552" y="1487156"/>
-            <a:ext cx="0" cy="3633870"/>
-          </a:xfrm>
-          <a:prstGeom prst="straightConnector1">
-            <a:avLst/>
-          </a:prstGeom>
-          <a:ln>
-            <a:tailEnd type="triangle"/>
-          </a:ln>
-        </p:spPr>
-        <p:style>
-          <a:lnRef idx="1">
-            <a:schemeClr val="accent1"/>
-          </a:lnRef>
-          <a:fillRef idx="0">
-            <a:schemeClr val="accent1"/>
-          </a:fillRef>
-          <a:effectRef idx="0">
-            <a:schemeClr val="accent1"/>
-          </a:effectRef>
-          <a:fontRef idx="minor">
-            <a:schemeClr val="tx1"/>
-          </a:fontRef>
-        </p:style>
-      </p:cxnSp>
-      <p:cxnSp>
-        <p:nvCxnSpPr>
-          <p:cNvPr id="5" name="Straight Arrow Connector 4">
-            <a:extLst>
-              <a:ext uri="{FF2B5EF4-FFF2-40B4-BE49-F238E27FC236}">
-                <a16:creationId xmlns:a16="http://schemas.microsoft.com/office/drawing/2014/main" id="{97AE32F1-7285-057C-D2A4-FEAF670875C9}"/>
-              </a:ext>
-            </a:extLst>
-          </p:cNvPr>
-          <p:cNvCxnSpPr>
-            <a:cxnSpLocks/>
-          </p:cNvCxnSpPr>
-          <p:nvPr/>
-        </p:nvCxnSpPr>
-        <p:spPr>
-          <a:xfrm>
-            <a:off x="4052898" y="5108077"/>
-            <a:ext cx="3679086" cy="0"/>
-          </a:xfrm>
-          <a:prstGeom prst="straightConnector1">
-            <a:avLst/>
-          </a:prstGeom>
-          <a:ln>
-            <a:tailEnd type="triangle"/>
-          </a:ln>
-        </p:spPr>
-        <p:style>
-          <a:lnRef idx="1">
-            <a:schemeClr val="accent1"/>
-          </a:lnRef>
-          <a:fillRef idx="0">
-            <a:schemeClr val="accent1"/>
-          </a:fillRef>
-          <a:effectRef idx="0">
-            <a:schemeClr val="accent1"/>
-          </a:effectRef>
-          <a:fontRef idx="minor">
-            <a:schemeClr val="tx1"/>
-          </a:fontRef>
-        </p:style>
-      </p:cxnSp>
-      <p:cxnSp>
-        <p:nvCxnSpPr>
-          <p:cNvPr id="6" name="Straight Connector 5">
-            <a:extLst>
-              <a:ext uri="{FF2B5EF4-FFF2-40B4-BE49-F238E27FC236}">
-                <a16:creationId xmlns:a16="http://schemas.microsoft.com/office/drawing/2014/main" id="{E344AE04-1752-5163-74F9-CB89CBC1B99B}"/>
-              </a:ext>
-            </a:extLst>
-          </p:cNvPr>
-          <p:cNvCxnSpPr>
-            <a:cxnSpLocks/>
-          </p:cNvCxnSpPr>
-          <p:nvPr/>
-        </p:nvCxnSpPr>
-        <p:spPr>
-          <a:xfrm flipH="1" flipV="1">
-            <a:off x="4145034" y="2180656"/>
-            <a:ext cx="1960134" cy="2961856"/>
-          </a:xfrm>
-          <a:prstGeom prst="line">
-            <a:avLst/>
-          </a:prstGeom>
-        </p:spPr>
-        <p:style>
-          <a:lnRef idx="3">
-            <a:schemeClr val="accent2"/>
-          </a:lnRef>
-          <a:fillRef idx="0">
-            <a:schemeClr val="accent2"/>
-          </a:fillRef>
-          <a:effectRef idx="2">
-            <a:schemeClr val="accent2"/>
-          </a:effectRef>
-          <a:fontRef idx="minor">
-            <a:schemeClr val="tx1"/>
-          </a:fontRef>
-        </p:style>
-      </p:cxnSp>
-      <mc:AlternateContent xmlns:mc="http://schemas.openxmlformats.org/markup-compatibility/2006">
-        <mc:Choice xmlns:a14="http://schemas.microsoft.com/office/drawing/2010/main" Requires="a14">
-          <p:sp>
-            <p:nvSpPr>
-              <p:cNvPr id="7" name="TextBox 6">
-                <a:extLst>
-                  <a:ext uri="{FF2B5EF4-FFF2-40B4-BE49-F238E27FC236}">
-                    <a16:creationId xmlns:a16="http://schemas.microsoft.com/office/drawing/2014/main" id="{74F27F87-080E-B489-BBDA-CC0AB6CF070A}"/>
-                  </a:ext>
-                </a:extLst>
-              </p:cNvPr>
-              <p:cNvSpPr txBox="1"/>
-              <p:nvPr/>
-            </p:nvSpPr>
-            <p:spPr>
-              <a:xfrm>
-                <a:off x="5776753" y="5493970"/>
-                <a:ext cx="275562" cy="369332"/>
-              </a:xfrm>
-              <a:prstGeom prst="rect">
-                <a:avLst/>
-              </a:prstGeom>
-              <a:noFill/>
-            </p:spPr>
-            <p:txBody>
-              <a:bodyPr wrap="square">
-                <a:spAutoFit/>
-              </a:bodyPr>
-              <a:lstStyle/>
-              <a:p>
-                <a:pPr/>
-                <a14:m>
-                  <m:oMathPara xmlns:m="http://schemas.openxmlformats.org/officeDocument/2006/math">
-                    <m:oMathParaPr>
-                      <m:jc m:val="centerGroup"/>
-                    </m:oMathParaPr>
-                    <m:oMath xmlns:m="http://schemas.openxmlformats.org/officeDocument/2006/math">
-                      <m:sSub>
-                        <m:sSubPr>
-                          <m:ctrlPr>
-                            <a:rPr lang="de-DE" sz="1800" b="0" i="1" smtClean="0">
-                              <a:latin typeface="Cambria Math" panose="02040503050406030204" pitchFamily="18" charset="0"/>
-                            </a:rPr>
-                          </m:ctrlPr>
-                        </m:sSubPr>
-                        <m:e>
-                          <m:r>
-                            <a:rPr lang="de-DE" sz="1800" b="0" i="1" smtClean="0">
-                              <a:latin typeface="Cambria Math" panose="02040503050406030204" pitchFamily="18" charset="0"/>
-                            </a:rPr>
-                            <m:t>𝑥</m:t>
-                          </m:r>
-                        </m:e>
-                        <m:sub>
-                          <m:r>
-                            <a:rPr lang="de-DE" sz="1800" b="0" i="0" smtClean="0">
-                              <a:latin typeface="Cambria Math" panose="02040503050406030204" pitchFamily="18" charset="0"/>
-                            </a:rPr>
-                            <m:t>1</m:t>
-                          </m:r>
-                        </m:sub>
-                      </m:sSub>
-                    </m:oMath>
-                  </m:oMathPara>
-                </a14:m>
-                <a:endParaRPr lang="de-DE" dirty="0"/>
-              </a:p>
-            </p:txBody>
-          </p:sp>
-        </mc:Choice>
-        <mc:Fallback>
-          <p:sp>
-            <p:nvSpPr>
-              <p:cNvPr id="7" name="TextBox 6">
-                <a:extLst>
-                  <a:ext uri="{FF2B5EF4-FFF2-40B4-BE49-F238E27FC236}">
-                    <a16:creationId xmlns:a16="http://schemas.microsoft.com/office/drawing/2014/main" id="{74F27F87-080E-B489-BBDA-CC0AB6CF070A}"/>
-                  </a:ext>
-                </a:extLst>
-              </p:cNvPr>
-              <p:cNvSpPr txBox="1">
-                <a:spLocks noRot="1" noChangeAspect="1" noMove="1" noResize="1" noEditPoints="1" noAdjustHandles="1" noChangeArrowheads="1" noChangeShapeType="1" noTextEdit="1"/>
-              </p:cNvSpPr>
-              <p:nvPr/>
-            </p:nvSpPr>
-            <p:spPr>
-              <a:xfrm>
-                <a:off x="5776753" y="5493970"/>
-                <a:ext cx="275562" cy="369332"/>
-              </a:xfrm>
-              <a:prstGeom prst="rect">
-                <a:avLst/>
-              </a:prstGeom>
-              <a:blipFill>
-                <a:blip r:embed="rId2"/>
-                <a:stretch>
-                  <a:fillRect r="-31111"/>
-                </a:stretch>
-              </a:blipFill>
-            </p:spPr>
-            <p:txBody>
-              <a:bodyPr/>
-              <a:lstStyle/>
-              <a:p>
-                <a:r>
-                  <a:rPr lang="en-US">
-                    <a:noFill/>
-                  </a:rPr>
-                  <a:t> </a:t>
-                </a:r>
-              </a:p>
-            </p:txBody>
-          </p:sp>
-        </mc:Fallback>
-      </mc:AlternateContent>
-      <mc:AlternateContent xmlns:mc="http://schemas.openxmlformats.org/markup-compatibility/2006">
-        <mc:Choice xmlns:a14="http://schemas.microsoft.com/office/drawing/2010/main" Requires="a14">
-          <p:sp>
-            <p:nvSpPr>
-              <p:cNvPr id="8" name="TextBox 7">
-                <a:extLst>
-                  <a:ext uri="{FF2B5EF4-FFF2-40B4-BE49-F238E27FC236}">
-                    <a16:creationId xmlns:a16="http://schemas.microsoft.com/office/drawing/2014/main" id="{F7749233-B42D-B968-D08D-9DFDF256277B}"/>
-                  </a:ext>
-                </a:extLst>
-              </p:cNvPr>
-              <p:cNvSpPr txBox="1"/>
-              <p:nvPr/>
-            </p:nvSpPr>
-            <p:spPr>
-              <a:xfrm>
-                <a:off x="3343636" y="3071899"/>
-                <a:ext cx="275562" cy="369332"/>
-              </a:xfrm>
-              <a:prstGeom prst="rect">
-                <a:avLst/>
-              </a:prstGeom>
-              <a:noFill/>
-            </p:spPr>
-            <p:txBody>
-              <a:bodyPr wrap="square">
-                <a:spAutoFit/>
-              </a:bodyPr>
-              <a:lstStyle/>
-              <a:p>
-                <a:pPr/>
-                <a14:m>
-                  <m:oMathPara xmlns:m="http://schemas.openxmlformats.org/officeDocument/2006/math">
-                    <m:oMathParaPr>
-                      <m:jc m:val="centerGroup"/>
-                    </m:oMathParaPr>
-                    <m:oMath xmlns:m="http://schemas.openxmlformats.org/officeDocument/2006/math">
-                      <m:sSub>
-                        <m:sSubPr>
-                          <m:ctrlPr>
-                            <a:rPr lang="de-DE" sz="1800" b="0" i="1" smtClean="0">
-                              <a:latin typeface="Cambria Math" panose="02040503050406030204" pitchFamily="18" charset="0"/>
-                            </a:rPr>
-                          </m:ctrlPr>
-                        </m:sSubPr>
-                        <m:e>
-                          <m:r>
-                            <a:rPr lang="de-DE" sz="1800" b="0" i="1" smtClean="0">
-                              <a:latin typeface="Cambria Math" panose="02040503050406030204" pitchFamily="18" charset="0"/>
-                            </a:rPr>
-                            <m:t>𝑥</m:t>
-                          </m:r>
-                        </m:e>
-                        <m:sub>
-                          <m:r>
-                            <a:rPr lang="de-DE" sz="1800" b="0" i="1" smtClean="0">
-                              <a:latin typeface="Cambria Math" panose="02040503050406030204" pitchFamily="18" charset="0"/>
-                            </a:rPr>
-                            <m:t>2</m:t>
-                          </m:r>
-                        </m:sub>
-                      </m:sSub>
-                    </m:oMath>
-                  </m:oMathPara>
-                </a14:m>
-                <a:endParaRPr lang="de-DE" dirty="0"/>
-              </a:p>
-            </p:txBody>
-          </p:sp>
-        </mc:Choice>
-        <mc:Fallback>
-          <p:sp>
-            <p:nvSpPr>
-              <p:cNvPr id="8" name="TextBox 7">
-                <a:extLst>
-                  <a:ext uri="{FF2B5EF4-FFF2-40B4-BE49-F238E27FC236}">
-                    <a16:creationId xmlns:a16="http://schemas.microsoft.com/office/drawing/2014/main" id="{F7749233-B42D-B968-D08D-9DFDF256277B}"/>
-                  </a:ext>
-                </a:extLst>
-              </p:cNvPr>
-              <p:cNvSpPr txBox="1">
-                <a:spLocks noRot="1" noChangeAspect="1" noMove="1" noResize="1" noEditPoints="1" noAdjustHandles="1" noChangeArrowheads="1" noChangeShapeType="1" noTextEdit="1"/>
-              </p:cNvSpPr>
-              <p:nvPr/>
-            </p:nvSpPr>
-            <p:spPr>
-              <a:xfrm>
-                <a:off x="3343636" y="3071899"/>
-                <a:ext cx="275562" cy="369332"/>
-              </a:xfrm>
-              <a:prstGeom prst="rect">
-                <a:avLst/>
-              </a:prstGeom>
-              <a:blipFill>
-                <a:blip r:embed="rId3"/>
-                <a:stretch>
-                  <a:fillRect r="-32609"/>
-                </a:stretch>
-              </a:blipFill>
-            </p:spPr>
-            <p:txBody>
-              <a:bodyPr/>
-              <a:lstStyle/>
-              <a:p>
-                <a:r>
-                  <a:rPr lang="en-US">
-                    <a:noFill/>
-                  </a:rPr>
-                  <a:t> </a:t>
-                </a:r>
-              </a:p>
-            </p:txBody>
-          </p:sp>
-        </mc:Fallback>
-      </mc:AlternateContent>
-      <mc:AlternateContent xmlns:mc="http://schemas.openxmlformats.org/markup-compatibility/2006">
-        <mc:Choice xmlns:a14="http://schemas.microsoft.com/office/drawing/2010/main" Requires="a14">
-          <p:sp>
-            <p:nvSpPr>
-              <p:cNvPr id="9" name="TextBox 8">
-                <a:extLst>
-                  <a:ext uri="{FF2B5EF4-FFF2-40B4-BE49-F238E27FC236}">
-                    <a16:creationId xmlns:a16="http://schemas.microsoft.com/office/drawing/2014/main" id="{351D2D51-9A7D-713C-3E83-2A97F061164E}"/>
-                  </a:ext>
-                </a:extLst>
-              </p:cNvPr>
-              <p:cNvSpPr txBox="1"/>
-              <p:nvPr/>
-            </p:nvSpPr>
-            <p:spPr>
-              <a:xfrm>
-                <a:off x="3600599" y="1677818"/>
-                <a:ext cx="425094" cy="3652282"/>
-              </a:xfrm>
-              <a:prstGeom prst="rect">
-                <a:avLst/>
-              </a:prstGeom>
-              <a:noFill/>
-            </p:spPr>
-            <p:txBody>
-              <a:bodyPr wrap="square">
-                <a:spAutoFit/>
-              </a:bodyPr>
-              <a:lstStyle/>
-              <a:p>
-                <a:pPr algn="r">
-                  <a:spcBef>
-                    <a:spcPts val="400"/>
-                  </a:spcBef>
-                </a:pPr>
-                <a14:m>
-                  <m:oMathPara xmlns:m="http://schemas.openxmlformats.org/officeDocument/2006/math">
-                    <m:oMathParaPr>
-                      <m:jc m:val="centerGroup"/>
-                    </m:oMathParaPr>
-                    <m:oMath xmlns:m="http://schemas.openxmlformats.org/officeDocument/2006/math">
-                      <m:r>
-                        <a:rPr lang="de-DE" sz="1800" b="0" i="1" dirty="0" smtClean="0">
-                          <a:latin typeface="Cambria Math" panose="02040503050406030204" pitchFamily="18" charset="0"/>
-                        </a:rPr>
-                        <m:t>10</m:t>
-                      </m:r>
-                    </m:oMath>
-                  </m:oMathPara>
-                </a14:m>
-                <a:endParaRPr lang="de-DE" sz="1800" b="0" i="1" dirty="0">
-                  <a:latin typeface="Cambria Math" panose="02040503050406030204" pitchFamily="18" charset="0"/>
-                </a:endParaRPr>
-              </a:p>
-              <a:p>
-                <a:pPr algn="r">
-                  <a:spcBef>
-                    <a:spcPts val="400"/>
-                  </a:spcBef>
-                </a:pPr>
-                <a:r>
-                  <a:rPr lang="de-DE" dirty="0"/>
-                  <a:t> </a:t>
-                </a:r>
-                <a14:m>
-                  <m:oMath xmlns:m="http://schemas.openxmlformats.org/officeDocument/2006/math">
-                    <m:r>
-                      <a:rPr lang="de-DE" i="1" dirty="0" smtClean="0">
-                        <a:latin typeface="Cambria Math" panose="02040503050406030204" pitchFamily="18" charset="0"/>
-                      </a:rPr>
-                      <m:t>9</m:t>
-                    </m:r>
-                  </m:oMath>
-                </a14:m>
-                <a:endParaRPr lang="de-DE" dirty="0"/>
-              </a:p>
-              <a:p>
-                <a:pPr algn="r">
-                  <a:spcBef>
-                    <a:spcPts val="400"/>
-                  </a:spcBef>
-                </a:pPr>
-                <a:r>
-                  <a:rPr lang="de-DE" dirty="0"/>
-                  <a:t> </a:t>
-                </a:r>
-                <a14:m>
-                  <m:oMath xmlns:m="http://schemas.openxmlformats.org/officeDocument/2006/math">
-                    <m:r>
-                      <a:rPr lang="de-DE" i="1" dirty="0" smtClean="0">
-                        <a:latin typeface="Cambria Math" panose="02040503050406030204" pitchFamily="18" charset="0"/>
-                      </a:rPr>
-                      <m:t>8</m:t>
-                    </m:r>
-                  </m:oMath>
-                </a14:m>
-                <a:endParaRPr lang="de-DE" dirty="0"/>
-              </a:p>
-              <a:p>
-                <a:pPr algn="r">
-                  <a:spcBef>
-                    <a:spcPts val="400"/>
-                  </a:spcBef>
-                </a:pPr>
-                <a:r>
-                  <a:rPr lang="de-DE" dirty="0"/>
-                  <a:t> </a:t>
-                </a:r>
-                <a14:m>
-                  <m:oMath xmlns:m="http://schemas.openxmlformats.org/officeDocument/2006/math">
-                    <m:r>
-                      <a:rPr lang="de-DE" i="1" dirty="0" smtClean="0">
-                        <a:latin typeface="Cambria Math" panose="02040503050406030204" pitchFamily="18" charset="0"/>
-                      </a:rPr>
-                      <m:t>7</m:t>
-                    </m:r>
-                  </m:oMath>
-                </a14:m>
-                <a:endParaRPr lang="de-DE" dirty="0"/>
-              </a:p>
-              <a:p>
-                <a:pPr algn="r">
-                  <a:spcBef>
-                    <a:spcPts val="400"/>
-                  </a:spcBef>
-                </a:pPr>
-                <a:r>
-                  <a:rPr lang="de-DE" dirty="0"/>
-                  <a:t> </a:t>
-                </a:r>
-                <a14:m>
-                  <m:oMath xmlns:m="http://schemas.openxmlformats.org/officeDocument/2006/math">
-                    <m:r>
-                      <a:rPr lang="de-DE" i="1" dirty="0" smtClean="0">
-                        <a:latin typeface="Cambria Math" panose="02040503050406030204" pitchFamily="18" charset="0"/>
-                      </a:rPr>
-                      <m:t>6</m:t>
-                    </m:r>
-                  </m:oMath>
-                </a14:m>
-                <a:endParaRPr lang="de-DE" dirty="0"/>
-              </a:p>
-              <a:p>
-                <a:pPr algn="r">
-                  <a:spcBef>
-                    <a:spcPts val="400"/>
-                  </a:spcBef>
-                </a:pPr>
-                <a:r>
-                  <a:rPr lang="de-DE" dirty="0"/>
-                  <a:t> </a:t>
-                </a:r>
-                <a14:m>
-                  <m:oMath xmlns:m="http://schemas.openxmlformats.org/officeDocument/2006/math">
-                    <m:r>
-                      <a:rPr lang="de-DE" i="1" dirty="0" smtClean="0">
-                        <a:latin typeface="Cambria Math" panose="02040503050406030204" pitchFamily="18" charset="0"/>
-                      </a:rPr>
-                      <m:t>5</m:t>
-                    </m:r>
-                  </m:oMath>
-                </a14:m>
-                <a:endParaRPr lang="de-DE" dirty="0"/>
-              </a:p>
-              <a:p>
-                <a:pPr algn="r">
-                  <a:spcBef>
-                    <a:spcPts val="400"/>
-                  </a:spcBef>
-                </a:pPr>
-                <a:r>
-                  <a:rPr lang="de-DE" dirty="0"/>
-                  <a:t> </a:t>
-                </a:r>
-                <a14:m>
-                  <m:oMath xmlns:m="http://schemas.openxmlformats.org/officeDocument/2006/math">
-                    <m:r>
-                      <a:rPr lang="de-DE" i="1" dirty="0" smtClean="0">
-                        <a:latin typeface="Cambria Math" panose="02040503050406030204" pitchFamily="18" charset="0"/>
-                      </a:rPr>
-                      <m:t>4</m:t>
-                    </m:r>
-                  </m:oMath>
-                </a14:m>
-                <a:endParaRPr lang="de-DE" dirty="0"/>
-              </a:p>
-              <a:p>
-                <a:pPr algn="r">
-                  <a:spcBef>
-                    <a:spcPts val="400"/>
-                  </a:spcBef>
-                </a:pPr>
-                <a:r>
-                  <a:rPr lang="de-DE" dirty="0"/>
-                  <a:t> </a:t>
-                </a:r>
-                <a14:m>
-                  <m:oMath xmlns:m="http://schemas.openxmlformats.org/officeDocument/2006/math">
-                    <m:r>
-                      <a:rPr lang="de-DE" i="1" dirty="0" smtClean="0">
-                        <a:latin typeface="Cambria Math" panose="02040503050406030204" pitchFamily="18" charset="0"/>
-                      </a:rPr>
-                      <m:t>3</m:t>
-                    </m:r>
-                  </m:oMath>
-                </a14:m>
-                <a:endParaRPr lang="de-DE" dirty="0"/>
-              </a:p>
-              <a:p>
-                <a:pPr algn="r">
-                  <a:spcBef>
-                    <a:spcPts val="400"/>
-                  </a:spcBef>
-                </a:pPr>
-                <a:r>
-                  <a:rPr lang="de-DE" dirty="0"/>
-                  <a:t> </a:t>
-                </a:r>
-                <a14:m>
-                  <m:oMath xmlns:m="http://schemas.openxmlformats.org/officeDocument/2006/math">
-                    <m:r>
-                      <a:rPr lang="de-DE" i="1" dirty="0" smtClean="0">
-                        <a:latin typeface="Cambria Math" panose="02040503050406030204" pitchFamily="18" charset="0"/>
-                      </a:rPr>
-                      <m:t>2</m:t>
-                    </m:r>
-                  </m:oMath>
-                </a14:m>
-                <a:endParaRPr lang="de-DE" dirty="0"/>
-              </a:p>
-              <a:p>
-                <a:pPr algn="r">
-                  <a:spcBef>
-                    <a:spcPts val="400"/>
-                  </a:spcBef>
-                </a:pPr>
-                <a:r>
-                  <a:rPr lang="de-DE" dirty="0"/>
-                  <a:t> </a:t>
-                </a:r>
-                <a14:m>
-                  <m:oMath xmlns:m="http://schemas.openxmlformats.org/officeDocument/2006/math">
-                    <m:r>
-                      <a:rPr lang="de-DE" i="1" dirty="0" smtClean="0">
-                        <a:latin typeface="Cambria Math" panose="02040503050406030204" pitchFamily="18" charset="0"/>
-                      </a:rPr>
-                      <m:t>1</m:t>
-                    </m:r>
-                  </m:oMath>
-                </a14:m>
-                <a:endParaRPr lang="de-DE" dirty="0"/>
-              </a:p>
-              <a:p>
-                <a:pPr algn="r">
-                  <a:spcBef>
-                    <a:spcPts val="400"/>
-                  </a:spcBef>
-                </a:pPr>
-                <a:r>
-                  <a:rPr lang="de-DE" b="0" dirty="0"/>
-                  <a:t> </a:t>
-                </a:r>
-                <a14:m>
-                  <m:oMath xmlns:m="http://schemas.openxmlformats.org/officeDocument/2006/math">
-                    <m:r>
-                      <a:rPr lang="de-DE" b="0" i="1" smtClean="0">
-                        <a:latin typeface="Cambria Math" panose="02040503050406030204" pitchFamily="18" charset="0"/>
-                      </a:rPr>
-                      <m:t>0</m:t>
-                    </m:r>
-                  </m:oMath>
-                </a14:m>
-                <a:endParaRPr lang="de-DE" dirty="0"/>
-              </a:p>
-            </p:txBody>
-          </p:sp>
-        </mc:Choice>
-        <mc:Fallback>
-          <p:sp>
-            <p:nvSpPr>
-              <p:cNvPr id="9" name="TextBox 8">
-                <a:extLst>
-                  <a:ext uri="{FF2B5EF4-FFF2-40B4-BE49-F238E27FC236}">
-                    <a16:creationId xmlns:a16="http://schemas.microsoft.com/office/drawing/2014/main" id="{351D2D51-9A7D-713C-3E83-2A97F061164E}"/>
-                  </a:ext>
-                </a:extLst>
-              </p:cNvPr>
-              <p:cNvSpPr txBox="1">
-                <a:spLocks noRot="1" noChangeAspect="1" noMove="1" noResize="1" noEditPoints="1" noAdjustHandles="1" noChangeArrowheads="1" noChangeShapeType="1" noTextEdit="1"/>
-              </p:cNvSpPr>
-              <p:nvPr/>
-            </p:nvSpPr>
-            <p:spPr>
-              <a:xfrm>
-                <a:off x="3600599" y="1677818"/>
-                <a:ext cx="425094" cy="3652282"/>
-              </a:xfrm>
-              <a:prstGeom prst="rect">
-                <a:avLst/>
-              </a:prstGeom>
-              <a:blipFill>
-                <a:blip r:embed="rId4"/>
-                <a:stretch>
-                  <a:fillRect r="-1449"/>
-                </a:stretch>
-              </a:blipFill>
-            </p:spPr>
-            <p:txBody>
-              <a:bodyPr/>
-              <a:lstStyle/>
-              <a:p>
-                <a:r>
-                  <a:rPr lang="en-US">
-                    <a:noFill/>
-                  </a:rPr>
-                  <a:t> </a:t>
-                </a:r>
-              </a:p>
-            </p:txBody>
-          </p:sp>
-        </mc:Fallback>
-      </mc:AlternateContent>
-      <mc:AlternateContent xmlns:mc="http://schemas.openxmlformats.org/markup-compatibility/2006">
-        <mc:Choice xmlns:a14="http://schemas.microsoft.com/office/drawing/2010/main" Requires="a14">
-          <p:sp>
-            <p:nvSpPr>
-              <p:cNvPr id="10" name="TextBox 9">
-                <a:extLst>
-                  <a:ext uri="{FF2B5EF4-FFF2-40B4-BE49-F238E27FC236}">
-                    <a16:creationId xmlns:a16="http://schemas.microsoft.com/office/drawing/2014/main" id="{7F52F6AD-A33A-6890-683D-A1734B7DB1CD}"/>
-                  </a:ext>
-                </a:extLst>
-              </p:cNvPr>
-              <p:cNvSpPr txBox="1"/>
-              <p:nvPr/>
-            </p:nvSpPr>
-            <p:spPr>
-              <a:xfrm>
-                <a:off x="4303312" y="5133227"/>
-                <a:ext cx="3282398" cy="369332"/>
-              </a:xfrm>
-              <a:prstGeom prst="rect">
-                <a:avLst/>
-              </a:prstGeom>
-              <a:noFill/>
-            </p:spPr>
-            <p:txBody>
-              <a:bodyPr wrap="square">
-                <a:spAutoFit/>
-              </a:bodyPr>
-              <a:lstStyle/>
-              <a:p>
-                <a:pPr/>
-                <a14:m>
-                  <m:oMathPara xmlns:m="http://schemas.openxmlformats.org/officeDocument/2006/math">
-                    <m:oMathParaPr>
-                      <m:jc m:val="left"/>
-                    </m:oMathParaPr>
-                    <m:oMath xmlns:m="http://schemas.openxmlformats.org/officeDocument/2006/math">
-                      <m:r>
-                        <a:rPr lang="de-DE" sz="1800" b="0" i="1" smtClean="0">
-                          <a:latin typeface="Cambria Math" panose="02040503050406030204" pitchFamily="18" charset="0"/>
-                        </a:rPr>
-                        <m:t>1    2    3    4    5    6    7    8    9   10</m:t>
-                      </m:r>
-                    </m:oMath>
-                  </m:oMathPara>
-                </a14:m>
-                <a:endParaRPr lang="de-DE" dirty="0"/>
-              </a:p>
-            </p:txBody>
-          </p:sp>
-        </mc:Choice>
-        <mc:Fallback>
-          <p:sp>
-            <p:nvSpPr>
-              <p:cNvPr id="10" name="TextBox 9">
-                <a:extLst>
-                  <a:ext uri="{FF2B5EF4-FFF2-40B4-BE49-F238E27FC236}">
-                    <a16:creationId xmlns:a16="http://schemas.microsoft.com/office/drawing/2014/main" id="{7F52F6AD-A33A-6890-683D-A1734B7DB1CD}"/>
-                  </a:ext>
-                </a:extLst>
-              </p:cNvPr>
-              <p:cNvSpPr txBox="1">
-                <a:spLocks noRot="1" noChangeAspect="1" noMove="1" noResize="1" noEditPoints="1" noAdjustHandles="1" noChangeArrowheads="1" noChangeShapeType="1" noTextEdit="1"/>
-              </p:cNvSpPr>
-              <p:nvPr/>
-            </p:nvSpPr>
-            <p:spPr>
-              <a:xfrm>
-                <a:off x="4303312" y="5133227"/>
-                <a:ext cx="3282398" cy="369332"/>
-              </a:xfrm>
-              <a:prstGeom prst="rect">
-                <a:avLst/>
-              </a:prstGeom>
-              <a:blipFill>
-                <a:blip r:embed="rId5"/>
-                <a:stretch>
-                  <a:fillRect r="-2045"/>
-                </a:stretch>
-              </a:blipFill>
-            </p:spPr>
-            <p:txBody>
-              <a:bodyPr/>
-              <a:lstStyle/>
-              <a:p>
-                <a:r>
-                  <a:rPr lang="en-US">
-                    <a:noFill/>
-                  </a:rPr>
-                  <a:t> </a:t>
-                </a:r>
-              </a:p>
-            </p:txBody>
-          </p:sp>
-        </mc:Fallback>
-      </mc:AlternateContent>
-      <p:cxnSp>
-        <p:nvCxnSpPr>
-          <p:cNvPr id="11" name="Straight Connector 10">
-            <a:extLst>
-              <a:ext uri="{FF2B5EF4-FFF2-40B4-BE49-F238E27FC236}">
-                <a16:creationId xmlns:a16="http://schemas.microsoft.com/office/drawing/2014/main" id="{1285CF8C-5B81-D866-869E-6E92EDCE3FC8}"/>
-              </a:ext>
-            </a:extLst>
-          </p:cNvPr>
-          <p:cNvCxnSpPr>
-            <a:cxnSpLocks/>
-          </p:cNvCxnSpPr>
-          <p:nvPr/>
-        </p:nvCxnSpPr>
-        <p:spPr>
-          <a:xfrm>
-            <a:off x="4045352" y="4811916"/>
-            <a:ext cx="152400" cy="0"/>
-          </a:xfrm>
-          <a:prstGeom prst="line">
-            <a:avLst/>
-          </a:prstGeom>
-        </p:spPr>
-        <p:style>
-          <a:lnRef idx="1">
-            <a:schemeClr val="accent1"/>
-          </a:lnRef>
-          <a:fillRef idx="0">
-            <a:schemeClr val="accent1"/>
-          </a:fillRef>
-          <a:effectRef idx="0">
-            <a:schemeClr val="accent1"/>
-          </a:effectRef>
-          <a:fontRef idx="minor">
-            <a:schemeClr val="tx1"/>
-          </a:fontRef>
-        </p:style>
-      </p:cxnSp>
-      <p:cxnSp>
-        <p:nvCxnSpPr>
-          <p:cNvPr id="12" name="Straight Connector 11">
-            <a:extLst>
-              <a:ext uri="{FF2B5EF4-FFF2-40B4-BE49-F238E27FC236}">
-                <a16:creationId xmlns:a16="http://schemas.microsoft.com/office/drawing/2014/main" id="{AA9585DC-AF39-C529-24D7-C82D78470311}"/>
-              </a:ext>
-            </a:extLst>
-          </p:cNvPr>
-          <p:cNvCxnSpPr>
-            <a:cxnSpLocks/>
-          </p:cNvCxnSpPr>
-          <p:nvPr/>
-        </p:nvCxnSpPr>
-        <p:spPr>
-          <a:xfrm>
-            <a:off x="4045352" y="4483748"/>
-            <a:ext cx="152400" cy="0"/>
-          </a:xfrm>
-          <a:prstGeom prst="line">
-            <a:avLst/>
-          </a:prstGeom>
-        </p:spPr>
-        <p:style>
-          <a:lnRef idx="1">
-            <a:schemeClr val="accent1"/>
-          </a:lnRef>
-          <a:fillRef idx="0">
-            <a:schemeClr val="accent1"/>
-          </a:fillRef>
-          <a:effectRef idx="0">
-            <a:schemeClr val="accent1"/>
-          </a:effectRef>
-          <a:fontRef idx="minor">
-            <a:schemeClr val="tx1"/>
-          </a:fontRef>
-        </p:style>
-      </p:cxnSp>
-      <p:cxnSp>
-        <p:nvCxnSpPr>
-          <p:cNvPr id="13" name="Straight Connector 12">
-            <a:extLst>
-              <a:ext uri="{FF2B5EF4-FFF2-40B4-BE49-F238E27FC236}">
-                <a16:creationId xmlns:a16="http://schemas.microsoft.com/office/drawing/2014/main" id="{2667AEC3-F16E-93B1-9F81-AC2B8A796649}"/>
-              </a:ext>
-            </a:extLst>
-          </p:cNvPr>
-          <p:cNvCxnSpPr>
-            <a:cxnSpLocks/>
-          </p:cNvCxnSpPr>
-          <p:nvPr/>
-        </p:nvCxnSpPr>
-        <p:spPr>
-          <a:xfrm>
-            <a:off x="4045352" y="4155580"/>
-            <a:ext cx="152400" cy="0"/>
-          </a:xfrm>
-          <a:prstGeom prst="line">
-            <a:avLst/>
-          </a:prstGeom>
-        </p:spPr>
-        <p:style>
-          <a:lnRef idx="1">
-            <a:schemeClr val="accent1"/>
-          </a:lnRef>
-          <a:fillRef idx="0">
-            <a:schemeClr val="accent1"/>
-          </a:fillRef>
-          <a:effectRef idx="0">
-            <a:schemeClr val="accent1"/>
-          </a:effectRef>
-          <a:fontRef idx="minor">
-            <a:schemeClr val="tx1"/>
-          </a:fontRef>
-        </p:style>
-      </p:cxnSp>
-      <p:cxnSp>
-        <p:nvCxnSpPr>
-          <p:cNvPr id="14" name="Straight Connector 13">
-            <a:extLst>
-              <a:ext uri="{FF2B5EF4-FFF2-40B4-BE49-F238E27FC236}">
-                <a16:creationId xmlns:a16="http://schemas.microsoft.com/office/drawing/2014/main" id="{4C2AF7FE-503E-6A38-EFC0-77452B0636B7}"/>
-              </a:ext>
-            </a:extLst>
-          </p:cNvPr>
-          <p:cNvCxnSpPr>
-            <a:cxnSpLocks/>
-          </p:cNvCxnSpPr>
-          <p:nvPr/>
-        </p:nvCxnSpPr>
-        <p:spPr>
-          <a:xfrm rot="5400000">
-            <a:off x="4383817" y="5123942"/>
-            <a:ext cx="152400" cy="0"/>
-          </a:xfrm>
-          <a:prstGeom prst="line">
-            <a:avLst/>
-          </a:prstGeom>
-        </p:spPr>
-        <p:style>
-          <a:lnRef idx="1">
-            <a:schemeClr val="accent1"/>
-          </a:lnRef>
-          <a:fillRef idx="0">
-            <a:schemeClr val="accent1"/>
-          </a:fillRef>
-          <a:effectRef idx="0">
-            <a:schemeClr val="accent1"/>
-          </a:effectRef>
-          <a:fontRef idx="minor">
-            <a:schemeClr val="tx1"/>
-          </a:fontRef>
-        </p:style>
-      </p:cxnSp>
-      <p:cxnSp>
-        <p:nvCxnSpPr>
-          <p:cNvPr id="15" name="Straight Connector 14">
-            <a:extLst>
-              <a:ext uri="{FF2B5EF4-FFF2-40B4-BE49-F238E27FC236}">
-                <a16:creationId xmlns:a16="http://schemas.microsoft.com/office/drawing/2014/main" id="{037F1AA5-79DD-2901-7828-34F4431E9F5A}"/>
-              </a:ext>
-            </a:extLst>
-          </p:cNvPr>
-          <p:cNvCxnSpPr>
-            <a:cxnSpLocks/>
-          </p:cNvCxnSpPr>
-          <p:nvPr/>
-        </p:nvCxnSpPr>
-        <p:spPr>
-          <a:xfrm rot="5400000">
-            <a:off x="4713001" y="5123942"/>
-            <a:ext cx="152400" cy="0"/>
-          </a:xfrm>
-          <a:prstGeom prst="line">
-            <a:avLst/>
-          </a:prstGeom>
-        </p:spPr>
-        <p:style>
-          <a:lnRef idx="1">
-            <a:schemeClr val="accent1"/>
-          </a:lnRef>
-          <a:fillRef idx="0">
-            <a:schemeClr val="accent1"/>
-          </a:fillRef>
-          <a:effectRef idx="0">
-            <a:schemeClr val="accent1"/>
-          </a:effectRef>
-          <a:fontRef idx="minor">
-            <a:schemeClr val="tx1"/>
-          </a:fontRef>
-        </p:style>
-      </p:cxnSp>
-      <p:cxnSp>
-        <p:nvCxnSpPr>
-          <p:cNvPr id="16" name="Straight Connector 15">
-            <a:extLst>
-              <a:ext uri="{FF2B5EF4-FFF2-40B4-BE49-F238E27FC236}">
-                <a16:creationId xmlns:a16="http://schemas.microsoft.com/office/drawing/2014/main" id="{400EA10C-1E4E-8107-6F0E-F661AE989220}"/>
-              </a:ext>
-            </a:extLst>
-          </p:cNvPr>
-          <p:cNvCxnSpPr>
-            <a:cxnSpLocks/>
-          </p:cNvCxnSpPr>
-          <p:nvPr/>
-        </p:nvCxnSpPr>
-        <p:spPr>
-          <a:xfrm rot="5400000">
-            <a:off x="5042185" y="5123942"/>
-            <a:ext cx="152400" cy="0"/>
-          </a:xfrm>
-          <a:prstGeom prst="line">
-            <a:avLst/>
-          </a:prstGeom>
-        </p:spPr>
-        <p:style>
-          <a:lnRef idx="1">
-            <a:schemeClr val="accent1"/>
-          </a:lnRef>
-          <a:fillRef idx="0">
-            <a:schemeClr val="accent1"/>
-          </a:fillRef>
-          <a:effectRef idx="0">
-            <a:schemeClr val="accent1"/>
-          </a:effectRef>
-          <a:fontRef idx="minor">
-            <a:schemeClr val="tx1"/>
-          </a:fontRef>
-        </p:style>
-      </p:cxnSp>
-      <p:cxnSp>
-        <p:nvCxnSpPr>
-          <p:cNvPr id="17" name="Straight Connector 16">
-            <a:extLst>
-              <a:ext uri="{FF2B5EF4-FFF2-40B4-BE49-F238E27FC236}">
-                <a16:creationId xmlns:a16="http://schemas.microsoft.com/office/drawing/2014/main" id="{BE14042F-F6DB-19A0-C06D-141188B6C141}"/>
-              </a:ext>
-            </a:extLst>
-          </p:cNvPr>
-          <p:cNvCxnSpPr>
-            <a:cxnSpLocks/>
-          </p:cNvCxnSpPr>
-          <p:nvPr/>
-        </p:nvCxnSpPr>
-        <p:spPr>
-          <a:xfrm rot="5400000">
-            <a:off x="5371369" y="5123942"/>
-            <a:ext cx="152400" cy="0"/>
-          </a:xfrm>
-          <a:prstGeom prst="line">
-            <a:avLst/>
-          </a:prstGeom>
-        </p:spPr>
-        <p:style>
-          <a:lnRef idx="1">
-            <a:schemeClr val="accent1"/>
-          </a:lnRef>
-          <a:fillRef idx="0">
-            <a:schemeClr val="accent1"/>
-          </a:fillRef>
-          <a:effectRef idx="0">
-            <a:schemeClr val="accent1"/>
-          </a:effectRef>
-          <a:fontRef idx="minor">
-            <a:schemeClr val="tx1"/>
-          </a:fontRef>
-        </p:style>
-      </p:cxnSp>
-      <p:cxnSp>
-        <p:nvCxnSpPr>
-          <p:cNvPr id="18" name="Straight Connector 17">
-            <a:extLst>
-              <a:ext uri="{FF2B5EF4-FFF2-40B4-BE49-F238E27FC236}">
-                <a16:creationId xmlns:a16="http://schemas.microsoft.com/office/drawing/2014/main" id="{D00409A5-9662-BBF2-1E11-5A164DFBD86D}"/>
-              </a:ext>
-            </a:extLst>
-          </p:cNvPr>
-          <p:cNvCxnSpPr>
-            <a:cxnSpLocks/>
-          </p:cNvCxnSpPr>
-          <p:nvPr/>
-        </p:nvCxnSpPr>
-        <p:spPr>
-          <a:xfrm rot="5400000">
-            <a:off x="5700553" y="5123942"/>
-            <a:ext cx="152400" cy="0"/>
-          </a:xfrm>
-          <a:prstGeom prst="line">
-            <a:avLst/>
-          </a:prstGeom>
-        </p:spPr>
-        <p:style>
-          <a:lnRef idx="1">
-            <a:schemeClr val="accent1"/>
-          </a:lnRef>
-          <a:fillRef idx="0">
-            <a:schemeClr val="accent1"/>
-          </a:fillRef>
-          <a:effectRef idx="0">
-            <a:schemeClr val="accent1"/>
-          </a:effectRef>
-          <a:fontRef idx="minor">
-            <a:schemeClr val="tx1"/>
-          </a:fontRef>
-        </p:style>
-      </p:cxnSp>
-      <p:cxnSp>
-        <p:nvCxnSpPr>
-          <p:cNvPr id="19" name="Straight Connector 18">
-            <a:extLst>
-              <a:ext uri="{FF2B5EF4-FFF2-40B4-BE49-F238E27FC236}">
-                <a16:creationId xmlns:a16="http://schemas.microsoft.com/office/drawing/2014/main" id="{761407A7-73F3-68B0-CDDF-B11787BFE1A3}"/>
-              </a:ext>
-            </a:extLst>
-          </p:cNvPr>
-          <p:cNvCxnSpPr>
-            <a:cxnSpLocks/>
-          </p:cNvCxnSpPr>
-          <p:nvPr/>
-        </p:nvCxnSpPr>
-        <p:spPr>
-          <a:xfrm>
-            <a:off x="4045352" y="3827412"/>
-            <a:ext cx="152400" cy="0"/>
-          </a:xfrm>
-          <a:prstGeom prst="line">
-            <a:avLst/>
-          </a:prstGeom>
-        </p:spPr>
-        <p:style>
-          <a:lnRef idx="1">
-            <a:schemeClr val="accent1"/>
-          </a:lnRef>
-          <a:fillRef idx="0">
-            <a:schemeClr val="accent1"/>
-          </a:fillRef>
-          <a:effectRef idx="0">
-            <a:schemeClr val="accent1"/>
-          </a:effectRef>
-          <a:fontRef idx="minor">
-            <a:schemeClr val="tx1"/>
-          </a:fontRef>
-        </p:style>
-      </p:cxnSp>
-      <p:cxnSp>
-        <p:nvCxnSpPr>
-          <p:cNvPr id="20" name="Straight Connector 19">
-            <a:extLst>
-              <a:ext uri="{FF2B5EF4-FFF2-40B4-BE49-F238E27FC236}">
-                <a16:creationId xmlns:a16="http://schemas.microsoft.com/office/drawing/2014/main" id="{4A843F2D-F7DC-B1E8-3FDA-DAC74115C61F}"/>
-              </a:ext>
-            </a:extLst>
-          </p:cNvPr>
-          <p:cNvCxnSpPr>
-            <a:cxnSpLocks/>
-          </p:cNvCxnSpPr>
-          <p:nvPr/>
-        </p:nvCxnSpPr>
-        <p:spPr>
-          <a:xfrm>
-            <a:off x="4045352" y="3499244"/>
-            <a:ext cx="152400" cy="0"/>
-          </a:xfrm>
-          <a:prstGeom prst="line">
-            <a:avLst/>
-          </a:prstGeom>
-        </p:spPr>
-        <p:style>
-          <a:lnRef idx="1">
-            <a:schemeClr val="accent1"/>
-          </a:lnRef>
-          <a:fillRef idx="0">
-            <a:schemeClr val="accent1"/>
-          </a:fillRef>
-          <a:effectRef idx="0">
-            <a:schemeClr val="accent1"/>
-          </a:effectRef>
-          <a:fontRef idx="minor">
-            <a:schemeClr val="tx1"/>
-          </a:fontRef>
-        </p:style>
-      </p:cxnSp>
-      <p:cxnSp>
-        <p:nvCxnSpPr>
           <p:cNvPr id="25" name="Straight Connector 24">
             <a:extLst>
               <a:ext uri="{FF2B5EF4-FFF2-40B4-BE49-F238E27FC236}">
@@ -8468,82 +7518,6 @@
           <a:xfrm flipH="1" flipV="1">
             <a:off x="1382395" y="2518108"/>
             <a:ext cx="1290788" cy="14019"/>
-          </a:xfrm>
-          <a:prstGeom prst="line">
-            <a:avLst/>
-          </a:prstGeom>
-        </p:spPr>
-        <p:style>
-          <a:lnRef idx="3">
-            <a:schemeClr val="accent2"/>
-          </a:lnRef>
-          <a:fillRef idx="0">
-            <a:schemeClr val="accent2"/>
-          </a:fillRef>
-          <a:effectRef idx="2">
-            <a:schemeClr val="accent2"/>
-          </a:effectRef>
-          <a:fontRef idx="minor">
-            <a:schemeClr val="tx1"/>
-          </a:fontRef>
-        </p:style>
-      </p:cxnSp>
-      <p:cxnSp>
-        <p:nvCxnSpPr>
-          <p:cNvPr id="26" name="Straight Connector 25">
-            <a:extLst>
-              <a:ext uri="{FF2B5EF4-FFF2-40B4-BE49-F238E27FC236}">
-                <a16:creationId xmlns:a16="http://schemas.microsoft.com/office/drawing/2014/main" id="{F01C5DDF-2931-7020-71A0-9E57A6EC18F5}"/>
-              </a:ext>
-            </a:extLst>
-          </p:cNvPr>
-          <p:cNvCxnSpPr>
-            <a:cxnSpLocks/>
-          </p:cNvCxnSpPr>
-          <p:nvPr/>
-        </p:nvCxnSpPr>
-        <p:spPr>
-          <a:xfrm flipH="1" flipV="1">
-            <a:off x="4126542" y="3499244"/>
-            <a:ext cx="3311340" cy="1655746"/>
-          </a:xfrm>
-          <a:prstGeom prst="line">
-            <a:avLst/>
-          </a:prstGeom>
-        </p:spPr>
-        <p:style>
-          <a:lnRef idx="3">
-            <a:schemeClr val="accent2"/>
-          </a:lnRef>
-          <a:fillRef idx="0">
-            <a:schemeClr val="accent2"/>
-          </a:fillRef>
-          <a:effectRef idx="2">
-            <a:schemeClr val="accent2"/>
-          </a:effectRef>
-          <a:fontRef idx="minor">
-            <a:schemeClr val="tx1"/>
-          </a:fontRef>
-        </p:style>
-      </p:cxnSp>
-      <p:cxnSp>
-        <p:nvCxnSpPr>
-          <p:cNvPr id="27" name="Straight Connector 26">
-            <a:extLst>
-              <a:ext uri="{FF2B5EF4-FFF2-40B4-BE49-F238E27FC236}">
-                <a16:creationId xmlns:a16="http://schemas.microsoft.com/office/drawing/2014/main" id="{E342176E-725C-3421-2EB3-10B3B070BC40}"/>
-              </a:ext>
-            </a:extLst>
-          </p:cNvPr>
-          <p:cNvCxnSpPr>
-            <a:cxnSpLocks/>
-          </p:cNvCxnSpPr>
-          <p:nvPr/>
-        </p:nvCxnSpPr>
-        <p:spPr>
-          <a:xfrm flipH="1" flipV="1">
-            <a:off x="5769549" y="2286928"/>
-            <a:ext cx="7204" cy="2855584"/>
           </a:xfrm>
           <a:prstGeom prst="line">
             <a:avLst/>
@@ -8624,7 +7598,7 @@
         </p:grpSpPr>
         <mc:AlternateContent xmlns:mc="http://schemas.openxmlformats.org/markup-compatibility/2006" xmlns:p14="http://schemas.microsoft.com/office/powerpoint/2010/main">
           <mc:Choice Requires="p14">
-            <p:contentPart p14:bwMode="auto" r:id="rId6">
+            <p:contentPart p14:bwMode="auto" r:id="rId2">
               <p14:nvContentPartPr>
                 <p14:cNvPr id="34" name="Ink 33">
                   <a:extLst>
@@ -8833,7 +7807,7 @@
         </p:nvCxnSpPr>
         <p:spPr>
           <a:xfrm rot="5400000" flipH="1" flipV="1">
-            <a:off x="1618331" y="4432513"/>
+            <a:off x="1893497" y="4004303"/>
             <a:ext cx="128565" cy="259073"/>
           </a:xfrm>
           <a:prstGeom prst="line">
@@ -8858,513 +7832,1865 @@
           </a:fontRef>
         </p:style>
       </p:cxnSp>
-      <p:cxnSp>
-        <p:nvCxnSpPr>
-          <p:cNvPr id="48" name="Straight Connector 47">
+      <p:grpSp>
+        <p:nvGrpSpPr>
+          <p:cNvPr id="80" name="Group 79">
             <a:extLst>
               <a:ext uri="{FF2B5EF4-FFF2-40B4-BE49-F238E27FC236}">
-                <a16:creationId xmlns:a16="http://schemas.microsoft.com/office/drawing/2014/main" id="{3FDB827C-AB63-41F1-1ECA-E1DBEE129CB4}"/>
+                <a16:creationId xmlns:a16="http://schemas.microsoft.com/office/drawing/2014/main" id="{08304CED-CFC4-A790-78AE-394C0B6417D1}"/>
               </a:ext>
             </a:extLst>
           </p:cNvPr>
-          <p:cNvCxnSpPr>
-            <a:cxnSpLocks/>
-          </p:cNvCxnSpPr>
+          <p:cNvGrpSpPr/>
           <p:nvPr/>
-        </p:nvCxnSpPr>
-        <p:spPr>
-          <a:xfrm rot="5400000">
-            <a:off x="6029737" y="5123942"/>
-            <a:ext cx="152400" cy="0"/>
+        </p:nvGrpSpPr>
+        <p:grpSpPr>
+          <a:xfrm>
+            <a:off x="3343636" y="1487156"/>
+            <a:ext cx="4700362" cy="4310049"/>
+            <a:chOff x="3343636" y="1487156"/>
+            <a:chExt cx="4700362" cy="4310049"/>
           </a:xfrm>
-          <a:prstGeom prst="line">
-            <a:avLst/>
-          </a:prstGeom>
-        </p:spPr>
-        <p:style>
-          <a:lnRef idx="1">
-            <a:schemeClr val="accent1"/>
-          </a:lnRef>
-          <a:fillRef idx="0">
-            <a:schemeClr val="accent1"/>
-          </a:fillRef>
-          <a:effectRef idx="0">
-            <a:schemeClr val="accent1"/>
-          </a:effectRef>
-          <a:fontRef idx="minor">
-            <a:schemeClr val="tx1"/>
-          </a:fontRef>
-        </p:style>
-      </p:cxnSp>
-      <p:cxnSp>
-        <p:nvCxnSpPr>
-          <p:cNvPr id="49" name="Straight Connector 48">
-            <a:extLst>
-              <a:ext uri="{FF2B5EF4-FFF2-40B4-BE49-F238E27FC236}">
-                <a16:creationId xmlns:a16="http://schemas.microsoft.com/office/drawing/2014/main" id="{FB608029-44AC-B5F0-E543-4892DF9A489C}"/>
-              </a:ext>
-            </a:extLst>
-          </p:cNvPr>
-          <p:cNvCxnSpPr>
-            <a:cxnSpLocks/>
-          </p:cNvCxnSpPr>
-          <p:nvPr/>
-        </p:nvCxnSpPr>
-        <p:spPr>
-          <a:xfrm rot="5400000">
-            <a:off x="6358921" y="5123942"/>
-            <a:ext cx="152400" cy="0"/>
-          </a:xfrm>
-          <a:prstGeom prst="line">
-            <a:avLst/>
-          </a:prstGeom>
-        </p:spPr>
-        <p:style>
-          <a:lnRef idx="1">
-            <a:schemeClr val="accent1"/>
-          </a:lnRef>
-          <a:fillRef idx="0">
-            <a:schemeClr val="accent1"/>
-          </a:fillRef>
-          <a:effectRef idx="0">
-            <a:schemeClr val="accent1"/>
-          </a:effectRef>
-          <a:fontRef idx="minor">
-            <a:schemeClr val="tx1"/>
-          </a:fontRef>
-        </p:style>
-      </p:cxnSp>
-      <p:cxnSp>
-        <p:nvCxnSpPr>
-          <p:cNvPr id="50" name="Straight Connector 49">
-            <a:extLst>
-              <a:ext uri="{FF2B5EF4-FFF2-40B4-BE49-F238E27FC236}">
-                <a16:creationId xmlns:a16="http://schemas.microsoft.com/office/drawing/2014/main" id="{E939CD2E-7E91-E6CD-C0FB-07ACD87590A8}"/>
-              </a:ext>
-            </a:extLst>
-          </p:cNvPr>
-          <p:cNvCxnSpPr>
-            <a:cxnSpLocks/>
-          </p:cNvCxnSpPr>
-          <p:nvPr/>
-        </p:nvCxnSpPr>
-        <p:spPr>
-          <a:xfrm rot="5400000">
-            <a:off x="6688105" y="5123942"/>
-            <a:ext cx="152400" cy="0"/>
-          </a:xfrm>
-          <a:prstGeom prst="line">
-            <a:avLst/>
-          </a:prstGeom>
-        </p:spPr>
-        <p:style>
-          <a:lnRef idx="1">
-            <a:schemeClr val="accent1"/>
-          </a:lnRef>
-          <a:fillRef idx="0">
-            <a:schemeClr val="accent1"/>
-          </a:fillRef>
-          <a:effectRef idx="0">
-            <a:schemeClr val="accent1"/>
-          </a:effectRef>
-          <a:fontRef idx="minor">
-            <a:schemeClr val="tx1"/>
-          </a:fontRef>
-        </p:style>
-      </p:cxnSp>
-      <p:cxnSp>
-        <p:nvCxnSpPr>
-          <p:cNvPr id="51" name="Straight Connector 50">
-            <a:extLst>
-              <a:ext uri="{FF2B5EF4-FFF2-40B4-BE49-F238E27FC236}">
-                <a16:creationId xmlns:a16="http://schemas.microsoft.com/office/drawing/2014/main" id="{5895158B-F3E3-FC5E-6838-98BBC6B69102}"/>
-              </a:ext>
-            </a:extLst>
-          </p:cNvPr>
-          <p:cNvCxnSpPr>
-            <a:cxnSpLocks/>
-          </p:cNvCxnSpPr>
-          <p:nvPr/>
-        </p:nvCxnSpPr>
-        <p:spPr>
-          <a:xfrm rot="5400000">
-            <a:off x="7017289" y="5123942"/>
-            <a:ext cx="152400" cy="0"/>
-          </a:xfrm>
-          <a:prstGeom prst="line">
-            <a:avLst/>
-          </a:prstGeom>
-        </p:spPr>
-        <p:style>
-          <a:lnRef idx="1">
-            <a:schemeClr val="accent1"/>
-          </a:lnRef>
-          <a:fillRef idx="0">
-            <a:schemeClr val="accent1"/>
-          </a:fillRef>
-          <a:effectRef idx="0">
-            <a:schemeClr val="accent1"/>
-          </a:effectRef>
-          <a:fontRef idx="minor">
-            <a:schemeClr val="tx1"/>
-          </a:fontRef>
-        </p:style>
-      </p:cxnSp>
-      <p:cxnSp>
-        <p:nvCxnSpPr>
-          <p:cNvPr id="52" name="Straight Connector 51">
-            <a:extLst>
-              <a:ext uri="{FF2B5EF4-FFF2-40B4-BE49-F238E27FC236}">
-                <a16:creationId xmlns:a16="http://schemas.microsoft.com/office/drawing/2014/main" id="{14A9CA17-7B13-F012-3F54-203A25FD7D4D}"/>
-              </a:ext>
-            </a:extLst>
-          </p:cNvPr>
-          <p:cNvCxnSpPr>
-            <a:cxnSpLocks/>
-          </p:cNvCxnSpPr>
-          <p:nvPr/>
-        </p:nvCxnSpPr>
-        <p:spPr>
-          <a:xfrm rot="5400000">
-            <a:off x="7346473" y="5123942"/>
-            <a:ext cx="152400" cy="0"/>
-          </a:xfrm>
-          <a:prstGeom prst="line">
-            <a:avLst/>
-          </a:prstGeom>
-        </p:spPr>
-        <p:style>
-          <a:lnRef idx="1">
-            <a:schemeClr val="accent1"/>
-          </a:lnRef>
-          <a:fillRef idx="0">
-            <a:schemeClr val="accent1"/>
-          </a:fillRef>
-          <a:effectRef idx="0">
-            <a:schemeClr val="accent1"/>
-          </a:effectRef>
-          <a:fontRef idx="minor">
-            <a:schemeClr val="tx1"/>
-          </a:fontRef>
-        </p:style>
-      </p:cxnSp>
-      <p:cxnSp>
-        <p:nvCxnSpPr>
-          <p:cNvPr id="56" name="Straight Connector 55">
-            <a:extLst>
-              <a:ext uri="{FF2B5EF4-FFF2-40B4-BE49-F238E27FC236}">
-                <a16:creationId xmlns:a16="http://schemas.microsoft.com/office/drawing/2014/main" id="{F16D1A5B-DF3C-1C75-E5B8-DC73D417685B}"/>
-              </a:ext>
-            </a:extLst>
-          </p:cNvPr>
-          <p:cNvCxnSpPr>
-            <a:cxnSpLocks/>
-          </p:cNvCxnSpPr>
-          <p:nvPr/>
-        </p:nvCxnSpPr>
-        <p:spPr>
-          <a:xfrm>
-            <a:off x="4045352" y="3165160"/>
-            <a:ext cx="152400" cy="0"/>
-          </a:xfrm>
-          <a:prstGeom prst="line">
-            <a:avLst/>
-          </a:prstGeom>
-        </p:spPr>
-        <p:style>
-          <a:lnRef idx="1">
-            <a:schemeClr val="accent1"/>
-          </a:lnRef>
-          <a:fillRef idx="0">
-            <a:schemeClr val="accent1"/>
-          </a:fillRef>
-          <a:effectRef idx="0">
-            <a:schemeClr val="accent1"/>
-          </a:effectRef>
-          <a:fontRef idx="minor">
-            <a:schemeClr val="tx1"/>
-          </a:fontRef>
-        </p:style>
-      </p:cxnSp>
-      <p:cxnSp>
-        <p:nvCxnSpPr>
-          <p:cNvPr id="57" name="Straight Connector 56">
-            <a:extLst>
-              <a:ext uri="{FF2B5EF4-FFF2-40B4-BE49-F238E27FC236}">
-                <a16:creationId xmlns:a16="http://schemas.microsoft.com/office/drawing/2014/main" id="{726DF651-9C52-1272-C0AB-B34717F4A600}"/>
-              </a:ext>
-            </a:extLst>
-          </p:cNvPr>
-          <p:cNvCxnSpPr>
-            <a:cxnSpLocks/>
-          </p:cNvCxnSpPr>
-          <p:nvPr/>
-        </p:nvCxnSpPr>
-        <p:spPr>
-          <a:xfrm>
-            <a:off x="4045352" y="2836992"/>
-            <a:ext cx="152400" cy="0"/>
-          </a:xfrm>
-          <a:prstGeom prst="line">
-            <a:avLst/>
-          </a:prstGeom>
-        </p:spPr>
-        <p:style>
-          <a:lnRef idx="1">
-            <a:schemeClr val="accent1"/>
-          </a:lnRef>
-          <a:fillRef idx="0">
-            <a:schemeClr val="accent1"/>
-          </a:fillRef>
-          <a:effectRef idx="0">
-            <a:schemeClr val="accent1"/>
-          </a:effectRef>
-          <a:fontRef idx="minor">
-            <a:schemeClr val="tx1"/>
-          </a:fontRef>
-        </p:style>
-      </p:cxnSp>
-      <p:cxnSp>
-        <p:nvCxnSpPr>
-          <p:cNvPr id="58" name="Straight Connector 57">
-            <a:extLst>
-              <a:ext uri="{FF2B5EF4-FFF2-40B4-BE49-F238E27FC236}">
-                <a16:creationId xmlns:a16="http://schemas.microsoft.com/office/drawing/2014/main" id="{71236C87-AC10-1F54-413B-0DDDB9893FE9}"/>
-              </a:ext>
-            </a:extLst>
-          </p:cNvPr>
-          <p:cNvCxnSpPr>
-            <a:cxnSpLocks/>
-          </p:cNvCxnSpPr>
-          <p:nvPr/>
-        </p:nvCxnSpPr>
-        <p:spPr>
-          <a:xfrm>
-            <a:off x="4045352" y="2508824"/>
-            <a:ext cx="152400" cy="0"/>
-          </a:xfrm>
-          <a:prstGeom prst="line">
-            <a:avLst/>
-          </a:prstGeom>
-        </p:spPr>
-        <p:style>
-          <a:lnRef idx="1">
-            <a:schemeClr val="accent1"/>
-          </a:lnRef>
-          <a:fillRef idx="0">
-            <a:schemeClr val="accent1"/>
-          </a:fillRef>
-          <a:effectRef idx="0">
-            <a:schemeClr val="accent1"/>
-          </a:effectRef>
-          <a:fontRef idx="minor">
-            <a:schemeClr val="tx1"/>
-          </a:fontRef>
-        </p:style>
-      </p:cxnSp>
-      <p:cxnSp>
-        <p:nvCxnSpPr>
-          <p:cNvPr id="59" name="Straight Connector 58">
-            <a:extLst>
-              <a:ext uri="{FF2B5EF4-FFF2-40B4-BE49-F238E27FC236}">
-                <a16:creationId xmlns:a16="http://schemas.microsoft.com/office/drawing/2014/main" id="{47474FA0-9CAA-6759-9CA2-8FC9E2322DC9}"/>
-              </a:ext>
-            </a:extLst>
-          </p:cNvPr>
-          <p:cNvCxnSpPr>
-            <a:cxnSpLocks/>
-          </p:cNvCxnSpPr>
-          <p:nvPr/>
-        </p:nvCxnSpPr>
-        <p:spPr>
-          <a:xfrm>
-            <a:off x="4045352" y="2180656"/>
-            <a:ext cx="152400" cy="0"/>
-          </a:xfrm>
-          <a:prstGeom prst="line">
-            <a:avLst/>
-          </a:prstGeom>
-        </p:spPr>
-        <p:style>
-          <a:lnRef idx="1">
-            <a:schemeClr val="accent1"/>
-          </a:lnRef>
-          <a:fillRef idx="0">
-            <a:schemeClr val="accent1"/>
-          </a:fillRef>
-          <a:effectRef idx="0">
-            <a:schemeClr val="accent1"/>
-          </a:effectRef>
-          <a:fontRef idx="minor">
-            <a:schemeClr val="tx1"/>
-          </a:fontRef>
-        </p:style>
-      </p:cxnSp>
-      <p:cxnSp>
-        <p:nvCxnSpPr>
-          <p:cNvPr id="62" name="Straight Connector 61">
-            <a:extLst>
-              <a:ext uri="{FF2B5EF4-FFF2-40B4-BE49-F238E27FC236}">
-                <a16:creationId xmlns:a16="http://schemas.microsoft.com/office/drawing/2014/main" id="{762DABC5-44AF-B762-7E02-4CF120F28017}"/>
-              </a:ext>
-            </a:extLst>
-          </p:cNvPr>
-          <p:cNvCxnSpPr>
-            <a:cxnSpLocks/>
-          </p:cNvCxnSpPr>
-          <p:nvPr/>
-        </p:nvCxnSpPr>
-        <p:spPr>
-          <a:xfrm>
-            <a:off x="4045352" y="1868236"/>
-            <a:ext cx="152400" cy="0"/>
-          </a:xfrm>
-          <a:prstGeom prst="line">
-            <a:avLst/>
-          </a:prstGeom>
-        </p:spPr>
-        <p:style>
-          <a:lnRef idx="1">
-            <a:schemeClr val="accent1"/>
-          </a:lnRef>
-          <a:fillRef idx="0">
-            <a:schemeClr val="accent1"/>
-          </a:fillRef>
-          <a:effectRef idx="0">
-            <a:schemeClr val="accent1"/>
-          </a:effectRef>
-          <a:fontRef idx="minor">
-            <a:schemeClr val="tx1"/>
-          </a:fontRef>
-        </p:style>
-      </p:cxnSp>
-      <p:sp>
-        <p:nvSpPr>
-          <p:cNvPr id="72" name="TextBox 71">
-            <a:extLst>
-              <a:ext uri="{FF2B5EF4-FFF2-40B4-BE49-F238E27FC236}">
-                <a16:creationId xmlns:a16="http://schemas.microsoft.com/office/drawing/2014/main" id="{BF2F9FD0-1068-1E3E-8F3B-3CBFFD5DA13D}"/>
-              </a:ext>
-            </a:extLst>
-          </p:cNvPr>
-          <p:cNvSpPr txBox="1"/>
-          <p:nvPr/>
-        </p:nvSpPr>
-        <p:spPr>
-          <a:xfrm>
-            <a:off x="6710845" y="4281395"/>
-            <a:ext cx="1275410" cy="738664"/>
-          </a:xfrm>
-          <a:prstGeom prst="rect">
-            <a:avLst/>
-          </a:prstGeom>
-          <a:noFill/>
-        </p:spPr>
-        <p:txBody>
-          <a:bodyPr wrap="square">
-            <a:spAutoFit/>
-          </a:bodyPr>
-          <a:lstStyle/>
-          <a:p>
-            <a:pPr>
-              <a:spcBef>
-                <a:spcPts val="400"/>
-              </a:spcBef>
-            </a:pPr>
-            <a:r>
-              <a:rPr lang="de-DE" sz="1400" dirty="0"/>
-              <a:t>Begrenzung Nachfrage Produkt A</a:t>
-            </a:r>
-            <a:endParaRPr lang="de-DE" sz="1400" b="0" dirty="0"/>
-          </a:p>
-        </p:txBody>
-      </p:sp>
-      <p:sp>
-        <p:nvSpPr>
-          <p:cNvPr id="73" name="TextBox 72">
-            <a:extLst>
-              <a:ext uri="{FF2B5EF4-FFF2-40B4-BE49-F238E27FC236}">
-                <a16:creationId xmlns:a16="http://schemas.microsoft.com/office/drawing/2014/main" id="{AD70799B-772C-4AED-E513-476757BA5654}"/>
-              </a:ext>
-            </a:extLst>
-          </p:cNvPr>
-          <p:cNvSpPr txBox="1"/>
-          <p:nvPr/>
-        </p:nvSpPr>
-        <p:spPr>
-          <a:xfrm>
-            <a:off x="4311087" y="1868236"/>
-            <a:ext cx="1275410" cy="738664"/>
-          </a:xfrm>
-          <a:prstGeom prst="rect">
-            <a:avLst/>
-          </a:prstGeom>
-          <a:noFill/>
-        </p:spPr>
-        <p:txBody>
-          <a:bodyPr wrap="square">
-            <a:spAutoFit/>
-          </a:bodyPr>
-          <a:lstStyle/>
-          <a:p>
-            <a:pPr>
-              <a:spcBef>
-                <a:spcPts val="400"/>
-              </a:spcBef>
-            </a:pPr>
-            <a:r>
-              <a:rPr lang="de-DE" sz="1400"/>
-              <a:t>Begrenzung Nachfrage </a:t>
-            </a:r>
-            <a:r>
-              <a:rPr lang="de-DE" sz="1400" dirty="0"/>
-              <a:t>Produkt B</a:t>
-            </a:r>
-            <a:endParaRPr lang="de-DE" sz="1400" b="0" dirty="0"/>
-          </a:p>
-        </p:txBody>
-      </p:sp>
-      <p:sp>
-        <p:nvSpPr>
-          <p:cNvPr id="74" name="TextBox 73">
-            <a:extLst>
-              <a:ext uri="{FF2B5EF4-FFF2-40B4-BE49-F238E27FC236}">
-                <a16:creationId xmlns:a16="http://schemas.microsoft.com/office/drawing/2014/main" id="{1D3C637D-A28E-74DF-D0E4-573D564225EB}"/>
-              </a:ext>
-            </a:extLst>
-          </p:cNvPr>
-          <p:cNvSpPr txBox="1"/>
-          <p:nvPr/>
-        </p:nvSpPr>
-        <p:spPr>
-          <a:xfrm>
-            <a:off x="5751217" y="2943806"/>
-            <a:ext cx="1275410" cy="738664"/>
-          </a:xfrm>
-          <a:prstGeom prst="rect">
-            <a:avLst/>
-          </a:prstGeom>
-          <a:noFill/>
-        </p:spPr>
-        <p:txBody>
-          <a:bodyPr wrap="square">
-            <a:spAutoFit/>
-          </a:bodyPr>
-          <a:lstStyle/>
-          <a:p>
-            <a:pPr>
-              <a:spcBef>
-                <a:spcPts val="400"/>
-              </a:spcBef>
-            </a:pPr>
-            <a:r>
-              <a:rPr lang="de-DE" sz="1400" dirty="0"/>
-              <a:t>Begrenzung Nachfrage Produkt C</a:t>
-            </a:r>
-            <a:endParaRPr lang="de-DE" sz="1400" b="0" dirty="0"/>
-          </a:p>
-        </p:txBody>
-      </p:sp>
+        </p:grpSpPr>
+        <p:cxnSp>
+          <p:nvCxnSpPr>
+            <p:cNvPr id="4" name="Straight Arrow Connector 3">
+              <a:extLst>
+                <a:ext uri="{FF2B5EF4-FFF2-40B4-BE49-F238E27FC236}">
+                  <a16:creationId xmlns:a16="http://schemas.microsoft.com/office/drawing/2014/main" id="{A7B8E557-FB84-824B-D4A1-F79B7C935743}"/>
+                </a:ext>
+              </a:extLst>
+            </p:cNvPr>
+            <p:cNvCxnSpPr>
+              <a:cxnSpLocks/>
+            </p:cNvCxnSpPr>
+            <p:nvPr/>
+          </p:nvCxnSpPr>
+          <p:spPr>
+            <a:xfrm flipH="1" flipV="1">
+              <a:off x="4121552" y="1487156"/>
+              <a:ext cx="0" cy="3633870"/>
+            </a:xfrm>
+            <a:prstGeom prst="straightConnector1">
+              <a:avLst/>
+            </a:prstGeom>
+            <a:ln>
+              <a:tailEnd type="triangle"/>
+            </a:ln>
+          </p:spPr>
+          <p:style>
+            <a:lnRef idx="1">
+              <a:schemeClr val="accent1"/>
+            </a:lnRef>
+            <a:fillRef idx="0">
+              <a:schemeClr val="accent1"/>
+            </a:fillRef>
+            <a:effectRef idx="0">
+              <a:schemeClr val="accent1"/>
+            </a:effectRef>
+            <a:fontRef idx="minor">
+              <a:schemeClr val="tx1"/>
+            </a:fontRef>
+          </p:style>
+        </p:cxnSp>
+        <p:cxnSp>
+          <p:nvCxnSpPr>
+            <p:cNvPr id="5" name="Straight Arrow Connector 4">
+              <a:extLst>
+                <a:ext uri="{FF2B5EF4-FFF2-40B4-BE49-F238E27FC236}">
+                  <a16:creationId xmlns:a16="http://schemas.microsoft.com/office/drawing/2014/main" id="{97AE32F1-7285-057C-D2A4-FEAF670875C9}"/>
+                </a:ext>
+              </a:extLst>
+            </p:cNvPr>
+            <p:cNvCxnSpPr>
+              <a:cxnSpLocks/>
+            </p:cNvCxnSpPr>
+            <p:nvPr/>
+          </p:nvCxnSpPr>
+          <p:spPr>
+            <a:xfrm>
+              <a:off x="4052898" y="5108077"/>
+              <a:ext cx="3679086" cy="0"/>
+            </a:xfrm>
+            <a:prstGeom prst="straightConnector1">
+              <a:avLst/>
+            </a:prstGeom>
+            <a:ln>
+              <a:tailEnd type="triangle"/>
+            </a:ln>
+          </p:spPr>
+          <p:style>
+            <a:lnRef idx="1">
+              <a:schemeClr val="accent1"/>
+            </a:lnRef>
+            <a:fillRef idx="0">
+              <a:schemeClr val="accent1"/>
+            </a:fillRef>
+            <a:effectRef idx="0">
+              <a:schemeClr val="accent1"/>
+            </a:effectRef>
+            <a:fontRef idx="minor">
+              <a:schemeClr val="tx1"/>
+            </a:fontRef>
+          </p:style>
+        </p:cxnSp>
+        <p:cxnSp>
+          <p:nvCxnSpPr>
+            <p:cNvPr id="6" name="Straight Connector 5">
+              <a:extLst>
+                <a:ext uri="{FF2B5EF4-FFF2-40B4-BE49-F238E27FC236}">
+                  <a16:creationId xmlns:a16="http://schemas.microsoft.com/office/drawing/2014/main" id="{E344AE04-1752-5163-74F9-CB89CBC1B99B}"/>
+                </a:ext>
+              </a:extLst>
+            </p:cNvPr>
+            <p:cNvCxnSpPr>
+              <a:cxnSpLocks/>
+            </p:cNvCxnSpPr>
+            <p:nvPr/>
+          </p:nvCxnSpPr>
+          <p:spPr>
+            <a:xfrm flipH="1" flipV="1">
+              <a:off x="4145034" y="2180656"/>
+              <a:ext cx="1960134" cy="2961856"/>
+            </a:xfrm>
+            <a:prstGeom prst="line">
+              <a:avLst/>
+            </a:prstGeom>
+          </p:spPr>
+          <p:style>
+            <a:lnRef idx="3">
+              <a:schemeClr val="accent2"/>
+            </a:lnRef>
+            <a:fillRef idx="0">
+              <a:schemeClr val="accent2"/>
+            </a:fillRef>
+            <a:effectRef idx="2">
+              <a:schemeClr val="accent2"/>
+            </a:effectRef>
+            <a:fontRef idx="minor">
+              <a:schemeClr val="tx1"/>
+            </a:fontRef>
+          </p:style>
+        </p:cxnSp>
+        <mc:AlternateContent xmlns:mc="http://schemas.openxmlformats.org/markup-compatibility/2006">
+          <mc:Choice xmlns:a14="http://schemas.microsoft.com/office/drawing/2010/main" Requires="a14">
+            <p:sp>
+              <p:nvSpPr>
+                <p:cNvPr id="7" name="TextBox 6">
+                  <a:extLst>
+                    <a:ext uri="{FF2B5EF4-FFF2-40B4-BE49-F238E27FC236}">
+                      <a16:creationId xmlns:a16="http://schemas.microsoft.com/office/drawing/2014/main" id="{74F27F87-080E-B489-BBDA-CC0AB6CF070A}"/>
+                    </a:ext>
+                  </a:extLst>
+                </p:cNvPr>
+                <p:cNvSpPr txBox="1"/>
+                <p:nvPr/>
+              </p:nvSpPr>
+              <p:spPr>
+                <a:xfrm>
+                  <a:off x="5806730" y="5427873"/>
+                  <a:ext cx="275562" cy="369332"/>
+                </a:xfrm>
+                <a:prstGeom prst="rect">
+                  <a:avLst/>
+                </a:prstGeom>
+                <a:noFill/>
+              </p:spPr>
+              <p:txBody>
+                <a:bodyPr wrap="square">
+                  <a:spAutoFit/>
+                </a:bodyPr>
+                <a:lstStyle/>
+                <a:p>
+                  <a:pPr/>
+                  <a14:m>
+                    <m:oMathPara xmlns:m="http://schemas.openxmlformats.org/officeDocument/2006/math">
+                      <m:oMathParaPr>
+                        <m:jc m:val="centerGroup"/>
+                      </m:oMathParaPr>
+                      <m:oMath xmlns:m="http://schemas.openxmlformats.org/officeDocument/2006/math">
+                        <m:sSub>
+                          <m:sSubPr>
+                            <m:ctrlPr>
+                              <a:rPr lang="de-DE" sz="1800" b="0" i="1" smtClean="0">
+                                <a:latin typeface="Cambria Math" panose="02040503050406030204" pitchFamily="18" charset="0"/>
+                              </a:rPr>
+                            </m:ctrlPr>
+                          </m:sSubPr>
+                          <m:e>
+                            <m:r>
+                              <a:rPr lang="de-DE" sz="1800" b="0" i="1" smtClean="0">
+                                <a:latin typeface="Cambria Math" panose="02040503050406030204" pitchFamily="18" charset="0"/>
+                              </a:rPr>
+                              <m:t>𝑥</m:t>
+                            </m:r>
+                          </m:e>
+                          <m:sub>
+                            <m:r>
+                              <a:rPr lang="de-DE" sz="1800" b="0" i="0" smtClean="0">
+                                <a:latin typeface="Cambria Math" panose="02040503050406030204" pitchFamily="18" charset="0"/>
+                              </a:rPr>
+                              <m:t>1</m:t>
+                            </m:r>
+                          </m:sub>
+                        </m:sSub>
+                      </m:oMath>
+                    </m:oMathPara>
+                  </a14:m>
+                  <a:endParaRPr lang="de-DE" dirty="0"/>
+                </a:p>
+              </p:txBody>
+            </p:sp>
+          </mc:Choice>
+          <mc:Fallback>
+            <p:sp>
+              <p:nvSpPr>
+                <p:cNvPr id="7" name="TextBox 6">
+                  <a:extLst>
+                    <a:ext uri="{FF2B5EF4-FFF2-40B4-BE49-F238E27FC236}">
+                      <a16:creationId xmlns:a16="http://schemas.microsoft.com/office/drawing/2014/main" id="{74F27F87-080E-B489-BBDA-CC0AB6CF070A}"/>
+                    </a:ext>
+                  </a:extLst>
+                </p:cNvPr>
+                <p:cNvSpPr txBox="1">
+                  <a:spLocks noRot="1" noChangeAspect="1" noMove="1" noResize="1" noEditPoints="1" noAdjustHandles="1" noChangeArrowheads="1" noChangeShapeType="1" noTextEdit="1"/>
+                </p:cNvSpPr>
+                <p:nvPr/>
+              </p:nvSpPr>
+              <p:spPr>
+                <a:xfrm>
+                  <a:off x="5806730" y="5427873"/>
+                  <a:ext cx="275562" cy="369332"/>
+                </a:xfrm>
+                <a:prstGeom prst="rect">
+                  <a:avLst/>
+                </a:prstGeom>
+                <a:blipFill>
+                  <a:blip r:embed="rId22"/>
+                  <a:stretch>
+                    <a:fillRect r="-31111"/>
+                  </a:stretch>
+                </a:blipFill>
+              </p:spPr>
+              <p:txBody>
+                <a:bodyPr/>
+                <a:lstStyle/>
+                <a:p>
+                  <a:r>
+                    <a:rPr lang="en-US">
+                      <a:noFill/>
+                    </a:rPr>
+                    <a:t> </a:t>
+                  </a:r>
+                </a:p>
+              </p:txBody>
+            </p:sp>
+          </mc:Fallback>
+        </mc:AlternateContent>
+        <mc:AlternateContent xmlns:mc="http://schemas.openxmlformats.org/markup-compatibility/2006">
+          <mc:Choice xmlns:a14="http://schemas.microsoft.com/office/drawing/2010/main" Requires="a14">
+            <p:sp>
+              <p:nvSpPr>
+                <p:cNvPr id="8" name="TextBox 7">
+                  <a:extLst>
+                    <a:ext uri="{FF2B5EF4-FFF2-40B4-BE49-F238E27FC236}">
+                      <a16:creationId xmlns:a16="http://schemas.microsoft.com/office/drawing/2014/main" id="{F7749233-B42D-B968-D08D-9DFDF256277B}"/>
+                    </a:ext>
+                  </a:extLst>
+                </p:cNvPr>
+                <p:cNvSpPr txBox="1"/>
+                <p:nvPr/>
+              </p:nvSpPr>
+              <p:spPr>
+                <a:xfrm>
+                  <a:off x="3343636" y="3071899"/>
+                  <a:ext cx="275562" cy="369332"/>
+                </a:xfrm>
+                <a:prstGeom prst="rect">
+                  <a:avLst/>
+                </a:prstGeom>
+                <a:noFill/>
+              </p:spPr>
+              <p:txBody>
+                <a:bodyPr wrap="square">
+                  <a:spAutoFit/>
+                </a:bodyPr>
+                <a:lstStyle/>
+                <a:p>
+                  <a:pPr/>
+                  <a14:m>
+                    <m:oMathPara xmlns:m="http://schemas.openxmlformats.org/officeDocument/2006/math">
+                      <m:oMathParaPr>
+                        <m:jc m:val="centerGroup"/>
+                      </m:oMathParaPr>
+                      <m:oMath xmlns:m="http://schemas.openxmlformats.org/officeDocument/2006/math">
+                        <m:sSub>
+                          <m:sSubPr>
+                            <m:ctrlPr>
+                              <a:rPr lang="de-DE" sz="1800" b="0" i="1" smtClean="0">
+                                <a:latin typeface="Cambria Math" panose="02040503050406030204" pitchFamily="18" charset="0"/>
+                              </a:rPr>
+                            </m:ctrlPr>
+                          </m:sSubPr>
+                          <m:e>
+                            <m:r>
+                              <a:rPr lang="de-DE" sz="1800" b="0" i="1" smtClean="0">
+                                <a:latin typeface="Cambria Math" panose="02040503050406030204" pitchFamily="18" charset="0"/>
+                              </a:rPr>
+                              <m:t>𝑥</m:t>
+                            </m:r>
+                          </m:e>
+                          <m:sub>
+                            <m:r>
+                              <a:rPr lang="de-DE" sz="1800" b="0" i="1" smtClean="0">
+                                <a:latin typeface="Cambria Math" panose="02040503050406030204" pitchFamily="18" charset="0"/>
+                              </a:rPr>
+                              <m:t>2</m:t>
+                            </m:r>
+                          </m:sub>
+                        </m:sSub>
+                      </m:oMath>
+                    </m:oMathPara>
+                  </a14:m>
+                  <a:endParaRPr lang="de-DE" dirty="0"/>
+                </a:p>
+              </p:txBody>
+            </p:sp>
+          </mc:Choice>
+          <mc:Fallback>
+            <p:sp>
+              <p:nvSpPr>
+                <p:cNvPr id="8" name="TextBox 7">
+                  <a:extLst>
+                    <a:ext uri="{FF2B5EF4-FFF2-40B4-BE49-F238E27FC236}">
+                      <a16:creationId xmlns:a16="http://schemas.microsoft.com/office/drawing/2014/main" id="{F7749233-B42D-B968-D08D-9DFDF256277B}"/>
+                    </a:ext>
+                  </a:extLst>
+                </p:cNvPr>
+                <p:cNvSpPr txBox="1">
+                  <a:spLocks noRot="1" noChangeAspect="1" noMove="1" noResize="1" noEditPoints="1" noAdjustHandles="1" noChangeArrowheads="1" noChangeShapeType="1" noTextEdit="1"/>
+                </p:cNvSpPr>
+                <p:nvPr/>
+              </p:nvSpPr>
+              <p:spPr>
+                <a:xfrm>
+                  <a:off x="3343636" y="3071899"/>
+                  <a:ext cx="275562" cy="369332"/>
+                </a:xfrm>
+                <a:prstGeom prst="rect">
+                  <a:avLst/>
+                </a:prstGeom>
+                <a:blipFill>
+                  <a:blip r:embed="rId23"/>
+                  <a:stretch>
+                    <a:fillRect r="-32609"/>
+                  </a:stretch>
+                </a:blipFill>
+              </p:spPr>
+              <p:txBody>
+                <a:bodyPr/>
+                <a:lstStyle/>
+                <a:p>
+                  <a:r>
+                    <a:rPr lang="en-US">
+                      <a:noFill/>
+                    </a:rPr>
+                    <a:t> </a:t>
+                  </a:r>
+                </a:p>
+              </p:txBody>
+            </p:sp>
+          </mc:Fallback>
+        </mc:AlternateContent>
+        <mc:AlternateContent xmlns:mc="http://schemas.openxmlformats.org/markup-compatibility/2006">
+          <mc:Choice xmlns:a14="http://schemas.microsoft.com/office/drawing/2010/main" Requires="a14">
+            <p:sp>
+              <p:nvSpPr>
+                <p:cNvPr id="9" name="TextBox 8">
+                  <a:extLst>
+                    <a:ext uri="{FF2B5EF4-FFF2-40B4-BE49-F238E27FC236}">
+                      <a16:creationId xmlns:a16="http://schemas.microsoft.com/office/drawing/2014/main" id="{351D2D51-9A7D-713C-3E83-2A97F061164E}"/>
+                    </a:ext>
+                  </a:extLst>
+                </p:cNvPr>
+                <p:cNvSpPr txBox="1"/>
+                <p:nvPr/>
+              </p:nvSpPr>
+              <p:spPr>
+                <a:xfrm>
+                  <a:off x="3600599" y="1677818"/>
+                  <a:ext cx="425094" cy="3652282"/>
+                </a:xfrm>
+                <a:prstGeom prst="rect">
+                  <a:avLst/>
+                </a:prstGeom>
+                <a:noFill/>
+              </p:spPr>
+              <p:txBody>
+                <a:bodyPr wrap="square">
+                  <a:spAutoFit/>
+                </a:bodyPr>
+                <a:lstStyle/>
+                <a:p>
+                  <a:pPr algn="r">
+                    <a:spcBef>
+                      <a:spcPts val="400"/>
+                    </a:spcBef>
+                  </a:pPr>
+                  <a14:m>
+                    <m:oMathPara xmlns:m="http://schemas.openxmlformats.org/officeDocument/2006/math">
+                      <m:oMathParaPr>
+                        <m:jc m:val="centerGroup"/>
+                      </m:oMathParaPr>
+                      <m:oMath xmlns:m="http://schemas.openxmlformats.org/officeDocument/2006/math">
+                        <m:r>
+                          <a:rPr lang="de-DE" sz="1800" b="0" i="1" dirty="0" smtClean="0">
+                            <a:latin typeface="Cambria Math" panose="02040503050406030204" pitchFamily="18" charset="0"/>
+                          </a:rPr>
+                          <m:t>10</m:t>
+                        </m:r>
+                      </m:oMath>
+                    </m:oMathPara>
+                  </a14:m>
+                  <a:endParaRPr lang="de-DE" sz="1800" b="0" i="1" dirty="0">
+                    <a:latin typeface="Cambria Math" panose="02040503050406030204" pitchFamily="18" charset="0"/>
+                  </a:endParaRPr>
+                </a:p>
+                <a:p>
+                  <a:pPr algn="r">
+                    <a:spcBef>
+                      <a:spcPts val="400"/>
+                    </a:spcBef>
+                  </a:pPr>
+                  <a:r>
+                    <a:rPr lang="de-DE" dirty="0"/>
+                    <a:t> </a:t>
+                  </a:r>
+                  <a14:m>
+                    <m:oMath xmlns:m="http://schemas.openxmlformats.org/officeDocument/2006/math">
+                      <m:r>
+                        <a:rPr lang="de-DE" i="1" dirty="0" smtClean="0">
+                          <a:latin typeface="Cambria Math" panose="02040503050406030204" pitchFamily="18" charset="0"/>
+                        </a:rPr>
+                        <m:t>9</m:t>
+                      </m:r>
+                    </m:oMath>
+                  </a14:m>
+                  <a:endParaRPr lang="de-DE" dirty="0"/>
+                </a:p>
+                <a:p>
+                  <a:pPr algn="r">
+                    <a:spcBef>
+                      <a:spcPts val="400"/>
+                    </a:spcBef>
+                  </a:pPr>
+                  <a:r>
+                    <a:rPr lang="de-DE" dirty="0"/>
+                    <a:t> </a:t>
+                  </a:r>
+                  <a14:m>
+                    <m:oMath xmlns:m="http://schemas.openxmlformats.org/officeDocument/2006/math">
+                      <m:r>
+                        <a:rPr lang="de-DE" i="1" dirty="0" smtClean="0">
+                          <a:latin typeface="Cambria Math" panose="02040503050406030204" pitchFamily="18" charset="0"/>
+                        </a:rPr>
+                        <m:t>8</m:t>
+                      </m:r>
+                    </m:oMath>
+                  </a14:m>
+                  <a:endParaRPr lang="de-DE" dirty="0"/>
+                </a:p>
+                <a:p>
+                  <a:pPr algn="r">
+                    <a:spcBef>
+                      <a:spcPts val="400"/>
+                    </a:spcBef>
+                  </a:pPr>
+                  <a:r>
+                    <a:rPr lang="de-DE" dirty="0"/>
+                    <a:t> </a:t>
+                  </a:r>
+                  <a14:m>
+                    <m:oMath xmlns:m="http://schemas.openxmlformats.org/officeDocument/2006/math">
+                      <m:r>
+                        <a:rPr lang="de-DE" i="1" dirty="0" smtClean="0">
+                          <a:latin typeface="Cambria Math" panose="02040503050406030204" pitchFamily="18" charset="0"/>
+                        </a:rPr>
+                        <m:t>7</m:t>
+                      </m:r>
+                    </m:oMath>
+                  </a14:m>
+                  <a:endParaRPr lang="de-DE" dirty="0"/>
+                </a:p>
+                <a:p>
+                  <a:pPr algn="r">
+                    <a:spcBef>
+                      <a:spcPts val="400"/>
+                    </a:spcBef>
+                  </a:pPr>
+                  <a:r>
+                    <a:rPr lang="de-DE" dirty="0"/>
+                    <a:t> </a:t>
+                  </a:r>
+                  <a14:m>
+                    <m:oMath xmlns:m="http://schemas.openxmlformats.org/officeDocument/2006/math">
+                      <m:r>
+                        <a:rPr lang="de-DE" i="1" dirty="0" smtClean="0">
+                          <a:latin typeface="Cambria Math" panose="02040503050406030204" pitchFamily="18" charset="0"/>
+                        </a:rPr>
+                        <m:t>6</m:t>
+                      </m:r>
+                    </m:oMath>
+                  </a14:m>
+                  <a:endParaRPr lang="de-DE" dirty="0"/>
+                </a:p>
+                <a:p>
+                  <a:pPr algn="r">
+                    <a:spcBef>
+                      <a:spcPts val="400"/>
+                    </a:spcBef>
+                  </a:pPr>
+                  <a:r>
+                    <a:rPr lang="de-DE" dirty="0"/>
+                    <a:t> </a:t>
+                  </a:r>
+                  <a14:m>
+                    <m:oMath xmlns:m="http://schemas.openxmlformats.org/officeDocument/2006/math">
+                      <m:r>
+                        <a:rPr lang="de-DE" i="1" dirty="0" smtClean="0">
+                          <a:latin typeface="Cambria Math" panose="02040503050406030204" pitchFamily="18" charset="0"/>
+                        </a:rPr>
+                        <m:t>5</m:t>
+                      </m:r>
+                    </m:oMath>
+                  </a14:m>
+                  <a:endParaRPr lang="de-DE" dirty="0"/>
+                </a:p>
+                <a:p>
+                  <a:pPr algn="r">
+                    <a:spcBef>
+                      <a:spcPts val="400"/>
+                    </a:spcBef>
+                  </a:pPr>
+                  <a:r>
+                    <a:rPr lang="de-DE" dirty="0"/>
+                    <a:t> </a:t>
+                  </a:r>
+                  <a14:m>
+                    <m:oMath xmlns:m="http://schemas.openxmlformats.org/officeDocument/2006/math">
+                      <m:r>
+                        <a:rPr lang="de-DE" i="1" dirty="0" smtClean="0">
+                          <a:latin typeface="Cambria Math" panose="02040503050406030204" pitchFamily="18" charset="0"/>
+                        </a:rPr>
+                        <m:t>4</m:t>
+                      </m:r>
+                    </m:oMath>
+                  </a14:m>
+                  <a:endParaRPr lang="de-DE" dirty="0"/>
+                </a:p>
+                <a:p>
+                  <a:pPr algn="r">
+                    <a:spcBef>
+                      <a:spcPts val="400"/>
+                    </a:spcBef>
+                  </a:pPr>
+                  <a:r>
+                    <a:rPr lang="de-DE" dirty="0"/>
+                    <a:t> </a:t>
+                  </a:r>
+                  <a14:m>
+                    <m:oMath xmlns:m="http://schemas.openxmlformats.org/officeDocument/2006/math">
+                      <m:r>
+                        <a:rPr lang="de-DE" i="1" dirty="0" smtClean="0">
+                          <a:latin typeface="Cambria Math" panose="02040503050406030204" pitchFamily="18" charset="0"/>
+                        </a:rPr>
+                        <m:t>3</m:t>
+                      </m:r>
+                    </m:oMath>
+                  </a14:m>
+                  <a:endParaRPr lang="de-DE" dirty="0"/>
+                </a:p>
+                <a:p>
+                  <a:pPr algn="r">
+                    <a:spcBef>
+                      <a:spcPts val="400"/>
+                    </a:spcBef>
+                  </a:pPr>
+                  <a:r>
+                    <a:rPr lang="de-DE" dirty="0"/>
+                    <a:t> </a:t>
+                  </a:r>
+                  <a14:m>
+                    <m:oMath xmlns:m="http://schemas.openxmlformats.org/officeDocument/2006/math">
+                      <m:r>
+                        <a:rPr lang="de-DE" i="1" dirty="0" smtClean="0">
+                          <a:latin typeface="Cambria Math" panose="02040503050406030204" pitchFamily="18" charset="0"/>
+                        </a:rPr>
+                        <m:t>2</m:t>
+                      </m:r>
+                    </m:oMath>
+                  </a14:m>
+                  <a:endParaRPr lang="de-DE" dirty="0"/>
+                </a:p>
+                <a:p>
+                  <a:pPr algn="r">
+                    <a:spcBef>
+                      <a:spcPts val="400"/>
+                    </a:spcBef>
+                  </a:pPr>
+                  <a:r>
+                    <a:rPr lang="de-DE" dirty="0"/>
+                    <a:t> </a:t>
+                  </a:r>
+                  <a14:m>
+                    <m:oMath xmlns:m="http://schemas.openxmlformats.org/officeDocument/2006/math">
+                      <m:r>
+                        <a:rPr lang="de-DE" i="1" dirty="0" smtClean="0">
+                          <a:latin typeface="Cambria Math" panose="02040503050406030204" pitchFamily="18" charset="0"/>
+                        </a:rPr>
+                        <m:t>1</m:t>
+                      </m:r>
+                    </m:oMath>
+                  </a14:m>
+                  <a:endParaRPr lang="de-DE" dirty="0"/>
+                </a:p>
+                <a:p>
+                  <a:pPr algn="r">
+                    <a:spcBef>
+                      <a:spcPts val="400"/>
+                    </a:spcBef>
+                  </a:pPr>
+                  <a:r>
+                    <a:rPr lang="de-DE" b="0" dirty="0"/>
+                    <a:t> </a:t>
+                  </a:r>
+                  <a14:m>
+                    <m:oMath xmlns:m="http://schemas.openxmlformats.org/officeDocument/2006/math">
+                      <m:r>
+                        <a:rPr lang="de-DE" b="0" i="1" smtClean="0">
+                          <a:latin typeface="Cambria Math" panose="02040503050406030204" pitchFamily="18" charset="0"/>
+                        </a:rPr>
+                        <m:t>0</m:t>
+                      </m:r>
+                    </m:oMath>
+                  </a14:m>
+                  <a:endParaRPr lang="de-DE" dirty="0"/>
+                </a:p>
+              </p:txBody>
+            </p:sp>
+          </mc:Choice>
+          <mc:Fallback>
+            <p:sp>
+              <p:nvSpPr>
+                <p:cNvPr id="9" name="TextBox 8">
+                  <a:extLst>
+                    <a:ext uri="{FF2B5EF4-FFF2-40B4-BE49-F238E27FC236}">
+                      <a16:creationId xmlns:a16="http://schemas.microsoft.com/office/drawing/2014/main" id="{351D2D51-9A7D-713C-3E83-2A97F061164E}"/>
+                    </a:ext>
+                  </a:extLst>
+                </p:cNvPr>
+                <p:cNvSpPr txBox="1">
+                  <a:spLocks noRot="1" noChangeAspect="1" noMove="1" noResize="1" noEditPoints="1" noAdjustHandles="1" noChangeArrowheads="1" noChangeShapeType="1" noTextEdit="1"/>
+                </p:cNvSpPr>
+                <p:nvPr/>
+              </p:nvSpPr>
+              <p:spPr>
+                <a:xfrm>
+                  <a:off x="3600599" y="1677818"/>
+                  <a:ext cx="425094" cy="3652282"/>
+                </a:xfrm>
+                <a:prstGeom prst="rect">
+                  <a:avLst/>
+                </a:prstGeom>
+                <a:blipFill>
+                  <a:blip r:embed="rId24"/>
+                  <a:stretch>
+                    <a:fillRect r="-1449"/>
+                  </a:stretch>
+                </a:blipFill>
+              </p:spPr>
+              <p:txBody>
+                <a:bodyPr/>
+                <a:lstStyle/>
+                <a:p>
+                  <a:r>
+                    <a:rPr lang="en-US">
+                      <a:noFill/>
+                    </a:rPr>
+                    <a:t> </a:t>
+                  </a:r>
+                </a:p>
+              </p:txBody>
+            </p:sp>
+          </mc:Fallback>
+        </mc:AlternateContent>
+        <mc:AlternateContent xmlns:mc="http://schemas.openxmlformats.org/markup-compatibility/2006">
+          <mc:Choice xmlns:a14="http://schemas.microsoft.com/office/drawing/2010/main" Requires="a14">
+            <p:sp>
+              <p:nvSpPr>
+                <p:cNvPr id="10" name="TextBox 9">
+                  <a:extLst>
+                    <a:ext uri="{FF2B5EF4-FFF2-40B4-BE49-F238E27FC236}">
+                      <a16:creationId xmlns:a16="http://schemas.microsoft.com/office/drawing/2014/main" id="{7F52F6AD-A33A-6890-683D-A1734B7DB1CD}"/>
+                    </a:ext>
+                  </a:extLst>
+                </p:cNvPr>
+                <p:cNvSpPr txBox="1"/>
+                <p:nvPr/>
+              </p:nvSpPr>
+              <p:spPr>
+                <a:xfrm>
+                  <a:off x="4303312" y="5133227"/>
+                  <a:ext cx="3282398" cy="369332"/>
+                </a:xfrm>
+                <a:prstGeom prst="rect">
+                  <a:avLst/>
+                </a:prstGeom>
+                <a:noFill/>
+              </p:spPr>
+              <p:txBody>
+                <a:bodyPr wrap="square">
+                  <a:spAutoFit/>
+                </a:bodyPr>
+                <a:lstStyle/>
+                <a:p>
+                  <a:pPr/>
+                  <a14:m>
+                    <m:oMathPara xmlns:m="http://schemas.openxmlformats.org/officeDocument/2006/math">
+                      <m:oMathParaPr>
+                        <m:jc m:val="left"/>
+                      </m:oMathParaPr>
+                      <m:oMath xmlns:m="http://schemas.openxmlformats.org/officeDocument/2006/math">
+                        <m:r>
+                          <a:rPr lang="de-DE" sz="1800" b="0" i="1" smtClean="0">
+                            <a:latin typeface="Cambria Math" panose="02040503050406030204" pitchFamily="18" charset="0"/>
+                          </a:rPr>
+                          <m:t>1    2    3    4    5    6    7    8    9   10</m:t>
+                        </m:r>
+                      </m:oMath>
+                    </m:oMathPara>
+                  </a14:m>
+                  <a:endParaRPr lang="de-DE" dirty="0"/>
+                </a:p>
+              </p:txBody>
+            </p:sp>
+          </mc:Choice>
+          <mc:Fallback>
+            <p:sp>
+              <p:nvSpPr>
+                <p:cNvPr id="10" name="TextBox 9">
+                  <a:extLst>
+                    <a:ext uri="{FF2B5EF4-FFF2-40B4-BE49-F238E27FC236}">
+                      <a16:creationId xmlns:a16="http://schemas.microsoft.com/office/drawing/2014/main" id="{7F52F6AD-A33A-6890-683D-A1734B7DB1CD}"/>
+                    </a:ext>
+                  </a:extLst>
+                </p:cNvPr>
+                <p:cNvSpPr txBox="1">
+                  <a:spLocks noRot="1" noChangeAspect="1" noMove="1" noResize="1" noEditPoints="1" noAdjustHandles="1" noChangeArrowheads="1" noChangeShapeType="1" noTextEdit="1"/>
+                </p:cNvSpPr>
+                <p:nvPr/>
+              </p:nvSpPr>
+              <p:spPr>
+                <a:xfrm>
+                  <a:off x="4303312" y="5133227"/>
+                  <a:ext cx="3282398" cy="369332"/>
+                </a:xfrm>
+                <a:prstGeom prst="rect">
+                  <a:avLst/>
+                </a:prstGeom>
+                <a:blipFill>
+                  <a:blip r:embed="rId25"/>
+                  <a:stretch>
+                    <a:fillRect r="-2045"/>
+                  </a:stretch>
+                </a:blipFill>
+              </p:spPr>
+              <p:txBody>
+                <a:bodyPr/>
+                <a:lstStyle/>
+                <a:p>
+                  <a:r>
+                    <a:rPr lang="en-US">
+                      <a:noFill/>
+                    </a:rPr>
+                    <a:t> </a:t>
+                  </a:r>
+                </a:p>
+              </p:txBody>
+            </p:sp>
+          </mc:Fallback>
+        </mc:AlternateContent>
+        <p:cxnSp>
+          <p:nvCxnSpPr>
+            <p:cNvPr id="11" name="Straight Connector 10">
+              <a:extLst>
+                <a:ext uri="{FF2B5EF4-FFF2-40B4-BE49-F238E27FC236}">
+                  <a16:creationId xmlns:a16="http://schemas.microsoft.com/office/drawing/2014/main" id="{1285CF8C-5B81-D866-869E-6E92EDCE3FC8}"/>
+                </a:ext>
+              </a:extLst>
+            </p:cNvPr>
+            <p:cNvCxnSpPr>
+              <a:cxnSpLocks/>
+            </p:cNvCxnSpPr>
+            <p:nvPr/>
+          </p:nvCxnSpPr>
+          <p:spPr>
+            <a:xfrm>
+              <a:off x="4045352" y="4811916"/>
+              <a:ext cx="152400" cy="0"/>
+            </a:xfrm>
+            <a:prstGeom prst="line">
+              <a:avLst/>
+            </a:prstGeom>
+          </p:spPr>
+          <p:style>
+            <a:lnRef idx="1">
+              <a:schemeClr val="accent1"/>
+            </a:lnRef>
+            <a:fillRef idx="0">
+              <a:schemeClr val="accent1"/>
+            </a:fillRef>
+            <a:effectRef idx="0">
+              <a:schemeClr val="accent1"/>
+            </a:effectRef>
+            <a:fontRef idx="minor">
+              <a:schemeClr val="tx1"/>
+            </a:fontRef>
+          </p:style>
+        </p:cxnSp>
+        <p:cxnSp>
+          <p:nvCxnSpPr>
+            <p:cNvPr id="12" name="Straight Connector 11">
+              <a:extLst>
+                <a:ext uri="{FF2B5EF4-FFF2-40B4-BE49-F238E27FC236}">
+                  <a16:creationId xmlns:a16="http://schemas.microsoft.com/office/drawing/2014/main" id="{AA9585DC-AF39-C529-24D7-C82D78470311}"/>
+                </a:ext>
+              </a:extLst>
+            </p:cNvPr>
+            <p:cNvCxnSpPr>
+              <a:cxnSpLocks/>
+            </p:cNvCxnSpPr>
+            <p:nvPr/>
+          </p:nvCxnSpPr>
+          <p:spPr>
+            <a:xfrm>
+              <a:off x="4045352" y="4483748"/>
+              <a:ext cx="152400" cy="0"/>
+            </a:xfrm>
+            <a:prstGeom prst="line">
+              <a:avLst/>
+            </a:prstGeom>
+          </p:spPr>
+          <p:style>
+            <a:lnRef idx="1">
+              <a:schemeClr val="accent1"/>
+            </a:lnRef>
+            <a:fillRef idx="0">
+              <a:schemeClr val="accent1"/>
+            </a:fillRef>
+            <a:effectRef idx="0">
+              <a:schemeClr val="accent1"/>
+            </a:effectRef>
+            <a:fontRef idx="minor">
+              <a:schemeClr val="tx1"/>
+            </a:fontRef>
+          </p:style>
+        </p:cxnSp>
+        <p:cxnSp>
+          <p:nvCxnSpPr>
+            <p:cNvPr id="13" name="Straight Connector 12">
+              <a:extLst>
+                <a:ext uri="{FF2B5EF4-FFF2-40B4-BE49-F238E27FC236}">
+                  <a16:creationId xmlns:a16="http://schemas.microsoft.com/office/drawing/2014/main" id="{2667AEC3-F16E-93B1-9F81-AC2B8A796649}"/>
+                </a:ext>
+              </a:extLst>
+            </p:cNvPr>
+            <p:cNvCxnSpPr>
+              <a:cxnSpLocks/>
+            </p:cNvCxnSpPr>
+            <p:nvPr/>
+          </p:nvCxnSpPr>
+          <p:spPr>
+            <a:xfrm>
+              <a:off x="4045352" y="4155580"/>
+              <a:ext cx="152400" cy="0"/>
+            </a:xfrm>
+            <a:prstGeom prst="line">
+              <a:avLst/>
+            </a:prstGeom>
+          </p:spPr>
+          <p:style>
+            <a:lnRef idx="1">
+              <a:schemeClr val="accent1"/>
+            </a:lnRef>
+            <a:fillRef idx="0">
+              <a:schemeClr val="accent1"/>
+            </a:fillRef>
+            <a:effectRef idx="0">
+              <a:schemeClr val="accent1"/>
+            </a:effectRef>
+            <a:fontRef idx="minor">
+              <a:schemeClr val="tx1"/>
+            </a:fontRef>
+          </p:style>
+        </p:cxnSp>
+        <p:cxnSp>
+          <p:nvCxnSpPr>
+            <p:cNvPr id="14" name="Straight Connector 13">
+              <a:extLst>
+                <a:ext uri="{FF2B5EF4-FFF2-40B4-BE49-F238E27FC236}">
+                  <a16:creationId xmlns:a16="http://schemas.microsoft.com/office/drawing/2014/main" id="{4C2AF7FE-503E-6A38-EFC0-77452B0636B7}"/>
+                </a:ext>
+              </a:extLst>
+            </p:cNvPr>
+            <p:cNvCxnSpPr>
+              <a:cxnSpLocks/>
+            </p:cNvCxnSpPr>
+            <p:nvPr/>
+          </p:nvCxnSpPr>
+          <p:spPr>
+            <a:xfrm rot="5400000">
+              <a:off x="4383817" y="5123942"/>
+              <a:ext cx="152400" cy="0"/>
+            </a:xfrm>
+            <a:prstGeom prst="line">
+              <a:avLst/>
+            </a:prstGeom>
+          </p:spPr>
+          <p:style>
+            <a:lnRef idx="1">
+              <a:schemeClr val="accent1"/>
+            </a:lnRef>
+            <a:fillRef idx="0">
+              <a:schemeClr val="accent1"/>
+            </a:fillRef>
+            <a:effectRef idx="0">
+              <a:schemeClr val="accent1"/>
+            </a:effectRef>
+            <a:fontRef idx="minor">
+              <a:schemeClr val="tx1"/>
+            </a:fontRef>
+          </p:style>
+        </p:cxnSp>
+        <p:cxnSp>
+          <p:nvCxnSpPr>
+            <p:cNvPr id="15" name="Straight Connector 14">
+              <a:extLst>
+                <a:ext uri="{FF2B5EF4-FFF2-40B4-BE49-F238E27FC236}">
+                  <a16:creationId xmlns:a16="http://schemas.microsoft.com/office/drawing/2014/main" id="{037F1AA5-79DD-2901-7828-34F4431E9F5A}"/>
+                </a:ext>
+              </a:extLst>
+            </p:cNvPr>
+            <p:cNvCxnSpPr>
+              <a:cxnSpLocks/>
+            </p:cNvCxnSpPr>
+            <p:nvPr/>
+          </p:nvCxnSpPr>
+          <p:spPr>
+            <a:xfrm rot="5400000">
+              <a:off x="4713001" y="5123942"/>
+              <a:ext cx="152400" cy="0"/>
+            </a:xfrm>
+            <a:prstGeom prst="line">
+              <a:avLst/>
+            </a:prstGeom>
+          </p:spPr>
+          <p:style>
+            <a:lnRef idx="1">
+              <a:schemeClr val="accent1"/>
+            </a:lnRef>
+            <a:fillRef idx="0">
+              <a:schemeClr val="accent1"/>
+            </a:fillRef>
+            <a:effectRef idx="0">
+              <a:schemeClr val="accent1"/>
+            </a:effectRef>
+            <a:fontRef idx="minor">
+              <a:schemeClr val="tx1"/>
+            </a:fontRef>
+          </p:style>
+        </p:cxnSp>
+        <p:cxnSp>
+          <p:nvCxnSpPr>
+            <p:cNvPr id="16" name="Straight Connector 15">
+              <a:extLst>
+                <a:ext uri="{FF2B5EF4-FFF2-40B4-BE49-F238E27FC236}">
+                  <a16:creationId xmlns:a16="http://schemas.microsoft.com/office/drawing/2014/main" id="{400EA10C-1E4E-8107-6F0E-F661AE989220}"/>
+                </a:ext>
+              </a:extLst>
+            </p:cNvPr>
+            <p:cNvCxnSpPr>
+              <a:cxnSpLocks/>
+            </p:cNvCxnSpPr>
+            <p:nvPr/>
+          </p:nvCxnSpPr>
+          <p:spPr>
+            <a:xfrm rot="5400000">
+              <a:off x="5042185" y="5123942"/>
+              <a:ext cx="152400" cy="0"/>
+            </a:xfrm>
+            <a:prstGeom prst="line">
+              <a:avLst/>
+            </a:prstGeom>
+          </p:spPr>
+          <p:style>
+            <a:lnRef idx="1">
+              <a:schemeClr val="accent1"/>
+            </a:lnRef>
+            <a:fillRef idx="0">
+              <a:schemeClr val="accent1"/>
+            </a:fillRef>
+            <a:effectRef idx="0">
+              <a:schemeClr val="accent1"/>
+            </a:effectRef>
+            <a:fontRef idx="minor">
+              <a:schemeClr val="tx1"/>
+            </a:fontRef>
+          </p:style>
+        </p:cxnSp>
+        <p:cxnSp>
+          <p:nvCxnSpPr>
+            <p:cNvPr id="17" name="Straight Connector 16">
+              <a:extLst>
+                <a:ext uri="{FF2B5EF4-FFF2-40B4-BE49-F238E27FC236}">
+                  <a16:creationId xmlns:a16="http://schemas.microsoft.com/office/drawing/2014/main" id="{BE14042F-F6DB-19A0-C06D-141188B6C141}"/>
+                </a:ext>
+              </a:extLst>
+            </p:cNvPr>
+            <p:cNvCxnSpPr>
+              <a:cxnSpLocks/>
+            </p:cNvCxnSpPr>
+            <p:nvPr/>
+          </p:nvCxnSpPr>
+          <p:spPr>
+            <a:xfrm rot="5400000">
+              <a:off x="5371369" y="5123942"/>
+              <a:ext cx="152400" cy="0"/>
+            </a:xfrm>
+            <a:prstGeom prst="line">
+              <a:avLst/>
+            </a:prstGeom>
+          </p:spPr>
+          <p:style>
+            <a:lnRef idx="1">
+              <a:schemeClr val="accent1"/>
+            </a:lnRef>
+            <a:fillRef idx="0">
+              <a:schemeClr val="accent1"/>
+            </a:fillRef>
+            <a:effectRef idx="0">
+              <a:schemeClr val="accent1"/>
+            </a:effectRef>
+            <a:fontRef idx="minor">
+              <a:schemeClr val="tx1"/>
+            </a:fontRef>
+          </p:style>
+        </p:cxnSp>
+        <p:cxnSp>
+          <p:nvCxnSpPr>
+            <p:cNvPr id="18" name="Straight Connector 17">
+              <a:extLst>
+                <a:ext uri="{FF2B5EF4-FFF2-40B4-BE49-F238E27FC236}">
+                  <a16:creationId xmlns:a16="http://schemas.microsoft.com/office/drawing/2014/main" id="{D00409A5-9662-BBF2-1E11-5A164DFBD86D}"/>
+                </a:ext>
+              </a:extLst>
+            </p:cNvPr>
+            <p:cNvCxnSpPr>
+              <a:cxnSpLocks/>
+            </p:cNvCxnSpPr>
+            <p:nvPr/>
+          </p:nvCxnSpPr>
+          <p:spPr>
+            <a:xfrm rot="5400000">
+              <a:off x="5700553" y="5123942"/>
+              <a:ext cx="152400" cy="0"/>
+            </a:xfrm>
+            <a:prstGeom prst="line">
+              <a:avLst/>
+            </a:prstGeom>
+          </p:spPr>
+          <p:style>
+            <a:lnRef idx="1">
+              <a:schemeClr val="accent1"/>
+            </a:lnRef>
+            <a:fillRef idx="0">
+              <a:schemeClr val="accent1"/>
+            </a:fillRef>
+            <a:effectRef idx="0">
+              <a:schemeClr val="accent1"/>
+            </a:effectRef>
+            <a:fontRef idx="minor">
+              <a:schemeClr val="tx1"/>
+            </a:fontRef>
+          </p:style>
+        </p:cxnSp>
+        <p:cxnSp>
+          <p:nvCxnSpPr>
+            <p:cNvPr id="19" name="Straight Connector 18">
+              <a:extLst>
+                <a:ext uri="{FF2B5EF4-FFF2-40B4-BE49-F238E27FC236}">
+                  <a16:creationId xmlns:a16="http://schemas.microsoft.com/office/drawing/2014/main" id="{761407A7-73F3-68B0-CDDF-B11787BFE1A3}"/>
+                </a:ext>
+              </a:extLst>
+            </p:cNvPr>
+            <p:cNvCxnSpPr>
+              <a:cxnSpLocks/>
+            </p:cNvCxnSpPr>
+            <p:nvPr/>
+          </p:nvCxnSpPr>
+          <p:spPr>
+            <a:xfrm>
+              <a:off x="4045352" y="3827412"/>
+              <a:ext cx="152400" cy="0"/>
+            </a:xfrm>
+            <a:prstGeom prst="line">
+              <a:avLst/>
+            </a:prstGeom>
+          </p:spPr>
+          <p:style>
+            <a:lnRef idx="1">
+              <a:schemeClr val="accent1"/>
+            </a:lnRef>
+            <a:fillRef idx="0">
+              <a:schemeClr val="accent1"/>
+            </a:fillRef>
+            <a:effectRef idx="0">
+              <a:schemeClr val="accent1"/>
+            </a:effectRef>
+            <a:fontRef idx="minor">
+              <a:schemeClr val="tx1"/>
+            </a:fontRef>
+          </p:style>
+        </p:cxnSp>
+        <p:cxnSp>
+          <p:nvCxnSpPr>
+            <p:cNvPr id="20" name="Straight Connector 19">
+              <a:extLst>
+                <a:ext uri="{FF2B5EF4-FFF2-40B4-BE49-F238E27FC236}">
+                  <a16:creationId xmlns:a16="http://schemas.microsoft.com/office/drawing/2014/main" id="{4A843F2D-F7DC-B1E8-3FDA-DAC74115C61F}"/>
+                </a:ext>
+              </a:extLst>
+            </p:cNvPr>
+            <p:cNvCxnSpPr>
+              <a:cxnSpLocks/>
+            </p:cNvCxnSpPr>
+            <p:nvPr/>
+          </p:nvCxnSpPr>
+          <p:spPr>
+            <a:xfrm>
+              <a:off x="4045352" y="3499244"/>
+              <a:ext cx="152400" cy="0"/>
+            </a:xfrm>
+            <a:prstGeom prst="line">
+              <a:avLst/>
+            </a:prstGeom>
+          </p:spPr>
+          <p:style>
+            <a:lnRef idx="1">
+              <a:schemeClr val="accent1"/>
+            </a:lnRef>
+            <a:fillRef idx="0">
+              <a:schemeClr val="accent1"/>
+            </a:fillRef>
+            <a:effectRef idx="0">
+              <a:schemeClr val="accent1"/>
+            </a:effectRef>
+            <a:fontRef idx="minor">
+              <a:schemeClr val="tx1"/>
+            </a:fontRef>
+          </p:style>
+        </p:cxnSp>
+        <p:cxnSp>
+          <p:nvCxnSpPr>
+            <p:cNvPr id="26" name="Straight Connector 25">
+              <a:extLst>
+                <a:ext uri="{FF2B5EF4-FFF2-40B4-BE49-F238E27FC236}">
+                  <a16:creationId xmlns:a16="http://schemas.microsoft.com/office/drawing/2014/main" id="{F01C5DDF-2931-7020-71A0-9E57A6EC18F5}"/>
+                </a:ext>
+              </a:extLst>
+            </p:cNvPr>
+            <p:cNvCxnSpPr>
+              <a:cxnSpLocks/>
+            </p:cNvCxnSpPr>
+            <p:nvPr/>
+          </p:nvCxnSpPr>
+          <p:spPr>
+            <a:xfrm flipH="1" flipV="1">
+              <a:off x="4126542" y="3499244"/>
+              <a:ext cx="3311340" cy="1655746"/>
+            </a:xfrm>
+            <a:prstGeom prst="line">
+              <a:avLst/>
+            </a:prstGeom>
+          </p:spPr>
+          <p:style>
+            <a:lnRef idx="3">
+              <a:schemeClr val="accent2"/>
+            </a:lnRef>
+            <a:fillRef idx="0">
+              <a:schemeClr val="accent2"/>
+            </a:fillRef>
+            <a:effectRef idx="2">
+              <a:schemeClr val="accent2"/>
+            </a:effectRef>
+            <a:fontRef idx="minor">
+              <a:schemeClr val="tx1"/>
+            </a:fontRef>
+          </p:style>
+        </p:cxnSp>
+        <p:cxnSp>
+          <p:nvCxnSpPr>
+            <p:cNvPr id="27" name="Straight Connector 26">
+              <a:extLst>
+                <a:ext uri="{FF2B5EF4-FFF2-40B4-BE49-F238E27FC236}">
+                  <a16:creationId xmlns:a16="http://schemas.microsoft.com/office/drawing/2014/main" id="{E342176E-725C-3421-2EB3-10B3B070BC40}"/>
+                </a:ext>
+              </a:extLst>
+            </p:cNvPr>
+            <p:cNvCxnSpPr>
+              <a:cxnSpLocks/>
+            </p:cNvCxnSpPr>
+            <p:nvPr/>
+          </p:nvCxnSpPr>
+          <p:spPr>
+            <a:xfrm flipH="1" flipV="1">
+              <a:off x="5769549" y="2286928"/>
+              <a:ext cx="7204" cy="2855584"/>
+            </a:xfrm>
+            <a:prstGeom prst="line">
+              <a:avLst/>
+            </a:prstGeom>
+          </p:spPr>
+          <p:style>
+            <a:lnRef idx="3">
+              <a:schemeClr val="accent2"/>
+            </a:lnRef>
+            <a:fillRef idx="0">
+              <a:schemeClr val="accent2"/>
+            </a:fillRef>
+            <a:effectRef idx="2">
+              <a:schemeClr val="accent2"/>
+            </a:effectRef>
+            <a:fontRef idx="minor">
+              <a:schemeClr val="tx1"/>
+            </a:fontRef>
+          </p:style>
+        </p:cxnSp>
+        <p:cxnSp>
+          <p:nvCxnSpPr>
+            <p:cNvPr id="48" name="Straight Connector 47">
+              <a:extLst>
+                <a:ext uri="{FF2B5EF4-FFF2-40B4-BE49-F238E27FC236}">
+                  <a16:creationId xmlns:a16="http://schemas.microsoft.com/office/drawing/2014/main" id="{3FDB827C-AB63-41F1-1ECA-E1DBEE129CB4}"/>
+                </a:ext>
+              </a:extLst>
+            </p:cNvPr>
+            <p:cNvCxnSpPr>
+              <a:cxnSpLocks/>
+            </p:cNvCxnSpPr>
+            <p:nvPr/>
+          </p:nvCxnSpPr>
+          <p:spPr>
+            <a:xfrm rot="5400000">
+              <a:off x="6029737" y="5123942"/>
+              <a:ext cx="152400" cy="0"/>
+            </a:xfrm>
+            <a:prstGeom prst="line">
+              <a:avLst/>
+            </a:prstGeom>
+          </p:spPr>
+          <p:style>
+            <a:lnRef idx="1">
+              <a:schemeClr val="accent1"/>
+            </a:lnRef>
+            <a:fillRef idx="0">
+              <a:schemeClr val="accent1"/>
+            </a:fillRef>
+            <a:effectRef idx="0">
+              <a:schemeClr val="accent1"/>
+            </a:effectRef>
+            <a:fontRef idx="minor">
+              <a:schemeClr val="tx1"/>
+            </a:fontRef>
+          </p:style>
+        </p:cxnSp>
+        <p:cxnSp>
+          <p:nvCxnSpPr>
+            <p:cNvPr id="49" name="Straight Connector 48">
+              <a:extLst>
+                <a:ext uri="{FF2B5EF4-FFF2-40B4-BE49-F238E27FC236}">
+                  <a16:creationId xmlns:a16="http://schemas.microsoft.com/office/drawing/2014/main" id="{FB608029-44AC-B5F0-E543-4892DF9A489C}"/>
+                </a:ext>
+              </a:extLst>
+            </p:cNvPr>
+            <p:cNvCxnSpPr>
+              <a:cxnSpLocks/>
+            </p:cNvCxnSpPr>
+            <p:nvPr/>
+          </p:nvCxnSpPr>
+          <p:spPr>
+            <a:xfrm rot="5400000">
+              <a:off x="6358921" y="5123942"/>
+              <a:ext cx="152400" cy="0"/>
+            </a:xfrm>
+            <a:prstGeom prst="line">
+              <a:avLst/>
+            </a:prstGeom>
+          </p:spPr>
+          <p:style>
+            <a:lnRef idx="1">
+              <a:schemeClr val="accent1"/>
+            </a:lnRef>
+            <a:fillRef idx="0">
+              <a:schemeClr val="accent1"/>
+            </a:fillRef>
+            <a:effectRef idx="0">
+              <a:schemeClr val="accent1"/>
+            </a:effectRef>
+            <a:fontRef idx="minor">
+              <a:schemeClr val="tx1"/>
+            </a:fontRef>
+          </p:style>
+        </p:cxnSp>
+        <p:cxnSp>
+          <p:nvCxnSpPr>
+            <p:cNvPr id="50" name="Straight Connector 49">
+              <a:extLst>
+                <a:ext uri="{FF2B5EF4-FFF2-40B4-BE49-F238E27FC236}">
+                  <a16:creationId xmlns:a16="http://schemas.microsoft.com/office/drawing/2014/main" id="{E939CD2E-7E91-E6CD-C0FB-07ACD87590A8}"/>
+                </a:ext>
+              </a:extLst>
+            </p:cNvPr>
+            <p:cNvCxnSpPr>
+              <a:cxnSpLocks/>
+            </p:cNvCxnSpPr>
+            <p:nvPr/>
+          </p:nvCxnSpPr>
+          <p:spPr>
+            <a:xfrm rot="5400000">
+              <a:off x="6688105" y="5123942"/>
+              <a:ext cx="152400" cy="0"/>
+            </a:xfrm>
+            <a:prstGeom prst="line">
+              <a:avLst/>
+            </a:prstGeom>
+          </p:spPr>
+          <p:style>
+            <a:lnRef idx="1">
+              <a:schemeClr val="accent1"/>
+            </a:lnRef>
+            <a:fillRef idx="0">
+              <a:schemeClr val="accent1"/>
+            </a:fillRef>
+            <a:effectRef idx="0">
+              <a:schemeClr val="accent1"/>
+            </a:effectRef>
+            <a:fontRef idx="minor">
+              <a:schemeClr val="tx1"/>
+            </a:fontRef>
+          </p:style>
+        </p:cxnSp>
+        <p:cxnSp>
+          <p:nvCxnSpPr>
+            <p:cNvPr id="51" name="Straight Connector 50">
+              <a:extLst>
+                <a:ext uri="{FF2B5EF4-FFF2-40B4-BE49-F238E27FC236}">
+                  <a16:creationId xmlns:a16="http://schemas.microsoft.com/office/drawing/2014/main" id="{5895158B-F3E3-FC5E-6838-98BBC6B69102}"/>
+                </a:ext>
+              </a:extLst>
+            </p:cNvPr>
+            <p:cNvCxnSpPr>
+              <a:cxnSpLocks/>
+            </p:cNvCxnSpPr>
+            <p:nvPr/>
+          </p:nvCxnSpPr>
+          <p:spPr>
+            <a:xfrm rot="5400000">
+              <a:off x="7017289" y="5123942"/>
+              <a:ext cx="152400" cy="0"/>
+            </a:xfrm>
+            <a:prstGeom prst="line">
+              <a:avLst/>
+            </a:prstGeom>
+          </p:spPr>
+          <p:style>
+            <a:lnRef idx="1">
+              <a:schemeClr val="accent1"/>
+            </a:lnRef>
+            <a:fillRef idx="0">
+              <a:schemeClr val="accent1"/>
+            </a:fillRef>
+            <a:effectRef idx="0">
+              <a:schemeClr val="accent1"/>
+            </a:effectRef>
+            <a:fontRef idx="minor">
+              <a:schemeClr val="tx1"/>
+            </a:fontRef>
+          </p:style>
+        </p:cxnSp>
+        <p:cxnSp>
+          <p:nvCxnSpPr>
+            <p:cNvPr id="52" name="Straight Connector 51">
+              <a:extLst>
+                <a:ext uri="{FF2B5EF4-FFF2-40B4-BE49-F238E27FC236}">
+                  <a16:creationId xmlns:a16="http://schemas.microsoft.com/office/drawing/2014/main" id="{14A9CA17-7B13-F012-3F54-203A25FD7D4D}"/>
+                </a:ext>
+              </a:extLst>
+            </p:cNvPr>
+            <p:cNvCxnSpPr>
+              <a:cxnSpLocks/>
+            </p:cNvCxnSpPr>
+            <p:nvPr/>
+          </p:nvCxnSpPr>
+          <p:spPr>
+            <a:xfrm rot="5400000">
+              <a:off x="7346473" y="5123942"/>
+              <a:ext cx="152400" cy="0"/>
+            </a:xfrm>
+            <a:prstGeom prst="line">
+              <a:avLst/>
+            </a:prstGeom>
+          </p:spPr>
+          <p:style>
+            <a:lnRef idx="1">
+              <a:schemeClr val="accent1"/>
+            </a:lnRef>
+            <a:fillRef idx="0">
+              <a:schemeClr val="accent1"/>
+            </a:fillRef>
+            <a:effectRef idx="0">
+              <a:schemeClr val="accent1"/>
+            </a:effectRef>
+            <a:fontRef idx="minor">
+              <a:schemeClr val="tx1"/>
+            </a:fontRef>
+          </p:style>
+        </p:cxnSp>
+        <p:cxnSp>
+          <p:nvCxnSpPr>
+            <p:cNvPr id="56" name="Straight Connector 55">
+              <a:extLst>
+                <a:ext uri="{FF2B5EF4-FFF2-40B4-BE49-F238E27FC236}">
+                  <a16:creationId xmlns:a16="http://schemas.microsoft.com/office/drawing/2014/main" id="{F16D1A5B-DF3C-1C75-E5B8-DC73D417685B}"/>
+                </a:ext>
+              </a:extLst>
+            </p:cNvPr>
+            <p:cNvCxnSpPr>
+              <a:cxnSpLocks/>
+            </p:cNvCxnSpPr>
+            <p:nvPr/>
+          </p:nvCxnSpPr>
+          <p:spPr>
+            <a:xfrm>
+              <a:off x="4045352" y="3165160"/>
+              <a:ext cx="152400" cy="0"/>
+            </a:xfrm>
+            <a:prstGeom prst="line">
+              <a:avLst/>
+            </a:prstGeom>
+          </p:spPr>
+          <p:style>
+            <a:lnRef idx="1">
+              <a:schemeClr val="accent1"/>
+            </a:lnRef>
+            <a:fillRef idx="0">
+              <a:schemeClr val="accent1"/>
+            </a:fillRef>
+            <a:effectRef idx="0">
+              <a:schemeClr val="accent1"/>
+            </a:effectRef>
+            <a:fontRef idx="minor">
+              <a:schemeClr val="tx1"/>
+            </a:fontRef>
+          </p:style>
+        </p:cxnSp>
+        <p:cxnSp>
+          <p:nvCxnSpPr>
+            <p:cNvPr id="57" name="Straight Connector 56">
+              <a:extLst>
+                <a:ext uri="{FF2B5EF4-FFF2-40B4-BE49-F238E27FC236}">
+                  <a16:creationId xmlns:a16="http://schemas.microsoft.com/office/drawing/2014/main" id="{726DF651-9C52-1272-C0AB-B34717F4A600}"/>
+                </a:ext>
+              </a:extLst>
+            </p:cNvPr>
+            <p:cNvCxnSpPr>
+              <a:cxnSpLocks/>
+            </p:cNvCxnSpPr>
+            <p:nvPr/>
+          </p:nvCxnSpPr>
+          <p:spPr>
+            <a:xfrm>
+              <a:off x="4045352" y="2836992"/>
+              <a:ext cx="152400" cy="0"/>
+            </a:xfrm>
+            <a:prstGeom prst="line">
+              <a:avLst/>
+            </a:prstGeom>
+          </p:spPr>
+          <p:style>
+            <a:lnRef idx="1">
+              <a:schemeClr val="accent1"/>
+            </a:lnRef>
+            <a:fillRef idx="0">
+              <a:schemeClr val="accent1"/>
+            </a:fillRef>
+            <a:effectRef idx="0">
+              <a:schemeClr val="accent1"/>
+            </a:effectRef>
+            <a:fontRef idx="minor">
+              <a:schemeClr val="tx1"/>
+            </a:fontRef>
+          </p:style>
+        </p:cxnSp>
+        <p:cxnSp>
+          <p:nvCxnSpPr>
+            <p:cNvPr id="58" name="Straight Connector 57">
+              <a:extLst>
+                <a:ext uri="{FF2B5EF4-FFF2-40B4-BE49-F238E27FC236}">
+                  <a16:creationId xmlns:a16="http://schemas.microsoft.com/office/drawing/2014/main" id="{71236C87-AC10-1F54-413B-0DDDB9893FE9}"/>
+                </a:ext>
+              </a:extLst>
+            </p:cNvPr>
+            <p:cNvCxnSpPr>
+              <a:cxnSpLocks/>
+            </p:cNvCxnSpPr>
+            <p:nvPr/>
+          </p:nvCxnSpPr>
+          <p:spPr>
+            <a:xfrm>
+              <a:off x="4045352" y="2508824"/>
+              <a:ext cx="152400" cy="0"/>
+            </a:xfrm>
+            <a:prstGeom prst="line">
+              <a:avLst/>
+            </a:prstGeom>
+          </p:spPr>
+          <p:style>
+            <a:lnRef idx="1">
+              <a:schemeClr val="accent1"/>
+            </a:lnRef>
+            <a:fillRef idx="0">
+              <a:schemeClr val="accent1"/>
+            </a:fillRef>
+            <a:effectRef idx="0">
+              <a:schemeClr val="accent1"/>
+            </a:effectRef>
+            <a:fontRef idx="minor">
+              <a:schemeClr val="tx1"/>
+            </a:fontRef>
+          </p:style>
+        </p:cxnSp>
+        <p:cxnSp>
+          <p:nvCxnSpPr>
+            <p:cNvPr id="59" name="Straight Connector 58">
+              <a:extLst>
+                <a:ext uri="{FF2B5EF4-FFF2-40B4-BE49-F238E27FC236}">
+                  <a16:creationId xmlns:a16="http://schemas.microsoft.com/office/drawing/2014/main" id="{47474FA0-9CAA-6759-9CA2-8FC9E2322DC9}"/>
+                </a:ext>
+              </a:extLst>
+            </p:cNvPr>
+            <p:cNvCxnSpPr>
+              <a:cxnSpLocks/>
+            </p:cNvCxnSpPr>
+            <p:nvPr/>
+          </p:nvCxnSpPr>
+          <p:spPr>
+            <a:xfrm>
+              <a:off x="4045352" y="2180656"/>
+              <a:ext cx="152400" cy="0"/>
+            </a:xfrm>
+            <a:prstGeom prst="line">
+              <a:avLst/>
+            </a:prstGeom>
+          </p:spPr>
+          <p:style>
+            <a:lnRef idx="1">
+              <a:schemeClr val="accent1"/>
+            </a:lnRef>
+            <a:fillRef idx="0">
+              <a:schemeClr val="accent1"/>
+            </a:fillRef>
+            <a:effectRef idx="0">
+              <a:schemeClr val="accent1"/>
+            </a:effectRef>
+            <a:fontRef idx="minor">
+              <a:schemeClr val="tx1"/>
+            </a:fontRef>
+          </p:style>
+        </p:cxnSp>
+        <p:cxnSp>
+          <p:nvCxnSpPr>
+            <p:cNvPr id="62" name="Straight Connector 61">
+              <a:extLst>
+                <a:ext uri="{FF2B5EF4-FFF2-40B4-BE49-F238E27FC236}">
+                  <a16:creationId xmlns:a16="http://schemas.microsoft.com/office/drawing/2014/main" id="{762DABC5-44AF-B762-7E02-4CF120F28017}"/>
+                </a:ext>
+              </a:extLst>
+            </p:cNvPr>
+            <p:cNvCxnSpPr>
+              <a:cxnSpLocks/>
+            </p:cNvCxnSpPr>
+            <p:nvPr/>
+          </p:nvCxnSpPr>
+          <p:spPr>
+            <a:xfrm>
+              <a:off x="4045352" y="1868236"/>
+              <a:ext cx="152400" cy="0"/>
+            </a:xfrm>
+            <a:prstGeom prst="line">
+              <a:avLst/>
+            </a:prstGeom>
+          </p:spPr>
+          <p:style>
+            <a:lnRef idx="1">
+              <a:schemeClr val="accent1"/>
+            </a:lnRef>
+            <a:fillRef idx="0">
+              <a:schemeClr val="accent1"/>
+            </a:fillRef>
+            <a:effectRef idx="0">
+              <a:schemeClr val="accent1"/>
+            </a:effectRef>
+            <a:fontRef idx="minor">
+              <a:schemeClr val="tx1"/>
+            </a:fontRef>
+          </p:style>
+        </p:cxnSp>
+        <p:sp>
+          <p:nvSpPr>
+            <p:cNvPr id="72" name="TextBox 71">
+              <a:extLst>
+                <a:ext uri="{FF2B5EF4-FFF2-40B4-BE49-F238E27FC236}">
+                  <a16:creationId xmlns:a16="http://schemas.microsoft.com/office/drawing/2014/main" id="{BF2F9FD0-1068-1E3E-8F3B-3CBFFD5DA13D}"/>
+                </a:ext>
+              </a:extLst>
+            </p:cNvPr>
+            <p:cNvSpPr txBox="1"/>
+            <p:nvPr/>
+          </p:nvSpPr>
+          <p:spPr>
+            <a:xfrm>
+              <a:off x="6768588" y="4128435"/>
+              <a:ext cx="1275410" cy="738664"/>
+            </a:xfrm>
+            <a:prstGeom prst="rect">
+              <a:avLst/>
+            </a:prstGeom>
+            <a:noFill/>
+          </p:spPr>
+          <p:txBody>
+            <a:bodyPr wrap="square">
+              <a:spAutoFit/>
+            </a:bodyPr>
+            <a:lstStyle/>
+            <a:p>
+              <a:pPr>
+                <a:spcBef>
+                  <a:spcPts val="400"/>
+                </a:spcBef>
+              </a:pPr>
+              <a:r>
+                <a:rPr lang="de-DE" sz="1400" dirty="0"/>
+                <a:t>Begrenzung Nachfrage Produkt A</a:t>
+              </a:r>
+              <a:endParaRPr lang="de-DE" sz="1400" b="0" dirty="0"/>
+            </a:p>
+          </p:txBody>
+        </p:sp>
+        <p:sp>
+          <p:nvSpPr>
+            <p:cNvPr id="73" name="TextBox 72">
+              <a:extLst>
+                <a:ext uri="{FF2B5EF4-FFF2-40B4-BE49-F238E27FC236}">
+                  <a16:creationId xmlns:a16="http://schemas.microsoft.com/office/drawing/2014/main" id="{AD70799B-772C-4AED-E513-476757BA5654}"/>
+                </a:ext>
+              </a:extLst>
+            </p:cNvPr>
+            <p:cNvSpPr txBox="1"/>
+            <p:nvPr/>
+          </p:nvSpPr>
+          <p:spPr>
+            <a:xfrm>
+              <a:off x="4311087" y="1868236"/>
+              <a:ext cx="1275410" cy="738664"/>
+            </a:xfrm>
+            <a:prstGeom prst="rect">
+              <a:avLst/>
+            </a:prstGeom>
+            <a:noFill/>
+          </p:spPr>
+          <p:txBody>
+            <a:bodyPr wrap="square">
+              <a:spAutoFit/>
+            </a:bodyPr>
+            <a:lstStyle/>
+            <a:p>
+              <a:pPr>
+                <a:spcBef>
+                  <a:spcPts val="400"/>
+                </a:spcBef>
+              </a:pPr>
+              <a:r>
+                <a:rPr lang="de-DE" sz="1400" dirty="0"/>
+                <a:t>Begrenzung Nachfrage Produkt B</a:t>
+              </a:r>
+              <a:endParaRPr lang="de-DE" sz="1400" b="0" dirty="0"/>
+            </a:p>
+          </p:txBody>
+        </p:sp>
+        <p:sp>
+          <p:nvSpPr>
+            <p:cNvPr id="74" name="TextBox 73">
+              <a:extLst>
+                <a:ext uri="{FF2B5EF4-FFF2-40B4-BE49-F238E27FC236}">
+                  <a16:creationId xmlns:a16="http://schemas.microsoft.com/office/drawing/2014/main" id="{1D3C637D-A28E-74DF-D0E4-573D564225EB}"/>
+                </a:ext>
+              </a:extLst>
+            </p:cNvPr>
+            <p:cNvSpPr txBox="1"/>
+            <p:nvPr/>
+          </p:nvSpPr>
+          <p:spPr>
+            <a:xfrm>
+              <a:off x="5751217" y="2943806"/>
+              <a:ext cx="1275410" cy="738664"/>
+            </a:xfrm>
+            <a:prstGeom prst="rect">
+              <a:avLst/>
+            </a:prstGeom>
+            <a:noFill/>
+          </p:spPr>
+          <p:txBody>
+            <a:bodyPr wrap="square">
+              <a:spAutoFit/>
+            </a:bodyPr>
+            <a:lstStyle/>
+            <a:p>
+              <a:pPr>
+                <a:spcBef>
+                  <a:spcPts val="400"/>
+                </a:spcBef>
+              </a:pPr>
+              <a:r>
+                <a:rPr lang="de-DE" sz="1400" dirty="0"/>
+                <a:t>Begrenzung Nachfrage Produkt C</a:t>
+              </a:r>
+              <a:endParaRPr lang="de-DE" sz="1400" b="0" dirty="0"/>
+            </a:p>
+          </p:txBody>
+        </p:sp>
+        <p:sp>
+          <p:nvSpPr>
+            <p:cNvPr id="79" name="Freeform: Shape 78">
+              <a:extLst>
+                <a:ext uri="{FF2B5EF4-FFF2-40B4-BE49-F238E27FC236}">
+                  <a16:creationId xmlns:a16="http://schemas.microsoft.com/office/drawing/2014/main" id="{51C0FF9A-1E7D-9037-A8AC-3116E2251C0A}"/>
+                </a:ext>
+              </a:extLst>
+            </p:cNvPr>
+            <p:cNvSpPr/>
+            <p:nvPr/>
+          </p:nvSpPr>
+          <p:spPr>
+            <a:xfrm>
+              <a:off x="4135120" y="3525520"/>
+              <a:ext cx="1615440" cy="1574800"/>
+            </a:xfrm>
+            <a:custGeom>
+              <a:avLst/>
+              <a:gdLst>
+                <a:gd name="connsiteX0" fmla="*/ 0 w 1615440"/>
+                <a:gd name="connsiteY0" fmla="*/ 0 h 1574800"/>
+                <a:gd name="connsiteX1" fmla="*/ 0 w 1615440"/>
+                <a:gd name="connsiteY1" fmla="*/ 1574800 h 1574800"/>
+                <a:gd name="connsiteX2" fmla="*/ 1615440 w 1615440"/>
+                <a:gd name="connsiteY2" fmla="*/ 1574800 h 1574800"/>
+                <a:gd name="connsiteX3" fmla="*/ 1615440 w 1615440"/>
+                <a:gd name="connsiteY3" fmla="*/ 1117600 h 1574800"/>
+                <a:gd name="connsiteX4" fmla="*/ 1325880 w 1615440"/>
+                <a:gd name="connsiteY4" fmla="*/ 660400 h 1574800"/>
+                <a:gd name="connsiteX5" fmla="*/ 0 w 1615440"/>
+                <a:gd name="connsiteY5" fmla="*/ 0 h 1574800"/>
+              </a:gdLst>
+              <a:ahLst/>
+              <a:cxnLst>
+                <a:cxn ang="0">
+                  <a:pos x="connsiteX0" y="connsiteY0"/>
+                </a:cxn>
+                <a:cxn ang="0">
+                  <a:pos x="connsiteX1" y="connsiteY1"/>
+                </a:cxn>
+                <a:cxn ang="0">
+                  <a:pos x="connsiteX2" y="connsiteY2"/>
+                </a:cxn>
+                <a:cxn ang="0">
+                  <a:pos x="connsiteX3" y="connsiteY3"/>
+                </a:cxn>
+                <a:cxn ang="0">
+                  <a:pos x="connsiteX4" y="connsiteY4"/>
+                </a:cxn>
+                <a:cxn ang="0">
+                  <a:pos x="connsiteX5" y="connsiteY5"/>
+                </a:cxn>
+              </a:cxnLst>
+              <a:rect l="l" t="t" r="r" b="b"/>
+              <a:pathLst>
+                <a:path w="1615440" h="1574800">
+                  <a:moveTo>
+                    <a:pt x="0" y="0"/>
+                  </a:moveTo>
+                  <a:lnTo>
+                    <a:pt x="0" y="1574800"/>
+                  </a:lnTo>
+                  <a:lnTo>
+                    <a:pt x="1615440" y="1574800"/>
+                  </a:lnTo>
+                  <a:lnTo>
+                    <a:pt x="1615440" y="1117600"/>
+                  </a:lnTo>
+                  <a:lnTo>
+                    <a:pt x="1325880" y="660400"/>
+                  </a:lnTo>
+                  <a:lnTo>
+                    <a:pt x="0" y="0"/>
+                  </a:lnTo>
+                  <a:close/>
+                </a:path>
+              </a:pathLst>
+            </a:custGeom>
+            <a:solidFill>
+              <a:schemeClr val="accent1">
+                <a:lumMod val="40000"/>
+                <a:lumOff val="60000"/>
+              </a:schemeClr>
+            </a:solidFill>
+          </p:spPr>
+          <p:style>
+            <a:lnRef idx="2">
+              <a:schemeClr val="accent1">
+                <a:shade val="15000"/>
+              </a:schemeClr>
+            </a:lnRef>
+            <a:fillRef idx="1">
+              <a:schemeClr val="accent1"/>
+            </a:fillRef>
+            <a:effectRef idx="0">
+              <a:schemeClr val="accent1"/>
+            </a:effectRef>
+            <a:fontRef idx="minor">
+              <a:schemeClr val="lt1"/>
+            </a:fontRef>
+          </p:style>
+          <p:txBody>
+            <a:bodyPr rtlCol="0" anchor="ctr"/>
+            <a:lstStyle/>
+            <a:p>
+              <a:pPr algn="ctr"/>
+              <a:endParaRPr lang="en-US"/>
+            </a:p>
+          </p:txBody>
+        </p:sp>
+      </p:grpSp>
     </p:spTree>
     <p:extLst>
       <p:ext uri="{BB962C8B-B14F-4D97-AF65-F5344CB8AC3E}">
@@ -9387,6 +9713,9 @@
                     <p:cTn id="3" fill="hold">
                       <p:stCondLst>
                         <p:cond delay="indefinite"/>
+                        <p:cond evt="onBegin" delay="0">
+                          <p:tn val="2"/>
+                        </p:cond>
                       </p:stCondLst>
                       <p:childTnLst>
                         <p:par>
@@ -9396,7 +9725,7 @@
                             </p:stCondLst>
                             <p:childTnLst>
                               <p:par>
-                                <p:cTn id="5" presetID="1" presetClass="entr" presetSubtype="0" fill="hold" nodeType="clickEffect">
+                                <p:cTn id="5" presetID="1" presetClass="entr" presetSubtype="0" fill="hold" nodeType="withEffect">
                                   <p:stCondLst>
                                     <p:cond delay="0"/>
                                   </p:stCondLst>
@@ -9409,520 +9738,7 @@
                                           </p:stCondLst>
                                         </p:cTn>
                                         <p:tgtEl>
-                                          <p:spTgt spid="4"/>
-                                        </p:tgtEl>
-                                        <p:attrNameLst>
-                                          <p:attrName>style.visibility</p:attrName>
-                                        </p:attrNameLst>
-                                      </p:cBhvr>
-                                      <p:to>
-                                        <p:strVal val="visible"/>
-                                      </p:to>
-                                    </p:set>
-                                  </p:childTnLst>
-                                </p:cTn>
-                              </p:par>
-                              <p:par>
-                                <p:cTn id="7" presetID="1" presetClass="entr" presetSubtype="0" fill="hold" nodeType="withEffect">
-                                  <p:stCondLst>
-                                    <p:cond delay="0"/>
-                                  </p:stCondLst>
-                                  <p:childTnLst>
-                                    <p:set>
-                                      <p:cBhvr>
-                                        <p:cTn id="8" dur="1" fill="hold">
-                                          <p:stCondLst>
-                                            <p:cond delay="0"/>
-                                          </p:stCondLst>
-                                        </p:cTn>
-                                        <p:tgtEl>
-                                          <p:spTgt spid="5"/>
-                                        </p:tgtEl>
-                                        <p:attrNameLst>
-                                          <p:attrName>style.visibility</p:attrName>
-                                        </p:attrNameLst>
-                                      </p:cBhvr>
-                                      <p:to>
-                                        <p:strVal val="visible"/>
-                                      </p:to>
-                                    </p:set>
-                                  </p:childTnLst>
-                                </p:cTn>
-                              </p:par>
-                              <p:par>
-                                <p:cTn id="9" presetID="1" presetClass="entr" presetSubtype="0" fill="hold" nodeType="withEffect">
-                                  <p:stCondLst>
-                                    <p:cond delay="0"/>
-                                  </p:stCondLst>
-                                  <p:childTnLst>
-                                    <p:set>
-                                      <p:cBhvr>
-                                        <p:cTn id="10" dur="1" fill="hold">
-                                          <p:stCondLst>
-                                            <p:cond delay="0"/>
-                                          </p:stCondLst>
-                                        </p:cTn>
-                                        <p:tgtEl>
-                                          <p:spTgt spid="6"/>
-                                        </p:tgtEl>
-                                        <p:attrNameLst>
-                                          <p:attrName>style.visibility</p:attrName>
-                                        </p:attrNameLst>
-                                      </p:cBhvr>
-                                      <p:to>
-                                        <p:strVal val="visible"/>
-                                      </p:to>
-                                    </p:set>
-                                  </p:childTnLst>
-                                </p:cTn>
-                              </p:par>
-                              <p:par>
-                                <p:cTn id="11" presetID="1" presetClass="entr" presetSubtype="0" fill="hold" grpId="0" nodeType="withEffect">
-                                  <p:stCondLst>
-                                    <p:cond delay="0"/>
-                                  </p:stCondLst>
-                                  <p:childTnLst>
-                                    <p:set>
-                                      <p:cBhvr>
-                                        <p:cTn id="12" dur="1" fill="hold">
-                                          <p:stCondLst>
-                                            <p:cond delay="0"/>
-                                          </p:stCondLst>
-                                        </p:cTn>
-                                        <p:tgtEl>
-                                          <p:spTgt spid="7"/>
-                                        </p:tgtEl>
-                                        <p:attrNameLst>
-                                          <p:attrName>style.visibility</p:attrName>
-                                        </p:attrNameLst>
-                                      </p:cBhvr>
-                                      <p:to>
-                                        <p:strVal val="visible"/>
-                                      </p:to>
-                                    </p:set>
-                                  </p:childTnLst>
-                                </p:cTn>
-                              </p:par>
-                              <p:par>
-                                <p:cTn id="13" presetID="1" presetClass="entr" presetSubtype="0" fill="hold" grpId="0" nodeType="withEffect">
-                                  <p:stCondLst>
-                                    <p:cond delay="0"/>
-                                  </p:stCondLst>
-                                  <p:childTnLst>
-                                    <p:set>
-                                      <p:cBhvr>
-                                        <p:cTn id="14" dur="1" fill="hold">
-                                          <p:stCondLst>
-                                            <p:cond delay="0"/>
-                                          </p:stCondLst>
-                                        </p:cTn>
-                                        <p:tgtEl>
-                                          <p:spTgt spid="8"/>
-                                        </p:tgtEl>
-                                        <p:attrNameLst>
-                                          <p:attrName>style.visibility</p:attrName>
-                                        </p:attrNameLst>
-                                      </p:cBhvr>
-                                      <p:to>
-                                        <p:strVal val="visible"/>
-                                      </p:to>
-                                    </p:set>
-                                  </p:childTnLst>
-                                </p:cTn>
-                              </p:par>
-                              <p:par>
-                                <p:cTn id="15" presetID="1" presetClass="entr" presetSubtype="0" fill="hold" grpId="0" nodeType="withEffect">
-                                  <p:stCondLst>
-                                    <p:cond delay="0"/>
-                                  </p:stCondLst>
-                                  <p:childTnLst>
-                                    <p:set>
-                                      <p:cBhvr>
-                                        <p:cTn id="16" dur="1" fill="hold">
-                                          <p:stCondLst>
-                                            <p:cond delay="0"/>
-                                          </p:stCondLst>
-                                        </p:cTn>
-                                        <p:tgtEl>
-                                          <p:spTgt spid="9"/>
-                                        </p:tgtEl>
-                                        <p:attrNameLst>
-                                          <p:attrName>style.visibility</p:attrName>
-                                        </p:attrNameLst>
-                                      </p:cBhvr>
-                                      <p:to>
-                                        <p:strVal val="visible"/>
-                                      </p:to>
-                                    </p:set>
-                                  </p:childTnLst>
-                                </p:cTn>
-                              </p:par>
-                              <p:par>
-                                <p:cTn id="17" presetID="1" presetClass="entr" presetSubtype="0" fill="hold" grpId="0" nodeType="withEffect">
-                                  <p:stCondLst>
-                                    <p:cond delay="0"/>
-                                  </p:stCondLst>
-                                  <p:childTnLst>
-                                    <p:set>
-                                      <p:cBhvr>
-                                        <p:cTn id="18" dur="1" fill="hold">
-                                          <p:stCondLst>
-                                            <p:cond delay="0"/>
-                                          </p:stCondLst>
-                                        </p:cTn>
-                                        <p:tgtEl>
-                                          <p:spTgt spid="10"/>
-                                        </p:tgtEl>
-                                        <p:attrNameLst>
-                                          <p:attrName>style.visibility</p:attrName>
-                                        </p:attrNameLst>
-                                      </p:cBhvr>
-                                      <p:to>
-                                        <p:strVal val="visible"/>
-                                      </p:to>
-                                    </p:set>
-                                  </p:childTnLst>
-                                </p:cTn>
-                              </p:par>
-                              <p:par>
-                                <p:cTn id="19" presetID="1" presetClass="entr" presetSubtype="0" fill="hold" nodeType="withEffect">
-                                  <p:stCondLst>
-                                    <p:cond delay="0"/>
-                                  </p:stCondLst>
-                                  <p:childTnLst>
-                                    <p:set>
-                                      <p:cBhvr>
-                                        <p:cTn id="20" dur="1" fill="hold">
-                                          <p:stCondLst>
-                                            <p:cond delay="0"/>
-                                          </p:stCondLst>
-                                        </p:cTn>
-                                        <p:tgtEl>
-                                          <p:spTgt spid="11"/>
-                                        </p:tgtEl>
-                                        <p:attrNameLst>
-                                          <p:attrName>style.visibility</p:attrName>
-                                        </p:attrNameLst>
-                                      </p:cBhvr>
-                                      <p:to>
-                                        <p:strVal val="visible"/>
-                                      </p:to>
-                                    </p:set>
-                                  </p:childTnLst>
-                                </p:cTn>
-                              </p:par>
-                              <p:par>
-                                <p:cTn id="21" presetID="1" presetClass="entr" presetSubtype="0" fill="hold" nodeType="withEffect">
-                                  <p:stCondLst>
-                                    <p:cond delay="0"/>
-                                  </p:stCondLst>
-                                  <p:childTnLst>
-                                    <p:set>
-                                      <p:cBhvr>
-                                        <p:cTn id="22" dur="1" fill="hold">
-                                          <p:stCondLst>
-                                            <p:cond delay="0"/>
-                                          </p:stCondLst>
-                                        </p:cTn>
-                                        <p:tgtEl>
-                                          <p:spTgt spid="12"/>
-                                        </p:tgtEl>
-                                        <p:attrNameLst>
-                                          <p:attrName>style.visibility</p:attrName>
-                                        </p:attrNameLst>
-                                      </p:cBhvr>
-                                      <p:to>
-                                        <p:strVal val="visible"/>
-                                      </p:to>
-                                    </p:set>
-                                  </p:childTnLst>
-                                </p:cTn>
-                              </p:par>
-                              <p:par>
-                                <p:cTn id="23" presetID="1" presetClass="entr" presetSubtype="0" fill="hold" nodeType="withEffect">
-                                  <p:stCondLst>
-                                    <p:cond delay="0"/>
-                                  </p:stCondLst>
-                                  <p:childTnLst>
-                                    <p:set>
-                                      <p:cBhvr>
-                                        <p:cTn id="24" dur="1" fill="hold">
-                                          <p:stCondLst>
-                                            <p:cond delay="0"/>
-                                          </p:stCondLst>
-                                        </p:cTn>
-                                        <p:tgtEl>
-                                          <p:spTgt spid="13"/>
-                                        </p:tgtEl>
-                                        <p:attrNameLst>
-                                          <p:attrName>style.visibility</p:attrName>
-                                        </p:attrNameLst>
-                                      </p:cBhvr>
-                                      <p:to>
-                                        <p:strVal val="visible"/>
-                                      </p:to>
-                                    </p:set>
-                                  </p:childTnLst>
-                                </p:cTn>
-                              </p:par>
-                              <p:par>
-                                <p:cTn id="25" presetID="1" presetClass="entr" presetSubtype="0" fill="hold" nodeType="withEffect">
-                                  <p:stCondLst>
-                                    <p:cond delay="0"/>
-                                  </p:stCondLst>
-                                  <p:childTnLst>
-                                    <p:set>
-                                      <p:cBhvr>
-                                        <p:cTn id="26" dur="1" fill="hold">
-                                          <p:stCondLst>
-                                            <p:cond delay="0"/>
-                                          </p:stCondLst>
-                                        </p:cTn>
-                                        <p:tgtEl>
-                                          <p:spTgt spid="19"/>
-                                        </p:tgtEl>
-                                        <p:attrNameLst>
-                                          <p:attrName>style.visibility</p:attrName>
-                                        </p:attrNameLst>
-                                      </p:cBhvr>
-                                      <p:to>
-                                        <p:strVal val="visible"/>
-                                      </p:to>
-                                    </p:set>
-                                  </p:childTnLst>
-                                </p:cTn>
-                              </p:par>
-                              <p:par>
-                                <p:cTn id="27" presetID="1" presetClass="entr" presetSubtype="0" fill="hold" nodeType="withEffect">
-                                  <p:stCondLst>
-                                    <p:cond delay="0"/>
-                                  </p:stCondLst>
-                                  <p:childTnLst>
-                                    <p:set>
-                                      <p:cBhvr>
-                                        <p:cTn id="28" dur="1" fill="hold">
-                                          <p:stCondLst>
-                                            <p:cond delay="0"/>
-                                          </p:stCondLst>
-                                        </p:cTn>
-                                        <p:tgtEl>
-                                          <p:spTgt spid="20"/>
-                                        </p:tgtEl>
-                                        <p:attrNameLst>
-                                          <p:attrName>style.visibility</p:attrName>
-                                        </p:attrNameLst>
-                                      </p:cBhvr>
-                                      <p:to>
-                                        <p:strVal val="visible"/>
-                                      </p:to>
-                                    </p:set>
-                                  </p:childTnLst>
-                                </p:cTn>
-                              </p:par>
-                              <p:par>
-                                <p:cTn id="29" presetID="1" presetClass="entr" presetSubtype="0" fill="hold" nodeType="withEffect">
-                                  <p:stCondLst>
-                                    <p:cond delay="0"/>
-                                  </p:stCondLst>
-                                  <p:childTnLst>
-                                    <p:set>
-                                      <p:cBhvr>
-                                        <p:cTn id="30" dur="1" fill="hold">
-                                          <p:stCondLst>
-                                            <p:cond delay="0"/>
-                                          </p:stCondLst>
-                                        </p:cTn>
-                                        <p:tgtEl>
                                           <p:spTgt spid="25"/>
-                                        </p:tgtEl>
-                                        <p:attrNameLst>
-                                          <p:attrName>style.visibility</p:attrName>
-                                        </p:attrNameLst>
-                                      </p:cBhvr>
-                                      <p:to>
-                                        <p:strVal val="visible"/>
-                                      </p:to>
-                                    </p:set>
-                                  </p:childTnLst>
-                                </p:cTn>
-                              </p:par>
-                              <p:par>
-                                <p:cTn id="31" presetID="1" presetClass="entr" presetSubtype="0" fill="hold" nodeType="withEffect">
-                                  <p:stCondLst>
-                                    <p:cond delay="0"/>
-                                  </p:stCondLst>
-                                  <p:childTnLst>
-                                    <p:set>
-                                      <p:cBhvr>
-                                        <p:cTn id="32" dur="1" fill="hold">
-                                          <p:stCondLst>
-                                            <p:cond delay="0"/>
-                                          </p:stCondLst>
-                                        </p:cTn>
-                                        <p:tgtEl>
-                                          <p:spTgt spid="26"/>
-                                        </p:tgtEl>
-                                        <p:attrNameLst>
-                                          <p:attrName>style.visibility</p:attrName>
-                                        </p:attrNameLst>
-                                      </p:cBhvr>
-                                      <p:to>
-                                        <p:strVal val="visible"/>
-                                      </p:to>
-                                    </p:set>
-                                  </p:childTnLst>
-                                </p:cTn>
-                              </p:par>
-                              <p:par>
-                                <p:cTn id="33" presetID="1" presetClass="entr" presetSubtype="0" fill="hold" nodeType="withEffect">
-                                  <p:stCondLst>
-                                    <p:cond delay="0"/>
-                                  </p:stCondLst>
-                                  <p:childTnLst>
-                                    <p:set>
-                                      <p:cBhvr>
-                                        <p:cTn id="34" dur="1" fill="hold">
-                                          <p:stCondLst>
-                                            <p:cond delay="0"/>
-                                          </p:stCondLst>
-                                        </p:cTn>
-                                        <p:tgtEl>
-                                          <p:spTgt spid="27"/>
-                                        </p:tgtEl>
-                                        <p:attrNameLst>
-                                          <p:attrName>style.visibility</p:attrName>
-                                        </p:attrNameLst>
-                                      </p:cBhvr>
-                                      <p:to>
-                                        <p:strVal val="visible"/>
-                                      </p:to>
-                                    </p:set>
-                                  </p:childTnLst>
-                                </p:cTn>
-                              </p:par>
-                              <p:par>
-                                <p:cTn id="35" presetID="1" presetClass="entr" presetSubtype="0" fill="hold" nodeType="withEffect">
-                                  <p:stCondLst>
-                                    <p:cond delay="0"/>
-                                  </p:stCondLst>
-                                  <p:childTnLst>
-                                    <p:set>
-                                      <p:cBhvr>
-                                        <p:cTn id="36" dur="1" fill="hold">
-                                          <p:stCondLst>
-                                            <p:cond delay="0"/>
-                                          </p:stCondLst>
-                                        </p:cTn>
-                                        <p:tgtEl>
-                                          <p:spTgt spid="56"/>
-                                        </p:tgtEl>
-                                        <p:attrNameLst>
-                                          <p:attrName>style.visibility</p:attrName>
-                                        </p:attrNameLst>
-                                      </p:cBhvr>
-                                      <p:to>
-                                        <p:strVal val="visible"/>
-                                      </p:to>
-                                    </p:set>
-                                  </p:childTnLst>
-                                </p:cTn>
-                              </p:par>
-                              <p:par>
-                                <p:cTn id="37" presetID="1" presetClass="entr" presetSubtype="0" fill="hold" nodeType="withEffect">
-                                  <p:stCondLst>
-                                    <p:cond delay="0"/>
-                                  </p:stCondLst>
-                                  <p:childTnLst>
-                                    <p:set>
-                                      <p:cBhvr>
-                                        <p:cTn id="38" dur="1" fill="hold">
-                                          <p:stCondLst>
-                                            <p:cond delay="0"/>
-                                          </p:stCondLst>
-                                        </p:cTn>
-                                        <p:tgtEl>
-                                          <p:spTgt spid="57"/>
-                                        </p:tgtEl>
-                                        <p:attrNameLst>
-                                          <p:attrName>style.visibility</p:attrName>
-                                        </p:attrNameLst>
-                                      </p:cBhvr>
-                                      <p:to>
-                                        <p:strVal val="visible"/>
-                                      </p:to>
-                                    </p:set>
-                                  </p:childTnLst>
-                                </p:cTn>
-                              </p:par>
-                              <p:par>
-                                <p:cTn id="39" presetID="1" presetClass="entr" presetSubtype="0" fill="hold" nodeType="withEffect">
-                                  <p:stCondLst>
-                                    <p:cond delay="0"/>
-                                  </p:stCondLst>
-                                  <p:childTnLst>
-                                    <p:set>
-                                      <p:cBhvr>
-                                        <p:cTn id="40" dur="1" fill="hold">
-                                          <p:stCondLst>
-                                            <p:cond delay="0"/>
-                                          </p:stCondLst>
-                                        </p:cTn>
-                                        <p:tgtEl>
-                                          <p:spTgt spid="58"/>
-                                        </p:tgtEl>
-                                        <p:attrNameLst>
-                                          <p:attrName>style.visibility</p:attrName>
-                                        </p:attrNameLst>
-                                      </p:cBhvr>
-                                      <p:to>
-                                        <p:strVal val="visible"/>
-                                      </p:to>
-                                    </p:set>
-                                  </p:childTnLst>
-                                </p:cTn>
-                              </p:par>
-                              <p:par>
-                                <p:cTn id="41" presetID="1" presetClass="entr" presetSubtype="0" fill="hold" nodeType="withEffect">
-                                  <p:stCondLst>
-                                    <p:cond delay="0"/>
-                                  </p:stCondLst>
-                                  <p:childTnLst>
-                                    <p:set>
-                                      <p:cBhvr>
-                                        <p:cTn id="42" dur="1" fill="hold">
-                                          <p:stCondLst>
-                                            <p:cond delay="0"/>
-                                          </p:stCondLst>
-                                        </p:cTn>
-                                        <p:tgtEl>
-                                          <p:spTgt spid="59"/>
-                                        </p:tgtEl>
-                                        <p:attrNameLst>
-                                          <p:attrName>style.visibility</p:attrName>
-                                        </p:attrNameLst>
-                                      </p:cBhvr>
-                                      <p:to>
-                                        <p:strVal val="visible"/>
-                                      </p:to>
-                                    </p:set>
-                                  </p:childTnLst>
-                                </p:cTn>
-                              </p:par>
-                              <p:par>
-                                <p:cTn id="43" presetID="1" presetClass="entr" presetSubtype="0" fill="hold" nodeType="withEffect">
-                                  <p:stCondLst>
-                                    <p:cond delay="0"/>
-                                  </p:stCondLst>
-                                  <p:childTnLst>
-                                    <p:set>
-                                      <p:cBhvr>
-                                        <p:cTn id="44" dur="1" fill="hold">
-                                          <p:stCondLst>
-                                            <p:cond delay="0"/>
-                                          </p:stCondLst>
-                                        </p:cTn>
-                                        <p:tgtEl>
-                                          <p:spTgt spid="62"/>
                                         </p:tgtEl>
                                         <p:attrNameLst>
                                           <p:attrName>style.visibility</p:attrName>
@@ -9962,13 +9778,4415 @@
         </p:cTn>
       </p:par>
     </p:tnLst>
-    <p:bldLst>
-      <p:bldP spid="7" grpId="0"/>
-      <p:bldP spid="8" grpId="0"/>
-      <p:bldP spid="9" grpId="0"/>
-      <p:bldP spid="10" grpId="0"/>
-    </p:bldLst>
   </p:timing>
+</p:sld>
+</file>
+
+<file path=ppt/slides/slide11.xml><?xml version="1.0" encoding="utf-8"?>
+<p:sld xmlns:a="http://schemas.openxmlformats.org/drawingml/2006/main" xmlns:r="http://schemas.openxmlformats.org/officeDocument/2006/relationships" xmlns:p="http://schemas.openxmlformats.org/presentationml/2006/main">
+  <p:cSld>
+    <p:spTree>
+      <p:nvGrpSpPr>
+        <p:cNvPr id="1" name=""/>
+        <p:cNvGrpSpPr/>
+        <p:nvPr/>
+      </p:nvGrpSpPr>
+      <p:grpSpPr>
+        <a:xfrm>
+          <a:off x="0" y="0"/>
+          <a:ext cx="0" cy="0"/>
+          <a:chOff x="0" y="0"/>
+          <a:chExt cx="0" cy="0"/>
+        </a:xfrm>
+      </p:grpSpPr>
+      <p:grpSp>
+        <p:nvGrpSpPr>
+          <p:cNvPr id="98" name="Group 97">
+            <a:extLst>
+              <a:ext uri="{FF2B5EF4-FFF2-40B4-BE49-F238E27FC236}">
+                <a16:creationId xmlns:a16="http://schemas.microsoft.com/office/drawing/2014/main" id="{5A49A6AD-9326-7250-AFE8-A5C6351128E2}"/>
+              </a:ext>
+            </a:extLst>
+          </p:cNvPr>
+          <p:cNvGrpSpPr/>
+          <p:nvPr/>
+        </p:nvGrpSpPr>
+        <p:grpSpPr>
+          <a:xfrm>
+            <a:off x="2584311" y="1487156"/>
+            <a:ext cx="5459687" cy="4310049"/>
+            <a:chOff x="2584311" y="1487156"/>
+            <a:chExt cx="5459687" cy="4310049"/>
+          </a:xfrm>
+        </p:grpSpPr>
+        <p:grpSp>
+          <p:nvGrpSpPr>
+            <p:cNvPr id="38" name="Group 37">
+              <a:extLst>
+                <a:ext uri="{FF2B5EF4-FFF2-40B4-BE49-F238E27FC236}">
+                  <a16:creationId xmlns:a16="http://schemas.microsoft.com/office/drawing/2014/main" id="{E159262D-29BB-A505-5D37-3E86EB2A2338}"/>
+                </a:ext>
+              </a:extLst>
+            </p:cNvPr>
+            <p:cNvGrpSpPr/>
+            <p:nvPr/>
+          </p:nvGrpSpPr>
+          <p:grpSpPr>
+            <a:xfrm>
+              <a:off x="3343636" y="1487156"/>
+              <a:ext cx="4700362" cy="4310049"/>
+              <a:chOff x="3343636" y="1487156"/>
+              <a:chExt cx="4700362" cy="4310049"/>
+            </a:xfrm>
+          </p:grpSpPr>
+          <p:cxnSp>
+            <p:nvCxnSpPr>
+              <p:cNvPr id="39" name="Straight Arrow Connector 38">
+                <a:extLst>
+                  <a:ext uri="{FF2B5EF4-FFF2-40B4-BE49-F238E27FC236}">
+                    <a16:creationId xmlns:a16="http://schemas.microsoft.com/office/drawing/2014/main" id="{511E006B-9126-51F0-632A-31680583CCB3}"/>
+                  </a:ext>
+                </a:extLst>
+              </p:cNvPr>
+              <p:cNvCxnSpPr>
+                <a:cxnSpLocks/>
+              </p:cNvCxnSpPr>
+              <p:nvPr/>
+            </p:nvCxnSpPr>
+            <p:spPr>
+              <a:xfrm flipH="1" flipV="1">
+                <a:off x="4121552" y="1487156"/>
+                <a:ext cx="0" cy="3633870"/>
+              </a:xfrm>
+              <a:prstGeom prst="straightConnector1">
+                <a:avLst/>
+              </a:prstGeom>
+              <a:ln>
+                <a:tailEnd type="triangle"/>
+              </a:ln>
+            </p:spPr>
+            <p:style>
+              <a:lnRef idx="1">
+                <a:schemeClr val="accent1"/>
+              </a:lnRef>
+              <a:fillRef idx="0">
+                <a:schemeClr val="accent1"/>
+              </a:fillRef>
+              <a:effectRef idx="0">
+                <a:schemeClr val="accent1"/>
+              </a:effectRef>
+              <a:fontRef idx="minor">
+                <a:schemeClr val="tx1"/>
+              </a:fontRef>
+            </p:style>
+          </p:cxnSp>
+          <p:cxnSp>
+            <p:nvCxnSpPr>
+              <p:cNvPr id="40" name="Straight Arrow Connector 39">
+                <a:extLst>
+                  <a:ext uri="{FF2B5EF4-FFF2-40B4-BE49-F238E27FC236}">
+                    <a16:creationId xmlns:a16="http://schemas.microsoft.com/office/drawing/2014/main" id="{4602C0FF-19F0-F1CC-BCD1-DDD038CA516E}"/>
+                  </a:ext>
+                </a:extLst>
+              </p:cNvPr>
+              <p:cNvCxnSpPr>
+                <a:cxnSpLocks/>
+              </p:cNvCxnSpPr>
+              <p:nvPr/>
+            </p:nvCxnSpPr>
+            <p:spPr>
+              <a:xfrm>
+                <a:off x="4052898" y="5108077"/>
+                <a:ext cx="3679086" cy="0"/>
+              </a:xfrm>
+              <a:prstGeom prst="straightConnector1">
+                <a:avLst/>
+              </a:prstGeom>
+              <a:ln>
+                <a:tailEnd type="triangle"/>
+              </a:ln>
+            </p:spPr>
+            <p:style>
+              <a:lnRef idx="1">
+                <a:schemeClr val="accent1"/>
+              </a:lnRef>
+              <a:fillRef idx="0">
+                <a:schemeClr val="accent1"/>
+              </a:fillRef>
+              <a:effectRef idx="0">
+                <a:schemeClr val="accent1"/>
+              </a:effectRef>
+              <a:fontRef idx="minor">
+                <a:schemeClr val="tx1"/>
+              </a:fontRef>
+            </p:style>
+          </p:cxnSp>
+          <p:cxnSp>
+            <p:nvCxnSpPr>
+              <p:cNvPr id="41" name="Straight Connector 40">
+                <a:extLst>
+                  <a:ext uri="{FF2B5EF4-FFF2-40B4-BE49-F238E27FC236}">
+                    <a16:creationId xmlns:a16="http://schemas.microsoft.com/office/drawing/2014/main" id="{A718FDE0-6977-4702-D317-6B854822D1C9}"/>
+                  </a:ext>
+                </a:extLst>
+              </p:cNvPr>
+              <p:cNvCxnSpPr>
+                <a:cxnSpLocks/>
+              </p:cNvCxnSpPr>
+              <p:nvPr/>
+            </p:nvCxnSpPr>
+            <p:spPr>
+              <a:xfrm flipH="1" flipV="1">
+                <a:off x="4145034" y="2180656"/>
+                <a:ext cx="1960134" cy="2961856"/>
+              </a:xfrm>
+              <a:prstGeom prst="line">
+                <a:avLst/>
+              </a:prstGeom>
+            </p:spPr>
+            <p:style>
+              <a:lnRef idx="3">
+                <a:schemeClr val="accent2"/>
+              </a:lnRef>
+              <a:fillRef idx="0">
+                <a:schemeClr val="accent2"/>
+              </a:fillRef>
+              <a:effectRef idx="2">
+                <a:schemeClr val="accent2"/>
+              </a:effectRef>
+              <a:fontRef idx="minor">
+                <a:schemeClr val="tx1"/>
+              </a:fontRef>
+            </p:style>
+          </p:cxnSp>
+          <mc:AlternateContent xmlns:mc="http://schemas.openxmlformats.org/markup-compatibility/2006">
+            <mc:Choice xmlns:a14="http://schemas.microsoft.com/office/drawing/2010/main" Requires="a14">
+              <p:sp>
+                <p:nvSpPr>
+                  <p:cNvPr id="42" name="TextBox 41">
+                    <a:extLst>
+                      <a:ext uri="{FF2B5EF4-FFF2-40B4-BE49-F238E27FC236}">
+                        <a16:creationId xmlns:a16="http://schemas.microsoft.com/office/drawing/2014/main" id="{29D094C0-97C8-8405-72D9-E9528462E615}"/>
+                      </a:ext>
+                    </a:extLst>
+                  </p:cNvPr>
+                  <p:cNvSpPr txBox="1"/>
+                  <p:nvPr/>
+                </p:nvSpPr>
+                <p:spPr>
+                  <a:xfrm>
+                    <a:off x="5806730" y="5427873"/>
+                    <a:ext cx="275562" cy="369332"/>
+                  </a:xfrm>
+                  <a:prstGeom prst="rect">
+                    <a:avLst/>
+                  </a:prstGeom>
+                  <a:noFill/>
+                </p:spPr>
+                <p:txBody>
+                  <a:bodyPr wrap="square">
+                    <a:spAutoFit/>
+                  </a:bodyPr>
+                  <a:lstStyle/>
+                  <a:p>
+                    <a:pPr/>
+                    <a14:m>
+                      <m:oMathPara xmlns:m="http://schemas.openxmlformats.org/officeDocument/2006/math">
+                        <m:oMathParaPr>
+                          <m:jc m:val="centerGroup"/>
+                        </m:oMathParaPr>
+                        <m:oMath xmlns:m="http://schemas.openxmlformats.org/officeDocument/2006/math">
+                          <m:sSub>
+                            <m:sSubPr>
+                              <m:ctrlPr>
+                                <a:rPr lang="de-DE" sz="1800" b="0" i="1" smtClean="0">
+                                  <a:latin typeface="Cambria Math" panose="02040503050406030204" pitchFamily="18" charset="0"/>
+                                </a:rPr>
+                              </m:ctrlPr>
+                            </m:sSubPr>
+                            <m:e>
+                              <m:r>
+                                <a:rPr lang="de-DE" sz="1800" b="0" i="1" smtClean="0">
+                                  <a:latin typeface="Cambria Math" panose="02040503050406030204" pitchFamily="18" charset="0"/>
+                                </a:rPr>
+                                <m:t>𝑥</m:t>
+                              </m:r>
+                            </m:e>
+                            <m:sub>
+                              <m:r>
+                                <a:rPr lang="de-DE" sz="1800" b="0" i="0" smtClean="0">
+                                  <a:latin typeface="Cambria Math" panose="02040503050406030204" pitchFamily="18" charset="0"/>
+                                </a:rPr>
+                                <m:t>1</m:t>
+                              </m:r>
+                            </m:sub>
+                          </m:sSub>
+                        </m:oMath>
+                      </m:oMathPara>
+                    </a14:m>
+                    <a:endParaRPr lang="de-DE" dirty="0"/>
+                  </a:p>
+                </p:txBody>
+              </p:sp>
+            </mc:Choice>
+            <mc:Fallback>
+              <p:sp>
+                <p:nvSpPr>
+                  <p:cNvPr id="42" name="TextBox 41">
+                    <a:extLst>
+                      <a:ext uri="{FF2B5EF4-FFF2-40B4-BE49-F238E27FC236}">
+                        <a16:creationId xmlns:a16="http://schemas.microsoft.com/office/drawing/2014/main" id="{29D094C0-97C8-8405-72D9-E9528462E615}"/>
+                      </a:ext>
+                    </a:extLst>
+                  </p:cNvPr>
+                  <p:cNvSpPr txBox="1">
+                    <a:spLocks noRot="1" noChangeAspect="1" noMove="1" noResize="1" noEditPoints="1" noAdjustHandles="1" noChangeArrowheads="1" noChangeShapeType="1" noTextEdit="1"/>
+                  </p:cNvSpPr>
+                  <p:nvPr/>
+                </p:nvSpPr>
+                <p:spPr>
+                  <a:xfrm>
+                    <a:off x="5806730" y="5427873"/>
+                    <a:ext cx="275562" cy="369332"/>
+                  </a:xfrm>
+                  <a:prstGeom prst="rect">
+                    <a:avLst/>
+                  </a:prstGeom>
+                  <a:blipFill>
+                    <a:blip r:embed="rId2"/>
+                    <a:stretch>
+                      <a:fillRect r="-31111"/>
+                    </a:stretch>
+                  </a:blipFill>
+                </p:spPr>
+                <p:txBody>
+                  <a:bodyPr/>
+                  <a:lstStyle/>
+                  <a:p>
+                    <a:r>
+                      <a:rPr lang="en-US">
+                        <a:noFill/>
+                      </a:rPr>
+                      <a:t> </a:t>
+                    </a:r>
+                  </a:p>
+                </p:txBody>
+              </p:sp>
+            </mc:Fallback>
+          </mc:AlternateContent>
+          <mc:AlternateContent xmlns:mc="http://schemas.openxmlformats.org/markup-compatibility/2006">
+            <mc:Choice xmlns:a14="http://schemas.microsoft.com/office/drawing/2010/main" Requires="a14">
+              <p:sp>
+                <p:nvSpPr>
+                  <p:cNvPr id="43" name="TextBox 42">
+                    <a:extLst>
+                      <a:ext uri="{FF2B5EF4-FFF2-40B4-BE49-F238E27FC236}">
+                        <a16:creationId xmlns:a16="http://schemas.microsoft.com/office/drawing/2014/main" id="{8994E0EB-E40A-8272-6EFE-253F4D70C082}"/>
+                      </a:ext>
+                    </a:extLst>
+                  </p:cNvPr>
+                  <p:cNvSpPr txBox="1"/>
+                  <p:nvPr/>
+                </p:nvSpPr>
+                <p:spPr>
+                  <a:xfrm>
+                    <a:off x="3343636" y="3071899"/>
+                    <a:ext cx="275562" cy="369332"/>
+                  </a:xfrm>
+                  <a:prstGeom prst="rect">
+                    <a:avLst/>
+                  </a:prstGeom>
+                  <a:noFill/>
+                </p:spPr>
+                <p:txBody>
+                  <a:bodyPr wrap="square">
+                    <a:spAutoFit/>
+                  </a:bodyPr>
+                  <a:lstStyle/>
+                  <a:p>
+                    <a:pPr/>
+                    <a14:m>
+                      <m:oMathPara xmlns:m="http://schemas.openxmlformats.org/officeDocument/2006/math">
+                        <m:oMathParaPr>
+                          <m:jc m:val="centerGroup"/>
+                        </m:oMathParaPr>
+                        <m:oMath xmlns:m="http://schemas.openxmlformats.org/officeDocument/2006/math">
+                          <m:sSub>
+                            <m:sSubPr>
+                              <m:ctrlPr>
+                                <a:rPr lang="de-DE" sz="1800" b="0" i="1" smtClean="0">
+                                  <a:latin typeface="Cambria Math" panose="02040503050406030204" pitchFamily="18" charset="0"/>
+                                </a:rPr>
+                              </m:ctrlPr>
+                            </m:sSubPr>
+                            <m:e>
+                              <m:r>
+                                <a:rPr lang="de-DE" sz="1800" b="0" i="1" smtClean="0">
+                                  <a:latin typeface="Cambria Math" panose="02040503050406030204" pitchFamily="18" charset="0"/>
+                                </a:rPr>
+                                <m:t>𝑥</m:t>
+                              </m:r>
+                            </m:e>
+                            <m:sub>
+                              <m:r>
+                                <a:rPr lang="de-DE" sz="1800" b="0" i="1" smtClean="0">
+                                  <a:latin typeface="Cambria Math" panose="02040503050406030204" pitchFamily="18" charset="0"/>
+                                </a:rPr>
+                                <m:t>2</m:t>
+                              </m:r>
+                            </m:sub>
+                          </m:sSub>
+                        </m:oMath>
+                      </m:oMathPara>
+                    </a14:m>
+                    <a:endParaRPr lang="de-DE" dirty="0"/>
+                  </a:p>
+                </p:txBody>
+              </p:sp>
+            </mc:Choice>
+            <mc:Fallback>
+              <p:sp>
+                <p:nvSpPr>
+                  <p:cNvPr id="43" name="TextBox 42">
+                    <a:extLst>
+                      <a:ext uri="{FF2B5EF4-FFF2-40B4-BE49-F238E27FC236}">
+                        <a16:creationId xmlns:a16="http://schemas.microsoft.com/office/drawing/2014/main" id="{8994E0EB-E40A-8272-6EFE-253F4D70C082}"/>
+                      </a:ext>
+                    </a:extLst>
+                  </p:cNvPr>
+                  <p:cNvSpPr txBox="1">
+                    <a:spLocks noRot="1" noChangeAspect="1" noMove="1" noResize="1" noEditPoints="1" noAdjustHandles="1" noChangeArrowheads="1" noChangeShapeType="1" noTextEdit="1"/>
+                  </p:cNvSpPr>
+                  <p:nvPr/>
+                </p:nvSpPr>
+                <p:spPr>
+                  <a:xfrm>
+                    <a:off x="3343636" y="3071899"/>
+                    <a:ext cx="275562" cy="369332"/>
+                  </a:xfrm>
+                  <a:prstGeom prst="rect">
+                    <a:avLst/>
+                  </a:prstGeom>
+                  <a:blipFill>
+                    <a:blip r:embed="rId3"/>
+                    <a:stretch>
+                      <a:fillRect r="-32609"/>
+                    </a:stretch>
+                  </a:blipFill>
+                </p:spPr>
+                <p:txBody>
+                  <a:bodyPr/>
+                  <a:lstStyle/>
+                  <a:p>
+                    <a:r>
+                      <a:rPr lang="en-US">
+                        <a:noFill/>
+                      </a:rPr>
+                      <a:t> </a:t>
+                    </a:r>
+                  </a:p>
+                </p:txBody>
+              </p:sp>
+            </mc:Fallback>
+          </mc:AlternateContent>
+          <mc:AlternateContent xmlns:mc="http://schemas.openxmlformats.org/markup-compatibility/2006">
+            <mc:Choice xmlns:a14="http://schemas.microsoft.com/office/drawing/2010/main" Requires="a14">
+              <p:sp>
+                <p:nvSpPr>
+                  <p:cNvPr id="44" name="TextBox 43">
+                    <a:extLst>
+                      <a:ext uri="{FF2B5EF4-FFF2-40B4-BE49-F238E27FC236}">
+                        <a16:creationId xmlns:a16="http://schemas.microsoft.com/office/drawing/2014/main" id="{CEBDAA05-CF9A-E9B5-7006-F273AC70B7AD}"/>
+                      </a:ext>
+                    </a:extLst>
+                  </p:cNvPr>
+                  <p:cNvSpPr txBox="1"/>
+                  <p:nvPr/>
+                </p:nvSpPr>
+                <p:spPr>
+                  <a:xfrm>
+                    <a:off x="3600599" y="1677818"/>
+                    <a:ext cx="425094" cy="3652282"/>
+                  </a:xfrm>
+                  <a:prstGeom prst="rect">
+                    <a:avLst/>
+                  </a:prstGeom>
+                  <a:noFill/>
+                </p:spPr>
+                <p:txBody>
+                  <a:bodyPr wrap="square">
+                    <a:spAutoFit/>
+                  </a:bodyPr>
+                  <a:lstStyle/>
+                  <a:p>
+                    <a:pPr algn="r">
+                      <a:spcBef>
+                        <a:spcPts val="400"/>
+                      </a:spcBef>
+                    </a:pPr>
+                    <a14:m>
+                      <m:oMathPara xmlns:m="http://schemas.openxmlformats.org/officeDocument/2006/math">
+                        <m:oMathParaPr>
+                          <m:jc m:val="centerGroup"/>
+                        </m:oMathParaPr>
+                        <m:oMath xmlns:m="http://schemas.openxmlformats.org/officeDocument/2006/math">
+                          <m:r>
+                            <a:rPr lang="de-DE" sz="1800" b="0" i="1" dirty="0" smtClean="0">
+                              <a:latin typeface="Cambria Math" panose="02040503050406030204" pitchFamily="18" charset="0"/>
+                            </a:rPr>
+                            <m:t>10</m:t>
+                          </m:r>
+                        </m:oMath>
+                      </m:oMathPara>
+                    </a14:m>
+                    <a:endParaRPr lang="de-DE" sz="1800" b="0" i="1" dirty="0">
+                      <a:latin typeface="Cambria Math" panose="02040503050406030204" pitchFamily="18" charset="0"/>
+                    </a:endParaRPr>
+                  </a:p>
+                  <a:p>
+                    <a:pPr algn="r">
+                      <a:spcBef>
+                        <a:spcPts val="400"/>
+                      </a:spcBef>
+                    </a:pPr>
+                    <a:r>
+                      <a:rPr lang="de-DE" dirty="0"/>
+                      <a:t> </a:t>
+                    </a:r>
+                    <a14:m>
+                      <m:oMath xmlns:m="http://schemas.openxmlformats.org/officeDocument/2006/math">
+                        <m:r>
+                          <a:rPr lang="de-DE" i="1" dirty="0" smtClean="0">
+                            <a:latin typeface="Cambria Math" panose="02040503050406030204" pitchFamily="18" charset="0"/>
+                          </a:rPr>
+                          <m:t>9</m:t>
+                        </m:r>
+                      </m:oMath>
+                    </a14:m>
+                    <a:endParaRPr lang="de-DE" dirty="0"/>
+                  </a:p>
+                  <a:p>
+                    <a:pPr algn="r">
+                      <a:spcBef>
+                        <a:spcPts val="400"/>
+                      </a:spcBef>
+                    </a:pPr>
+                    <a:r>
+                      <a:rPr lang="de-DE" dirty="0"/>
+                      <a:t> </a:t>
+                    </a:r>
+                    <a14:m>
+                      <m:oMath xmlns:m="http://schemas.openxmlformats.org/officeDocument/2006/math">
+                        <m:r>
+                          <a:rPr lang="de-DE" i="1" dirty="0" smtClean="0">
+                            <a:latin typeface="Cambria Math" panose="02040503050406030204" pitchFamily="18" charset="0"/>
+                          </a:rPr>
+                          <m:t>8</m:t>
+                        </m:r>
+                      </m:oMath>
+                    </a14:m>
+                    <a:endParaRPr lang="de-DE" dirty="0"/>
+                  </a:p>
+                  <a:p>
+                    <a:pPr algn="r">
+                      <a:spcBef>
+                        <a:spcPts val="400"/>
+                      </a:spcBef>
+                    </a:pPr>
+                    <a:r>
+                      <a:rPr lang="de-DE" dirty="0"/>
+                      <a:t> </a:t>
+                    </a:r>
+                    <a14:m>
+                      <m:oMath xmlns:m="http://schemas.openxmlformats.org/officeDocument/2006/math">
+                        <m:r>
+                          <a:rPr lang="de-DE" i="1" dirty="0" smtClean="0">
+                            <a:latin typeface="Cambria Math" panose="02040503050406030204" pitchFamily="18" charset="0"/>
+                          </a:rPr>
+                          <m:t>7</m:t>
+                        </m:r>
+                      </m:oMath>
+                    </a14:m>
+                    <a:endParaRPr lang="de-DE" dirty="0"/>
+                  </a:p>
+                  <a:p>
+                    <a:pPr algn="r">
+                      <a:spcBef>
+                        <a:spcPts val="400"/>
+                      </a:spcBef>
+                    </a:pPr>
+                    <a:r>
+                      <a:rPr lang="de-DE" dirty="0"/>
+                      <a:t> </a:t>
+                    </a:r>
+                    <a14:m>
+                      <m:oMath xmlns:m="http://schemas.openxmlformats.org/officeDocument/2006/math">
+                        <m:r>
+                          <a:rPr lang="de-DE" i="1" dirty="0" smtClean="0">
+                            <a:latin typeface="Cambria Math" panose="02040503050406030204" pitchFamily="18" charset="0"/>
+                          </a:rPr>
+                          <m:t>6</m:t>
+                        </m:r>
+                      </m:oMath>
+                    </a14:m>
+                    <a:endParaRPr lang="de-DE" dirty="0"/>
+                  </a:p>
+                  <a:p>
+                    <a:pPr algn="r">
+                      <a:spcBef>
+                        <a:spcPts val="400"/>
+                      </a:spcBef>
+                    </a:pPr>
+                    <a:r>
+                      <a:rPr lang="de-DE" dirty="0"/>
+                      <a:t> </a:t>
+                    </a:r>
+                    <a14:m>
+                      <m:oMath xmlns:m="http://schemas.openxmlformats.org/officeDocument/2006/math">
+                        <m:r>
+                          <a:rPr lang="de-DE" i="1" dirty="0" smtClean="0">
+                            <a:latin typeface="Cambria Math" panose="02040503050406030204" pitchFamily="18" charset="0"/>
+                          </a:rPr>
+                          <m:t>5</m:t>
+                        </m:r>
+                      </m:oMath>
+                    </a14:m>
+                    <a:endParaRPr lang="de-DE" dirty="0"/>
+                  </a:p>
+                  <a:p>
+                    <a:pPr algn="r">
+                      <a:spcBef>
+                        <a:spcPts val="400"/>
+                      </a:spcBef>
+                    </a:pPr>
+                    <a:r>
+                      <a:rPr lang="de-DE" dirty="0"/>
+                      <a:t> </a:t>
+                    </a:r>
+                    <a14:m>
+                      <m:oMath xmlns:m="http://schemas.openxmlformats.org/officeDocument/2006/math">
+                        <m:r>
+                          <a:rPr lang="de-DE" i="1" dirty="0" smtClean="0">
+                            <a:latin typeface="Cambria Math" panose="02040503050406030204" pitchFamily="18" charset="0"/>
+                          </a:rPr>
+                          <m:t>4</m:t>
+                        </m:r>
+                      </m:oMath>
+                    </a14:m>
+                    <a:endParaRPr lang="de-DE" dirty="0"/>
+                  </a:p>
+                  <a:p>
+                    <a:pPr algn="r">
+                      <a:spcBef>
+                        <a:spcPts val="400"/>
+                      </a:spcBef>
+                    </a:pPr>
+                    <a:r>
+                      <a:rPr lang="de-DE" dirty="0"/>
+                      <a:t> </a:t>
+                    </a:r>
+                    <a14:m>
+                      <m:oMath xmlns:m="http://schemas.openxmlformats.org/officeDocument/2006/math">
+                        <m:r>
+                          <a:rPr lang="de-DE" i="1" dirty="0" smtClean="0">
+                            <a:latin typeface="Cambria Math" panose="02040503050406030204" pitchFamily="18" charset="0"/>
+                          </a:rPr>
+                          <m:t>3</m:t>
+                        </m:r>
+                      </m:oMath>
+                    </a14:m>
+                    <a:endParaRPr lang="de-DE" dirty="0"/>
+                  </a:p>
+                  <a:p>
+                    <a:pPr algn="r">
+                      <a:spcBef>
+                        <a:spcPts val="400"/>
+                      </a:spcBef>
+                    </a:pPr>
+                    <a:r>
+                      <a:rPr lang="de-DE" dirty="0"/>
+                      <a:t> </a:t>
+                    </a:r>
+                    <a14:m>
+                      <m:oMath xmlns:m="http://schemas.openxmlformats.org/officeDocument/2006/math">
+                        <m:r>
+                          <a:rPr lang="de-DE" i="1" dirty="0" smtClean="0">
+                            <a:latin typeface="Cambria Math" panose="02040503050406030204" pitchFamily="18" charset="0"/>
+                          </a:rPr>
+                          <m:t>2</m:t>
+                        </m:r>
+                      </m:oMath>
+                    </a14:m>
+                    <a:endParaRPr lang="de-DE" dirty="0"/>
+                  </a:p>
+                  <a:p>
+                    <a:pPr algn="r">
+                      <a:spcBef>
+                        <a:spcPts val="400"/>
+                      </a:spcBef>
+                    </a:pPr>
+                    <a:r>
+                      <a:rPr lang="de-DE" dirty="0"/>
+                      <a:t> </a:t>
+                    </a:r>
+                    <a14:m>
+                      <m:oMath xmlns:m="http://schemas.openxmlformats.org/officeDocument/2006/math">
+                        <m:r>
+                          <a:rPr lang="de-DE" i="1" dirty="0" smtClean="0">
+                            <a:latin typeface="Cambria Math" panose="02040503050406030204" pitchFamily="18" charset="0"/>
+                          </a:rPr>
+                          <m:t>1</m:t>
+                        </m:r>
+                      </m:oMath>
+                    </a14:m>
+                    <a:endParaRPr lang="de-DE" dirty="0"/>
+                  </a:p>
+                  <a:p>
+                    <a:pPr algn="r">
+                      <a:spcBef>
+                        <a:spcPts val="400"/>
+                      </a:spcBef>
+                    </a:pPr>
+                    <a:r>
+                      <a:rPr lang="de-DE" b="0" dirty="0"/>
+                      <a:t> </a:t>
+                    </a:r>
+                    <a14:m>
+                      <m:oMath xmlns:m="http://schemas.openxmlformats.org/officeDocument/2006/math">
+                        <m:r>
+                          <a:rPr lang="de-DE" b="0" i="1" smtClean="0">
+                            <a:latin typeface="Cambria Math" panose="02040503050406030204" pitchFamily="18" charset="0"/>
+                          </a:rPr>
+                          <m:t>0</m:t>
+                        </m:r>
+                      </m:oMath>
+                    </a14:m>
+                    <a:endParaRPr lang="de-DE" dirty="0"/>
+                  </a:p>
+                </p:txBody>
+              </p:sp>
+            </mc:Choice>
+            <mc:Fallback>
+              <p:sp>
+                <p:nvSpPr>
+                  <p:cNvPr id="44" name="TextBox 43">
+                    <a:extLst>
+                      <a:ext uri="{FF2B5EF4-FFF2-40B4-BE49-F238E27FC236}">
+                        <a16:creationId xmlns:a16="http://schemas.microsoft.com/office/drawing/2014/main" id="{CEBDAA05-CF9A-E9B5-7006-F273AC70B7AD}"/>
+                      </a:ext>
+                    </a:extLst>
+                  </p:cNvPr>
+                  <p:cNvSpPr txBox="1">
+                    <a:spLocks noRot="1" noChangeAspect="1" noMove="1" noResize="1" noEditPoints="1" noAdjustHandles="1" noChangeArrowheads="1" noChangeShapeType="1" noTextEdit="1"/>
+                  </p:cNvSpPr>
+                  <p:nvPr/>
+                </p:nvSpPr>
+                <p:spPr>
+                  <a:xfrm>
+                    <a:off x="3600599" y="1677818"/>
+                    <a:ext cx="425094" cy="3652282"/>
+                  </a:xfrm>
+                  <a:prstGeom prst="rect">
+                    <a:avLst/>
+                  </a:prstGeom>
+                  <a:blipFill>
+                    <a:blip r:embed="rId4"/>
+                    <a:stretch>
+                      <a:fillRect r="-1449"/>
+                    </a:stretch>
+                  </a:blipFill>
+                </p:spPr>
+                <p:txBody>
+                  <a:bodyPr/>
+                  <a:lstStyle/>
+                  <a:p>
+                    <a:r>
+                      <a:rPr lang="en-US">
+                        <a:noFill/>
+                      </a:rPr>
+                      <a:t> </a:t>
+                    </a:r>
+                  </a:p>
+                </p:txBody>
+              </p:sp>
+            </mc:Fallback>
+          </mc:AlternateContent>
+          <mc:AlternateContent xmlns:mc="http://schemas.openxmlformats.org/markup-compatibility/2006">
+            <mc:Choice xmlns:a14="http://schemas.microsoft.com/office/drawing/2010/main" Requires="a14">
+              <p:sp>
+                <p:nvSpPr>
+                  <p:cNvPr id="45" name="TextBox 44">
+                    <a:extLst>
+                      <a:ext uri="{FF2B5EF4-FFF2-40B4-BE49-F238E27FC236}">
+                        <a16:creationId xmlns:a16="http://schemas.microsoft.com/office/drawing/2014/main" id="{2239FE5A-3EAE-B18D-BBF9-C49B91AD6FE3}"/>
+                      </a:ext>
+                    </a:extLst>
+                  </p:cNvPr>
+                  <p:cNvSpPr txBox="1"/>
+                  <p:nvPr/>
+                </p:nvSpPr>
+                <p:spPr>
+                  <a:xfrm>
+                    <a:off x="4303312" y="5133227"/>
+                    <a:ext cx="3282398" cy="369332"/>
+                  </a:xfrm>
+                  <a:prstGeom prst="rect">
+                    <a:avLst/>
+                  </a:prstGeom>
+                  <a:noFill/>
+                </p:spPr>
+                <p:txBody>
+                  <a:bodyPr wrap="square">
+                    <a:spAutoFit/>
+                  </a:bodyPr>
+                  <a:lstStyle/>
+                  <a:p>
+                    <a:pPr/>
+                    <a14:m>
+                      <m:oMathPara xmlns:m="http://schemas.openxmlformats.org/officeDocument/2006/math">
+                        <m:oMathParaPr>
+                          <m:jc m:val="left"/>
+                        </m:oMathParaPr>
+                        <m:oMath xmlns:m="http://schemas.openxmlformats.org/officeDocument/2006/math">
+                          <m:r>
+                            <a:rPr lang="de-DE" sz="1800" b="0" i="1" smtClean="0">
+                              <a:latin typeface="Cambria Math" panose="02040503050406030204" pitchFamily="18" charset="0"/>
+                            </a:rPr>
+                            <m:t>1    2    3    4    5    6    7    8    9   10</m:t>
+                          </m:r>
+                        </m:oMath>
+                      </m:oMathPara>
+                    </a14:m>
+                    <a:endParaRPr lang="de-DE" dirty="0"/>
+                  </a:p>
+                </p:txBody>
+              </p:sp>
+            </mc:Choice>
+            <mc:Fallback>
+              <p:sp>
+                <p:nvSpPr>
+                  <p:cNvPr id="45" name="TextBox 44">
+                    <a:extLst>
+                      <a:ext uri="{FF2B5EF4-FFF2-40B4-BE49-F238E27FC236}">
+                        <a16:creationId xmlns:a16="http://schemas.microsoft.com/office/drawing/2014/main" id="{2239FE5A-3EAE-B18D-BBF9-C49B91AD6FE3}"/>
+                      </a:ext>
+                    </a:extLst>
+                  </p:cNvPr>
+                  <p:cNvSpPr txBox="1">
+                    <a:spLocks noRot="1" noChangeAspect="1" noMove="1" noResize="1" noEditPoints="1" noAdjustHandles="1" noChangeArrowheads="1" noChangeShapeType="1" noTextEdit="1"/>
+                  </p:cNvSpPr>
+                  <p:nvPr/>
+                </p:nvSpPr>
+                <p:spPr>
+                  <a:xfrm>
+                    <a:off x="4303312" y="5133227"/>
+                    <a:ext cx="3282398" cy="369332"/>
+                  </a:xfrm>
+                  <a:prstGeom prst="rect">
+                    <a:avLst/>
+                  </a:prstGeom>
+                  <a:blipFill>
+                    <a:blip r:embed="rId5"/>
+                    <a:stretch>
+                      <a:fillRect r="-2045"/>
+                    </a:stretch>
+                  </a:blipFill>
+                </p:spPr>
+                <p:txBody>
+                  <a:bodyPr/>
+                  <a:lstStyle/>
+                  <a:p>
+                    <a:r>
+                      <a:rPr lang="en-US">
+                        <a:noFill/>
+                      </a:rPr>
+                      <a:t> </a:t>
+                    </a:r>
+                  </a:p>
+                </p:txBody>
+              </p:sp>
+            </mc:Fallback>
+          </mc:AlternateContent>
+          <p:cxnSp>
+            <p:nvCxnSpPr>
+              <p:cNvPr id="46" name="Straight Connector 45">
+                <a:extLst>
+                  <a:ext uri="{FF2B5EF4-FFF2-40B4-BE49-F238E27FC236}">
+                    <a16:creationId xmlns:a16="http://schemas.microsoft.com/office/drawing/2014/main" id="{095200DE-C00C-EC81-83A2-A759375076C9}"/>
+                  </a:ext>
+                </a:extLst>
+              </p:cNvPr>
+              <p:cNvCxnSpPr>
+                <a:cxnSpLocks/>
+              </p:cNvCxnSpPr>
+              <p:nvPr/>
+            </p:nvCxnSpPr>
+            <p:spPr>
+              <a:xfrm>
+                <a:off x="4045352" y="4811916"/>
+                <a:ext cx="152400" cy="0"/>
+              </a:xfrm>
+              <a:prstGeom prst="line">
+                <a:avLst/>
+              </a:prstGeom>
+            </p:spPr>
+            <p:style>
+              <a:lnRef idx="1">
+                <a:schemeClr val="accent1"/>
+              </a:lnRef>
+              <a:fillRef idx="0">
+                <a:schemeClr val="accent1"/>
+              </a:fillRef>
+              <a:effectRef idx="0">
+                <a:schemeClr val="accent1"/>
+              </a:effectRef>
+              <a:fontRef idx="minor">
+                <a:schemeClr val="tx1"/>
+              </a:fontRef>
+            </p:style>
+          </p:cxnSp>
+          <p:cxnSp>
+            <p:nvCxnSpPr>
+              <p:cNvPr id="47" name="Straight Connector 46">
+                <a:extLst>
+                  <a:ext uri="{FF2B5EF4-FFF2-40B4-BE49-F238E27FC236}">
+                    <a16:creationId xmlns:a16="http://schemas.microsoft.com/office/drawing/2014/main" id="{B40DA868-E880-62EF-FD7B-8AB8C12DAA0B}"/>
+                  </a:ext>
+                </a:extLst>
+              </p:cNvPr>
+              <p:cNvCxnSpPr>
+                <a:cxnSpLocks/>
+              </p:cNvCxnSpPr>
+              <p:nvPr/>
+            </p:nvCxnSpPr>
+            <p:spPr>
+              <a:xfrm>
+                <a:off x="4045352" y="4483748"/>
+                <a:ext cx="152400" cy="0"/>
+              </a:xfrm>
+              <a:prstGeom prst="line">
+                <a:avLst/>
+              </a:prstGeom>
+            </p:spPr>
+            <p:style>
+              <a:lnRef idx="1">
+                <a:schemeClr val="accent1"/>
+              </a:lnRef>
+              <a:fillRef idx="0">
+                <a:schemeClr val="accent1"/>
+              </a:fillRef>
+              <a:effectRef idx="0">
+                <a:schemeClr val="accent1"/>
+              </a:effectRef>
+              <a:fontRef idx="minor">
+                <a:schemeClr val="tx1"/>
+              </a:fontRef>
+            </p:style>
+          </p:cxnSp>
+          <p:cxnSp>
+            <p:nvCxnSpPr>
+              <p:cNvPr id="48" name="Straight Connector 47">
+                <a:extLst>
+                  <a:ext uri="{FF2B5EF4-FFF2-40B4-BE49-F238E27FC236}">
+                    <a16:creationId xmlns:a16="http://schemas.microsoft.com/office/drawing/2014/main" id="{098DBBE0-3F48-37ED-48E3-B1ACEB4838BF}"/>
+                  </a:ext>
+                </a:extLst>
+              </p:cNvPr>
+              <p:cNvCxnSpPr>
+                <a:cxnSpLocks/>
+              </p:cNvCxnSpPr>
+              <p:nvPr/>
+            </p:nvCxnSpPr>
+            <p:spPr>
+              <a:xfrm>
+                <a:off x="4045352" y="4155580"/>
+                <a:ext cx="152400" cy="0"/>
+              </a:xfrm>
+              <a:prstGeom prst="line">
+                <a:avLst/>
+              </a:prstGeom>
+            </p:spPr>
+            <p:style>
+              <a:lnRef idx="1">
+                <a:schemeClr val="accent1"/>
+              </a:lnRef>
+              <a:fillRef idx="0">
+                <a:schemeClr val="accent1"/>
+              </a:fillRef>
+              <a:effectRef idx="0">
+                <a:schemeClr val="accent1"/>
+              </a:effectRef>
+              <a:fontRef idx="minor">
+                <a:schemeClr val="tx1"/>
+              </a:fontRef>
+            </p:style>
+          </p:cxnSp>
+          <p:cxnSp>
+            <p:nvCxnSpPr>
+              <p:cNvPr id="49" name="Straight Connector 48">
+                <a:extLst>
+                  <a:ext uri="{FF2B5EF4-FFF2-40B4-BE49-F238E27FC236}">
+                    <a16:creationId xmlns:a16="http://schemas.microsoft.com/office/drawing/2014/main" id="{F1F53984-9FE7-6249-4B2C-1B6B24D35E1C}"/>
+                  </a:ext>
+                </a:extLst>
+              </p:cNvPr>
+              <p:cNvCxnSpPr>
+                <a:cxnSpLocks/>
+              </p:cNvCxnSpPr>
+              <p:nvPr/>
+            </p:nvCxnSpPr>
+            <p:spPr>
+              <a:xfrm rot="5400000">
+                <a:off x="4383817" y="5123942"/>
+                <a:ext cx="152400" cy="0"/>
+              </a:xfrm>
+              <a:prstGeom prst="line">
+                <a:avLst/>
+              </a:prstGeom>
+            </p:spPr>
+            <p:style>
+              <a:lnRef idx="1">
+                <a:schemeClr val="accent1"/>
+              </a:lnRef>
+              <a:fillRef idx="0">
+                <a:schemeClr val="accent1"/>
+              </a:fillRef>
+              <a:effectRef idx="0">
+                <a:schemeClr val="accent1"/>
+              </a:effectRef>
+              <a:fontRef idx="minor">
+                <a:schemeClr val="tx1"/>
+              </a:fontRef>
+            </p:style>
+          </p:cxnSp>
+          <p:cxnSp>
+            <p:nvCxnSpPr>
+              <p:cNvPr id="50" name="Straight Connector 49">
+                <a:extLst>
+                  <a:ext uri="{FF2B5EF4-FFF2-40B4-BE49-F238E27FC236}">
+                    <a16:creationId xmlns:a16="http://schemas.microsoft.com/office/drawing/2014/main" id="{83BD0872-3C0F-E75A-1951-78D1856AD53A}"/>
+                  </a:ext>
+                </a:extLst>
+              </p:cNvPr>
+              <p:cNvCxnSpPr>
+                <a:cxnSpLocks/>
+              </p:cNvCxnSpPr>
+              <p:nvPr/>
+            </p:nvCxnSpPr>
+            <p:spPr>
+              <a:xfrm rot="5400000">
+                <a:off x="4713001" y="5123942"/>
+                <a:ext cx="152400" cy="0"/>
+              </a:xfrm>
+              <a:prstGeom prst="line">
+                <a:avLst/>
+              </a:prstGeom>
+            </p:spPr>
+            <p:style>
+              <a:lnRef idx="1">
+                <a:schemeClr val="accent1"/>
+              </a:lnRef>
+              <a:fillRef idx="0">
+                <a:schemeClr val="accent1"/>
+              </a:fillRef>
+              <a:effectRef idx="0">
+                <a:schemeClr val="accent1"/>
+              </a:effectRef>
+              <a:fontRef idx="minor">
+                <a:schemeClr val="tx1"/>
+              </a:fontRef>
+            </p:style>
+          </p:cxnSp>
+          <p:cxnSp>
+            <p:nvCxnSpPr>
+              <p:cNvPr id="51" name="Straight Connector 50">
+                <a:extLst>
+                  <a:ext uri="{FF2B5EF4-FFF2-40B4-BE49-F238E27FC236}">
+                    <a16:creationId xmlns:a16="http://schemas.microsoft.com/office/drawing/2014/main" id="{69F7ECAA-D1D1-D985-0019-8E96BA91DDE3}"/>
+                  </a:ext>
+                </a:extLst>
+              </p:cNvPr>
+              <p:cNvCxnSpPr>
+                <a:cxnSpLocks/>
+              </p:cNvCxnSpPr>
+              <p:nvPr/>
+            </p:nvCxnSpPr>
+            <p:spPr>
+              <a:xfrm rot="5400000">
+                <a:off x="5042185" y="5123942"/>
+                <a:ext cx="152400" cy="0"/>
+              </a:xfrm>
+              <a:prstGeom prst="line">
+                <a:avLst/>
+              </a:prstGeom>
+            </p:spPr>
+            <p:style>
+              <a:lnRef idx="1">
+                <a:schemeClr val="accent1"/>
+              </a:lnRef>
+              <a:fillRef idx="0">
+                <a:schemeClr val="accent1"/>
+              </a:fillRef>
+              <a:effectRef idx="0">
+                <a:schemeClr val="accent1"/>
+              </a:effectRef>
+              <a:fontRef idx="minor">
+                <a:schemeClr val="tx1"/>
+              </a:fontRef>
+            </p:style>
+          </p:cxnSp>
+          <p:cxnSp>
+            <p:nvCxnSpPr>
+              <p:cNvPr id="52" name="Straight Connector 51">
+                <a:extLst>
+                  <a:ext uri="{FF2B5EF4-FFF2-40B4-BE49-F238E27FC236}">
+                    <a16:creationId xmlns:a16="http://schemas.microsoft.com/office/drawing/2014/main" id="{9AA3C403-5DF2-94A6-B9B1-A88A75662854}"/>
+                  </a:ext>
+                </a:extLst>
+              </p:cNvPr>
+              <p:cNvCxnSpPr>
+                <a:cxnSpLocks/>
+              </p:cNvCxnSpPr>
+              <p:nvPr/>
+            </p:nvCxnSpPr>
+            <p:spPr>
+              <a:xfrm rot="5400000">
+                <a:off x="5371369" y="5123942"/>
+                <a:ext cx="152400" cy="0"/>
+              </a:xfrm>
+              <a:prstGeom prst="line">
+                <a:avLst/>
+              </a:prstGeom>
+            </p:spPr>
+            <p:style>
+              <a:lnRef idx="1">
+                <a:schemeClr val="accent1"/>
+              </a:lnRef>
+              <a:fillRef idx="0">
+                <a:schemeClr val="accent1"/>
+              </a:fillRef>
+              <a:effectRef idx="0">
+                <a:schemeClr val="accent1"/>
+              </a:effectRef>
+              <a:fontRef idx="minor">
+                <a:schemeClr val="tx1"/>
+              </a:fontRef>
+            </p:style>
+          </p:cxnSp>
+          <p:cxnSp>
+            <p:nvCxnSpPr>
+              <p:cNvPr id="53" name="Straight Connector 52">
+                <a:extLst>
+                  <a:ext uri="{FF2B5EF4-FFF2-40B4-BE49-F238E27FC236}">
+                    <a16:creationId xmlns:a16="http://schemas.microsoft.com/office/drawing/2014/main" id="{C78BB6E6-3623-FB0B-16F4-5E644ABF5216}"/>
+                  </a:ext>
+                </a:extLst>
+              </p:cNvPr>
+              <p:cNvCxnSpPr>
+                <a:cxnSpLocks/>
+              </p:cNvCxnSpPr>
+              <p:nvPr/>
+            </p:nvCxnSpPr>
+            <p:spPr>
+              <a:xfrm rot="5400000">
+                <a:off x="5700553" y="5123942"/>
+                <a:ext cx="152400" cy="0"/>
+              </a:xfrm>
+              <a:prstGeom prst="line">
+                <a:avLst/>
+              </a:prstGeom>
+            </p:spPr>
+            <p:style>
+              <a:lnRef idx="1">
+                <a:schemeClr val="accent1"/>
+              </a:lnRef>
+              <a:fillRef idx="0">
+                <a:schemeClr val="accent1"/>
+              </a:fillRef>
+              <a:effectRef idx="0">
+                <a:schemeClr val="accent1"/>
+              </a:effectRef>
+              <a:fontRef idx="minor">
+                <a:schemeClr val="tx1"/>
+              </a:fontRef>
+            </p:style>
+          </p:cxnSp>
+          <p:cxnSp>
+            <p:nvCxnSpPr>
+              <p:cNvPr id="54" name="Straight Connector 53">
+                <a:extLst>
+                  <a:ext uri="{FF2B5EF4-FFF2-40B4-BE49-F238E27FC236}">
+                    <a16:creationId xmlns:a16="http://schemas.microsoft.com/office/drawing/2014/main" id="{B06D1B88-D844-BBFA-39DB-24588C858CFC}"/>
+                  </a:ext>
+                </a:extLst>
+              </p:cNvPr>
+              <p:cNvCxnSpPr>
+                <a:cxnSpLocks/>
+              </p:cNvCxnSpPr>
+              <p:nvPr/>
+            </p:nvCxnSpPr>
+            <p:spPr>
+              <a:xfrm>
+                <a:off x="4045352" y="3827412"/>
+                <a:ext cx="152400" cy="0"/>
+              </a:xfrm>
+              <a:prstGeom prst="line">
+                <a:avLst/>
+              </a:prstGeom>
+            </p:spPr>
+            <p:style>
+              <a:lnRef idx="1">
+                <a:schemeClr val="accent1"/>
+              </a:lnRef>
+              <a:fillRef idx="0">
+                <a:schemeClr val="accent1"/>
+              </a:fillRef>
+              <a:effectRef idx="0">
+                <a:schemeClr val="accent1"/>
+              </a:effectRef>
+              <a:fontRef idx="minor">
+                <a:schemeClr val="tx1"/>
+              </a:fontRef>
+            </p:style>
+          </p:cxnSp>
+          <p:cxnSp>
+            <p:nvCxnSpPr>
+              <p:cNvPr id="55" name="Straight Connector 54">
+                <a:extLst>
+                  <a:ext uri="{FF2B5EF4-FFF2-40B4-BE49-F238E27FC236}">
+                    <a16:creationId xmlns:a16="http://schemas.microsoft.com/office/drawing/2014/main" id="{696B9831-69D2-9DC3-79FF-E11C09FEF86E}"/>
+                  </a:ext>
+                </a:extLst>
+              </p:cNvPr>
+              <p:cNvCxnSpPr>
+                <a:cxnSpLocks/>
+              </p:cNvCxnSpPr>
+              <p:nvPr/>
+            </p:nvCxnSpPr>
+            <p:spPr>
+              <a:xfrm>
+                <a:off x="4045352" y="3499244"/>
+                <a:ext cx="152400" cy="0"/>
+              </a:xfrm>
+              <a:prstGeom prst="line">
+                <a:avLst/>
+              </a:prstGeom>
+            </p:spPr>
+            <p:style>
+              <a:lnRef idx="1">
+                <a:schemeClr val="accent1"/>
+              </a:lnRef>
+              <a:fillRef idx="0">
+                <a:schemeClr val="accent1"/>
+              </a:fillRef>
+              <a:effectRef idx="0">
+                <a:schemeClr val="accent1"/>
+              </a:effectRef>
+              <a:fontRef idx="minor">
+                <a:schemeClr val="tx1"/>
+              </a:fontRef>
+            </p:style>
+          </p:cxnSp>
+          <p:cxnSp>
+            <p:nvCxnSpPr>
+              <p:cNvPr id="56" name="Straight Connector 55">
+                <a:extLst>
+                  <a:ext uri="{FF2B5EF4-FFF2-40B4-BE49-F238E27FC236}">
+                    <a16:creationId xmlns:a16="http://schemas.microsoft.com/office/drawing/2014/main" id="{911754D7-A14D-D77D-87A1-26ED43612E9F}"/>
+                  </a:ext>
+                </a:extLst>
+              </p:cNvPr>
+              <p:cNvCxnSpPr>
+                <a:cxnSpLocks/>
+              </p:cNvCxnSpPr>
+              <p:nvPr/>
+            </p:nvCxnSpPr>
+            <p:spPr>
+              <a:xfrm flipH="1" flipV="1">
+                <a:off x="4126542" y="3499244"/>
+                <a:ext cx="3311340" cy="1655746"/>
+              </a:xfrm>
+              <a:prstGeom prst="line">
+                <a:avLst/>
+              </a:prstGeom>
+            </p:spPr>
+            <p:style>
+              <a:lnRef idx="3">
+                <a:schemeClr val="accent2"/>
+              </a:lnRef>
+              <a:fillRef idx="0">
+                <a:schemeClr val="accent2"/>
+              </a:fillRef>
+              <a:effectRef idx="2">
+                <a:schemeClr val="accent2"/>
+              </a:effectRef>
+              <a:fontRef idx="minor">
+                <a:schemeClr val="tx1"/>
+              </a:fontRef>
+            </p:style>
+          </p:cxnSp>
+          <p:cxnSp>
+            <p:nvCxnSpPr>
+              <p:cNvPr id="57" name="Straight Connector 56">
+                <a:extLst>
+                  <a:ext uri="{FF2B5EF4-FFF2-40B4-BE49-F238E27FC236}">
+                    <a16:creationId xmlns:a16="http://schemas.microsoft.com/office/drawing/2014/main" id="{E981D138-6178-F9E4-7524-029E75F898A6}"/>
+                  </a:ext>
+                </a:extLst>
+              </p:cNvPr>
+              <p:cNvCxnSpPr>
+                <a:cxnSpLocks/>
+              </p:cNvCxnSpPr>
+              <p:nvPr/>
+            </p:nvCxnSpPr>
+            <p:spPr>
+              <a:xfrm flipH="1" flipV="1">
+                <a:off x="5769549" y="2286928"/>
+                <a:ext cx="7204" cy="2855584"/>
+              </a:xfrm>
+              <a:prstGeom prst="line">
+                <a:avLst/>
+              </a:prstGeom>
+            </p:spPr>
+            <p:style>
+              <a:lnRef idx="3">
+                <a:schemeClr val="accent2"/>
+              </a:lnRef>
+              <a:fillRef idx="0">
+                <a:schemeClr val="accent2"/>
+              </a:fillRef>
+              <a:effectRef idx="2">
+                <a:schemeClr val="accent2"/>
+              </a:effectRef>
+              <a:fontRef idx="minor">
+                <a:schemeClr val="tx1"/>
+              </a:fontRef>
+            </p:style>
+          </p:cxnSp>
+          <p:cxnSp>
+            <p:nvCxnSpPr>
+              <p:cNvPr id="58" name="Straight Connector 57">
+                <a:extLst>
+                  <a:ext uri="{FF2B5EF4-FFF2-40B4-BE49-F238E27FC236}">
+                    <a16:creationId xmlns:a16="http://schemas.microsoft.com/office/drawing/2014/main" id="{30DD0DCD-DD88-2CED-7AC1-013C6B5F7C58}"/>
+                  </a:ext>
+                </a:extLst>
+              </p:cNvPr>
+              <p:cNvCxnSpPr>
+                <a:cxnSpLocks/>
+              </p:cNvCxnSpPr>
+              <p:nvPr/>
+            </p:nvCxnSpPr>
+            <p:spPr>
+              <a:xfrm rot="5400000">
+                <a:off x="6029737" y="5123942"/>
+                <a:ext cx="152400" cy="0"/>
+              </a:xfrm>
+              <a:prstGeom prst="line">
+                <a:avLst/>
+              </a:prstGeom>
+            </p:spPr>
+            <p:style>
+              <a:lnRef idx="1">
+                <a:schemeClr val="accent1"/>
+              </a:lnRef>
+              <a:fillRef idx="0">
+                <a:schemeClr val="accent1"/>
+              </a:fillRef>
+              <a:effectRef idx="0">
+                <a:schemeClr val="accent1"/>
+              </a:effectRef>
+              <a:fontRef idx="minor">
+                <a:schemeClr val="tx1"/>
+              </a:fontRef>
+            </p:style>
+          </p:cxnSp>
+          <p:cxnSp>
+            <p:nvCxnSpPr>
+              <p:cNvPr id="59" name="Straight Connector 58">
+                <a:extLst>
+                  <a:ext uri="{FF2B5EF4-FFF2-40B4-BE49-F238E27FC236}">
+                    <a16:creationId xmlns:a16="http://schemas.microsoft.com/office/drawing/2014/main" id="{62003E55-991C-77C1-A14B-CD3B25094114}"/>
+                  </a:ext>
+                </a:extLst>
+              </p:cNvPr>
+              <p:cNvCxnSpPr>
+                <a:cxnSpLocks/>
+              </p:cNvCxnSpPr>
+              <p:nvPr/>
+            </p:nvCxnSpPr>
+            <p:spPr>
+              <a:xfrm rot="5400000">
+                <a:off x="6358921" y="5123942"/>
+                <a:ext cx="152400" cy="0"/>
+              </a:xfrm>
+              <a:prstGeom prst="line">
+                <a:avLst/>
+              </a:prstGeom>
+            </p:spPr>
+            <p:style>
+              <a:lnRef idx="1">
+                <a:schemeClr val="accent1"/>
+              </a:lnRef>
+              <a:fillRef idx="0">
+                <a:schemeClr val="accent1"/>
+              </a:fillRef>
+              <a:effectRef idx="0">
+                <a:schemeClr val="accent1"/>
+              </a:effectRef>
+              <a:fontRef idx="minor">
+                <a:schemeClr val="tx1"/>
+              </a:fontRef>
+            </p:style>
+          </p:cxnSp>
+          <p:cxnSp>
+            <p:nvCxnSpPr>
+              <p:cNvPr id="60" name="Straight Connector 59">
+                <a:extLst>
+                  <a:ext uri="{FF2B5EF4-FFF2-40B4-BE49-F238E27FC236}">
+                    <a16:creationId xmlns:a16="http://schemas.microsoft.com/office/drawing/2014/main" id="{6FA4DBF3-C56F-DE2E-8F06-023B612EE59D}"/>
+                  </a:ext>
+                </a:extLst>
+              </p:cNvPr>
+              <p:cNvCxnSpPr>
+                <a:cxnSpLocks/>
+              </p:cNvCxnSpPr>
+              <p:nvPr/>
+            </p:nvCxnSpPr>
+            <p:spPr>
+              <a:xfrm rot="5400000">
+                <a:off x="6688105" y="5123942"/>
+                <a:ext cx="152400" cy="0"/>
+              </a:xfrm>
+              <a:prstGeom prst="line">
+                <a:avLst/>
+              </a:prstGeom>
+            </p:spPr>
+            <p:style>
+              <a:lnRef idx="1">
+                <a:schemeClr val="accent1"/>
+              </a:lnRef>
+              <a:fillRef idx="0">
+                <a:schemeClr val="accent1"/>
+              </a:fillRef>
+              <a:effectRef idx="0">
+                <a:schemeClr val="accent1"/>
+              </a:effectRef>
+              <a:fontRef idx="minor">
+                <a:schemeClr val="tx1"/>
+              </a:fontRef>
+            </p:style>
+          </p:cxnSp>
+          <p:cxnSp>
+            <p:nvCxnSpPr>
+              <p:cNvPr id="61" name="Straight Connector 60">
+                <a:extLst>
+                  <a:ext uri="{FF2B5EF4-FFF2-40B4-BE49-F238E27FC236}">
+                    <a16:creationId xmlns:a16="http://schemas.microsoft.com/office/drawing/2014/main" id="{76C3056B-2B33-B697-E517-93B88F7B9A85}"/>
+                  </a:ext>
+                </a:extLst>
+              </p:cNvPr>
+              <p:cNvCxnSpPr>
+                <a:cxnSpLocks/>
+              </p:cNvCxnSpPr>
+              <p:nvPr/>
+            </p:nvCxnSpPr>
+            <p:spPr>
+              <a:xfrm rot="5400000">
+                <a:off x="7017289" y="5123942"/>
+                <a:ext cx="152400" cy="0"/>
+              </a:xfrm>
+              <a:prstGeom prst="line">
+                <a:avLst/>
+              </a:prstGeom>
+            </p:spPr>
+            <p:style>
+              <a:lnRef idx="1">
+                <a:schemeClr val="accent1"/>
+              </a:lnRef>
+              <a:fillRef idx="0">
+                <a:schemeClr val="accent1"/>
+              </a:fillRef>
+              <a:effectRef idx="0">
+                <a:schemeClr val="accent1"/>
+              </a:effectRef>
+              <a:fontRef idx="minor">
+                <a:schemeClr val="tx1"/>
+              </a:fontRef>
+            </p:style>
+          </p:cxnSp>
+          <p:cxnSp>
+            <p:nvCxnSpPr>
+              <p:cNvPr id="62" name="Straight Connector 61">
+                <a:extLst>
+                  <a:ext uri="{FF2B5EF4-FFF2-40B4-BE49-F238E27FC236}">
+                    <a16:creationId xmlns:a16="http://schemas.microsoft.com/office/drawing/2014/main" id="{601D924D-39C9-09EA-1A5C-5CF5056BAAB4}"/>
+                  </a:ext>
+                </a:extLst>
+              </p:cNvPr>
+              <p:cNvCxnSpPr>
+                <a:cxnSpLocks/>
+              </p:cNvCxnSpPr>
+              <p:nvPr/>
+            </p:nvCxnSpPr>
+            <p:spPr>
+              <a:xfrm rot="5400000">
+                <a:off x="7346473" y="5123942"/>
+                <a:ext cx="152400" cy="0"/>
+              </a:xfrm>
+              <a:prstGeom prst="line">
+                <a:avLst/>
+              </a:prstGeom>
+            </p:spPr>
+            <p:style>
+              <a:lnRef idx="1">
+                <a:schemeClr val="accent1"/>
+              </a:lnRef>
+              <a:fillRef idx="0">
+                <a:schemeClr val="accent1"/>
+              </a:fillRef>
+              <a:effectRef idx="0">
+                <a:schemeClr val="accent1"/>
+              </a:effectRef>
+              <a:fontRef idx="minor">
+                <a:schemeClr val="tx1"/>
+              </a:fontRef>
+            </p:style>
+          </p:cxnSp>
+          <p:cxnSp>
+            <p:nvCxnSpPr>
+              <p:cNvPr id="63" name="Straight Connector 62">
+                <a:extLst>
+                  <a:ext uri="{FF2B5EF4-FFF2-40B4-BE49-F238E27FC236}">
+                    <a16:creationId xmlns:a16="http://schemas.microsoft.com/office/drawing/2014/main" id="{687B8709-A9E7-A7F7-BEC8-406FDF8315A9}"/>
+                  </a:ext>
+                </a:extLst>
+              </p:cNvPr>
+              <p:cNvCxnSpPr>
+                <a:cxnSpLocks/>
+              </p:cNvCxnSpPr>
+              <p:nvPr/>
+            </p:nvCxnSpPr>
+            <p:spPr>
+              <a:xfrm>
+                <a:off x="4045352" y="3165160"/>
+                <a:ext cx="152400" cy="0"/>
+              </a:xfrm>
+              <a:prstGeom prst="line">
+                <a:avLst/>
+              </a:prstGeom>
+            </p:spPr>
+            <p:style>
+              <a:lnRef idx="1">
+                <a:schemeClr val="accent1"/>
+              </a:lnRef>
+              <a:fillRef idx="0">
+                <a:schemeClr val="accent1"/>
+              </a:fillRef>
+              <a:effectRef idx="0">
+                <a:schemeClr val="accent1"/>
+              </a:effectRef>
+              <a:fontRef idx="minor">
+                <a:schemeClr val="tx1"/>
+              </a:fontRef>
+            </p:style>
+          </p:cxnSp>
+          <p:cxnSp>
+            <p:nvCxnSpPr>
+              <p:cNvPr id="64" name="Straight Connector 63">
+                <a:extLst>
+                  <a:ext uri="{FF2B5EF4-FFF2-40B4-BE49-F238E27FC236}">
+                    <a16:creationId xmlns:a16="http://schemas.microsoft.com/office/drawing/2014/main" id="{9E72BCB3-3D62-96E0-504D-19D42049FBBC}"/>
+                  </a:ext>
+                </a:extLst>
+              </p:cNvPr>
+              <p:cNvCxnSpPr>
+                <a:cxnSpLocks/>
+              </p:cNvCxnSpPr>
+              <p:nvPr/>
+            </p:nvCxnSpPr>
+            <p:spPr>
+              <a:xfrm>
+                <a:off x="4045352" y="2836992"/>
+                <a:ext cx="152400" cy="0"/>
+              </a:xfrm>
+              <a:prstGeom prst="line">
+                <a:avLst/>
+              </a:prstGeom>
+            </p:spPr>
+            <p:style>
+              <a:lnRef idx="1">
+                <a:schemeClr val="accent1"/>
+              </a:lnRef>
+              <a:fillRef idx="0">
+                <a:schemeClr val="accent1"/>
+              </a:fillRef>
+              <a:effectRef idx="0">
+                <a:schemeClr val="accent1"/>
+              </a:effectRef>
+              <a:fontRef idx="minor">
+                <a:schemeClr val="tx1"/>
+              </a:fontRef>
+            </p:style>
+          </p:cxnSp>
+          <p:cxnSp>
+            <p:nvCxnSpPr>
+              <p:cNvPr id="65" name="Straight Connector 64">
+                <a:extLst>
+                  <a:ext uri="{FF2B5EF4-FFF2-40B4-BE49-F238E27FC236}">
+                    <a16:creationId xmlns:a16="http://schemas.microsoft.com/office/drawing/2014/main" id="{7A0E05C7-EA0D-5B7E-1759-53D61753F0A9}"/>
+                  </a:ext>
+                </a:extLst>
+              </p:cNvPr>
+              <p:cNvCxnSpPr>
+                <a:cxnSpLocks/>
+              </p:cNvCxnSpPr>
+              <p:nvPr/>
+            </p:nvCxnSpPr>
+            <p:spPr>
+              <a:xfrm>
+                <a:off x="4045352" y="2508824"/>
+                <a:ext cx="152400" cy="0"/>
+              </a:xfrm>
+              <a:prstGeom prst="line">
+                <a:avLst/>
+              </a:prstGeom>
+            </p:spPr>
+            <p:style>
+              <a:lnRef idx="1">
+                <a:schemeClr val="accent1"/>
+              </a:lnRef>
+              <a:fillRef idx="0">
+                <a:schemeClr val="accent1"/>
+              </a:fillRef>
+              <a:effectRef idx="0">
+                <a:schemeClr val="accent1"/>
+              </a:effectRef>
+              <a:fontRef idx="minor">
+                <a:schemeClr val="tx1"/>
+              </a:fontRef>
+            </p:style>
+          </p:cxnSp>
+          <p:cxnSp>
+            <p:nvCxnSpPr>
+              <p:cNvPr id="66" name="Straight Connector 65">
+                <a:extLst>
+                  <a:ext uri="{FF2B5EF4-FFF2-40B4-BE49-F238E27FC236}">
+                    <a16:creationId xmlns:a16="http://schemas.microsoft.com/office/drawing/2014/main" id="{9870AC95-1B83-9EE6-97F5-5FCAAE124684}"/>
+                  </a:ext>
+                </a:extLst>
+              </p:cNvPr>
+              <p:cNvCxnSpPr>
+                <a:cxnSpLocks/>
+              </p:cNvCxnSpPr>
+              <p:nvPr/>
+            </p:nvCxnSpPr>
+            <p:spPr>
+              <a:xfrm>
+                <a:off x="4045352" y="2180656"/>
+                <a:ext cx="152400" cy="0"/>
+              </a:xfrm>
+              <a:prstGeom prst="line">
+                <a:avLst/>
+              </a:prstGeom>
+            </p:spPr>
+            <p:style>
+              <a:lnRef idx="1">
+                <a:schemeClr val="accent1"/>
+              </a:lnRef>
+              <a:fillRef idx="0">
+                <a:schemeClr val="accent1"/>
+              </a:fillRef>
+              <a:effectRef idx="0">
+                <a:schemeClr val="accent1"/>
+              </a:effectRef>
+              <a:fontRef idx="minor">
+                <a:schemeClr val="tx1"/>
+              </a:fontRef>
+            </p:style>
+          </p:cxnSp>
+          <p:cxnSp>
+            <p:nvCxnSpPr>
+              <p:cNvPr id="67" name="Straight Connector 66">
+                <a:extLst>
+                  <a:ext uri="{FF2B5EF4-FFF2-40B4-BE49-F238E27FC236}">
+                    <a16:creationId xmlns:a16="http://schemas.microsoft.com/office/drawing/2014/main" id="{DCEB7B3F-952E-604F-0778-21F021C1A0B5}"/>
+                  </a:ext>
+                </a:extLst>
+              </p:cNvPr>
+              <p:cNvCxnSpPr>
+                <a:cxnSpLocks/>
+              </p:cNvCxnSpPr>
+              <p:nvPr/>
+            </p:nvCxnSpPr>
+            <p:spPr>
+              <a:xfrm>
+                <a:off x="4045352" y="1868236"/>
+                <a:ext cx="152400" cy="0"/>
+              </a:xfrm>
+              <a:prstGeom prst="line">
+                <a:avLst/>
+              </a:prstGeom>
+            </p:spPr>
+            <p:style>
+              <a:lnRef idx="1">
+                <a:schemeClr val="accent1"/>
+              </a:lnRef>
+              <a:fillRef idx="0">
+                <a:schemeClr val="accent1"/>
+              </a:fillRef>
+              <a:effectRef idx="0">
+                <a:schemeClr val="accent1"/>
+              </a:effectRef>
+              <a:fontRef idx="minor">
+                <a:schemeClr val="tx1"/>
+              </a:fontRef>
+            </p:style>
+          </p:cxnSp>
+          <p:sp>
+            <p:nvSpPr>
+              <p:cNvPr id="68" name="TextBox 67">
+                <a:extLst>
+                  <a:ext uri="{FF2B5EF4-FFF2-40B4-BE49-F238E27FC236}">
+                    <a16:creationId xmlns:a16="http://schemas.microsoft.com/office/drawing/2014/main" id="{D8BA195A-F944-0D03-8A94-431F609CFCD9}"/>
+                  </a:ext>
+                </a:extLst>
+              </p:cNvPr>
+              <p:cNvSpPr txBox="1"/>
+              <p:nvPr/>
+            </p:nvSpPr>
+            <p:spPr>
+              <a:xfrm>
+                <a:off x="6768588" y="4128435"/>
+                <a:ext cx="1275410" cy="738664"/>
+              </a:xfrm>
+              <a:prstGeom prst="rect">
+                <a:avLst/>
+              </a:prstGeom>
+              <a:noFill/>
+            </p:spPr>
+            <p:txBody>
+              <a:bodyPr wrap="square">
+                <a:spAutoFit/>
+              </a:bodyPr>
+              <a:lstStyle/>
+              <a:p>
+                <a:pPr>
+                  <a:spcBef>
+                    <a:spcPts val="400"/>
+                  </a:spcBef>
+                </a:pPr>
+                <a:r>
+                  <a:rPr lang="de-DE" sz="1400" dirty="0"/>
+                  <a:t>Begrenzung Nachfrage Produkt A</a:t>
+                </a:r>
+                <a:endParaRPr lang="de-DE" sz="1400" b="0" dirty="0"/>
+              </a:p>
+            </p:txBody>
+          </p:sp>
+          <p:sp>
+            <p:nvSpPr>
+              <p:cNvPr id="69" name="TextBox 68">
+                <a:extLst>
+                  <a:ext uri="{FF2B5EF4-FFF2-40B4-BE49-F238E27FC236}">
+                    <a16:creationId xmlns:a16="http://schemas.microsoft.com/office/drawing/2014/main" id="{248118A9-B72A-B2DB-302F-1CF08B2281F4}"/>
+                  </a:ext>
+                </a:extLst>
+              </p:cNvPr>
+              <p:cNvSpPr txBox="1"/>
+              <p:nvPr/>
+            </p:nvSpPr>
+            <p:spPr>
+              <a:xfrm>
+                <a:off x="4311087" y="1868236"/>
+                <a:ext cx="1275410" cy="738664"/>
+              </a:xfrm>
+              <a:prstGeom prst="rect">
+                <a:avLst/>
+              </a:prstGeom>
+              <a:noFill/>
+            </p:spPr>
+            <p:txBody>
+              <a:bodyPr wrap="square">
+                <a:spAutoFit/>
+              </a:bodyPr>
+              <a:lstStyle/>
+              <a:p>
+                <a:pPr>
+                  <a:spcBef>
+                    <a:spcPts val="400"/>
+                  </a:spcBef>
+                </a:pPr>
+                <a:r>
+                  <a:rPr lang="de-DE" sz="1400" dirty="0"/>
+                  <a:t>Begrenzung Nachfrage Produkt B</a:t>
+                </a:r>
+                <a:endParaRPr lang="de-DE" sz="1400" b="0" dirty="0"/>
+              </a:p>
+            </p:txBody>
+          </p:sp>
+          <p:sp>
+            <p:nvSpPr>
+              <p:cNvPr id="70" name="TextBox 69">
+                <a:extLst>
+                  <a:ext uri="{FF2B5EF4-FFF2-40B4-BE49-F238E27FC236}">
+                    <a16:creationId xmlns:a16="http://schemas.microsoft.com/office/drawing/2014/main" id="{4EBC20CF-31CC-52CA-EB32-4ACAB2F4D89F}"/>
+                  </a:ext>
+                </a:extLst>
+              </p:cNvPr>
+              <p:cNvSpPr txBox="1"/>
+              <p:nvPr/>
+            </p:nvSpPr>
+            <p:spPr>
+              <a:xfrm>
+                <a:off x="5751217" y="2943806"/>
+                <a:ext cx="1275410" cy="738664"/>
+              </a:xfrm>
+              <a:prstGeom prst="rect">
+                <a:avLst/>
+              </a:prstGeom>
+              <a:noFill/>
+            </p:spPr>
+            <p:txBody>
+              <a:bodyPr wrap="square">
+                <a:spAutoFit/>
+              </a:bodyPr>
+              <a:lstStyle/>
+              <a:p>
+                <a:pPr>
+                  <a:spcBef>
+                    <a:spcPts val="400"/>
+                  </a:spcBef>
+                </a:pPr>
+                <a:r>
+                  <a:rPr lang="de-DE" sz="1400" dirty="0"/>
+                  <a:t>Begrenzung Nachfrage Produkt C</a:t>
+                </a:r>
+                <a:endParaRPr lang="de-DE" sz="1400" b="0" dirty="0"/>
+              </a:p>
+            </p:txBody>
+          </p:sp>
+          <p:sp>
+            <p:nvSpPr>
+              <p:cNvPr id="71" name="Freeform: Shape 70">
+                <a:extLst>
+                  <a:ext uri="{FF2B5EF4-FFF2-40B4-BE49-F238E27FC236}">
+                    <a16:creationId xmlns:a16="http://schemas.microsoft.com/office/drawing/2014/main" id="{2F4DB204-35D3-48A6-3038-7227A734D816}"/>
+                  </a:ext>
+                </a:extLst>
+              </p:cNvPr>
+              <p:cNvSpPr/>
+              <p:nvPr/>
+            </p:nvSpPr>
+            <p:spPr>
+              <a:xfrm>
+                <a:off x="4135120" y="3525520"/>
+                <a:ext cx="1615440" cy="1574800"/>
+              </a:xfrm>
+              <a:custGeom>
+                <a:avLst/>
+                <a:gdLst>
+                  <a:gd name="connsiteX0" fmla="*/ 0 w 1615440"/>
+                  <a:gd name="connsiteY0" fmla="*/ 0 h 1574800"/>
+                  <a:gd name="connsiteX1" fmla="*/ 0 w 1615440"/>
+                  <a:gd name="connsiteY1" fmla="*/ 1574800 h 1574800"/>
+                  <a:gd name="connsiteX2" fmla="*/ 1615440 w 1615440"/>
+                  <a:gd name="connsiteY2" fmla="*/ 1574800 h 1574800"/>
+                  <a:gd name="connsiteX3" fmla="*/ 1615440 w 1615440"/>
+                  <a:gd name="connsiteY3" fmla="*/ 1117600 h 1574800"/>
+                  <a:gd name="connsiteX4" fmla="*/ 1325880 w 1615440"/>
+                  <a:gd name="connsiteY4" fmla="*/ 660400 h 1574800"/>
+                  <a:gd name="connsiteX5" fmla="*/ 0 w 1615440"/>
+                  <a:gd name="connsiteY5" fmla="*/ 0 h 1574800"/>
+                </a:gdLst>
+                <a:ahLst/>
+                <a:cxnLst>
+                  <a:cxn ang="0">
+                    <a:pos x="connsiteX0" y="connsiteY0"/>
+                  </a:cxn>
+                  <a:cxn ang="0">
+                    <a:pos x="connsiteX1" y="connsiteY1"/>
+                  </a:cxn>
+                  <a:cxn ang="0">
+                    <a:pos x="connsiteX2" y="connsiteY2"/>
+                  </a:cxn>
+                  <a:cxn ang="0">
+                    <a:pos x="connsiteX3" y="connsiteY3"/>
+                  </a:cxn>
+                  <a:cxn ang="0">
+                    <a:pos x="connsiteX4" y="connsiteY4"/>
+                  </a:cxn>
+                  <a:cxn ang="0">
+                    <a:pos x="connsiteX5" y="connsiteY5"/>
+                  </a:cxn>
+                </a:cxnLst>
+                <a:rect l="l" t="t" r="r" b="b"/>
+                <a:pathLst>
+                  <a:path w="1615440" h="1574800">
+                    <a:moveTo>
+                      <a:pt x="0" y="0"/>
+                    </a:moveTo>
+                    <a:lnTo>
+                      <a:pt x="0" y="1574800"/>
+                    </a:lnTo>
+                    <a:lnTo>
+                      <a:pt x="1615440" y="1574800"/>
+                    </a:lnTo>
+                    <a:lnTo>
+                      <a:pt x="1615440" y="1117600"/>
+                    </a:lnTo>
+                    <a:lnTo>
+                      <a:pt x="1325880" y="660400"/>
+                    </a:lnTo>
+                    <a:lnTo>
+                      <a:pt x="0" y="0"/>
+                    </a:lnTo>
+                    <a:close/>
+                  </a:path>
+                </a:pathLst>
+              </a:custGeom>
+              <a:solidFill>
+                <a:schemeClr val="accent1">
+                  <a:lumMod val="40000"/>
+                  <a:lumOff val="60000"/>
+                </a:schemeClr>
+              </a:solidFill>
+            </p:spPr>
+            <p:style>
+              <a:lnRef idx="2">
+                <a:schemeClr val="accent1">
+                  <a:shade val="15000"/>
+                </a:schemeClr>
+              </a:lnRef>
+              <a:fillRef idx="1">
+                <a:schemeClr val="accent1"/>
+              </a:fillRef>
+              <a:effectRef idx="0">
+                <a:schemeClr val="accent1"/>
+              </a:effectRef>
+              <a:fontRef idx="minor">
+                <a:schemeClr val="lt1"/>
+              </a:fontRef>
+            </p:style>
+            <p:txBody>
+              <a:bodyPr rtlCol="0" anchor="ctr"/>
+              <a:lstStyle/>
+              <a:p>
+                <a:pPr algn="ctr"/>
+                <a:endParaRPr lang="en-US"/>
+              </a:p>
+            </p:txBody>
+          </p:sp>
+        </p:grpSp>
+        <p:cxnSp>
+          <p:nvCxnSpPr>
+            <p:cNvPr id="72" name="Straight Connector 71">
+              <a:extLst>
+                <a:ext uri="{FF2B5EF4-FFF2-40B4-BE49-F238E27FC236}">
+                  <a16:creationId xmlns:a16="http://schemas.microsoft.com/office/drawing/2014/main" id="{F8C0B4B2-02B8-6DE5-F4A4-8FE49785997A}"/>
+                </a:ext>
+              </a:extLst>
+            </p:cNvPr>
+            <p:cNvCxnSpPr>
+              <a:cxnSpLocks/>
+            </p:cNvCxnSpPr>
+            <p:nvPr/>
+          </p:nvCxnSpPr>
+          <p:spPr>
+            <a:xfrm>
+              <a:off x="4121552" y="3827412"/>
+              <a:ext cx="1326017" cy="1272908"/>
+            </a:xfrm>
+            <a:prstGeom prst="line">
+              <a:avLst/>
+            </a:prstGeom>
+          </p:spPr>
+          <p:style>
+            <a:lnRef idx="3">
+              <a:schemeClr val="dk1"/>
+            </a:lnRef>
+            <a:fillRef idx="0">
+              <a:schemeClr val="dk1"/>
+            </a:fillRef>
+            <a:effectRef idx="2">
+              <a:schemeClr val="dk1"/>
+            </a:effectRef>
+            <a:fontRef idx="minor">
+              <a:schemeClr val="tx1"/>
+            </a:fontRef>
+          </p:style>
+        </p:cxnSp>
+        <p:cxnSp>
+          <p:nvCxnSpPr>
+            <p:cNvPr id="73" name="Straight Connector 72">
+              <a:extLst>
+                <a:ext uri="{FF2B5EF4-FFF2-40B4-BE49-F238E27FC236}">
+                  <a16:creationId xmlns:a16="http://schemas.microsoft.com/office/drawing/2014/main" id="{8F6CEFC8-3786-5228-17C9-72C20CC5303A}"/>
+                </a:ext>
+              </a:extLst>
+            </p:cNvPr>
+            <p:cNvCxnSpPr>
+              <a:cxnSpLocks/>
+            </p:cNvCxnSpPr>
+            <p:nvPr/>
+          </p:nvCxnSpPr>
+          <p:spPr>
+            <a:xfrm flipV="1">
+              <a:off x="4848090" y="4251960"/>
+              <a:ext cx="277011" cy="280401"/>
+            </a:xfrm>
+            <a:prstGeom prst="line">
+              <a:avLst/>
+            </a:prstGeom>
+            <a:ln>
+              <a:tailEnd type="triangle"/>
+            </a:ln>
+          </p:spPr>
+          <p:style>
+            <a:lnRef idx="3">
+              <a:schemeClr val="dk1"/>
+            </a:lnRef>
+            <a:fillRef idx="0">
+              <a:schemeClr val="dk1"/>
+            </a:fillRef>
+            <a:effectRef idx="2">
+              <a:schemeClr val="dk1"/>
+            </a:effectRef>
+            <a:fontRef idx="minor">
+              <a:schemeClr val="tx1"/>
+            </a:fontRef>
+          </p:style>
+        </p:cxnSp>
+        <p:cxnSp>
+          <p:nvCxnSpPr>
+            <p:cNvPr id="79" name="Straight Connector 78">
+              <a:extLst>
+                <a:ext uri="{FF2B5EF4-FFF2-40B4-BE49-F238E27FC236}">
+                  <a16:creationId xmlns:a16="http://schemas.microsoft.com/office/drawing/2014/main" id="{9930B0FE-6FAA-3F53-11C9-70574A68383C}"/>
+                </a:ext>
+              </a:extLst>
+            </p:cNvPr>
+            <p:cNvCxnSpPr>
+              <a:cxnSpLocks/>
+            </p:cNvCxnSpPr>
+            <p:nvPr/>
+          </p:nvCxnSpPr>
+          <p:spPr>
+            <a:xfrm>
+              <a:off x="4731394" y="3491981"/>
+              <a:ext cx="1326017" cy="1272908"/>
+            </a:xfrm>
+            <a:prstGeom prst="line">
+              <a:avLst/>
+            </a:prstGeom>
+            <a:ln>
+              <a:prstDash val="sysDash"/>
+            </a:ln>
+          </p:spPr>
+          <p:style>
+            <a:lnRef idx="3">
+              <a:schemeClr val="dk1"/>
+            </a:lnRef>
+            <a:fillRef idx="0">
+              <a:schemeClr val="dk1"/>
+            </a:fillRef>
+            <a:effectRef idx="2">
+              <a:schemeClr val="dk1"/>
+            </a:effectRef>
+            <a:fontRef idx="minor">
+              <a:schemeClr val="tx1"/>
+            </a:fontRef>
+          </p:style>
+        </p:cxnSp>
+        <p:sp>
+          <p:nvSpPr>
+            <p:cNvPr id="80" name="Oval 79">
+              <a:extLst>
+                <a:ext uri="{FF2B5EF4-FFF2-40B4-BE49-F238E27FC236}">
+                  <a16:creationId xmlns:a16="http://schemas.microsoft.com/office/drawing/2014/main" id="{14C90848-24DD-6D36-86F0-B8EC5D191E15}"/>
+                </a:ext>
+              </a:extLst>
+            </p:cNvPr>
+            <p:cNvSpPr/>
+            <p:nvPr/>
+          </p:nvSpPr>
+          <p:spPr>
+            <a:xfrm>
+              <a:off x="5432445" y="4155580"/>
+              <a:ext cx="60562" cy="60562"/>
+            </a:xfrm>
+            <a:prstGeom prst="ellipse">
+              <a:avLst/>
+            </a:prstGeom>
+          </p:spPr>
+          <p:style>
+            <a:lnRef idx="2">
+              <a:schemeClr val="dk1">
+                <a:shade val="50000"/>
+              </a:schemeClr>
+            </a:lnRef>
+            <a:fillRef idx="1">
+              <a:schemeClr val="dk1"/>
+            </a:fillRef>
+            <a:effectRef idx="0">
+              <a:schemeClr val="dk1"/>
+            </a:effectRef>
+            <a:fontRef idx="minor">
+              <a:schemeClr val="lt1"/>
+            </a:fontRef>
+          </p:style>
+          <p:txBody>
+            <a:bodyPr rtlCol="0" anchor="ctr"/>
+            <a:lstStyle/>
+            <a:p>
+              <a:pPr algn="ctr"/>
+              <a:endParaRPr lang="de-DE"/>
+            </a:p>
+          </p:txBody>
+        </p:sp>
+        <mc:AlternateContent xmlns:mc="http://schemas.openxmlformats.org/markup-compatibility/2006">
+          <mc:Choice xmlns:a14="http://schemas.microsoft.com/office/drawing/2010/main" Requires="a14">
+            <p:sp>
+              <p:nvSpPr>
+                <p:cNvPr id="84" name="TextBox 83">
+                  <a:extLst>
+                    <a:ext uri="{FF2B5EF4-FFF2-40B4-BE49-F238E27FC236}">
+                      <a16:creationId xmlns:a16="http://schemas.microsoft.com/office/drawing/2014/main" id="{667E6D6B-B49A-AB70-FEAD-8868AB060559}"/>
+                    </a:ext>
+                  </a:extLst>
+                </p:cNvPr>
+                <p:cNvSpPr txBox="1"/>
+                <p:nvPr/>
+              </p:nvSpPr>
+              <p:spPr>
+                <a:xfrm>
+                  <a:off x="2705341" y="3823798"/>
+                  <a:ext cx="1275410" cy="523220"/>
+                </a:xfrm>
+                <a:prstGeom prst="rect">
+                  <a:avLst/>
+                </a:prstGeom>
+                <a:noFill/>
+              </p:spPr>
+              <p:txBody>
+                <a:bodyPr wrap="square">
+                  <a:spAutoFit/>
+                </a:bodyPr>
+                <a:lstStyle/>
+                <a:p>
+                  <a:pPr>
+                    <a:spcBef>
+                      <a:spcPts val="400"/>
+                    </a:spcBef>
+                  </a:pPr>
+                  <a:r>
+                    <a:rPr lang="de-DE" sz="1400" dirty="0"/>
+                    <a:t>Höhenlinie von </a:t>
+                  </a:r>
+                  <a14:m>
+                    <m:oMath xmlns:m="http://schemas.openxmlformats.org/officeDocument/2006/math">
+                      <m:r>
+                        <a:rPr lang="de-DE" sz="1400" b="0" i="1" smtClean="0">
+                          <a:latin typeface="Cambria Math" panose="02040503050406030204" pitchFamily="18" charset="0"/>
+                        </a:rPr>
+                        <m:t>𝑓</m:t>
+                      </m:r>
+                    </m:oMath>
+                  </a14:m>
+                  <a:endParaRPr lang="de-DE" sz="1400" b="0" dirty="0"/>
+                </a:p>
+              </p:txBody>
+            </p:sp>
+          </mc:Choice>
+          <mc:Fallback>
+            <p:sp>
+              <p:nvSpPr>
+                <p:cNvPr id="84" name="TextBox 83">
+                  <a:extLst>
+                    <a:ext uri="{FF2B5EF4-FFF2-40B4-BE49-F238E27FC236}">
+                      <a16:creationId xmlns:a16="http://schemas.microsoft.com/office/drawing/2014/main" id="{667E6D6B-B49A-AB70-FEAD-8868AB060559}"/>
+                    </a:ext>
+                  </a:extLst>
+                </p:cNvPr>
+                <p:cNvSpPr txBox="1">
+                  <a:spLocks noRot="1" noChangeAspect="1" noMove="1" noResize="1" noEditPoints="1" noAdjustHandles="1" noChangeArrowheads="1" noChangeShapeType="1" noTextEdit="1"/>
+                </p:cNvSpPr>
+                <p:nvPr/>
+              </p:nvSpPr>
+              <p:spPr>
+                <a:xfrm>
+                  <a:off x="2705341" y="3823798"/>
+                  <a:ext cx="1275410" cy="523220"/>
+                </a:xfrm>
+                <a:prstGeom prst="rect">
+                  <a:avLst/>
+                </a:prstGeom>
+                <a:blipFill>
+                  <a:blip r:embed="rId6"/>
+                  <a:stretch>
+                    <a:fillRect l="-1435" t="-1163" b="-11628"/>
+                  </a:stretch>
+                </a:blipFill>
+              </p:spPr>
+              <p:txBody>
+                <a:bodyPr/>
+                <a:lstStyle/>
+                <a:p>
+                  <a:r>
+                    <a:rPr lang="en-US">
+                      <a:noFill/>
+                    </a:rPr>
+                    <a:t> </a:t>
+                  </a:r>
+                </a:p>
+              </p:txBody>
+            </p:sp>
+          </mc:Fallback>
+        </mc:AlternateContent>
+        <p:grpSp>
+          <p:nvGrpSpPr>
+            <p:cNvPr id="89" name="Group 88">
+              <a:extLst>
+                <a:ext uri="{FF2B5EF4-FFF2-40B4-BE49-F238E27FC236}">
+                  <a16:creationId xmlns:a16="http://schemas.microsoft.com/office/drawing/2014/main" id="{BA741A8F-8AFB-489C-C74A-0E66425FA853}"/>
+                </a:ext>
+              </a:extLst>
+            </p:cNvPr>
+            <p:cNvGrpSpPr/>
+            <p:nvPr/>
+          </p:nvGrpSpPr>
+          <p:grpSpPr>
+            <a:xfrm>
+              <a:off x="3431660" y="3938179"/>
+              <a:ext cx="683280" cy="198000"/>
+              <a:chOff x="3468288" y="3965592"/>
+              <a:chExt cx="683280" cy="198000"/>
+            </a:xfrm>
+          </p:grpSpPr>
+          <mc:AlternateContent xmlns:mc="http://schemas.openxmlformats.org/markup-compatibility/2006">
+            <mc:Choice xmlns:p14="http://schemas.microsoft.com/office/powerpoint/2010/main" Requires="p14">
+              <p:contentPart p14:bwMode="auto" r:id="rId7">
+                <p14:nvContentPartPr>
+                  <p14:cNvPr id="85" name="Ink 84">
+                    <a:extLst>
+                      <a:ext uri="{FF2B5EF4-FFF2-40B4-BE49-F238E27FC236}">
+                        <a16:creationId xmlns:a16="http://schemas.microsoft.com/office/drawing/2014/main" id="{C5420504-AF8E-196E-39F5-43858597D572}"/>
+                      </a:ext>
+                    </a:extLst>
+                  </p14:cNvPr>
+                  <p14:cNvContentPartPr/>
+                  <p14:nvPr/>
+                </p14:nvContentPartPr>
+                <p14:xfrm>
+                  <a:off x="3468288" y="3993312"/>
+                  <a:ext cx="663120" cy="170280"/>
+                </p14:xfrm>
+              </p:contentPart>
+            </mc:Choice>
+            <mc:Fallback>
+              <p:pic>
+                <p:nvPicPr>
+                  <p:cNvPr id="85" name="Ink 84">
+                    <a:extLst>
+                      <a:ext uri="{FF2B5EF4-FFF2-40B4-BE49-F238E27FC236}">
+                        <a16:creationId xmlns:a16="http://schemas.microsoft.com/office/drawing/2014/main" id="{C5420504-AF8E-196E-39F5-43858597D572}"/>
+                      </a:ext>
+                    </a:extLst>
+                  </p:cNvPr>
+                  <p:cNvPicPr/>
+                  <p:nvPr/>
+                </p:nvPicPr>
+                <p:blipFill>
+                  <a:blip r:embed="rId8"/>
+                  <a:stretch>
+                    <a:fillRect/>
+                  </a:stretch>
+                </p:blipFill>
+                <p:spPr>
+                  <a:xfrm>
+                    <a:off x="3459648" y="3984672"/>
+                    <a:ext cx="680760" cy="187920"/>
+                  </a:xfrm>
+                  <a:prstGeom prst="rect">
+                    <a:avLst/>
+                  </a:prstGeom>
+                </p:spPr>
+              </p:pic>
+            </mc:Fallback>
+          </mc:AlternateContent>
+          <mc:AlternateContent xmlns:mc="http://schemas.openxmlformats.org/markup-compatibility/2006">
+            <mc:Choice xmlns:p14="http://schemas.microsoft.com/office/powerpoint/2010/main" Requires="p14">
+              <p:contentPart p14:bwMode="auto" r:id="rId9">
+                <p14:nvContentPartPr>
+                  <p14:cNvPr id="86" name="Ink 85">
+                    <a:extLst>
+                      <a:ext uri="{FF2B5EF4-FFF2-40B4-BE49-F238E27FC236}">
+                        <a16:creationId xmlns:a16="http://schemas.microsoft.com/office/drawing/2014/main" id="{3F95DA15-1F5C-E267-C3AE-2F2120DF8AB3}"/>
+                      </a:ext>
+                    </a:extLst>
+                  </p14:cNvPr>
+                  <p14:cNvContentPartPr/>
+                  <p14:nvPr/>
+                </p14:nvContentPartPr>
+                <p14:xfrm>
+                  <a:off x="4012968" y="3992592"/>
+                  <a:ext cx="138600" cy="111600"/>
+                </p14:xfrm>
+              </p:contentPart>
+            </mc:Choice>
+            <mc:Fallback>
+              <p:pic>
+                <p:nvPicPr>
+                  <p:cNvPr id="86" name="Ink 85">
+                    <a:extLst>
+                      <a:ext uri="{FF2B5EF4-FFF2-40B4-BE49-F238E27FC236}">
+                        <a16:creationId xmlns:a16="http://schemas.microsoft.com/office/drawing/2014/main" id="{3F95DA15-1F5C-E267-C3AE-2F2120DF8AB3}"/>
+                      </a:ext>
+                    </a:extLst>
+                  </p:cNvPr>
+                  <p:cNvPicPr/>
+                  <p:nvPr/>
+                </p:nvPicPr>
+                <p:blipFill>
+                  <a:blip r:embed="rId10"/>
+                  <a:stretch>
+                    <a:fillRect/>
+                  </a:stretch>
+                </p:blipFill>
+                <p:spPr>
+                  <a:xfrm>
+                    <a:off x="4004328" y="3983592"/>
+                    <a:ext cx="156240" cy="129240"/>
+                  </a:xfrm>
+                  <a:prstGeom prst="rect">
+                    <a:avLst/>
+                  </a:prstGeom>
+                </p:spPr>
+              </p:pic>
+            </mc:Fallback>
+          </mc:AlternateContent>
+          <mc:AlternateContent xmlns:mc="http://schemas.openxmlformats.org/markup-compatibility/2006">
+            <mc:Choice xmlns:p14="http://schemas.microsoft.com/office/powerpoint/2010/main" Requires="p14">
+              <p:contentPart p14:bwMode="auto" r:id="rId11">
+                <p14:nvContentPartPr>
+                  <p14:cNvPr id="88" name="Ink 87">
+                    <a:extLst>
+                      <a:ext uri="{FF2B5EF4-FFF2-40B4-BE49-F238E27FC236}">
+                        <a16:creationId xmlns:a16="http://schemas.microsoft.com/office/drawing/2014/main" id="{FB01581D-29F0-D21D-3262-92B1A3BAE535}"/>
+                      </a:ext>
+                    </a:extLst>
+                  </p14:cNvPr>
+                  <p14:cNvContentPartPr/>
+                  <p14:nvPr/>
+                </p14:nvContentPartPr>
+                <p14:xfrm>
+                  <a:off x="3968688" y="3965592"/>
+                  <a:ext cx="182880" cy="2880"/>
+                </p14:xfrm>
+              </p:contentPart>
+            </mc:Choice>
+            <mc:Fallback>
+              <p:pic>
+                <p:nvPicPr>
+                  <p:cNvPr id="88" name="Ink 87">
+                    <a:extLst>
+                      <a:ext uri="{FF2B5EF4-FFF2-40B4-BE49-F238E27FC236}">
+                        <a16:creationId xmlns:a16="http://schemas.microsoft.com/office/drawing/2014/main" id="{FB01581D-29F0-D21D-3262-92B1A3BAE535}"/>
+                      </a:ext>
+                    </a:extLst>
+                  </p:cNvPr>
+                  <p:cNvPicPr/>
+                  <p:nvPr/>
+                </p:nvPicPr>
+                <p:blipFill>
+                  <a:blip r:embed="rId12"/>
+                  <a:stretch>
+                    <a:fillRect/>
+                  </a:stretch>
+                </p:blipFill>
+                <p:spPr>
+                  <a:xfrm>
+                    <a:off x="3959688" y="3956952"/>
+                    <a:ext cx="200520" cy="20520"/>
+                  </a:xfrm>
+                  <a:prstGeom prst="rect">
+                    <a:avLst/>
+                  </a:prstGeom>
+                </p:spPr>
+              </p:pic>
+            </mc:Fallback>
+          </mc:AlternateContent>
+        </p:grpSp>
+        <p:sp>
+          <p:nvSpPr>
+            <p:cNvPr id="90" name="TextBox 89">
+              <a:extLst>
+                <a:ext uri="{FF2B5EF4-FFF2-40B4-BE49-F238E27FC236}">
+                  <a16:creationId xmlns:a16="http://schemas.microsoft.com/office/drawing/2014/main" id="{B7F354B8-6790-CC42-A90F-2165C156AB90}"/>
+                </a:ext>
+              </a:extLst>
+            </p:cNvPr>
+            <p:cNvSpPr txBox="1"/>
+            <p:nvPr/>
+          </p:nvSpPr>
+          <p:spPr>
+            <a:xfrm>
+              <a:off x="5790403" y="3801464"/>
+              <a:ext cx="1630899" cy="307777"/>
+            </a:xfrm>
+            <a:prstGeom prst="rect">
+              <a:avLst/>
+            </a:prstGeom>
+            <a:noFill/>
+          </p:spPr>
+          <p:txBody>
+            <a:bodyPr wrap="square">
+              <a:spAutoFit/>
+            </a:bodyPr>
+            <a:lstStyle/>
+            <a:p>
+              <a:pPr>
+                <a:spcBef>
+                  <a:spcPts val="400"/>
+                </a:spcBef>
+              </a:pPr>
+              <a:r>
+                <a:rPr lang="de-DE" sz="1400" dirty="0"/>
+                <a:t>Optimallösung</a:t>
+              </a:r>
+              <a:endParaRPr lang="de-DE" sz="1400" b="0" dirty="0"/>
+            </a:p>
+          </p:txBody>
+        </p:sp>
+        <p:grpSp>
+          <p:nvGrpSpPr>
+            <p:cNvPr id="93" name="Group 92">
+              <a:extLst>
+                <a:ext uri="{FF2B5EF4-FFF2-40B4-BE49-F238E27FC236}">
+                  <a16:creationId xmlns:a16="http://schemas.microsoft.com/office/drawing/2014/main" id="{EAD06221-E2A8-82F0-1933-DFFD29A5FF3A}"/>
+                </a:ext>
+              </a:extLst>
+            </p:cNvPr>
+            <p:cNvGrpSpPr/>
+            <p:nvPr/>
+          </p:nvGrpSpPr>
+          <p:grpSpPr>
+            <a:xfrm>
+              <a:off x="5558808" y="4114272"/>
+              <a:ext cx="464040" cy="152280"/>
+              <a:chOff x="5558808" y="4114272"/>
+              <a:chExt cx="464040" cy="152280"/>
+            </a:xfrm>
+          </p:grpSpPr>
+          <mc:AlternateContent xmlns:mc="http://schemas.openxmlformats.org/markup-compatibility/2006">
+            <mc:Choice xmlns:p14="http://schemas.microsoft.com/office/powerpoint/2010/main" Requires="p14">
+              <p:contentPart p14:bwMode="auto" r:id="rId13">
+                <p14:nvContentPartPr>
+                  <p14:cNvPr id="91" name="Ink 90">
+                    <a:extLst>
+                      <a:ext uri="{FF2B5EF4-FFF2-40B4-BE49-F238E27FC236}">
+                        <a16:creationId xmlns:a16="http://schemas.microsoft.com/office/drawing/2014/main" id="{988B63FA-F648-09AD-96EA-3E7579BB269A}"/>
+                      </a:ext>
+                    </a:extLst>
+                  </p14:cNvPr>
+                  <p14:cNvContentPartPr/>
+                  <p14:nvPr/>
+                </p14:nvContentPartPr>
+                <p14:xfrm>
+                  <a:off x="5558808" y="4114272"/>
+                  <a:ext cx="464040" cy="99000"/>
+                </p14:xfrm>
+              </p:contentPart>
+            </mc:Choice>
+            <mc:Fallback>
+              <p:pic>
+                <p:nvPicPr>
+                  <p:cNvPr id="91" name="Ink 90">
+                    <a:extLst>
+                      <a:ext uri="{FF2B5EF4-FFF2-40B4-BE49-F238E27FC236}">
+                        <a16:creationId xmlns:a16="http://schemas.microsoft.com/office/drawing/2014/main" id="{988B63FA-F648-09AD-96EA-3E7579BB269A}"/>
+                      </a:ext>
+                    </a:extLst>
+                  </p:cNvPr>
+                  <p:cNvPicPr/>
+                  <p:nvPr/>
+                </p:nvPicPr>
+                <p:blipFill>
+                  <a:blip r:embed="rId14"/>
+                  <a:stretch>
+                    <a:fillRect/>
+                  </a:stretch>
+                </p:blipFill>
+                <p:spPr>
+                  <a:xfrm>
+                    <a:off x="5550168" y="4105632"/>
+                    <a:ext cx="481680" cy="116640"/>
+                  </a:xfrm>
+                  <a:prstGeom prst="rect">
+                    <a:avLst/>
+                  </a:prstGeom>
+                </p:spPr>
+              </p:pic>
+            </mc:Fallback>
+          </mc:AlternateContent>
+          <mc:AlternateContent xmlns:mc="http://schemas.openxmlformats.org/markup-compatibility/2006">
+            <mc:Choice xmlns:p14="http://schemas.microsoft.com/office/powerpoint/2010/main" Requires="p14">
+              <p:contentPart p14:bwMode="auto" r:id="rId15">
+                <p14:nvContentPartPr>
+                  <p14:cNvPr id="92" name="Ink 91">
+                    <a:extLst>
+                      <a:ext uri="{FF2B5EF4-FFF2-40B4-BE49-F238E27FC236}">
+                        <a16:creationId xmlns:a16="http://schemas.microsoft.com/office/drawing/2014/main" id="{F0544BAD-8A9B-0960-808C-EF4B5BB262A6}"/>
+                      </a:ext>
+                    </a:extLst>
+                  </p14:cNvPr>
+                  <p14:cNvContentPartPr/>
+                  <p14:nvPr/>
+                </p14:nvContentPartPr>
+                <p14:xfrm>
+                  <a:off x="5559168" y="4224072"/>
+                  <a:ext cx="73440" cy="42480"/>
+                </p14:xfrm>
+              </p:contentPart>
+            </mc:Choice>
+            <mc:Fallback>
+              <p:pic>
+                <p:nvPicPr>
+                  <p:cNvPr id="92" name="Ink 91">
+                    <a:extLst>
+                      <a:ext uri="{FF2B5EF4-FFF2-40B4-BE49-F238E27FC236}">
+                        <a16:creationId xmlns:a16="http://schemas.microsoft.com/office/drawing/2014/main" id="{F0544BAD-8A9B-0960-808C-EF4B5BB262A6}"/>
+                      </a:ext>
+                    </a:extLst>
+                  </p:cNvPr>
+                  <p:cNvPicPr/>
+                  <p:nvPr/>
+                </p:nvPicPr>
+                <p:blipFill>
+                  <a:blip r:embed="rId16"/>
+                  <a:stretch>
+                    <a:fillRect/>
+                  </a:stretch>
+                </p:blipFill>
+                <p:spPr>
+                  <a:xfrm>
+                    <a:off x="5550528" y="4215432"/>
+                    <a:ext cx="91080" cy="60120"/>
+                  </a:xfrm>
+                  <a:prstGeom prst="rect">
+                    <a:avLst/>
+                  </a:prstGeom>
+                </p:spPr>
+              </p:pic>
+            </mc:Fallback>
+          </mc:AlternateContent>
+        </p:grpSp>
+        <p:grpSp>
+          <p:nvGrpSpPr>
+            <p:cNvPr id="96" name="Group 95">
+              <a:extLst>
+                <a:ext uri="{FF2B5EF4-FFF2-40B4-BE49-F238E27FC236}">
+                  <a16:creationId xmlns:a16="http://schemas.microsoft.com/office/drawing/2014/main" id="{A1E3938A-5B54-698D-00BF-C4F4AAAAB4D6}"/>
+                </a:ext>
+              </a:extLst>
+            </p:cNvPr>
+            <p:cNvGrpSpPr/>
+            <p:nvPr/>
+          </p:nvGrpSpPr>
+          <p:grpSpPr>
+            <a:xfrm>
+              <a:off x="3657288" y="4296792"/>
+              <a:ext cx="1256040" cy="421560"/>
+              <a:chOff x="3657288" y="4296792"/>
+              <a:chExt cx="1256040" cy="421560"/>
+            </a:xfrm>
+          </p:grpSpPr>
+          <mc:AlternateContent xmlns:mc="http://schemas.openxmlformats.org/markup-compatibility/2006">
+            <mc:Choice xmlns:p14="http://schemas.microsoft.com/office/powerpoint/2010/main" Requires="p14">
+              <p:contentPart p14:bwMode="auto" r:id="rId17">
+                <p14:nvContentPartPr>
+                  <p14:cNvPr id="94" name="Ink 93">
+                    <a:extLst>
+                      <a:ext uri="{FF2B5EF4-FFF2-40B4-BE49-F238E27FC236}">
+                        <a16:creationId xmlns:a16="http://schemas.microsoft.com/office/drawing/2014/main" id="{7773089C-C40F-0D5A-E990-ED5E725A5560}"/>
+                      </a:ext>
+                    </a:extLst>
+                  </p14:cNvPr>
+                  <p14:cNvContentPartPr/>
+                  <p14:nvPr/>
+                </p14:nvContentPartPr>
+                <p14:xfrm>
+                  <a:off x="3657288" y="4296792"/>
+                  <a:ext cx="1254240" cy="421560"/>
+                </p14:xfrm>
+              </p:contentPart>
+            </mc:Choice>
+            <mc:Fallback>
+              <p:pic>
+                <p:nvPicPr>
+                  <p:cNvPr id="94" name="Ink 93">
+                    <a:extLst>
+                      <a:ext uri="{FF2B5EF4-FFF2-40B4-BE49-F238E27FC236}">
+                        <a16:creationId xmlns:a16="http://schemas.microsoft.com/office/drawing/2014/main" id="{7773089C-C40F-0D5A-E990-ED5E725A5560}"/>
+                      </a:ext>
+                    </a:extLst>
+                  </p:cNvPr>
+                  <p:cNvPicPr/>
+                  <p:nvPr/>
+                </p:nvPicPr>
+                <p:blipFill>
+                  <a:blip r:embed="rId18"/>
+                  <a:stretch>
+                    <a:fillRect/>
+                  </a:stretch>
+                </p:blipFill>
+                <p:spPr>
+                  <a:xfrm>
+                    <a:off x="3648288" y="4288152"/>
+                    <a:ext cx="1271880" cy="439200"/>
+                  </a:xfrm>
+                  <a:prstGeom prst="rect">
+                    <a:avLst/>
+                  </a:prstGeom>
+                </p:spPr>
+              </p:pic>
+            </mc:Fallback>
+          </mc:AlternateContent>
+          <mc:AlternateContent xmlns:mc="http://schemas.openxmlformats.org/markup-compatibility/2006">
+            <mc:Choice xmlns:p14="http://schemas.microsoft.com/office/powerpoint/2010/main" Requires="p14">
+              <p:contentPart p14:bwMode="auto" r:id="rId19">
+                <p14:nvContentPartPr>
+                  <p14:cNvPr id="95" name="Ink 94">
+                    <a:extLst>
+                      <a:ext uri="{FF2B5EF4-FFF2-40B4-BE49-F238E27FC236}">
+                        <a16:creationId xmlns:a16="http://schemas.microsoft.com/office/drawing/2014/main" id="{FA82743F-3DAE-D39A-A6E1-051C766D1BAC}"/>
+                      </a:ext>
+                    </a:extLst>
+                  </p14:cNvPr>
+                  <p14:cNvContentPartPr/>
+                  <p14:nvPr/>
+                </p14:nvContentPartPr>
+                <p14:xfrm>
+                  <a:off x="4812528" y="4388952"/>
+                  <a:ext cx="100800" cy="51480"/>
+                </p14:xfrm>
+              </p:contentPart>
+            </mc:Choice>
+            <mc:Fallback>
+              <p:pic>
+                <p:nvPicPr>
+                  <p:cNvPr id="95" name="Ink 94">
+                    <a:extLst>
+                      <a:ext uri="{FF2B5EF4-FFF2-40B4-BE49-F238E27FC236}">
+                        <a16:creationId xmlns:a16="http://schemas.microsoft.com/office/drawing/2014/main" id="{FA82743F-3DAE-D39A-A6E1-051C766D1BAC}"/>
+                      </a:ext>
+                    </a:extLst>
+                  </p:cNvPr>
+                  <p:cNvPicPr/>
+                  <p:nvPr/>
+                </p:nvPicPr>
+                <p:blipFill>
+                  <a:blip r:embed="rId20"/>
+                  <a:stretch>
+                    <a:fillRect/>
+                  </a:stretch>
+                </p:blipFill>
+                <p:spPr>
+                  <a:xfrm>
+                    <a:off x="4803888" y="4379952"/>
+                    <a:ext cx="118440" cy="69120"/>
+                  </a:xfrm>
+                  <a:prstGeom prst="rect">
+                    <a:avLst/>
+                  </a:prstGeom>
+                </p:spPr>
+              </p:pic>
+            </mc:Fallback>
+          </mc:AlternateContent>
+        </p:grpSp>
+        <p:sp>
+          <p:nvSpPr>
+            <p:cNvPr id="97" name="TextBox 96">
+              <a:extLst>
+                <a:ext uri="{FF2B5EF4-FFF2-40B4-BE49-F238E27FC236}">
+                  <a16:creationId xmlns:a16="http://schemas.microsoft.com/office/drawing/2014/main" id="{0A743B85-75FB-669C-3FB2-FCF0B234EEA2}"/>
+                </a:ext>
+              </a:extLst>
+            </p:cNvPr>
+            <p:cNvSpPr txBox="1"/>
+            <p:nvPr/>
+          </p:nvSpPr>
+          <p:spPr>
+            <a:xfrm>
+              <a:off x="2584311" y="4414815"/>
+              <a:ext cx="1275410" cy="523220"/>
+            </a:xfrm>
+            <a:prstGeom prst="rect">
+              <a:avLst/>
+            </a:prstGeom>
+            <a:noFill/>
+          </p:spPr>
+          <p:txBody>
+            <a:bodyPr wrap="square">
+              <a:spAutoFit/>
+            </a:bodyPr>
+            <a:lstStyle/>
+            <a:p>
+              <a:pPr>
+                <a:spcBef>
+                  <a:spcPts val="400"/>
+                </a:spcBef>
+              </a:pPr>
+              <a:r>
+                <a:rPr lang="de-DE" sz="1400" dirty="0"/>
+                <a:t>Optimierungs-richtung</a:t>
+              </a:r>
+              <a:endParaRPr lang="de-DE" sz="1400" b="0" dirty="0"/>
+            </a:p>
+          </p:txBody>
+        </p:sp>
+      </p:grpSp>
+    </p:spTree>
+    <p:extLst>
+      <p:ext uri="{BB962C8B-B14F-4D97-AF65-F5344CB8AC3E}">
+        <p14:creationId xmlns:p14="http://schemas.microsoft.com/office/powerpoint/2010/main" val="4071619735"/>
+      </p:ext>
+    </p:extLst>
+  </p:cSld>
+  <p:clrMapOvr>
+    <a:masterClrMapping/>
+  </p:clrMapOvr>
+</p:sld>
+</file>
+
+<file path=ppt/slides/slide12.xml><?xml version="1.0" encoding="utf-8"?>
+<p:sld xmlns:a="http://schemas.openxmlformats.org/drawingml/2006/main" xmlns:r="http://schemas.openxmlformats.org/officeDocument/2006/relationships" xmlns:p="http://schemas.openxmlformats.org/presentationml/2006/main">
+  <p:cSld>
+    <p:spTree>
+      <p:nvGrpSpPr>
+        <p:cNvPr id="1" name=""/>
+        <p:cNvGrpSpPr/>
+        <p:nvPr/>
+      </p:nvGrpSpPr>
+      <p:grpSpPr>
+        <a:xfrm>
+          <a:off x="0" y="0"/>
+          <a:ext cx="0" cy="0"/>
+          <a:chOff x="0" y="0"/>
+          <a:chExt cx="0" cy="0"/>
+        </a:xfrm>
+      </p:grpSpPr>
+      <p:grpSp>
+        <p:nvGrpSpPr>
+          <p:cNvPr id="20" name="Group 19">
+            <a:extLst>
+              <a:ext uri="{FF2B5EF4-FFF2-40B4-BE49-F238E27FC236}">
+                <a16:creationId xmlns:a16="http://schemas.microsoft.com/office/drawing/2014/main" id="{C728712F-2818-8846-4CBB-BED27526C4AD}"/>
+              </a:ext>
+            </a:extLst>
+          </p:cNvPr>
+          <p:cNvGrpSpPr/>
+          <p:nvPr/>
+        </p:nvGrpSpPr>
+        <p:grpSpPr>
+          <a:xfrm>
+            <a:off x="1513840" y="740051"/>
+            <a:ext cx="4043679" cy="5313508"/>
+            <a:chOff x="1513840" y="740051"/>
+            <a:chExt cx="4043679" cy="5313508"/>
+          </a:xfrm>
+        </p:grpSpPr>
+        <mc:AlternateContent xmlns:mc="http://schemas.openxmlformats.org/markup-compatibility/2006">
+          <mc:Choice xmlns:a14="http://schemas.microsoft.com/office/drawing/2010/main" Requires="a14">
+            <p:sp>
+              <p:nvSpPr>
+                <p:cNvPr id="4" name="Rectangle: Rounded Corners 3">
+                  <a:extLst>
+                    <a:ext uri="{FF2B5EF4-FFF2-40B4-BE49-F238E27FC236}">
+                      <a16:creationId xmlns:a16="http://schemas.microsoft.com/office/drawing/2014/main" id="{FADAE1A3-103B-9418-41AF-4418936202B7}"/>
+                    </a:ext>
+                  </a:extLst>
+                </p:cNvPr>
+                <p:cNvSpPr/>
+                <p:nvPr/>
+              </p:nvSpPr>
+              <p:spPr>
+                <a:xfrm>
+                  <a:off x="1930400" y="2133600"/>
+                  <a:ext cx="2418080" cy="386080"/>
+                </a:xfrm>
+                <a:prstGeom prst="roundRect">
+                  <a:avLst/>
+                </a:prstGeom>
+                <a:ln w="19050">
+                  <a:solidFill>
+                    <a:schemeClr val="accent1"/>
+                  </a:solidFill>
+                </a:ln>
+              </p:spPr>
+              <p:style>
+                <a:lnRef idx="2">
+                  <a:schemeClr val="accent1"/>
+                </a:lnRef>
+                <a:fillRef idx="1">
+                  <a:schemeClr val="lt1"/>
+                </a:fillRef>
+                <a:effectRef idx="0">
+                  <a:schemeClr val="accent1"/>
+                </a:effectRef>
+                <a:fontRef idx="minor">
+                  <a:schemeClr val="dk1"/>
+                </a:fontRef>
+              </p:style>
+              <p:txBody>
+                <a:bodyPr rtlCol="0" anchor="ctr"/>
+                <a:lstStyle/>
+                <a:p>
+                  <a:pPr algn="ctr"/>
+                  <a14:m>
+                    <m:oMathPara xmlns:m="http://schemas.openxmlformats.org/officeDocument/2006/math">
+                      <m:oMathParaPr>
+                        <m:jc m:val="centerGroup"/>
+                      </m:oMathParaPr>
+                      <m:oMath xmlns:m="http://schemas.openxmlformats.org/officeDocument/2006/math">
+                        <m:sSub>
+                          <m:sSubPr>
+                            <m:ctrlPr>
+                              <a:rPr lang="de-DE" b="0" i="1" smtClean="0">
+                                <a:latin typeface="Cambria Math" panose="02040503050406030204" pitchFamily="18" charset="0"/>
+                              </a:rPr>
+                            </m:ctrlPr>
+                          </m:sSubPr>
+                          <m:e>
+                            <m:r>
+                              <a:rPr lang="de-DE" b="0" i="1" smtClean="0">
+                                <a:latin typeface="Cambria Math" panose="02040503050406030204" pitchFamily="18" charset="0"/>
+                              </a:rPr>
+                              <m:t>𝑠</m:t>
+                            </m:r>
+                          </m:e>
+                          <m:sub>
+                            <m:r>
+                              <a:rPr lang="de-DE" b="0" i="1" smtClean="0">
+                                <a:latin typeface="Cambria Math" panose="02040503050406030204" pitchFamily="18" charset="0"/>
+                              </a:rPr>
+                              <m:t>1</m:t>
+                            </m:r>
+                          </m:sub>
+                        </m:sSub>
+                      </m:oMath>
+                    </m:oMathPara>
+                  </a14:m>
+                  <a:endParaRPr lang="en-US" dirty="0"/>
+                </a:p>
+              </p:txBody>
+            </p:sp>
+          </mc:Choice>
+          <mc:Fallback>
+            <p:sp>
+              <p:nvSpPr>
+                <p:cNvPr id="4" name="Rectangle: Rounded Corners 3">
+                  <a:extLst>
+                    <a:ext uri="{FF2B5EF4-FFF2-40B4-BE49-F238E27FC236}">
+                      <a16:creationId xmlns:a16="http://schemas.microsoft.com/office/drawing/2014/main" id="{FADAE1A3-103B-9418-41AF-4418936202B7}"/>
+                    </a:ext>
+                  </a:extLst>
+                </p:cNvPr>
+                <p:cNvSpPr>
+                  <a:spLocks noRot="1" noChangeAspect="1" noMove="1" noResize="1" noEditPoints="1" noAdjustHandles="1" noChangeArrowheads="1" noChangeShapeType="1" noTextEdit="1"/>
+                </p:cNvSpPr>
+                <p:nvPr/>
+              </p:nvSpPr>
+              <p:spPr>
+                <a:xfrm>
+                  <a:off x="1930400" y="2133600"/>
+                  <a:ext cx="2418080" cy="386080"/>
+                </a:xfrm>
+                <a:prstGeom prst="roundRect">
+                  <a:avLst/>
+                </a:prstGeom>
+                <a:blipFill>
+                  <a:blip r:embed="rId2"/>
+                  <a:stretch>
+                    <a:fillRect/>
+                  </a:stretch>
+                </a:blipFill>
+                <a:ln w="19050">
+                  <a:solidFill>
+                    <a:schemeClr val="accent1"/>
+                  </a:solidFill>
+                </a:ln>
+              </p:spPr>
+              <p:txBody>
+                <a:bodyPr/>
+                <a:lstStyle/>
+                <a:p>
+                  <a:r>
+                    <a:rPr lang="en-US">
+                      <a:noFill/>
+                    </a:rPr>
+                    <a:t> </a:t>
+                  </a:r>
+                </a:p>
+              </p:txBody>
+            </p:sp>
+          </mc:Fallback>
+        </mc:AlternateContent>
+        <mc:AlternateContent xmlns:mc="http://schemas.openxmlformats.org/markup-compatibility/2006">
+          <mc:Choice xmlns:a14="http://schemas.microsoft.com/office/drawing/2010/main" Requires="a14">
+            <p:sp>
+              <p:nvSpPr>
+                <p:cNvPr id="5" name="Rectangle: Rounded Corners 4">
+                  <a:extLst>
+                    <a:ext uri="{FF2B5EF4-FFF2-40B4-BE49-F238E27FC236}">
+                      <a16:creationId xmlns:a16="http://schemas.microsoft.com/office/drawing/2014/main" id="{C651E23A-C7EC-4009-B7C6-FAE873729CB5}"/>
+                    </a:ext>
+                  </a:extLst>
+                </p:cNvPr>
+                <p:cNvSpPr/>
+                <p:nvPr/>
+              </p:nvSpPr>
+              <p:spPr>
+                <a:xfrm>
+                  <a:off x="1513840" y="3158858"/>
+                  <a:ext cx="2021840" cy="386080"/>
+                </a:xfrm>
+                <a:prstGeom prst="roundRect">
+                  <a:avLst/>
+                </a:prstGeom>
+                <a:ln w="19050">
+                  <a:solidFill>
+                    <a:schemeClr val="accent1"/>
+                  </a:solidFill>
+                </a:ln>
+              </p:spPr>
+              <p:style>
+                <a:lnRef idx="2">
+                  <a:schemeClr val="accent1"/>
+                </a:lnRef>
+                <a:fillRef idx="1">
+                  <a:schemeClr val="lt1"/>
+                </a:fillRef>
+                <a:effectRef idx="0">
+                  <a:schemeClr val="accent1"/>
+                </a:effectRef>
+                <a:fontRef idx="minor">
+                  <a:schemeClr val="dk1"/>
+                </a:fontRef>
+              </p:style>
+              <p:txBody>
+                <a:bodyPr rtlCol="0" anchor="ctr"/>
+                <a:lstStyle/>
+                <a:p>
+                  <a:pPr algn="ctr"/>
+                  <a14:m>
+                    <m:oMathPara xmlns:m="http://schemas.openxmlformats.org/officeDocument/2006/math">
+                      <m:oMathParaPr>
+                        <m:jc m:val="centerGroup"/>
+                      </m:oMathParaPr>
+                      <m:oMath xmlns:m="http://schemas.openxmlformats.org/officeDocument/2006/math">
+                        <m:sSub>
+                          <m:sSubPr>
+                            <m:ctrlPr>
+                              <a:rPr lang="de-DE" b="0" i="1" smtClean="0">
+                                <a:latin typeface="Cambria Math" panose="02040503050406030204" pitchFamily="18" charset="0"/>
+                              </a:rPr>
+                            </m:ctrlPr>
+                          </m:sSubPr>
+                          <m:e>
+                            <m:r>
+                              <a:rPr lang="de-DE" b="0" i="1" smtClean="0">
+                                <a:latin typeface="Cambria Math" panose="02040503050406030204" pitchFamily="18" charset="0"/>
+                              </a:rPr>
+                              <m:t>𝑠</m:t>
+                            </m:r>
+                          </m:e>
+                          <m:sub>
+                            <m:r>
+                              <a:rPr lang="de-DE" b="0" i="1" smtClean="0">
+                                <a:latin typeface="Cambria Math" panose="02040503050406030204" pitchFamily="18" charset="0"/>
+                              </a:rPr>
+                              <m:t>2</m:t>
+                            </m:r>
+                          </m:sub>
+                        </m:sSub>
+                      </m:oMath>
+                    </m:oMathPara>
+                  </a14:m>
+                  <a:endParaRPr lang="en-US" dirty="0"/>
+                </a:p>
+              </p:txBody>
+            </p:sp>
+          </mc:Choice>
+          <mc:Fallback>
+            <p:sp>
+              <p:nvSpPr>
+                <p:cNvPr id="5" name="Rectangle: Rounded Corners 4">
+                  <a:extLst>
+                    <a:ext uri="{FF2B5EF4-FFF2-40B4-BE49-F238E27FC236}">
+                      <a16:creationId xmlns:a16="http://schemas.microsoft.com/office/drawing/2014/main" id="{C651E23A-C7EC-4009-B7C6-FAE873729CB5}"/>
+                    </a:ext>
+                  </a:extLst>
+                </p:cNvPr>
+                <p:cNvSpPr>
+                  <a:spLocks noRot="1" noChangeAspect="1" noMove="1" noResize="1" noEditPoints="1" noAdjustHandles="1" noChangeArrowheads="1" noChangeShapeType="1" noTextEdit="1"/>
+                </p:cNvSpPr>
+                <p:nvPr/>
+              </p:nvSpPr>
+              <p:spPr>
+                <a:xfrm>
+                  <a:off x="1513840" y="3158858"/>
+                  <a:ext cx="2021840" cy="386080"/>
+                </a:xfrm>
+                <a:prstGeom prst="roundRect">
+                  <a:avLst/>
+                </a:prstGeom>
+                <a:blipFill>
+                  <a:blip r:embed="rId3"/>
+                  <a:stretch>
+                    <a:fillRect/>
+                  </a:stretch>
+                </a:blipFill>
+                <a:ln w="19050">
+                  <a:solidFill>
+                    <a:schemeClr val="accent1"/>
+                  </a:solidFill>
+                </a:ln>
+              </p:spPr>
+              <p:txBody>
+                <a:bodyPr/>
+                <a:lstStyle/>
+                <a:p>
+                  <a:r>
+                    <a:rPr lang="en-US">
+                      <a:noFill/>
+                    </a:rPr>
+                    <a:t> </a:t>
+                  </a:r>
+                </a:p>
+              </p:txBody>
+            </p:sp>
+          </mc:Fallback>
+        </mc:AlternateContent>
+        <mc:AlternateContent xmlns:mc="http://schemas.openxmlformats.org/markup-compatibility/2006">
+          <mc:Choice xmlns:a14="http://schemas.microsoft.com/office/drawing/2010/main" Requires="a14">
+            <p:sp>
+              <p:nvSpPr>
+                <p:cNvPr id="6" name="Rectangle: Rounded Corners 5">
+                  <a:extLst>
+                    <a:ext uri="{FF2B5EF4-FFF2-40B4-BE49-F238E27FC236}">
+                      <a16:creationId xmlns:a16="http://schemas.microsoft.com/office/drawing/2014/main" id="{0EC865EF-C172-D1E6-1258-7D412AE3D263}"/>
+                    </a:ext>
+                  </a:extLst>
+                </p:cNvPr>
+                <p:cNvSpPr/>
+                <p:nvPr/>
+              </p:nvSpPr>
+              <p:spPr>
+                <a:xfrm>
+                  <a:off x="2174240" y="4160197"/>
+                  <a:ext cx="965200" cy="386080"/>
+                </a:xfrm>
+                <a:prstGeom prst="roundRect">
+                  <a:avLst/>
+                </a:prstGeom>
+                <a:ln w="19050">
+                  <a:solidFill>
+                    <a:schemeClr val="accent1"/>
+                  </a:solidFill>
+                </a:ln>
+              </p:spPr>
+              <p:style>
+                <a:lnRef idx="2">
+                  <a:schemeClr val="accent1"/>
+                </a:lnRef>
+                <a:fillRef idx="1">
+                  <a:schemeClr val="lt1"/>
+                </a:fillRef>
+                <a:effectRef idx="0">
+                  <a:schemeClr val="accent1"/>
+                </a:effectRef>
+                <a:fontRef idx="minor">
+                  <a:schemeClr val="dk1"/>
+                </a:fontRef>
+              </p:style>
+              <p:txBody>
+                <a:bodyPr rtlCol="0" anchor="ctr"/>
+                <a:lstStyle/>
+                <a:p>
+                  <a:pPr algn="ctr"/>
+                  <a14:m>
+                    <m:oMathPara xmlns:m="http://schemas.openxmlformats.org/officeDocument/2006/math">
+                      <m:oMathParaPr>
+                        <m:jc m:val="centerGroup"/>
+                      </m:oMathParaPr>
+                      <m:oMath xmlns:m="http://schemas.openxmlformats.org/officeDocument/2006/math">
+                        <m:sSub>
+                          <m:sSubPr>
+                            <m:ctrlPr>
+                              <a:rPr lang="de-DE" b="0" i="1" smtClean="0">
+                                <a:latin typeface="Cambria Math" panose="02040503050406030204" pitchFamily="18" charset="0"/>
+                              </a:rPr>
+                            </m:ctrlPr>
+                          </m:sSubPr>
+                          <m:e>
+                            <m:r>
+                              <a:rPr lang="de-DE" b="0" i="1" smtClean="0">
+                                <a:latin typeface="Cambria Math" panose="02040503050406030204" pitchFamily="18" charset="0"/>
+                              </a:rPr>
+                              <m:t>𝑠</m:t>
+                            </m:r>
+                          </m:e>
+                          <m:sub>
+                            <m:r>
+                              <a:rPr lang="de-DE" b="0" i="1" smtClean="0">
+                                <a:latin typeface="Cambria Math" panose="02040503050406030204" pitchFamily="18" charset="0"/>
+                              </a:rPr>
+                              <m:t>3</m:t>
+                            </m:r>
+                          </m:sub>
+                        </m:sSub>
+                      </m:oMath>
+                    </m:oMathPara>
+                  </a14:m>
+                  <a:endParaRPr lang="en-US" dirty="0"/>
+                </a:p>
+              </p:txBody>
+            </p:sp>
+          </mc:Choice>
+          <mc:Fallback>
+            <p:sp>
+              <p:nvSpPr>
+                <p:cNvPr id="6" name="Rectangle: Rounded Corners 5">
+                  <a:extLst>
+                    <a:ext uri="{FF2B5EF4-FFF2-40B4-BE49-F238E27FC236}">
+                      <a16:creationId xmlns:a16="http://schemas.microsoft.com/office/drawing/2014/main" id="{0EC865EF-C172-D1E6-1258-7D412AE3D263}"/>
+                    </a:ext>
+                  </a:extLst>
+                </p:cNvPr>
+                <p:cNvSpPr>
+                  <a:spLocks noRot="1" noChangeAspect="1" noMove="1" noResize="1" noEditPoints="1" noAdjustHandles="1" noChangeArrowheads="1" noChangeShapeType="1" noTextEdit="1"/>
+                </p:cNvSpPr>
+                <p:nvPr/>
+              </p:nvSpPr>
+              <p:spPr>
+                <a:xfrm>
+                  <a:off x="2174240" y="4160197"/>
+                  <a:ext cx="965200" cy="386080"/>
+                </a:xfrm>
+                <a:prstGeom prst="roundRect">
+                  <a:avLst/>
+                </a:prstGeom>
+                <a:blipFill>
+                  <a:blip r:embed="rId4"/>
+                  <a:stretch>
+                    <a:fillRect/>
+                  </a:stretch>
+                </a:blipFill>
+                <a:ln w="19050">
+                  <a:solidFill>
+                    <a:schemeClr val="accent1"/>
+                  </a:solidFill>
+                </a:ln>
+              </p:spPr>
+              <p:txBody>
+                <a:bodyPr/>
+                <a:lstStyle/>
+                <a:p>
+                  <a:r>
+                    <a:rPr lang="en-US">
+                      <a:noFill/>
+                    </a:rPr>
+                    <a:t> </a:t>
+                  </a:r>
+                </a:p>
+              </p:txBody>
+            </p:sp>
+          </mc:Fallback>
+        </mc:AlternateContent>
+        <mc:AlternateContent xmlns:mc="http://schemas.openxmlformats.org/markup-compatibility/2006">
+          <mc:Choice xmlns:a14="http://schemas.microsoft.com/office/drawing/2010/main" Requires="a14">
+            <p:sp>
+              <p:nvSpPr>
+                <p:cNvPr id="7" name="Rectangle: Rounded Corners 6">
+                  <a:extLst>
+                    <a:ext uri="{FF2B5EF4-FFF2-40B4-BE49-F238E27FC236}">
+                      <a16:creationId xmlns:a16="http://schemas.microsoft.com/office/drawing/2014/main" id="{7570CDEB-3679-2C09-9921-313515445223}"/>
+                    </a:ext>
+                  </a:extLst>
+                </p:cNvPr>
+                <p:cNvSpPr/>
+                <p:nvPr/>
+              </p:nvSpPr>
+              <p:spPr>
+                <a:xfrm>
+                  <a:off x="2305551" y="5140961"/>
+                  <a:ext cx="1767840" cy="386080"/>
+                </a:xfrm>
+                <a:prstGeom prst="roundRect">
+                  <a:avLst/>
+                </a:prstGeom>
+                <a:ln w="19050">
+                  <a:solidFill>
+                    <a:schemeClr val="accent1"/>
+                  </a:solidFill>
+                </a:ln>
+              </p:spPr>
+              <p:style>
+                <a:lnRef idx="2">
+                  <a:schemeClr val="accent1"/>
+                </a:lnRef>
+                <a:fillRef idx="1">
+                  <a:schemeClr val="lt1"/>
+                </a:fillRef>
+                <a:effectRef idx="0">
+                  <a:schemeClr val="accent1"/>
+                </a:effectRef>
+                <a:fontRef idx="minor">
+                  <a:schemeClr val="dk1"/>
+                </a:fontRef>
+              </p:style>
+              <p:txBody>
+                <a:bodyPr rtlCol="0" anchor="ctr"/>
+                <a:lstStyle/>
+                <a:p>
+                  <a:pPr algn="ctr"/>
+                  <a14:m>
+                    <m:oMathPara xmlns:m="http://schemas.openxmlformats.org/officeDocument/2006/math">
+                      <m:oMathParaPr>
+                        <m:jc m:val="centerGroup"/>
+                      </m:oMathParaPr>
+                      <m:oMath xmlns:m="http://schemas.openxmlformats.org/officeDocument/2006/math">
+                        <m:sSub>
+                          <m:sSubPr>
+                            <m:ctrlPr>
+                              <a:rPr lang="de-DE" b="0" i="1" smtClean="0">
+                                <a:latin typeface="Cambria Math" panose="02040503050406030204" pitchFamily="18" charset="0"/>
+                              </a:rPr>
+                            </m:ctrlPr>
+                          </m:sSubPr>
+                          <m:e>
+                            <m:r>
+                              <a:rPr lang="de-DE" b="0" i="1" smtClean="0">
+                                <a:latin typeface="Cambria Math" panose="02040503050406030204" pitchFamily="18" charset="0"/>
+                              </a:rPr>
+                              <m:t>𝑠</m:t>
+                            </m:r>
+                          </m:e>
+                          <m:sub>
+                            <m:r>
+                              <a:rPr lang="de-DE" b="0" i="1" smtClean="0">
+                                <a:latin typeface="Cambria Math" panose="02040503050406030204" pitchFamily="18" charset="0"/>
+                              </a:rPr>
+                              <m:t>4</m:t>
+                            </m:r>
+                          </m:sub>
+                        </m:sSub>
+                      </m:oMath>
+                    </m:oMathPara>
+                  </a14:m>
+                  <a:endParaRPr lang="en-US" dirty="0"/>
+                </a:p>
+              </p:txBody>
+            </p:sp>
+          </mc:Choice>
+          <mc:Fallback>
+            <p:sp>
+              <p:nvSpPr>
+                <p:cNvPr id="7" name="Rectangle: Rounded Corners 6">
+                  <a:extLst>
+                    <a:ext uri="{FF2B5EF4-FFF2-40B4-BE49-F238E27FC236}">
+                      <a16:creationId xmlns:a16="http://schemas.microsoft.com/office/drawing/2014/main" id="{7570CDEB-3679-2C09-9921-313515445223}"/>
+                    </a:ext>
+                  </a:extLst>
+                </p:cNvPr>
+                <p:cNvSpPr>
+                  <a:spLocks noRot="1" noChangeAspect="1" noMove="1" noResize="1" noEditPoints="1" noAdjustHandles="1" noChangeArrowheads="1" noChangeShapeType="1" noTextEdit="1"/>
+                </p:cNvSpPr>
+                <p:nvPr/>
+              </p:nvSpPr>
+              <p:spPr>
+                <a:xfrm>
+                  <a:off x="2305551" y="5140961"/>
+                  <a:ext cx="1767840" cy="386080"/>
+                </a:xfrm>
+                <a:prstGeom prst="roundRect">
+                  <a:avLst/>
+                </a:prstGeom>
+                <a:blipFill>
+                  <a:blip r:embed="rId5"/>
+                  <a:stretch>
+                    <a:fillRect/>
+                  </a:stretch>
+                </a:blipFill>
+                <a:ln w="19050">
+                  <a:solidFill>
+                    <a:schemeClr val="accent1"/>
+                  </a:solidFill>
+                </a:ln>
+              </p:spPr>
+              <p:txBody>
+                <a:bodyPr/>
+                <a:lstStyle/>
+                <a:p>
+                  <a:r>
+                    <a:rPr lang="en-US">
+                      <a:noFill/>
+                    </a:rPr>
+                    <a:t> </a:t>
+                  </a:r>
+                </a:p>
+              </p:txBody>
+            </p:sp>
+          </mc:Fallback>
+        </mc:AlternateContent>
+        <p:sp>
+          <p:nvSpPr>
+            <p:cNvPr id="8" name="Right Brace 7">
+              <a:extLst>
+                <a:ext uri="{FF2B5EF4-FFF2-40B4-BE49-F238E27FC236}">
+                  <a16:creationId xmlns:a16="http://schemas.microsoft.com/office/drawing/2014/main" id="{4EEB3103-4EF8-7CD6-6447-88F3716EC5D7}"/>
+                </a:ext>
+              </a:extLst>
+            </p:cNvPr>
+            <p:cNvSpPr/>
+            <p:nvPr/>
+          </p:nvSpPr>
+          <p:spPr>
+            <a:xfrm rot="16200000">
+              <a:off x="3007360" y="751840"/>
+              <a:ext cx="264160" cy="2418080"/>
+            </a:xfrm>
+            <a:prstGeom prst="rightBrace">
+              <a:avLst/>
+            </a:prstGeom>
+            <a:ln>
+              <a:solidFill>
+                <a:schemeClr val="accent1"/>
+              </a:solidFill>
+            </a:ln>
+          </p:spPr>
+          <p:style>
+            <a:lnRef idx="1">
+              <a:schemeClr val="accent1"/>
+            </a:lnRef>
+            <a:fillRef idx="0">
+              <a:schemeClr val="accent1"/>
+            </a:fillRef>
+            <a:effectRef idx="0">
+              <a:schemeClr val="accent1"/>
+            </a:effectRef>
+            <a:fontRef idx="minor">
+              <a:schemeClr val="tx1"/>
+            </a:fontRef>
+          </p:style>
+          <p:txBody>
+            <a:bodyPr rtlCol="0" anchor="ctr"/>
+            <a:lstStyle/>
+            <a:p>
+              <a:pPr algn="ctr"/>
+              <a:endParaRPr lang="en-US"/>
+            </a:p>
+          </p:txBody>
+        </p:sp>
+        <mc:AlternateContent xmlns:mc="http://schemas.openxmlformats.org/markup-compatibility/2006">
+          <mc:Choice xmlns:a14="http://schemas.microsoft.com/office/drawing/2010/main" Requires="a14">
+            <p:sp>
+              <p:nvSpPr>
+                <p:cNvPr id="10" name="TextBox 9">
+                  <a:extLst>
+                    <a:ext uri="{FF2B5EF4-FFF2-40B4-BE49-F238E27FC236}">
+                      <a16:creationId xmlns:a16="http://schemas.microsoft.com/office/drawing/2014/main" id="{19C44744-561F-1D7F-A0A0-9CF8F6E25E95}"/>
+                    </a:ext>
+                  </a:extLst>
+                </p:cNvPr>
+                <p:cNvSpPr txBox="1"/>
+                <p:nvPr/>
+              </p:nvSpPr>
+              <p:spPr>
+                <a:xfrm>
+                  <a:off x="2865120" y="1523999"/>
+                  <a:ext cx="548640" cy="369332"/>
+                </a:xfrm>
+                <a:prstGeom prst="rect">
+                  <a:avLst/>
+                </a:prstGeom>
+                <a:noFill/>
+              </p:spPr>
+              <p:txBody>
+                <a:bodyPr wrap="square">
+                  <a:spAutoFit/>
+                </a:bodyPr>
+                <a:lstStyle/>
+                <a:p>
+                  <a:pPr/>
+                  <a14:m>
+                    <m:oMathPara xmlns:m="http://schemas.openxmlformats.org/officeDocument/2006/math">
+                      <m:oMathParaPr>
+                        <m:jc m:val="centerGroup"/>
+                      </m:oMathParaPr>
+                      <m:oMath xmlns:m="http://schemas.openxmlformats.org/officeDocument/2006/math">
+                        <m:sSub>
+                          <m:sSubPr>
+                            <m:ctrlPr>
+                              <a:rPr lang="de-DE" b="0" i="1" smtClean="0">
+                                <a:latin typeface="Cambria Math" panose="02040503050406030204" pitchFamily="18" charset="0"/>
+                              </a:rPr>
+                            </m:ctrlPr>
+                          </m:sSubPr>
+                          <m:e>
+                            <m:r>
+                              <a:rPr lang="de-DE" b="0" i="1" smtClean="0">
+                                <a:latin typeface="Cambria Math" panose="02040503050406030204" pitchFamily="18" charset="0"/>
+                              </a:rPr>
+                              <m:t>𝑑</m:t>
+                            </m:r>
+                          </m:e>
+                          <m:sub>
+                            <m:r>
+                              <a:rPr lang="de-DE" b="0" i="1" smtClean="0">
+                                <a:latin typeface="Cambria Math" panose="02040503050406030204" pitchFamily="18" charset="0"/>
+                              </a:rPr>
+                              <m:t>1</m:t>
+                            </m:r>
+                          </m:sub>
+                        </m:sSub>
+                      </m:oMath>
+                    </m:oMathPara>
+                  </a14:m>
+                  <a:endParaRPr lang="en-US" dirty="0"/>
+                </a:p>
+              </p:txBody>
+            </p:sp>
+          </mc:Choice>
+          <mc:Fallback>
+            <p:sp>
+              <p:nvSpPr>
+                <p:cNvPr id="10" name="TextBox 9">
+                  <a:extLst>
+                    <a:ext uri="{FF2B5EF4-FFF2-40B4-BE49-F238E27FC236}">
+                      <a16:creationId xmlns:a16="http://schemas.microsoft.com/office/drawing/2014/main" id="{19C44744-561F-1D7F-A0A0-9CF8F6E25E95}"/>
+                    </a:ext>
+                  </a:extLst>
+                </p:cNvPr>
+                <p:cNvSpPr txBox="1">
+                  <a:spLocks noRot="1" noChangeAspect="1" noMove="1" noResize="1" noEditPoints="1" noAdjustHandles="1" noChangeArrowheads="1" noChangeShapeType="1" noTextEdit="1"/>
+                </p:cNvSpPr>
+                <p:nvPr/>
+              </p:nvSpPr>
+              <p:spPr>
+                <a:xfrm>
+                  <a:off x="2865120" y="1523999"/>
+                  <a:ext cx="548640" cy="369332"/>
+                </a:xfrm>
+                <a:prstGeom prst="rect">
+                  <a:avLst/>
+                </a:prstGeom>
+                <a:blipFill>
+                  <a:blip r:embed="rId6"/>
+                  <a:stretch>
+                    <a:fillRect/>
+                  </a:stretch>
+                </a:blipFill>
+              </p:spPr>
+              <p:txBody>
+                <a:bodyPr/>
+                <a:lstStyle/>
+                <a:p>
+                  <a:r>
+                    <a:rPr lang="en-US">
+                      <a:noFill/>
+                    </a:rPr>
+                    <a:t> </a:t>
+                  </a:r>
+                </a:p>
+              </p:txBody>
+            </p:sp>
+          </mc:Fallback>
+        </mc:AlternateContent>
+        <p:sp>
+          <p:nvSpPr>
+            <p:cNvPr id="11" name="Right Brace 10">
+              <a:extLst>
+                <a:ext uri="{FF2B5EF4-FFF2-40B4-BE49-F238E27FC236}">
+                  <a16:creationId xmlns:a16="http://schemas.microsoft.com/office/drawing/2014/main" id="{C304D711-D99D-28CB-81AA-0609718C15C1}"/>
+                </a:ext>
+              </a:extLst>
+            </p:cNvPr>
+            <p:cNvSpPr/>
+            <p:nvPr/>
+          </p:nvSpPr>
+          <p:spPr>
+            <a:xfrm rot="16200000">
+              <a:off x="2392680" y="1975218"/>
+              <a:ext cx="264160" cy="2021840"/>
+            </a:xfrm>
+            <a:prstGeom prst="rightBrace">
+              <a:avLst/>
+            </a:prstGeom>
+            <a:ln>
+              <a:solidFill>
+                <a:schemeClr val="accent1"/>
+              </a:solidFill>
+            </a:ln>
+          </p:spPr>
+          <p:style>
+            <a:lnRef idx="1">
+              <a:schemeClr val="accent1"/>
+            </a:lnRef>
+            <a:fillRef idx="0">
+              <a:schemeClr val="accent1"/>
+            </a:fillRef>
+            <a:effectRef idx="0">
+              <a:schemeClr val="accent1"/>
+            </a:effectRef>
+            <a:fontRef idx="minor">
+              <a:schemeClr val="tx1"/>
+            </a:fontRef>
+          </p:style>
+          <p:txBody>
+            <a:bodyPr rtlCol="0" anchor="ctr"/>
+            <a:lstStyle/>
+            <a:p>
+              <a:pPr algn="ctr"/>
+              <a:endParaRPr lang="en-US"/>
+            </a:p>
+          </p:txBody>
+        </p:sp>
+        <mc:AlternateContent xmlns:mc="http://schemas.openxmlformats.org/markup-compatibility/2006">
+          <mc:Choice xmlns:a14="http://schemas.microsoft.com/office/drawing/2010/main" Requires="a14">
+            <p:sp>
+              <p:nvSpPr>
+                <p:cNvPr id="12" name="TextBox 11">
+                  <a:extLst>
+                    <a:ext uri="{FF2B5EF4-FFF2-40B4-BE49-F238E27FC236}">
+                      <a16:creationId xmlns:a16="http://schemas.microsoft.com/office/drawing/2014/main" id="{5BCF2917-80FC-09AE-4560-2B6A06FA2300}"/>
+                    </a:ext>
+                  </a:extLst>
+                </p:cNvPr>
+                <p:cNvSpPr txBox="1"/>
+                <p:nvPr/>
+              </p:nvSpPr>
+              <p:spPr>
+                <a:xfrm>
+                  <a:off x="2305551" y="2549257"/>
+                  <a:ext cx="458737" cy="369332"/>
+                </a:xfrm>
+                <a:prstGeom prst="rect">
+                  <a:avLst/>
+                </a:prstGeom>
+                <a:noFill/>
+              </p:spPr>
+              <p:txBody>
+                <a:bodyPr wrap="square">
+                  <a:spAutoFit/>
+                </a:bodyPr>
+                <a:lstStyle/>
+                <a:p>
+                  <a:pPr/>
+                  <a14:m>
+                    <m:oMathPara xmlns:m="http://schemas.openxmlformats.org/officeDocument/2006/math">
+                      <m:oMathParaPr>
+                        <m:jc m:val="centerGroup"/>
+                      </m:oMathParaPr>
+                      <m:oMath xmlns:m="http://schemas.openxmlformats.org/officeDocument/2006/math">
+                        <m:sSub>
+                          <m:sSubPr>
+                            <m:ctrlPr>
+                              <a:rPr lang="de-DE" b="0" i="1" smtClean="0">
+                                <a:latin typeface="Cambria Math" panose="02040503050406030204" pitchFamily="18" charset="0"/>
+                              </a:rPr>
+                            </m:ctrlPr>
+                          </m:sSubPr>
+                          <m:e>
+                            <m:r>
+                              <a:rPr lang="de-DE" b="0" i="1" smtClean="0">
+                                <a:latin typeface="Cambria Math" panose="02040503050406030204" pitchFamily="18" charset="0"/>
+                              </a:rPr>
+                              <m:t>𝑑</m:t>
+                            </m:r>
+                          </m:e>
+                          <m:sub>
+                            <m:r>
+                              <a:rPr lang="de-DE" b="0" i="1" smtClean="0">
+                                <a:latin typeface="Cambria Math" panose="02040503050406030204" pitchFamily="18" charset="0"/>
+                              </a:rPr>
+                              <m:t>2</m:t>
+                            </m:r>
+                          </m:sub>
+                        </m:sSub>
+                      </m:oMath>
+                    </m:oMathPara>
+                  </a14:m>
+                  <a:endParaRPr lang="en-US" dirty="0"/>
+                </a:p>
+              </p:txBody>
+            </p:sp>
+          </mc:Choice>
+          <mc:Fallback>
+            <p:sp>
+              <p:nvSpPr>
+                <p:cNvPr id="12" name="TextBox 11">
+                  <a:extLst>
+                    <a:ext uri="{FF2B5EF4-FFF2-40B4-BE49-F238E27FC236}">
+                      <a16:creationId xmlns:a16="http://schemas.microsoft.com/office/drawing/2014/main" id="{5BCF2917-80FC-09AE-4560-2B6A06FA2300}"/>
+                    </a:ext>
+                  </a:extLst>
+                </p:cNvPr>
+                <p:cNvSpPr txBox="1">
+                  <a:spLocks noRot="1" noChangeAspect="1" noMove="1" noResize="1" noEditPoints="1" noAdjustHandles="1" noChangeArrowheads="1" noChangeShapeType="1" noTextEdit="1"/>
+                </p:cNvSpPr>
+                <p:nvPr/>
+              </p:nvSpPr>
+              <p:spPr>
+                <a:xfrm>
+                  <a:off x="2305551" y="2549257"/>
+                  <a:ext cx="458737" cy="369332"/>
+                </a:xfrm>
+                <a:prstGeom prst="rect">
+                  <a:avLst/>
+                </a:prstGeom>
+                <a:blipFill>
+                  <a:blip r:embed="rId7"/>
+                  <a:stretch>
+                    <a:fillRect/>
+                  </a:stretch>
+                </a:blipFill>
+              </p:spPr>
+              <p:txBody>
+                <a:bodyPr/>
+                <a:lstStyle/>
+                <a:p>
+                  <a:r>
+                    <a:rPr lang="en-US">
+                      <a:noFill/>
+                    </a:rPr>
+                    <a:t> </a:t>
+                  </a:r>
+                </a:p>
+              </p:txBody>
+            </p:sp>
+          </mc:Fallback>
+        </mc:AlternateContent>
+        <p:sp>
+          <p:nvSpPr>
+            <p:cNvPr id="13" name="Right Brace 12">
+              <a:extLst>
+                <a:ext uri="{FF2B5EF4-FFF2-40B4-BE49-F238E27FC236}">
+                  <a16:creationId xmlns:a16="http://schemas.microsoft.com/office/drawing/2014/main" id="{C9F44962-1E63-E721-9EE6-97D5AD1BA729}"/>
+                </a:ext>
+              </a:extLst>
+            </p:cNvPr>
+            <p:cNvSpPr/>
+            <p:nvPr/>
+          </p:nvSpPr>
+          <p:spPr>
+            <a:xfrm rot="16200000">
+              <a:off x="2524760" y="3504878"/>
+              <a:ext cx="264160" cy="965200"/>
+            </a:xfrm>
+            <a:prstGeom prst="rightBrace">
+              <a:avLst/>
+            </a:prstGeom>
+            <a:ln>
+              <a:solidFill>
+                <a:schemeClr val="accent1"/>
+              </a:solidFill>
+            </a:ln>
+          </p:spPr>
+          <p:style>
+            <a:lnRef idx="1">
+              <a:schemeClr val="accent1"/>
+            </a:lnRef>
+            <a:fillRef idx="0">
+              <a:schemeClr val="accent1"/>
+            </a:fillRef>
+            <a:effectRef idx="0">
+              <a:schemeClr val="accent1"/>
+            </a:effectRef>
+            <a:fontRef idx="minor">
+              <a:schemeClr val="tx1"/>
+            </a:fontRef>
+          </p:style>
+          <p:txBody>
+            <a:bodyPr rtlCol="0" anchor="ctr"/>
+            <a:lstStyle/>
+            <a:p>
+              <a:pPr algn="ctr"/>
+              <a:endParaRPr lang="en-US"/>
+            </a:p>
+          </p:txBody>
+        </p:sp>
+        <mc:AlternateContent xmlns:mc="http://schemas.openxmlformats.org/markup-compatibility/2006">
+          <mc:Choice xmlns:a14="http://schemas.microsoft.com/office/drawing/2010/main" Requires="a14">
+            <p:sp>
+              <p:nvSpPr>
+                <p:cNvPr id="14" name="TextBox 13">
+                  <a:extLst>
+                    <a:ext uri="{FF2B5EF4-FFF2-40B4-BE49-F238E27FC236}">
+                      <a16:creationId xmlns:a16="http://schemas.microsoft.com/office/drawing/2014/main" id="{88861398-BD17-EA06-9198-6ECB4D77AAD9}"/>
+                    </a:ext>
+                  </a:extLst>
+                </p:cNvPr>
+                <p:cNvSpPr txBox="1"/>
+                <p:nvPr/>
+              </p:nvSpPr>
+              <p:spPr>
+                <a:xfrm>
+                  <a:off x="2469896" y="3570317"/>
+                  <a:ext cx="218995" cy="369332"/>
+                </a:xfrm>
+                <a:prstGeom prst="rect">
+                  <a:avLst/>
+                </a:prstGeom>
+                <a:noFill/>
+              </p:spPr>
+              <p:txBody>
+                <a:bodyPr wrap="square">
+                  <a:spAutoFit/>
+                </a:bodyPr>
+                <a:lstStyle/>
+                <a:p>
+                  <a:pPr/>
+                  <a14:m>
+                    <m:oMathPara xmlns:m="http://schemas.openxmlformats.org/officeDocument/2006/math">
+                      <m:oMathParaPr>
+                        <m:jc m:val="centerGroup"/>
+                      </m:oMathParaPr>
+                      <m:oMath xmlns:m="http://schemas.openxmlformats.org/officeDocument/2006/math">
+                        <m:sSub>
+                          <m:sSubPr>
+                            <m:ctrlPr>
+                              <a:rPr lang="de-DE" b="0" i="1" smtClean="0">
+                                <a:latin typeface="Cambria Math" panose="02040503050406030204" pitchFamily="18" charset="0"/>
+                              </a:rPr>
+                            </m:ctrlPr>
+                          </m:sSubPr>
+                          <m:e>
+                            <m:r>
+                              <a:rPr lang="de-DE" b="0" i="1" smtClean="0">
+                                <a:latin typeface="Cambria Math" panose="02040503050406030204" pitchFamily="18" charset="0"/>
+                              </a:rPr>
+                              <m:t>𝑑</m:t>
+                            </m:r>
+                          </m:e>
+                          <m:sub>
+                            <m:r>
+                              <a:rPr lang="de-DE" b="0" i="1" smtClean="0">
+                                <a:latin typeface="Cambria Math" panose="02040503050406030204" pitchFamily="18" charset="0"/>
+                              </a:rPr>
+                              <m:t>3</m:t>
+                            </m:r>
+                          </m:sub>
+                        </m:sSub>
+                      </m:oMath>
+                    </m:oMathPara>
+                  </a14:m>
+                  <a:endParaRPr lang="en-US" dirty="0"/>
+                </a:p>
+              </p:txBody>
+            </p:sp>
+          </mc:Choice>
+          <mc:Fallback>
+            <p:sp>
+              <p:nvSpPr>
+                <p:cNvPr id="14" name="TextBox 13">
+                  <a:extLst>
+                    <a:ext uri="{FF2B5EF4-FFF2-40B4-BE49-F238E27FC236}">
+                      <a16:creationId xmlns:a16="http://schemas.microsoft.com/office/drawing/2014/main" id="{88861398-BD17-EA06-9198-6ECB4D77AAD9}"/>
+                    </a:ext>
+                  </a:extLst>
+                </p:cNvPr>
+                <p:cNvSpPr txBox="1">
+                  <a:spLocks noRot="1" noChangeAspect="1" noMove="1" noResize="1" noEditPoints="1" noAdjustHandles="1" noChangeArrowheads="1" noChangeShapeType="1" noTextEdit="1"/>
+                </p:cNvSpPr>
+                <p:nvPr/>
+              </p:nvSpPr>
+              <p:spPr>
+                <a:xfrm>
+                  <a:off x="2469896" y="3570317"/>
+                  <a:ext cx="218995" cy="369332"/>
+                </a:xfrm>
+                <a:prstGeom prst="rect">
+                  <a:avLst/>
+                </a:prstGeom>
+                <a:blipFill>
+                  <a:blip r:embed="rId8"/>
+                  <a:stretch>
+                    <a:fillRect r="-75000"/>
+                  </a:stretch>
+                </a:blipFill>
+              </p:spPr>
+              <p:txBody>
+                <a:bodyPr/>
+                <a:lstStyle/>
+                <a:p>
+                  <a:r>
+                    <a:rPr lang="en-US">
+                      <a:noFill/>
+                    </a:rPr>
+                    <a:t> </a:t>
+                  </a:r>
+                </a:p>
+              </p:txBody>
+            </p:sp>
+          </mc:Fallback>
+        </mc:AlternateContent>
+        <p:sp>
+          <p:nvSpPr>
+            <p:cNvPr id="15" name="Right Brace 14">
+              <a:extLst>
+                <a:ext uri="{FF2B5EF4-FFF2-40B4-BE49-F238E27FC236}">
+                  <a16:creationId xmlns:a16="http://schemas.microsoft.com/office/drawing/2014/main" id="{583B3E62-87FF-8A60-64A1-6C7193497D71}"/>
+                </a:ext>
+              </a:extLst>
+            </p:cNvPr>
+            <p:cNvSpPr/>
+            <p:nvPr/>
+          </p:nvSpPr>
+          <p:spPr>
+            <a:xfrm rot="16200000">
+              <a:off x="3057391" y="4077131"/>
+              <a:ext cx="264160" cy="1767840"/>
+            </a:xfrm>
+            <a:prstGeom prst="rightBrace">
+              <a:avLst/>
+            </a:prstGeom>
+            <a:ln>
+              <a:solidFill>
+                <a:schemeClr val="accent1"/>
+              </a:solidFill>
+            </a:ln>
+          </p:spPr>
+          <p:style>
+            <a:lnRef idx="1">
+              <a:schemeClr val="accent1"/>
+            </a:lnRef>
+            <a:fillRef idx="0">
+              <a:schemeClr val="accent1"/>
+            </a:fillRef>
+            <a:effectRef idx="0">
+              <a:schemeClr val="accent1"/>
+            </a:effectRef>
+            <a:fontRef idx="minor">
+              <a:schemeClr val="tx1"/>
+            </a:fontRef>
+          </p:style>
+          <p:txBody>
+            <a:bodyPr rtlCol="0" anchor="ctr"/>
+            <a:lstStyle/>
+            <a:p>
+              <a:pPr algn="ctr"/>
+              <a:endParaRPr lang="en-US"/>
+            </a:p>
+          </p:txBody>
+        </p:sp>
+        <mc:AlternateContent xmlns:mc="http://schemas.openxmlformats.org/markup-compatibility/2006">
+          <mc:Choice xmlns:a14="http://schemas.microsoft.com/office/drawing/2010/main" Requires="a14">
+            <p:sp>
+              <p:nvSpPr>
+                <p:cNvPr id="16" name="TextBox 15">
+                  <a:extLst>
+                    <a:ext uri="{FF2B5EF4-FFF2-40B4-BE49-F238E27FC236}">
+                      <a16:creationId xmlns:a16="http://schemas.microsoft.com/office/drawing/2014/main" id="{95782038-1E99-9E0A-ED1F-D64079CC8C0E}"/>
+                    </a:ext>
+                  </a:extLst>
+                </p:cNvPr>
+                <p:cNvSpPr txBox="1"/>
+                <p:nvPr/>
+              </p:nvSpPr>
+              <p:spPr>
+                <a:xfrm>
+                  <a:off x="2988917" y="4546277"/>
+                  <a:ext cx="401107" cy="369332"/>
+                </a:xfrm>
+                <a:prstGeom prst="rect">
+                  <a:avLst/>
+                </a:prstGeom>
+                <a:noFill/>
+              </p:spPr>
+              <p:txBody>
+                <a:bodyPr wrap="square">
+                  <a:spAutoFit/>
+                </a:bodyPr>
+                <a:lstStyle/>
+                <a:p>
+                  <a:pPr/>
+                  <a14:m>
+                    <m:oMathPara xmlns:m="http://schemas.openxmlformats.org/officeDocument/2006/math">
+                      <m:oMathParaPr>
+                        <m:jc m:val="centerGroup"/>
+                      </m:oMathParaPr>
+                      <m:oMath xmlns:m="http://schemas.openxmlformats.org/officeDocument/2006/math">
+                        <m:sSub>
+                          <m:sSubPr>
+                            <m:ctrlPr>
+                              <a:rPr lang="de-DE" b="0" i="1" smtClean="0">
+                                <a:latin typeface="Cambria Math" panose="02040503050406030204" pitchFamily="18" charset="0"/>
+                              </a:rPr>
+                            </m:ctrlPr>
+                          </m:sSubPr>
+                          <m:e>
+                            <m:r>
+                              <a:rPr lang="de-DE" b="0" i="1" smtClean="0">
+                                <a:latin typeface="Cambria Math" panose="02040503050406030204" pitchFamily="18" charset="0"/>
+                              </a:rPr>
+                              <m:t>𝑑</m:t>
+                            </m:r>
+                          </m:e>
+                          <m:sub>
+                            <m:r>
+                              <a:rPr lang="de-DE" b="0" i="1" smtClean="0">
+                                <a:latin typeface="Cambria Math" panose="02040503050406030204" pitchFamily="18" charset="0"/>
+                              </a:rPr>
+                              <m:t>4</m:t>
+                            </m:r>
+                          </m:sub>
+                        </m:sSub>
+                      </m:oMath>
+                    </m:oMathPara>
+                  </a14:m>
+                  <a:endParaRPr lang="en-US" dirty="0"/>
+                </a:p>
+              </p:txBody>
+            </p:sp>
+          </mc:Choice>
+          <mc:Fallback>
+            <p:sp>
+              <p:nvSpPr>
+                <p:cNvPr id="16" name="TextBox 15">
+                  <a:extLst>
+                    <a:ext uri="{FF2B5EF4-FFF2-40B4-BE49-F238E27FC236}">
+                      <a16:creationId xmlns:a16="http://schemas.microsoft.com/office/drawing/2014/main" id="{95782038-1E99-9E0A-ED1F-D64079CC8C0E}"/>
+                    </a:ext>
+                  </a:extLst>
+                </p:cNvPr>
+                <p:cNvSpPr txBox="1">
+                  <a:spLocks noRot="1" noChangeAspect="1" noMove="1" noResize="1" noEditPoints="1" noAdjustHandles="1" noChangeArrowheads="1" noChangeShapeType="1" noTextEdit="1"/>
+                </p:cNvSpPr>
+                <p:nvPr/>
+              </p:nvSpPr>
+              <p:spPr>
+                <a:xfrm>
+                  <a:off x="2988917" y="4546277"/>
+                  <a:ext cx="401107" cy="369332"/>
+                </a:xfrm>
+                <a:prstGeom prst="rect">
+                  <a:avLst/>
+                </a:prstGeom>
+                <a:blipFill>
+                  <a:blip r:embed="rId9"/>
+                  <a:stretch>
+                    <a:fillRect/>
+                  </a:stretch>
+                </a:blipFill>
+              </p:spPr>
+              <p:txBody>
+                <a:bodyPr/>
+                <a:lstStyle/>
+                <a:p>
+                  <a:r>
+                    <a:rPr lang="en-US">
+                      <a:noFill/>
+                    </a:rPr>
+                    <a:t> </a:t>
+                  </a:r>
+                </a:p>
+              </p:txBody>
+            </p:sp>
+          </mc:Fallback>
+        </mc:AlternateContent>
+        <p:cxnSp>
+          <p:nvCxnSpPr>
+            <p:cNvPr id="18" name="Straight Connector 17">
+              <a:extLst>
+                <a:ext uri="{FF2B5EF4-FFF2-40B4-BE49-F238E27FC236}">
+                  <a16:creationId xmlns:a16="http://schemas.microsoft.com/office/drawing/2014/main" id="{48A70F21-1674-8CF0-042E-9544FAE92ECD}"/>
+                </a:ext>
+              </a:extLst>
+            </p:cNvPr>
+            <p:cNvCxnSpPr/>
+            <p:nvPr/>
+          </p:nvCxnSpPr>
+          <p:spPr>
+            <a:xfrm>
+              <a:off x="4348480" y="1523999"/>
+              <a:ext cx="0" cy="4529560"/>
+            </a:xfrm>
+            <a:prstGeom prst="line">
+              <a:avLst/>
+            </a:prstGeom>
+            <a:ln w="28575">
+              <a:solidFill>
+                <a:srgbClr val="C00000"/>
+              </a:solidFill>
+            </a:ln>
+          </p:spPr>
+          <p:style>
+            <a:lnRef idx="1">
+              <a:schemeClr val="accent1"/>
+            </a:lnRef>
+            <a:fillRef idx="0">
+              <a:schemeClr val="accent1"/>
+            </a:fillRef>
+            <a:effectRef idx="0">
+              <a:schemeClr val="accent1"/>
+            </a:effectRef>
+            <a:fontRef idx="minor">
+              <a:schemeClr val="tx1"/>
+            </a:fontRef>
+          </p:style>
+        </p:cxnSp>
+        <mc:AlternateContent xmlns:mc="http://schemas.openxmlformats.org/markup-compatibility/2006">
+          <mc:Choice xmlns:a14="http://schemas.microsoft.com/office/drawing/2010/main" Requires="a14">
+            <p:sp>
+              <p:nvSpPr>
+                <p:cNvPr id="19" name="TextBox 18">
+                  <a:extLst>
+                    <a:ext uri="{FF2B5EF4-FFF2-40B4-BE49-F238E27FC236}">
+                      <a16:creationId xmlns:a16="http://schemas.microsoft.com/office/drawing/2014/main" id="{41573476-C8C4-49B3-5A8E-33DD056BC108}"/>
+                    </a:ext>
+                  </a:extLst>
+                </p:cNvPr>
+                <p:cNvSpPr txBox="1"/>
+                <p:nvPr/>
+              </p:nvSpPr>
+              <p:spPr>
+                <a:xfrm>
+                  <a:off x="3535680" y="740051"/>
+                  <a:ext cx="2021839" cy="1194879"/>
+                </a:xfrm>
+                <a:prstGeom prst="rect">
+                  <a:avLst/>
+                </a:prstGeom>
+                <a:noFill/>
+              </p:spPr>
+              <p:txBody>
+                <a:bodyPr wrap="square">
+                  <a:spAutoFit/>
+                </a:bodyPr>
+                <a:lstStyle/>
+                <a:p>
+                  <a:pPr/>
+                  <a14:m>
+                    <m:oMathPara xmlns:m="http://schemas.openxmlformats.org/officeDocument/2006/math">
+                      <m:oMathParaPr>
+                        <m:jc m:val="centerGroup"/>
+                      </m:oMathParaPr>
+                      <m:oMath xmlns:m="http://schemas.openxmlformats.org/officeDocument/2006/math">
+                        <m:func>
+                          <m:funcPr>
+                            <m:ctrlPr>
+                              <a:rPr lang="de-DE" b="0" i="1" smtClean="0">
+                                <a:latin typeface="Cambria Math" panose="02040503050406030204" pitchFamily="18" charset="0"/>
+                              </a:rPr>
+                            </m:ctrlPr>
+                          </m:funcPr>
+                          <m:fName>
+                            <m:r>
+                              <m:rPr>
+                                <m:sty m:val="p"/>
+                              </m:rPr>
+                              <a:rPr lang="de-DE" b="0" i="0" smtClean="0">
+                                <a:latin typeface="Cambria Math" panose="02040503050406030204" pitchFamily="18" charset="0"/>
+                              </a:rPr>
+                              <m:t>min</m:t>
+                            </m:r>
+                          </m:fName>
+                          <m:e>
+                            <m:func>
+                              <m:funcPr>
+                                <m:ctrlPr>
+                                  <a:rPr lang="de-DE" b="0" i="1" smtClean="0">
+                                    <a:latin typeface="Cambria Math" panose="02040503050406030204" pitchFamily="18" charset="0"/>
+                                  </a:rPr>
+                                </m:ctrlPr>
+                              </m:funcPr>
+                              <m:fName>
+                                <m:r>
+                                  <m:rPr>
+                                    <m:sty m:val="p"/>
+                                  </m:rPr>
+                                  <a:rPr lang="de-DE" b="0" i="0" smtClean="0">
+                                    <a:latin typeface="Cambria Math" panose="02040503050406030204" pitchFamily="18" charset="0"/>
+                                  </a:rPr>
+                                  <m:t>max</m:t>
+                                </m:r>
+                              </m:fName>
+                              <m:e>
+                                <m:eqArr>
+                                  <m:eqArrPr>
+                                    <m:ctrlPr>
+                                      <a:rPr lang="de-DE" b="0" i="1" smtClean="0">
+                                        <a:latin typeface="Cambria Math" panose="02040503050406030204" pitchFamily="18" charset="0"/>
+                                      </a:rPr>
+                                    </m:ctrlPr>
+                                  </m:eqArrPr>
+                                  <m:e>
+                                    <m:r>
+                                      <a:rPr lang="de-DE" b="0" i="1" smtClean="0">
+                                        <a:latin typeface="Cambria Math" panose="02040503050406030204" pitchFamily="18" charset="0"/>
+                                      </a:rPr>
+                                      <m:t>{</m:t>
+                                    </m:r>
+                                    <m:sSub>
+                                      <m:sSubPr>
+                                        <m:ctrlPr>
+                                          <a:rPr lang="de-DE" b="0" i="1" smtClean="0">
+                                            <a:latin typeface="Cambria Math" panose="02040503050406030204" pitchFamily="18" charset="0"/>
+                                          </a:rPr>
+                                        </m:ctrlPr>
+                                      </m:sSubPr>
+                                      <m:e>
+                                        <m:r>
+                                          <a:rPr lang="de-DE" b="0" i="1" smtClean="0">
+                                            <a:latin typeface="Cambria Math" panose="02040503050406030204" pitchFamily="18" charset="0"/>
+                                          </a:rPr>
+                                          <m:t>𝑠</m:t>
+                                        </m:r>
+                                      </m:e>
+                                      <m:sub>
+                                        <m:r>
+                                          <a:rPr lang="de-DE" b="0" i="1" smtClean="0">
+                                            <a:latin typeface="Cambria Math" panose="02040503050406030204" pitchFamily="18" charset="0"/>
+                                          </a:rPr>
+                                          <m:t>1</m:t>
+                                        </m:r>
+                                      </m:sub>
+                                    </m:sSub>
+                                    <m:r>
+                                      <a:rPr lang="de-DE" b="0" i="1" smtClean="0">
+                                        <a:latin typeface="Cambria Math" panose="02040503050406030204" pitchFamily="18" charset="0"/>
+                                      </a:rPr>
+                                      <m:t>+</m:t>
+                                    </m:r>
+                                    <m:sSub>
+                                      <m:sSubPr>
+                                        <m:ctrlPr>
+                                          <a:rPr lang="de-DE" b="0" i="1" smtClean="0">
+                                            <a:latin typeface="Cambria Math" panose="02040503050406030204" pitchFamily="18" charset="0"/>
+                                          </a:rPr>
+                                        </m:ctrlPr>
+                                      </m:sSubPr>
+                                      <m:e>
+                                        <m:r>
+                                          <a:rPr lang="de-DE" b="0" i="1" smtClean="0">
+                                            <a:latin typeface="Cambria Math" panose="02040503050406030204" pitchFamily="18" charset="0"/>
+                                          </a:rPr>
+                                          <m:t>𝑑</m:t>
+                                        </m:r>
+                                      </m:e>
+                                      <m:sub>
+                                        <m:r>
+                                          <a:rPr lang="de-DE" b="0" i="1" smtClean="0">
+                                            <a:latin typeface="Cambria Math" panose="02040503050406030204" pitchFamily="18" charset="0"/>
+                                          </a:rPr>
+                                          <m:t>1</m:t>
+                                        </m:r>
+                                      </m:sub>
+                                    </m:sSub>
+                                  </m:e>
+                                  <m:e>
+                                    <m:eqArr>
+                                      <m:eqArrPr>
+                                        <m:ctrlPr>
+                                          <a:rPr lang="de-DE" b="0" i="1" smtClean="0">
+                                            <a:latin typeface="Cambria Math" panose="02040503050406030204" pitchFamily="18" charset="0"/>
+                                          </a:rPr>
+                                        </m:ctrlPr>
+                                      </m:eqArrPr>
+                                      <m:e>
+                                        <m:r>
+                                          <a:rPr lang="de-DE" b="0" i="1" smtClean="0">
+                                            <a:latin typeface="Cambria Math" panose="02040503050406030204" pitchFamily="18" charset="0"/>
+                                          </a:rPr>
+                                          <m:t>  </m:t>
+                                        </m:r>
+                                        <m:sSub>
+                                          <m:sSubPr>
+                                            <m:ctrlPr>
+                                              <a:rPr lang="de-DE" b="0" i="1" smtClean="0">
+                                                <a:latin typeface="Cambria Math" panose="02040503050406030204" pitchFamily="18" charset="0"/>
+                                              </a:rPr>
+                                            </m:ctrlPr>
+                                          </m:sSubPr>
+                                          <m:e>
+                                            <m:r>
+                                              <a:rPr lang="de-DE" b="0" i="1" smtClean="0">
+                                                <a:latin typeface="Cambria Math" panose="02040503050406030204" pitchFamily="18" charset="0"/>
+                                              </a:rPr>
+                                              <m:t>𝑠</m:t>
+                                            </m:r>
+                                          </m:e>
+                                          <m:sub>
+                                            <m:r>
+                                              <a:rPr lang="de-DE" b="0" i="1" smtClean="0">
+                                                <a:latin typeface="Cambria Math" panose="02040503050406030204" pitchFamily="18" charset="0"/>
+                                              </a:rPr>
+                                              <m:t>2</m:t>
+                                            </m:r>
+                                          </m:sub>
+                                        </m:sSub>
+                                        <m:r>
+                                          <a:rPr lang="de-DE" b="0" i="1" smtClean="0">
+                                            <a:latin typeface="Cambria Math" panose="02040503050406030204" pitchFamily="18" charset="0"/>
+                                          </a:rPr>
+                                          <m:t>+</m:t>
+                                        </m:r>
+                                        <m:sSub>
+                                          <m:sSubPr>
+                                            <m:ctrlPr>
+                                              <a:rPr lang="de-DE" b="0" i="1" smtClean="0">
+                                                <a:latin typeface="Cambria Math" panose="02040503050406030204" pitchFamily="18" charset="0"/>
+                                              </a:rPr>
+                                            </m:ctrlPr>
+                                          </m:sSubPr>
+                                          <m:e>
+                                            <m:r>
+                                              <a:rPr lang="de-DE" b="0" i="1" smtClean="0">
+                                                <a:latin typeface="Cambria Math" panose="02040503050406030204" pitchFamily="18" charset="0"/>
+                                              </a:rPr>
+                                              <m:t>𝑑</m:t>
+                                            </m:r>
+                                          </m:e>
+                                          <m:sub>
+                                            <m:r>
+                                              <a:rPr lang="de-DE" b="0" i="1" smtClean="0">
+                                                <a:latin typeface="Cambria Math" panose="02040503050406030204" pitchFamily="18" charset="0"/>
+                                              </a:rPr>
+                                              <m:t>2</m:t>
+                                            </m:r>
+                                          </m:sub>
+                                        </m:sSub>
+                                        <m:r>
+                                          <a:rPr lang="de-DE" b="0" i="1" smtClean="0">
+                                            <a:latin typeface="Cambria Math" panose="02040503050406030204" pitchFamily="18" charset="0"/>
+                                          </a:rPr>
+                                          <m:t>,</m:t>
+                                        </m:r>
+                                      </m:e>
+                                      <m:e>
+                                        <m:eqArr>
+                                          <m:eqArrPr>
+                                            <m:ctrlPr>
+                                              <a:rPr lang="de-DE" b="0" i="1" smtClean="0">
+                                                <a:latin typeface="Cambria Math" panose="02040503050406030204" pitchFamily="18" charset="0"/>
+                                              </a:rPr>
+                                            </m:ctrlPr>
+                                          </m:eqArrPr>
+                                          <m:e>
+                                            <m:r>
+                                              <a:rPr lang="de-DE" b="0" i="1" smtClean="0">
+                                                <a:latin typeface="Cambria Math" panose="02040503050406030204" pitchFamily="18" charset="0"/>
+                                              </a:rPr>
+                                              <m:t>  </m:t>
+                                            </m:r>
+                                            <m:sSub>
+                                              <m:sSubPr>
+                                                <m:ctrlPr>
+                                                  <a:rPr lang="de-DE" b="0" i="1" smtClean="0">
+                                                    <a:latin typeface="Cambria Math" panose="02040503050406030204" pitchFamily="18" charset="0"/>
+                                                  </a:rPr>
+                                                </m:ctrlPr>
+                                              </m:sSubPr>
+                                              <m:e>
+                                                <m:r>
+                                                  <a:rPr lang="de-DE" b="0" i="1" smtClean="0">
+                                                    <a:latin typeface="Cambria Math" panose="02040503050406030204" pitchFamily="18" charset="0"/>
+                                                  </a:rPr>
+                                                  <m:t>𝑠</m:t>
+                                                </m:r>
+                                              </m:e>
+                                              <m:sub>
+                                                <m:r>
+                                                  <a:rPr lang="de-DE" b="0" i="1" smtClean="0">
+                                                    <a:latin typeface="Cambria Math" panose="02040503050406030204" pitchFamily="18" charset="0"/>
+                                                  </a:rPr>
+                                                  <m:t>3</m:t>
+                                                </m:r>
+                                              </m:sub>
+                                            </m:sSub>
+                                            <m:r>
+                                              <a:rPr lang="de-DE" b="0" i="1" smtClean="0">
+                                                <a:latin typeface="Cambria Math" panose="02040503050406030204" pitchFamily="18" charset="0"/>
+                                              </a:rPr>
+                                              <m:t>+</m:t>
+                                            </m:r>
+                                            <m:sSub>
+                                              <m:sSubPr>
+                                                <m:ctrlPr>
+                                                  <a:rPr lang="de-DE" b="0" i="1" smtClean="0">
+                                                    <a:latin typeface="Cambria Math" panose="02040503050406030204" pitchFamily="18" charset="0"/>
+                                                  </a:rPr>
+                                                </m:ctrlPr>
+                                              </m:sSubPr>
+                                              <m:e>
+                                                <m:r>
+                                                  <a:rPr lang="de-DE" b="0" i="1" smtClean="0">
+                                                    <a:latin typeface="Cambria Math" panose="02040503050406030204" pitchFamily="18" charset="0"/>
+                                                  </a:rPr>
+                                                  <m:t>𝑑</m:t>
+                                                </m:r>
+                                              </m:e>
+                                              <m:sub>
+                                                <m:r>
+                                                  <a:rPr lang="de-DE" b="0" i="1" smtClean="0">
+                                                    <a:latin typeface="Cambria Math" panose="02040503050406030204" pitchFamily="18" charset="0"/>
+                                                  </a:rPr>
+                                                  <m:t>3</m:t>
+                                                </m:r>
+                                              </m:sub>
+                                            </m:sSub>
+                                            <m:r>
+                                              <a:rPr lang="de-DE" b="0" i="1" smtClean="0">
+                                                <a:latin typeface="Cambria Math" panose="02040503050406030204" pitchFamily="18" charset="0"/>
+                                              </a:rPr>
+                                              <m:t>,</m:t>
+                                            </m:r>
+                                          </m:e>
+                                          <m:e>
+                                            <m:r>
+                                              <a:rPr lang="de-DE" b="0" i="1" smtClean="0">
+                                                <a:latin typeface="Cambria Math" panose="02040503050406030204" pitchFamily="18" charset="0"/>
+                                              </a:rPr>
+                                              <m:t>   </m:t>
+                                            </m:r>
+                                            <m:sSub>
+                                              <m:sSubPr>
+                                                <m:ctrlPr>
+                                                  <a:rPr lang="de-DE" b="0" i="1" smtClean="0">
+                                                    <a:latin typeface="Cambria Math" panose="02040503050406030204" pitchFamily="18" charset="0"/>
+                                                  </a:rPr>
+                                                </m:ctrlPr>
+                                              </m:sSubPr>
+                                              <m:e>
+                                                <m:r>
+                                                  <a:rPr lang="de-DE" b="0" i="1" smtClean="0">
+                                                    <a:latin typeface="Cambria Math" panose="02040503050406030204" pitchFamily="18" charset="0"/>
+                                                  </a:rPr>
+                                                  <m:t>𝑠</m:t>
+                                                </m:r>
+                                              </m:e>
+                                              <m:sub>
+                                                <m:r>
+                                                  <a:rPr lang="de-DE" b="0" i="1" smtClean="0">
+                                                    <a:latin typeface="Cambria Math" panose="02040503050406030204" pitchFamily="18" charset="0"/>
+                                                  </a:rPr>
+                                                  <m:t>4</m:t>
+                                                </m:r>
+                                              </m:sub>
+                                            </m:sSub>
+                                            <m:r>
+                                              <a:rPr lang="de-DE" b="0" i="1" smtClean="0">
+                                                <a:latin typeface="Cambria Math" panose="02040503050406030204" pitchFamily="18" charset="0"/>
+                                              </a:rPr>
+                                              <m:t>+</m:t>
+                                            </m:r>
+                                            <m:sSub>
+                                              <m:sSubPr>
+                                                <m:ctrlPr>
+                                                  <a:rPr lang="de-DE" b="0" i="1" smtClean="0">
+                                                    <a:latin typeface="Cambria Math" panose="02040503050406030204" pitchFamily="18" charset="0"/>
+                                                  </a:rPr>
+                                                </m:ctrlPr>
+                                              </m:sSubPr>
+                                              <m:e>
+                                                <m:r>
+                                                  <a:rPr lang="de-DE" b="0" i="1" smtClean="0">
+                                                    <a:latin typeface="Cambria Math" panose="02040503050406030204" pitchFamily="18" charset="0"/>
+                                                  </a:rPr>
+                                                  <m:t>𝑑</m:t>
+                                                </m:r>
+                                              </m:e>
+                                              <m:sub>
+                                                <m:r>
+                                                  <a:rPr lang="de-DE" b="0" i="1" smtClean="0">
+                                                    <a:latin typeface="Cambria Math" panose="02040503050406030204" pitchFamily="18" charset="0"/>
+                                                  </a:rPr>
+                                                  <m:t>4</m:t>
+                                                </m:r>
+                                              </m:sub>
+                                            </m:sSub>
+                                            <m:r>
+                                              <a:rPr lang="de-DE" b="0" i="1" smtClean="0">
+                                                <a:latin typeface="Cambria Math" panose="02040503050406030204" pitchFamily="18" charset="0"/>
+                                              </a:rPr>
+                                              <m:t>}</m:t>
+                                            </m:r>
+                                          </m:e>
+                                        </m:eqArr>
+                                      </m:e>
+                                    </m:eqArr>
+                                  </m:e>
+                                </m:eqArr>
+                              </m:e>
+                            </m:func>
+                          </m:e>
+                        </m:func>
+                      </m:oMath>
+                    </m:oMathPara>
+                  </a14:m>
+                  <a:endParaRPr lang="en-US" dirty="0"/>
+                </a:p>
+              </p:txBody>
+            </p:sp>
+          </mc:Choice>
+          <mc:Fallback>
+            <p:sp>
+              <p:nvSpPr>
+                <p:cNvPr id="19" name="TextBox 18">
+                  <a:extLst>
+                    <a:ext uri="{FF2B5EF4-FFF2-40B4-BE49-F238E27FC236}">
+                      <a16:creationId xmlns:a16="http://schemas.microsoft.com/office/drawing/2014/main" id="{41573476-C8C4-49B3-5A8E-33DD056BC108}"/>
+                    </a:ext>
+                  </a:extLst>
+                </p:cNvPr>
+                <p:cNvSpPr txBox="1">
+                  <a:spLocks noRot="1" noChangeAspect="1" noMove="1" noResize="1" noEditPoints="1" noAdjustHandles="1" noChangeArrowheads="1" noChangeShapeType="1" noTextEdit="1"/>
+                </p:cNvSpPr>
+                <p:nvPr/>
+              </p:nvSpPr>
+              <p:spPr>
+                <a:xfrm>
+                  <a:off x="3535680" y="740051"/>
+                  <a:ext cx="2021839" cy="1194879"/>
+                </a:xfrm>
+                <a:prstGeom prst="rect">
+                  <a:avLst/>
+                </a:prstGeom>
+                <a:blipFill>
+                  <a:blip r:embed="rId10"/>
+                  <a:stretch>
+                    <a:fillRect/>
+                  </a:stretch>
+                </a:blipFill>
+              </p:spPr>
+              <p:txBody>
+                <a:bodyPr/>
+                <a:lstStyle/>
+                <a:p>
+                  <a:r>
+                    <a:rPr lang="en-US">
+                      <a:noFill/>
+                    </a:rPr>
+                    <a:t> </a:t>
+                  </a:r>
+                </a:p>
+              </p:txBody>
+            </p:sp>
+          </mc:Fallback>
+        </mc:AlternateContent>
+      </p:grpSp>
+    </p:spTree>
+    <p:extLst>
+      <p:ext uri="{BB962C8B-B14F-4D97-AF65-F5344CB8AC3E}">
+        <p14:creationId xmlns:p14="http://schemas.microsoft.com/office/powerpoint/2010/main" val="628024052"/>
+      </p:ext>
+    </p:extLst>
+  </p:cSld>
+  <p:clrMapOvr>
+    <a:masterClrMapping/>
+  </p:clrMapOvr>
 </p:sld>
 </file>
 

--- a/sketches.pptx
+++ b/sketches.pptx
@@ -5,7 +5,7 @@
     <p:sldMasterId id="2147483648" r:id="rId1"/>
   </p:sldMasterIdLst>
   <p:notesMasterIdLst>
-    <p:notesMasterId r:id="rId14"/>
+    <p:notesMasterId r:id="rId16"/>
   </p:notesMasterIdLst>
   <p:sldIdLst>
     <p:sldId id="256" r:id="rId2"/>
@@ -20,6 +20,8 @@
     <p:sldId id="265" r:id="rId11"/>
     <p:sldId id="266" r:id="rId12"/>
     <p:sldId id="267" r:id="rId13"/>
+    <p:sldId id="269" r:id="rId14"/>
+    <p:sldId id="268" r:id="rId15"/>
   </p:sldIdLst>
   <p:sldSz cx="12192000" cy="6858000"/>
   <p:notesSz cx="6858000" cy="9144000"/>
@@ -8505,7 +8507,7 @@
                 <a:blipFill>
                   <a:blip r:embed="rId24"/>
                   <a:stretch>
-                    <a:fillRect r="-1449"/>
+                    <a:fillRect r="-1449" b="-1836"/>
                   </a:stretch>
                 </a:blipFill>
               </p:spPr>
@@ -8565,7 +8567,115 @@
                           <a:rPr lang="de-DE" sz="1800" b="0" i="1" smtClean="0">
                             <a:latin typeface="Cambria Math" panose="02040503050406030204" pitchFamily="18" charset="0"/>
                           </a:rPr>
-                          <m:t>1    2    3    4    5    6    7    8    9   10</m:t>
+                          <m:t>1</m:t>
+                        </m:r>
+                        <m:r>
+                          <a:rPr lang="de-DE" sz="1800" b="0" i="1" smtClean="0">
+                            <a:latin typeface="Cambria Math" panose="02040503050406030204" pitchFamily="18" charset="0"/>
+                          </a:rPr>
+                          <m:t>    </m:t>
+                        </m:r>
+                        <m:r>
+                          <a:rPr lang="de-DE" sz="1800" b="0" i="1" smtClean="0">
+                            <a:latin typeface="Cambria Math" panose="02040503050406030204" pitchFamily="18" charset="0"/>
+                          </a:rPr>
+                          <m:t>2</m:t>
+                        </m:r>
+                        <m:r>
+                          <a:rPr lang="de-DE" sz="1800" b="0" i="1" smtClean="0">
+                            <a:latin typeface="Cambria Math" panose="02040503050406030204" pitchFamily="18" charset="0"/>
+                          </a:rPr>
+                          <m:t>    </m:t>
+                        </m:r>
+                        <m:r>
+                          <a:rPr lang="de-DE" sz="1800" b="0" i="1" smtClean="0">
+                            <a:latin typeface="Cambria Math" panose="02040503050406030204" pitchFamily="18" charset="0"/>
+                          </a:rPr>
+                          <m:t>3</m:t>
+                        </m:r>
+                        <m:r>
+                          <a:rPr lang="de-DE" sz="1800" b="0" i="1" smtClean="0">
+                            <a:latin typeface="Cambria Math" panose="02040503050406030204" pitchFamily="18" charset="0"/>
+                          </a:rPr>
+                          <m:t>    </m:t>
+                        </m:r>
+                        <m:r>
+                          <a:rPr lang="de-DE" sz="1800" b="0" i="1" smtClean="0">
+                            <a:latin typeface="Cambria Math" panose="02040503050406030204" pitchFamily="18" charset="0"/>
+                          </a:rPr>
+                          <m:t>4</m:t>
+                        </m:r>
+                        <m:r>
+                          <a:rPr lang="de-DE" sz="1800" b="0" i="1" smtClean="0">
+                            <a:latin typeface="Cambria Math" panose="02040503050406030204" pitchFamily="18" charset="0"/>
+                          </a:rPr>
+                          <m:t>    </m:t>
+                        </m:r>
+                        <m:r>
+                          <a:rPr lang="de-DE" sz="1800" b="0" i="1" smtClean="0">
+                            <a:latin typeface="Cambria Math" panose="02040503050406030204" pitchFamily="18" charset="0"/>
+                          </a:rPr>
+                          <m:t>5</m:t>
+                        </m:r>
+                        <m:r>
+                          <a:rPr lang="de-DE" sz="1800" b="0" i="1" smtClean="0">
+                            <a:latin typeface="Cambria Math" panose="02040503050406030204" pitchFamily="18" charset="0"/>
+                          </a:rPr>
+                          <m:t>    </m:t>
+                        </m:r>
+                        <m:r>
+                          <a:rPr lang="de-DE" sz="1800" b="0" i="1" smtClean="0">
+                            <a:latin typeface="Cambria Math" panose="02040503050406030204" pitchFamily="18" charset="0"/>
+                          </a:rPr>
+                          <m:t>6</m:t>
+                        </m:r>
+                        <m:r>
+                          <a:rPr lang="de-DE" sz="1800" b="0" i="1" smtClean="0">
+                            <a:latin typeface="Cambria Math" panose="02040503050406030204" pitchFamily="18" charset="0"/>
+                          </a:rPr>
+                          <m:t>    </m:t>
+                        </m:r>
+                        <m:r>
+                          <a:rPr lang="de-DE" sz="1800" b="0" i="1" smtClean="0">
+                            <a:latin typeface="Cambria Math" panose="02040503050406030204" pitchFamily="18" charset="0"/>
+                          </a:rPr>
+                          <m:t>7</m:t>
+                        </m:r>
+                        <m:r>
+                          <a:rPr lang="de-DE" sz="1800" b="0" i="1" smtClean="0">
+                            <a:latin typeface="Cambria Math" panose="02040503050406030204" pitchFamily="18" charset="0"/>
+                          </a:rPr>
+                          <m:t>    </m:t>
+                        </m:r>
+                        <m:r>
+                          <a:rPr lang="de-DE" sz="1800" b="0" i="1" smtClean="0">
+                            <a:latin typeface="Cambria Math" panose="02040503050406030204" pitchFamily="18" charset="0"/>
+                          </a:rPr>
+                          <m:t>8</m:t>
+                        </m:r>
+                        <m:r>
+                          <a:rPr lang="de-DE" sz="1800" b="0" i="1" smtClean="0">
+                            <a:latin typeface="Cambria Math" panose="02040503050406030204" pitchFamily="18" charset="0"/>
+                          </a:rPr>
+                          <m:t>    </m:t>
+                        </m:r>
+                        <m:r>
+                          <a:rPr lang="de-DE" sz="1800" b="0" i="1" smtClean="0">
+                            <a:latin typeface="Cambria Math" panose="02040503050406030204" pitchFamily="18" charset="0"/>
+                          </a:rPr>
+                          <m:t>9</m:t>
+                        </m:r>
+                        <m:r>
+                          <a:rPr lang="de-DE" sz="1800" b="0" i="1" smtClean="0">
+                            <a:latin typeface="Cambria Math" panose="02040503050406030204" pitchFamily="18" charset="0"/>
+                          </a:rPr>
+                          <m:t>   </m:t>
+                        </m:r>
+                        <m:r>
+                          <a:rPr lang="de-DE" sz="1800" b="0" i="1" smtClean="0">
+                            <a:latin typeface="Cambria Math" panose="02040503050406030204" pitchFamily="18" charset="0"/>
+                          </a:rPr>
+                          <m:t>10</m:t>
                         </m:r>
                       </m:oMath>
                     </m:oMathPara>
@@ -12546,7 +12656,7 @@
                   <a14:m>
                     <m:oMathPara xmlns:m="http://schemas.openxmlformats.org/officeDocument/2006/math">
                       <m:oMathParaPr>
-                        <m:jc m:val="centerGroup"/>
+                        <m:jc m:val="left"/>
                       </m:oMathParaPr>
                       <m:oMath xmlns:m="http://schemas.openxmlformats.org/officeDocument/2006/math">
                         <m:sSub>
@@ -12682,7 +12792,7 @@
                   <a14:m>
                     <m:oMathPara xmlns:m="http://schemas.openxmlformats.org/officeDocument/2006/math">
                       <m:oMathParaPr>
-                        <m:jc m:val="centerGroup"/>
+                        <m:jc m:val="left"/>
                       </m:oMathParaPr>
                       <m:oMath xmlns:m="http://schemas.openxmlformats.org/officeDocument/2006/math">
                         <m:sSub>
@@ -12818,7 +12928,7 @@
                   <a14:m>
                     <m:oMathPara xmlns:m="http://schemas.openxmlformats.org/officeDocument/2006/math">
                       <m:oMathParaPr>
-                        <m:jc m:val="centerGroup"/>
+                        <m:jc m:val="left"/>
                       </m:oMathParaPr>
                       <m:oMath xmlns:m="http://schemas.openxmlformats.org/officeDocument/2006/math">
                         <m:sSub>
@@ -12954,7 +13064,7 @@
                   <a14:m>
                     <m:oMathPara xmlns:m="http://schemas.openxmlformats.org/officeDocument/2006/math">
                       <m:oMathParaPr>
-                        <m:jc m:val="centerGroup"/>
+                        <m:jc m:val="left"/>
                       </m:oMathParaPr>
                       <m:oMath xmlns:m="http://schemas.openxmlformats.org/officeDocument/2006/math">
                         <m:sSub>
@@ -14181,6 +14291,2606 @@
     <p:extLst>
       <p:ext uri="{BB962C8B-B14F-4D97-AF65-F5344CB8AC3E}">
         <p14:creationId xmlns:p14="http://schemas.microsoft.com/office/powerpoint/2010/main" val="628024052"/>
+      </p:ext>
+    </p:extLst>
+  </p:cSld>
+  <p:clrMapOvr>
+    <a:masterClrMapping/>
+  </p:clrMapOvr>
+</p:sld>
+</file>
+
+<file path=ppt/slides/slide13.xml><?xml version="1.0" encoding="utf-8"?>
+<p:sld xmlns:a="http://schemas.openxmlformats.org/drawingml/2006/main" xmlns:r="http://schemas.openxmlformats.org/officeDocument/2006/relationships" xmlns:p="http://schemas.openxmlformats.org/presentationml/2006/main">
+  <p:cSld>
+    <p:spTree>
+      <p:nvGrpSpPr>
+        <p:cNvPr id="1" name="">
+          <a:extLst>
+            <a:ext uri="{FF2B5EF4-FFF2-40B4-BE49-F238E27FC236}">
+              <a16:creationId xmlns:a16="http://schemas.microsoft.com/office/drawing/2014/main" id="{C775784F-330D-8A78-5A45-94FA18D1577B}"/>
+            </a:ext>
+          </a:extLst>
+        </p:cNvPr>
+        <p:cNvGrpSpPr/>
+        <p:nvPr/>
+      </p:nvGrpSpPr>
+      <p:grpSpPr>
+        <a:xfrm>
+          <a:off x="0" y="0"/>
+          <a:ext cx="0" cy="0"/>
+          <a:chOff x="0" y="0"/>
+          <a:chExt cx="0" cy="0"/>
+        </a:xfrm>
+      </p:grpSpPr>
+      <p:grpSp>
+        <p:nvGrpSpPr>
+          <p:cNvPr id="20" name="Group 19">
+            <a:extLst>
+              <a:ext uri="{FF2B5EF4-FFF2-40B4-BE49-F238E27FC236}">
+                <a16:creationId xmlns:a16="http://schemas.microsoft.com/office/drawing/2014/main" id="{6E62FA6C-A20A-5CB5-79B9-592F143390DB}"/>
+              </a:ext>
+            </a:extLst>
+          </p:cNvPr>
+          <p:cNvGrpSpPr/>
+          <p:nvPr/>
+        </p:nvGrpSpPr>
+        <p:grpSpPr>
+          <a:xfrm>
+            <a:off x="667052" y="713238"/>
+            <a:ext cx="3681428" cy="5340321"/>
+            <a:chOff x="667052" y="713238"/>
+            <a:chExt cx="3681428" cy="5340321"/>
+          </a:xfrm>
+        </p:grpSpPr>
+        <mc:AlternateContent xmlns:mc="http://schemas.openxmlformats.org/markup-compatibility/2006">
+          <mc:Choice xmlns:a14="http://schemas.microsoft.com/office/drawing/2010/main" Requires="a14">
+            <p:sp>
+              <p:nvSpPr>
+                <p:cNvPr id="4" name="Rectangle: Rounded Corners 3">
+                  <a:extLst>
+                    <a:ext uri="{FF2B5EF4-FFF2-40B4-BE49-F238E27FC236}">
+                      <a16:creationId xmlns:a16="http://schemas.microsoft.com/office/drawing/2014/main" id="{EB07EA55-9AAD-991A-8660-6DC9DC2640AD}"/>
+                    </a:ext>
+                  </a:extLst>
+                </p:cNvPr>
+                <p:cNvSpPr/>
+                <p:nvPr/>
+              </p:nvSpPr>
+              <p:spPr>
+                <a:xfrm>
+                  <a:off x="1930400" y="2133600"/>
+                  <a:ext cx="2418080" cy="386080"/>
+                </a:xfrm>
+                <a:prstGeom prst="roundRect">
+                  <a:avLst/>
+                </a:prstGeom>
+                <a:ln w="19050">
+                  <a:solidFill>
+                    <a:schemeClr val="accent1"/>
+                  </a:solidFill>
+                </a:ln>
+              </p:spPr>
+              <p:style>
+                <a:lnRef idx="2">
+                  <a:schemeClr val="accent1"/>
+                </a:lnRef>
+                <a:fillRef idx="1">
+                  <a:schemeClr val="lt1"/>
+                </a:fillRef>
+                <a:effectRef idx="0">
+                  <a:schemeClr val="accent1"/>
+                </a:effectRef>
+                <a:fontRef idx="minor">
+                  <a:schemeClr val="dk1"/>
+                </a:fontRef>
+              </p:style>
+              <p:txBody>
+                <a:bodyPr rtlCol="0" anchor="ctr"/>
+                <a:lstStyle/>
+                <a:p>
+                  <a:pPr algn="ctr"/>
+                  <a14:m>
+                    <m:oMathPara xmlns:m="http://schemas.openxmlformats.org/officeDocument/2006/math">
+                      <m:oMathParaPr>
+                        <m:jc m:val="left"/>
+                      </m:oMathParaPr>
+                      <m:oMath xmlns:m="http://schemas.openxmlformats.org/officeDocument/2006/math">
+                        <m:sSub>
+                          <m:sSubPr>
+                            <m:ctrlPr>
+                              <a:rPr lang="de-DE" b="0" i="1" smtClean="0">
+                                <a:latin typeface="Cambria Math" panose="02040503050406030204" pitchFamily="18" charset="0"/>
+                              </a:rPr>
+                            </m:ctrlPr>
+                          </m:sSubPr>
+                          <m:e>
+                            <m:r>
+                              <a:rPr lang="de-DE" b="0" i="1" smtClean="0">
+                                <a:latin typeface="Cambria Math" panose="02040503050406030204" pitchFamily="18" charset="0"/>
+                              </a:rPr>
+                              <m:t>𝑠</m:t>
+                            </m:r>
+                          </m:e>
+                          <m:sub>
+                            <m:r>
+                              <a:rPr lang="de-DE" b="0" i="1" smtClean="0">
+                                <a:latin typeface="Cambria Math" panose="02040503050406030204" pitchFamily="18" charset="0"/>
+                              </a:rPr>
+                              <m:t>1</m:t>
+                            </m:r>
+                          </m:sub>
+                        </m:sSub>
+                      </m:oMath>
+                    </m:oMathPara>
+                  </a14:m>
+                  <a:endParaRPr lang="en-US" dirty="0"/>
+                </a:p>
+              </p:txBody>
+            </p:sp>
+          </mc:Choice>
+          <mc:Fallback>
+            <p:sp>
+              <p:nvSpPr>
+                <p:cNvPr id="4" name="Rectangle: Rounded Corners 3">
+                  <a:extLst>
+                    <a:ext uri="{FF2B5EF4-FFF2-40B4-BE49-F238E27FC236}">
+                      <a16:creationId xmlns:a16="http://schemas.microsoft.com/office/drawing/2014/main" id="{EB07EA55-9AAD-991A-8660-6DC9DC2640AD}"/>
+                    </a:ext>
+                  </a:extLst>
+                </p:cNvPr>
+                <p:cNvSpPr>
+                  <a:spLocks noRot="1" noChangeAspect="1" noMove="1" noResize="1" noEditPoints="1" noAdjustHandles="1" noChangeArrowheads="1" noChangeShapeType="1" noTextEdit="1"/>
+                </p:cNvSpPr>
+                <p:nvPr/>
+              </p:nvSpPr>
+              <p:spPr>
+                <a:xfrm>
+                  <a:off x="1930400" y="2133600"/>
+                  <a:ext cx="2418080" cy="386080"/>
+                </a:xfrm>
+                <a:prstGeom prst="roundRect">
+                  <a:avLst/>
+                </a:prstGeom>
+                <a:blipFill>
+                  <a:blip r:embed="rId2"/>
+                  <a:stretch>
+                    <a:fillRect/>
+                  </a:stretch>
+                </a:blipFill>
+                <a:ln w="19050">
+                  <a:solidFill>
+                    <a:schemeClr val="accent1"/>
+                  </a:solidFill>
+                </a:ln>
+              </p:spPr>
+              <p:txBody>
+                <a:bodyPr/>
+                <a:lstStyle/>
+                <a:p>
+                  <a:r>
+                    <a:rPr lang="en-US">
+                      <a:noFill/>
+                    </a:rPr>
+                    <a:t> </a:t>
+                  </a:r>
+                </a:p>
+              </p:txBody>
+            </p:sp>
+          </mc:Fallback>
+        </mc:AlternateContent>
+        <mc:AlternateContent xmlns:mc="http://schemas.openxmlformats.org/markup-compatibility/2006">
+          <mc:Choice xmlns:a14="http://schemas.microsoft.com/office/drawing/2010/main" Requires="a14">
+            <p:sp>
+              <p:nvSpPr>
+                <p:cNvPr id="5" name="Rectangle: Rounded Corners 4">
+                  <a:extLst>
+                    <a:ext uri="{FF2B5EF4-FFF2-40B4-BE49-F238E27FC236}">
+                      <a16:creationId xmlns:a16="http://schemas.microsoft.com/office/drawing/2014/main" id="{DB485A95-4147-E95A-762D-B5CBCD3B5BED}"/>
+                    </a:ext>
+                  </a:extLst>
+                </p:cNvPr>
+                <p:cNvSpPr/>
+                <p:nvPr/>
+              </p:nvSpPr>
+              <p:spPr>
+                <a:xfrm>
+                  <a:off x="1513840" y="3158858"/>
+                  <a:ext cx="2021840" cy="386080"/>
+                </a:xfrm>
+                <a:prstGeom prst="roundRect">
+                  <a:avLst/>
+                </a:prstGeom>
+                <a:ln w="19050">
+                  <a:solidFill>
+                    <a:schemeClr val="accent1"/>
+                  </a:solidFill>
+                </a:ln>
+              </p:spPr>
+              <p:style>
+                <a:lnRef idx="2">
+                  <a:schemeClr val="accent1"/>
+                </a:lnRef>
+                <a:fillRef idx="1">
+                  <a:schemeClr val="lt1"/>
+                </a:fillRef>
+                <a:effectRef idx="0">
+                  <a:schemeClr val="accent1"/>
+                </a:effectRef>
+                <a:fontRef idx="minor">
+                  <a:schemeClr val="dk1"/>
+                </a:fontRef>
+              </p:style>
+              <p:txBody>
+                <a:bodyPr rtlCol="0" anchor="ctr"/>
+                <a:lstStyle/>
+                <a:p>
+                  <a:pPr algn="ctr"/>
+                  <a14:m>
+                    <m:oMathPara xmlns:m="http://schemas.openxmlformats.org/officeDocument/2006/math">
+                      <m:oMathParaPr>
+                        <m:jc m:val="left"/>
+                      </m:oMathParaPr>
+                      <m:oMath xmlns:m="http://schemas.openxmlformats.org/officeDocument/2006/math">
+                        <m:sSub>
+                          <m:sSubPr>
+                            <m:ctrlPr>
+                              <a:rPr lang="de-DE" b="0" i="1" smtClean="0">
+                                <a:latin typeface="Cambria Math" panose="02040503050406030204" pitchFamily="18" charset="0"/>
+                              </a:rPr>
+                            </m:ctrlPr>
+                          </m:sSubPr>
+                          <m:e>
+                            <m:r>
+                              <a:rPr lang="de-DE" b="0" i="1" smtClean="0">
+                                <a:latin typeface="Cambria Math" panose="02040503050406030204" pitchFamily="18" charset="0"/>
+                              </a:rPr>
+                              <m:t>𝑠</m:t>
+                            </m:r>
+                          </m:e>
+                          <m:sub>
+                            <m:r>
+                              <a:rPr lang="de-DE" b="0" i="1" smtClean="0">
+                                <a:latin typeface="Cambria Math" panose="02040503050406030204" pitchFamily="18" charset="0"/>
+                              </a:rPr>
+                              <m:t>2</m:t>
+                            </m:r>
+                          </m:sub>
+                        </m:sSub>
+                      </m:oMath>
+                    </m:oMathPara>
+                  </a14:m>
+                  <a:endParaRPr lang="en-US" dirty="0"/>
+                </a:p>
+              </p:txBody>
+            </p:sp>
+          </mc:Choice>
+          <mc:Fallback>
+            <p:sp>
+              <p:nvSpPr>
+                <p:cNvPr id="5" name="Rectangle: Rounded Corners 4">
+                  <a:extLst>
+                    <a:ext uri="{FF2B5EF4-FFF2-40B4-BE49-F238E27FC236}">
+                      <a16:creationId xmlns:a16="http://schemas.microsoft.com/office/drawing/2014/main" id="{DB485A95-4147-E95A-762D-B5CBCD3B5BED}"/>
+                    </a:ext>
+                  </a:extLst>
+                </p:cNvPr>
+                <p:cNvSpPr>
+                  <a:spLocks noRot="1" noChangeAspect="1" noMove="1" noResize="1" noEditPoints="1" noAdjustHandles="1" noChangeArrowheads="1" noChangeShapeType="1" noTextEdit="1"/>
+                </p:cNvSpPr>
+                <p:nvPr/>
+              </p:nvSpPr>
+              <p:spPr>
+                <a:xfrm>
+                  <a:off x="1513840" y="3158858"/>
+                  <a:ext cx="2021840" cy="386080"/>
+                </a:xfrm>
+                <a:prstGeom prst="roundRect">
+                  <a:avLst/>
+                </a:prstGeom>
+                <a:blipFill>
+                  <a:blip r:embed="rId3"/>
+                  <a:stretch>
+                    <a:fillRect/>
+                  </a:stretch>
+                </a:blipFill>
+                <a:ln w="19050">
+                  <a:solidFill>
+                    <a:schemeClr val="accent1"/>
+                  </a:solidFill>
+                </a:ln>
+              </p:spPr>
+              <p:txBody>
+                <a:bodyPr/>
+                <a:lstStyle/>
+                <a:p>
+                  <a:r>
+                    <a:rPr lang="en-US">
+                      <a:noFill/>
+                    </a:rPr>
+                    <a:t> </a:t>
+                  </a:r>
+                </a:p>
+              </p:txBody>
+            </p:sp>
+          </mc:Fallback>
+        </mc:AlternateContent>
+        <mc:AlternateContent xmlns:mc="http://schemas.openxmlformats.org/markup-compatibility/2006">
+          <mc:Choice xmlns:a14="http://schemas.microsoft.com/office/drawing/2010/main" Requires="a14">
+            <p:sp>
+              <p:nvSpPr>
+                <p:cNvPr id="6" name="Rectangle: Rounded Corners 5">
+                  <a:extLst>
+                    <a:ext uri="{FF2B5EF4-FFF2-40B4-BE49-F238E27FC236}">
+                      <a16:creationId xmlns:a16="http://schemas.microsoft.com/office/drawing/2014/main" id="{7EAAFC77-52BB-3197-35C6-D00E9AFE26E7}"/>
+                    </a:ext>
+                  </a:extLst>
+                </p:cNvPr>
+                <p:cNvSpPr/>
+                <p:nvPr/>
+              </p:nvSpPr>
+              <p:spPr>
+                <a:xfrm>
+                  <a:off x="2174240" y="4160197"/>
+                  <a:ext cx="965200" cy="386080"/>
+                </a:xfrm>
+                <a:prstGeom prst="roundRect">
+                  <a:avLst/>
+                </a:prstGeom>
+                <a:ln w="19050">
+                  <a:solidFill>
+                    <a:schemeClr val="accent1"/>
+                  </a:solidFill>
+                </a:ln>
+              </p:spPr>
+              <p:style>
+                <a:lnRef idx="2">
+                  <a:schemeClr val="accent1"/>
+                </a:lnRef>
+                <a:fillRef idx="1">
+                  <a:schemeClr val="lt1"/>
+                </a:fillRef>
+                <a:effectRef idx="0">
+                  <a:schemeClr val="accent1"/>
+                </a:effectRef>
+                <a:fontRef idx="minor">
+                  <a:schemeClr val="dk1"/>
+                </a:fontRef>
+              </p:style>
+              <p:txBody>
+                <a:bodyPr rtlCol="0" anchor="ctr"/>
+                <a:lstStyle/>
+                <a:p>
+                  <a:pPr algn="ctr"/>
+                  <a14:m>
+                    <m:oMathPara xmlns:m="http://schemas.openxmlformats.org/officeDocument/2006/math">
+                      <m:oMathParaPr>
+                        <m:jc m:val="left"/>
+                      </m:oMathParaPr>
+                      <m:oMath xmlns:m="http://schemas.openxmlformats.org/officeDocument/2006/math">
+                        <m:sSub>
+                          <m:sSubPr>
+                            <m:ctrlPr>
+                              <a:rPr lang="de-DE" b="0" i="1" smtClean="0">
+                                <a:latin typeface="Cambria Math" panose="02040503050406030204" pitchFamily="18" charset="0"/>
+                              </a:rPr>
+                            </m:ctrlPr>
+                          </m:sSubPr>
+                          <m:e>
+                            <m:r>
+                              <a:rPr lang="de-DE" b="0" i="1" smtClean="0">
+                                <a:latin typeface="Cambria Math" panose="02040503050406030204" pitchFamily="18" charset="0"/>
+                              </a:rPr>
+                              <m:t>𝑠</m:t>
+                            </m:r>
+                          </m:e>
+                          <m:sub>
+                            <m:r>
+                              <a:rPr lang="de-DE" b="0" i="1" smtClean="0">
+                                <a:latin typeface="Cambria Math" panose="02040503050406030204" pitchFamily="18" charset="0"/>
+                              </a:rPr>
+                              <m:t>3</m:t>
+                            </m:r>
+                          </m:sub>
+                        </m:sSub>
+                      </m:oMath>
+                    </m:oMathPara>
+                  </a14:m>
+                  <a:endParaRPr lang="en-US" dirty="0"/>
+                </a:p>
+              </p:txBody>
+            </p:sp>
+          </mc:Choice>
+          <mc:Fallback>
+            <p:sp>
+              <p:nvSpPr>
+                <p:cNvPr id="6" name="Rectangle: Rounded Corners 5">
+                  <a:extLst>
+                    <a:ext uri="{FF2B5EF4-FFF2-40B4-BE49-F238E27FC236}">
+                      <a16:creationId xmlns:a16="http://schemas.microsoft.com/office/drawing/2014/main" id="{7EAAFC77-52BB-3197-35C6-D00E9AFE26E7}"/>
+                    </a:ext>
+                  </a:extLst>
+                </p:cNvPr>
+                <p:cNvSpPr>
+                  <a:spLocks noRot="1" noChangeAspect="1" noMove="1" noResize="1" noEditPoints="1" noAdjustHandles="1" noChangeArrowheads="1" noChangeShapeType="1" noTextEdit="1"/>
+                </p:cNvSpPr>
+                <p:nvPr/>
+              </p:nvSpPr>
+              <p:spPr>
+                <a:xfrm>
+                  <a:off x="2174240" y="4160197"/>
+                  <a:ext cx="965200" cy="386080"/>
+                </a:xfrm>
+                <a:prstGeom prst="roundRect">
+                  <a:avLst/>
+                </a:prstGeom>
+                <a:blipFill>
+                  <a:blip r:embed="rId4"/>
+                  <a:stretch>
+                    <a:fillRect/>
+                  </a:stretch>
+                </a:blipFill>
+                <a:ln w="19050">
+                  <a:solidFill>
+                    <a:schemeClr val="accent1"/>
+                  </a:solidFill>
+                </a:ln>
+              </p:spPr>
+              <p:txBody>
+                <a:bodyPr/>
+                <a:lstStyle/>
+                <a:p>
+                  <a:r>
+                    <a:rPr lang="en-US">
+                      <a:noFill/>
+                    </a:rPr>
+                    <a:t> </a:t>
+                  </a:r>
+                </a:p>
+              </p:txBody>
+            </p:sp>
+          </mc:Fallback>
+        </mc:AlternateContent>
+        <mc:AlternateContent xmlns:mc="http://schemas.openxmlformats.org/markup-compatibility/2006">
+          <mc:Choice xmlns:a14="http://schemas.microsoft.com/office/drawing/2010/main" Requires="a14">
+            <p:sp>
+              <p:nvSpPr>
+                <p:cNvPr id="7" name="Rectangle: Rounded Corners 6">
+                  <a:extLst>
+                    <a:ext uri="{FF2B5EF4-FFF2-40B4-BE49-F238E27FC236}">
+                      <a16:creationId xmlns:a16="http://schemas.microsoft.com/office/drawing/2014/main" id="{A16533D4-87B6-20C9-BB8C-E50BA29A1D1E}"/>
+                    </a:ext>
+                  </a:extLst>
+                </p:cNvPr>
+                <p:cNvSpPr/>
+                <p:nvPr/>
+              </p:nvSpPr>
+              <p:spPr>
+                <a:xfrm>
+                  <a:off x="2305551" y="5140961"/>
+                  <a:ext cx="1767840" cy="386080"/>
+                </a:xfrm>
+                <a:prstGeom prst="roundRect">
+                  <a:avLst/>
+                </a:prstGeom>
+                <a:ln w="19050">
+                  <a:solidFill>
+                    <a:schemeClr val="accent1"/>
+                  </a:solidFill>
+                </a:ln>
+              </p:spPr>
+              <p:style>
+                <a:lnRef idx="2">
+                  <a:schemeClr val="accent1"/>
+                </a:lnRef>
+                <a:fillRef idx="1">
+                  <a:schemeClr val="lt1"/>
+                </a:fillRef>
+                <a:effectRef idx="0">
+                  <a:schemeClr val="accent1"/>
+                </a:effectRef>
+                <a:fontRef idx="minor">
+                  <a:schemeClr val="dk1"/>
+                </a:fontRef>
+              </p:style>
+              <p:txBody>
+                <a:bodyPr rtlCol="0" anchor="ctr"/>
+                <a:lstStyle/>
+                <a:p>
+                  <a:pPr algn="ctr"/>
+                  <a14:m>
+                    <m:oMathPara xmlns:m="http://schemas.openxmlformats.org/officeDocument/2006/math">
+                      <m:oMathParaPr>
+                        <m:jc m:val="left"/>
+                      </m:oMathParaPr>
+                      <m:oMath xmlns:m="http://schemas.openxmlformats.org/officeDocument/2006/math">
+                        <m:sSub>
+                          <m:sSubPr>
+                            <m:ctrlPr>
+                              <a:rPr lang="de-DE" b="0" i="1" smtClean="0">
+                                <a:latin typeface="Cambria Math" panose="02040503050406030204" pitchFamily="18" charset="0"/>
+                              </a:rPr>
+                            </m:ctrlPr>
+                          </m:sSubPr>
+                          <m:e>
+                            <m:r>
+                              <a:rPr lang="de-DE" b="0" i="1" smtClean="0">
+                                <a:latin typeface="Cambria Math" panose="02040503050406030204" pitchFamily="18" charset="0"/>
+                              </a:rPr>
+                              <m:t>𝑠</m:t>
+                            </m:r>
+                          </m:e>
+                          <m:sub>
+                            <m:r>
+                              <a:rPr lang="de-DE" b="0" i="1" smtClean="0">
+                                <a:latin typeface="Cambria Math" panose="02040503050406030204" pitchFamily="18" charset="0"/>
+                              </a:rPr>
+                              <m:t>4</m:t>
+                            </m:r>
+                          </m:sub>
+                        </m:sSub>
+                      </m:oMath>
+                    </m:oMathPara>
+                  </a14:m>
+                  <a:endParaRPr lang="en-US" dirty="0"/>
+                </a:p>
+              </p:txBody>
+            </p:sp>
+          </mc:Choice>
+          <mc:Fallback>
+            <p:sp>
+              <p:nvSpPr>
+                <p:cNvPr id="7" name="Rectangle: Rounded Corners 6">
+                  <a:extLst>
+                    <a:ext uri="{FF2B5EF4-FFF2-40B4-BE49-F238E27FC236}">
+                      <a16:creationId xmlns:a16="http://schemas.microsoft.com/office/drawing/2014/main" id="{A16533D4-87B6-20C9-BB8C-E50BA29A1D1E}"/>
+                    </a:ext>
+                  </a:extLst>
+                </p:cNvPr>
+                <p:cNvSpPr>
+                  <a:spLocks noRot="1" noChangeAspect="1" noMove="1" noResize="1" noEditPoints="1" noAdjustHandles="1" noChangeArrowheads="1" noChangeShapeType="1" noTextEdit="1"/>
+                </p:cNvSpPr>
+                <p:nvPr/>
+              </p:nvSpPr>
+              <p:spPr>
+                <a:xfrm>
+                  <a:off x="2305551" y="5140961"/>
+                  <a:ext cx="1767840" cy="386080"/>
+                </a:xfrm>
+                <a:prstGeom prst="roundRect">
+                  <a:avLst/>
+                </a:prstGeom>
+                <a:blipFill>
+                  <a:blip r:embed="rId5"/>
+                  <a:stretch>
+                    <a:fillRect/>
+                  </a:stretch>
+                </a:blipFill>
+                <a:ln w="19050">
+                  <a:solidFill>
+                    <a:schemeClr val="accent1"/>
+                  </a:solidFill>
+                </a:ln>
+              </p:spPr>
+              <p:txBody>
+                <a:bodyPr/>
+                <a:lstStyle/>
+                <a:p>
+                  <a:r>
+                    <a:rPr lang="en-US">
+                      <a:noFill/>
+                    </a:rPr>
+                    <a:t> </a:t>
+                  </a:r>
+                </a:p>
+              </p:txBody>
+            </p:sp>
+          </mc:Fallback>
+        </mc:AlternateContent>
+        <p:sp>
+          <p:nvSpPr>
+            <p:cNvPr id="8" name="Right Brace 7">
+              <a:extLst>
+                <a:ext uri="{FF2B5EF4-FFF2-40B4-BE49-F238E27FC236}">
+                  <a16:creationId xmlns:a16="http://schemas.microsoft.com/office/drawing/2014/main" id="{8735DE98-52DA-3E7A-5189-260DCD77C9E5}"/>
+                </a:ext>
+              </a:extLst>
+            </p:cNvPr>
+            <p:cNvSpPr/>
+            <p:nvPr/>
+          </p:nvSpPr>
+          <p:spPr>
+            <a:xfrm rot="16200000">
+              <a:off x="3007360" y="751840"/>
+              <a:ext cx="264160" cy="2418080"/>
+            </a:xfrm>
+            <a:prstGeom prst="rightBrace">
+              <a:avLst/>
+            </a:prstGeom>
+            <a:ln>
+              <a:solidFill>
+                <a:schemeClr val="accent1"/>
+              </a:solidFill>
+            </a:ln>
+          </p:spPr>
+          <p:style>
+            <a:lnRef idx="1">
+              <a:schemeClr val="accent1"/>
+            </a:lnRef>
+            <a:fillRef idx="0">
+              <a:schemeClr val="accent1"/>
+            </a:fillRef>
+            <a:effectRef idx="0">
+              <a:schemeClr val="accent1"/>
+            </a:effectRef>
+            <a:fontRef idx="minor">
+              <a:schemeClr val="tx1"/>
+            </a:fontRef>
+          </p:style>
+          <p:txBody>
+            <a:bodyPr rtlCol="0" anchor="ctr"/>
+            <a:lstStyle/>
+            <a:p>
+              <a:pPr algn="ctr"/>
+              <a:endParaRPr lang="en-US"/>
+            </a:p>
+          </p:txBody>
+        </p:sp>
+        <mc:AlternateContent xmlns:mc="http://schemas.openxmlformats.org/markup-compatibility/2006">
+          <mc:Choice xmlns:a14="http://schemas.microsoft.com/office/drawing/2010/main" Requires="a14">
+            <p:sp>
+              <p:nvSpPr>
+                <p:cNvPr id="10" name="TextBox 9">
+                  <a:extLst>
+                    <a:ext uri="{FF2B5EF4-FFF2-40B4-BE49-F238E27FC236}">
+                      <a16:creationId xmlns:a16="http://schemas.microsoft.com/office/drawing/2014/main" id="{0E298DF7-3858-4CF1-CB50-A9136952B3F3}"/>
+                    </a:ext>
+                  </a:extLst>
+                </p:cNvPr>
+                <p:cNvSpPr txBox="1"/>
+                <p:nvPr/>
+              </p:nvSpPr>
+              <p:spPr>
+                <a:xfrm>
+                  <a:off x="2865120" y="1523999"/>
+                  <a:ext cx="548640" cy="369332"/>
+                </a:xfrm>
+                <a:prstGeom prst="rect">
+                  <a:avLst/>
+                </a:prstGeom>
+                <a:noFill/>
+              </p:spPr>
+              <p:txBody>
+                <a:bodyPr wrap="square">
+                  <a:spAutoFit/>
+                </a:bodyPr>
+                <a:lstStyle/>
+                <a:p>
+                  <a:pPr/>
+                  <a14:m>
+                    <m:oMathPara xmlns:m="http://schemas.openxmlformats.org/officeDocument/2006/math">
+                      <m:oMathParaPr>
+                        <m:jc m:val="centerGroup"/>
+                      </m:oMathParaPr>
+                      <m:oMath xmlns:m="http://schemas.openxmlformats.org/officeDocument/2006/math">
+                        <m:sSub>
+                          <m:sSubPr>
+                            <m:ctrlPr>
+                              <a:rPr lang="de-DE" b="0" i="1" smtClean="0">
+                                <a:latin typeface="Cambria Math" panose="02040503050406030204" pitchFamily="18" charset="0"/>
+                              </a:rPr>
+                            </m:ctrlPr>
+                          </m:sSubPr>
+                          <m:e>
+                            <m:r>
+                              <a:rPr lang="de-DE" b="0" i="1" smtClean="0">
+                                <a:latin typeface="Cambria Math" panose="02040503050406030204" pitchFamily="18" charset="0"/>
+                              </a:rPr>
+                              <m:t>𝑑</m:t>
+                            </m:r>
+                          </m:e>
+                          <m:sub>
+                            <m:r>
+                              <a:rPr lang="de-DE" b="0" i="1" smtClean="0">
+                                <a:latin typeface="Cambria Math" panose="02040503050406030204" pitchFamily="18" charset="0"/>
+                              </a:rPr>
+                              <m:t>1</m:t>
+                            </m:r>
+                          </m:sub>
+                        </m:sSub>
+                      </m:oMath>
+                    </m:oMathPara>
+                  </a14:m>
+                  <a:endParaRPr lang="en-US" dirty="0"/>
+                </a:p>
+              </p:txBody>
+            </p:sp>
+          </mc:Choice>
+          <mc:Fallback>
+            <p:sp>
+              <p:nvSpPr>
+                <p:cNvPr id="10" name="TextBox 9">
+                  <a:extLst>
+                    <a:ext uri="{FF2B5EF4-FFF2-40B4-BE49-F238E27FC236}">
+                      <a16:creationId xmlns:a16="http://schemas.microsoft.com/office/drawing/2014/main" id="{0E298DF7-3858-4CF1-CB50-A9136952B3F3}"/>
+                    </a:ext>
+                  </a:extLst>
+                </p:cNvPr>
+                <p:cNvSpPr txBox="1">
+                  <a:spLocks noRot="1" noChangeAspect="1" noMove="1" noResize="1" noEditPoints="1" noAdjustHandles="1" noChangeArrowheads="1" noChangeShapeType="1" noTextEdit="1"/>
+                </p:cNvSpPr>
+                <p:nvPr/>
+              </p:nvSpPr>
+              <p:spPr>
+                <a:xfrm>
+                  <a:off x="2865120" y="1523999"/>
+                  <a:ext cx="548640" cy="369332"/>
+                </a:xfrm>
+                <a:prstGeom prst="rect">
+                  <a:avLst/>
+                </a:prstGeom>
+                <a:blipFill>
+                  <a:blip r:embed="rId6"/>
+                  <a:stretch>
+                    <a:fillRect/>
+                  </a:stretch>
+                </a:blipFill>
+              </p:spPr>
+              <p:txBody>
+                <a:bodyPr/>
+                <a:lstStyle/>
+                <a:p>
+                  <a:r>
+                    <a:rPr lang="en-US">
+                      <a:noFill/>
+                    </a:rPr>
+                    <a:t> </a:t>
+                  </a:r>
+                </a:p>
+              </p:txBody>
+            </p:sp>
+          </mc:Fallback>
+        </mc:AlternateContent>
+        <p:sp>
+          <p:nvSpPr>
+            <p:cNvPr id="11" name="Right Brace 10">
+              <a:extLst>
+                <a:ext uri="{FF2B5EF4-FFF2-40B4-BE49-F238E27FC236}">
+                  <a16:creationId xmlns:a16="http://schemas.microsoft.com/office/drawing/2014/main" id="{35B440A9-594C-A6B4-B540-B8EDA9F9308D}"/>
+                </a:ext>
+              </a:extLst>
+            </p:cNvPr>
+            <p:cNvSpPr/>
+            <p:nvPr/>
+          </p:nvSpPr>
+          <p:spPr>
+            <a:xfrm rot="16200000">
+              <a:off x="2392680" y="1975218"/>
+              <a:ext cx="264160" cy="2021840"/>
+            </a:xfrm>
+            <a:prstGeom prst="rightBrace">
+              <a:avLst/>
+            </a:prstGeom>
+            <a:ln>
+              <a:solidFill>
+                <a:schemeClr val="accent1"/>
+              </a:solidFill>
+            </a:ln>
+          </p:spPr>
+          <p:style>
+            <a:lnRef idx="1">
+              <a:schemeClr val="accent1"/>
+            </a:lnRef>
+            <a:fillRef idx="0">
+              <a:schemeClr val="accent1"/>
+            </a:fillRef>
+            <a:effectRef idx="0">
+              <a:schemeClr val="accent1"/>
+            </a:effectRef>
+            <a:fontRef idx="minor">
+              <a:schemeClr val="tx1"/>
+            </a:fontRef>
+          </p:style>
+          <p:txBody>
+            <a:bodyPr rtlCol="0" anchor="ctr"/>
+            <a:lstStyle/>
+            <a:p>
+              <a:pPr algn="ctr"/>
+              <a:endParaRPr lang="en-US"/>
+            </a:p>
+          </p:txBody>
+        </p:sp>
+        <mc:AlternateContent xmlns:mc="http://schemas.openxmlformats.org/markup-compatibility/2006">
+          <mc:Choice xmlns:a14="http://schemas.microsoft.com/office/drawing/2010/main" Requires="a14">
+            <p:sp>
+              <p:nvSpPr>
+                <p:cNvPr id="12" name="TextBox 11">
+                  <a:extLst>
+                    <a:ext uri="{FF2B5EF4-FFF2-40B4-BE49-F238E27FC236}">
+                      <a16:creationId xmlns:a16="http://schemas.microsoft.com/office/drawing/2014/main" id="{D7FD950E-C571-1DC4-D266-3DEB0DDCB1B5}"/>
+                    </a:ext>
+                  </a:extLst>
+                </p:cNvPr>
+                <p:cNvSpPr txBox="1"/>
+                <p:nvPr/>
+              </p:nvSpPr>
+              <p:spPr>
+                <a:xfrm>
+                  <a:off x="2305551" y="2549257"/>
+                  <a:ext cx="458737" cy="369332"/>
+                </a:xfrm>
+                <a:prstGeom prst="rect">
+                  <a:avLst/>
+                </a:prstGeom>
+                <a:noFill/>
+              </p:spPr>
+              <p:txBody>
+                <a:bodyPr wrap="square">
+                  <a:spAutoFit/>
+                </a:bodyPr>
+                <a:lstStyle/>
+                <a:p>
+                  <a:pPr/>
+                  <a14:m>
+                    <m:oMathPara xmlns:m="http://schemas.openxmlformats.org/officeDocument/2006/math">
+                      <m:oMathParaPr>
+                        <m:jc m:val="centerGroup"/>
+                      </m:oMathParaPr>
+                      <m:oMath xmlns:m="http://schemas.openxmlformats.org/officeDocument/2006/math">
+                        <m:sSub>
+                          <m:sSubPr>
+                            <m:ctrlPr>
+                              <a:rPr lang="de-DE" b="0" i="1" smtClean="0">
+                                <a:latin typeface="Cambria Math" panose="02040503050406030204" pitchFamily="18" charset="0"/>
+                              </a:rPr>
+                            </m:ctrlPr>
+                          </m:sSubPr>
+                          <m:e>
+                            <m:r>
+                              <a:rPr lang="de-DE" b="0" i="1" smtClean="0">
+                                <a:latin typeface="Cambria Math" panose="02040503050406030204" pitchFamily="18" charset="0"/>
+                              </a:rPr>
+                              <m:t>𝑑</m:t>
+                            </m:r>
+                          </m:e>
+                          <m:sub>
+                            <m:r>
+                              <a:rPr lang="de-DE" b="0" i="1" smtClean="0">
+                                <a:latin typeface="Cambria Math" panose="02040503050406030204" pitchFamily="18" charset="0"/>
+                              </a:rPr>
+                              <m:t>2</m:t>
+                            </m:r>
+                          </m:sub>
+                        </m:sSub>
+                      </m:oMath>
+                    </m:oMathPara>
+                  </a14:m>
+                  <a:endParaRPr lang="en-US" dirty="0"/>
+                </a:p>
+              </p:txBody>
+            </p:sp>
+          </mc:Choice>
+          <mc:Fallback>
+            <p:sp>
+              <p:nvSpPr>
+                <p:cNvPr id="12" name="TextBox 11">
+                  <a:extLst>
+                    <a:ext uri="{FF2B5EF4-FFF2-40B4-BE49-F238E27FC236}">
+                      <a16:creationId xmlns:a16="http://schemas.microsoft.com/office/drawing/2014/main" id="{D7FD950E-C571-1DC4-D266-3DEB0DDCB1B5}"/>
+                    </a:ext>
+                  </a:extLst>
+                </p:cNvPr>
+                <p:cNvSpPr txBox="1">
+                  <a:spLocks noRot="1" noChangeAspect="1" noMove="1" noResize="1" noEditPoints="1" noAdjustHandles="1" noChangeArrowheads="1" noChangeShapeType="1" noTextEdit="1"/>
+                </p:cNvSpPr>
+                <p:nvPr/>
+              </p:nvSpPr>
+              <p:spPr>
+                <a:xfrm>
+                  <a:off x="2305551" y="2549257"/>
+                  <a:ext cx="458737" cy="369332"/>
+                </a:xfrm>
+                <a:prstGeom prst="rect">
+                  <a:avLst/>
+                </a:prstGeom>
+                <a:blipFill>
+                  <a:blip r:embed="rId7"/>
+                  <a:stretch>
+                    <a:fillRect/>
+                  </a:stretch>
+                </a:blipFill>
+              </p:spPr>
+              <p:txBody>
+                <a:bodyPr/>
+                <a:lstStyle/>
+                <a:p>
+                  <a:r>
+                    <a:rPr lang="en-US">
+                      <a:noFill/>
+                    </a:rPr>
+                    <a:t> </a:t>
+                  </a:r>
+                </a:p>
+              </p:txBody>
+            </p:sp>
+          </mc:Fallback>
+        </mc:AlternateContent>
+        <p:sp>
+          <p:nvSpPr>
+            <p:cNvPr id="13" name="Right Brace 12">
+              <a:extLst>
+                <a:ext uri="{FF2B5EF4-FFF2-40B4-BE49-F238E27FC236}">
+                  <a16:creationId xmlns:a16="http://schemas.microsoft.com/office/drawing/2014/main" id="{FB1A32A9-9402-57C2-C6EE-E1860060D466}"/>
+                </a:ext>
+              </a:extLst>
+            </p:cNvPr>
+            <p:cNvSpPr/>
+            <p:nvPr/>
+          </p:nvSpPr>
+          <p:spPr>
+            <a:xfrm rot="16200000">
+              <a:off x="2524760" y="3504878"/>
+              <a:ext cx="264160" cy="965200"/>
+            </a:xfrm>
+            <a:prstGeom prst="rightBrace">
+              <a:avLst/>
+            </a:prstGeom>
+            <a:ln>
+              <a:solidFill>
+                <a:schemeClr val="accent1"/>
+              </a:solidFill>
+            </a:ln>
+          </p:spPr>
+          <p:style>
+            <a:lnRef idx="1">
+              <a:schemeClr val="accent1"/>
+            </a:lnRef>
+            <a:fillRef idx="0">
+              <a:schemeClr val="accent1"/>
+            </a:fillRef>
+            <a:effectRef idx="0">
+              <a:schemeClr val="accent1"/>
+            </a:effectRef>
+            <a:fontRef idx="minor">
+              <a:schemeClr val="tx1"/>
+            </a:fontRef>
+          </p:style>
+          <p:txBody>
+            <a:bodyPr rtlCol="0" anchor="ctr"/>
+            <a:lstStyle/>
+            <a:p>
+              <a:pPr algn="ctr"/>
+              <a:endParaRPr lang="en-US"/>
+            </a:p>
+          </p:txBody>
+        </p:sp>
+        <mc:AlternateContent xmlns:mc="http://schemas.openxmlformats.org/markup-compatibility/2006">
+          <mc:Choice xmlns:a14="http://schemas.microsoft.com/office/drawing/2010/main" Requires="a14">
+            <p:sp>
+              <p:nvSpPr>
+                <p:cNvPr id="14" name="TextBox 13">
+                  <a:extLst>
+                    <a:ext uri="{FF2B5EF4-FFF2-40B4-BE49-F238E27FC236}">
+                      <a16:creationId xmlns:a16="http://schemas.microsoft.com/office/drawing/2014/main" id="{7DB0A420-8E52-CA76-F50D-A3ECC408F7DB}"/>
+                    </a:ext>
+                  </a:extLst>
+                </p:cNvPr>
+                <p:cNvSpPr txBox="1"/>
+                <p:nvPr/>
+              </p:nvSpPr>
+              <p:spPr>
+                <a:xfrm>
+                  <a:off x="2469896" y="3570317"/>
+                  <a:ext cx="218995" cy="369332"/>
+                </a:xfrm>
+                <a:prstGeom prst="rect">
+                  <a:avLst/>
+                </a:prstGeom>
+                <a:noFill/>
+              </p:spPr>
+              <p:txBody>
+                <a:bodyPr wrap="square">
+                  <a:spAutoFit/>
+                </a:bodyPr>
+                <a:lstStyle/>
+                <a:p>
+                  <a:pPr/>
+                  <a14:m>
+                    <m:oMathPara xmlns:m="http://schemas.openxmlformats.org/officeDocument/2006/math">
+                      <m:oMathParaPr>
+                        <m:jc m:val="centerGroup"/>
+                      </m:oMathParaPr>
+                      <m:oMath xmlns:m="http://schemas.openxmlformats.org/officeDocument/2006/math">
+                        <m:sSub>
+                          <m:sSubPr>
+                            <m:ctrlPr>
+                              <a:rPr lang="de-DE" b="0" i="1" smtClean="0">
+                                <a:latin typeface="Cambria Math" panose="02040503050406030204" pitchFamily="18" charset="0"/>
+                              </a:rPr>
+                            </m:ctrlPr>
+                          </m:sSubPr>
+                          <m:e>
+                            <m:r>
+                              <a:rPr lang="de-DE" b="0" i="1" smtClean="0">
+                                <a:latin typeface="Cambria Math" panose="02040503050406030204" pitchFamily="18" charset="0"/>
+                              </a:rPr>
+                              <m:t>𝑑</m:t>
+                            </m:r>
+                          </m:e>
+                          <m:sub>
+                            <m:r>
+                              <a:rPr lang="de-DE" b="0" i="1" smtClean="0">
+                                <a:latin typeface="Cambria Math" panose="02040503050406030204" pitchFamily="18" charset="0"/>
+                              </a:rPr>
+                              <m:t>3</m:t>
+                            </m:r>
+                          </m:sub>
+                        </m:sSub>
+                      </m:oMath>
+                    </m:oMathPara>
+                  </a14:m>
+                  <a:endParaRPr lang="en-US" dirty="0"/>
+                </a:p>
+              </p:txBody>
+            </p:sp>
+          </mc:Choice>
+          <mc:Fallback>
+            <p:sp>
+              <p:nvSpPr>
+                <p:cNvPr id="14" name="TextBox 13">
+                  <a:extLst>
+                    <a:ext uri="{FF2B5EF4-FFF2-40B4-BE49-F238E27FC236}">
+                      <a16:creationId xmlns:a16="http://schemas.microsoft.com/office/drawing/2014/main" id="{7DB0A420-8E52-CA76-F50D-A3ECC408F7DB}"/>
+                    </a:ext>
+                  </a:extLst>
+                </p:cNvPr>
+                <p:cNvSpPr txBox="1">
+                  <a:spLocks noRot="1" noChangeAspect="1" noMove="1" noResize="1" noEditPoints="1" noAdjustHandles="1" noChangeArrowheads="1" noChangeShapeType="1" noTextEdit="1"/>
+                </p:cNvSpPr>
+                <p:nvPr/>
+              </p:nvSpPr>
+              <p:spPr>
+                <a:xfrm>
+                  <a:off x="2469896" y="3570317"/>
+                  <a:ext cx="218995" cy="369332"/>
+                </a:xfrm>
+                <a:prstGeom prst="rect">
+                  <a:avLst/>
+                </a:prstGeom>
+                <a:blipFill>
+                  <a:blip r:embed="rId8"/>
+                  <a:stretch>
+                    <a:fillRect r="-75000"/>
+                  </a:stretch>
+                </a:blipFill>
+              </p:spPr>
+              <p:txBody>
+                <a:bodyPr/>
+                <a:lstStyle/>
+                <a:p>
+                  <a:r>
+                    <a:rPr lang="en-US">
+                      <a:noFill/>
+                    </a:rPr>
+                    <a:t> </a:t>
+                  </a:r>
+                </a:p>
+              </p:txBody>
+            </p:sp>
+          </mc:Fallback>
+        </mc:AlternateContent>
+        <p:sp>
+          <p:nvSpPr>
+            <p:cNvPr id="15" name="Right Brace 14">
+              <a:extLst>
+                <a:ext uri="{FF2B5EF4-FFF2-40B4-BE49-F238E27FC236}">
+                  <a16:creationId xmlns:a16="http://schemas.microsoft.com/office/drawing/2014/main" id="{880F96E9-48A0-169E-E452-FB433FB45F53}"/>
+                </a:ext>
+              </a:extLst>
+            </p:cNvPr>
+            <p:cNvSpPr/>
+            <p:nvPr/>
+          </p:nvSpPr>
+          <p:spPr>
+            <a:xfrm rot="16200000">
+              <a:off x="3057391" y="4077131"/>
+              <a:ext cx="264160" cy="1767840"/>
+            </a:xfrm>
+            <a:prstGeom prst="rightBrace">
+              <a:avLst/>
+            </a:prstGeom>
+            <a:ln>
+              <a:solidFill>
+                <a:schemeClr val="accent1"/>
+              </a:solidFill>
+            </a:ln>
+          </p:spPr>
+          <p:style>
+            <a:lnRef idx="1">
+              <a:schemeClr val="accent1"/>
+            </a:lnRef>
+            <a:fillRef idx="0">
+              <a:schemeClr val="accent1"/>
+            </a:fillRef>
+            <a:effectRef idx="0">
+              <a:schemeClr val="accent1"/>
+            </a:effectRef>
+            <a:fontRef idx="minor">
+              <a:schemeClr val="tx1"/>
+            </a:fontRef>
+          </p:style>
+          <p:txBody>
+            <a:bodyPr rtlCol="0" anchor="ctr"/>
+            <a:lstStyle/>
+            <a:p>
+              <a:pPr algn="ctr"/>
+              <a:endParaRPr lang="en-US"/>
+            </a:p>
+          </p:txBody>
+        </p:sp>
+        <mc:AlternateContent xmlns:mc="http://schemas.openxmlformats.org/markup-compatibility/2006">
+          <mc:Choice xmlns:a14="http://schemas.microsoft.com/office/drawing/2010/main" Requires="a14">
+            <p:sp>
+              <p:nvSpPr>
+                <p:cNvPr id="16" name="TextBox 15">
+                  <a:extLst>
+                    <a:ext uri="{FF2B5EF4-FFF2-40B4-BE49-F238E27FC236}">
+                      <a16:creationId xmlns:a16="http://schemas.microsoft.com/office/drawing/2014/main" id="{48339E63-5E8C-6CAF-C521-074F9A967D6E}"/>
+                    </a:ext>
+                  </a:extLst>
+                </p:cNvPr>
+                <p:cNvSpPr txBox="1"/>
+                <p:nvPr/>
+              </p:nvSpPr>
+              <p:spPr>
+                <a:xfrm>
+                  <a:off x="2988917" y="4546277"/>
+                  <a:ext cx="401107" cy="369332"/>
+                </a:xfrm>
+                <a:prstGeom prst="rect">
+                  <a:avLst/>
+                </a:prstGeom>
+                <a:noFill/>
+              </p:spPr>
+              <p:txBody>
+                <a:bodyPr wrap="square">
+                  <a:spAutoFit/>
+                </a:bodyPr>
+                <a:lstStyle/>
+                <a:p>
+                  <a:pPr/>
+                  <a14:m>
+                    <m:oMathPara xmlns:m="http://schemas.openxmlformats.org/officeDocument/2006/math">
+                      <m:oMathParaPr>
+                        <m:jc m:val="centerGroup"/>
+                      </m:oMathParaPr>
+                      <m:oMath xmlns:m="http://schemas.openxmlformats.org/officeDocument/2006/math">
+                        <m:sSub>
+                          <m:sSubPr>
+                            <m:ctrlPr>
+                              <a:rPr lang="de-DE" b="0" i="1" smtClean="0">
+                                <a:latin typeface="Cambria Math" panose="02040503050406030204" pitchFamily="18" charset="0"/>
+                              </a:rPr>
+                            </m:ctrlPr>
+                          </m:sSubPr>
+                          <m:e>
+                            <m:r>
+                              <a:rPr lang="de-DE" b="0" i="1" smtClean="0">
+                                <a:latin typeface="Cambria Math" panose="02040503050406030204" pitchFamily="18" charset="0"/>
+                              </a:rPr>
+                              <m:t>𝑑</m:t>
+                            </m:r>
+                          </m:e>
+                          <m:sub>
+                            <m:r>
+                              <a:rPr lang="de-DE" b="0" i="1" smtClean="0">
+                                <a:latin typeface="Cambria Math" panose="02040503050406030204" pitchFamily="18" charset="0"/>
+                              </a:rPr>
+                              <m:t>4</m:t>
+                            </m:r>
+                          </m:sub>
+                        </m:sSub>
+                      </m:oMath>
+                    </m:oMathPara>
+                  </a14:m>
+                  <a:endParaRPr lang="en-US" dirty="0"/>
+                </a:p>
+              </p:txBody>
+            </p:sp>
+          </mc:Choice>
+          <mc:Fallback>
+            <p:sp>
+              <p:nvSpPr>
+                <p:cNvPr id="16" name="TextBox 15">
+                  <a:extLst>
+                    <a:ext uri="{FF2B5EF4-FFF2-40B4-BE49-F238E27FC236}">
+                      <a16:creationId xmlns:a16="http://schemas.microsoft.com/office/drawing/2014/main" id="{48339E63-5E8C-6CAF-C521-074F9A967D6E}"/>
+                    </a:ext>
+                  </a:extLst>
+                </p:cNvPr>
+                <p:cNvSpPr txBox="1">
+                  <a:spLocks noRot="1" noChangeAspect="1" noMove="1" noResize="1" noEditPoints="1" noAdjustHandles="1" noChangeArrowheads="1" noChangeShapeType="1" noTextEdit="1"/>
+                </p:cNvSpPr>
+                <p:nvPr/>
+              </p:nvSpPr>
+              <p:spPr>
+                <a:xfrm>
+                  <a:off x="2988917" y="4546277"/>
+                  <a:ext cx="401107" cy="369332"/>
+                </a:xfrm>
+                <a:prstGeom prst="rect">
+                  <a:avLst/>
+                </a:prstGeom>
+                <a:blipFill>
+                  <a:blip r:embed="rId9"/>
+                  <a:stretch>
+                    <a:fillRect/>
+                  </a:stretch>
+                </a:blipFill>
+              </p:spPr>
+              <p:txBody>
+                <a:bodyPr/>
+                <a:lstStyle/>
+                <a:p>
+                  <a:r>
+                    <a:rPr lang="en-US">
+                      <a:noFill/>
+                    </a:rPr>
+                    <a:t> </a:t>
+                  </a:r>
+                </a:p>
+              </p:txBody>
+            </p:sp>
+          </mc:Fallback>
+        </mc:AlternateContent>
+        <p:cxnSp>
+          <p:nvCxnSpPr>
+            <p:cNvPr id="18" name="Straight Connector 17">
+              <a:extLst>
+                <a:ext uri="{FF2B5EF4-FFF2-40B4-BE49-F238E27FC236}">
+                  <a16:creationId xmlns:a16="http://schemas.microsoft.com/office/drawing/2014/main" id="{0779D2B2-4221-A27A-D1F6-34E0F884D65F}"/>
+                </a:ext>
+              </a:extLst>
+            </p:cNvPr>
+            <p:cNvCxnSpPr/>
+            <p:nvPr/>
+          </p:nvCxnSpPr>
+          <p:spPr>
+            <a:xfrm>
+              <a:off x="1501111" y="1523999"/>
+              <a:ext cx="0" cy="4529560"/>
+            </a:xfrm>
+            <a:prstGeom prst="line">
+              <a:avLst/>
+            </a:prstGeom>
+            <a:ln w="28575">
+              <a:solidFill>
+                <a:srgbClr val="C00000"/>
+              </a:solidFill>
+            </a:ln>
+          </p:spPr>
+          <p:style>
+            <a:lnRef idx="1">
+              <a:schemeClr val="accent1"/>
+            </a:lnRef>
+            <a:fillRef idx="0">
+              <a:schemeClr val="accent1"/>
+            </a:fillRef>
+            <a:effectRef idx="0">
+              <a:schemeClr val="accent1"/>
+            </a:effectRef>
+            <a:fontRef idx="minor">
+              <a:schemeClr val="tx1"/>
+            </a:fontRef>
+          </p:style>
+        </p:cxnSp>
+        <mc:AlternateContent xmlns:mc="http://schemas.openxmlformats.org/markup-compatibility/2006">
+          <mc:Choice xmlns:a14="http://schemas.microsoft.com/office/drawing/2010/main" Requires="a14">
+            <p:sp>
+              <p:nvSpPr>
+                <p:cNvPr id="19" name="TextBox 18">
+                  <a:extLst>
+                    <a:ext uri="{FF2B5EF4-FFF2-40B4-BE49-F238E27FC236}">
+                      <a16:creationId xmlns:a16="http://schemas.microsoft.com/office/drawing/2014/main" id="{BFA6E135-1306-45A1-D2B9-ED8531C4AB2E}"/>
+                    </a:ext>
+                  </a:extLst>
+                </p:cNvPr>
+                <p:cNvSpPr txBox="1"/>
+                <p:nvPr/>
+              </p:nvSpPr>
+              <p:spPr>
+                <a:xfrm>
+                  <a:off x="667052" y="713238"/>
+                  <a:ext cx="2021839" cy="1091646"/>
+                </a:xfrm>
+                <a:prstGeom prst="rect">
+                  <a:avLst/>
+                </a:prstGeom>
+                <a:noFill/>
+              </p:spPr>
+              <p:txBody>
+                <a:bodyPr wrap="square">
+                  <a:spAutoFit/>
+                </a:bodyPr>
+                <a:lstStyle/>
+                <a:p>
+                  <a:pPr/>
+                  <a14:m>
+                    <m:oMathPara xmlns:m="http://schemas.openxmlformats.org/officeDocument/2006/math">
+                      <m:oMathParaPr>
+                        <m:jc m:val="centerGroup"/>
+                      </m:oMathParaPr>
+                      <m:oMath xmlns:m="http://schemas.openxmlformats.org/officeDocument/2006/math">
+                        <m:func>
+                          <m:funcPr>
+                            <m:ctrlPr>
+                              <a:rPr lang="de-DE" b="0" i="1" smtClean="0">
+                                <a:latin typeface="Cambria Math" panose="02040503050406030204" pitchFamily="18" charset="0"/>
+                              </a:rPr>
+                            </m:ctrlPr>
+                          </m:funcPr>
+                          <m:fName>
+                            <m:r>
+                              <m:rPr>
+                                <m:sty m:val="p"/>
+                              </m:rPr>
+                              <a:rPr lang="de-DE" b="0" i="0" smtClean="0">
+                                <a:latin typeface="Cambria Math" panose="02040503050406030204" pitchFamily="18" charset="0"/>
+                              </a:rPr>
+                              <m:t>min</m:t>
+                            </m:r>
+                          </m:fName>
+                          <m:e>
+                            <m:func>
+                              <m:funcPr>
+                                <m:ctrlPr>
+                                  <a:rPr lang="de-DE" b="0" i="1" smtClean="0">
+                                    <a:latin typeface="Cambria Math" panose="02040503050406030204" pitchFamily="18" charset="0"/>
+                                  </a:rPr>
+                                </m:ctrlPr>
+                              </m:funcPr>
+                              <m:fName>
+                                <m:r>
+                                  <m:rPr>
+                                    <m:sty m:val="p"/>
+                                  </m:rPr>
+                                  <a:rPr lang="de-DE" b="0" i="0" smtClean="0">
+                                    <a:latin typeface="Cambria Math" panose="02040503050406030204" pitchFamily="18" charset="0"/>
+                                  </a:rPr>
+                                  <m:t>min</m:t>
+                                </m:r>
+                              </m:fName>
+                              <m:e>
+                                <m:eqArr>
+                                  <m:eqArrPr>
+                                    <m:ctrlPr>
+                                      <a:rPr lang="de-DE" b="0" i="1" smtClean="0">
+                                        <a:latin typeface="Cambria Math" panose="02040503050406030204" pitchFamily="18" charset="0"/>
+                                      </a:rPr>
+                                    </m:ctrlPr>
+                                  </m:eqArrPr>
+                                  <m:e>
+                                    <m:r>
+                                      <a:rPr lang="de-DE" b="0" i="1" smtClean="0">
+                                        <a:latin typeface="Cambria Math" panose="02040503050406030204" pitchFamily="18" charset="0"/>
+                                      </a:rPr>
+                                      <m:t>{</m:t>
+                                    </m:r>
+                                    <m:sSub>
+                                      <m:sSubPr>
+                                        <m:ctrlPr>
+                                          <a:rPr lang="de-DE" b="0" i="1" smtClean="0">
+                                            <a:latin typeface="Cambria Math" panose="02040503050406030204" pitchFamily="18" charset="0"/>
+                                          </a:rPr>
+                                        </m:ctrlPr>
+                                      </m:sSubPr>
+                                      <m:e>
+                                        <m:r>
+                                          <a:rPr lang="de-DE" b="0" i="1" smtClean="0">
+                                            <a:latin typeface="Cambria Math" panose="02040503050406030204" pitchFamily="18" charset="0"/>
+                                          </a:rPr>
+                                          <m:t>𝑠</m:t>
+                                        </m:r>
+                                      </m:e>
+                                      <m:sub>
+                                        <m:r>
+                                          <a:rPr lang="de-DE" b="0" i="1" smtClean="0">
+                                            <a:latin typeface="Cambria Math" panose="02040503050406030204" pitchFamily="18" charset="0"/>
+                                          </a:rPr>
+                                          <m:t>1</m:t>
+                                        </m:r>
+                                      </m:sub>
+                                    </m:sSub>
+                                  </m:e>
+                                  <m:e>
+                                    <m:eqArr>
+                                      <m:eqArrPr>
+                                        <m:ctrlPr>
+                                          <a:rPr lang="de-DE" b="0" i="1" smtClean="0">
+                                            <a:latin typeface="Cambria Math" panose="02040503050406030204" pitchFamily="18" charset="0"/>
+                                          </a:rPr>
+                                        </m:ctrlPr>
+                                      </m:eqArrPr>
+                                      <m:e>
+                                        <m:r>
+                                          <a:rPr lang="de-DE" b="0" i="1" smtClean="0">
+                                            <a:latin typeface="Cambria Math" panose="02040503050406030204" pitchFamily="18" charset="0"/>
+                                          </a:rPr>
+                                          <m:t>  </m:t>
+                                        </m:r>
+                                        <m:sSub>
+                                          <m:sSubPr>
+                                            <m:ctrlPr>
+                                              <a:rPr lang="de-DE" b="0" i="1" smtClean="0">
+                                                <a:latin typeface="Cambria Math" panose="02040503050406030204" pitchFamily="18" charset="0"/>
+                                              </a:rPr>
+                                            </m:ctrlPr>
+                                          </m:sSubPr>
+                                          <m:e>
+                                            <m:r>
+                                              <a:rPr lang="de-DE" b="0" i="1" smtClean="0">
+                                                <a:latin typeface="Cambria Math" panose="02040503050406030204" pitchFamily="18" charset="0"/>
+                                              </a:rPr>
+                                              <m:t>𝑠</m:t>
+                                            </m:r>
+                                          </m:e>
+                                          <m:sub>
+                                            <m:r>
+                                              <a:rPr lang="de-DE" b="0" i="1" smtClean="0">
+                                                <a:latin typeface="Cambria Math" panose="02040503050406030204" pitchFamily="18" charset="0"/>
+                                              </a:rPr>
+                                              <m:t>2</m:t>
+                                            </m:r>
+                                          </m:sub>
+                                        </m:sSub>
+                                        <m:r>
+                                          <a:rPr lang="de-DE" b="0" i="1" smtClean="0">
+                                            <a:latin typeface="Cambria Math" panose="02040503050406030204" pitchFamily="18" charset="0"/>
+                                          </a:rPr>
+                                          <m:t>,</m:t>
+                                        </m:r>
+                                      </m:e>
+                                      <m:e>
+                                        <m:eqArr>
+                                          <m:eqArrPr>
+                                            <m:ctrlPr>
+                                              <a:rPr lang="de-DE" b="0" i="1" smtClean="0">
+                                                <a:latin typeface="Cambria Math" panose="02040503050406030204" pitchFamily="18" charset="0"/>
+                                              </a:rPr>
+                                            </m:ctrlPr>
+                                          </m:eqArrPr>
+                                          <m:e>
+                                            <m:r>
+                                              <a:rPr lang="de-DE" b="0" i="1" smtClean="0">
+                                                <a:latin typeface="Cambria Math" panose="02040503050406030204" pitchFamily="18" charset="0"/>
+                                              </a:rPr>
+                                              <m:t>  </m:t>
+                                            </m:r>
+                                            <m:sSub>
+                                              <m:sSubPr>
+                                                <m:ctrlPr>
+                                                  <a:rPr lang="de-DE" b="0" i="1" smtClean="0">
+                                                    <a:latin typeface="Cambria Math" panose="02040503050406030204" pitchFamily="18" charset="0"/>
+                                                  </a:rPr>
+                                                </m:ctrlPr>
+                                              </m:sSubPr>
+                                              <m:e>
+                                                <m:r>
+                                                  <a:rPr lang="de-DE" b="0" i="1" smtClean="0">
+                                                    <a:latin typeface="Cambria Math" panose="02040503050406030204" pitchFamily="18" charset="0"/>
+                                                  </a:rPr>
+                                                  <m:t>𝑠</m:t>
+                                                </m:r>
+                                              </m:e>
+                                              <m:sub>
+                                                <m:r>
+                                                  <a:rPr lang="de-DE" b="0" i="1" smtClean="0">
+                                                    <a:latin typeface="Cambria Math" panose="02040503050406030204" pitchFamily="18" charset="0"/>
+                                                  </a:rPr>
+                                                  <m:t>3</m:t>
+                                                </m:r>
+                                              </m:sub>
+                                            </m:sSub>
+                                            <m:r>
+                                              <a:rPr lang="de-DE" b="0" i="1" smtClean="0">
+                                                <a:latin typeface="Cambria Math" panose="02040503050406030204" pitchFamily="18" charset="0"/>
+                                              </a:rPr>
+                                              <m:t>,</m:t>
+                                            </m:r>
+                                          </m:e>
+                                          <m:e>
+                                            <m:r>
+                                              <a:rPr lang="de-DE" b="0" i="1" smtClean="0">
+                                                <a:latin typeface="Cambria Math" panose="02040503050406030204" pitchFamily="18" charset="0"/>
+                                              </a:rPr>
+                                              <m:t>   </m:t>
+                                            </m:r>
+                                            <m:sSub>
+                                              <m:sSubPr>
+                                                <m:ctrlPr>
+                                                  <a:rPr lang="de-DE" b="0" i="1" smtClean="0">
+                                                    <a:latin typeface="Cambria Math" panose="02040503050406030204" pitchFamily="18" charset="0"/>
+                                                  </a:rPr>
+                                                </m:ctrlPr>
+                                              </m:sSubPr>
+                                              <m:e>
+                                                <m:r>
+                                                  <a:rPr lang="de-DE" b="0" i="1" smtClean="0">
+                                                    <a:latin typeface="Cambria Math" panose="02040503050406030204" pitchFamily="18" charset="0"/>
+                                                  </a:rPr>
+                                                  <m:t>𝑠</m:t>
+                                                </m:r>
+                                              </m:e>
+                                              <m:sub>
+                                                <m:r>
+                                                  <a:rPr lang="de-DE" b="0" i="1" smtClean="0">
+                                                    <a:latin typeface="Cambria Math" panose="02040503050406030204" pitchFamily="18" charset="0"/>
+                                                  </a:rPr>
+                                                  <m:t>4</m:t>
+                                                </m:r>
+                                              </m:sub>
+                                            </m:sSub>
+                                            <m:r>
+                                              <a:rPr lang="de-DE" b="0" i="1" smtClean="0">
+                                                <a:latin typeface="Cambria Math" panose="02040503050406030204" pitchFamily="18" charset="0"/>
+                                              </a:rPr>
+                                              <m:t>}</m:t>
+                                            </m:r>
+                                          </m:e>
+                                        </m:eqArr>
+                                      </m:e>
+                                    </m:eqArr>
+                                  </m:e>
+                                </m:eqArr>
+                              </m:e>
+                            </m:func>
+                          </m:e>
+                        </m:func>
+                      </m:oMath>
+                    </m:oMathPara>
+                  </a14:m>
+                  <a:endParaRPr lang="en-US" dirty="0"/>
+                </a:p>
+              </p:txBody>
+            </p:sp>
+          </mc:Choice>
+          <mc:Fallback>
+            <p:sp>
+              <p:nvSpPr>
+                <p:cNvPr id="19" name="TextBox 18">
+                  <a:extLst>
+                    <a:ext uri="{FF2B5EF4-FFF2-40B4-BE49-F238E27FC236}">
+                      <a16:creationId xmlns:a16="http://schemas.microsoft.com/office/drawing/2014/main" id="{BFA6E135-1306-45A1-D2B9-ED8531C4AB2E}"/>
+                    </a:ext>
+                  </a:extLst>
+                </p:cNvPr>
+                <p:cNvSpPr txBox="1">
+                  <a:spLocks noRot="1" noChangeAspect="1" noMove="1" noResize="1" noEditPoints="1" noAdjustHandles="1" noChangeArrowheads="1" noChangeShapeType="1" noTextEdit="1"/>
+                </p:cNvSpPr>
+                <p:nvPr/>
+              </p:nvSpPr>
+              <p:spPr>
+                <a:xfrm>
+                  <a:off x="667052" y="713238"/>
+                  <a:ext cx="2021839" cy="1091646"/>
+                </a:xfrm>
+                <a:prstGeom prst="rect">
+                  <a:avLst/>
+                </a:prstGeom>
+                <a:blipFill>
+                  <a:blip r:embed="rId10"/>
+                  <a:stretch>
+                    <a:fillRect/>
+                  </a:stretch>
+                </a:blipFill>
+              </p:spPr>
+              <p:txBody>
+                <a:bodyPr/>
+                <a:lstStyle/>
+                <a:p>
+                  <a:r>
+                    <a:rPr lang="en-US">
+                      <a:noFill/>
+                    </a:rPr>
+                    <a:t> </a:t>
+                  </a:r>
+                </a:p>
+              </p:txBody>
+            </p:sp>
+          </mc:Fallback>
+        </mc:AlternateContent>
+      </p:grpSp>
+    </p:spTree>
+    <p:extLst>
+      <p:ext uri="{BB962C8B-B14F-4D97-AF65-F5344CB8AC3E}">
+        <p14:creationId xmlns:p14="http://schemas.microsoft.com/office/powerpoint/2010/main" val="3316440455"/>
+      </p:ext>
+    </p:extLst>
+  </p:cSld>
+  <p:clrMapOvr>
+    <a:masterClrMapping/>
+  </p:clrMapOvr>
+</p:sld>
+</file>
+
+<file path=ppt/slides/slide14.xml><?xml version="1.0" encoding="utf-8"?>
+<p:sld xmlns:a="http://schemas.openxmlformats.org/drawingml/2006/main" xmlns:r="http://schemas.openxmlformats.org/officeDocument/2006/relationships" xmlns:p="http://schemas.openxmlformats.org/presentationml/2006/main">
+  <p:cSld>
+    <p:spTree>
+      <p:nvGrpSpPr>
+        <p:cNvPr id="1" name=""/>
+        <p:cNvGrpSpPr/>
+        <p:nvPr/>
+      </p:nvGrpSpPr>
+      <p:grpSpPr>
+        <a:xfrm>
+          <a:off x="0" y="0"/>
+          <a:ext cx="0" cy="0"/>
+          <a:chOff x="0" y="0"/>
+          <a:chExt cx="0" cy="0"/>
+        </a:xfrm>
+      </p:grpSpPr>
+      <p:grpSp>
+        <p:nvGrpSpPr>
+          <p:cNvPr id="21" name="Group 20">
+            <a:extLst>
+              <a:ext uri="{FF2B5EF4-FFF2-40B4-BE49-F238E27FC236}">
+                <a16:creationId xmlns:a16="http://schemas.microsoft.com/office/drawing/2014/main" id="{EF8B67E4-2B5B-C5D7-50A8-D11F1B125009}"/>
+              </a:ext>
+            </a:extLst>
+          </p:cNvPr>
+          <p:cNvGrpSpPr/>
+          <p:nvPr/>
+        </p:nvGrpSpPr>
+        <p:grpSpPr>
+          <a:xfrm>
+            <a:off x="2320953" y="1238491"/>
+            <a:ext cx="3470247" cy="4081393"/>
+            <a:chOff x="2320953" y="1238491"/>
+            <a:chExt cx="3470247" cy="4081393"/>
+          </a:xfrm>
+        </p:grpSpPr>
+        <mc:AlternateContent xmlns:mc="http://schemas.openxmlformats.org/markup-compatibility/2006">
+          <mc:Choice xmlns:a14="http://schemas.microsoft.com/office/drawing/2010/main" Requires="a14">
+            <p:sp>
+              <p:nvSpPr>
+                <p:cNvPr id="5" name="Rectangle: Rounded Corners 4">
+                  <a:extLst>
+                    <a:ext uri="{FF2B5EF4-FFF2-40B4-BE49-F238E27FC236}">
+                      <a16:creationId xmlns:a16="http://schemas.microsoft.com/office/drawing/2014/main" id="{285EAD6A-8999-7910-4F0E-7B8182093203}"/>
+                    </a:ext>
+                  </a:extLst>
+                </p:cNvPr>
+                <p:cNvSpPr/>
+                <p:nvPr/>
+              </p:nvSpPr>
+              <p:spPr>
+                <a:xfrm>
+                  <a:off x="4560426" y="1238491"/>
+                  <a:ext cx="509286" cy="1620000"/>
+                </a:xfrm>
+                <a:prstGeom prst="roundRect">
+                  <a:avLst/>
+                </a:prstGeom>
+              </p:spPr>
+              <p:style>
+                <a:lnRef idx="2">
+                  <a:schemeClr val="accent1">
+                    <a:shade val="15000"/>
+                  </a:schemeClr>
+                </a:lnRef>
+                <a:fillRef idx="1">
+                  <a:schemeClr val="accent1"/>
+                </a:fillRef>
+                <a:effectRef idx="0">
+                  <a:schemeClr val="accent1"/>
+                </a:effectRef>
+                <a:fontRef idx="minor">
+                  <a:schemeClr val="lt1"/>
+                </a:fontRef>
+              </p:style>
+              <p:txBody>
+                <a:bodyPr rtlCol="0" anchor="ctr"/>
+                <a:lstStyle/>
+                <a:p>
+                  <a:pPr algn="ctr"/>
+                  <a14:m>
+                    <m:oMathPara xmlns:m="http://schemas.openxmlformats.org/officeDocument/2006/math">
+                      <m:oMathParaPr>
+                        <m:jc m:val="center"/>
+                      </m:oMathParaPr>
+                      <m:oMath xmlns:m="http://schemas.openxmlformats.org/officeDocument/2006/math">
+                        <m:r>
+                          <a:rPr lang="de-DE" b="0" i="1" smtClean="0">
+                            <a:latin typeface="Cambria Math" panose="02040503050406030204" pitchFamily="18" charset="0"/>
+                          </a:rPr>
+                          <m:t>3</m:t>
+                        </m:r>
+                      </m:oMath>
+                    </m:oMathPara>
+                  </a14:m>
+                  <a:endParaRPr lang="en-US" dirty="0"/>
+                </a:p>
+              </p:txBody>
+            </p:sp>
+          </mc:Choice>
+          <mc:Fallback>
+            <p:sp>
+              <p:nvSpPr>
+                <p:cNvPr id="5" name="Rectangle: Rounded Corners 4">
+                  <a:extLst>
+                    <a:ext uri="{FF2B5EF4-FFF2-40B4-BE49-F238E27FC236}">
+                      <a16:creationId xmlns:a16="http://schemas.microsoft.com/office/drawing/2014/main" id="{285EAD6A-8999-7910-4F0E-7B8182093203}"/>
+                    </a:ext>
+                  </a:extLst>
+                </p:cNvPr>
+                <p:cNvSpPr>
+                  <a:spLocks noRot="1" noChangeAspect="1" noMove="1" noResize="1" noEditPoints="1" noAdjustHandles="1" noChangeArrowheads="1" noChangeShapeType="1" noTextEdit="1"/>
+                </p:cNvSpPr>
+                <p:nvPr/>
+              </p:nvSpPr>
+              <p:spPr>
+                <a:xfrm>
+                  <a:off x="4560426" y="1238491"/>
+                  <a:ext cx="509286" cy="1620000"/>
+                </a:xfrm>
+                <a:prstGeom prst="roundRect">
+                  <a:avLst/>
+                </a:prstGeom>
+                <a:blipFill>
+                  <a:blip r:embed="rId2"/>
+                  <a:stretch>
+                    <a:fillRect/>
+                  </a:stretch>
+                </a:blipFill>
+              </p:spPr>
+              <p:txBody>
+                <a:bodyPr/>
+                <a:lstStyle/>
+                <a:p>
+                  <a:r>
+                    <a:rPr lang="en-US">
+                      <a:noFill/>
+                    </a:rPr>
+                    <a:t> </a:t>
+                  </a:r>
+                </a:p>
+              </p:txBody>
+            </p:sp>
+          </mc:Fallback>
+        </mc:AlternateContent>
+        <mc:AlternateContent xmlns:mc="http://schemas.openxmlformats.org/markup-compatibility/2006">
+          <mc:Choice xmlns:a14="http://schemas.microsoft.com/office/drawing/2010/main" Requires="a14">
+            <p:sp>
+              <p:nvSpPr>
+                <p:cNvPr id="6" name="Rectangle: Rounded Corners 5">
+                  <a:extLst>
+                    <a:ext uri="{FF2B5EF4-FFF2-40B4-BE49-F238E27FC236}">
+                      <a16:creationId xmlns:a16="http://schemas.microsoft.com/office/drawing/2014/main" id="{E7697546-B0ED-C6FB-FB2A-031CDA744A7D}"/>
+                    </a:ext>
+                  </a:extLst>
+                </p:cNvPr>
+                <p:cNvSpPr/>
+                <p:nvPr/>
+              </p:nvSpPr>
+              <p:spPr>
+                <a:xfrm>
+                  <a:off x="5281914" y="1238491"/>
+                  <a:ext cx="509286" cy="1620000"/>
+                </a:xfrm>
+                <a:prstGeom prst="roundRect">
+                  <a:avLst/>
+                </a:prstGeom>
+              </p:spPr>
+              <p:style>
+                <a:lnRef idx="2">
+                  <a:schemeClr val="accent1">
+                    <a:shade val="15000"/>
+                  </a:schemeClr>
+                </a:lnRef>
+                <a:fillRef idx="1">
+                  <a:schemeClr val="accent1"/>
+                </a:fillRef>
+                <a:effectRef idx="0">
+                  <a:schemeClr val="accent1"/>
+                </a:effectRef>
+                <a:fontRef idx="minor">
+                  <a:schemeClr val="lt1"/>
+                </a:fontRef>
+              </p:style>
+              <p:txBody>
+                <a:bodyPr rtlCol="0" anchor="ctr"/>
+                <a:lstStyle/>
+                <a:p>
+                  <a:pPr algn="ctr"/>
+                  <a14:m>
+                    <m:oMathPara xmlns:m="http://schemas.openxmlformats.org/officeDocument/2006/math">
+                      <m:oMathParaPr>
+                        <m:jc m:val="center"/>
+                      </m:oMathParaPr>
+                      <m:oMath xmlns:m="http://schemas.openxmlformats.org/officeDocument/2006/math">
+                        <m:r>
+                          <a:rPr lang="de-DE" b="0" i="1" smtClean="0">
+                            <a:latin typeface="Cambria Math" panose="02040503050406030204" pitchFamily="18" charset="0"/>
+                          </a:rPr>
+                          <m:t>3</m:t>
+                        </m:r>
+                      </m:oMath>
+                    </m:oMathPara>
+                  </a14:m>
+                  <a:endParaRPr lang="en-US" dirty="0"/>
+                </a:p>
+              </p:txBody>
+            </p:sp>
+          </mc:Choice>
+          <mc:Fallback>
+            <p:sp>
+              <p:nvSpPr>
+                <p:cNvPr id="6" name="Rectangle: Rounded Corners 5">
+                  <a:extLst>
+                    <a:ext uri="{FF2B5EF4-FFF2-40B4-BE49-F238E27FC236}">
+                      <a16:creationId xmlns:a16="http://schemas.microsoft.com/office/drawing/2014/main" id="{E7697546-B0ED-C6FB-FB2A-031CDA744A7D}"/>
+                    </a:ext>
+                  </a:extLst>
+                </p:cNvPr>
+                <p:cNvSpPr>
+                  <a:spLocks noRot="1" noChangeAspect="1" noMove="1" noResize="1" noEditPoints="1" noAdjustHandles="1" noChangeArrowheads="1" noChangeShapeType="1" noTextEdit="1"/>
+                </p:cNvSpPr>
+                <p:nvPr/>
+              </p:nvSpPr>
+              <p:spPr>
+                <a:xfrm>
+                  <a:off x="5281914" y="1238491"/>
+                  <a:ext cx="509286" cy="1620000"/>
+                </a:xfrm>
+                <a:prstGeom prst="roundRect">
+                  <a:avLst/>
+                </a:prstGeom>
+                <a:blipFill>
+                  <a:blip r:embed="rId3"/>
+                  <a:stretch>
+                    <a:fillRect/>
+                  </a:stretch>
+                </a:blipFill>
+              </p:spPr>
+              <p:txBody>
+                <a:bodyPr/>
+                <a:lstStyle/>
+                <a:p>
+                  <a:r>
+                    <a:rPr lang="en-US">
+                      <a:noFill/>
+                    </a:rPr>
+                    <a:t> </a:t>
+                  </a:r>
+                </a:p>
+              </p:txBody>
+            </p:sp>
+          </mc:Fallback>
+        </mc:AlternateContent>
+        <mc:AlternateContent xmlns:mc="http://schemas.openxmlformats.org/markup-compatibility/2006">
+          <mc:Choice xmlns:a14="http://schemas.microsoft.com/office/drawing/2010/main" Requires="a14">
+            <p:sp>
+              <p:nvSpPr>
+                <p:cNvPr id="7" name="Rectangle: Rounded Corners 6">
+                  <a:extLst>
+                    <a:ext uri="{FF2B5EF4-FFF2-40B4-BE49-F238E27FC236}">
+                      <a16:creationId xmlns:a16="http://schemas.microsoft.com/office/drawing/2014/main" id="{37A58F54-7DB4-D3D4-B9A3-B546016F15BC}"/>
+                    </a:ext>
+                  </a:extLst>
+                </p:cNvPr>
+                <p:cNvSpPr/>
+                <p:nvPr/>
+              </p:nvSpPr>
+              <p:spPr>
+                <a:xfrm>
+                  <a:off x="3094301" y="1238491"/>
+                  <a:ext cx="509286" cy="1080000"/>
+                </a:xfrm>
+                <a:prstGeom prst="roundRect">
+                  <a:avLst/>
+                </a:prstGeom>
+              </p:spPr>
+              <p:style>
+                <a:lnRef idx="2">
+                  <a:schemeClr val="accent1">
+                    <a:shade val="15000"/>
+                  </a:schemeClr>
+                </a:lnRef>
+                <a:fillRef idx="1">
+                  <a:schemeClr val="accent1"/>
+                </a:fillRef>
+                <a:effectRef idx="0">
+                  <a:schemeClr val="accent1"/>
+                </a:effectRef>
+                <a:fontRef idx="minor">
+                  <a:schemeClr val="lt1"/>
+                </a:fontRef>
+              </p:style>
+              <p:txBody>
+                <a:bodyPr rtlCol="0" anchor="ctr"/>
+                <a:lstStyle/>
+                <a:p>
+                  <a:pPr algn="ctr"/>
+                  <a14:m>
+                    <m:oMathPara xmlns:m="http://schemas.openxmlformats.org/officeDocument/2006/math">
+                      <m:oMathParaPr>
+                        <m:jc m:val="center"/>
+                      </m:oMathParaPr>
+                      <m:oMath xmlns:m="http://schemas.openxmlformats.org/officeDocument/2006/math">
+                        <m:r>
+                          <a:rPr lang="de-DE" b="0" i="1" smtClean="0">
+                            <a:latin typeface="Cambria Math" panose="02040503050406030204" pitchFamily="18" charset="0"/>
+                          </a:rPr>
+                          <m:t>2</m:t>
+                        </m:r>
+                      </m:oMath>
+                    </m:oMathPara>
+                  </a14:m>
+                  <a:endParaRPr lang="en-US" dirty="0"/>
+                </a:p>
+              </p:txBody>
+            </p:sp>
+          </mc:Choice>
+          <mc:Fallback>
+            <p:sp>
+              <p:nvSpPr>
+                <p:cNvPr id="7" name="Rectangle: Rounded Corners 6">
+                  <a:extLst>
+                    <a:ext uri="{FF2B5EF4-FFF2-40B4-BE49-F238E27FC236}">
+                      <a16:creationId xmlns:a16="http://schemas.microsoft.com/office/drawing/2014/main" id="{37A58F54-7DB4-D3D4-B9A3-B546016F15BC}"/>
+                    </a:ext>
+                  </a:extLst>
+                </p:cNvPr>
+                <p:cNvSpPr>
+                  <a:spLocks noRot="1" noChangeAspect="1" noMove="1" noResize="1" noEditPoints="1" noAdjustHandles="1" noChangeArrowheads="1" noChangeShapeType="1" noTextEdit="1"/>
+                </p:cNvSpPr>
+                <p:nvPr/>
+              </p:nvSpPr>
+              <p:spPr>
+                <a:xfrm>
+                  <a:off x="3094301" y="1238491"/>
+                  <a:ext cx="509286" cy="1080000"/>
+                </a:xfrm>
+                <a:prstGeom prst="roundRect">
+                  <a:avLst/>
+                </a:prstGeom>
+                <a:blipFill>
+                  <a:blip r:embed="rId4"/>
+                  <a:stretch>
+                    <a:fillRect/>
+                  </a:stretch>
+                </a:blipFill>
+              </p:spPr>
+              <p:txBody>
+                <a:bodyPr/>
+                <a:lstStyle/>
+                <a:p>
+                  <a:r>
+                    <a:rPr lang="en-US">
+                      <a:noFill/>
+                    </a:rPr>
+                    <a:t> </a:t>
+                  </a:r>
+                </a:p>
+              </p:txBody>
+            </p:sp>
+          </mc:Fallback>
+        </mc:AlternateContent>
+        <mc:AlternateContent xmlns:mc="http://schemas.openxmlformats.org/markup-compatibility/2006">
+          <mc:Choice xmlns:a14="http://schemas.microsoft.com/office/drawing/2010/main" Requires="a14">
+            <p:sp>
+              <p:nvSpPr>
+                <p:cNvPr id="8" name="Rectangle: Rounded Corners 7">
+                  <a:extLst>
+                    <a:ext uri="{FF2B5EF4-FFF2-40B4-BE49-F238E27FC236}">
+                      <a16:creationId xmlns:a16="http://schemas.microsoft.com/office/drawing/2014/main" id="{083BA114-285C-86EC-6CB6-3697D4584BEB}"/>
+                    </a:ext>
+                  </a:extLst>
+                </p:cNvPr>
+                <p:cNvSpPr/>
+                <p:nvPr/>
+              </p:nvSpPr>
+              <p:spPr>
+                <a:xfrm>
+                  <a:off x="3815789" y="1238491"/>
+                  <a:ext cx="509286" cy="1080000"/>
+                </a:xfrm>
+                <a:prstGeom prst="roundRect">
+                  <a:avLst/>
+                </a:prstGeom>
+              </p:spPr>
+              <p:style>
+                <a:lnRef idx="2">
+                  <a:schemeClr val="accent1">
+                    <a:shade val="15000"/>
+                  </a:schemeClr>
+                </a:lnRef>
+                <a:fillRef idx="1">
+                  <a:schemeClr val="accent1"/>
+                </a:fillRef>
+                <a:effectRef idx="0">
+                  <a:schemeClr val="accent1"/>
+                </a:effectRef>
+                <a:fontRef idx="minor">
+                  <a:schemeClr val="lt1"/>
+                </a:fontRef>
+              </p:style>
+              <p:txBody>
+                <a:bodyPr rtlCol="0" anchor="ctr"/>
+                <a:lstStyle/>
+                <a:p>
+                  <a:pPr algn="ctr"/>
+                  <a14:m>
+                    <m:oMathPara xmlns:m="http://schemas.openxmlformats.org/officeDocument/2006/math">
+                      <m:oMathParaPr>
+                        <m:jc m:val="center"/>
+                      </m:oMathParaPr>
+                      <m:oMath xmlns:m="http://schemas.openxmlformats.org/officeDocument/2006/math">
+                        <m:r>
+                          <a:rPr lang="de-DE" b="0" i="1" smtClean="0">
+                            <a:latin typeface="Cambria Math" panose="02040503050406030204" pitchFamily="18" charset="0"/>
+                          </a:rPr>
+                          <m:t>2</m:t>
+                        </m:r>
+                      </m:oMath>
+                    </m:oMathPara>
+                  </a14:m>
+                  <a:endParaRPr lang="en-US" dirty="0"/>
+                </a:p>
+              </p:txBody>
+            </p:sp>
+          </mc:Choice>
+          <mc:Fallback>
+            <p:sp>
+              <p:nvSpPr>
+                <p:cNvPr id="8" name="Rectangle: Rounded Corners 7">
+                  <a:extLst>
+                    <a:ext uri="{FF2B5EF4-FFF2-40B4-BE49-F238E27FC236}">
+                      <a16:creationId xmlns:a16="http://schemas.microsoft.com/office/drawing/2014/main" id="{083BA114-285C-86EC-6CB6-3697D4584BEB}"/>
+                    </a:ext>
+                  </a:extLst>
+                </p:cNvPr>
+                <p:cNvSpPr>
+                  <a:spLocks noRot="1" noChangeAspect="1" noMove="1" noResize="1" noEditPoints="1" noAdjustHandles="1" noChangeArrowheads="1" noChangeShapeType="1" noTextEdit="1"/>
+                </p:cNvSpPr>
+                <p:nvPr/>
+              </p:nvSpPr>
+              <p:spPr>
+                <a:xfrm>
+                  <a:off x="3815789" y="1238491"/>
+                  <a:ext cx="509286" cy="1080000"/>
+                </a:xfrm>
+                <a:prstGeom prst="roundRect">
+                  <a:avLst/>
+                </a:prstGeom>
+                <a:blipFill>
+                  <a:blip r:embed="rId5"/>
+                  <a:stretch>
+                    <a:fillRect/>
+                  </a:stretch>
+                </a:blipFill>
+              </p:spPr>
+              <p:txBody>
+                <a:bodyPr/>
+                <a:lstStyle/>
+                <a:p>
+                  <a:r>
+                    <a:rPr lang="en-US">
+                      <a:noFill/>
+                    </a:rPr>
+                    <a:t> </a:t>
+                  </a:r>
+                </a:p>
+              </p:txBody>
+            </p:sp>
+          </mc:Fallback>
+        </mc:AlternateContent>
+        <mc:AlternateContent xmlns:mc="http://schemas.openxmlformats.org/markup-compatibility/2006">
+          <mc:Choice xmlns:a14="http://schemas.microsoft.com/office/drawing/2010/main" Requires="a14">
+            <p:sp>
+              <p:nvSpPr>
+                <p:cNvPr id="9" name="Rectangle: Rounded Corners 8">
+                  <a:extLst>
+                    <a:ext uri="{FF2B5EF4-FFF2-40B4-BE49-F238E27FC236}">
+                      <a16:creationId xmlns:a16="http://schemas.microsoft.com/office/drawing/2014/main" id="{0FB78677-2E38-A276-1A0B-24A5EB8A4678}"/>
+                    </a:ext>
+                  </a:extLst>
+                </p:cNvPr>
+                <p:cNvSpPr/>
+                <p:nvPr/>
+              </p:nvSpPr>
+              <p:spPr>
+                <a:xfrm>
+                  <a:off x="2372813" y="1238491"/>
+                  <a:ext cx="509286" cy="1080000"/>
+                </a:xfrm>
+                <a:prstGeom prst="roundRect">
+                  <a:avLst/>
+                </a:prstGeom>
+              </p:spPr>
+              <p:style>
+                <a:lnRef idx="2">
+                  <a:schemeClr val="accent1">
+                    <a:shade val="15000"/>
+                  </a:schemeClr>
+                </a:lnRef>
+                <a:fillRef idx="1">
+                  <a:schemeClr val="accent1"/>
+                </a:fillRef>
+                <a:effectRef idx="0">
+                  <a:schemeClr val="accent1"/>
+                </a:effectRef>
+                <a:fontRef idx="minor">
+                  <a:schemeClr val="lt1"/>
+                </a:fontRef>
+              </p:style>
+              <p:txBody>
+                <a:bodyPr rtlCol="0" anchor="ctr"/>
+                <a:lstStyle/>
+                <a:p>
+                  <a:pPr algn="ctr"/>
+                  <a14:m>
+                    <m:oMathPara xmlns:m="http://schemas.openxmlformats.org/officeDocument/2006/math">
+                      <m:oMathParaPr>
+                        <m:jc m:val="center"/>
+                      </m:oMathParaPr>
+                      <m:oMath xmlns:m="http://schemas.openxmlformats.org/officeDocument/2006/math">
+                        <m:r>
+                          <a:rPr lang="de-DE" b="0" i="1" smtClean="0">
+                            <a:latin typeface="Cambria Math" panose="02040503050406030204" pitchFamily="18" charset="0"/>
+                          </a:rPr>
+                          <m:t>2</m:t>
+                        </m:r>
+                      </m:oMath>
+                    </m:oMathPara>
+                  </a14:m>
+                  <a:endParaRPr lang="en-US" dirty="0"/>
+                </a:p>
+              </p:txBody>
+            </p:sp>
+          </mc:Choice>
+          <mc:Fallback>
+            <p:sp>
+              <p:nvSpPr>
+                <p:cNvPr id="9" name="Rectangle: Rounded Corners 8">
+                  <a:extLst>
+                    <a:ext uri="{FF2B5EF4-FFF2-40B4-BE49-F238E27FC236}">
+                      <a16:creationId xmlns:a16="http://schemas.microsoft.com/office/drawing/2014/main" id="{0FB78677-2E38-A276-1A0B-24A5EB8A4678}"/>
+                    </a:ext>
+                  </a:extLst>
+                </p:cNvPr>
+                <p:cNvSpPr>
+                  <a:spLocks noRot="1" noChangeAspect="1" noMove="1" noResize="1" noEditPoints="1" noAdjustHandles="1" noChangeArrowheads="1" noChangeShapeType="1" noTextEdit="1"/>
+                </p:cNvSpPr>
+                <p:nvPr/>
+              </p:nvSpPr>
+              <p:spPr>
+                <a:xfrm>
+                  <a:off x="2372813" y="1238491"/>
+                  <a:ext cx="509286" cy="1080000"/>
+                </a:xfrm>
+                <a:prstGeom prst="roundRect">
+                  <a:avLst/>
+                </a:prstGeom>
+                <a:blipFill>
+                  <a:blip r:embed="rId6"/>
+                  <a:stretch>
+                    <a:fillRect/>
+                  </a:stretch>
+                </a:blipFill>
+              </p:spPr>
+              <p:txBody>
+                <a:bodyPr/>
+                <a:lstStyle/>
+                <a:p>
+                  <a:r>
+                    <a:rPr lang="en-US">
+                      <a:noFill/>
+                    </a:rPr>
+                    <a:t> </a:t>
+                  </a:r>
+                </a:p>
+              </p:txBody>
+            </p:sp>
+          </mc:Fallback>
+        </mc:AlternateContent>
+        <p:sp>
+          <p:nvSpPr>
+            <p:cNvPr id="10" name="Rectangle 9">
+              <a:extLst>
+                <a:ext uri="{FF2B5EF4-FFF2-40B4-BE49-F238E27FC236}">
+                  <a16:creationId xmlns:a16="http://schemas.microsoft.com/office/drawing/2014/main" id="{C2D499F9-E0FC-048A-F72C-3FD32AA120F3}"/>
+                </a:ext>
+              </a:extLst>
+            </p:cNvPr>
+            <p:cNvSpPr/>
+            <p:nvPr/>
+          </p:nvSpPr>
+          <p:spPr>
+            <a:xfrm>
+              <a:off x="2372813" y="3159884"/>
+              <a:ext cx="509286" cy="2160000"/>
+            </a:xfrm>
+            <a:prstGeom prst="rect">
+              <a:avLst/>
+            </a:prstGeom>
+            <a:ln w="25400"/>
+          </p:spPr>
+          <p:style>
+            <a:lnRef idx="2">
+              <a:schemeClr val="accent6"/>
+            </a:lnRef>
+            <a:fillRef idx="1">
+              <a:schemeClr val="lt1"/>
+            </a:fillRef>
+            <a:effectRef idx="0">
+              <a:schemeClr val="accent6"/>
+            </a:effectRef>
+            <a:fontRef idx="minor">
+              <a:schemeClr val="dk1"/>
+            </a:fontRef>
+          </p:style>
+          <p:txBody>
+            <a:bodyPr rtlCol="0" anchor="ctr"/>
+            <a:lstStyle/>
+            <a:p>
+              <a:pPr algn="ctr"/>
+              <a:endParaRPr lang="en-US"/>
+            </a:p>
+          </p:txBody>
+        </p:sp>
+        <p:sp>
+          <p:nvSpPr>
+            <p:cNvPr id="11" name="Rectangle 10">
+              <a:extLst>
+                <a:ext uri="{FF2B5EF4-FFF2-40B4-BE49-F238E27FC236}">
+                  <a16:creationId xmlns:a16="http://schemas.microsoft.com/office/drawing/2014/main" id="{A689E11D-1356-F0DF-207F-ABFF2CEEF22C}"/>
+                </a:ext>
+              </a:extLst>
+            </p:cNvPr>
+            <p:cNvSpPr/>
+            <p:nvPr/>
+          </p:nvSpPr>
+          <p:spPr>
+            <a:xfrm>
+              <a:off x="3094301" y="3159884"/>
+              <a:ext cx="509286" cy="2160000"/>
+            </a:xfrm>
+            <a:prstGeom prst="rect">
+              <a:avLst/>
+            </a:prstGeom>
+            <a:ln w="25400"/>
+          </p:spPr>
+          <p:style>
+            <a:lnRef idx="2">
+              <a:schemeClr val="accent6"/>
+            </a:lnRef>
+            <a:fillRef idx="1">
+              <a:schemeClr val="lt1"/>
+            </a:fillRef>
+            <a:effectRef idx="0">
+              <a:schemeClr val="accent6"/>
+            </a:effectRef>
+            <a:fontRef idx="minor">
+              <a:schemeClr val="dk1"/>
+            </a:fontRef>
+          </p:style>
+          <p:txBody>
+            <a:bodyPr rtlCol="0" anchor="ctr"/>
+            <a:lstStyle/>
+            <a:p>
+              <a:pPr algn="ctr"/>
+              <a:endParaRPr lang="en-US"/>
+            </a:p>
+          </p:txBody>
+        </p:sp>
+        <p:sp>
+          <p:nvSpPr>
+            <p:cNvPr id="12" name="Rectangle 11">
+              <a:extLst>
+                <a:ext uri="{FF2B5EF4-FFF2-40B4-BE49-F238E27FC236}">
+                  <a16:creationId xmlns:a16="http://schemas.microsoft.com/office/drawing/2014/main" id="{E08644DF-9786-34AB-C52A-1CB40A80C3CA}"/>
+                </a:ext>
+              </a:extLst>
+            </p:cNvPr>
+            <p:cNvSpPr/>
+            <p:nvPr/>
+          </p:nvSpPr>
+          <p:spPr>
+            <a:xfrm>
+              <a:off x="3815789" y="3159884"/>
+              <a:ext cx="509286" cy="2160000"/>
+            </a:xfrm>
+            <a:prstGeom prst="rect">
+              <a:avLst/>
+            </a:prstGeom>
+            <a:ln w="25400"/>
+          </p:spPr>
+          <p:style>
+            <a:lnRef idx="2">
+              <a:schemeClr val="accent6"/>
+            </a:lnRef>
+            <a:fillRef idx="1">
+              <a:schemeClr val="lt1"/>
+            </a:fillRef>
+            <a:effectRef idx="0">
+              <a:schemeClr val="accent6"/>
+            </a:effectRef>
+            <a:fontRef idx="minor">
+              <a:schemeClr val="dk1"/>
+            </a:fontRef>
+          </p:style>
+          <p:txBody>
+            <a:bodyPr rtlCol="0" anchor="ctr"/>
+            <a:lstStyle/>
+            <a:p>
+              <a:pPr algn="ctr"/>
+              <a:endParaRPr lang="en-US"/>
+            </a:p>
+          </p:txBody>
+        </p:sp>
+        <mc:AlternateContent xmlns:mc="http://schemas.openxmlformats.org/markup-compatibility/2006">
+          <mc:Choice xmlns:a14="http://schemas.microsoft.com/office/drawing/2010/main" Requires="a14">
+            <p:sp>
+              <p:nvSpPr>
+                <p:cNvPr id="15" name="TextBox 14">
+                  <a:extLst>
+                    <a:ext uri="{FF2B5EF4-FFF2-40B4-BE49-F238E27FC236}">
+                      <a16:creationId xmlns:a16="http://schemas.microsoft.com/office/drawing/2014/main" id="{E80541AA-F733-8565-7E27-2D226058031C}"/>
+                    </a:ext>
+                  </a:extLst>
+                </p:cNvPr>
+                <p:cNvSpPr txBox="1"/>
+                <p:nvPr/>
+              </p:nvSpPr>
+              <p:spPr>
+                <a:xfrm>
+                  <a:off x="4088759" y="4009051"/>
+                  <a:ext cx="1189298" cy="461665"/>
+                </a:xfrm>
+                <a:prstGeom prst="rect">
+                  <a:avLst/>
+                </a:prstGeom>
+                <a:noFill/>
+              </p:spPr>
+              <p:txBody>
+                <a:bodyPr wrap="square">
+                  <a:spAutoFit/>
+                </a:bodyPr>
+                <a:lstStyle/>
+                <a:p>
+                  <a:pPr/>
+                  <a14:m>
+                    <m:oMathPara xmlns:m="http://schemas.openxmlformats.org/officeDocument/2006/math">
+                      <m:oMathParaPr>
+                        <m:jc m:val="centerGroup"/>
+                      </m:oMathParaPr>
+                      <m:oMath xmlns:m="http://schemas.openxmlformats.org/officeDocument/2006/math">
+                        <m:r>
+                          <a:rPr lang="de-DE" sz="2400" b="0" i="1" smtClean="0">
+                            <a:latin typeface="Cambria Math" panose="02040503050406030204" pitchFamily="18" charset="0"/>
+                          </a:rPr>
+                          <m:t>…</m:t>
+                        </m:r>
+                      </m:oMath>
+                    </m:oMathPara>
+                  </a14:m>
+                  <a:endParaRPr lang="en-US" sz="2400" dirty="0"/>
+                </a:p>
+              </p:txBody>
+            </p:sp>
+          </mc:Choice>
+          <mc:Fallback>
+            <p:sp>
+              <p:nvSpPr>
+                <p:cNvPr id="15" name="TextBox 14">
+                  <a:extLst>
+                    <a:ext uri="{FF2B5EF4-FFF2-40B4-BE49-F238E27FC236}">
+                      <a16:creationId xmlns:a16="http://schemas.microsoft.com/office/drawing/2014/main" id="{E80541AA-F733-8565-7E27-2D226058031C}"/>
+                    </a:ext>
+                  </a:extLst>
+                </p:cNvPr>
+                <p:cNvSpPr txBox="1">
+                  <a:spLocks noRot="1" noChangeAspect="1" noMove="1" noResize="1" noEditPoints="1" noAdjustHandles="1" noChangeArrowheads="1" noChangeShapeType="1" noTextEdit="1"/>
+                </p:cNvSpPr>
+                <p:nvPr/>
+              </p:nvSpPr>
+              <p:spPr>
+                <a:xfrm>
+                  <a:off x="4088759" y="4009051"/>
+                  <a:ext cx="1189298" cy="461665"/>
+                </a:xfrm>
+                <a:prstGeom prst="rect">
+                  <a:avLst/>
+                </a:prstGeom>
+                <a:blipFill>
+                  <a:blip r:embed="rId7"/>
+                  <a:stretch>
+                    <a:fillRect/>
+                  </a:stretch>
+                </a:blipFill>
+              </p:spPr>
+              <p:txBody>
+                <a:bodyPr/>
+                <a:lstStyle/>
+                <a:p>
+                  <a:r>
+                    <a:rPr lang="en-US">
+                      <a:noFill/>
+                    </a:rPr>
+                    <a:t> </a:t>
+                  </a:r>
+                </a:p>
+              </p:txBody>
+            </p:sp>
+          </mc:Fallback>
+        </mc:AlternateContent>
+        <p:sp>
+          <p:nvSpPr>
+            <p:cNvPr id="16" name="Rectangle 15">
+              <a:extLst>
+                <a:ext uri="{FF2B5EF4-FFF2-40B4-BE49-F238E27FC236}">
+                  <a16:creationId xmlns:a16="http://schemas.microsoft.com/office/drawing/2014/main" id="{0FF21E41-A6B4-7BC0-11AF-D61AFEF51371}"/>
+                </a:ext>
+              </a:extLst>
+            </p:cNvPr>
+            <p:cNvSpPr/>
+            <p:nvPr/>
+          </p:nvSpPr>
+          <p:spPr>
+            <a:xfrm>
+              <a:off x="2320953" y="2880219"/>
+              <a:ext cx="2129745" cy="289823"/>
+            </a:xfrm>
+            <a:prstGeom prst="rect">
+              <a:avLst/>
+            </a:prstGeom>
+            <a:solidFill>
+              <a:schemeClr val="bg1"/>
+            </a:solidFill>
+            <a:ln>
+              <a:noFill/>
+            </a:ln>
+          </p:spPr>
+          <p:style>
+            <a:lnRef idx="2">
+              <a:schemeClr val="accent1">
+                <a:shade val="15000"/>
+              </a:schemeClr>
+            </a:lnRef>
+            <a:fillRef idx="1">
+              <a:schemeClr val="accent1"/>
+            </a:fillRef>
+            <a:effectRef idx="0">
+              <a:schemeClr val="accent1"/>
+            </a:effectRef>
+            <a:fontRef idx="minor">
+              <a:schemeClr val="lt1"/>
+            </a:fontRef>
+          </p:style>
+          <p:txBody>
+            <a:bodyPr rtlCol="0" anchor="ctr"/>
+            <a:lstStyle/>
+            <a:p>
+              <a:pPr algn="ctr"/>
+              <a:endParaRPr lang="en-US"/>
+            </a:p>
+          </p:txBody>
+        </p:sp>
+        <mc:AlternateContent xmlns:mc="http://schemas.openxmlformats.org/markup-compatibility/2006">
+          <mc:Choice xmlns:a14="http://schemas.microsoft.com/office/drawing/2010/main" Requires="a14">
+            <p:sp>
+              <p:nvSpPr>
+                <p:cNvPr id="20" name="TextBox 19">
+                  <a:extLst>
+                    <a:ext uri="{FF2B5EF4-FFF2-40B4-BE49-F238E27FC236}">
+                      <a16:creationId xmlns:a16="http://schemas.microsoft.com/office/drawing/2014/main" id="{378B2B8B-6911-D128-1AAA-94400547C498}"/>
+                    </a:ext>
+                  </a:extLst>
+                </p:cNvPr>
+                <p:cNvSpPr txBox="1"/>
+                <p:nvPr/>
+              </p:nvSpPr>
+              <p:spPr>
+                <a:xfrm>
+                  <a:off x="4537277" y="4940393"/>
+                  <a:ext cx="989633" cy="369332"/>
+                </a:xfrm>
+                <a:prstGeom prst="rect">
+                  <a:avLst/>
+                </a:prstGeom>
+                <a:noFill/>
+              </p:spPr>
+              <p:txBody>
+                <a:bodyPr wrap="square">
+                  <a:spAutoFit/>
+                </a:bodyPr>
+                <a:lstStyle/>
+                <a:p>
+                  <a:pPr algn="ctr"/>
+                  <a14:m>
+                    <m:oMathPara xmlns:m="http://schemas.openxmlformats.org/officeDocument/2006/math">
+                      <m:oMathParaPr>
+                        <m:jc m:val="center"/>
+                      </m:oMathParaPr>
+                      <m:oMath xmlns:m="http://schemas.openxmlformats.org/officeDocument/2006/math">
+                        <m:r>
+                          <a:rPr lang="de-DE" b="0" i="1" smtClean="0">
+                            <a:latin typeface="Cambria Math" panose="02040503050406030204" pitchFamily="18" charset="0"/>
+                          </a:rPr>
+                          <m:t>𝐵</m:t>
+                        </m:r>
+                        <m:r>
+                          <a:rPr lang="de-DE" b="0" i="1" smtClean="0">
+                            <a:latin typeface="Cambria Math" panose="02040503050406030204" pitchFamily="18" charset="0"/>
+                          </a:rPr>
+                          <m:t>=</m:t>
+                        </m:r>
+                        <m:r>
+                          <a:rPr lang="de-DE" b="0" i="1" smtClean="0">
+                            <a:latin typeface="Cambria Math" panose="02040503050406030204" pitchFamily="18" charset="0"/>
+                          </a:rPr>
+                          <m:t>4</m:t>
+                        </m:r>
+                      </m:oMath>
+                    </m:oMathPara>
+                  </a14:m>
+                  <a:endParaRPr lang="en-US" dirty="0"/>
+                </a:p>
+              </p:txBody>
+            </p:sp>
+          </mc:Choice>
+          <mc:Fallback>
+            <p:sp>
+              <p:nvSpPr>
+                <p:cNvPr id="20" name="TextBox 19">
+                  <a:extLst>
+                    <a:ext uri="{FF2B5EF4-FFF2-40B4-BE49-F238E27FC236}">
+                      <a16:creationId xmlns:a16="http://schemas.microsoft.com/office/drawing/2014/main" id="{378B2B8B-6911-D128-1AAA-94400547C498}"/>
+                    </a:ext>
+                  </a:extLst>
+                </p:cNvPr>
+                <p:cNvSpPr txBox="1">
+                  <a:spLocks noRot="1" noChangeAspect="1" noMove="1" noResize="1" noEditPoints="1" noAdjustHandles="1" noChangeArrowheads="1" noChangeShapeType="1" noTextEdit="1"/>
+                </p:cNvSpPr>
+                <p:nvPr/>
+              </p:nvSpPr>
+              <p:spPr>
+                <a:xfrm>
+                  <a:off x="4537277" y="4940393"/>
+                  <a:ext cx="989633" cy="369332"/>
+                </a:xfrm>
+                <a:prstGeom prst="rect">
+                  <a:avLst/>
+                </a:prstGeom>
+                <a:blipFill>
+                  <a:blip r:embed="rId8"/>
+                  <a:stretch>
+                    <a:fillRect/>
+                  </a:stretch>
+                </a:blipFill>
+              </p:spPr>
+              <p:txBody>
+                <a:bodyPr/>
+                <a:lstStyle/>
+                <a:p>
+                  <a:r>
+                    <a:rPr lang="en-US">
+                      <a:noFill/>
+                    </a:rPr>
+                    <a:t> </a:t>
+                  </a:r>
+                </a:p>
+              </p:txBody>
+            </p:sp>
+          </mc:Fallback>
+        </mc:AlternateContent>
+      </p:grpSp>
+    </p:spTree>
+    <p:extLst>
+      <p:ext uri="{BB962C8B-B14F-4D97-AF65-F5344CB8AC3E}">
+        <p14:creationId xmlns:p14="http://schemas.microsoft.com/office/powerpoint/2010/main" val="2584401944"/>
       </p:ext>
     </p:extLst>
   </p:cSld>

--- a/sketches.pptx
+++ b/sketches.pptx
@@ -574,7 +574,7 @@
             <a:pPr>
               <a:defRPr/>
             </a:pPr>
-            <a:fld id="{1181D704-D80F-AFE9-9BDD-B000C39DB55C}" type="slidenum">
+            <a:fld id="{A85ECC65-EB09-9DCA-672C-5846842BBC0A}" type="slidenum">
               <a:rPr/>
               <a:t/>
             </a:fld>
@@ -656,7 +656,7 @@
             <a:pPr>
               <a:defRPr/>
             </a:pPr>
-            <a:fld id="{089C5F3F-93AC-26E9-5D94-0DC65D840047}" type="slidenum">
+            <a:fld id="{C0CE5A5D-97DD-F992-8929-75F4EE578F6E}" type="slidenum">
               <a:rPr/>
               <a:t/>
             </a:fld>
@@ -742,7 +742,7 @@
             <a:pPr>
               <a:defRPr/>
             </a:pPr>
-            <a:fld id="{7758E989-EE60-4B42-921B-3969E1E519B7}" type="slidenum">
+            <a:fld id="{4730355A-C241-E50A-BC80-B9540B50B994}" type="slidenum">
               <a:rPr/>
               <a:t/>
             </a:fld>
@@ -824,7 +824,7 @@
             <a:pPr>
               <a:defRPr/>
             </a:pPr>
-            <a:fld id="{7261C201-2FBD-265F-FFE2-8D512EEAB2CB}" type="slidenum">
+            <a:fld id="{F779544B-4EC5-7B3B-2202-5780BDA991FC}" type="slidenum">
               <a:rPr/>
               <a:t/>
             </a:fld>
@@ -906,7 +906,7 @@
             <a:pPr>
               <a:defRPr/>
             </a:pPr>
-            <a:fld id="{78A89C83-D315-B02A-FE33-A8E46E335B1C}" type="slidenum">
+            <a:fld id="{5DB5E379-4F1D-CD4D-0893-9FA08E9127A8}" type="slidenum">
               <a:rPr/>
               <a:t/>
             </a:fld>
@@ -988,7 +988,7 @@
             <a:pPr>
               <a:defRPr/>
             </a:pPr>
-            <a:fld id="{32340C3D-4A6F-5631-1C8C-A19AEC54351E}" type="slidenum">
+            <a:fld id="{DA6E0592-6840-8463-01E0-9AB70AE1FC9A}" type="slidenum">
               <a:rPr/>
               <a:t/>
             </a:fld>
@@ -1070,7 +1070,7 @@
             <a:pPr>
               <a:defRPr/>
             </a:pPr>
-            <a:fld id="{3A91D2C7-25AB-DEE6-40F5-D3AEAF15EE72}" type="slidenum">
+            <a:fld id="{6B2F2100-C28A-AA7F-D890-A8EE9909412C}" type="slidenum">
               <a:rPr/>
               <a:t/>
             </a:fld>
@@ -1152,7 +1152,7 @@
             <a:pPr>
               <a:defRPr/>
             </a:pPr>
-            <a:fld id="{68ADCF08-2F3F-B605-DFC0-62337C5A54D6}" type="slidenum">
+            <a:fld id="{E72F590D-4AAD-10BA-22A1-C3D22BB9972C}" type="slidenum">
               <a:rPr/>
               <a:t/>
             </a:fld>
@@ -1234,7 +1234,7 @@
             <a:pPr>
               <a:defRPr/>
             </a:pPr>
-            <a:fld id="{3ED53008-03A2-AB2A-7B19-F03666247A0D}" type="slidenum">
+            <a:fld id="{838AA08B-6905-3CFA-9263-3D11E5844B0B}" type="slidenum">
               <a:rPr/>
               <a:t/>
             </a:fld>
@@ -1316,7 +1316,7 @@
             <a:pPr>
               <a:defRPr/>
             </a:pPr>
-            <a:fld id="{E2BF1CEC-AF4B-FA86-6A65-36625F3BA692}" type="slidenum">
+            <a:fld id="{F88995E9-431F-D53D-60FC-F863D7831389}" type="slidenum">
               <a:rPr/>
               <a:t/>
             </a:fld>
@@ -1480,7 +1480,7 @@
             <a:pPr>
               <a:defRPr/>
             </a:pPr>
-            <a:fld id="{AD50A1F0-0D72-EF0F-B63B-7FF768FB7271}" type="slidenum">
+            <a:fld id="{D94261D2-70B9-1576-60CD-9B7BCD1C435D}" type="slidenum">
               <a:rPr/>
               <a:t/>
             </a:fld>
@@ -1808,7 +1808,7 @@
             <a:pPr>
               <a:defRPr/>
             </a:pPr>
-            <a:fld id="{ED3CFF2F-F194-039B-A853-DD16196E3E6A}" type="slidenum">
+            <a:fld id="{D1B0F931-EE68-F378-FC25-6BDFA70395D2}" type="slidenum">
               <a:rPr/>
               <a:t/>
             </a:fld>
@@ -1890,7 +1890,7 @@
             <a:pPr>
               <a:defRPr/>
             </a:pPr>
-            <a:fld id="{478C408A-661D-DC0B-31F6-F5A8E42D2F8B}" type="slidenum">
+            <a:fld id="{F85DB7D2-4BBE-CBDF-93F0-384491B72F01}" type="slidenum">
               <a:rPr/>
               <a:t/>
             </a:fld>
@@ -1972,7 +1972,7 @@
             <a:pPr>
               <a:defRPr/>
             </a:pPr>
-            <a:fld id="{320926BC-DF16-8209-2FFA-EFF9D9345CDD}" type="slidenum">
+            <a:fld id="{28E584F9-0E7A-E662-3267-7A7CF2C3698D}" type="slidenum">
               <a:rPr/>
               <a:t/>
             </a:fld>
@@ -2054,7 +2054,7 @@
             <a:pPr>
               <a:defRPr/>
             </a:pPr>
-            <a:fld id="{9E59D8B8-4D2C-F7B7-113E-B29B63C71953}" type="slidenum">
+            <a:fld id="{CC36E1E4-979E-99C1-CC74-E9FADEDF89FA}" type="slidenum">
               <a:rPr/>
               <a:t/>
             </a:fld>
@@ -2218,7 +2218,7 @@
             <a:pPr>
               <a:defRPr/>
             </a:pPr>
-            <a:fld id="{7EBB5A24-6DA5-BA28-974A-E238859BD89E}" type="slidenum">
+            <a:fld id="{0450AD73-50AE-CAC7-ADEA-303CD36C94DD}" type="slidenum">
               <a:rPr/>
               <a:t/>
             </a:fld>
@@ -2300,7 +2300,7 @@
             <a:pPr>
               <a:defRPr/>
             </a:pPr>
-            <a:fld id="{D8C174F2-4803-B3F5-3A8A-8AB5B9615DC4}" type="slidenum">
+            <a:fld id="{2D23DF86-F6B3-A38D-207A-B435EF9B8EAC}" type="slidenum">
               <a:rPr/>
               <a:t/>
             </a:fld>
@@ -25856,7 +25856,7 @@
                                 <a:ea typeface="Cambria Math"/>
                                 <a:cs typeface="Cambria Math"/>
                               </a:rPr>
-                              <m:t>cos</m:t>
+                              <m:t>sin</m:t>
                             </m:r>
                           </m:fName>
                           <m:e>
@@ -26382,7 +26382,7 @@
                                 <a:ea typeface="Cambria Math"/>
                                 <a:cs typeface="Cambria Math"/>
                               </a:rPr>
-                              <m:t>sin</m:t>
+                              <m:t>cos</m:t>
                             </m:r>
                           </m:fName>
                           <m:e>
@@ -26724,8 +26724,8 @@
           </p:nvSpPr>
           <p:spPr bwMode="auto">
             <a:xfrm rot="18481361" flipH="0" flipV="0">
-              <a:off x="6744138" y="2622247"/>
-              <a:ext cx="1176810" cy="366119"/>
+              <a:off x="6744138" y="2624047"/>
+              <a:ext cx="1180410" cy="366119"/>
             </a:xfrm>
             <a:prstGeom prst="rect">
               <a:avLst/>
@@ -26780,7 +26780,7 @@
                                 <a:ea typeface="Cambria Math"/>
                                 <a:cs typeface="Cambria Math"/>
                               </a:rPr>
-                              <m:t>sin</m:t>
+                              <m:t>cos</m:t>
                             </m:r>
                           </m:fName>
                           <m:e>
@@ -26817,8 +26817,8 @@
           </p:nvSpPr>
           <p:spPr bwMode="auto">
             <a:xfrm rot="2995583" flipH="0" flipV="0">
-              <a:off x="6650150" y="1037326"/>
-              <a:ext cx="1402192" cy="366119"/>
+              <a:off x="6650150" y="1039306"/>
+              <a:ext cx="1406152" cy="366119"/>
             </a:xfrm>
             <a:prstGeom prst="rect">
               <a:avLst/>
@@ -26864,37 +26864,17 @@
                             </m:ctrlPr>
                           </m:funcPr>
                           <m:fName>
-                            <m:func>
-                              <m:funcPr>
-                                <m:ctrlPr>
-                                  <a:rPr/>
-                                </m:ctrlPr>
-                              </m:funcPr>
-                              <m:fName>
-                                <m:r>
-                                  <m:rPr>
-                                    <m:sty m:val="p"/>
-                                  </m:rPr>
-                                  <a:rPr>
-                                    <a:latin typeface="Cambria Math"/>
-                                    <a:ea typeface="Cambria Math"/>
-                                    <a:cs typeface="Cambria Math"/>
-                                  </a:rPr>
-                                  <m:t>cos</m:t>
-                                </m:r>
-                              </m:fName>
-                              <m:e>
-                                <m:r>
-                                  <m:rPr/>
-                                  <a:rPr>
-                                    <a:latin typeface="Cambria Math"/>
-                                    <a:ea typeface="Cambria Math"/>
-                                    <a:cs typeface="Cambria Math"/>
-                                  </a:rPr>
-                                  <m:t>y</m:t>
-                                </m:r>
-                              </m:e>
-                            </m:func>
+                            <m:r>
+                              <m:rPr>
+                                <m:sty m:val="p"/>
+                              </m:rPr>
+                              <a:rPr>
+                                <a:latin typeface="Cambria Math"/>
+                                <a:ea typeface="Cambria Math"/>
+                                <a:cs typeface="Cambria Math"/>
+                              </a:rPr>
+                              <m:t>sin</m:t>
+                            </m:r>
                           </m:fName>
                           <m:e>
                             <m:r>
@@ -26904,7 +26884,7 @@
                                 <a:ea typeface="Cambria Math"/>
                                 <a:cs typeface="Cambria Math"/>
                               </a:rPr>
-                              <m:t>z</m:t>
+                              <m:t>y</m:t>
                             </m:r>
                           </m:e>
                         </m:func>
@@ -27630,7 +27610,7 @@
                                 <a:ea typeface="Cambria Math"/>
                                 <a:cs typeface="Cambria Math"/>
                               </a:rPr>
-                              <m:t>4</m:t>
+                              <m:t>3</m:t>
                             </m:r>
                           </m:sub>
                         </m:sSub>
@@ -27672,7 +27652,7 @@
                                 <a:ea typeface="Cambria Math"/>
                                 <a:cs typeface="Cambria Math"/>
                               </a:rPr>
-                              <m:t>cos</m:t>
+                              <m:t>sin</m:t>
                             </m:r>
                           </m:fName>
                           <m:e>
@@ -27797,7 +27777,7 @@
                                 <a:ea typeface="Cambria Math"/>
                                 <a:cs typeface="Cambria Math"/>
                               </a:rPr>
-                              <m:t>4</m:t>
+                              <m:t>3</m:t>
                             </m:r>
                           </m:sub>
                         </m:sSub>
@@ -28134,7 +28114,7 @@
                                 <a:ea typeface="Cambria Math"/>
                                 <a:cs typeface="Cambria Math"/>
                               </a:rPr>
-                              <m:t>3</m:t>
+                              <m:t>4</m:t>
                             </m:r>
                           </m:sub>
                         </m:sSub>
@@ -28176,7 +28156,7 @@
                                 <a:ea typeface="Cambria Math"/>
                                 <a:cs typeface="Cambria Math"/>
                               </a:rPr>
-                              <m:t>sin</m:t>
+                              <m:t>cos</m:t>
                             </m:r>
                           </m:fName>
                           <m:e>
@@ -28301,7 +28281,7 @@
                                 <a:ea typeface="Cambria Math"/>
                                 <a:cs typeface="Cambria Math"/>
                               </a:rPr>
-                              <m:t>3</m:t>
+                              <m:t>4</m:t>
                             </m:r>
                           </m:sub>
                         </m:sSub>

--- a/sketches.pptx
+++ b/sketches.pptx
@@ -12502,7 +12502,7 @@
             <p:nvPr/>
           </p:nvSpPr>
           <p:spPr bwMode="auto">
-            <a:xfrm rot="16199999">
+            <a:xfrm rot="16199998">
               <a:off x="3007360" y="751840"/>
               <a:ext cx="264160" cy="2418080"/>
             </a:xfrm>
@@ -12622,7 +12622,7 @@
             <p:nvPr/>
           </p:nvSpPr>
           <p:spPr bwMode="auto">
-            <a:xfrm rot="16199999">
+            <a:xfrm rot="16199998">
               <a:off x="2392680" y="1975218"/>
               <a:ext cx="264160" cy="2021840"/>
             </a:xfrm>
@@ -12742,7 +12742,7 @@
             <p:nvPr/>
           </p:nvSpPr>
           <p:spPr bwMode="auto">
-            <a:xfrm rot="16199999">
+            <a:xfrm rot="16199998">
               <a:off x="2524760" y="3504878"/>
               <a:ext cx="264160" cy="965200"/>
             </a:xfrm>
@@ -12862,7 +12862,7 @@
             <p:nvPr/>
           </p:nvSpPr>
           <p:spPr bwMode="auto">
-            <a:xfrm rot="16199999">
+            <a:xfrm rot="16199998">
               <a:off x="3057391" y="4077131"/>
               <a:ext cx="264160" cy="1767840"/>
             </a:xfrm>
@@ -13887,7 +13887,7 @@
             <p:nvPr/>
           </p:nvSpPr>
           <p:spPr bwMode="auto">
-            <a:xfrm rot="16199999">
+            <a:xfrm rot="16199998">
               <a:off x="3007360" y="751840"/>
               <a:ext cx="264160" cy="2418080"/>
             </a:xfrm>
@@ -14007,7 +14007,7 @@
             <p:nvPr/>
           </p:nvSpPr>
           <p:spPr bwMode="auto">
-            <a:xfrm rot="16199999">
+            <a:xfrm rot="16199998">
               <a:off x="2392680" y="1975218"/>
               <a:ext cx="264160" cy="2021840"/>
             </a:xfrm>
@@ -14127,7 +14127,7 @@
             <p:nvPr/>
           </p:nvSpPr>
           <p:spPr bwMode="auto">
-            <a:xfrm rot="16199999">
+            <a:xfrm rot="16199998">
               <a:off x="2524760" y="3504878"/>
               <a:ext cx="264160" cy="965200"/>
             </a:xfrm>
@@ -14247,7 +14247,7 @@
             <p:nvPr/>
           </p:nvSpPr>
           <p:spPr bwMode="auto">
-            <a:xfrm rot="16199999">
+            <a:xfrm rot="16199998">
               <a:off x="3057391" y="4077131"/>
               <a:ext cx="264160" cy="1767840"/>
             </a:xfrm>
@@ -15405,11 +15405,11 @@
           <p:nvPr/>
         </p:nvGrpSpPr>
         <p:grpSpPr bwMode="auto">
-          <a:xfrm>
-            <a:off x="602613" y="563040"/>
-            <a:ext cx="10916857" cy="3856657"/>
-            <a:chOff x="602613" y="563040"/>
-            <a:chExt cx="10916857" cy="3856657"/>
+          <a:xfrm rot="0" flipH="0" flipV="0">
+            <a:off x="816016" y="1086231"/>
+            <a:ext cx="10916856" cy="3856656"/>
+            <a:chOff x="0" y="0"/>
+            <a:chExt cx="10916856" cy="3856656"/>
           </a:xfrm>
         </p:grpSpPr>
         <p:grpSp>
@@ -15420,10 +15420,10 @@
           </p:nvGrpSpPr>
           <p:grpSpPr bwMode="auto">
             <a:xfrm>
-              <a:off x="602613" y="563040"/>
-              <a:ext cx="10916857" cy="3856657"/>
-              <a:chOff x="602613" y="563040"/>
-              <a:chExt cx="10916857" cy="3856657"/>
+              <a:off x="0" y="0"/>
+              <a:ext cx="10916856" cy="3856656"/>
+              <a:chOff x="0" y="0"/>
+              <a:chExt cx="10916856" cy="3856656"/>
             </a:xfrm>
           </p:grpSpPr>
           <p:pic>
@@ -15441,7 +15441,7 @@
             </p:blipFill>
             <p:spPr bwMode="auto">
               <a:xfrm>
-                <a:off x="602613" y="1254265"/>
+                <a:off x="0" y="691224"/>
                 <a:ext cx="3252946" cy="1635500"/>
               </a:xfrm>
               <a:prstGeom prst="rect">
@@ -15464,7 +15464,7 @@
             </p:blipFill>
             <p:spPr bwMode="auto">
               <a:xfrm>
-                <a:off x="4297227" y="1242449"/>
+                <a:off x="3694613" y="679408"/>
                 <a:ext cx="3252946" cy="1647317"/>
               </a:xfrm>
               <a:prstGeom prst="rect">
@@ -15492,7 +15492,7 @@
             </p:blipFill>
             <p:spPr bwMode="auto">
               <a:xfrm>
-                <a:off x="9001788" y="3214356"/>
+                <a:off x="8399174" y="2651315"/>
                 <a:ext cx="1190611" cy="1190611"/>
               </a:xfrm>
               <a:prstGeom prst="rect">
@@ -15520,7 +15520,7 @@
             </p:blipFill>
             <p:spPr bwMode="auto">
               <a:xfrm>
-                <a:off x="1651592" y="3123923"/>
+                <a:off x="1048978" y="2560882"/>
                 <a:ext cx="1295774" cy="1295774"/>
               </a:xfrm>
               <a:prstGeom prst="rect">
@@ -15548,7 +15548,7 @@
             </p:blipFill>
             <p:spPr bwMode="auto">
               <a:xfrm>
-                <a:off x="5291087" y="3176505"/>
+                <a:off x="4688473" y="2613465"/>
                 <a:ext cx="1190610" cy="1190610"/>
               </a:xfrm>
               <a:prstGeom prst="rect">
@@ -15564,7 +15564,7 @@
             </p:nvSpPr>
             <p:spPr bwMode="auto">
               <a:xfrm>
-                <a:off x="4933910" y="563040"/>
+                <a:off x="4331296" y="0"/>
                 <a:ext cx="1973796" cy="330569"/>
               </a:xfrm>
               <a:prstGeom prst="rect">
@@ -15647,7 +15647,7 @@
             </p:nvSpPr>
             <p:spPr bwMode="auto">
               <a:xfrm>
-                <a:off x="1735369" y="563040"/>
+                <a:off x="1132755" y="0"/>
                 <a:ext cx="1973796" cy="330569"/>
               </a:xfrm>
               <a:prstGeom prst="rect">
@@ -15734,12 +15734,15 @@
             </p:nvCxnSpPr>
             <p:spPr bwMode="auto">
               <a:xfrm>
-                <a:off x="2947366" y="3771810"/>
+                <a:off x="2344752" y="3208769"/>
                 <a:ext cx="2343721" cy="0"/>
               </a:xfrm>
               <a:prstGeom prst="straightConnector1">
                 <a:avLst/>
               </a:prstGeom>
+              <a:solidFill>
+                <a:schemeClr val="bg1"/>
+              </a:solidFill>
               <a:ln w="19050">
                 <a:solidFill>
                   <a:schemeClr val="tx1"/>
@@ -15772,12 +15775,15 @@
             </p:nvCxnSpPr>
             <p:spPr bwMode="auto">
               <a:xfrm>
-                <a:off x="6481697" y="3650359"/>
+                <a:off x="5879083" y="3087318"/>
                 <a:ext cx="2401045" cy="0"/>
               </a:xfrm>
               <a:prstGeom prst="straightConnector1">
                 <a:avLst/>
               </a:prstGeom>
+              <a:solidFill>
+                <a:schemeClr val="bg1"/>
+              </a:solidFill>
               <a:ln w="19050">
                 <a:solidFill>
                   <a:schemeClr val="tx1"/>
@@ -15810,12 +15816,15 @@
             </p:nvCxnSpPr>
             <p:spPr bwMode="auto">
               <a:xfrm>
-                <a:off x="6451217" y="3924679"/>
+                <a:off x="5848603" y="3361638"/>
                 <a:ext cx="2431526" cy="0"/>
               </a:xfrm>
               <a:prstGeom prst="straightConnector1">
                 <a:avLst/>
               </a:prstGeom>
+              <a:solidFill>
+                <a:schemeClr val="bg1"/>
+              </a:solidFill>
               <a:ln w="19050">
                 <a:solidFill>
                   <a:schemeClr val="tx1"/>
@@ -15847,7 +15856,7 @@
             </p:nvSpPr>
             <p:spPr bwMode="auto">
               <a:xfrm>
-                <a:off x="8482837" y="563693"/>
+                <a:off x="7880223" y="652"/>
                 <a:ext cx="1973796" cy="330569"/>
               </a:xfrm>
               <a:prstGeom prst="rect">
@@ -15894,7 +15903,7 @@
             </p:blipFill>
             <p:spPr bwMode="auto">
               <a:xfrm>
-                <a:off x="7991841" y="1248357"/>
+                <a:off x="7389227" y="685316"/>
                 <a:ext cx="3229610" cy="1635500"/>
               </a:xfrm>
               <a:prstGeom prst="rect">
@@ -15910,7 +15919,7 @@
             </p:nvSpPr>
             <p:spPr bwMode="auto">
               <a:xfrm>
-                <a:off x="7982450" y="1113807"/>
+                <a:off x="7379836" y="550766"/>
                 <a:ext cx="3537020" cy="1863622"/>
               </a:xfrm>
               <a:prstGeom prst="rect">
@@ -15960,13 +15969,15 @@
             </p:nvSpPr>
             <p:spPr bwMode="auto">
               <a:xfrm>
-                <a:off x="9244903" y="1691675"/>
+                <a:off x="8642289" y="1128634"/>
                 <a:ext cx="449663" cy="707886"/>
               </a:xfrm>
               <a:prstGeom prst="rect">
                 <a:avLst/>
               </a:prstGeom>
-              <a:noFill/>
+              <a:solidFill>
+                <a:schemeClr val="bg1"/>
+              </a:solidFill>
             </p:spPr>
             <p:txBody>
               <a:bodyPr wrap="square">
@@ -16003,13 +16014,15 @@
           </p:nvSpPr>
           <p:spPr bwMode="auto">
             <a:xfrm>
-              <a:off x="3630726" y="3771810"/>
+              <a:off x="3028113" y="3255007"/>
               <a:ext cx="449663" cy="461665"/>
             </a:xfrm>
             <a:prstGeom prst="rect">
               <a:avLst/>
             </a:prstGeom>
-            <a:noFill/>
+            <a:solidFill>
+              <a:schemeClr val="bg1"/>
+            </a:solidFill>
           </p:spPr>
           <p:txBody>
             <a:bodyPr wrap="square">
@@ -16075,13 +16088,15 @@
           </p:nvSpPr>
           <p:spPr bwMode="auto">
             <a:xfrm>
-              <a:off x="7467562" y="3154158"/>
+              <a:off x="6864948" y="2591118"/>
               <a:ext cx="449663" cy="461665"/>
             </a:xfrm>
             <a:prstGeom prst="rect">
               <a:avLst/>
             </a:prstGeom>
-            <a:noFill/>
+            <a:solidFill>
+              <a:schemeClr val="bg1"/>
+            </a:solidFill>
           </p:spPr>
           <p:txBody>
             <a:bodyPr wrap="square">
@@ -16157,13 +16172,15 @@
           </p:nvSpPr>
           <p:spPr bwMode="auto">
             <a:xfrm>
-              <a:off x="7457388" y="3889031"/>
+              <a:off x="6854774" y="3372228"/>
               <a:ext cx="449663" cy="461665"/>
             </a:xfrm>
             <a:prstGeom prst="rect">
               <a:avLst/>
             </a:prstGeom>
-            <a:noFill/>
+            <a:solidFill>
+              <a:schemeClr val="bg1"/>
+            </a:solidFill>
           </p:spPr>
           <p:txBody>
             <a:bodyPr wrap="square">
@@ -24856,7 +24873,7 @@
           </p:nvSpPr>
           <p:spPr bwMode="auto">
             <a:xfrm rot="0" flipH="0" flipV="0">
-              <a:off x="5133982" y="7200"/>
+              <a:off x="5133981" y="7200"/>
               <a:ext cx="1137918" cy="1137918"/>
             </a:xfrm>
             <a:prstGeom prst="ellipse">
@@ -25130,7 +25147,7 @@
           </p:nvSpPr>
           <p:spPr bwMode="auto">
             <a:xfrm flipH="0" flipV="0">
-              <a:off x="3834568" y="202839"/>
+              <a:off x="3834567" y="202839"/>
               <a:ext cx="1170332" cy="366119"/>
             </a:xfrm>
             <a:prstGeom prst="rect">
@@ -26652,7 +26669,7 @@
             <p:nvPr/>
           </p:nvSpPr>
           <p:spPr bwMode="auto">
-            <a:xfrm rot="3153617" flipH="0" flipV="0">
+            <a:xfrm rot="3153615" flipH="0" flipV="0">
               <a:off x="3944968" y="2563374"/>
               <a:ext cx="1172131" cy="366119"/>
             </a:xfrm>
@@ -27203,7 +27220,7 @@
           </p:nvCxnSpPr>
           <p:spPr bwMode="auto">
             <a:xfrm rot="0" flipH="0" flipV="0">
-              <a:off x="1584572" y="1863528"/>
+              <a:off x="1584572" y="1863527"/>
               <a:ext cx="933714" cy="0"/>
             </a:xfrm>
             <a:prstGeom prst="straightConnector1">
@@ -28792,50 +28809,1370 @@
           <a:chExt cx="0" cy="0"/>
         </a:xfrm>
       </p:grpSpPr>
-      <p:sp>
-        <p:nvSpPr>
-          <p:cNvPr id="373869385" name="Title 1"/>
-          <p:cNvSpPr>
-            <a:spLocks noGrp="1"/>
-          </p:cNvSpPr>
-          <p:nvPr>
-            <p:ph type="title"/>
-          </p:nvPr>
-        </p:nvSpPr>
-        <p:spPr bwMode="auto"/>
-        <p:txBody>
-          <a:bodyPr/>
-          <a:lstStyle/>
-          <a:p>
-            <a:pPr>
-              <a:defRPr/>
-            </a:pPr>
-            <a:endParaRPr/>
-          </a:p>
-        </p:txBody>
-      </p:sp>
-      <p:sp>
-        <p:nvSpPr>
-          <p:cNvPr id="365828228" name="Content Placeholder 2"/>
-          <p:cNvSpPr>
-            <a:spLocks noGrp="1"/>
-          </p:cNvSpPr>
-          <p:nvPr>
-            <p:ph idx="1"/>
-          </p:nvPr>
-        </p:nvSpPr>
-        <p:spPr bwMode="auto"/>
-        <p:txBody>
-          <a:bodyPr/>
-          <a:lstStyle/>
-          <a:p>
-            <a:pPr>
-              <a:defRPr/>
-            </a:pPr>
-            <a:endParaRPr/>
-          </a:p>
-        </p:txBody>
-      </p:sp>
+      <p:grpSp>
+        <p:nvGrpSpPr>
+          <p:cNvPr id="1307236731" name=""/>
+          <p:cNvGrpSpPr/>
+          <p:nvPr/>
+        </p:nvGrpSpPr>
+        <p:grpSpPr bwMode="auto">
+          <a:xfrm>
+            <a:off x="-7680" y="793749"/>
+            <a:ext cx="10249680" cy="4713784"/>
+            <a:chOff x="0" y="0"/>
+            <a:chExt cx="10249680" cy="4713784"/>
+          </a:xfrm>
+        </p:grpSpPr>
+        <p:cxnSp>
+          <p:nvCxnSpPr>
+            <p:cNvPr id="0" name="Linie 0"/>
+            <p:cNvCxnSpPr>
+              <a:cxnSpLocks/>
+            </p:cNvCxnSpPr>
+            <p:nvPr/>
+          </p:nvCxnSpPr>
+          <p:spPr bwMode="auto">
+            <a:xfrm rot="0" flipH="0" flipV="1">
+              <a:off x="1526880" y="4303849"/>
+              <a:ext cx="8722800" cy="0"/>
+            </a:xfrm>
+            <a:prstGeom prst="line">
+              <a:avLst/>
+            </a:prstGeom>
+            <a:ln w="19049" cap="flat" cmpd="sng" algn="ctr">
+              <a:solidFill>
+                <a:schemeClr val="accent1">
+                  <a:shade val="50000"/>
+                </a:schemeClr>
+              </a:solidFill>
+              <a:prstDash val="solid"/>
+              <a:miter lim="800000"/>
+              <a:tailEnd type="triangle" w="lg" len="lg"/>
+            </a:ln>
+          </p:spPr>
+          <p:style>
+            <a:lnRef idx="1">
+              <a:schemeClr val="accent1">
+                <a:shade val="50000"/>
+              </a:schemeClr>
+            </a:lnRef>
+            <a:fillRef idx="0">
+              <a:schemeClr val="accent1"/>
+            </a:fillRef>
+            <a:effectRef idx="0">
+              <a:schemeClr val="accent1"/>
+            </a:effectRef>
+            <a:fontRef idx="minor">
+              <a:schemeClr val="tx1"/>
+            </a:fontRef>
+          </p:style>
+        </p:cxnSp>
+        <p:sp>
+          <p:nvSpPr>
+            <p:cNvPr id="1705932342" name=""/>
+            <p:cNvSpPr txBox="1"/>
+            <p:nvPr/>
+          </p:nvSpPr>
+          <p:spPr bwMode="auto">
+            <a:xfrm flipH="0" flipV="0">
+              <a:off x="1145649" y="4347664"/>
+              <a:ext cx="762460" cy="366119"/>
+            </a:xfrm>
+            <a:prstGeom prst="rect">
+              <a:avLst/>
+            </a:prstGeom>
+            <a:noFill/>
+          </p:spPr>
+          <p:txBody>
+            <a:bodyPr vertOverflow="overflow" horzOverflow="overflow" vert="horz" wrap="none" lIns="91440" tIns="45720" rIns="91440" bIns="45720" numCol="1" spcCol="0" rtlCol="0" fromWordArt="0" anchor="t" anchorCtr="0" forceAA="0" upright="0" compatLnSpc="0">
+              <a:spAutoFit/>
+            </a:bodyPr>
+            <a:p>
+              <a:pPr>
+                <a:defRPr/>
+              </a:pPr>
+              <a:r>
+                <a:rPr/>
+                <a:t>01.01.</a:t>
+              </a:r>
+              <a:endParaRPr/>
+            </a:p>
+          </p:txBody>
+        </p:sp>
+        <p:sp>
+          <p:nvSpPr>
+            <p:cNvPr id="809281653" name=""/>
+            <p:cNvSpPr txBox="1"/>
+            <p:nvPr/>
+          </p:nvSpPr>
+          <p:spPr bwMode="auto">
+            <a:xfrm flipH="0" flipV="0">
+              <a:off x="9449861" y="4347664"/>
+              <a:ext cx="762460" cy="366119"/>
+            </a:xfrm>
+            <a:prstGeom prst="rect">
+              <a:avLst/>
+            </a:prstGeom>
+            <a:noFill/>
+          </p:spPr>
+          <p:txBody>
+            <a:bodyPr vertOverflow="overflow" horzOverflow="overflow" vert="horz" wrap="none" lIns="91440" tIns="45720" rIns="91440" bIns="45720" numCol="1" spcCol="0" rtlCol="0" fromWordArt="0" anchor="t" anchorCtr="0" forceAA="0" upright="0" compatLnSpc="0">
+              <a:spAutoFit/>
+            </a:bodyPr>
+            <a:p>
+              <a:pPr>
+                <a:defRPr/>
+              </a:pPr>
+              <a:r>
+                <a:rPr/>
+                <a:t>31.12.</a:t>
+              </a:r>
+              <a:endParaRPr/>
+            </a:p>
+          </p:txBody>
+        </p:sp>
+        <p:cxnSp>
+          <p:nvCxnSpPr>
+            <p:cNvPr id="0" name=""/>
+            <p:cNvCxnSpPr>
+              <a:cxnSpLocks/>
+            </p:cNvCxnSpPr>
+            <p:nvPr/>
+          </p:nvCxnSpPr>
+          <p:spPr bwMode="auto">
+            <a:xfrm rot="16199969" flipH="0" flipV="0">
+              <a:off x="1416350" y="4302947"/>
+              <a:ext cx="223586" cy="360"/>
+            </a:xfrm>
+            <a:prstGeom prst="line">
+              <a:avLst/>
+            </a:prstGeom>
+            <a:ln w="19049" cap="flat" cmpd="sng" algn="ctr">
+              <a:solidFill>
+                <a:schemeClr val="accent1">
+                  <a:shade val="50000"/>
+                </a:schemeClr>
+              </a:solidFill>
+              <a:prstDash val="solid"/>
+              <a:miter lim="800000"/>
+            </a:ln>
+          </p:spPr>
+          <p:style>
+            <a:lnRef idx="1">
+              <a:schemeClr val="accent1">
+                <a:shade val="50000"/>
+              </a:schemeClr>
+            </a:lnRef>
+            <a:fillRef idx="0">
+              <a:schemeClr val="accent1"/>
+            </a:fillRef>
+            <a:effectRef idx="0">
+              <a:schemeClr val="accent1"/>
+            </a:effectRef>
+            <a:fontRef idx="minor">
+              <a:schemeClr val="tx1"/>
+            </a:fontRef>
+          </p:style>
+        </p:cxnSp>
+        <p:cxnSp>
+          <p:nvCxnSpPr>
+            <p:cNvPr id="850603866" name=""/>
+            <p:cNvCxnSpPr>
+              <a:cxnSpLocks/>
+            </p:cNvCxnSpPr>
+            <p:nvPr/>
+          </p:nvCxnSpPr>
+          <p:spPr bwMode="auto">
+            <a:xfrm rot="16199969" flipH="0" flipV="0">
+              <a:off x="9704687" y="4296596"/>
+              <a:ext cx="223585" cy="360"/>
+            </a:xfrm>
+            <a:prstGeom prst="line">
+              <a:avLst/>
+            </a:prstGeom>
+            <a:ln w="19049" cap="flat" cmpd="sng" algn="ctr">
+              <a:solidFill>
+                <a:schemeClr val="accent1">
+                  <a:shade val="50000"/>
+                </a:schemeClr>
+              </a:solidFill>
+              <a:prstDash val="solid"/>
+              <a:miter lim="800000"/>
+            </a:ln>
+          </p:spPr>
+          <p:style>
+            <a:lnRef idx="1">
+              <a:schemeClr val="accent1">
+                <a:shade val="50000"/>
+              </a:schemeClr>
+            </a:lnRef>
+            <a:fillRef idx="0">
+              <a:schemeClr val="accent1"/>
+            </a:fillRef>
+            <a:effectRef idx="0">
+              <a:schemeClr val="accent1"/>
+            </a:effectRef>
+            <a:fontRef idx="minor">
+              <a:schemeClr val="tx1"/>
+            </a:fontRef>
+          </p:style>
+        </p:cxnSp>
+        <p:cxnSp>
+          <p:nvCxnSpPr>
+            <p:cNvPr id="305171657" name=""/>
+            <p:cNvCxnSpPr>
+              <a:cxnSpLocks/>
+            </p:cNvCxnSpPr>
+            <p:nvPr/>
+          </p:nvCxnSpPr>
+          <p:spPr bwMode="auto">
+            <a:xfrm rot="16199969" flipH="0" flipV="0">
+              <a:off x="7674274" y="4291380"/>
+              <a:ext cx="223585" cy="360"/>
+            </a:xfrm>
+            <a:prstGeom prst="line">
+              <a:avLst/>
+            </a:prstGeom>
+            <a:ln w="19049" cap="flat" cmpd="sng" algn="ctr">
+              <a:solidFill>
+                <a:schemeClr val="accent1">
+                  <a:shade val="50000"/>
+                </a:schemeClr>
+              </a:solidFill>
+              <a:prstDash val="solid"/>
+              <a:miter lim="800000"/>
+            </a:ln>
+          </p:spPr>
+          <p:style>
+            <a:lnRef idx="1">
+              <a:schemeClr val="accent1">
+                <a:shade val="50000"/>
+              </a:schemeClr>
+            </a:lnRef>
+            <a:fillRef idx="0">
+              <a:schemeClr val="accent1"/>
+            </a:fillRef>
+            <a:effectRef idx="0">
+              <a:schemeClr val="accent1"/>
+            </a:effectRef>
+            <a:fontRef idx="minor">
+              <a:schemeClr val="tx1"/>
+            </a:fontRef>
+          </p:style>
+        </p:cxnSp>
+        <p:cxnSp>
+          <p:nvCxnSpPr>
+            <p:cNvPr id="445894052" name=""/>
+            <p:cNvCxnSpPr>
+              <a:cxnSpLocks/>
+            </p:cNvCxnSpPr>
+            <p:nvPr/>
+          </p:nvCxnSpPr>
+          <p:spPr bwMode="auto">
+            <a:xfrm rot="16199969" flipH="0" flipV="0">
+              <a:off x="3500736" y="4291380"/>
+              <a:ext cx="223585" cy="360"/>
+            </a:xfrm>
+            <a:prstGeom prst="line">
+              <a:avLst/>
+            </a:prstGeom>
+            <a:ln w="19049" cap="flat" cmpd="sng" algn="ctr">
+              <a:solidFill>
+                <a:schemeClr val="accent1">
+                  <a:shade val="50000"/>
+                </a:schemeClr>
+              </a:solidFill>
+              <a:prstDash val="solid"/>
+              <a:miter lim="800000"/>
+            </a:ln>
+          </p:spPr>
+          <p:style>
+            <a:lnRef idx="1">
+              <a:schemeClr val="accent1">
+                <a:shade val="50000"/>
+              </a:schemeClr>
+            </a:lnRef>
+            <a:fillRef idx="0">
+              <a:schemeClr val="accent1"/>
+            </a:fillRef>
+            <a:effectRef idx="0">
+              <a:schemeClr val="accent1"/>
+            </a:effectRef>
+            <a:fontRef idx="minor">
+              <a:schemeClr val="tx1"/>
+            </a:fontRef>
+          </p:style>
+        </p:cxnSp>
+        <p:sp>
+          <p:nvSpPr>
+            <p:cNvPr id="463066986" name=""/>
+            <p:cNvSpPr txBox="1"/>
+            <p:nvPr/>
+          </p:nvSpPr>
+          <p:spPr bwMode="auto">
+            <a:xfrm flipH="0" flipV="0">
+              <a:off x="7629225" y="4347664"/>
+              <a:ext cx="289527" cy="366119"/>
+            </a:xfrm>
+            <a:prstGeom prst="rect">
+              <a:avLst/>
+            </a:prstGeom>
+            <a:noFill/>
+          </p:spPr>
+          <p:txBody>
+            <a:bodyPr vertOverflow="overflow" horzOverflow="overflow" vert="horz" wrap="none" lIns="91440" tIns="45720" rIns="91440" bIns="45720" numCol="1" spcCol="0" rtlCol="0" fromWordArt="0" anchor="t" anchorCtr="0" forceAA="0" upright="0" compatLnSpc="0">
+              <a:spAutoFit/>
+            </a:bodyPr>
+            <a:p>
+              <a:pPr>
+                <a:defRPr/>
+              </a:pPr>
+              <a:r>
+                <a:rPr/>
+                <a:t>?</a:t>
+              </a:r>
+              <a:endParaRPr/>
+            </a:p>
+          </p:txBody>
+        </p:sp>
+        <p:sp>
+          <p:nvSpPr>
+            <p:cNvPr id="761304528" name=""/>
+            <p:cNvSpPr txBox="1"/>
+            <p:nvPr/>
+          </p:nvSpPr>
+          <p:spPr bwMode="auto">
+            <a:xfrm flipH="0" flipV="0">
+              <a:off x="3467945" y="4347664"/>
+              <a:ext cx="289527" cy="366119"/>
+            </a:xfrm>
+            <a:prstGeom prst="rect">
+              <a:avLst/>
+            </a:prstGeom>
+            <a:noFill/>
+          </p:spPr>
+          <p:txBody>
+            <a:bodyPr vertOverflow="overflow" horzOverflow="overflow" vert="horz" wrap="none" lIns="91440" tIns="45720" rIns="91440" bIns="45720" numCol="1" spcCol="0" rtlCol="0" fromWordArt="0" anchor="t" anchorCtr="0" forceAA="0" upright="0" compatLnSpc="0">
+              <a:spAutoFit/>
+            </a:bodyPr>
+            <a:p>
+              <a:pPr>
+                <a:defRPr/>
+              </a:pPr>
+              <a:r>
+                <a:rPr/>
+                <a:t>?</a:t>
+              </a:r>
+              <a:endParaRPr/>
+            </a:p>
+          </p:txBody>
+        </p:sp>
+        <p:grpSp>
+          <p:nvGrpSpPr>
+            <p:cNvPr id="146030968" name=""/>
+            <p:cNvGrpSpPr/>
+            <p:nvPr/>
+          </p:nvGrpSpPr>
+          <p:grpSpPr bwMode="auto">
+            <a:xfrm>
+              <a:off x="1542180" y="2591088"/>
+              <a:ext cx="8274120" cy="828675"/>
+              <a:chOff x="0" y="0"/>
+              <a:chExt cx="8274120" cy="828675"/>
+            </a:xfrm>
+          </p:grpSpPr>
+          <p:cxnSp>
+            <p:nvCxnSpPr>
+              <p:cNvPr id="0" name=""/>
+              <p:cNvCxnSpPr>
+                <a:cxnSpLocks/>
+              </p:cNvCxnSpPr>
+              <p:nvPr/>
+            </p:nvCxnSpPr>
+            <p:spPr bwMode="auto">
+              <a:xfrm flipH="0" flipV="0">
+                <a:off x="0" y="828674"/>
+                <a:ext cx="2076449" cy="0"/>
+              </a:xfrm>
+              <a:prstGeom prst="line">
+                <a:avLst/>
+              </a:prstGeom>
+              <a:ln w="19049" cap="flat" cmpd="sng" algn="ctr">
+                <a:solidFill>
+                  <a:srgbClr val="C00000"/>
+                </a:solidFill>
+                <a:prstDash val="solid"/>
+                <a:miter lim="800000"/>
+              </a:ln>
+            </p:spPr>
+            <p:style>
+              <a:lnRef idx="1">
+                <a:schemeClr val="accent1">
+                  <a:shade val="50000"/>
+                </a:schemeClr>
+              </a:lnRef>
+              <a:fillRef idx="0">
+                <a:schemeClr val="accent1"/>
+              </a:fillRef>
+              <a:effectRef idx="0">
+                <a:schemeClr val="accent1"/>
+              </a:effectRef>
+              <a:fontRef idx="minor">
+                <a:schemeClr val="tx1"/>
+              </a:fontRef>
+            </p:style>
+          </p:cxnSp>
+          <p:cxnSp>
+            <p:nvCxnSpPr>
+              <p:cNvPr id="1451684066" name=""/>
+              <p:cNvCxnSpPr>
+                <a:cxnSpLocks/>
+              </p:cNvCxnSpPr>
+              <p:nvPr/>
+            </p:nvCxnSpPr>
+            <p:spPr bwMode="auto">
+              <a:xfrm flipH="0" flipV="0">
+                <a:off x="2070529" y="0"/>
+                <a:ext cx="4173537" cy="0"/>
+              </a:xfrm>
+              <a:prstGeom prst="line">
+                <a:avLst/>
+              </a:prstGeom>
+              <a:ln w="19049" cap="flat" cmpd="sng" algn="ctr">
+                <a:solidFill>
+                  <a:srgbClr val="C00000"/>
+                </a:solidFill>
+                <a:prstDash val="solid"/>
+                <a:miter lim="800000"/>
+              </a:ln>
+            </p:spPr>
+            <p:style>
+              <a:lnRef idx="1">
+                <a:schemeClr val="accent1">
+                  <a:shade val="50000"/>
+                </a:schemeClr>
+              </a:lnRef>
+              <a:fillRef idx="0">
+                <a:schemeClr val="accent1"/>
+              </a:fillRef>
+              <a:effectRef idx="0">
+                <a:schemeClr val="accent1"/>
+              </a:effectRef>
+              <a:fontRef idx="minor">
+                <a:schemeClr val="tx1"/>
+              </a:fontRef>
+            </p:style>
+          </p:cxnSp>
+          <p:cxnSp>
+            <p:nvCxnSpPr>
+              <p:cNvPr id="182490073" name=""/>
+              <p:cNvCxnSpPr>
+                <a:cxnSpLocks/>
+              </p:cNvCxnSpPr>
+              <p:nvPr/>
+            </p:nvCxnSpPr>
+            <p:spPr bwMode="auto">
+              <a:xfrm flipH="0" flipV="1">
+                <a:off x="2076449" y="0"/>
+                <a:ext cx="0" cy="828674"/>
+              </a:xfrm>
+              <a:prstGeom prst="line">
+                <a:avLst/>
+              </a:prstGeom>
+              <a:ln w="19049" cap="flat" cmpd="sng" algn="ctr">
+                <a:solidFill>
+                  <a:srgbClr val="C00000"/>
+                </a:solidFill>
+                <a:prstDash val="solid"/>
+                <a:miter lim="800000"/>
+              </a:ln>
+            </p:spPr>
+            <p:style>
+              <a:lnRef idx="1">
+                <a:schemeClr val="accent1">
+                  <a:shade val="50000"/>
+                </a:schemeClr>
+              </a:lnRef>
+              <a:fillRef idx="0">
+                <a:schemeClr val="accent1"/>
+              </a:fillRef>
+              <a:effectRef idx="0">
+                <a:schemeClr val="accent1"/>
+              </a:effectRef>
+              <a:fontRef idx="minor">
+                <a:schemeClr val="tx1"/>
+              </a:fontRef>
+            </p:style>
+          </p:cxnSp>
+          <p:cxnSp>
+            <p:nvCxnSpPr>
+              <p:cNvPr id="1826194621" name=""/>
+              <p:cNvCxnSpPr>
+                <a:cxnSpLocks/>
+              </p:cNvCxnSpPr>
+              <p:nvPr/>
+            </p:nvCxnSpPr>
+            <p:spPr bwMode="auto">
+              <a:xfrm flipH="0" flipV="1">
+                <a:off x="6231809" y="0"/>
+                <a:ext cx="0" cy="828673"/>
+              </a:xfrm>
+              <a:prstGeom prst="line">
+                <a:avLst/>
+              </a:prstGeom>
+              <a:ln w="19049" cap="flat" cmpd="sng" algn="ctr">
+                <a:solidFill>
+                  <a:srgbClr val="C00000"/>
+                </a:solidFill>
+                <a:prstDash val="solid"/>
+                <a:miter lim="800000"/>
+              </a:ln>
+            </p:spPr>
+            <p:style>
+              <a:lnRef idx="1">
+                <a:schemeClr val="accent1">
+                  <a:shade val="50000"/>
+                </a:schemeClr>
+              </a:lnRef>
+              <a:fillRef idx="0">
+                <a:schemeClr val="accent1"/>
+              </a:fillRef>
+              <a:effectRef idx="0">
+                <a:schemeClr val="accent1"/>
+              </a:effectRef>
+              <a:fontRef idx="minor">
+                <a:schemeClr val="tx1"/>
+              </a:fontRef>
+            </p:style>
+          </p:cxnSp>
+          <p:cxnSp>
+            <p:nvCxnSpPr>
+              <p:cNvPr id="1997265075" name=""/>
+              <p:cNvCxnSpPr>
+                <a:cxnSpLocks/>
+              </p:cNvCxnSpPr>
+              <p:nvPr/>
+            </p:nvCxnSpPr>
+            <p:spPr bwMode="auto">
+              <a:xfrm flipH="0" flipV="0">
+                <a:off x="6231809" y="828675"/>
+                <a:ext cx="2042310" cy="0"/>
+              </a:xfrm>
+              <a:prstGeom prst="line">
+                <a:avLst/>
+              </a:prstGeom>
+              <a:ln w="19049" cap="flat" cmpd="sng" algn="ctr">
+                <a:solidFill>
+                  <a:srgbClr val="C00000"/>
+                </a:solidFill>
+                <a:prstDash val="solid"/>
+                <a:miter lim="800000"/>
+              </a:ln>
+            </p:spPr>
+            <p:style>
+              <a:lnRef idx="1">
+                <a:schemeClr val="accent1">
+                  <a:shade val="50000"/>
+                </a:schemeClr>
+              </a:lnRef>
+              <a:fillRef idx="0">
+                <a:schemeClr val="accent1"/>
+              </a:fillRef>
+              <a:effectRef idx="0">
+                <a:schemeClr val="accent1"/>
+              </a:effectRef>
+              <a:fontRef idx="minor">
+                <a:schemeClr val="tx1"/>
+              </a:fontRef>
+            </p:style>
+          </p:cxnSp>
+        </p:grpSp>
+        <p:sp>
+          <p:nvSpPr>
+            <p:cNvPr id="1216318439" name=""/>
+            <p:cNvSpPr txBox="1"/>
+            <p:nvPr/>
+          </p:nvSpPr>
+          <p:spPr bwMode="auto">
+            <a:xfrm flipH="0" flipV="0">
+              <a:off x="0" y="3193408"/>
+              <a:ext cx="1333393" cy="366119"/>
+            </a:xfrm>
+            <a:prstGeom prst="rect">
+              <a:avLst/>
+            </a:prstGeom>
+            <a:noFill/>
+          </p:spPr>
+          <p:txBody>
+            <a:bodyPr vertOverflow="overflow" horzOverflow="overflow" vert="horz" wrap="none" lIns="91440" tIns="45720" rIns="91440" bIns="45720" numCol="1" spcCol="0" rtlCol="0" fromWordArt="0" anchor="t" anchorCtr="0" forceAA="0" upright="0" compatLnSpc="0">
+              <a:spAutoFit/>
+            </a:bodyPr>
+            <a:p>
+              <a:pPr>
+                <a:defRPr/>
+              </a:pPr>
+              <a:r>
+                <a:rPr/>
+                <a:t>Geschlossen</a:t>
+              </a:r>
+              <a:endParaRPr/>
+            </a:p>
+          </p:txBody>
+        </p:sp>
+        <p:sp>
+          <p:nvSpPr>
+            <p:cNvPr id="227084652" name=""/>
+            <p:cNvSpPr txBox="1"/>
+            <p:nvPr/>
+          </p:nvSpPr>
+          <p:spPr bwMode="auto">
+            <a:xfrm flipH="0" flipV="0">
+              <a:off x="321354" y="2408894"/>
+              <a:ext cx="1012039" cy="366119"/>
+            </a:xfrm>
+            <a:prstGeom prst="rect">
+              <a:avLst/>
+            </a:prstGeom>
+            <a:noFill/>
+          </p:spPr>
+          <p:txBody>
+            <a:bodyPr vertOverflow="overflow" horzOverflow="overflow" vert="horz" wrap="none" lIns="91440" tIns="45720" rIns="91440" bIns="45720" numCol="1" spcCol="0" rtlCol="0" fromWordArt="0" anchor="t" anchorCtr="0" forceAA="0" upright="0" compatLnSpc="0">
+              <a:spAutoFit/>
+            </a:bodyPr>
+            <a:p>
+              <a:pPr>
+                <a:defRPr/>
+              </a:pPr>
+              <a:r>
+                <a:rPr/>
+                <a:t>Geöffnet</a:t>
+              </a:r>
+              <a:endParaRPr/>
+            </a:p>
+          </p:txBody>
+        </p:sp>
+        <p:cxnSp>
+          <p:nvCxnSpPr>
+            <p:cNvPr id="599480054" name=""/>
+            <p:cNvCxnSpPr>
+              <a:cxnSpLocks/>
+            </p:cNvCxnSpPr>
+            <p:nvPr/>
+          </p:nvCxnSpPr>
+          <p:spPr bwMode="auto">
+            <a:xfrm rot="16199969" flipH="0" flipV="1">
+              <a:off x="1430137" y="3304898"/>
+              <a:ext cx="0" cy="193485"/>
+            </a:xfrm>
+            <a:prstGeom prst="line">
+              <a:avLst/>
+            </a:prstGeom>
+            <a:ln w="19049" cap="flat" cmpd="sng" algn="ctr">
+              <a:solidFill>
+                <a:schemeClr val="bg1">
+                  <a:lumMod val="50196"/>
+                </a:schemeClr>
+              </a:solidFill>
+              <a:prstDash val="solid"/>
+              <a:miter lim="800000"/>
+            </a:ln>
+          </p:spPr>
+          <p:style>
+            <a:lnRef idx="1">
+              <a:schemeClr val="accent1">
+                <a:shade val="50000"/>
+              </a:schemeClr>
+            </a:lnRef>
+            <a:fillRef idx="0">
+              <a:schemeClr val="accent1"/>
+            </a:fillRef>
+            <a:effectRef idx="0">
+              <a:schemeClr val="accent1"/>
+            </a:effectRef>
+            <a:fontRef idx="minor">
+              <a:schemeClr val="tx1"/>
+            </a:fontRef>
+          </p:style>
+        </p:cxnSp>
+        <p:cxnSp>
+          <p:nvCxnSpPr>
+            <p:cNvPr id="46541716" name=""/>
+            <p:cNvCxnSpPr>
+              <a:cxnSpLocks/>
+            </p:cNvCxnSpPr>
+            <p:nvPr/>
+          </p:nvCxnSpPr>
+          <p:spPr bwMode="auto">
+            <a:xfrm rot="16199969" flipH="0" flipV="1">
+              <a:off x="1430137" y="2478339"/>
+              <a:ext cx="0" cy="193485"/>
+            </a:xfrm>
+            <a:prstGeom prst="line">
+              <a:avLst/>
+            </a:prstGeom>
+            <a:ln w="19049" cap="flat" cmpd="sng" algn="ctr">
+              <a:solidFill>
+                <a:schemeClr val="bg1">
+                  <a:lumMod val="50196"/>
+                </a:schemeClr>
+              </a:solidFill>
+              <a:prstDash val="solid"/>
+              <a:miter lim="800000"/>
+            </a:ln>
+          </p:spPr>
+          <p:style>
+            <a:lnRef idx="1">
+              <a:schemeClr val="accent1">
+                <a:shade val="50000"/>
+              </a:schemeClr>
+            </a:lnRef>
+            <a:fillRef idx="0">
+              <a:schemeClr val="accent1"/>
+            </a:fillRef>
+            <a:effectRef idx="0">
+              <a:schemeClr val="accent1"/>
+            </a:effectRef>
+            <a:fontRef idx="minor">
+              <a:schemeClr val="tx1"/>
+            </a:fontRef>
+          </p:style>
+        </p:cxnSp>
+        <p:cxnSp>
+          <p:nvCxnSpPr>
+            <p:cNvPr id="1543007746" name=""/>
+            <p:cNvCxnSpPr>
+              <a:cxnSpLocks/>
+            </p:cNvCxnSpPr>
+            <p:nvPr/>
+          </p:nvCxnSpPr>
+          <p:spPr bwMode="auto">
+            <a:xfrm rot="16199969" flipH="1" flipV="1">
+              <a:off x="959628" y="2931132"/>
+              <a:ext cx="941016" cy="0"/>
+            </a:xfrm>
+            <a:prstGeom prst="line">
+              <a:avLst/>
+            </a:prstGeom>
+            <a:ln w="19049" cap="flat" cmpd="sng" algn="ctr">
+              <a:solidFill>
+                <a:schemeClr val="bg1">
+                  <a:lumMod val="50196"/>
+                </a:schemeClr>
+              </a:solidFill>
+              <a:prstDash val="solid"/>
+              <a:miter lim="800000"/>
+            </a:ln>
+          </p:spPr>
+          <p:style>
+            <a:lnRef idx="1">
+              <a:schemeClr val="accent1">
+                <a:shade val="50000"/>
+              </a:schemeClr>
+            </a:lnRef>
+            <a:fillRef idx="0">
+              <a:schemeClr val="accent1"/>
+            </a:fillRef>
+            <a:effectRef idx="0">
+              <a:schemeClr val="accent1"/>
+            </a:effectRef>
+            <a:fontRef idx="minor">
+              <a:schemeClr val="tx1"/>
+            </a:fontRef>
+          </p:style>
+        </p:cxnSp>
+        <p:cxnSp>
+          <p:nvCxnSpPr>
+            <p:cNvPr id="859355242" name=""/>
+            <p:cNvCxnSpPr>
+              <a:cxnSpLocks/>
+            </p:cNvCxnSpPr>
+            <p:nvPr/>
+          </p:nvCxnSpPr>
+          <p:spPr bwMode="auto">
+            <a:xfrm rot="16199969" flipH="0" flipV="1">
+              <a:off x="1430137" y="1861860"/>
+              <a:ext cx="0" cy="193485"/>
+            </a:xfrm>
+            <a:prstGeom prst="line">
+              <a:avLst/>
+            </a:prstGeom>
+            <a:ln w="19049" cap="flat" cmpd="sng" algn="ctr">
+              <a:solidFill>
+                <a:schemeClr val="bg1">
+                  <a:lumMod val="50196"/>
+                </a:schemeClr>
+              </a:solidFill>
+              <a:prstDash val="solid"/>
+              <a:miter lim="800000"/>
+            </a:ln>
+          </p:spPr>
+          <p:style>
+            <a:lnRef idx="1">
+              <a:schemeClr val="accent1">
+                <a:shade val="50000"/>
+              </a:schemeClr>
+            </a:lnRef>
+            <a:fillRef idx="0">
+              <a:schemeClr val="accent1"/>
+            </a:fillRef>
+            <a:effectRef idx="0">
+              <a:schemeClr val="accent1"/>
+            </a:effectRef>
+            <a:fontRef idx="minor">
+              <a:schemeClr val="tx1"/>
+            </a:fontRef>
+          </p:style>
+        </p:cxnSp>
+        <p:cxnSp>
+          <p:nvCxnSpPr>
+            <p:cNvPr id="839618317" name=""/>
+            <p:cNvCxnSpPr>
+              <a:cxnSpLocks/>
+            </p:cNvCxnSpPr>
+            <p:nvPr/>
+          </p:nvCxnSpPr>
+          <p:spPr bwMode="auto">
+            <a:xfrm rot="16199969" flipH="0" flipV="1">
+              <a:off x="450834" y="979301"/>
+              <a:ext cx="1958603" cy="0"/>
+            </a:xfrm>
+            <a:prstGeom prst="line">
+              <a:avLst/>
+            </a:prstGeom>
+            <a:ln w="19049" cap="flat" cmpd="sng" algn="ctr">
+              <a:solidFill>
+                <a:schemeClr val="bg1">
+                  <a:lumMod val="50196"/>
+                </a:schemeClr>
+              </a:solidFill>
+              <a:prstDash val="solid"/>
+              <a:miter lim="800000"/>
+              <a:tailEnd type="triangle" w="lg" len="lg"/>
+            </a:ln>
+          </p:spPr>
+          <p:style>
+            <a:lnRef idx="1">
+              <a:schemeClr val="accent1">
+                <a:shade val="50000"/>
+              </a:schemeClr>
+            </a:lnRef>
+            <a:fillRef idx="0">
+              <a:schemeClr val="accent1"/>
+            </a:fillRef>
+            <a:effectRef idx="0">
+              <a:schemeClr val="accent1"/>
+            </a:effectRef>
+            <a:fontRef idx="minor">
+              <a:schemeClr val="tx1"/>
+            </a:fontRef>
+          </p:style>
+        </p:cxnSp>
+        <p:sp>
+          <p:nvSpPr>
+            <p:cNvPr id="280216771" name=""/>
+            <p:cNvSpPr txBox="1"/>
+            <p:nvPr/>
+          </p:nvSpPr>
+          <p:spPr bwMode="auto">
+            <a:xfrm flipH="0" flipV="0">
+              <a:off x="29671" y="180043"/>
+              <a:ext cx="1497208" cy="381699"/>
+            </a:xfrm>
+            <a:prstGeom prst="rect">
+              <a:avLst/>
+            </a:prstGeom>
+            <a:noFill/>
+          </p:spPr>
+          <p:txBody>
+            <a:bodyPr vertOverflow="overflow" horzOverflow="overflow" vert="horz" wrap="square" lIns="91440" tIns="45720" rIns="91440" bIns="45720" numCol="1" spcCol="0" rtlCol="0" fromWordArt="0" anchor="t" anchorCtr="0" forceAA="0" upright="0" compatLnSpc="0">
+              <a:spAutoFit/>
+            </a:bodyPr>
+            <a:p>
+              <a:pPr>
+                <a:defRPr/>
+              </a:pPr>
+              <a:r>
+                <a:rPr/>
+                <a:t>Nachfrage </a:t>
+              </a:r>
+              <mc:AlternateContent xmlns:mc="http://schemas.openxmlformats.org/markup-compatibility/2006" xmlns:m="http://schemas.openxmlformats.org/officeDocument/2006/math">
+                <mc:Choice xmlns:a14="http://schemas.microsoft.com/office/drawing/2010/main" Requires="a14">
+                  <a14:m>
+                    <m:oMathPara>
+                      <m:oMathParaPr/>
+                      <m:oMath>
+                        <m:sSub>
+                          <m:sSubPr>
+                            <m:ctrlPr>
+                              <a:rPr/>
+                            </m:ctrlPr>
+                          </m:sSubPr>
+                          <m:e>
+                            <m:r>
+                              <m:rPr/>
+                              <a:rPr>
+                                <a:latin typeface="Cambria Math"/>
+                                <a:ea typeface="Cambria Math"/>
+                                <a:cs typeface="Cambria Math"/>
+                              </a:rPr>
+                              <m:t>e</m:t>
+                            </m:r>
+                          </m:e>
+                          <m:sub>
+                            <m:r>
+                              <m:rPr/>
+                              <a:rPr>
+                                <a:latin typeface="Cambria Math"/>
+                                <a:ea typeface="Cambria Math"/>
+                                <a:cs typeface="Cambria Math"/>
+                              </a:rPr>
+                              <m:t>t</m:t>
+                            </m:r>
+                          </m:sub>
+                        </m:sSub>
+                      </m:oMath>
+                    </m:oMathPara>
+                  </a14:m>
+                </mc:Choice>
+                <mc:Fallback/>
+              </mc:AlternateContent>
+              <a:endParaRPr/>
+            </a:p>
+          </p:txBody>
+        </p:sp>
+        <p:sp>
+          <p:nvSpPr>
+            <p:cNvPr id="1625641201" name=""/>
+            <p:cNvSpPr/>
+            <p:nvPr/>
+          </p:nvSpPr>
+          <p:spPr bwMode="auto">
+            <a:xfrm>
+              <a:off x="1646955" y="15874"/>
+              <a:ext cx="8010524" cy="1552574"/>
+            </a:xfrm>
+            <a:custGeom>
+              <a:avLst/>
+              <a:gdLst/>
+              <a:ahLst/>
+              <a:cxnLst/>
+              <a:rect l="l" t="t" r="r" b="b"/>
+              <a:pathLst>
+                <a:path w="43200" h="43200" fill="none" stroke="1" extrusionOk="0">
+                  <a:moveTo>
+                    <a:pt x="0" y="39754"/>
+                  </a:moveTo>
+                  <a:cubicBezTo>
+                    <a:pt x="154" y="38959"/>
+                    <a:pt x="308" y="38164"/>
+                    <a:pt x="513" y="37369"/>
+                  </a:cubicBezTo>
+                  <a:cubicBezTo>
+                    <a:pt x="667" y="36574"/>
+                    <a:pt x="873" y="35779"/>
+                    <a:pt x="1078" y="34984"/>
+                  </a:cubicBezTo>
+                  <a:cubicBezTo>
+                    <a:pt x="1284" y="34188"/>
+                    <a:pt x="1489" y="33923"/>
+                    <a:pt x="1746" y="33923"/>
+                  </a:cubicBezTo>
+                  <a:cubicBezTo>
+                    <a:pt x="2003" y="34188"/>
+                    <a:pt x="2260" y="34719"/>
+                    <a:pt x="2465" y="35249"/>
+                  </a:cubicBezTo>
+                  <a:cubicBezTo>
+                    <a:pt x="2671" y="35779"/>
+                    <a:pt x="2876" y="36574"/>
+                    <a:pt x="3082" y="37104"/>
+                  </a:cubicBezTo>
+                  <a:cubicBezTo>
+                    <a:pt x="3287" y="37899"/>
+                    <a:pt x="3492" y="38694"/>
+                    <a:pt x="3749" y="39489"/>
+                  </a:cubicBezTo>
+                  <a:cubicBezTo>
+                    <a:pt x="4006" y="40019"/>
+                    <a:pt x="4212" y="40284"/>
+                    <a:pt x="4520" y="40019"/>
+                  </a:cubicBezTo>
+                  <a:cubicBezTo>
+                    <a:pt x="4777" y="39489"/>
+                    <a:pt x="5085" y="38694"/>
+                    <a:pt x="5444" y="37899"/>
+                  </a:cubicBezTo>
+                  <a:cubicBezTo>
+                    <a:pt x="5701" y="37104"/>
+                    <a:pt x="5958" y="36309"/>
+                    <a:pt x="6164" y="35249"/>
+                  </a:cubicBezTo>
+                  <a:cubicBezTo>
+                    <a:pt x="6369" y="34719"/>
+                    <a:pt x="6575" y="33658"/>
+                    <a:pt x="6780" y="33128"/>
+                  </a:cubicBezTo>
+                  <a:cubicBezTo>
+                    <a:pt x="6985" y="33393"/>
+                    <a:pt x="7140" y="34188"/>
+                    <a:pt x="7345" y="34453"/>
+                  </a:cubicBezTo>
+                  <a:cubicBezTo>
+                    <a:pt x="7551" y="34719"/>
+                    <a:pt x="7807" y="33658"/>
+                    <a:pt x="7961" y="32863"/>
+                  </a:cubicBezTo>
+                  <a:cubicBezTo>
+                    <a:pt x="8270" y="31538"/>
+                    <a:pt x="8424" y="30213"/>
+                    <a:pt x="8629" y="28888"/>
+                  </a:cubicBezTo>
+                  <a:cubicBezTo>
+                    <a:pt x="8835" y="27563"/>
+                    <a:pt x="8937" y="26238"/>
+                    <a:pt x="9092" y="24912"/>
+                  </a:cubicBezTo>
+                  <a:cubicBezTo>
+                    <a:pt x="9194" y="23852"/>
+                    <a:pt x="9246" y="22527"/>
+                    <a:pt x="9246" y="21202"/>
+                  </a:cubicBezTo>
+                  <a:cubicBezTo>
+                    <a:pt x="9297" y="20142"/>
+                    <a:pt x="9297" y="18817"/>
+                    <a:pt x="9297" y="17492"/>
+                  </a:cubicBezTo>
+                  <a:cubicBezTo>
+                    <a:pt x="9348" y="16166"/>
+                    <a:pt x="9451" y="15106"/>
+                    <a:pt x="9554" y="14046"/>
+                  </a:cubicBezTo>
+                  <a:cubicBezTo>
+                    <a:pt x="9708" y="13251"/>
+                    <a:pt x="9862" y="12456"/>
+                    <a:pt x="10068" y="11926"/>
+                  </a:cubicBezTo>
+                  <a:cubicBezTo>
+                    <a:pt x="10324" y="12456"/>
+                    <a:pt x="10530" y="12721"/>
+                    <a:pt x="10787" y="13251"/>
+                  </a:cubicBezTo>
+                  <a:cubicBezTo>
+                    <a:pt x="10992" y="13781"/>
+                    <a:pt x="11198" y="14311"/>
+                    <a:pt x="11403" y="15636"/>
+                  </a:cubicBezTo>
+                  <a:cubicBezTo>
+                    <a:pt x="11557" y="16431"/>
+                    <a:pt x="11711" y="17757"/>
+                    <a:pt x="11814" y="19082"/>
+                  </a:cubicBezTo>
+                  <a:cubicBezTo>
+                    <a:pt x="11917" y="20142"/>
+                    <a:pt x="12071" y="20937"/>
+                    <a:pt x="12276" y="20937"/>
+                  </a:cubicBezTo>
+                  <a:cubicBezTo>
+                    <a:pt x="12482" y="20142"/>
+                    <a:pt x="12739" y="19612"/>
+                    <a:pt x="12944" y="19082"/>
+                  </a:cubicBezTo>
+                  <a:cubicBezTo>
+                    <a:pt x="13150" y="18552"/>
+                    <a:pt x="13355" y="17757"/>
+                    <a:pt x="13560" y="16961"/>
+                  </a:cubicBezTo>
+                  <a:cubicBezTo>
+                    <a:pt x="13766" y="15901"/>
+                    <a:pt x="13971" y="14576"/>
+                    <a:pt x="14177" y="13516"/>
+                  </a:cubicBezTo>
+                  <a:cubicBezTo>
+                    <a:pt x="14382" y="12191"/>
+                    <a:pt x="14536" y="11131"/>
+                    <a:pt x="14691" y="10071"/>
+                  </a:cubicBezTo>
+                  <a:cubicBezTo>
+                    <a:pt x="14845" y="9011"/>
+                    <a:pt x="14999" y="7950"/>
+                    <a:pt x="15204" y="7155"/>
+                  </a:cubicBezTo>
+                  <a:cubicBezTo>
+                    <a:pt x="15358" y="6095"/>
+                    <a:pt x="15564" y="5300"/>
+                    <a:pt x="15769" y="4505"/>
+                  </a:cubicBezTo>
+                  <a:cubicBezTo>
+                    <a:pt x="15923" y="3710"/>
+                    <a:pt x="16180" y="2915"/>
+                    <a:pt x="16334" y="2120"/>
+                  </a:cubicBezTo>
+                  <a:cubicBezTo>
+                    <a:pt x="16591" y="1060"/>
+                    <a:pt x="16848" y="265"/>
+                    <a:pt x="17053" y="0"/>
+                  </a:cubicBezTo>
+                  <a:cubicBezTo>
+                    <a:pt x="17259" y="795"/>
+                    <a:pt x="17464" y="1325"/>
+                    <a:pt x="17721" y="2650"/>
+                  </a:cubicBezTo>
+                  <a:cubicBezTo>
+                    <a:pt x="17978" y="3975"/>
+                    <a:pt x="18286" y="5300"/>
+                    <a:pt x="18492" y="6625"/>
+                  </a:cubicBezTo>
+                  <a:cubicBezTo>
+                    <a:pt x="18646" y="7685"/>
+                    <a:pt x="18800" y="9011"/>
+                    <a:pt x="19005" y="10336"/>
+                  </a:cubicBezTo>
+                  <a:cubicBezTo>
+                    <a:pt x="19160" y="11661"/>
+                    <a:pt x="19314" y="12456"/>
+                    <a:pt x="19519" y="12721"/>
+                  </a:cubicBezTo>
+                  <a:cubicBezTo>
+                    <a:pt x="19725" y="12456"/>
+                    <a:pt x="19981" y="12191"/>
+                    <a:pt x="20187" y="11661"/>
+                  </a:cubicBezTo>
+                  <a:cubicBezTo>
+                    <a:pt x="20392" y="11396"/>
+                    <a:pt x="20649" y="11131"/>
+                    <a:pt x="20855" y="10866"/>
+                  </a:cubicBezTo>
+                  <a:cubicBezTo>
+                    <a:pt x="21060" y="10601"/>
+                    <a:pt x="21317" y="10336"/>
+                    <a:pt x="21574" y="9806"/>
+                  </a:cubicBezTo>
+                  <a:cubicBezTo>
+                    <a:pt x="21831" y="9541"/>
+                    <a:pt x="22087" y="9276"/>
+                    <a:pt x="22293" y="10071"/>
+                  </a:cubicBezTo>
+                  <a:cubicBezTo>
+                    <a:pt x="22498" y="11396"/>
+                    <a:pt x="22601" y="12456"/>
+                    <a:pt x="22755" y="13516"/>
+                  </a:cubicBezTo>
+                  <a:cubicBezTo>
+                    <a:pt x="22909" y="14576"/>
+                    <a:pt x="23012" y="15636"/>
+                    <a:pt x="23166" y="16696"/>
+                  </a:cubicBezTo>
+                  <a:cubicBezTo>
+                    <a:pt x="23269" y="18022"/>
+                    <a:pt x="23372" y="19347"/>
+                    <a:pt x="23526" y="20672"/>
+                  </a:cubicBezTo>
+                  <a:cubicBezTo>
+                    <a:pt x="23629" y="21732"/>
+                    <a:pt x="23783" y="22527"/>
+                    <a:pt x="23937" y="23322"/>
+                  </a:cubicBezTo>
+                  <a:cubicBezTo>
+                    <a:pt x="24194" y="22792"/>
+                    <a:pt x="24450" y="21997"/>
+                    <a:pt x="24810" y="21202"/>
+                  </a:cubicBezTo>
+                  <a:cubicBezTo>
+                    <a:pt x="25067" y="20407"/>
+                    <a:pt x="25324" y="19612"/>
+                    <a:pt x="25529" y="18817"/>
+                  </a:cubicBezTo>
+                  <a:cubicBezTo>
+                    <a:pt x="25837" y="18022"/>
+                    <a:pt x="26043" y="17226"/>
+                    <a:pt x="26300" y="16431"/>
+                  </a:cubicBezTo>
+                  <a:cubicBezTo>
+                    <a:pt x="26505" y="15901"/>
+                    <a:pt x="26711" y="15106"/>
+                    <a:pt x="26916" y="14576"/>
+                  </a:cubicBezTo>
+                  <a:cubicBezTo>
+                    <a:pt x="27121" y="13781"/>
+                    <a:pt x="27327" y="13516"/>
+                    <a:pt x="27532" y="13781"/>
+                  </a:cubicBezTo>
+                  <a:cubicBezTo>
+                    <a:pt x="27687" y="14841"/>
+                    <a:pt x="27892" y="15901"/>
+                    <a:pt x="28097" y="17226"/>
+                  </a:cubicBezTo>
+                  <a:cubicBezTo>
+                    <a:pt x="28252" y="18022"/>
+                    <a:pt x="28406" y="18817"/>
+                    <a:pt x="28560" y="19877"/>
+                  </a:cubicBezTo>
+                  <a:cubicBezTo>
+                    <a:pt x="28714" y="20672"/>
+                    <a:pt x="28919" y="21997"/>
+                    <a:pt x="29125" y="22527"/>
+                  </a:cubicBezTo>
+                  <a:cubicBezTo>
+                    <a:pt x="29330" y="23322"/>
+                    <a:pt x="29536" y="23852"/>
+                    <a:pt x="29741" y="24382"/>
+                  </a:cubicBezTo>
+                  <a:cubicBezTo>
+                    <a:pt x="29947" y="24382"/>
+                    <a:pt x="30204" y="24117"/>
+                    <a:pt x="30460" y="23587"/>
+                  </a:cubicBezTo>
+                  <a:cubicBezTo>
+                    <a:pt x="30666" y="23322"/>
+                    <a:pt x="30871" y="22792"/>
+                    <a:pt x="31128" y="21997"/>
+                  </a:cubicBezTo>
+                  <a:cubicBezTo>
+                    <a:pt x="31488" y="21202"/>
+                    <a:pt x="31796" y="20407"/>
+                    <a:pt x="32001" y="19347"/>
+                  </a:cubicBezTo>
+                  <a:cubicBezTo>
+                    <a:pt x="32207" y="18552"/>
+                    <a:pt x="32361" y="17492"/>
+                    <a:pt x="32566" y="16961"/>
+                  </a:cubicBezTo>
+                  <a:cubicBezTo>
+                    <a:pt x="32823" y="16696"/>
+                    <a:pt x="33029" y="16696"/>
+                    <a:pt x="33286" y="17226"/>
+                  </a:cubicBezTo>
+                  <a:cubicBezTo>
+                    <a:pt x="33440" y="18022"/>
+                    <a:pt x="33645" y="19082"/>
+                    <a:pt x="33748" y="20142"/>
+                  </a:cubicBezTo>
+                  <a:cubicBezTo>
+                    <a:pt x="33851" y="21202"/>
+                    <a:pt x="33851" y="22262"/>
+                    <a:pt x="33902" y="23587"/>
+                  </a:cubicBezTo>
+                  <a:cubicBezTo>
+                    <a:pt x="33953" y="25177"/>
+                    <a:pt x="33953" y="26238"/>
+                    <a:pt x="33953" y="28093"/>
+                  </a:cubicBezTo>
+                  <a:cubicBezTo>
+                    <a:pt x="33953" y="29418"/>
+                    <a:pt x="33953" y="30743"/>
+                    <a:pt x="33953" y="32333"/>
+                  </a:cubicBezTo>
+                  <a:cubicBezTo>
+                    <a:pt x="34005" y="33658"/>
+                    <a:pt x="34005" y="34719"/>
+                    <a:pt x="34056" y="35779"/>
+                  </a:cubicBezTo>
+                  <a:cubicBezTo>
+                    <a:pt x="34056" y="36839"/>
+                    <a:pt x="34262" y="37104"/>
+                    <a:pt x="34518" y="37104"/>
+                  </a:cubicBezTo>
+                  <a:cubicBezTo>
+                    <a:pt x="34724" y="37104"/>
+                    <a:pt x="34981" y="36839"/>
+                    <a:pt x="35186" y="36574"/>
+                  </a:cubicBezTo>
+                  <a:cubicBezTo>
+                    <a:pt x="35392" y="36044"/>
+                    <a:pt x="35648" y="35249"/>
+                    <a:pt x="35854" y="34719"/>
+                  </a:cubicBezTo>
+                  <a:cubicBezTo>
+                    <a:pt x="36059" y="34188"/>
+                    <a:pt x="36265" y="34188"/>
+                    <a:pt x="36470" y="34188"/>
+                  </a:cubicBezTo>
+                  <a:cubicBezTo>
+                    <a:pt x="36727" y="34719"/>
+                    <a:pt x="36933" y="35514"/>
+                    <a:pt x="37138" y="36044"/>
+                  </a:cubicBezTo>
+                  <a:cubicBezTo>
+                    <a:pt x="37344" y="36839"/>
+                    <a:pt x="37498" y="37634"/>
+                    <a:pt x="37652" y="38429"/>
+                  </a:cubicBezTo>
+                  <a:cubicBezTo>
+                    <a:pt x="37857" y="39224"/>
+                    <a:pt x="38011" y="40019"/>
+                    <a:pt x="38217" y="40814"/>
+                  </a:cubicBezTo>
+                  <a:cubicBezTo>
+                    <a:pt x="38422" y="41344"/>
+                    <a:pt x="38628" y="41609"/>
+                    <a:pt x="38833" y="41609"/>
+                  </a:cubicBezTo>
+                  <a:cubicBezTo>
+                    <a:pt x="39039" y="41609"/>
+                    <a:pt x="39244" y="41344"/>
+                    <a:pt x="39501" y="41079"/>
+                  </a:cubicBezTo>
+                  <a:cubicBezTo>
+                    <a:pt x="39758" y="40814"/>
+                    <a:pt x="39963" y="40814"/>
+                    <a:pt x="40169" y="40549"/>
+                  </a:cubicBezTo>
+                  <a:cubicBezTo>
+                    <a:pt x="40374" y="40549"/>
+                    <a:pt x="40580" y="40814"/>
+                    <a:pt x="40734" y="41609"/>
+                  </a:cubicBezTo>
+                  <a:cubicBezTo>
+                    <a:pt x="40939" y="41874"/>
+                    <a:pt x="41093" y="42669"/>
+                    <a:pt x="41299" y="42669"/>
+                  </a:cubicBezTo>
+                  <a:cubicBezTo>
+                    <a:pt x="41556" y="42669"/>
+                    <a:pt x="41761" y="42669"/>
+                    <a:pt x="41967" y="42669"/>
+                  </a:cubicBezTo>
+                  <a:cubicBezTo>
+                    <a:pt x="42172" y="42669"/>
+                    <a:pt x="42378" y="42669"/>
+                    <a:pt x="42583" y="42934"/>
+                  </a:cubicBezTo>
+                  <a:cubicBezTo>
+                    <a:pt x="42789" y="42934"/>
+                    <a:pt x="42994" y="43200"/>
+                    <a:pt x="43200" y="43200"/>
+                  </a:cubicBezTo>
+                </a:path>
+              </a:pathLst>
+            </a:custGeom>
+            <a:noFill/>
+            <a:ln w="36000">
+              <a:solidFill>
+                <a:srgbClr val="552F8B">
+                  <a:alpha val="99999"/>
+                </a:srgbClr>
+              </a:solidFill>
+              <a:prstDash val="solid"/>
+            </a:ln>
+          </p:spPr>
+          <p:style>
+            <a:lnRef idx="2">
+              <a:schemeClr val="accent1">
+                <a:shade val="50000"/>
+              </a:schemeClr>
+            </a:lnRef>
+            <a:fillRef idx="1">
+              <a:schemeClr val="accent1"/>
+            </a:fillRef>
+            <a:effectRef idx="0">
+              <a:schemeClr val="accent1"/>
+            </a:effectRef>
+            <a:fontRef idx="minor">
+              <a:schemeClr val="lt1"/>
+            </a:fontRef>
+          </p:style>
+        </p:sp>
+      </p:grpSp>
     </p:spTree>
   </p:cSld>
   <p:clrMapOvr>
@@ -31421,7 +32758,7 @@
         </p:nvPicPr>
         <p:blipFill>
           <a:blip r:embed="rId4"/>
-          <a:srcRect l="5737" t="14616" r="20284" b="9427"/>
+          <a:srcRect l="5737" t="14616" r="20283" b="9426"/>
           <a:stretch/>
         </p:blipFill>
         <p:spPr bwMode="auto">
@@ -31690,7 +33027,7 @@
           <p:nvPr/>
         </p:nvSpPr>
         <p:spPr bwMode="auto">
-          <a:xfrm rot="19356536">
+          <a:xfrm rot="19356535">
             <a:off x="4838028" y="648015"/>
             <a:ext cx="2236204" cy="2770159"/>
           </a:xfrm>

--- a/sketches.pptx
+++ b/sketches.pptx
@@ -5,7 +5,7 @@
     <p:sldMasterId id="2147483648" r:id="rId1"/>
   </p:sldMasterIdLst>
   <p:notesMasterIdLst>
-    <p:notesMasterId r:id="rId26"/>
+    <p:notesMasterId r:id="rId27"/>
   </p:notesMasterIdLst>
   <p:sldIdLst>
     <p:sldId id="256" r:id="rId4"/>
@@ -30,6 +30,7 @@
     <p:sldId id="275" r:id="rId23"/>
     <p:sldId id="276" r:id="rId24"/>
     <p:sldId id="277" r:id="rId25"/>
+    <p:sldId id="278" r:id="rId26"/>
   </p:sldIdLst>
   <p:sldSz cx="12192000" cy="6858000"/>
   <p:notesSz cx="6858000" cy="9144000"/>
@@ -1594,6 +1595,88 @@
       </p:grpSpPr>
       <p:sp>
         <p:nvSpPr>
+          <p:cNvPr id="1576579525" name="Slide Image Placeholder 1"/>
+          <p:cNvSpPr>
+            <a:spLocks noChangeAspect="1" noGrp="1" noRot="1"/>
+          </p:cNvSpPr>
+          <p:nvPr>
+            <p:ph type="sldImg"/>
+          </p:nvPr>
+        </p:nvSpPr>
+        <p:spPr bwMode="auto"/>
+      </p:sp>
+      <p:sp>
+        <p:nvSpPr>
+          <p:cNvPr id="1634220174" name="Notes Placeholder 2"/>
+          <p:cNvSpPr>
+            <a:spLocks noGrp="1"/>
+          </p:cNvSpPr>
+          <p:nvPr>
+            <p:ph type="body" idx="1"/>
+          </p:nvPr>
+        </p:nvSpPr>
+        <p:spPr bwMode="auto"/>
+        <p:txBody>
+          <a:bodyPr/>
+          <a:lstStyle/>
+          <a:p>
+            <a:pPr>
+              <a:defRPr/>
+            </a:pPr>
+            <a:endParaRPr/>
+          </a:p>
+        </p:txBody>
+      </p:sp>
+      <p:sp>
+        <p:nvSpPr>
+          <p:cNvPr id="1611778775" name="Slide Number Placeholder 3"/>
+          <p:cNvSpPr>
+            <a:spLocks noGrp="1"/>
+          </p:cNvSpPr>
+          <p:nvPr>
+            <p:ph type="sldNum" sz="quarter" idx="10"/>
+          </p:nvPr>
+        </p:nvSpPr>
+        <p:spPr bwMode="auto"/>
+        <p:txBody>
+          <a:bodyPr/>
+          <a:lstStyle/>
+          <a:p>
+            <a:pPr>
+              <a:defRPr/>
+            </a:pPr>
+            <a:fld id="{7CF13365-9983-6915-F31E-BD3782F36EF7}" type="slidenum">
+              <a:rPr/>
+              <a:t/>
+            </a:fld>
+            <a:endParaRPr/>
+          </a:p>
+        </p:txBody>
+      </p:sp>
+    </p:spTree>
+  </p:cSld>
+</p:notes>
+</file>
+
+<file path=ppt/notesSlides/notesSlide22.xml><?xml version="1.0" encoding="utf-8"?>
+<p:notes xmlns:a="http://schemas.openxmlformats.org/drawingml/2006/main" xmlns:r="http://schemas.openxmlformats.org/officeDocument/2006/relationships" xmlns:p="http://schemas.openxmlformats.org/presentationml/2006/main" xmlns:m="http://schemas.openxmlformats.org/officeDocument/2006/math" xmlns:w="http://schemas.openxmlformats.org/wordprocessingml/2006/main">
+  <p:cSld name="">
+    <p:spTree>
+      <p:nvGrpSpPr>
+        <p:cNvPr id="1" name=""/>
+        <p:cNvGrpSpPr/>
+        <p:nvPr/>
+      </p:nvGrpSpPr>
+      <p:grpSpPr bwMode="auto">
+        <a:xfrm>
+          <a:off x="0" y="0"/>
+          <a:ext cx="0" cy="0"/>
+          <a:chOff x="0" y="0"/>
+          <a:chExt cx="0" cy="0"/>
+        </a:xfrm>
+      </p:grpSpPr>
+      <p:sp>
+        <p:nvSpPr>
           <p:cNvPr id="90975969" name="Slide Image Placeholder 1"/>
           <p:cNvSpPr>
             <a:spLocks noChangeAspect="1" noGrp="1" noRot="1"/>
@@ -1657,7 +1740,7 @@
 </p:notes>
 </file>
 
-<file path=ppt/notesSlides/notesSlide22.xml><?xml version="1.0" encoding="utf-8"?>
+<file path=ppt/notesSlides/notesSlide23.xml><?xml version="1.0" encoding="utf-8"?>
 <p:notes xmlns:a="http://schemas.openxmlformats.org/drawingml/2006/main" xmlns:r="http://schemas.openxmlformats.org/officeDocument/2006/relationships" xmlns:p="http://schemas.openxmlformats.org/presentationml/2006/main" xmlns:m="http://schemas.openxmlformats.org/officeDocument/2006/math" xmlns:w="http://schemas.openxmlformats.org/wordprocessingml/2006/main">
   <p:cSld name="">
     <p:spTree>
@@ -15816,7 +15899,7 @@
             </p:nvCxnSpPr>
             <p:spPr bwMode="auto">
               <a:xfrm>
-                <a:off x="5848603" y="3361638"/>
+                <a:off x="5848602" y="3361638"/>
                 <a:ext cx="2431526" cy="0"/>
               </a:xfrm>
               <a:prstGeom prst="straightConnector1">
@@ -15903,7 +15986,7 @@
             </p:blipFill>
             <p:spPr bwMode="auto">
               <a:xfrm>
-                <a:off x="7389227" y="685316"/>
+                <a:off x="7389226" y="685316"/>
                 <a:ext cx="3229610" cy="1635500"/>
               </a:xfrm>
               <a:prstGeom prst="rect">
@@ -26955,6 +27038,1783 @@
       </p:grpSpPr>
       <p:grpSp>
         <p:nvGrpSpPr>
+          <p:cNvPr id="1356470604" name=""/>
+          <p:cNvGrpSpPr/>
+          <p:nvPr/>
+        </p:nvGrpSpPr>
+        <p:grpSpPr bwMode="auto">
+          <a:xfrm>
+            <a:off x="1119158" y="2041927"/>
+            <a:ext cx="8900791" cy="2387467"/>
+            <a:chOff x="0" y="0"/>
+            <a:chExt cx="8900791" cy="2387467"/>
+          </a:xfrm>
+        </p:grpSpPr>
+        <p:sp>
+          <p:nvSpPr>
+            <p:cNvPr id="407841976" name="Oval 3"/>
+            <p:cNvSpPr/>
+            <p:nvPr/>
+          </p:nvSpPr>
+          <p:spPr bwMode="auto">
+            <a:xfrm rot="0" flipH="0" flipV="0">
+              <a:off x="6764297" y="1447800"/>
+              <a:ext cx="939665" cy="939665"/>
+            </a:xfrm>
+            <a:prstGeom prst="ellipse">
+              <a:avLst/>
+            </a:prstGeom>
+            <a:ln>
+              <a:tailEnd w="lg" len="lg"/>
+            </a:ln>
+          </p:spPr>
+          <p:style>
+            <a:lnRef idx="2">
+              <a:schemeClr val="accent1">
+                <a:shade val="15000"/>
+              </a:schemeClr>
+            </a:lnRef>
+            <a:fillRef idx="1">
+              <a:schemeClr val="accent1"/>
+            </a:fillRef>
+            <a:effectRef idx="0">
+              <a:schemeClr val="accent1"/>
+            </a:effectRef>
+            <a:fontRef idx="minor">
+              <a:schemeClr val="lt1"/>
+            </a:fontRef>
+          </p:style>
+          <p:txBody>
+            <a:bodyPr vertOverflow="overflow" horzOverflow="overflow" vert="horz" wrap="square" lIns="0" tIns="43200" rIns="0" bIns="45720" numCol="1" spcCol="0" rtlCol="0" fromWordArt="0" anchor="ctr" anchorCtr="0" forceAA="0" upright="0" compatLnSpc="0"/>
+            <a:lstStyle/>
+            <a:p>
+              <a:pPr algn="ctr">
+                <a:defRPr/>
+              </a:pPr>
+              <mc:AlternateContent xmlns:mc="http://schemas.openxmlformats.org/markup-compatibility/2006" xmlns:m="http://schemas.openxmlformats.org/officeDocument/2006/math">
+                <mc:Choice xmlns:a14="http://schemas.microsoft.com/office/drawing/2010/main" Requires="a14">
+                  <a14:m>
+                    <m:oMathPara>
+                      <m:oMathParaPr/>
+                      <m:oMath>
+                        <m:sSup>
+                          <m:sSupPr>
+                            <m:ctrlPr>
+                              <a:rPr/>
+                            </m:ctrlPr>
+                          </m:sSupPr>
+                          <m:e>
+                            <m:r>
+                              <m:rPr/>
+                              <a:rPr>
+                                <a:latin typeface="Cambria Math"/>
+                                <a:ea typeface="Cambria Math"/>
+                                <a:cs typeface="Cambria Math"/>
+                              </a:rPr>
+                              <m:t>x</m:t>
+                            </m:r>
+                          </m:e>
+                          <m:sup>
+                            <m:r>
+                              <m:rPr/>
+                              <a:rPr>
+                                <a:latin typeface="Cambria Math"/>
+                                <a:ea typeface="Cambria Math"/>
+                                <a:cs typeface="Cambria Math"/>
+                              </a:rPr>
+                              <m:t>16</m:t>
+                            </m:r>
+                          </m:sup>
+                        </m:sSup>
+                      </m:oMath>
+                    </m:oMathPara>
+                  </a14:m>
+                </mc:Choice>
+                <mc:Fallback/>
+              </mc:AlternateContent>
+              <a:endParaRPr sz="1800">
+                <a:latin typeface="Cambria Math"/>
+                <a:ea typeface="Cambria Math"/>
+                <a:cs typeface="Cambria Math"/>
+              </a:endParaRPr>
+            </a:p>
+          </p:txBody>
+        </p:sp>
+        <p:sp>
+          <p:nvSpPr>
+            <p:cNvPr id="1373823543" name="Oval 3"/>
+            <p:cNvSpPr/>
+            <p:nvPr/>
+          </p:nvSpPr>
+          <p:spPr bwMode="auto">
+            <a:xfrm rot="0" flipH="0" flipV="0">
+              <a:off x="0" y="730317"/>
+              <a:ext cx="939665" cy="939665"/>
+            </a:xfrm>
+            <a:prstGeom prst="ellipse">
+              <a:avLst/>
+            </a:prstGeom>
+            <a:ln>
+              <a:tailEnd w="lg" len="lg"/>
+            </a:ln>
+          </p:spPr>
+          <p:style>
+            <a:lnRef idx="2">
+              <a:schemeClr val="accent1">
+                <a:shade val="15000"/>
+              </a:schemeClr>
+            </a:lnRef>
+            <a:fillRef idx="1">
+              <a:schemeClr val="accent1"/>
+            </a:fillRef>
+            <a:effectRef idx="0">
+              <a:schemeClr val="accent1"/>
+            </a:effectRef>
+            <a:fontRef idx="minor">
+              <a:schemeClr val="lt1"/>
+            </a:fontRef>
+          </p:style>
+          <p:txBody>
+            <a:bodyPr rtlCol="0" anchor="ctr"/>
+            <a:lstStyle/>
+            <a:p>
+              <a:pPr algn="ctr">
+                <a:defRPr/>
+              </a:pPr>
+              <mc:AlternateContent xmlns:mc="http://schemas.openxmlformats.org/markup-compatibility/2006" xmlns:m="http://schemas.openxmlformats.org/officeDocument/2006/math">
+                <mc:Choice xmlns:a14="http://schemas.microsoft.com/office/drawing/2010/main" Requires="a14">
+                  <a14:m>
+                    <m:oMathPara>
+                      <m:oMathParaPr/>
+                      <m:oMath>
+                        <m:r>
+                          <m:rPr>
+                            <m:sty m:val="i"/>
+                          </m:rPr>
+                          <a:rPr lang="de-DE" sz="1800" u="none" strike="noStrike" cap="none" spc="0">
+                            <a:solidFill>
+                              <a:schemeClr val="lt1"/>
+                            </a:solidFill>
+                            <a:latin typeface="Cambria Math"/>
+                            <a:ea typeface="Cambria Math"/>
+                            <a:cs typeface="Cambria Math"/>
+                          </a:rPr>
+                          <m:t>x</m:t>
+                        </m:r>
+                      </m:oMath>
+                    </m:oMathPara>
+                  </a14:m>
+                </mc:Choice>
+                <mc:Fallback/>
+              </mc:AlternateContent>
+              <a:endParaRPr sz="1800"/>
+            </a:p>
+          </p:txBody>
+        </p:sp>
+        <p:cxnSp>
+          <p:nvCxnSpPr>
+            <p:cNvPr id="1564494645" name="Straight Arrow Connector 8"/>
+            <p:cNvCxnSpPr>
+              <a:cxnSpLocks/>
+              <a:stCxn id="1373823543" idx="6"/>
+              <a:endCxn id="1223459897" idx="2"/>
+            </p:cNvCxnSpPr>
+            <p:nvPr/>
+          </p:nvCxnSpPr>
+          <p:spPr bwMode="auto">
+            <a:xfrm rot="0" flipH="0" flipV="0">
+              <a:off x="939665" y="1200151"/>
+              <a:ext cx="313308" cy="717482"/>
+            </a:xfrm>
+            <a:prstGeom prst="straightConnector1">
+              <a:avLst/>
+            </a:prstGeom>
+            <a:ln>
+              <a:tailEnd type="triangle" w="lg" len="lg"/>
+            </a:ln>
+          </p:spPr>
+          <p:style>
+            <a:lnRef idx="2">
+              <a:schemeClr val="accent1">
+                <a:shade val="15000"/>
+              </a:schemeClr>
+            </a:lnRef>
+            <a:fillRef idx="1">
+              <a:schemeClr val="accent1"/>
+            </a:fillRef>
+            <a:effectRef idx="0">
+              <a:schemeClr val="accent1"/>
+            </a:effectRef>
+            <a:fontRef idx="minor">
+              <a:schemeClr val="lt1"/>
+            </a:fontRef>
+          </p:style>
+        </p:cxnSp>
+        <p:sp>
+          <p:nvSpPr>
+            <p:cNvPr id="1223459897" name="Oval 3"/>
+            <p:cNvSpPr/>
+            <p:nvPr/>
+          </p:nvSpPr>
+          <p:spPr bwMode="auto">
+            <a:xfrm rot="0" flipH="0" flipV="0">
+              <a:off x="1252974" y="1447800"/>
+              <a:ext cx="939665" cy="939665"/>
+            </a:xfrm>
+            <a:prstGeom prst="ellipse">
+              <a:avLst/>
+            </a:prstGeom>
+            <a:ln>
+              <a:tailEnd w="lg" len="lg"/>
+            </a:ln>
+          </p:spPr>
+          <p:style>
+            <a:lnRef idx="2">
+              <a:schemeClr val="accent1">
+                <a:shade val="15000"/>
+              </a:schemeClr>
+            </a:lnRef>
+            <a:fillRef idx="1">
+              <a:schemeClr val="accent1"/>
+            </a:fillRef>
+            <a:effectRef idx="0">
+              <a:schemeClr val="accent1"/>
+            </a:effectRef>
+            <a:fontRef idx="minor">
+              <a:schemeClr val="lt1"/>
+            </a:fontRef>
+          </p:style>
+          <p:txBody>
+            <a:bodyPr vertOverflow="overflow" horzOverflow="overflow" vert="horz" wrap="square" lIns="0" tIns="43200" rIns="0" bIns="45720" numCol="1" spcCol="0" rtlCol="0" fromWordArt="0" anchor="ctr" anchorCtr="0" forceAA="0" upright="0" compatLnSpc="0"/>
+            <a:lstStyle/>
+            <a:p>
+              <a:pPr algn="ctr">
+                <a:defRPr/>
+              </a:pPr>
+              <mc:AlternateContent xmlns:mc="http://schemas.openxmlformats.org/markup-compatibility/2006" xmlns:m="http://schemas.openxmlformats.org/officeDocument/2006/math">
+                <mc:Choice xmlns:a14="http://schemas.microsoft.com/office/drawing/2010/main" Requires="a14">
+                  <a14:m>
+                    <m:oMathPara>
+                      <m:oMathParaPr/>
+                      <m:oMath>
+                        <m:r>
+                          <m:rPr/>
+                          <a:rPr sz="1800">
+                            <a:latin typeface="Cambria Math"/>
+                            <a:ea typeface="Cambria Math"/>
+                            <a:cs typeface="Cambria Math"/>
+                          </a:rPr>
+                          <m:t>x</m:t>
+                        </m:r>
+                      </m:oMath>
+                    </m:oMathPara>
+                  </a14:m>
+                </mc:Choice>
+                <mc:Fallback/>
+              </mc:AlternateContent>
+              <a:endParaRPr sz="1800"/>
+            </a:p>
+          </p:txBody>
+        </p:sp>
+        <p:sp>
+          <p:nvSpPr>
+            <p:cNvPr id="699482907" name="Oval 3"/>
+            <p:cNvSpPr/>
+            <p:nvPr/>
+          </p:nvSpPr>
+          <p:spPr bwMode="auto">
+            <a:xfrm rot="0" flipH="0" flipV="0">
+              <a:off x="2621453" y="1447800"/>
+              <a:ext cx="939665" cy="939665"/>
+            </a:xfrm>
+            <a:prstGeom prst="ellipse">
+              <a:avLst/>
+            </a:prstGeom>
+            <a:ln>
+              <a:tailEnd w="lg" len="lg"/>
+            </a:ln>
+          </p:spPr>
+          <p:style>
+            <a:lnRef idx="2">
+              <a:schemeClr val="accent1">
+                <a:shade val="15000"/>
+              </a:schemeClr>
+            </a:lnRef>
+            <a:fillRef idx="1">
+              <a:schemeClr val="accent1"/>
+            </a:fillRef>
+            <a:effectRef idx="0">
+              <a:schemeClr val="accent1"/>
+            </a:effectRef>
+            <a:fontRef idx="minor">
+              <a:schemeClr val="lt1"/>
+            </a:fontRef>
+          </p:style>
+          <p:txBody>
+            <a:bodyPr vertOverflow="overflow" horzOverflow="overflow" vert="horz" wrap="square" lIns="0" tIns="43200" rIns="0" bIns="45720" numCol="1" spcCol="0" rtlCol="0" fromWordArt="0" anchor="ctr" anchorCtr="0" forceAA="0" upright="0" compatLnSpc="0"/>
+            <a:lstStyle/>
+            <a:p>
+              <a:pPr algn="ctr">
+                <a:defRPr/>
+              </a:pPr>
+              <mc:AlternateContent xmlns:mc="http://schemas.openxmlformats.org/markup-compatibility/2006" xmlns:m="http://schemas.openxmlformats.org/officeDocument/2006/math">
+                <mc:Choice xmlns:a14="http://schemas.microsoft.com/office/drawing/2010/main" Requires="a14">
+                  <a14:m>
+                    <m:oMathPara>
+                      <m:oMathParaPr/>
+                      <m:oMath>
+                        <m:sSup>
+                          <m:sSupPr>
+                            <m:ctrlPr>
+                              <a:rPr/>
+                            </m:ctrlPr>
+                          </m:sSupPr>
+                          <m:e>
+                            <m:r>
+                              <m:rPr/>
+                              <a:rPr>
+                                <a:latin typeface="Cambria Math"/>
+                                <a:ea typeface="Cambria Math"/>
+                                <a:cs typeface="Cambria Math"/>
+                              </a:rPr>
+                              <m:t>x</m:t>
+                            </m:r>
+                          </m:e>
+                          <m:sup>
+                            <m:r>
+                              <m:rPr/>
+                              <a:rPr>
+                                <a:latin typeface="Cambria Math"/>
+                                <a:ea typeface="Cambria Math"/>
+                                <a:cs typeface="Cambria Math"/>
+                              </a:rPr>
+                              <m:t>2</m:t>
+                            </m:r>
+                          </m:sup>
+                        </m:sSup>
+                      </m:oMath>
+                    </m:oMathPara>
+                  </a14:m>
+                </mc:Choice>
+                <mc:Fallback/>
+              </mc:AlternateContent>
+              <a:endParaRPr sz="1800"/>
+            </a:p>
+          </p:txBody>
+        </p:sp>
+        <p:cxnSp>
+          <p:nvCxnSpPr>
+            <p:cNvPr id="2117335816" name="Straight Arrow Connector 8"/>
+            <p:cNvCxnSpPr>
+              <a:cxnSpLocks/>
+              <a:stCxn id="1223459897" idx="6"/>
+              <a:endCxn id="699482907" idx="2"/>
+            </p:cNvCxnSpPr>
+            <p:nvPr/>
+          </p:nvCxnSpPr>
+          <p:spPr bwMode="auto">
+            <a:xfrm rot="0" flipH="0" flipV="0">
+              <a:off x="2192640" y="1917633"/>
+              <a:ext cx="428812" cy="0"/>
+            </a:xfrm>
+            <a:prstGeom prst="straightConnector1">
+              <a:avLst/>
+            </a:prstGeom>
+            <a:ln>
+              <a:tailEnd type="triangle" w="lg" len="lg"/>
+            </a:ln>
+          </p:spPr>
+          <p:style>
+            <a:lnRef idx="2">
+              <a:schemeClr val="accent1">
+                <a:shade val="15000"/>
+              </a:schemeClr>
+            </a:lnRef>
+            <a:fillRef idx="1">
+              <a:schemeClr val="accent1"/>
+            </a:fillRef>
+            <a:effectRef idx="0">
+              <a:schemeClr val="accent1"/>
+            </a:effectRef>
+            <a:fontRef idx="minor">
+              <a:schemeClr val="lt1"/>
+            </a:fontRef>
+          </p:style>
+        </p:cxnSp>
+        <p:sp>
+          <p:nvSpPr>
+            <p:cNvPr id="1768533664" name="Oval 3"/>
+            <p:cNvSpPr/>
+            <p:nvPr/>
+          </p:nvSpPr>
+          <p:spPr bwMode="auto">
+            <a:xfrm rot="0" flipH="0" flipV="0">
+              <a:off x="5391367" y="1447800"/>
+              <a:ext cx="939665" cy="939665"/>
+            </a:xfrm>
+            <a:prstGeom prst="ellipse">
+              <a:avLst/>
+            </a:prstGeom>
+            <a:ln>
+              <a:tailEnd w="lg" len="lg"/>
+            </a:ln>
+          </p:spPr>
+          <p:style>
+            <a:lnRef idx="2">
+              <a:schemeClr val="accent1">
+                <a:shade val="15000"/>
+              </a:schemeClr>
+            </a:lnRef>
+            <a:fillRef idx="1">
+              <a:schemeClr val="accent1"/>
+            </a:fillRef>
+            <a:effectRef idx="0">
+              <a:schemeClr val="accent1"/>
+            </a:effectRef>
+            <a:fontRef idx="minor">
+              <a:schemeClr val="lt1"/>
+            </a:fontRef>
+          </p:style>
+          <p:txBody>
+            <a:bodyPr vertOverflow="overflow" horzOverflow="overflow" vert="horz" wrap="square" lIns="0" tIns="43200" rIns="0" bIns="45720" numCol="1" spcCol="0" rtlCol="0" fromWordArt="0" anchor="ctr" anchorCtr="0" forceAA="0" upright="0" compatLnSpc="0"/>
+            <a:lstStyle/>
+            <a:p>
+              <a:pPr algn="ctr">
+                <a:defRPr/>
+              </a:pPr>
+              <mc:AlternateContent xmlns:mc="http://schemas.openxmlformats.org/markup-compatibility/2006" xmlns:m="http://schemas.openxmlformats.org/officeDocument/2006/math">
+                <mc:Choice xmlns:a14="http://schemas.microsoft.com/office/drawing/2010/main" Requires="a14">
+                  <a14:m>
+                    <m:oMathPara>
+                      <m:oMathParaPr/>
+                      <m:oMath>
+                        <m:sSup>
+                          <m:sSupPr>
+                            <m:ctrlPr>
+                              <a:rPr/>
+                            </m:ctrlPr>
+                          </m:sSupPr>
+                          <m:e>
+                            <m:r>
+                              <m:rPr/>
+                              <a:rPr>
+                                <a:latin typeface="Cambria Math"/>
+                                <a:ea typeface="Cambria Math"/>
+                                <a:cs typeface="Cambria Math"/>
+                              </a:rPr>
+                              <m:t>x</m:t>
+                            </m:r>
+                          </m:e>
+                          <m:sup>
+                            <m:r>
+                              <m:rPr/>
+                              <a:rPr>
+                                <a:latin typeface="Cambria Math"/>
+                                <a:ea typeface="Cambria Math"/>
+                                <a:cs typeface="Cambria Math"/>
+                              </a:rPr>
+                              <m:t>8</m:t>
+                            </m:r>
+                          </m:sup>
+                        </m:sSup>
+                      </m:oMath>
+                    </m:oMathPara>
+                  </a14:m>
+                </mc:Choice>
+                <mc:Fallback/>
+              </mc:AlternateContent>
+              <a:endParaRPr sz="1800">
+                <a:latin typeface="Cambria Math"/>
+                <a:ea typeface="Cambria Math"/>
+                <a:cs typeface="Cambria Math"/>
+              </a:endParaRPr>
+            </a:p>
+          </p:txBody>
+        </p:sp>
+        <p:sp>
+          <p:nvSpPr>
+            <p:cNvPr id="1062165328" name="Oval 3"/>
+            <p:cNvSpPr/>
+            <p:nvPr/>
+          </p:nvSpPr>
+          <p:spPr bwMode="auto">
+            <a:xfrm rot="0" flipH="0" flipV="0">
+              <a:off x="4037174" y="1447800"/>
+              <a:ext cx="939665" cy="939665"/>
+            </a:xfrm>
+            <a:prstGeom prst="ellipse">
+              <a:avLst/>
+            </a:prstGeom>
+            <a:ln>
+              <a:tailEnd w="lg" len="lg"/>
+            </a:ln>
+          </p:spPr>
+          <p:style>
+            <a:lnRef idx="2">
+              <a:schemeClr val="accent1">
+                <a:shade val="15000"/>
+              </a:schemeClr>
+            </a:lnRef>
+            <a:fillRef idx="1">
+              <a:schemeClr val="accent1"/>
+            </a:fillRef>
+            <a:effectRef idx="0">
+              <a:schemeClr val="accent1"/>
+            </a:effectRef>
+            <a:fontRef idx="minor">
+              <a:schemeClr val="lt1"/>
+            </a:fontRef>
+          </p:style>
+          <p:txBody>
+            <a:bodyPr vertOverflow="overflow" horzOverflow="overflow" vert="horz" wrap="square" lIns="0" tIns="43200" rIns="0" bIns="45720" numCol="1" spcCol="0" rtlCol="0" fromWordArt="0" anchor="ctr" anchorCtr="0" forceAA="0" upright="0" compatLnSpc="0"/>
+            <a:lstStyle/>
+            <a:p>
+              <a:pPr algn="ctr">
+                <a:defRPr/>
+              </a:pPr>
+              <mc:AlternateContent xmlns:mc="http://schemas.openxmlformats.org/markup-compatibility/2006" xmlns:m="http://schemas.openxmlformats.org/officeDocument/2006/math">
+                <mc:Choice xmlns:a14="http://schemas.microsoft.com/office/drawing/2010/main" Requires="a14">
+                  <a14:m>
+                    <m:oMathPara>
+                      <m:oMathParaPr/>
+                      <m:oMath>
+                        <m:r>
+                          <m:rPr/>
+                          <a:rPr>
+                            <a:latin typeface="Cambria Math"/>
+                            <a:ea typeface="Cambria Math"/>
+                            <a:cs typeface="Cambria Math"/>
+                          </a:rPr>
+                          <m:t>x⁴</m:t>
+                        </m:r>
+                      </m:oMath>
+                    </m:oMathPara>
+                  </a14:m>
+                </mc:Choice>
+                <mc:Fallback/>
+              </mc:AlternateContent>
+              <a:endParaRPr sz="1800"/>
+            </a:p>
+          </p:txBody>
+        </p:sp>
+        <p:cxnSp>
+          <p:nvCxnSpPr>
+            <p:cNvPr id="1767057067" name="Straight Arrow Connector 8"/>
+            <p:cNvCxnSpPr>
+              <a:cxnSpLocks/>
+              <a:stCxn id="699482907" idx="6"/>
+              <a:endCxn id="1062165328" idx="2"/>
+            </p:cNvCxnSpPr>
+            <p:nvPr/>
+          </p:nvCxnSpPr>
+          <p:spPr bwMode="auto">
+            <a:xfrm rot="0" flipH="0" flipV="0">
+              <a:off x="3561119" y="1917633"/>
+              <a:ext cx="476055" cy="0"/>
+            </a:xfrm>
+            <a:prstGeom prst="straightConnector1">
+              <a:avLst/>
+            </a:prstGeom>
+            <a:ln>
+              <a:tailEnd type="triangle" w="lg" len="lg"/>
+            </a:ln>
+          </p:spPr>
+          <p:style>
+            <a:lnRef idx="2">
+              <a:schemeClr val="accent1">
+                <a:shade val="15000"/>
+              </a:schemeClr>
+            </a:lnRef>
+            <a:fillRef idx="1">
+              <a:schemeClr val="accent1"/>
+            </a:fillRef>
+            <a:effectRef idx="0">
+              <a:schemeClr val="accent1"/>
+            </a:effectRef>
+            <a:fontRef idx="minor">
+              <a:schemeClr val="lt1"/>
+            </a:fontRef>
+          </p:style>
+        </p:cxnSp>
+        <p:cxnSp>
+          <p:nvCxnSpPr>
+            <p:cNvPr id="675245574" name="Straight Arrow Connector 8"/>
+            <p:cNvCxnSpPr>
+              <a:cxnSpLocks/>
+              <a:stCxn id="1062165328" idx="6"/>
+              <a:endCxn id="1768533664" idx="2"/>
+            </p:cNvCxnSpPr>
+            <p:nvPr/>
+          </p:nvCxnSpPr>
+          <p:spPr bwMode="auto">
+            <a:xfrm rot="0" flipH="0" flipV="0">
+              <a:off x="4976840" y="1917633"/>
+              <a:ext cx="414526" cy="0"/>
+            </a:xfrm>
+            <a:prstGeom prst="straightConnector1">
+              <a:avLst/>
+            </a:prstGeom>
+            <a:ln>
+              <a:tailEnd type="triangle" w="lg" len="lg"/>
+            </a:ln>
+          </p:spPr>
+          <p:style>
+            <a:lnRef idx="2">
+              <a:schemeClr val="accent1">
+                <a:shade val="15000"/>
+              </a:schemeClr>
+            </a:lnRef>
+            <a:fillRef idx="1">
+              <a:schemeClr val="accent1"/>
+            </a:fillRef>
+            <a:effectRef idx="0">
+              <a:schemeClr val="accent1"/>
+            </a:effectRef>
+            <a:fontRef idx="minor">
+              <a:schemeClr val="lt1"/>
+            </a:fontRef>
+          </p:style>
+        </p:cxnSp>
+        <p:cxnSp>
+          <p:nvCxnSpPr>
+            <p:cNvPr id="1379954850" name="Straight Arrow Connector 8"/>
+            <p:cNvCxnSpPr>
+              <a:cxnSpLocks/>
+              <a:stCxn id="1768533664" idx="6"/>
+              <a:endCxn id="407841976" idx="2"/>
+            </p:cNvCxnSpPr>
+            <p:nvPr/>
+          </p:nvCxnSpPr>
+          <p:spPr bwMode="auto">
+            <a:xfrm rot="0" flipH="0" flipV="0">
+              <a:off x="6331034" y="1917633"/>
+              <a:ext cx="433263" cy="0"/>
+            </a:xfrm>
+            <a:prstGeom prst="straightConnector1">
+              <a:avLst/>
+            </a:prstGeom>
+            <a:ln>
+              <a:tailEnd type="triangle" w="lg" len="lg"/>
+            </a:ln>
+          </p:spPr>
+          <p:style>
+            <a:lnRef idx="2">
+              <a:schemeClr val="accent1">
+                <a:shade val="15000"/>
+              </a:schemeClr>
+            </a:lnRef>
+            <a:fillRef idx="1">
+              <a:schemeClr val="accent1"/>
+            </a:fillRef>
+            <a:effectRef idx="0">
+              <a:schemeClr val="accent1"/>
+            </a:effectRef>
+            <a:fontRef idx="minor">
+              <a:schemeClr val="lt1"/>
+            </a:fontRef>
+          </p:style>
+        </p:cxnSp>
+        <p:sp>
+          <p:nvSpPr>
+            <p:cNvPr id="132889569" name="Oval 3"/>
+            <p:cNvSpPr/>
+            <p:nvPr/>
+          </p:nvSpPr>
+          <p:spPr bwMode="auto">
+            <a:xfrm rot="0" flipH="0" flipV="0">
+              <a:off x="7961125" y="730317"/>
+              <a:ext cx="939665" cy="939665"/>
+            </a:xfrm>
+            <a:prstGeom prst="ellipse">
+              <a:avLst/>
+            </a:prstGeom>
+            <a:ln>
+              <a:tailEnd w="lg" len="lg"/>
+            </a:ln>
+          </p:spPr>
+          <p:style>
+            <a:lnRef idx="2">
+              <a:schemeClr val="accent1">
+                <a:shade val="15000"/>
+              </a:schemeClr>
+            </a:lnRef>
+            <a:fillRef idx="1">
+              <a:schemeClr val="accent1"/>
+            </a:fillRef>
+            <a:effectRef idx="0">
+              <a:schemeClr val="accent1"/>
+            </a:effectRef>
+            <a:fontRef idx="minor">
+              <a:schemeClr val="lt1"/>
+            </a:fontRef>
+          </p:style>
+          <p:txBody>
+            <a:bodyPr vertOverflow="overflow" horzOverflow="overflow" vert="horz" wrap="square" lIns="0" tIns="43200" rIns="0" bIns="45720" numCol="1" spcCol="0" rtlCol="0" fromWordArt="0" anchor="ctr" anchorCtr="0" forceAA="0" upright="0" compatLnSpc="0"/>
+            <a:lstStyle/>
+            <a:p>
+              <a:pPr algn="ctr">
+                <a:defRPr/>
+              </a:pPr>
+              <mc:AlternateContent xmlns:mc="http://schemas.openxmlformats.org/markup-compatibility/2006" xmlns:m="http://schemas.openxmlformats.org/officeDocument/2006/math">
+                <mc:Choice xmlns:a14="http://schemas.microsoft.com/office/drawing/2010/main" Requires="a14">
+                  <a14:m>
+                    <m:oMathPara>
+                      <m:oMathParaPr/>
+                      <m:oMath>
+                        <m:sSup>
+                          <m:sSupPr>
+                            <m:ctrlPr>
+                              <a:rPr/>
+                            </m:ctrlPr>
+                          </m:sSupPr>
+                          <m:e>
+                            <m:r>
+                              <m:rPr/>
+                              <a:rPr>
+                                <a:latin typeface="Cambria Math"/>
+                                <a:ea typeface="Cambria Math"/>
+                                <a:cs typeface="Cambria Math"/>
+                              </a:rPr>
+                              <m:t>x</m:t>
+                            </m:r>
+                          </m:e>
+                          <m:sup>
+                            <m:r>
+                              <m:rPr/>
+                              <a:rPr>
+                                <a:latin typeface="Cambria Math"/>
+                                <a:ea typeface="Cambria Math"/>
+                                <a:cs typeface="Cambria Math"/>
+                              </a:rPr>
+                              <m:t>32</m:t>
+                            </m:r>
+                          </m:sup>
+                        </m:sSup>
+                      </m:oMath>
+                    </m:oMathPara>
+                  </a14:m>
+                </mc:Choice>
+                <mc:Fallback/>
+              </mc:AlternateContent>
+              <a:endParaRPr sz="1800">
+                <a:latin typeface="Cambria Math"/>
+                <a:ea typeface="Cambria Math"/>
+                <a:cs typeface="Cambria Math"/>
+              </a:endParaRPr>
+            </a:p>
+          </p:txBody>
+        </p:sp>
+        <p:cxnSp>
+          <p:nvCxnSpPr>
+            <p:cNvPr id="944574516" name="Straight Arrow Connector 8"/>
+            <p:cNvCxnSpPr>
+              <a:cxnSpLocks/>
+              <a:stCxn id="407841976" idx="6"/>
+              <a:endCxn id="132889569" idx="2"/>
+            </p:cNvCxnSpPr>
+            <p:nvPr/>
+          </p:nvCxnSpPr>
+          <p:spPr bwMode="auto">
+            <a:xfrm rot="0" flipH="0" flipV="1">
+              <a:off x="7703964" y="1200150"/>
+              <a:ext cx="257161" cy="717482"/>
+            </a:xfrm>
+            <a:prstGeom prst="straightConnector1">
+              <a:avLst/>
+            </a:prstGeom>
+            <a:ln>
+              <a:tailEnd type="triangle" w="lg" len="lg"/>
+            </a:ln>
+          </p:spPr>
+          <p:style>
+            <a:lnRef idx="2">
+              <a:schemeClr val="accent1">
+                <a:shade val="15000"/>
+              </a:schemeClr>
+            </a:lnRef>
+            <a:fillRef idx="1">
+              <a:schemeClr val="accent1"/>
+            </a:fillRef>
+            <a:effectRef idx="0">
+              <a:schemeClr val="accent1"/>
+            </a:effectRef>
+            <a:fontRef idx="minor">
+              <a:schemeClr val="lt1"/>
+            </a:fontRef>
+          </p:style>
+        </p:cxnSp>
+        <p:sp>
+          <p:nvSpPr>
+            <p:cNvPr id="2073899427" name="Oval 3"/>
+            <p:cNvSpPr/>
+            <p:nvPr/>
+          </p:nvSpPr>
+          <p:spPr bwMode="auto">
+            <a:xfrm rot="0" flipH="0" flipV="0">
+              <a:off x="6764297" y="0"/>
+              <a:ext cx="939665" cy="939665"/>
+            </a:xfrm>
+            <a:prstGeom prst="ellipse">
+              <a:avLst/>
+            </a:prstGeom>
+            <a:ln>
+              <a:tailEnd w="lg" len="lg"/>
+            </a:ln>
+          </p:spPr>
+          <p:style>
+            <a:lnRef idx="2">
+              <a:schemeClr val="accent1">
+                <a:shade val="15000"/>
+              </a:schemeClr>
+            </a:lnRef>
+            <a:fillRef idx="1">
+              <a:schemeClr val="accent1"/>
+            </a:fillRef>
+            <a:effectRef idx="0">
+              <a:schemeClr val="accent1"/>
+            </a:effectRef>
+            <a:fontRef idx="minor">
+              <a:schemeClr val="lt1"/>
+            </a:fontRef>
+          </p:style>
+          <p:txBody>
+            <a:bodyPr vertOverflow="overflow" horzOverflow="overflow" vert="horz" wrap="square" lIns="0" tIns="43200" rIns="0" bIns="45720" numCol="1" spcCol="0" rtlCol="0" fromWordArt="0" anchor="ctr" anchorCtr="0" forceAA="0" upright="0" compatLnSpc="0"/>
+            <a:lstStyle/>
+            <a:p>
+              <a:pPr algn="ctr">
+                <a:defRPr/>
+              </a:pPr>
+              <mc:AlternateContent xmlns:mc="http://schemas.openxmlformats.org/markup-compatibility/2006" xmlns:m="http://schemas.openxmlformats.org/officeDocument/2006/math">
+                <mc:Choice xmlns:a14="http://schemas.microsoft.com/office/drawing/2010/main" Requires="a14">
+                  <a14:m>
+                    <m:oMathPara>
+                      <m:oMathParaPr/>
+                      <m:oMath>
+                        <m:sSup>
+                          <m:sSupPr>
+                            <m:ctrlPr>
+                              <a:rPr/>
+                            </m:ctrlPr>
+                          </m:sSupPr>
+                          <m:e>
+                            <m:r>
+                              <m:rPr/>
+                              <a:rPr>
+                                <a:latin typeface="Cambria Math"/>
+                                <a:ea typeface="Cambria Math"/>
+                                <a:cs typeface="Cambria Math"/>
+                              </a:rPr>
+                              <m:t>x</m:t>
+                            </m:r>
+                          </m:e>
+                          <m:sup>
+                            <m:r>
+                              <m:rPr/>
+                              <a:rPr>
+                                <a:latin typeface="Cambria Math"/>
+                                <a:ea typeface="Cambria Math"/>
+                                <a:cs typeface="Cambria Math"/>
+                              </a:rPr>
+                              <m:t>16</m:t>
+                            </m:r>
+                          </m:sup>
+                        </m:sSup>
+                      </m:oMath>
+                    </m:oMathPara>
+                  </a14:m>
+                </mc:Choice>
+                <mc:Fallback/>
+              </mc:AlternateContent>
+              <a:endParaRPr sz="1800">
+                <a:latin typeface="Cambria Math"/>
+                <a:ea typeface="Cambria Math"/>
+                <a:cs typeface="Cambria Math"/>
+              </a:endParaRPr>
+            </a:p>
+          </p:txBody>
+        </p:sp>
+        <p:sp>
+          <p:nvSpPr>
+            <p:cNvPr id="1778773553" name="Oval 3"/>
+            <p:cNvSpPr/>
+            <p:nvPr/>
+          </p:nvSpPr>
+          <p:spPr bwMode="auto">
+            <a:xfrm rot="0" flipH="0" flipV="0">
+              <a:off x="1252974" y="0"/>
+              <a:ext cx="939665" cy="939665"/>
+            </a:xfrm>
+            <a:prstGeom prst="ellipse">
+              <a:avLst/>
+            </a:prstGeom>
+            <a:ln>
+              <a:tailEnd w="lg" len="lg"/>
+            </a:ln>
+          </p:spPr>
+          <p:style>
+            <a:lnRef idx="2">
+              <a:schemeClr val="accent1">
+                <a:shade val="15000"/>
+              </a:schemeClr>
+            </a:lnRef>
+            <a:fillRef idx="1">
+              <a:schemeClr val="accent1"/>
+            </a:fillRef>
+            <a:effectRef idx="0">
+              <a:schemeClr val="accent1"/>
+            </a:effectRef>
+            <a:fontRef idx="minor">
+              <a:schemeClr val="lt1"/>
+            </a:fontRef>
+          </p:style>
+          <p:txBody>
+            <a:bodyPr vertOverflow="overflow" horzOverflow="overflow" vert="horz" wrap="square" lIns="0" tIns="43200" rIns="0" bIns="45720" numCol="1" spcCol="0" rtlCol="0" fromWordArt="0" anchor="ctr" anchorCtr="0" forceAA="0" upright="0" compatLnSpc="0"/>
+            <a:lstStyle/>
+            <a:p>
+              <a:pPr algn="ctr">
+                <a:defRPr/>
+              </a:pPr>
+              <mc:AlternateContent xmlns:mc="http://schemas.openxmlformats.org/markup-compatibility/2006" xmlns:m="http://schemas.openxmlformats.org/officeDocument/2006/math">
+                <mc:Choice xmlns:a14="http://schemas.microsoft.com/office/drawing/2010/main" Requires="a14">
+                  <a14:m>
+                    <m:oMathPara>
+                      <m:oMathParaPr/>
+                      <m:oMath>
+                        <m:r>
+                          <m:rPr/>
+                          <a:rPr sz="1800">
+                            <a:latin typeface="Cambria Math"/>
+                            <a:ea typeface="Cambria Math"/>
+                            <a:cs typeface="Cambria Math"/>
+                          </a:rPr>
+                          <m:t>x</m:t>
+                        </m:r>
+                      </m:oMath>
+                    </m:oMathPara>
+                  </a14:m>
+                </mc:Choice>
+                <mc:Fallback/>
+              </mc:AlternateContent>
+              <a:endParaRPr sz="1800"/>
+            </a:p>
+          </p:txBody>
+        </p:sp>
+        <p:sp>
+          <p:nvSpPr>
+            <p:cNvPr id="512601630" name="Oval 3"/>
+            <p:cNvSpPr/>
+            <p:nvPr/>
+          </p:nvSpPr>
+          <p:spPr bwMode="auto">
+            <a:xfrm rot="0" flipH="0" flipV="0">
+              <a:off x="2621453" y="0"/>
+              <a:ext cx="939665" cy="939665"/>
+            </a:xfrm>
+            <a:prstGeom prst="ellipse">
+              <a:avLst/>
+            </a:prstGeom>
+            <a:ln>
+              <a:tailEnd w="lg" len="lg"/>
+            </a:ln>
+          </p:spPr>
+          <p:style>
+            <a:lnRef idx="2">
+              <a:schemeClr val="accent1">
+                <a:shade val="15000"/>
+              </a:schemeClr>
+            </a:lnRef>
+            <a:fillRef idx="1">
+              <a:schemeClr val="accent1"/>
+            </a:fillRef>
+            <a:effectRef idx="0">
+              <a:schemeClr val="accent1"/>
+            </a:effectRef>
+            <a:fontRef idx="minor">
+              <a:schemeClr val="lt1"/>
+            </a:fontRef>
+          </p:style>
+          <p:txBody>
+            <a:bodyPr vertOverflow="overflow" horzOverflow="overflow" vert="horz" wrap="square" lIns="0" tIns="43200" rIns="0" bIns="45720" numCol="1" spcCol="0" rtlCol="0" fromWordArt="0" anchor="ctr" anchorCtr="0" forceAA="0" upright="0" compatLnSpc="0"/>
+            <a:lstStyle/>
+            <a:p>
+              <a:pPr algn="ctr">
+                <a:defRPr/>
+              </a:pPr>
+              <mc:AlternateContent xmlns:mc="http://schemas.openxmlformats.org/markup-compatibility/2006" xmlns:m="http://schemas.openxmlformats.org/officeDocument/2006/math">
+                <mc:Choice xmlns:a14="http://schemas.microsoft.com/office/drawing/2010/main" Requires="a14">
+                  <a14:m>
+                    <m:oMathPara>
+                      <m:oMathParaPr/>
+                      <m:oMath>
+                        <m:sSup>
+                          <m:sSupPr>
+                            <m:ctrlPr>
+                              <a:rPr/>
+                            </m:ctrlPr>
+                          </m:sSupPr>
+                          <m:e>
+                            <m:r>
+                              <m:rPr/>
+                              <a:rPr>
+                                <a:latin typeface="Cambria Math"/>
+                                <a:ea typeface="Cambria Math"/>
+                                <a:cs typeface="Cambria Math"/>
+                              </a:rPr>
+                              <m:t>x</m:t>
+                            </m:r>
+                          </m:e>
+                          <m:sup>
+                            <m:r>
+                              <m:rPr/>
+                              <a:rPr>
+                                <a:latin typeface="Cambria Math"/>
+                                <a:ea typeface="Cambria Math"/>
+                                <a:cs typeface="Cambria Math"/>
+                              </a:rPr>
+                              <m:t>2</m:t>
+                            </m:r>
+                          </m:sup>
+                        </m:sSup>
+                      </m:oMath>
+                    </m:oMathPara>
+                  </a14:m>
+                </mc:Choice>
+                <mc:Fallback/>
+              </mc:AlternateContent>
+              <a:endParaRPr sz="1800"/>
+            </a:p>
+          </p:txBody>
+        </p:sp>
+        <p:cxnSp>
+          <p:nvCxnSpPr>
+            <p:cNvPr id="2089860916" name="Straight Arrow Connector 8"/>
+            <p:cNvCxnSpPr>
+              <a:cxnSpLocks/>
+            </p:cNvCxnSpPr>
+            <p:nvPr/>
+          </p:nvCxnSpPr>
+          <p:spPr bwMode="auto">
+            <a:xfrm rot="0" flipH="0" flipV="0">
+              <a:off x="2192640" y="469833"/>
+              <a:ext cx="428811" cy="0"/>
+            </a:xfrm>
+            <a:prstGeom prst="straightConnector1">
+              <a:avLst/>
+            </a:prstGeom>
+            <a:ln>
+              <a:tailEnd type="triangle" w="lg" len="lg"/>
+            </a:ln>
+          </p:spPr>
+          <p:style>
+            <a:lnRef idx="2">
+              <a:schemeClr val="accent1">
+                <a:shade val="15000"/>
+              </a:schemeClr>
+            </a:lnRef>
+            <a:fillRef idx="1">
+              <a:schemeClr val="accent1"/>
+            </a:fillRef>
+            <a:effectRef idx="0">
+              <a:schemeClr val="accent1"/>
+            </a:effectRef>
+            <a:fontRef idx="minor">
+              <a:schemeClr val="lt1"/>
+            </a:fontRef>
+          </p:style>
+        </p:cxnSp>
+        <p:sp>
+          <p:nvSpPr>
+            <p:cNvPr id="318110759" name="Oval 3"/>
+            <p:cNvSpPr/>
+            <p:nvPr/>
+          </p:nvSpPr>
+          <p:spPr bwMode="auto">
+            <a:xfrm rot="0" flipH="0" flipV="0">
+              <a:off x="5391367" y="0"/>
+              <a:ext cx="939665" cy="939665"/>
+            </a:xfrm>
+            <a:prstGeom prst="ellipse">
+              <a:avLst/>
+            </a:prstGeom>
+            <a:ln>
+              <a:tailEnd w="lg" len="lg"/>
+            </a:ln>
+          </p:spPr>
+          <p:style>
+            <a:lnRef idx="2">
+              <a:schemeClr val="accent1">
+                <a:shade val="15000"/>
+              </a:schemeClr>
+            </a:lnRef>
+            <a:fillRef idx="1">
+              <a:schemeClr val="accent1"/>
+            </a:fillRef>
+            <a:effectRef idx="0">
+              <a:schemeClr val="accent1"/>
+            </a:effectRef>
+            <a:fontRef idx="minor">
+              <a:schemeClr val="lt1"/>
+            </a:fontRef>
+          </p:style>
+          <p:txBody>
+            <a:bodyPr vertOverflow="overflow" horzOverflow="overflow" vert="horz" wrap="square" lIns="0" tIns="43200" rIns="0" bIns="45720" numCol="1" spcCol="0" rtlCol="0" fromWordArt="0" anchor="ctr" anchorCtr="0" forceAA="0" upright="0" compatLnSpc="0"/>
+            <a:lstStyle/>
+            <a:p>
+              <a:pPr algn="ctr">
+                <a:defRPr/>
+              </a:pPr>
+              <mc:AlternateContent xmlns:mc="http://schemas.openxmlformats.org/markup-compatibility/2006" xmlns:m="http://schemas.openxmlformats.org/officeDocument/2006/math">
+                <mc:Choice xmlns:a14="http://schemas.microsoft.com/office/drawing/2010/main" Requires="a14">
+                  <a14:m>
+                    <m:oMathPara>
+                      <m:oMathParaPr/>
+                      <m:oMath>
+                        <m:sSup>
+                          <m:sSupPr>
+                            <m:ctrlPr>
+                              <a:rPr/>
+                            </m:ctrlPr>
+                          </m:sSupPr>
+                          <m:e>
+                            <m:r>
+                              <m:rPr/>
+                              <a:rPr>
+                                <a:latin typeface="Cambria Math"/>
+                                <a:ea typeface="Cambria Math"/>
+                                <a:cs typeface="Cambria Math"/>
+                              </a:rPr>
+                              <m:t>x</m:t>
+                            </m:r>
+                          </m:e>
+                          <m:sup>
+                            <m:r>
+                              <m:rPr/>
+                              <a:rPr>
+                                <a:latin typeface="Cambria Math"/>
+                                <a:ea typeface="Cambria Math"/>
+                                <a:cs typeface="Cambria Math"/>
+                              </a:rPr>
+                              <m:t>8</m:t>
+                            </m:r>
+                          </m:sup>
+                        </m:sSup>
+                      </m:oMath>
+                    </m:oMathPara>
+                  </a14:m>
+                </mc:Choice>
+                <mc:Fallback/>
+              </mc:AlternateContent>
+              <a:endParaRPr sz="1800">
+                <a:latin typeface="Cambria Math"/>
+                <a:ea typeface="Cambria Math"/>
+                <a:cs typeface="Cambria Math"/>
+              </a:endParaRPr>
+            </a:p>
+          </p:txBody>
+        </p:sp>
+        <p:sp>
+          <p:nvSpPr>
+            <p:cNvPr id="65452262" name="Oval 3"/>
+            <p:cNvSpPr/>
+            <p:nvPr/>
+          </p:nvSpPr>
+          <p:spPr bwMode="auto">
+            <a:xfrm rot="0" flipH="0" flipV="0">
+              <a:off x="4037174" y="0"/>
+              <a:ext cx="939665" cy="939665"/>
+            </a:xfrm>
+            <a:prstGeom prst="ellipse">
+              <a:avLst/>
+            </a:prstGeom>
+            <a:ln>
+              <a:tailEnd w="lg" len="lg"/>
+            </a:ln>
+          </p:spPr>
+          <p:style>
+            <a:lnRef idx="2">
+              <a:schemeClr val="accent1">
+                <a:shade val="15000"/>
+              </a:schemeClr>
+            </a:lnRef>
+            <a:fillRef idx="1">
+              <a:schemeClr val="accent1"/>
+            </a:fillRef>
+            <a:effectRef idx="0">
+              <a:schemeClr val="accent1"/>
+            </a:effectRef>
+            <a:fontRef idx="minor">
+              <a:schemeClr val="lt1"/>
+            </a:fontRef>
+          </p:style>
+          <p:txBody>
+            <a:bodyPr vertOverflow="overflow" horzOverflow="overflow" vert="horz" wrap="square" lIns="0" tIns="43200" rIns="0" bIns="45720" numCol="1" spcCol="0" rtlCol="0" fromWordArt="0" anchor="ctr" anchorCtr="0" forceAA="0" upright="0" compatLnSpc="0"/>
+            <a:lstStyle/>
+            <a:p>
+              <a:pPr algn="ctr">
+                <a:defRPr/>
+              </a:pPr>
+              <mc:AlternateContent xmlns:mc="http://schemas.openxmlformats.org/markup-compatibility/2006" xmlns:m="http://schemas.openxmlformats.org/officeDocument/2006/math">
+                <mc:Choice xmlns:a14="http://schemas.microsoft.com/office/drawing/2010/main" Requires="a14">
+                  <a14:m>
+                    <m:oMathPara>
+                      <m:oMathParaPr/>
+                      <m:oMath>
+                        <m:r>
+                          <m:rPr/>
+                          <a:rPr>
+                            <a:latin typeface="Cambria Math"/>
+                            <a:ea typeface="Cambria Math"/>
+                            <a:cs typeface="Cambria Math"/>
+                          </a:rPr>
+                          <m:t>x⁴</m:t>
+                        </m:r>
+                      </m:oMath>
+                    </m:oMathPara>
+                  </a14:m>
+                </mc:Choice>
+                <mc:Fallback/>
+              </mc:AlternateContent>
+              <a:endParaRPr sz="1800"/>
+            </a:p>
+          </p:txBody>
+        </p:sp>
+        <p:cxnSp>
+          <p:nvCxnSpPr>
+            <p:cNvPr id="436705751" name="Straight Arrow Connector 8"/>
+            <p:cNvCxnSpPr>
+              <a:cxnSpLocks/>
+            </p:cNvCxnSpPr>
+            <p:nvPr/>
+          </p:nvCxnSpPr>
+          <p:spPr bwMode="auto">
+            <a:xfrm rot="0" flipH="0" flipV="0">
+              <a:off x="3561119" y="469833"/>
+              <a:ext cx="476055" cy="0"/>
+            </a:xfrm>
+            <a:prstGeom prst="straightConnector1">
+              <a:avLst/>
+            </a:prstGeom>
+            <a:ln>
+              <a:tailEnd type="triangle" w="lg" len="lg"/>
+            </a:ln>
+          </p:spPr>
+          <p:style>
+            <a:lnRef idx="2">
+              <a:schemeClr val="accent1">
+                <a:shade val="15000"/>
+              </a:schemeClr>
+            </a:lnRef>
+            <a:fillRef idx="1">
+              <a:schemeClr val="accent1"/>
+            </a:fillRef>
+            <a:effectRef idx="0">
+              <a:schemeClr val="accent1"/>
+            </a:effectRef>
+            <a:fontRef idx="minor">
+              <a:schemeClr val="lt1"/>
+            </a:fontRef>
+          </p:style>
+        </p:cxnSp>
+        <p:cxnSp>
+          <p:nvCxnSpPr>
+            <p:cNvPr id="166038334" name="Straight Arrow Connector 8"/>
+            <p:cNvCxnSpPr>
+              <a:cxnSpLocks/>
+            </p:cNvCxnSpPr>
+            <p:nvPr/>
+          </p:nvCxnSpPr>
+          <p:spPr bwMode="auto">
+            <a:xfrm rot="0" flipH="0" flipV="0">
+              <a:off x="4976841" y="469833"/>
+              <a:ext cx="414525" cy="0"/>
+            </a:xfrm>
+            <a:prstGeom prst="straightConnector1">
+              <a:avLst/>
+            </a:prstGeom>
+            <a:ln>
+              <a:tailEnd type="triangle" w="lg" len="lg"/>
+            </a:ln>
+          </p:spPr>
+          <p:style>
+            <a:lnRef idx="2">
+              <a:schemeClr val="accent1">
+                <a:shade val="15000"/>
+              </a:schemeClr>
+            </a:lnRef>
+            <a:fillRef idx="1">
+              <a:schemeClr val="accent1"/>
+            </a:fillRef>
+            <a:effectRef idx="0">
+              <a:schemeClr val="accent1"/>
+            </a:effectRef>
+            <a:fontRef idx="minor">
+              <a:schemeClr val="lt1"/>
+            </a:fontRef>
+          </p:style>
+        </p:cxnSp>
+        <p:cxnSp>
+          <p:nvCxnSpPr>
+            <p:cNvPr id="1221567934" name="Straight Arrow Connector 8"/>
+            <p:cNvCxnSpPr>
+              <a:cxnSpLocks/>
+            </p:cNvCxnSpPr>
+            <p:nvPr/>
+          </p:nvCxnSpPr>
+          <p:spPr bwMode="auto">
+            <a:xfrm rot="0" flipH="0" flipV="0">
+              <a:off x="6331034" y="469833"/>
+              <a:ext cx="433262" cy="0"/>
+            </a:xfrm>
+            <a:prstGeom prst="straightConnector1">
+              <a:avLst/>
+            </a:prstGeom>
+            <a:ln>
+              <a:tailEnd type="triangle" w="lg" len="lg"/>
+            </a:ln>
+          </p:spPr>
+          <p:style>
+            <a:lnRef idx="2">
+              <a:schemeClr val="accent1">
+                <a:shade val="15000"/>
+              </a:schemeClr>
+            </a:lnRef>
+            <a:fillRef idx="1">
+              <a:schemeClr val="accent1"/>
+            </a:fillRef>
+            <a:effectRef idx="0">
+              <a:schemeClr val="accent1"/>
+            </a:effectRef>
+            <a:fontRef idx="minor">
+              <a:schemeClr val="lt1"/>
+            </a:fontRef>
+          </p:style>
+        </p:cxnSp>
+        <p:cxnSp>
+          <p:nvCxnSpPr>
+            <p:cNvPr id="211690092" name="Straight Arrow Connector 8"/>
+            <p:cNvCxnSpPr>
+              <a:cxnSpLocks/>
+              <a:stCxn id="1373823543" idx="6"/>
+              <a:endCxn id="1778773553" idx="2"/>
+            </p:cNvCxnSpPr>
+            <p:nvPr/>
+          </p:nvCxnSpPr>
+          <p:spPr bwMode="auto">
+            <a:xfrm rot="0" flipH="0" flipV="1">
+              <a:off x="939665" y="469832"/>
+              <a:ext cx="313308" cy="730317"/>
+            </a:xfrm>
+            <a:prstGeom prst="straightConnector1">
+              <a:avLst/>
+            </a:prstGeom>
+            <a:ln>
+              <a:tailEnd type="triangle" w="lg" len="lg"/>
+            </a:ln>
+          </p:spPr>
+          <p:style>
+            <a:lnRef idx="2">
+              <a:schemeClr val="accent1">
+                <a:shade val="15000"/>
+              </a:schemeClr>
+            </a:lnRef>
+            <a:fillRef idx="1">
+              <a:schemeClr val="accent1"/>
+            </a:fillRef>
+            <a:effectRef idx="0">
+              <a:schemeClr val="accent1"/>
+            </a:effectRef>
+            <a:fontRef idx="minor">
+              <a:schemeClr val="lt1"/>
+            </a:fontRef>
+          </p:style>
+        </p:cxnSp>
+        <p:cxnSp>
+          <p:nvCxnSpPr>
+            <p:cNvPr id="967559337" name="Straight Arrow Connector 8"/>
+            <p:cNvCxnSpPr>
+              <a:cxnSpLocks/>
+              <a:stCxn id="2073899427" idx="6"/>
+              <a:endCxn id="132889569" idx="2"/>
+            </p:cNvCxnSpPr>
+            <p:nvPr/>
+          </p:nvCxnSpPr>
+          <p:spPr bwMode="auto">
+            <a:xfrm rot="0" flipH="0" flipV="0">
+              <a:off x="7703963" y="469833"/>
+              <a:ext cx="257161" cy="730316"/>
+            </a:xfrm>
+            <a:prstGeom prst="straightConnector1">
+              <a:avLst/>
+            </a:prstGeom>
+            <a:ln>
+              <a:tailEnd type="triangle" w="lg" len="lg"/>
+            </a:ln>
+          </p:spPr>
+          <p:style>
+            <a:lnRef idx="2">
+              <a:schemeClr val="accent1">
+                <a:shade val="15000"/>
+              </a:schemeClr>
+            </a:lnRef>
+            <a:fillRef idx="1">
+              <a:schemeClr val="accent1"/>
+            </a:fillRef>
+            <a:effectRef idx="0">
+              <a:schemeClr val="accent1"/>
+            </a:effectRef>
+            <a:fontRef idx="minor">
+              <a:schemeClr val="lt1"/>
+            </a:fontRef>
+          </p:style>
+        </p:cxnSp>
+        <p:cxnSp>
+          <p:nvCxnSpPr>
+            <p:cNvPr id="46177085" name="Straight Arrow Connector 8"/>
+            <p:cNvCxnSpPr>
+              <a:cxnSpLocks/>
+              <a:stCxn id="1778773553" idx="6"/>
+              <a:endCxn id="699482907" idx="2"/>
+            </p:cNvCxnSpPr>
+            <p:nvPr/>
+          </p:nvCxnSpPr>
+          <p:spPr bwMode="auto">
+            <a:xfrm rot="0" flipH="0" flipV="0">
+              <a:off x="2192640" y="469832"/>
+              <a:ext cx="428812" cy="1447800"/>
+            </a:xfrm>
+            <a:prstGeom prst="straightConnector1">
+              <a:avLst/>
+            </a:prstGeom>
+            <a:ln>
+              <a:tailEnd type="triangle" w="lg" len="lg"/>
+            </a:ln>
+          </p:spPr>
+          <p:style>
+            <a:lnRef idx="2">
+              <a:schemeClr val="accent1">
+                <a:shade val="15000"/>
+              </a:schemeClr>
+            </a:lnRef>
+            <a:fillRef idx="1">
+              <a:schemeClr val="accent1"/>
+            </a:fillRef>
+            <a:effectRef idx="0">
+              <a:schemeClr val="accent1"/>
+            </a:effectRef>
+            <a:fontRef idx="minor">
+              <a:schemeClr val="lt1"/>
+            </a:fontRef>
+          </p:style>
+        </p:cxnSp>
+        <p:cxnSp>
+          <p:nvCxnSpPr>
+            <p:cNvPr id="469445173" name="Straight Arrow Connector 8"/>
+            <p:cNvCxnSpPr>
+              <a:cxnSpLocks/>
+              <a:stCxn id="512601630" idx="6"/>
+              <a:endCxn id="1062165328" idx="2"/>
+            </p:cNvCxnSpPr>
+            <p:nvPr/>
+          </p:nvCxnSpPr>
+          <p:spPr bwMode="auto">
+            <a:xfrm rot="0" flipH="0" flipV="0">
+              <a:off x="3561119" y="469832"/>
+              <a:ext cx="476054" cy="1447800"/>
+            </a:xfrm>
+            <a:prstGeom prst="straightConnector1">
+              <a:avLst/>
+            </a:prstGeom>
+            <a:ln>
+              <a:tailEnd type="triangle" w="lg" len="lg"/>
+            </a:ln>
+          </p:spPr>
+          <p:style>
+            <a:lnRef idx="2">
+              <a:schemeClr val="accent1">
+                <a:shade val="15000"/>
+              </a:schemeClr>
+            </a:lnRef>
+            <a:fillRef idx="1">
+              <a:schemeClr val="accent1"/>
+            </a:fillRef>
+            <a:effectRef idx="0">
+              <a:schemeClr val="accent1"/>
+            </a:effectRef>
+            <a:fontRef idx="minor">
+              <a:schemeClr val="lt1"/>
+            </a:fontRef>
+          </p:style>
+        </p:cxnSp>
+        <p:cxnSp>
+          <p:nvCxnSpPr>
+            <p:cNvPr id="1436907566" name="Straight Arrow Connector 8"/>
+            <p:cNvCxnSpPr>
+              <a:cxnSpLocks/>
+              <a:stCxn id="65452262" idx="6"/>
+              <a:endCxn id="1768533664" idx="2"/>
+            </p:cNvCxnSpPr>
+            <p:nvPr/>
+          </p:nvCxnSpPr>
+          <p:spPr bwMode="auto">
+            <a:xfrm rot="0" flipH="0" flipV="0">
+              <a:off x="4976840" y="469832"/>
+              <a:ext cx="414526" cy="1447800"/>
+            </a:xfrm>
+            <a:prstGeom prst="straightConnector1">
+              <a:avLst/>
+            </a:prstGeom>
+            <a:ln>
+              <a:tailEnd type="triangle" w="lg" len="lg"/>
+            </a:ln>
+          </p:spPr>
+          <p:style>
+            <a:lnRef idx="2">
+              <a:schemeClr val="accent1">
+                <a:shade val="15000"/>
+              </a:schemeClr>
+            </a:lnRef>
+            <a:fillRef idx="1">
+              <a:schemeClr val="accent1"/>
+            </a:fillRef>
+            <a:effectRef idx="0">
+              <a:schemeClr val="accent1"/>
+            </a:effectRef>
+            <a:fontRef idx="minor">
+              <a:schemeClr val="lt1"/>
+            </a:fontRef>
+          </p:style>
+        </p:cxnSp>
+        <p:cxnSp>
+          <p:nvCxnSpPr>
+            <p:cNvPr id="1128022580" name="Straight Arrow Connector 8"/>
+            <p:cNvCxnSpPr>
+              <a:cxnSpLocks/>
+              <a:stCxn id="318110759" idx="6"/>
+              <a:endCxn id="407841976" idx="2"/>
+            </p:cNvCxnSpPr>
+            <p:nvPr/>
+          </p:nvCxnSpPr>
+          <p:spPr bwMode="auto">
+            <a:xfrm rot="0" flipH="0" flipV="0">
+              <a:off x="6331033" y="469832"/>
+              <a:ext cx="433263" cy="1447800"/>
+            </a:xfrm>
+            <a:prstGeom prst="straightConnector1">
+              <a:avLst/>
+            </a:prstGeom>
+            <a:ln>
+              <a:tailEnd type="triangle" w="lg" len="lg"/>
+            </a:ln>
+          </p:spPr>
+          <p:style>
+            <a:lnRef idx="2">
+              <a:schemeClr val="accent1">
+                <a:shade val="15000"/>
+              </a:schemeClr>
+            </a:lnRef>
+            <a:fillRef idx="1">
+              <a:schemeClr val="accent1"/>
+            </a:fillRef>
+            <a:effectRef idx="0">
+              <a:schemeClr val="accent1"/>
+            </a:effectRef>
+            <a:fontRef idx="minor">
+              <a:schemeClr val="lt1"/>
+            </a:fontRef>
+          </p:style>
+        </p:cxnSp>
+        <p:cxnSp>
+          <p:nvCxnSpPr>
+            <p:cNvPr id="1088674048" name="Straight Arrow Connector 8"/>
+            <p:cNvCxnSpPr>
+              <a:cxnSpLocks/>
+              <a:stCxn id="1768533664" idx="6"/>
+              <a:endCxn id="2073899427" idx="2"/>
+            </p:cNvCxnSpPr>
+            <p:nvPr/>
+          </p:nvCxnSpPr>
+          <p:spPr bwMode="auto">
+            <a:xfrm rot="0" flipH="0" flipV="1">
+              <a:off x="6331034" y="469833"/>
+              <a:ext cx="433263" cy="1447799"/>
+            </a:xfrm>
+            <a:prstGeom prst="straightConnector1">
+              <a:avLst/>
+            </a:prstGeom>
+            <a:ln>
+              <a:tailEnd type="triangle" w="lg" len="lg"/>
+            </a:ln>
+          </p:spPr>
+          <p:style>
+            <a:lnRef idx="2">
+              <a:schemeClr val="accent1">
+                <a:shade val="15000"/>
+              </a:schemeClr>
+            </a:lnRef>
+            <a:fillRef idx="1">
+              <a:schemeClr val="accent1"/>
+            </a:fillRef>
+            <a:effectRef idx="0">
+              <a:schemeClr val="accent1"/>
+            </a:effectRef>
+            <a:fontRef idx="minor">
+              <a:schemeClr val="lt1"/>
+            </a:fontRef>
+          </p:style>
+        </p:cxnSp>
+        <p:cxnSp>
+          <p:nvCxnSpPr>
+            <p:cNvPr id="125771929" name="Straight Arrow Connector 8"/>
+            <p:cNvCxnSpPr>
+              <a:cxnSpLocks/>
+              <a:stCxn id="1062165328" idx="6"/>
+              <a:endCxn id="318110759" idx="2"/>
+            </p:cNvCxnSpPr>
+            <p:nvPr/>
+          </p:nvCxnSpPr>
+          <p:spPr bwMode="auto">
+            <a:xfrm rot="0" flipH="0" flipV="1">
+              <a:off x="4976840" y="469832"/>
+              <a:ext cx="414526" cy="1447800"/>
+            </a:xfrm>
+            <a:prstGeom prst="straightConnector1">
+              <a:avLst/>
+            </a:prstGeom>
+            <a:ln>
+              <a:tailEnd type="triangle" w="lg" len="lg"/>
+            </a:ln>
+          </p:spPr>
+          <p:style>
+            <a:lnRef idx="2">
+              <a:schemeClr val="accent1">
+                <a:shade val="15000"/>
+              </a:schemeClr>
+            </a:lnRef>
+            <a:fillRef idx="1">
+              <a:schemeClr val="accent1"/>
+            </a:fillRef>
+            <a:effectRef idx="0">
+              <a:schemeClr val="accent1"/>
+            </a:effectRef>
+            <a:fontRef idx="minor">
+              <a:schemeClr val="lt1"/>
+            </a:fontRef>
+          </p:style>
+        </p:cxnSp>
+        <p:cxnSp>
+          <p:nvCxnSpPr>
+            <p:cNvPr id="1795580597" name="Straight Arrow Connector 8"/>
+            <p:cNvCxnSpPr>
+              <a:cxnSpLocks/>
+              <a:stCxn id="699482907" idx="6"/>
+              <a:endCxn id="65452262" idx="2"/>
+            </p:cNvCxnSpPr>
+            <p:nvPr/>
+          </p:nvCxnSpPr>
+          <p:spPr bwMode="auto">
+            <a:xfrm rot="0" flipH="0" flipV="1">
+              <a:off x="3561119" y="469832"/>
+              <a:ext cx="476055" cy="1447800"/>
+            </a:xfrm>
+            <a:prstGeom prst="straightConnector1">
+              <a:avLst/>
+            </a:prstGeom>
+            <a:ln>
+              <a:tailEnd type="triangle" w="lg" len="lg"/>
+            </a:ln>
+          </p:spPr>
+          <p:style>
+            <a:lnRef idx="2">
+              <a:schemeClr val="accent1">
+                <a:shade val="15000"/>
+              </a:schemeClr>
+            </a:lnRef>
+            <a:fillRef idx="1">
+              <a:schemeClr val="accent1"/>
+            </a:fillRef>
+            <a:effectRef idx="0">
+              <a:schemeClr val="accent1"/>
+            </a:effectRef>
+            <a:fontRef idx="minor">
+              <a:schemeClr val="lt1"/>
+            </a:fontRef>
+          </p:style>
+        </p:cxnSp>
+        <p:cxnSp>
+          <p:nvCxnSpPr>
+            <p:cNvPr id="1063619824" name="Straight Arrow Connector 8"/>
+            <p:cNvCxnSpPr>
+              <a:cxnSpLocks/>
+              <a:stCxn id="1223459897" idx="6"/>
+              <a:endCxn id="512601630" idx="2"/>
+            </p:cNvCxnSpPr>
+            <p:nvPr/>
+          </p:nvCxnSpPr>
+          <p:spPr bwMode="auto">
+            <a:xfrm rot="0" flipH="0" flipV="1">
+              <a:off x="2192640" y="469832"/>
+              <a:ext cx="428812" cy="1447800"/>
+            </a:xfrm>
+            <a:prstGeom prst="straightConnector1">
+              <a:avLst/>
+            </a:prstGeom>
+            <a:ln>
+              <a:tailEnd type="triangle" w="lg" len="lg"/>
+            </a:ln>
+          </p:spPr>
+          <p:style>
+            <a:lnRef idx="2">
+              <a:schemeClr val="accent1">
+                <a:shade val="15000"/>
+              </a:schemeClr>
+            </a:lnRef>
+            <a:fillRef idx="1">
+              <a:schemeClr val="accent1"/>
+            </a:fillRef>
+            <a:effectRef idx="0">
+              <a:schemeClr val="accent1"/>
+            </a:effectRef>
+            <a:fontRef idx="minor">
+              <a:schemeClr val="lt1"/>
+            </a:fontRef>
+          </p:style>
+        </p:cxnSp>
+      </p:grpSp>
+    </p:spTree>
+  </p:cSld>
+  <p:clrMapOvr>
+    <a:masterClrMapping/>
+  </p:clrMapOvr>
+  <mc:AlternateContent xmlns:mc="http://schemas.openxmlformats.org/markup-compatibility/2006">
+    <mc:Choice xmlns:p159="http://schemas.microsoft.com/office/powerpoint/2015/09/main" xmlns:p14="http://schemas.microsoft.com/office/powerpoint/2010/main" Requires="p159">
+      <p:transition p14:dur="2000" advClick="1"/>
+    </mc:Choice>
+    <mc:Fallback>
+      <p:transition advClick="1"/>
+    </mc:Fallback>
+  </mc:AlternateContent>
+</p:sld>
+</file>
+
+<file path=ppt/slides/slide22.xml><?xml version="1.0" encoding="utf-8"?>
+<p:sld xmlns:a="http://schemas.openxmlformats.org/drawingml/2006/main" xmlns:r="http://schemas.openxmlformats.org/officeDocument/2006/relationships" xmlns:p="http://schemas.openxmlformats.org/presentationml/2006/main" xmlns:m="http://schemas.openxmlformats.org/officeDocument/2006/math" xmlns:w="http://schemas.openxmlformats.org/wordprocessingml/2006/main" showMasterPhAnim="0" show="1">
+  <p:cSld name="">
+    <p:spTree>
+      <p:nvGrpSpPr>
+        <p:cNvPr id="1" name=""/>
+        <p:cNvGrpSpPr/>
+        <p:nvPr/>
+      </p:nvGrpSpPr>
+      <p:grpSpPr bwMode="auto">
+        <a:xfrm>
+          <a:off x="0" y="0"/>
+          <a:ext cx="0" cy="0"/>
+          <a:chOff x="0" y="0"/>
+          <a:chExt cx="0" cy="0"/>
+        </a:xfrm>
+      </p:grpSpPr>
+      <p:grpSp>
+        <p:nvGrpSpPr>
           <p:cNvPr id="729294983" name=""/>
           <p:cNvGrpSpPr/>
           <p:nvPr/>
@@ -28792,7 +30652,7 @@
 </p:sld>
 </file>
 
-<file path=ppt/slides/slide22.xml><?xml version="1.0" encoding="utf-8"?>
+<file path=ppt/slides/slide23.xml><?xml version="1.0" encoding="utf-8"?>
 <p:sld xmlns:a="http://schemas.openxmlformats.org/drawingml/2006/main" xmlns:r="http://schemas.openxmlformats.org/officeDocument/2006/relationships" xmlns:p="http://schemas.openxmlformats.org/presentationml/2006/main" xmlns:m="http://schemas.openxmlformats.org/officeDocument/2006/math" xmlns:w="http://schemas.openxmlformats.org/wordprocessingml/2006/main" showMasterPhAnim="0" show="1">
   <p:cSld name="">
     <p:spTree>

--- a/sketches.pptx
+++ b/sketches.pptx
@@ -5,7 +5,7 @@
     <p:sldMasterId id="2147483648" r:id="rId1"/>
   </p:sldMasterIdLst>
   <p:notesMasterIdLst>
-    <p:notesMasterId r:id="rId27"/>
+    <p:notesMasterId r:id="rId29"/>
   </p:notesMasterIdLst>
   <p:sldIdLst>
     <p:sldId id="256" r:id="rId4"/>
@@ -31,6 +31,8 @@
     <p:sldId id="276" r:id="rId24"/>
     <p:sldId id="277" r:id="rId25"/>
     <p:sldId id="278" r:id="rId26"/>
+    <p:sldId id="279" r:id="rId27"/>
+    <p:sldId id="280" r:id="rId28"/>
   </p:sldIdLst>
   <p:sldSz cx="12192000" cy="6858000"/>
   <p:notesSz cx="6858000" cy="9144000"/>
@@ -1810,6 +1812,170 @@
               <a:defRPr/>
             </a:pPr>
             <a:fld id="{22D67F6C-3939-6938-81B0-6819A5EB2B58}" type="slidenum">
+              <a:rPr/>
+              <a:t/>
+            </a:fld>
+            <a:endParaRPr/>
+          </a:p>
+        </p:txBody>
+      </p:sp>
+    </p:spTree>
+  </p:cSld>
+</p:notes>
+</file>
+
+<file path=ppt/notesSlides/notesSlide24.xml><?xml version="1.0" encoding="utf-8"?>
+<p:notes xmlns:a="http://schemas.openxmlformats.org/drawingml/2006/main" xmlns:r="http://schemas.openxmlformats.org/officeDocument/2006/relationships" xmlns:p="http://schemas.openxmlformats.org/presentationml/2006/main" xmlns:m="http://schemas.openxmlformats.org/officeDocument/2006/math" xmlns:w="http://schemas.openxmlformats.org/wordprocessingml/2006/main">
+  <p:cSld name="">
+    <p:spTree>
+      <p:nvGrpSpPr>
+        <p:cNvPr id="1" name=""/>
+        <p:cNvGrpSpPr/>
+        <p:nvPr/>
+      </p:nvGrpSpPr>
+      <p:grpSpPr bwMode="auto">
+        <a:xfrm>
+          <a:off x="0" y="0"/>
+          <a:ext cx="0" cy="0"/>
+          <a:chOff x="0" y="0"/>
+          <a:chExt cx="0" cy="0"/>
+        </a:xfrm>
+      </p:grpSpPr>
+      <p:sp>
+        <p:nvSpPr>
+          <p:cNvPr id="1985027979" name="Slide Image Placeholder 1"/>
+          <p:cNvSpPr>
+            <a:spLocks noChangeAspect="1" noGrp="1" noRot="1"/>
+          </p:cNvSpPr>
+          <p:nvPr>
+            <p:ph type="sldImg"/>
+          </p:nvPr>
+        </p:nvSpPr>
+        <p:spPr bwMode="auto"/>
+      </p:sp>
+      <p:sp>
+        <p:nvSpPr>
+          <p:cNvPr id="756307908" name="Notes Placeholder 2"/>
+          <p:cNvSpPr>
+            <a:spLocks noGrp="1"/>
+          </p:cNvSpPr>
+          <p:nvPr>
+            <p:ph type="body" idx="1"/>
+          </p:nvPr>
+        </p:nvSpPr>
+        <p:spPr bwMode="auto"/>
+        <p:txBody>
+          <a:bodyPr/>
+          <a:lstStyle/>
+          <a:p>
+            <a:pPr>
+              <a:defRPr/>
+            </a:pPr>
+            <a:endParaRPr/>
+          </a:p>
+        </p:txBody>
+      </p:sp>
+      <p:sp>
+        <p:nvSpPr>
+          <p:cNvPr id="1861678854" name="Slide Number Placeholder 3"/>
+          <p:cNvSpPr>
+            <a:spLocks noGrp="1"/>
+          </p:cNvSpPr>
+          <p:nvPr>
+            <p:ph type="sldNum" sz="quarter" idx="10"/>
+          </p:nvPr>
+        </p:nvSpPr>
+        <p:spPr bwMode="auto"/>
+        <p:txBody>
+          <a:bodyPr/>
+          <a:lstStyle/>
+          <a:p>
+            <a:pPr>
+              <a:defRPr/>
+            </a:pPr>
+            <a:fld id="{3EE2A1D0-B037-5FD4-16C3-75688CA13C21}" type="slidenum">
+              <a:rPr/>
+              <a:t/>
+            </a:fld>
+            <a:endParaRPr/>
+          </a:p>
+        </p:txBody>
+      </p:sp>
+    </p:spTree>
+  </p:cSld>
+</p:notes>
+</file>
+
+<file path=ppt/notesSlides/notesSlide25.xml><?xml version="1.0" encoding="utf-8"?>
+<p:notes xmlns:a="http://schemas.openxmlformats.org/drawingml/2006/main" xmlns:r="http://schemas.openxmlformats.org/officeDocument/2006/relationships" xmlns:p="http://schemas.openxmlformats.org/presentationml/2006/main" xmlns:m="http://schemas.openxmlformats.org/officeDocument/2006/math" xmlns:w="http://schemas.openxmlformats.org/wordprocessingml/2006/main">
+  <p:cSld name="">
+    <p:spTree>
+      <p:nvGrpSpPr>
+        <p:cNvPr id="1" name=""/>
+        <p:cNvGrpSpPr/>
+        <p:nvPr/>
+      </p:nvGrpSpPr>
+      <p:grpSpPr bwMode="auto">
+        <a:xfrm>
+          <a:off x="0" y="0"/>
+          <a:ext cx="0" cy="0"/>
+          <a:chOff x="0" y="0"/>
+          <a:chExt cx="0" cy="0"/>
+        </a:xfrm>
+      </p:grpSpPr>
+      <p:sp>
+        <p:nvSpPr>
+          <p:cNvPr id="1868649402" name="Slide Image Placeholder 1"/>
+          <p:cNvSpPr>
+            <a:spLocks noChangeAspect="1" noGrp="1" noRot="1"/>
+          </p:cNvSpPr>
+          <p:nvPr>
+            <p:ph type="sldImg"/>
+          </p:nvPr>
+        </p:nvSpPr>
+        <p:spPr bwMode="auto"/>
+      </p:sp>
+      <p:sp>
+        <p:nvSpPr>
+          <p:cNvPr id="708712645" name="Notes Placeholder 2"/>
+          <p:cNvSpPr>
+            <a:spLocks noGrp="1"/>
+          </p:cNvSpPr>
+          <p:nvPr>
+            <p:ph type="body" idx="1"/>
+          </p:nvPr>
+        </p:nvSpPr>
+        <p:spPr bwMode="auto"/>
+        <p:txBody>
+          <a:bodyPr/>
+          <a:lstStyle/>
+          <a:p>
+            <a:pPr>
+              <a:defRPr/>
+            </a:pPr>
+            <a:endParaRPr/>
+          </a:p>
+        </p:txBody>
+      </p:sp>
+      <p:sp>
+        <p:nvSpPr>
+          <p:cNvPr id="1479395150" name="Slide Number Placeholder 3"/>
+          <p:cNvSpPr>
+            <a:spLocks noGrp="1"/>
+          </p:cNvSpPr>
+          <p:nvPr>
+            <p:ph type="sldNum" sz="quarter" idx="10"/>
+          </p:nvPr>
+        </p:nvSpPr>
+        <p:spPr bwMode="auto"/>
+        <p:txBody>
+          <a:bodyPr/>
+          <a:lstStyle/>
+          <a:p>
+            <a:pPr>
+              <a:defRPr/>
+            </a:pPr>
+            <a:fld id="{D5536FA9-8AA8-A9F5-9820-4AE7B6473924}" type="slidenum">
               <a:rPr/>
               <a:t/>
             </a:fld>
@@ -27324,7 +27490,7 @@
           </p:nvSpPr>
           <p:spPr bwMode="auto">
             <a:xfrm rot="0" flipH="0" flipV="0">
-              <a:off x="2621453" y="1447800"/>
+              <a:off x="2621452" y="1447800"/>
               <a:ext cx="939665" cy="939665"/>
             </a:xfrm>
             <a:prstGeom prst="ellipse">
@@ -28007,7 +28173,7 @@
           </p:nvSpPr>
           <p:spPr bwMode="auto">
             <a:xfrm rot="0" flipH="0" flipV="0">
-              <a:off x="2621453" y="0"/>
+              <a:off x="2621452" y="0"/>
               <a:ext cx="939665" cy="939665"/>
             </a:xfrm>
             <a:prstGeom prst="ellipse">
@@ -28095,7 +28261,7 @@
           </p:nvCxnSpPr>
           <p:spPr bwMode="auto">
             <a:xfrm rot="0" flipH="0" flipV="0">
-              <a:off x="2192640" y="469833"/>
+              <a:off x="2192640" y="469832"/>
               <a:ext cx="428811" cy="0"/>
             </a:xfrm>
             <a:prstGeom prst="straightConnector1">
@@ -28288,7 +28454,7 @@
           </p:nvCxnSpPr>
           <p:spPr bwMode="auto">
             <a:xfrm rot="0" flipH="0" flipV="0">
-              <a:off x="3561119" y="469833"/>
+              <a:off x="3561119" y="469832"/>
               <a:ext cx="476055" cy="0"/>
             </a:xfrm>
             <a:prstGeom prst="straightConnector1">
@@ -28325,8 +28491,8 @@
           </p:nvCxnSpPr>
           <p:spPr bwMode="auto">
             <a:xfrm rot="0" flipH="0" flipV="0">
-              <a:off x="4976841" y="469833"/>
-              <a:ext cx="414525" cy="0"/>
+              <a:off x="4976841" y="469832"/>
+              <a:ext cx="414524" cy="0"/>
             </a:xfrm>
             <a:prstGeom prst="straightConnector1">
               <a:avLst/>
@@ -28362,7 +28528,7 @@
           </p:nvCxnSpPr>
           <p:spPr bwMode="auto">
             <a:xfrm rot="0" flipH="0" flipV="0">
-              <a:off x="6331034" y="469833"/>
+              <a:off x="6331034" y="469832"/>
               <a:ext cx="433262" cy="0"/>
             </a:xfrm>
             <a:prstGeom prst="straightConnector1">
@@ -28440,7 +28606,7 @@
           </p:nvCxnSpPr>
           <p:spPr bwMode="auto">
             <a:xfrm rot="0" flipH="0" flipV="0">
-              <a:off x="7703963" y="469833"/>
+              <a:off x="7703963" y="469832"/>
               <a:ext cx="257161" cy="730316"/>
             </a:xfrm>
             <a:prstGeom prst="straightConnector1">
@@ -28635,7 +28801,7 @@
           </p:nvCxnSpPr>
           <p:spPr bwMode="auto">
             <a:xfrm rot="0" flipH="0" flipV="1">
-              <a:off x="6331034" y="469833"/>
+              <a:off x="6331034" y="469832"/>
               <a:ext cx="433263" cy="1447799"/>
             </a:xfrm>
             <a:prstGeom prst="straightConnector1">
@@ -32049,6 +32215,3125 @@
 </p:sld>
 </file>
 
+<file path=ppt/slides/slide24.xml><?xml version="1.0" encoding="utf-8"?>
+<p:sld xmlns:a="http://schemas.openxmlformats.org/drawingml/2006/main" xmlns:r="http://schemas.openxmlformats.org/officeDocument/2006/relationships" xmlns:p="http://schemas.openxmlformats.org/presentationml/2006/main" xmlns:m="http://schemas.openxmlformats.org/officeDocument/2006/math" xmlns:w="http://schemas.openxmlformats.org/wordprocessingml/2006/main" showMasterPhAnim="0" show="1">
+  <p:cSld name="">
+    <p:spTree>
+      <p:nvGrpSpPr>
+        <p:cNvPr id="1" name=""/>
+        <p:cNvGrpSpPr/>
+        <p:nvPr/>
+      </p:nvGrpSpPr>
+      <p:grpSpPr bwMode="auto">
+        <a:xfrm>
+          <a:off x="0" y="0"/>
+          <a:ext cx="0" cy="0"/>
+          <a:chOff x="0" y="0"/>
+          <a:chExt cx="0" cy="0"/>
+        </a:xfrm>
+      </p:grpSpPr>
+      <p:grpSp>
+        <p:nvGrpSpPr>
+          <p:cNvPr id="709603157" name=""/>
+          <p:cNvGrpSpPr/>
+          <p:nvPr/>
+        </p:nvGrpSpPr>
+        <p:grpSpPr bwMode="auto">
+          <a:xfrm>
+            <a:off x="36119" y="1528671"/>
+            <a:ext cx="11839638" cy="4039617"/>
+            <a:chOff x="0" y="0"/>
+            <a:chExt cx="11839638" cy="4039617"/>
+          </a:xfrm>
+        </p:grpSpPr>
+        <p:sp>
+          <p:nvSpPr>
+            <p:cNvPr id="1243017021" name="Oval 3"/>
+            <p:cNvSpPr/>
+            <p:nvPr/>
+          </p:nvSpPr>
+          <p:spPr bwMode="auto">
+            <a:xfrm rot="0" flipH="0" flipV="0">
+              <a:off x="0" y="0"/>
+              <a:ext cx="1584571" cy="1584571"/>
+            </a:xfrm>
+            <a:prstGeom prst="ellipse">
+              <a:avLst/>
+            </a:prstGeom>
+            <a:solidFill>
+              <a:schemeClr val="bg1"/>
+            </a:solidFill>
+            <a:ln>
+              <a:tailEnd w="lg" len="lg"/>
+            </a:ln>
+          </p:spPr>
+          <p:style>
+            <a:lnRef idx="2">
+              <a:schemeClr val="accent1">
+                <a:shade val="15000"/>
+              </a:schemeClr>
+            </a:lnRef>
+            <a:fillRef idx="1">
+              <a:schemeClr val="accent1"/>
+            </a:fillRef>
+            <a:effectRef idx="0">
+              <a:schemeClr val="accent1"/>
+            </a:effectRef>
+            <a:fontRef idx="minor">
+              <a:schemeClr val="lt1"/>
+            </a:fontRef>
+          </p:style>
+          <p:txBody>
+            <a:bodyPr rtlCol="0" anchor="ctr"/>
+            <a:lstStyle/>
+            <a:p>
+              <a:pPr algn="ctr">
+                <a:defRPr/>
+              </a:pPr>
+              <mc:AlternateContent xmlns:mc="http://schemas.openxmlformats.org/markup-compatibility/2006" xmlns:m="http://schemas.openxmlformats.org/officeDocument/2006/math">
+                <mc:Choice xmlns:a14="http://schemas.microsoft.com/office/drawing/2010/main" Requires="a14">
+                  <a14:m>
+                    <m:oMathPara>
+                      <m:oMathParaPr/>
+                      <m:oMath>
+                        <m:sSub>
+                          <m:sSubPr>
+                            <m:ctrlPr>
+                              <a:rPr sz="1800">
+                                <a:solidFill>
+                                  <a:schemeClr val="accent1"/>
+                                </a:solidFill>
+                                <a:latin typeface="Cambria Math"/>
+                                <a:ea typeface="Cambria Math"/>
+                                <a:cs typeface="Cambria Math"/>
+                              </a:rPr>
+                            </m:ctrlPr>
+                          </m:sSubPr>
+                          <m:e>
+                            <m:r>
+                              <m:rPr/>
+                              <a:rPr sz="1800">
+                                <a:solidFill>
+                                  <a:schemeClr val="accent1"/>
+                                </a:solidFill>
+                                <a:latin typeface="Cambria Math"/>
+                                <a:ea typeface="Cambria Math"/>
+                                <a:cs typeface="Cambria Math"/>
+                              </a:rPr>
+                              <m:t>x</m:t>
+                            </m:r>
+                          </m:e>
+                          <m:sub>
+                            <m:r>
+                              <m:rPr/>
+                              <a:rPr sz="1800">
+                                <a:solidFill>
+                                  <a:schemeClr val="accent1"/>
+                                </a:solidFill>
+                                <a:latin typeface="Cambria Math"/>
+                                <a:ea typeface="Cambria Math"/>
+                                <a:cs typeface="Cambria Math"/>
+                              </a:rPr>
+                              <m:t>1</m:t>
+                            </m:r>
+                          </m:sub>
+                        </m:sSub>
+                      </m:oMath>
+                    </m:oMathPara>
+                  </a14:m>
+                </mc:Choice>
+                <mc:Fallback/>
+              </mc:AlternateContent>
+              <a:endParaRPr sz="1800">
+                <a:solidFill>
+                  <a:schemeClr val="tx1"/>
+                </a:solidFill>
+                <a:latin typeface="Cambria Math"/>
+                <a:ea typeface="Cambria Math"/>
+                <a:cs typeface="Cambria Math"/>
+              </a:endParaRPr>
+            </a:p>
+            <a:p>
+              <a:pPr algn="ctr">
+                <a:defRPr/>
+              </a:pPr>
+              <mc:AlternateContent xmlns:mc="http://schemas.openxmlformats.org/markup-compatibility/2006" xmlns:m="http://schemas.openxmlformats.org/officeDocument/2006/math">
+                <mc:Choice xmlns:a14="http://schemas.microsoft.com/office/drawing/2010/main" Requires="a14">
+                  <a14:m>
+                    <m:oMathPara>
+                      <m:oMathParaPr/>
+                      <m:oMath>
+                        <m:sSub>
+                          <m:sSubPr>
+                            <m:ctrlPr>
+                              <a:rPr sz="1800">
+                                <a:solidFill>
+                                  <a:srgbClr val="C00000"/>
+                                </a:solidFill>
+                                <a:latin typeface="Cambria Math"/>
+                                <a:ea typeface="Cambria Math"/>
+                                <a:cs typeface="Cambria Math"/>
+                              </a:rPr>
+                            </m:ctrlPr>
+                          </m:sSubPr>
+                          <m:e>
+                            <m:acc>
+                              <m:accPr>
+                                <m:chr m:val="̅"/>
+                                <m:ctrlPr>
+                                  <a:rPr sz="1800">
+                                    <a:solidFill>
+                                      <a:srgbClr val="C00000"/>
+                                    </a:solidFill>
+                                    <a:latin typeface="Cambria Math"/>
+                                    <a:ea typeface="Cambria Math"/>
+                                    <a:cs typeface="Cambria Math"/>
+                                  </a:rPr>
+                                </m:ctrlPr>
+                              </m:accPr>
+                              <m:e>
+                                <m:r>
+                                  <m:rPr/>
+                                  <a:rPr sz="1800">
+                                    <a:solidFill>
+                                      <a:srgbClr val="C00000"/>
+                                    </a:solidFill>
+                                    <a:latin typeface="Cambria Math"/>
+                                    <a:ea typeface="Cambria Math"/>
+                                    <a:cs typeface="Cambria Math"/>
+                                  </a:rPr>
+                                  <m:t>x</m:t>
+                                </m:r>
+                              </m:e>
+                            </m:acc>
+                          </m:e>
+                          <m:sub>
+                            <m:r>
+                              <m:rPr/>
+                              <a:rPr sz="1800">
+                                <a:solidFill>
+                                  <a:srgbClr val="C00000"/>
+                                </a:solidFill>
+                                <a:latin typeface="Cambria Math"/>
+                                <a:ea typeface="Cambria Math"/>
+                                <a:cs typeface="Cambria Math"/>
+                              </a:rPr>
+                              <m:t>1</m:t>
+                            </m:r>
+                          </m:sub>
+                        </m:sSub>
+                        <m:r>
+                          <m:rPr/>
+                          <a:rPr sz="1800">
+                            <a:solidFill>
+                              <a:schemeClr val="tx1"/>
+                            </a:solidFill>
+                            <a:latin typeface="Cambria Math"/>
+                            <a:ea typeface="Cambria Math"/>
+                            <a:cs typeface="Cambria Math"/>
+                          </a:rPr>
+                          <m:t>=</m:t>
+                        </m:r>
+                        <m:r>
+                          <m:rPr/>
+                          <a:rPr sz="1800">
+                            <a:solidFill>
+                              <a:schemeClr val="tx1"/>
+                            </a:solidFill>
+                            <a:latin typeface="Cambria Math"/>
+                            <a:ea typeface="Cambria Math"/>
+                            <a:cs typeface="Cambria Math"/>
+                          </a:rPr>
+                          <m:t>?</m:t>
+                        </m:r>
+                      </m:oMath>
+                    </m:oMathPara>
+                  </a14:m>
+                </mc:Choice>
+                <mc:Fallback/>
+              </mc:AlternateContent>
+              <a:endParaRPr sz="1800" u="none" strike="noStrike" cap="none" spc="0">
+                <a:solidFill>
+                  <a:schemeClr val="tx1"/>
+                </a:solidFill>
+                <a:latin typeface="Cambria Math"/>
+                <a:ea typeface="Cambria Math"/>
+                <a:cs typeface="Cambria Math"/>
+              </a:endParaRPr>
+            </a:p>
+          </p:txBody>
+        </p:sp>
+        <p:cxnSp>
+          <p:nvCxnSpPr>
+            <p:cNvPr id="188129020" name="Straight Arrow Connector 8"/>
+            <p:cNvCxnSpPr>
+              <a:cxnSpLocks/>
+              <a:stCxn id="1243017021" idx="6"/>
+              <a:endCxn id="41155727" idx="2"/>
+            </p:cNvCxnSpPr>
+            <p:nvPr/>
+          </p:nvCxnSpPr>
+          <p:spPr bwMode="auto">
+            <a:xfrm rot="0" flipH="0" flipV="0">
+              <a:off x="1584571" y="792285"/>
+              <a:ext cx="1302809" cy="535781"/>
+            </a:xfrm>
+            <a:prstGeom prst="straightConnector1">
+              <a:avLst/>
+            </a:prstGeom>
+            <a:ln>
+              <a:tailEnd type="triangle" w="lg" len="lg"/>
+            </a:ln>
+          </p:spPr>
+          <p:style>
+            <a:lnRef idx="2">
+              <a:schemeClr val="accent1">
+                <a:shade val="15000"/>
+              </a:schemeClr>
+            </a:lnRef>
+            <a:fillRef idx="1">
+              <a:schemeClr val="accent1"/>
+            </a:fillRef>
+            <a:effectRef idx="0">
+              <a:schemeClr val="accent1"/>
+            </a:effectRef>
+            <a:fontRef idx="minor">
+              <a:schemeClr val="lt1"/>
+            </a:fontRef>
+          </p:style>
+        </p:cxnSp>
+        <p:sp>
+          <p:nvSpPr>
+            <p:cNvPr id="41155727" name="Oval 3"/>
+            <p:cNvSpPr/>
+            <p:nvPr/>
+          </p:nvSpPr>
+          <p:spPr bwMode="auto">
+            <a:xfrm rot="0" flipH="0" flipV="0">
+              <a:off x="2887381" y="535781"/>
+              <a:ext cx="1584571" cy="1584571"/>
+            </a:xfrm>
+            <a:prstGeom prst="ellipse">
+              <a:avLst/>
+            </a:prstGeom>
+            <a:solidFill>
+              <a:schemeClr val="bg1"/>
+            </a:solidFill>
+            <a:ln>
+              <a:tailEnd w="lg" len="lg"/>
+            </a:ln>
+          </p:spPr>
+          <p:style>
+            <a:lnRef idx="2">
+              <a:schemeClr val="accent1">
+                <a:shade val="15000"/>
+              </a:schemeClr>
+            </a:lnRef>
+            <a:fillRef idx="1">
+              <a:schemeClr val="accent1"/>
+            </a:fillRef>
+            <a:effectRef idx="0">
+              <a:schemeClr val="accent1"/>
+            </a:effectRef>
+            <a:fontRef idx="minor">
+              <a:schemeClr val="lt1"/>
+            </a:fontRef>
+          </p:style>
+          <p:txBody>
+            <a:bodyPr vertOverflow="overflow" horzOverflow="overflow" vert="horz" wrap="square" lIns="0" tIns="43200" rIns="0" bIns="45720" numCol="1" spcCol="0" rtlCol="0" fromWordArt="0" anchor="ctr" anchorCtr="0" forceAA="0" upright="0" compatLnSpc="0"/>
+            <a:lstStyle/>
+            <a:p>
+              <a:pPr algn="ctr">
+                <a:defRPr/>
+              </a:pPr>
+              <mc:AlternateContent xmlns:mc="http://schemas.openxmlformats.org/markup-compatibility/2006" xmlns:m="http://schemas.openxmlformats.org/officeDocument/2006/math">
+                <mc:Choice xmlns:a14="http://schemas.microsoft.com/office/drawing/2010/main" Requires="a14">
+                  <a14:m>
+                    <m:oMathPara>
+                      <m:oMathParaPr/>
+                      <m:oMath>
+                        <m:sSub>
+                          <m:sSubPr>
+                            <m:ctrlPr>
+                              <a:rPr sz="1800">
+                                <a:solidFill>
+                                  <a:schemeClr val="accent1"/>
+                                </a:solidFill>
+                                <a:latin typeface="Cambria Math"/>
+                                <a:ea typeface="Cambria Math"/>
+                                <a:cs typeface="Cambria Math"/>
+                              </a:rPr>
+                            </m:ctrlPr>
+                          </m:sSubPr>
+                          <m:e>
+                            <m:r>
+                              <m:rPr/>
+                              <a:rPr sz="1800">
+                                <a:solidFill>
+                                  <a:schemeClr val="accent1"/>
+                                </a:solidFill>
+                                <a:latin typeface="Cambria Math"/>
+                                <a:ea typeface="Cambria Math"/>
+                                <a:cs typeface="Cambria Math"/>
+                              </a:rPr>
+                              <m:t>x</m:t>
+                            </m:r>
+                          </m:e>
+                          <m:sub>
+                            <m:r>
+                              <m:rPr/>
+                              <a:rPr sz="1800">
+                                <a:solidFill>
+                                  <a:schemeClr val="accent1"/>
+                                </a:solidFill>
+                                <a:latin typeface="Cambria Math"/>
+                                <a:ea typeface="Cambria Math"/>
+                                <a:cs typeface="Cambria Math"/>
+                              </a:rPr>
+                              <m:t>3</m:t>
+                            </m:r>
+                          </m:sub>
+                        </m:sSub>
+                        <m:r>
+                          <m:rPr/>
+                          <a:rPr sz="1800">
+                            <a:solidFill>
+                              <a:schemeClr val="tx1"/>
+                            </a:solidFill>
+                            <a:latin typeface="Cambria Math"/>
+                            <a:ea typeface="Cambria Math"/>
+                            <a:cs typeface="Cambria Math"/>
+                          </a:rPr>
+                          <m:t> </m:t>
+                        </m:r>
+                        <m:r>
+                          <m:rPr/>
+                          <a:rPr>
+                            <a:solidFill>
+                              <a:schemeClr val="tx1"/>
+                            </a:solidFill>
+                            <a:latin typeface="Cambria Math"/>
+                            <a:ea typeface="Cambria Math"/>
+                            <a:cs typeface="Cambria Math"/>
+                          </a:rPr>
+                          <m:t>=</m:t>
+                        </m:r>
+                        <m:sSub>
+                          <m:sSubPr>
+                            <m:ctrlPr>
+                              <a:rPr>
+                                <a:solidFill>
+                                  <a:schemeClr val="tx1"/>
+                                </a:solidFill>
+                                <a:latin typeface="Cambria Math"/>
+                                <a:ea typeface="Cambria Math"/>
+                                <a:cs typeface="Cambria Math"/>
+                              </a:rPr>
+                            </m:ctrlPr>
+                          </m:sSubPr>
+                          <m:e>
+                            <m:r>
+                              <m:rPr/>
+                              <a:rPr>
+                                <a:solidFill>
+                                  <a:schemeClr val="tx1"/>
+                                </a:solidFill>
+                                <a:latin typeface="Cambria Math"/>
+                                <a:ea typeface="Cambria Math"/>
+                                <a:cs typeface="Cambria Math"/>
+                              </a:rPr>
+                              <m:t>x</m:t>
+                            </m:r>
+                          </m:e>
+                          <m:sub>
+                            <m:r>
+                              <m:rPr/>
+                              <a:rPr>
+                                <a:solidFill>
+                                  <a:schemeClr val="tx1"/>
+                                </a:solidFill>
+                                <a:latin typeface="Cambria Math"/>
+                                <a:ea typeface="Cambria Math"/>
+                                <a:cs typeface="Cambria Math"/>
+                              </a:rPr>
+                              <m:t>1</m:t>
+                            </m:r>
+                          </m:sub>
+                        </m:sSub>
+                        <m:sSub>
+                          <m:sSubPr>
+                            <m:ctrlPr>
+                              <a:rPr>
+                                <a:solidFill>
+                                  <a:schemeClr val="tx1"/>
+                                </a:solidFill>
+                                <a:latin typeface="Cambria Math"/>
+                                <a:ea typeface="Cambria Math"/>
+                                <a:cs typeface="Cambria Math"/>
+                              </a:rPr>
+                            </m:ctrlPr>
+                          </m:sSubPr>
+                          <m:e>
+                            <m:r>
+                              <m:rPr/>
+                              <a:rPr>
+                                <a:solidFill>
+                                  <a:schemeClr val="tx1"/>
+                                </a:solidFill>
+                                <a:latin typeface="Cambria Math"/>
+                                <a:ea typeface="Cambria Math"/>
+                                <a:cs typeface="Cambria Math"/>
+                              </a:rPr>
+                              <m:t>x</m:t>
+                            </m:r>
+                          </m:e>
+                          <m:sub>
+                            <m:r>
+                              <m:rPr/>
+                              <a:rPr>
+                                <a:solidFill>
+                                  <a:schemeClr val="tx1"/>
+                                </a:solidFill>
+                                <a:latin typeface="Cambria Math"/>
+                                <a:ea typeface="Cambria Math"/>
+                                <a:cs typeface="Cambria Math"/>
+                              </a:rPr>
+                              <m:t>2</m:t>
+                            </m:r>
+                          </m:sub>
+                        </m:sSub>
+                      </m:oMath>
+                    </m:oMathPara>
+                  </a14:m>
+                </mc:Choice>
+                <mc:Fallback/>
+              </mc:AlternateContent>
+              <a:endParaRPr sz="1800">
+                <a:solidFill>
+                  <a:schemeClr val="tx1"/>
+                </a:solidFill>
+              </a:endParaRPr>
+            </a:p>
+            <a:p>
+              <a:pPr algn="ctr">
+                <a:defRPr/>
+              </a:pPr>
+              <mc:AlternateContent xmlns:mc="http://schemas.openxmlformats.org/markup-compatibility/2006" xmlns:m="http://schemas.openxmlformats.org/officeDocument/2006/math">
+                <mc:Choice xmlns:a14="http://schemas.microsoft.com/office/drawing/2010/main" Requires="a14">
+                  <a14:m>
+                    <m:oMathPara>
+                      <m:oMathParaPr/>
+                      <m:oMath>
+                        <m:sSub>
+                          <m:sSubPr>
+                            <m:ctrlPr>
+                              <a:rPr sz="1800">
+                                <a:solidFill>
+                                  <a:srgbClr val="C00000"/>
+                                </a:solidFill>
+                                <a:latin typeface="Cambria Math"/>
+                                <a:ea typeface="Cambria Math"/>
+                                <a:cs typeface="Cambria Math"/>
+                              </a:rPr>
+                            </m:ctrlPr>
+                          </m:sSubPr>
+                          <m:e>
+                            <m:acc>
+                              <m:accPr>
+                                <m:chr m:val="̅"/>
+                                <m:ctrlPr>
+                                  <a:rPr sz="1800">
+                                    <a:solidFill>
+                                      <a:srgbClr val="C00000"/>
+                                    </a:solidFill>
+                                    <a:latin typeface="Cambria Math"/>
+                                    <a:ea typeface="Cambria Math"/>
+                                    <a:cs typeface="Cambria Math"/>
+                                  </a:rPr>
+                                </m:ctrlPr>
+                              </m:accPr>
+                              <m:e>
+                                <m:r>
+                                  <m:rPr/>
+                                  <a:rPr sz="1800">
+                                    <a:solidFill>
+                                      <a:srgbClr val="C00000"/>
+                                    </a:solidFill>
+                                    <a:latin typeface="Cambria Math"/>
+                                    <a:ea typeface="Cambria Math"/>
+                                    <a:cs typeface="Cambria Math"/>
+                                  </a:rPr>
+                                  <m:t>x</m:t>
+                                </m:r>
+                              </m:e>
+                            </m:acc>
+                          </m:e>
+                          <m:sub>
+                            <m:r>
+                              <m:rPr/>
+                              <a:rPr sz="1800">
+                                <a:solidFill>
+                                  <a:srgbClr val="C00000"/>
+                                </a:solidFill>
+                                <a:latin typeface="Cambria Math"/>
+                                <a:ea typeface="Cambria Math"/>
+                                <a:cs typeface="Cambria Math"/>
+                              </a:rPr>
+                              <m:t>3</m:t>
+                            </m:r>
+                          </m:sub>
+                        </m:sSub>
+                        <m:r>
+                          <m:rPr/>
+                          <a:rPr sz="1800">
+                            <a:solidFill>
+                              <a:schemeClr val="tx1"/>
+                            </a:solidFill>
+                            <a:latin typeface="Cambria Math"/>
+                            <a:ea typeface="Cambria Math"/>
+                            <a:cs typeface="Cambria Math"/>
+                          </a:rPr>
+                          <m:t>=</m:t>
+                        </m:r>
+                        <m:r>
+                          <m:rPr/>
+                          <a:rPr sz="1800">
+                            <a:solidFill>
+                              <a:schemeClr val="tx1"/>
+                            </a:solidFill>
+                            <a:latin typeface="Cambria Math"/>
+                            <a:ea typeface="Cambria Math"/>
+                            <a:cs typeface="Cambria Math"/>
+                          </a:rPr>
+                          <m:t>?</m:t>
+                        </m:r>
+                      </m:oMath>
+                    </m:oMathPara>
+                  </a14:m>
+                </mc:Choice>
+                <mc:Fallback/>
+              </mc:AlternateContent>
+              <a:endParaRPr sz="1800">
+                <a:solidFill>
+                  <a:schemeClr val="tx1"/>
+                </a:solidFill>
+              </a:endParaRPr>
+            </a:p>
+          </p:txBody>
+        </p:sp>
+        <p:sp>
+          <p:nvSpPr>
+            <p:cNvPr id="81929582" name="Oval 3"/>
+            <p:cNvSpPr/>
+            <p:nvPr/>
+          </p:nvSpPr>
+          <p:spPr bwMode="auto">
+            <a:xfrm rot="0" flipH="0" flipV="0">
+              <a:off x="5386656" y="541809"/>
+              <a:ext cx="1584571" cy="1584571"/>
+            </a:xfrm>
+            <a:prstGeom prst="ellipse">
+              <a:avLst/>
+            </a:prstGeom>
+            <a:solidFill>
+              <a:schemeClr val="bg1"/>
+            </a:solidFill>
+            <a:ln>
+              <a:tailEnd w="lg" len="lg"/>
+            </a:ln>
+          </p:spPr>
+          <p:style>
+            <a:lnRef idx="2">
+              <a:schemeClr val="accent1">
+                <a:shade val="15000"/>
+              </a:schemeClr>
+            </a:lnRef>
+            <a:fillRef idx="1">
+              <a:schemeClr val="accent1"/>
+            </a:fillRef>
+            <a:effectRef idx="0">
+              <a:schemeClr val="accent1"/>
+            </a:effectRef>
+            <a:fontRef idx="minor">
+              <a:schemeClr val="lt1"/>
+            </a:fontRef>
+          </p:style>
+          <p:txBody>
+            <a:bodyPr vertOverflow="overflow" horzOverflow="overflow" vert="horz" wrap="square" lIns="0" tIns="43200" rIns="0" bIns="45720" numCol="1" spcCol="0" rtlCol="0" fromWordArt="0" anchor="ctr" anchorCtr="0" forceAA="0" upright="0" compatLnSpc="0"/>
+            <a:lstStyle/>
+            <a:p>
+              <a:pPr algn="ctr">
+                <a:defRPr/>
+              </a:pPr>
+              <mc:AlternateContent xmlns:mc="http://schemas.openxmlformats.org/markup-compatibility/2006" xmlns:m="http://schemas.openxmlformats.org/officeDocument/2006/math">
+                <mc:Choice xmlns:a14="http://schemas.microsoft.com/office/drawing/2010/main" Requires="a14">
+                  <a14:m>
+                    <m:oMathPara>
+                      <m:oMathParaPr/>
+                      <m:oMath>
+                        <m:sSub>
+                          <m:sSubPr>
+                            <m:ctrlPr>
+                              <a:rPr sz="1800">
+                                <a:solidFill>
+                                  <a:schemeClr val="accent1"/>
+                                </a:solidFill>
+                                <a:latin typeface="Cambria Math"/>
+                                <a:ea typeface="Cambria Math"/>
+                                <a:cs typeface="Cambria Math"/>
+                              </a:rPr>
+                            </m:ctrlPr>
+                          </m:sSubPr>
+                          <m:e>
+                            <m:r>
+                              <m:rPr/>
+                              <a:rPr sz="1800">
+                                <a:solidFill>
+                                  <a:schemeClr val="accent1"/>
+                                </a:solidFill>
+                                <a:latin typeface="Cambria Math"/>
+                                <a:ea typeface="Cambria Math"/>
+                                <a:cs typeface="Cambria Math"/>
+                              </a:rPr>
+                              <m:t>x</m:t>
+                            </m:r>
+                          </m:e>
+                          <m:sub>
+                            <m:r>
+                              <m:rPr/>
+                              <a:rPr sz="1800">
+                                <a:solidFill>
+                                  <a:schemeClr val="accent1"/>
+                                </a:solidFill>
+                                <a:latin typeface="Cambria Math"/>
+                                <a:ea typeface="Cambria Math"/>
+                                <a:cs typeface="Cambria Math"/>
+                              </a:rPr>
+                              <m:t>4</m:t>
+                            </m:r>
+                          </m:sub>
+                        </m:sSub>
+                        <m:r>
+                          <m:rPr/>
+                          <a:rPr>
+                            <a:solidFill>
+                              <a:schemeClr val="tx1"/>
+                            </a:solidFill>
+                            <a:latin typeface="Cambria Math"/>
+                            <a:ea typeface="Cambria Math"/>
+                            <a:cs typeface="Cambria Math"/>
+                          </a:rPr>
+                          <m:t>=</m:t>
+                        </m:r>
+                        <m:func>
+                          <m:funcPr>
+                            <m:ctrlPr>
+                              <a:rPr>
+                                <a:solidFill>
+                                  <a:schemeClr val="tx1"/>
+                                </a:solidFill>
+                                <a:latin typeface="Cambria Math"/>
+                                <a:ea typeface="Cambria Math"/>
+                                <a:cs typeface="Cambria Math"/>
+                              </a:rPr>
+                            </m:ctrlPr>
+                          </m:funcPr>
+                          <m:fName>
+                            <m:r>
+                              <m:rPr>
+                                <m:sty m:val="p"/>
+                              </m:rPr>
+                              <a:rPr>
+                                <a:solidFill>
+                                  <a:schemeClr val="tx1"/>
+                                </a:solidFill>
+                                <a:latin typeface="Cambria Math"/>
+                                <a:ea typeface="Cambria Math"/>
+                                <a:cs typeface="Cambria Math"/>
+                              </a:rPr>
+                              <m:t>exp</m:t>
+                            </m:r>
+                          </m:fName>
+                          <m:e>
+                            <m:sSub>
+                              <m:sSubPr>
+                                <m:ctrlPr>
+                                  <a:rPr>
+                                    <a:solidFill>
+                                      <a:schemeClr val="tx1"/>
+                                    </a:solidFill>
+                                    <a:latin typeface="Cambria Math"/>
+                                    <a:ea typeface="Cambria Math"/>
+                                    <a:cs typeface="Cambria Math"/>
+                                  </a:rPr>
+                                </m:ctrlPr>
+                              </m:sSubPr>
+                              <m:e>
+                                <m:r>
+                                  <m:rPr/>
+                                  <a:rPr>
+                                    <a:solidFill>
+                                      <a:schemeClr val="tx1"/>
+                                    </a:solidFill>
+                                    <a:latin typeface="Cambria Math"/>
+                                    <a:ea typeface="Cambria Math"/>
+                                    <a:cs typeface="Cambria Math"/>
+                                  </a:rPr>
+                                  <m:t>x</m:t>
+                                </m:r>
+                              </m:e>
+                              <m:sub>
+                                <m:r>
+                                  <m:rPr/>
+                                  <a:rPr>
+                                    <a:solidFill>
+                                      <a:schemeClr val="tx1"/>
+                                    </a:solidFill>
+                                    <a:latin typeface="Cambria Math"/>
+                                    <a:ea typeface="Cambria Math"/>
+                                    <a:cs typeface="Cambria Math"/>
+                                  </a:rPr>
+                                  <m:t>3</m:t>
+                                </m:r>
+                              </m:sub>
+                            </m:sSub>
+                          </m:e>
+                        </m:func>
+                      </m:oMath>
+                    </m:oMathPara>
+                  </a14:m>
+                </mc:Choice>
+                <mc:Fallback/>
+              </mc:AlternateContent>
+              <a:endParaRPr sz="1800">
+                <a:solidFill>
+                  <a:schemeClr val="tx1"/>
+                </a:solidFill>
+              </a:endParaRPr>
+            </a:p>
+            <a:p>
+              <a:pPr algn="ctr">
+                <a:defRPr/>
+              </a:pPr>
+              <mc:AlternateContent xmlns:mc="http://schemas.openxmlformats.org/markup-compatibility/2006" xmlns:m="http://schemas.openxmlformats.org/officeDocument/2006/math">
+                <mc:Choice xmlns:a14="http://schemas.microsoft.com/office/drawing/2010/main" Requires="a14">
+                  <a14:m>
+                    <m:oMathPara>
+                      <m:oMathParaPr/>
+                      <m:oMath>
+                        <m:sSub>
+                          <m:sSubPr>
+                            <m:ctrlPr>
+                              <a:rPr sz="1800">
+                                <a:solidFill>
+                                  <a:srgbClr val="C00000"/>
+                                </a:solidFill>
+                                <a:latin typeface="Cambria Math"/>
+                                <a:ea typeface="Cambria Math"/>
+                                <a:cs typeface="Cambria Math"/>
+                              </a:rPr>
+                            </m:ctrlPr>
+                          </m:sSubPr>
+                          <m:e>
+                            <m:acc>
+                              <m:accPr>
+                                <m:chr m:val="̅"/>
+                                <m:ctrlPr>
+                                  <a:rPr sz="1800">
+                                    <a:solidFill>
+                                      <a:srgbClr val="C00000"/>
+                                    </a:solidFill>
+                                    <a:latin typeface="Cambria Math"/>
+                                    <a:ea typeface="Cambria Math"/>
+                                    <a:cs typeface="Cambria Math"/>
+                                  </a:rPr>
+                                </m:ctrlPr>
+                              </m:accPr>
+                              <m:e>
+                                <m:r>
+                                  <m:rPr/>
+                                  <a:rPr sz="1800">
+                                    <a:solidFill>
+                                      <a:srgbClr val="C00000"/>
+                                    </a:solidFill>
+                                    <a:latin typeface="Cambria Math"/>
+                                    <a:ea typeface="Cambria Math"/>
+                                    <a:cs typeface="Cambria Math"/>
+                                  </a:rPr>
+                                  <m:t>x</m:t>
+                                </m:r>
+                              </m:e>
+                            </m:acc>
+                          </m:e>
+                          <m:sub>
+                            <m:r>
+                              <m:rPr/>
+                              <a:rPr sz="1800">
+                                <a:solidFill>
+                                  <a:srgbClr val="C00000"/>
+                                </a:solidFill>
+                                <a:latin typeface="Cambria Math"/>
+                                <a:ea typeface="Cambria Math"/>
+                                <a:cs typeface="Cambria Math"/>
+                              </a:rPr>
+                              <m:t>4</m:t>
+                            </m:r>
+                          </m:sub>
+                        </m:sSub>
+                        <m:r>
+                          <m:rPr/>
+                          <a:rPr sz="1800">
+                            <a:solidFill>
+                              <a:schemeClr val="tx1"/>
+                            </a:solidFill>
+                            <a:latin typeface="Cambria Math"/>
+                            <a:ea typeface="Cambria Math"/>
+                            <a:cs typeface="Cambria Math"/>
+                          </a:rPr>
+                          <m:t>=</m:t>
+                        </m:r>
+                        <m:r>
+                          <m:rPr/>
+                          <a:rPr sz="1800">
+                            <a:solidFill>
+                              <a:schemeClr val="tx1"/>
+                            </a:solidFill>
+                            <a:latin typeface="Cambria Math"/>
+                            <a:ea typeface="Cambria Math"/>
+                            <a:cs typeface="Cambria Math"/>
+                          </a:rPr>
+                          <m:t>?</m:t>
+                        </m:r>
+                      </m:oMath>
+                    </m:oMathPara>
+                  </a14:m>
+                </mc:Choice>
+                <mc:Fallback/>
+              </mc:AlternateContent>
+              <a:endParaRPr sz="1800">
+                <a:solidFill>
+                  <a:schemeClr val="tx1"/>
+                </a:solidFill>
+              </a:endParaRPr>
+            </a:p>
+          </p:txBody>
+        </p:sp>
+        <p:cxnSp>
+          <p:nvCxnSpPr>
+            <p:cNvPr id="190137475" name="Straight Arrow Connector 8"/>
+            <p:cNvCxnSpPr>
+              <a:cxnSpLocks/>
+              <a:stCxn id="41155727" idx="6"/>
+              <a:endCxn id="81929582" idx="2"/>
+            </p:cNvCxnSpPr>
+            <p:nvPr/>
+          </p:nvCxnSpPr>
+          <p:spPr bwMode="auto">
+            <a:xfrm rot="0" flipH="0" flipV="0">
+              <a:off x="4471953" y="1331081"/>
+              <a:ext cx="914703" cy="0"/>
+            </a:xfrm>
+            <a:prstGeom prst="straightConnector1">
+              <a:avLst/>
+            </a:prstGeom>
+            <a:ln>
+              <a:tailEnd type="triangle" w="lg" len="lg"/>
+            </a:ln>
+          </p:spPr>
+          <p:style>
+            <a:lnRef idx="2">
+              <a:schemeClr val="accent1">
+                <a:shade val="15000"/>
+              </a:schemeClr>
+            </a:lnRef>
+            <a:fillRef idx="1">
+              <a:schemeClr val="accent1"/>
+            </a:fillRef>
+            <a:effectRef idx="0">
+              <a:schemeClr val="accent1"/>
+            </a:effectRef>
+            <a:fontRef idx="minor">
+              <a:schemeClr val="lt1"/>
+            </a:fontRef>
+          </p:style>
+        </p:cxnSp>
+        <p:cxnSp>
+          <p:nvCxnSpPr>
+            <p:cNvPr id="672242390" name="Straight Arrow Connector 8"/>
+            <p:cNvCxnSpPr>
+              <a:cxnSpLocks/>
+              <a:stCxn id="818974840" idx="6"/>
+              <a:endCxn id="100141698" idx="2"/>
+            </p:cNvCxnSpPr>
+            <p:nvPr/>
+          </p:nvCxnSpPr>
+          <p:spPr bwMode="auto">
+            <a:xfrm rot="0" flipH="0" flipV="1">
+              <a:off x="1584571" y="2218697"/>
+              <a:ext cx="6077277" cy="1028633"/>
+            </a:xfrm>
+            <a:prstGeom prst="straightConnector1">
+              <a:avLst/>
+            </a:prstGeom>
+            <a:ln>
+              <a:tailEnd type="triangle" w="lg" len="lg"/>
+            </a:ln>
+          </p:spPr>
+          <p:style>
+            <a:lnRef idx="2">
+              <a:schemeClr val="accent1">
+                <a:shade val="15000"/>
+              </a:schemeClr>
+            </a:lnRef>
+            <a:fillRef idx="1">
+              <a:schemeClr val="accent1"/>
+            </a:fillRef>
+            <a:effectRef idx="0">
+              <a:schemeClr val="accent1"/>
+            </a:effectRef>
+            <a:fontRef idx="minor">
+              <a:schemeClr val="lt1"/>
+            </a:fontRef>
+          </p:style>
+        </p:cxnSp>
+        <p:sp>
+          <p:nvSpPr>
+            <p:cNvPr id="2106870309" name=""/>
+            <p:cNvSpPr txBox="1"/>
+            <p:nvPr/>
+          </p:nvSpPr>
+          <p:spPr bwMode="auto">
+            <a:xfrm rot="0" flipH="0" flipV="0">
+              <a:off x="9305745" y="1586905"/>
+              <a:ext cx="2533893" cy="625574"/>
+            </a:xfrm>
+            <a:prstGeom prst="rect">
+              <a:avLst/>
+            </a:prstGeom>
+            <a:noFill/>
+          </p:spPr>
+          <p:txBody>
+            <a:bodyPr vertOverflow="overflow" horzOverflow="overflow" vert="horz" wrap="square" lIns="91440" tIns="45720" rIns="91440" bIns="45720" numCol="1" spcCol="0" rtlCol="0" fromWordArt="0" anchor="t" anchorCtr="0" forceAA="0" upright="0" compatLnSpc="0">
+              <a:spAutoFit/>
+            </a:bodyPr>
+            <a:p>
+              <a:pPr algn="l">
+                <a:defRPr/>
+              </a:pPr>
+              <mc:AlternateContent xmlns:mc="http://schemas.openxmlformats.org/markup-compatibility/2006" xmlns:m="http://schemas.openxmlformats.org/officeDocument/2006/math">
+                <mc:Choice xmlns:a14="http://schemas.microsoft.com/office/drawing/2010/main" Requires="a14">
+                  <a14:m>
+                    <m:oMathPara>
+                      <m:oMathParaPr/>
+                      <m:oMath>
+                        <m:r>
+                          <m:rPr>
+                            <m:sty m:val="i"/>
+                          </m:rPr>
+                          <a:rPr lang="de-DE" sz="2000" u="none" strike="noStrike" cap="none" spc="0">
+                            <a:solidFill>
+                              <a:schemeClr val="tx1"/>
+                            </a:solidFill>
+                            <a:latin typeface="Cambria Math"/>
+                            <a:ea typeface="Cambria Math"/>
+                            <a:cs typeface="Cambria Math"/>
+                          </a:rPr>
+                          <m:t>f(</m:t>
+                        </m:r>
+                        <m:sSub>
+                          <m:sSubPr>
+                            <m:ctrlPr>
+                              <a:rPr sz="2000"/>
+                            </m:ctrlPr>
+                          </m:sSubPr>
+                          <m:e>
+                            <m:r>
+                              <m:rPr/>
+                              <a:rPr sz="2000">
+                                <a:latin typeface="Cambria Math"/>
+                                <a:ea typeface="Cambria Math"/>
+                                <a:cs typeface="Cambria Math"/>
+                              </a:rPr>
+                              <m:t>x</m:t>
+                            </m:r>
+                          </m:e>
+                          <m:sub>
+                            <m:r>
+                              <m:rPr/>
+                              <a:rPr sz="2000">
+                                <a:latin typeface="Cambria Math"/>
+                                <a:ea typeface="Cambria Math"/>
+                                <a:cs typeface="Cambria Math"/>
+                              </a:rPr>
+                              <m:t>1,</m:t>
+                            </m:r>
+                          </m:sub>
+                        </m:sSub>
+                        <m:sSub>
+                          <m:sSubPr>
+                            <m:ctrlPr>
+                              <a:rPr sz="2000"/>
+                            </m:ctrlPr>
+                          </m:sSubPr>
+                          <m:e>
+                            <m:r>
+                              <m:rPr/>
+                              <a:rPr sz="2000">
+                                <a:latin typeface="Cambria Math"/>
+                                <a:ea typeface="Cambria Math"/>
+                                <a:cs typeface="Cambria Math"/>
+                              </a:rPr>
+                              <m:t>x</m:t>
+                            </m:r>
+                          </m:e>
+                          <m:sub>
+                            <m:r>
+                              <m:rPr/>
+                              <a:rPr sz="2000">
+                                <a:latin typeface="Cambria Math"/>
+                                <a:ea typeface="Cambria Math"/>
+                                <a:cs typeface="Cambria Math"/>
+                              </a:rPr>
+                              <m:t>2</m:t>
+                            </m:r>
+                          </m:sub>
+                        </m:sSub>
+                        <m:r>
+                          <m:rPr>
+                            <m:sty m:val="i"/>
+                          </m:rPr>
+                          <a:rPr lang="de-DE" sz="2000" u="none" strike="noStrike" cap="none" spc="0">
+                            <a:solidFill>
+                              <a:schemeClr val="tx1"/>
+                            </a:solidFill>
+                            <a:latin typeface="Cambria Math"/>
+                            <a:ea typeface="Cambria Math"/>
+                            <a:cs typeface="Cambria Math"/>
+                          </a:rPr>
+                          <m:t>)=</m:t>
+                        </m:r>
+                        <m:f>
+                          <m:fPr>
+                            <m:ctrlPr>
+                              <a:rPr sz="2000"/>
+                            </m:ctrlPr>
+                          </m:fPr>
+                          <m:num>
+                            <m:func>
+                              <m:funcPr>
+                                <m:ctrlPr>
+                                  <a:rPr sz="2000"/>
+                                </m:ctrlPr>
+                              </m:funcPr>
+                              <m:fName>
+                                <m:r>
+                                  <m:rPr>
+                                    <m:sty m:val="p"/>
+                                  </m:rPr>
+                                  <a:rPr sz="2000">
+                                    <a:latin typeface="Cambria Math"/>
+                                    <a:ea typeface="Cambria Math"/>
+                                    <a:cs typeface="Cambria Math"/>
+                                  </a:rPr>
+                                  <m:t>exp</m:t>
+                                </m:r>
+                              </m:fName>
+                              <m:e>
+                                <m:sSub>
+                                  <m:sSubPr>
+                                    <m:ctrlPr>
+                                      <a:rPr sz="2000"/>
+                                    </m:ctrlPr>
+                                  </m:sSubPr>
+                                  <m:e>
+                                    <m:r>
+                                      <m:rPr/>
+                                      <a:rPr sz="2000">
+                                        <a:latin typeface="Cambria Math"/>
+                                        <a:ea typeface="Cambria Math"/>
+                                        <a:cs typeface="Cambria Math"/>
+                                      </a:rPr>
+                                      <m:t>x</m:t>
+                                    </m:r>
+                                  </m:e>
+                                  <m:sub>
+                                    <m:r>
+                                      <m:rPr/>
+                                      <a:rPr sz="2000">
+                                        <a:latin typeface="Cambria Math"/>
+                                        <a:ea typeface="Cambria Math"/>
+                                        <a:cs typeface="Cambria Math"/>
+                                      </a:rPr>
+                                      <m:t>1</m:t>
+                                    </m:r>
+                                  </m:sub>
+                                </m:sSub>
+                                <m:sSub>
+                                  <m:sSubPr>
+                                    <m:ctrlPr>
+                                      <a:rPr sz="2000"/>
+                                    </m:ctrlPr>
+                                  </m:sSubPr>
+                                  <m:e>
+                                    <m:r>
+                                      <m:rPr/>
+                                      <a:rPr sz="2000">
+                                        <a:latin typeface="Cambria Math"/>
+                                        <a:ea typeface="Cambria Math"/>
+                                        <a:cs typeface="Cambria Math"/>
+                                      </a:rPr>
+                                      <m:t>x</m:t>
+                                    </m:r>
+                                  </m:e>
+                                  <m:sub>
+                                    <m:r>
+                                      <m:rPr/>
+                                      <a:rPr sz="2000">
+                                        <a:latin typeface="Cambria Math"/>
+                                        <a:ea typeface="Cambria Math"/>
+                                        <a:cs typeface="Cambria Math"/>
+                                      </a:rPr>
+                                      <m:t>2</m:t>
+                                    </m:r>
+                                  </m:sub>
+                                </m:sSub>
+                              </m:e>
+                            </m:func>
+                          </m:num>
+                          <m:den>
+                            <m:sSub>
+                              <m:sSubPr>
+                                <m:ctrlPr>
+                                  <a:rPr sz="2000"/>
+                                </m:ctrlPr>
+                              </m:sSubPr>
+                              <m:e>
+                                <m:r>
+                                  <m:rPr/>
+                                  <a:rPr sz="2000">
+                                    <a:latin typeface="Cambria Math"/>
+                                    <a:ea typeface="Cambria Math"/>
+                                    <a:cs typeface="Cambria Math"/>
+                                  </a:rPr>
+                                  <m:t>x</m:t>
+                                </m:r>
+                              </m:e>
+                              <m:sub>
+                                <m:r>
+                                  <m:rPr/>
+                                  <a:rPr sz="2000">
+                                    <a:latin typeface="Cambria Math"/>
+                                    <a:ea typeface="Cambria Math"/>
+                                    <a:cs typeface="Cambria Math"/>
+                                  </a:rPr>
+                                  <m:t>2</m:t>
+                                </m:r>
+                              </m:sub>
+                            </m:sSub>
+                          </m:den>
+                        </m:f>
+                      </m:oMath>
+                    </m:oMathPara>
+                  </a14:m>
+                </mc:Choice>
+                <mc:Fallback/>
+              </mc:AlternateContent>
+              <a:endParaRPr sz="2000">
+                <a:solidFill>
+                  <a:schemeClr val="tx1"/>
+                </a:solidFill>
+              </a:endParaRPr>
+            </a:p>
+          </p:txBody>
+        </p:sp>
+        <p:sp>
+          <p:nvSpPr>
+            <p:cNvPr id="100141698" name="Oval 3"/>
+            <p:cNvSpPr/>
+            <p:nvPr/>
+          </p:nvSpPr>
+          <p:spPr bwMode="auto">
+            <a:xfrm rot="0" flipH="0" flipV="0">
+              <a:off x="7661849" y="1426411"/>
+              <a:ext cx="1584571" cy="1584571"/>
+            </a:xfrm>
+            <a:prstGeom prst="ellipse">
+              <a:avLst/>
+            </a:prstGeom>
+            <a:solidFill>
+              <a:schemeClr val="bg1"/>
+            </a:solidFill>
+            <a:ln>
+              <a:tailEnd w="lg" len="lg"/>
+            </a:ln>
+          </p:spPr>
+          <p:style>
+            <a:lnRef idx="2">
+              <a:schemeClr val="accent1">
+                <a:shade val="15000"/>
+              </a:schemeClr>
+            </a:lnRef>
+            <a:fillRef idx="1">
+              <a:schemeClr val="accent1"/>
+            </a:fillRef>
+            <a:effectRef idx="0">
+              <a:schemeClr val="accent1"/>
+            </a:effectRef>
+            <a:fontRef idx="minor">
+              <a:schemeClr val="lt1"/>
+            </a:fontRef>
+          </p:style>
+          <p:txBody>
+            <a:bodyPr vertOverflow="overflow" horzOverflow="overflow" vert="horz" wrap="square" lIns="0" tIns="43200" rIns="0" bIns="45720" numCol="1" spcCol="0" rtlCol="0" fromWordArt="0" anchor="ctr" anchorCtr="0" forceAA="0" upright="0" compatLnSpc="0"/>
+            <a:lstStyle/>
+            <a:p>
+              <a:pPr algn="ctr">
+                <a:defRPr/>
+              </a:pPr>
+              <mc:AlternateContent xmlns:mc="http://schemas.openxmlformats.org/markup-compatibility/2006" xmlns:m="http://schemas.openxmlformats.org/officeDocument/2006/math">
+                <mc:Choice xmlns:a14="http://schemas.microsoft.com/office/drawing/2010/main" Requires="a14">
+                  <a14:m>
+                    <m:oMathPara>
+                      <m:oMathParaPr/>
+                      <m:oMath>
+                        <m:sSub>
+                          <m:sSubPr>
+                            <m:ctrlPr>
+                              <a:rPr sz="1600">
+                                <a:solidFill>
+                                  <a:schemeClr val="accent1"/>
+                                </a:solidFill>
+                                <a:latin typeface="Cambria Math"/>
+                                <a:ea typeface="Cambria Math"/>
+                                <a:cs typeface="Cambria Math"/>
+                              </a:rPr>
+                            </m:ctrlPr>
+                          </m:sSubPr>
+                          <m:e>
+                            <m:r>
+                              <m:rPr/>
+                              <a:rPr sz="1600">
+                                <a:solidFill>
+                                  <a:schemeClr val="accent1"/>
+                                </a:solidFill>
+                                <a:latin typeface="Cambria Math"/>
+                                <a:ea typeface="Cambria Math"/>
+                                <a:cs typeface="Cambria Math"/>
+                              </a:rPr>
+                              <m:t>x</m:t>
+                            </m:r>
+                          </m:e>
+                          <m:sub>
+                            <m:r>
+                              <m:rPr/>
+                              <a:rPr sz="1600">
+                                <a:solidFill>
+                                  <a:schemeClr val="accent1"/>
+                                </a:solidFill>
+                                <a:latin typeface="Cambria Math"/>
+                                <a:ea typeface="Cambria Math"/>
+                                <a:cs typeface="Cambria Math"/>
+                              </a:rPr>
+                              <m:t>5</m:t>
+                            </m:r>
+                          </m:sub>
+                        </m:sSub>
+                        <m:r>
+                          <m:rPr/>
+                          <a:rPr sz="1600">
+                            <a:solidFill>
+                              <a:schemeClr val="tx1"/>
+                            </a:solidFill>
+                            <a:latin typeface="Cambria Math"/>
+                            <a:ea typeface="Cambria Math"/>
+                            <a:cs typeface="Cambria Math"/>
+                          </a:rPr>
+                          <m:t>=</m:t>
+                        </m:r>
+                        <m:f>
+                          <m:fPr>
+                            <m:ctrlPr>
+                              <a:rPr>
+                                <a:solidFill>
+                                  <a:schemeClr val="tx1"/>
+                                </a:solidFill>
+                                <a:latin typeface="Cambria Math"/>
+                                <a:ea typeface="Cambria Math"/>
+                                <a:cs typeface="Cambria Math"/>
+                              </a:rPr>
+                            </m:ctrlPr>
+                          </m:fPr>
+                          <m:num>
+                            <m:sSub>
+                              <m:sSubPr>
+                                <m:ctrlPr>
+                                  <a:rPr>
+                                    <a:solidFill>
+                                      <a:schemeClr val="tx1"/>
+                                    </a:solidFill>
+                                    <a:latin typeface="Cambria Math"/>
+                                    <a:ea typeface="Cambria Math"/>
+                                    <a:cs typeface="Cambria Math"/>
+                                  </a:rPr>
+                                </m:ctrlPr>
+                              </m:sSubPr>
+                              <m:e>
+                                <m:r>
+                                  <m:rPr/>
+                                  <a:rPr>
+                                    <a:solidFill>
+                                      <a:schemeClr val="tx1"/>
+                                    </a:solidFill>
+                                    <a:latin typeface="Cambria Math"/>
+                                    <a:ea typeface="Cambria Math"/>
+                                    <a:cs typeface="Cambria Math"/>
+                                  </a:rPr>
+                                  <m:t>x</m:t>
+                                </m:r>
+                              </m:e>
+                              <m:sub>
+                                <m:r>
+                                  <m:rPr/>
+                                  <a:rPr>
+                                    <a:solidFill>
+                                      <a:schemeClr val="tx1"/>
+                                    </a:solidFill>
+                                    <a:latin typeface="Cambria Math"/>
+                                    <a:ea typeface="Cambria Math"/>
+                                    <a:cs typeface="Cambria Math"/>
+                                  </a:rPr>
+                                  <m:t>4</m:t>
+                                </m:r>
+                              </m:sub>
+                            </m:sSub>
+                          </m:num>
+                          <m:den>
+                            <m:sSub>
+                              <m:sSubPr>
+                                <m:ctrlPr>
+                                  <a:rPr>
+                                    <a:solidFill>
+                                      <a:schemeClr val="tx1"/>
+                                    </a:solidFill>
+                                    <a:latin typeface="Cambria Math"/>
+                                    <a:ea typeface="Cambria Math"/>
+                                    <a:cs typeface="Cambria Math"/>
+                                  </a:rPr>
+                                </m:ctrlPr>
+                              </m:sSubPr>
+                              <m:e>
+                                <m:r>
+                                  <m:rPr/>
+                                  <a:rPr>
+                                    <a:solidFill>
+                                      <a:schemeClr val="tx1"/>
+                                    </a:solidFill>
+                                    <a:latin typeface="Cambria Math"/>
+                                    <a:ea typeface="Cambria Math"/>
+                                    <a:cs typeface="Cambria Math"/>
+                                  </a:rPr>
+                                  <m:t>x</m:t>
+                                </m:r>
+                              </m:e>
+                              <m:sub>
+                                <m:r>
+                                  <m:rPr/>
+                                  <a:rPr>
+                                    <a:solidFill>
+                                      <a:schemeClr val="tx1"/>
+                                    </a:solidFill>
+                                    <a:latin typeface="Cambria Math"/>
+                                    <a:ea typeface="Cambria Math"/>
+                                    <a:cs typeface="Cambria Math"/>
+                                  </a:rPr>
+                                  <m:t>2</m:t>
+                                </m:r>
+                              </m:sub>
+                            </m:sSub>
+                          </m:den>
+                        </m:f>
+                      </m:oMath>
+                    </m:oMathPara>
+                  </a14:m>
+                </mc:Choice>
+                <mc:Fallback/>
+              </mc:AlternateContent>
+              <a:endParaRPr sz="1800">
+                <a:solidFill>
+                  <a:schemeClr val="tx1"/>
+                </a:solidFill>
+              </a:endParaRPr>
+            </a:p>
+            <a:p>
+              <a:pPr algn="ctr">
+                <a:defRPr/>
+              </a:pPr>
+              <mc:AlternateContent xmlns:mc="http://schemas.openxmlformats.org/markup-compatibility/2006" xmlns:m="http://schemas.openxmlformats.org/officeDocument/2006/math">
+                <mc:Choice xmlns:a14="http://schemas.microsoft.com/office/drawing/2010/main" Requires="a14">
+                  <a14:m>
+                    <m:oMathPara>
+                      <m:oMathParaPr/>
+                      <m:oMath>
+                        <m:sSub>
+                          <m:sSubPr>
+                            <m:ctrlPr>
+                              <a:rPr sz="1800">
+                                <a:solidFill>
+                                  <a:srgbClr val="C00000"/>
+                                </a:solidFill>
+                                <a:latin typeface="Cambria Math"/>
+                                <a:ea typeface="Cambria Math"/>
+                                <a:cs typeface="Cambria Math"/>
+                              </a:rPr>
+                            </m:ctrlPr>
+                          </m:sSubPr>
+                          <m:e>
+                            <m:acc>
+                              <m:accPr>
+                                <m:chr m:val="̅"/>
+                                <m:ctrlPr>
+                                  <a:rPr sz="1800">
+                                    <a:solidFill>
+                                      <a:srgbClr val="C00000"/>
+                                    </a:solidFill>
+                                    <a:latin typeface="Cambria Math"/>
+                                    <a:ea typeface="Cambria Math"/>
+                                    <a:cs typeface="Cambria Math"/>
+                                  </a:rPr>
+                                </m:ctrlPr>
+                              </m:accPr>
+                              <m:e>
+                                <m:r>
+                                  <m:rPr/>
+                                  <a:rPr sz="1800">
+                                    <a:solidFill>
+                                      <a:srgbClr val="C00000"/>
+                                    </a:solidFill>
+                                    <a:latin typeface="Cambria Math"/>
+                                    <a:ea typeface="Cambria Math"/>
+                                    <a:cs typeface="Cambria Math"/>
+                                  </a:rPr>
+                                  <m:t>x</m:t>
+                                </m:r>
+                              </m:e>
+                            </m:acc>
+                          </m:e>
+                          <m:sub>
+                            <m:r>
+                              <m:rPr/>
+                              <a:rPr sz="1800">
+                                <a:solidFill>
+                                  <a:srgbClr val="C00000"/>
+                                </a:solidFill>
+                                <a:latin typeface="Cambria Math"/>
+                                <a:ea typeface="Cambria Math"/>
+                                <a:cs typeface="Cambria Math"/>
+                              </a:rPr>
+                              <m:t>5</m:t>
+                            </m:r>
+                          </m:sub>
+                        </m:sSub>
+                        <m:r>
+                          <m:rPr/>
+                          <a:rPr sz="1800">
+                            <a:solidFill>
+                              <a:schemeClr val="tx1"/>
+                            </a:solidFill>
+                            <a:latin typeface="Cambria Math"/>
+                            <a:ea typeface="Cambria Math"/>
+                            <a:cs typeface="Cambria Math"/>
+                          </a:rPr>
+                          <m:t>=</m:t>
+                        </m:r>
+                        <m:r>
+                          <m:rPr/>
+                          <a:rPr sz="1800">
+                            <a:solidFill>
+                              <a:schemeClr val="tx1"/>
+                            </a:solidFill>
+                            <a:latin typeface="Cambria Math"/>
+                            <a:ea typeface="Cambria Math"/>
+                            <a:cs typeface="Cambria Math"/>
+                          </a:rPr>
+                          <m:t>?</m:t>
+                        </m:r>
+                      </m:oMath>
+                    </m:oMathPara>
+                  </a14:m>
+                </mc:Choice>
+                <mc:Fallback/>
+              </mc:AlternateContent>
+              <a:endParaRPr sz="1800">
+                <a:solidFill>
+                  <a:schemeClr val="tx1"/>
+                </a:solidFill>
+              </a:endParaRPr>
+            </a:p>
+          </p:txBody>
+        </p:sp>
+        <p:cxnSp>
+          <p:nvCxnSpPr>
+            <p:cNvPr id="1007919255" name="Straight Arrow Connector 8"/>
+            <p:cNvCxnSpPr>
+              <a:cxnSpLocks/>
+              <a:stCxn id="81929582" idx="6"/>
+              <a:endCxn id="100141698" idx="2"/>
+            </p:cNvCxnSpPr>
+            <p:nvPr/>
+          </p:nvCxnSpPr>
+          <p:spPr bwMode="auto">
+            <a:xfrm rot="0" flipH="0" flipV="0">
+              <a:off x="6971229" y="1334095"/>
+              <a:ext cx="690620" cy="884601"/>
+            </a:xfrm>
+            <a:prstGeom prst="straightConnector1">
+              <a:avLst/>
+            </a:prstGeom>
+            <a:ln>
+              <a:tailEnd type="triangle" w="lg" len="lg"/>
+            </a:ln>
+          </p:spPr>
+          <p:style>
+            <a:lnRef idx="2">
+              <a:schemeClr val="accent1">
+                <a:shade val="15000"/>
+              </a:schemeClr>
+            </a:lnRef>
+            <a:fillRef idx="1">
+              <a:schemeClr val="accent1"/>
+            </a:fillRef>
+            <a:effectRef idx="0">
+              <a:schemeClr val="accent1"/>
+            </a:effectRef>
+            <a:fontRef idx="minor">
+              <a:schemeClr val="lt1"/>
+            </a:fontRef>
+          </p:style>
+        </p:cxnSp>
+        <p:cxnSp>
+          <p:nvCxnSpPr>
+            <p:cNvPr id="1717969328" name="Straight Arrow Connector 8"/>
+            <p:cNvCxnSpPr>
+              <a:cxnSpLocks/>
+              <a:stCxn id="100141698" idx="6"/>
+            </p:cNvCxnSpPr>
+            <p:nvPr/>
+          </p:nvCxnSpPr>
+          <p:spPr bwMode="auto">
+            <a:xfrm rot="0" flipH="0" flipV="1">
+              <a:off x="9246422" y="2212479"/>
+              <a:ext cx="2593215" cy="0"/>
+            </a:xfrm>
+            <a:prstGeom prst="straightConnector1">
+              <a:avLst/>
+            </a:prstGeom>
+            <a:ln>
+              <a:tailEnd type="triangle" w="lg" len="lg"/>
+            </a:ln>
+          </p:spPr>
+          <p:style>
+            <a:lnRef idx="2">
+              <a:schemeClr val="accent1">
+                <a:shade val="15000"/>
+              </a:schemeClr>
+            </a:lnRef>
+            <a:fillRef idx="1">
+              <a:schemeClr val="accent1"/>
+            </a:fillRef>
+            <a:effectRef idx="0">
+              <a:schemeClr val="accent1"/>
+            </a:effectRef>
+            <a:fontRef idx="minor">
+              <a:schemeClr val="lt1"/>
+            </a:fontRef>
+          </p:style>
+        </p:cxnSp>
+        <p:sp>
+          <p:nvSpPr>
+            <p:cNvPr id="818974840" name="Oval 3"/>
+            <p:cNvSpPr/>
+            <p:nvPr/>
+          </p:nvSpPr>
+          <p:spPr bwMode="auto">
+            <a:xfrm rot="0" flipH="0" flipV="0">
+              <a:off x="0" y="2455045"/>
+              <a:ext cx="1584571" cy="1584571"/>
+            </a:xfrm>
+            <a:prstGeom prst="ellipse">
+              <a:avLst/>
+            </a:prstGeom>
+            <a:solidFill>
+              <a:schemeClr val="bg1"/>
+            </a:solidFill>
+            <a:ln>
+              <a:tailEnd w="lg" len="lg"/>
+            </a:ln>
+          </p:spPr>
+          <p:style>
+            <a:lnRef idx="2">
+              <a:schemeClr val="accent1">
+                <a:shade val="15000"/>
+              </a:schemeClr>
+            </a:lnRef>
+            <a:fillRef idx="1">
+              <a:schemeClr val="accent1"/>
+            </a:fillRef>
+            <a:effectRef idx="0">
+              <a:schemeClr val="accent1"/>
+            </a:effectRef>
+            <a:fontRef idx="minor">
+              <a:schemeClr val="lt1"/>
+            </a:fontRef>
+          </p:style>
+          <p:txBody>
+            <a:bodyPr rtlCol="0" anchor="ctr"/>
+            <a:lstStyle/>
+            <a:p>
+              <a:pPr algn="ctr">
+                <a:defRPr/>
+              </a:pPr>
+              <mc:AlternateContent xmlns:mc="http://schemas.openxmlformats.org/markup-compatibility/2006" xmlns:m="http://schemas.openxmlformats.org/officeDocument/2006/math">
+                <mc:Choice xmlns:a14="http://schemas.microsoft.com/office/drawing/2010/main" Requires="a14">
+                  <a14:m>
+                    <m:oMathPara>
+                      <m:oMathParaPr/>
+                      <m:oMath>
+                        <m:sSub>
+                          <m:sSubPr>
+                            <m:ctrlPr>
+                              <a:rPr sz="1800">
+                                <a:solidFill>
+                                  <a:schemeClr val="accent1"/>
+                                </a:solidFill>
+                                <a:latin typeface="Cambria Math"/>
+                                <a:ea typeface="Cambria Math"/>
+                                <a:cs typeface="Cambria Math"/>
+                              </a:rPr>
+                            </m:ctrlPr>
+                          </m:sSubPr>
+                          <m:e>
+                            <m:r>
+                              <m:rPr/>
+                              <a:rPr sz="1800">
+                                <a:solidFill>
+                                  <a:schemeClr val="accent1"/>
+                                </a:solidFill>
+                                <a:latin typeface="Cambria Math"/>
+                                <a:ea typeface="Cambria Math"/>
+                                <a:cs typeface="Cambria Math"/>
+                              </a:rPr>
+                              <m:t>x</m:t>
+                            </m:r>
+                          </m:e>
+                          <m:sub>
+                            <m:r>
+                              <m:rPr/>
+                              <a:rPr sz="1800">
+                                <a:solidFill>
+                                  <a:schemeClr val="accent1"/>
+                                </a:solidFill>
+                                <a:latin typeface="Cambria Math"/>
+                                <a:ea typeface="Cambria Math"/>
+                                <a:cs typeface="Cambria Math"/>
+                              </a:rPr>
+                              <m:t>2</m:t>
+                            </m:r>
+                          </m:sub>
+                        </m:sSub>
+                      </m:oMath>
+                    </m:oMathPara>
+                  </a14:m>
+                </mc:Choice>
+                <mc:Fallback/>
+              </mc:AlternateContent>
+              <a:endParaRPr sz="1800">
+                <a:solidFill>
+                  <a:schemeClr val="tx1"/>
+                </a:solidFill>
+                <a:latin typeface="Cambria Math"/>
+                <a:ea typeface="Cambria Math"/>
+                <a:cs typeface="Cambria Math"/>
+              </a:endParaRPr>
+            </a:p>
+            <a:p>
+              <a:pPr algn="ctr">
+                <a:defRPr/>
+              </a:pPr>
+              <mc:AlternateContent xmlns:mc="http://schemas.openxmlformats.org/markup-compatibility/2006" xmlns:m="http://schemas.openxmlformats.org/officeDocument/2006/math">
+                <mc:Choice xmlns:a14="http://schemas.microsoft.com/office/drawing/2010/main" Requires="a14">
+                  <a14:m>
+                    <m:oMathPara>
+                      <m:oMathParaPr/>
+                      <m:oMath>
+                        <m:sSub>
+                          <m:sSubPr>
+                            <m:ctrlPr>
+                              <a:rPr sz="1800">
+                                <a:solidFill>
+                                  <a:srgbClr val="C00000"/>
+                                </a:solidFill>
+                                <a:latin typeface="Cambria Math"/>
+                                <a:ea typeface="Cambria Math"/>
+                                <a:cs typeface="Cambria Math"/>
+                              </a:rPr>
+                            </m:ctrlPr>
+                          </m:sSubPr>
+                          <m:e>
+                            <m:acc>
+                              <m:accPr>
+                                <m:chr m:val="̅"/>
+                                <m:ctrlPr>
+                                  <a:rPr sz="1800">
+                                    <a:solidFill>
+                                      <a:srgbClr val="C00000"/>
+                                    </a:solidFill>
+                                    <a:latin typeface="Cambria Math"/>
+                                    <a:ea typeface="Cambria Math"/>
+                                    <a:cs typeface="Cambria Math"/>
+                                  </a:rPr>
+                                </m:ctrlPr>
+                              </m:accPr>
+                              <m:e>
+                                <m:r>
+                                  <m:rPr/>
+                                  <a:rPr sz="1800">
+                                    <a:solidFill>
+                                      <a:srgbClr val="C00000"/>
+                                    </a:solidFill>
+                                    <a:latin typeface="Cambria Math"/>
+                                    <a:ea typeface="Cambria Math"/>
+                                    <a:cs typeface="Cambria Math"/>
+                                  </a:rPr>
+                                  <m:t>x</m:t>
+                                </m:r>
+                              </m:e>
+                            </m:acc>
+                          </m:e>
+                          <m:sub>
+                            <m:r>
+                              <m:rPr/>
+                              <a:rPr sz="1800">
+                                <a:solidFill>
+                                  <a:srgbClr val="C00000"/>
+                                </a:solidFill>
+                                <a:latin typeface="Cambria Math"/>
+                                <a:ea typeface="Cambria Math"/>
+                                <a:cs typeface="Cambria Math"/>
+                              </a:rPr>
+                              <m:t>2</m:t>
+                            </m:r>
+                          </m:sub>
+                        </m:sSub>
+                        <m:r>
+                          <m:rPr/>
+                          <a:rPr sz="1800">
+                            <a:solidFill>
+                              <a:schemeClr val="tx1"/>
+                            </a:solidFill>
+                            <a:latin typeface="Cambria Math"/>
+                            <a:ea typeface="Cambria Math"/>
+                            <a:cs typeface="Cambria Math"/>
+                          </a:rPr>
+                          <m:t>=</m:t>
+                        </m:r>
+                        <m:r>
+                          <m:rPr/>
+                          <a:rPr sz="1800">
+                            <a:solidFill>
+                              <a:schemeClr val="tx1"/>
+                            </a:solidFill>
+                            <a:latin typeface="Cambria Math"/>
+                            <a:ea typeface="Cambria Math"/>
+                            <a:cs typeface="Cambria Math"/>
+                          </a:rPr>
+                          <m:t>?</m:t>
+                        </m:r>
+                      </m:oMath>
+                    </m:oMathPara>
+                  </a14:m>
+                </mc:Choice>
+                <mc:Fallback/>
+              </mc:AlternateContent>
+              <a:endParaRPr sz="1800" u="none" strike="noStrike" cap="none" spc="0">
+                <a:solidFill>
+                  <a:schemeClr val="tx1"/>
+                </a:solidFill>
+                <a:latin typeface="Cambria Math"/>
+                <a:ea typeface="Cambria Math"/>
+                <a:cs typeface="Cambria Math"/>
+              </a:endParaRPr>
+            </a:p>
+          </p:txBody>
+        </p:sp>
+        <p:cxnSp>
+          <p:nvCxnSpPr>
+            <p:cNvPr id="377020719" name="Straight Arrow Connector 8"/>
+            <p:cNvCxnSpPr>
+              <a:cxnSpLocks/>
+              <a:stCxn id="818974840" idx="6"/>
+              <a:endCxn id="41155727" idx="2"/>
+            </p:cNvCxnSpPr>
+            <p:nvPr/>
+          </p:nvCxnSpPr>
+          <p:spPr bwMode="auto">
+            <a:xfrm rot="0" flipH="0" flipV="1">
+              <a:off x="1584571" y="1328067"/>
+              <a:ext cx="1302809" cy="1919264"/>
+            </a:xfrm>
+            <a:prstGeom prst="straightConnector1">
+              <a:avLst/>
+            </a:prstGeom>
+            <a:ln>
+              <a:tailEnd type="triangle" w="lg" len="lg"/>
+            </a:ln>
+          </p:spPr>
+          <p:style>
+            <a:lnRef idx="2">
+              <a:schemeClr val="accent1">
+                <a:shade val="15000"/>
+              </a:schemeClr>
+            </a:lnRef>
+            <a:fillRef idx="1">
+              <a:schemeClr val="accent1"/>
+            </a:fillRef>
+            <a:effectRef idx="0">
+              <a:schemeClr val="accent1"/>
+            </a:effectRef>
+            <a:fontRef idx="minor">
+              <a:schemeClr val="lt1"/>
+            </a:fontRef>
+          </p:style>
+        </p:cxnSp>
+      </p:grpSp>
+    </p:spTree>
+  </p:cSld>
+  <p:clrMapOvr>
+    <a:masterClrMapping/>
+  </p:clrMapOvr>
+  <mc:AlternateContent xmlns:mc="http://schemas.openxmlformats.org/markup-compatibility/2006">
+    <mc:Choice xmlns:p159="http://schemas.microsoft.com/office/powerpoint/2015/09/main" xmlns:p14="http://schemas.microsoft.com/office/powerpoint/2010/main" Requires="p159">
+      <p:transition p14:dur="2000" advClick="1"/>
+    </mc:Choice>
+    <mc:Fallback>
+      <p:transition advClick="1"/>
+    </mc:Fallback>
+  </mc:AlternateContent>
+</p:sld>
+</file>
+
+<file path=ppt/slides/slide25.xml><?xml version="1.0" encoding="utf-8"?>
+<p:sld xmlns:a="http://schemas.openxmlformats.org/drawingml/2006/main" xmlns:r="http://schemas.openxmlformats.org/officeDocument/2006/relationships" xmlns:p="http://schemas.openxmlformats.org/presentationml/2006/main" xmlns:m="http://schemas.openxmlformats.org/officeDocument/2006/math" xmlns:w="http://schemas.openxmlformats.org/wordprocessingml/2006/main" showMasterPhAnim="0" show="1">
+  <p:cSld name="">
+    <p:spTree>
+      <p:nvGrpSpPr>
+        <p:cNvPr id="1" name=""/>
+        <p:cNvGrpSpPr/>
+        <p:nvPr/>
+      </p:nvGrpSpPr>
+      <p:grpSpPr bwMode="auto">
+        <a:xfrm>
+          <a:off x="0" y="0"/>
+          <a:ext cx="0" cy="0"/>
+          <a:chOff x="0" y="0"/>
+          <a:chExt cx="0" cy="0"/>
+        </a:xfrm>
+      </p:grpSpPr>
+      <p:grpSp>
+        <p:nvGrpSpPr>
+          <p:cNvPr id="2101011211" name=""/>
+          <p:cNvGrpSpPr/>
+          <p:nvPr/>
+        </p:nvGrpSpPr>
+        <p:grpSpPr bwMode="auto">
+          <a:xfrm>
+            <a:off x="1835285" y="1405817"/>
+            <a:ext cx="9317714" cy="3095000"/>
+            <a:chOff x="0" y="0"/>
+            <a:chExt cx="9317714" cy="3095000"/>
+          </a:xfrm>
+        </p:grpSpPr>
+        <p:sp>
+          <p:nvSpPr>
+            <p:cNvPr id="2027817037" name="Oval 3"/>
+            <p:cNvSpPr/>
+            <p:nvPr/>
+          </p:nvSpPr>
+          <p:spPr bwMode="auto">
+            <a:xfrm rot="0" flipH="0" flipV="0">
+              <a:off x="0" y="1510428"/>
+              <a:ext cx="1584571" cy="1584571"/>
+            </a:xfrm>
+            <a:prstGeom prst="ellipse">
+              <a:avLst/>
+            </a:prstGeom>
+            <a:solidFill>
+              <a:schemeClr val="bg1"/>
+            </a:solidFill>
+            <a:ln>
+              <a:tailEnd w="lg" len="lg"/>
+            </a:ln>
+          </p:spPr>
+          <p:style>
+            <a:lnRef idx="2">
+              <a:schemeClr val="accent1">
+                <a:shade val="15000"/>
+              </a:schemeClr>
+            </a:lnRef>
+            <a:fillRef idx="1">
+              <a:schemeClr val="accent1"/>
+            </a:fillRef>
+            <a:effectRef idx="0">
+              <a:schemeClr val="accent1"/>
+            </a:effectRef>
+            <a:fontRef idx="minor">
+              <a:schemeClr val="lt1"/>
+            </a:fontRef>
+          </p:style>
+          <p:txBody>
+            <a:bodyPr rtlCol="0" anchor="ctr"/>
+            <a:lstStyle/>
+            <a:p>
+              <a:pPr algn="ctr">
+                <a:defRPr/>
+              </a:pPr>
+              <mc:AlternateContent xmlns:mc="http://schemas.openxmlformats.org/markup-compatibility/2006" xmlns:m="http://schemas.openxmlformats.org/officeDocument/2006/math">
+                <mc:Choice xmlns:a14="http://schemas.microsoft.com/office/drawing/2010/main" Requires="a14">
+                  <a14:m>
+                    <m:oMathPara>
+                      <m:oMathParaPr/>
+                      <m:oMath>
+                        <m:sSub>
+                          <m:sSubPr>
+                            <m:ctrlPr>
+                              <a:rPr sz="1800" b="1" i="0">
+                                <a:solidFill>
+                                  <a:schemeClr val="accent1"/>
+                                </a:solidFill>
+                                <a:latin typeface="Cambria Math"/>
+                                <a:ea typeface="Cambria Math"/>
+                                <a:cs typeface="Cambria Math"/>
+                              </a:rPr>
+                            </m:ctrlPr>
+                          </m:sSubPr>
+                          <m:e>
+                            <m:r>
+                              <m:rPr>
+                                <m:sty m:val="b"/>
+                              </m:rPr>
+                              <a:rPr sz="1800">
+                                <a:solidFill>
+                                  <a:schemeClr val="accent1"/>
+                                </a:solidFill>
+                                <a:latin typeface="Cambria Math"/>
+                                <a:ea typeface="Cambria Math"/>
+                                <a:cs typeface="Cambria Math"/>
+                              </a:rPr>
+                              <m:t>x</m:t>
+                            </m:r>
+                          </m:e>
+                          <m:sub>
+                            <m:r>
+                              <m:rPr>
+                                <m:sty m:val="b"/>
+                              </m:rPr>
+                              <a:rPr sz="1800">
+                                <a:solidFill>
+                                  <a:schemeClr val="accent1"/>
+                                </a:solidFill>
+                                <a:latin typeface="Cambria Math"/>
+                                <a:ea typeface="Cambria Math"/>
+                                <a:cs typeface="Cambria Math"/>
+                              </a:rPr>
+                              <m:t>1</m:t>
+                            </m:r>
+                          </m:sub>
+                        </m:sSub>
+                      </m:oMath>
+                    </m:oMathPara>
+                  </a14:m>
+                </mc:Choice>
+                <mc:Fallback/>
+              </mc:AlternateContent>
+              <a:endParaRPr sz="1800">
+                <a:solidFill>
+                  <a:schemeClr val="tx1"/>
+                </a:solidFill>
+                <a:latin typeface="Cambria Math"/>
+                <a:ea typeface="Cambria Math"/>
+                <a:cs typeface="Cambria Math"/>
+              </a:endParaRPr>
+            </a:p>
+            <a:p>
+              <a:pPr algn="ctr">
+                <a:defRPr/>
+              </a:pPr>
+              <mc:AlternateContent xmlns:mc="http://schemas.openxmlformats.org/markup-compatibility/2006" xmlns:m="http://schemas.openxmlformats.org/officeDocument/2006/math">
+                <mc:Choice xmlns:a14="http://schemas.microsoft.com/office/drawing/2010/main" Requires="a14">
+                  <a14:m>
+                    <m:oMathPara>
+                      <m:oMathParaPr/>
+                      <m:oMath>
+                        <m:sSub>
+                          <m:sSubPr>
+                            <m:ctrlPr>
+                              <a:rPr sz="1800" b="1" i="1">
+                                <a:solidFill>
+                                  <a:srgbClr val="C00000"/>
+                                </a:solidFill>
+                                <a:latin typeface="Cambria Math"/>
+                                <a:ea typeface="Cambria Math"/>
+                                <a:cs typeface="Cambria Math"/>
+                              </a:rPr>
+                            </m:ctrlPr>
+                          </m:sSubPr>
+                          <m:e>
+                            <m:acc>
+                              <m:accPr>
+                                <m:chr m:val="̅"/>
+                                <m:ctrlPr>
+                                  <a:rPr sz="1800" b="1" i="1">
+                                    <a:solidFill>
+                                      <a:srgbClr val="C00000"/>
+                                    </a:solidFill>
+                                    <a:latin typeface="Cambria Math"/>
+                                    <a:ea typeface="Cambria Math"/>
+                                    <a:cs typeface="Cambria Math"/>
+                                  </a:rPr>
+                                </m:ctrlPr>
+                              </m:accPr>
+                              <m:e>
+                                <m:r>
+                                  <m:rPr>
+                                    <m:sty m:val="b"/>
+                                  </m:rPr>
+                                  <a:rPr sz="1800">
+                                    <a:solidFill>
+                                      <a:srgbClr val="C00000"/>
+                                    </a:solidFill>
+                                    <a:latin typeface="Cambria Math"/>
+                                    <a:ea typeface="Cambria Math"/>
+                                    <a:cs typeface="Cambria Math"/>
+                                  </a:rPr>
+                                  <m:t>x</m:t>
+                                </m:r>
+                              </m:e>
+                            </m:acc>
+                          </m:e>
+                          <m:sub>
+                            <m:r>
+                              <m:rPr>
+                                <m:sty m:val="bi"/>
+                              </m:rPr>
+                              <a:rPr sz="1800">
+                                <a:solidFill>
+                                  <a:srgbClr val="C00000"/>
+                                </a:solidFill>
+                                <a:latin typeface="Cambria Math"/>
+                                <a:ea typeface="Cambria Math"/>
+                                <a:cs typeface="Cambria Math"/>
+                              </a:rPr>
+                              <m:t>1</m:t>
+                            </m:r>
+                          </m:sub>
+                        </m:sSub>
+                        <m:r>
+                          <m:rPr/>
+                          <a:rPr sz="1800">
+                            <a:solidFill>
+                              <a:schemeClr val="tx1"/>
+                            </a:solidFill>
+                            <a:latin typeface="Cambria Math"/>
+                            <a:ea typeface="Cambria Math"/>
+                            <a:cs typeface="Cambria Math"/>
+                          </a:rPr>
+                          <m:t>=</m:t>
+                        </m:r>
+                        <m:r>
+                          <m:rPr/>
+                          <a:rPr sz="1800">
+                            <a:solidFill>
+                              <a:schemeClr val="tx1"/>
+                            </a:solidFill>
+                            <a:latin typeface="Cambria Math"/>
+                            <a:ea typeface="Cambria Math"/>
+                            <a:cs typeface="Cambria Math"/>
+                          </a:rPr>
+                          <m:t>?</m:t>
+                        </m:r>
+                      </m:oMath>
+                    </m:oMathPara>
+                  </a14:m>
+                </mc:Choice>
+                <mc:Fallback/>
+              </mc:AlternateContent>
+              <a:endParaRPr sz="1800" u="none" strike="noStrike" cap="none" spc="0">
+                <a:solidFill>
+                  <a:schemeClr val="tx1"/>
+                </a:solidFill>
+                <a:latin typeface="Cambria Math"/>
+                <a:ea typeface="Cambria Math"/>
+                <a:cs typeface="Cambria Math"/>
+              </a:endParaRPr>
+            </a:p>
+          </p:txBody>
+        </p:sp>
+        <p:cxnSp>
+          <p:nvCxnSpPr>
+            <p:cNvPr id="427589666" name="Straight Arrow Connector 8"/>
+            <p:cNvCxnSpPr>
+              <a:cxnSpLocks/>
+              <a:stCxn id="2027817037" idx="6"/>
+              <a:endCxn id="2102391663" idx="2"/>
+            </p:cNvCxnSpPr>
+            <p:nvPr/>
+          </p:nvCxnSpPr>
+          <p:spPr bwMode="auto">
+            <a:xfrm rot="0" flipH="0" flipV="1">
+              <a:off x="1584571" y="792285"/>
+              <a:ext cx="1384340" cy="1510428"/>
+            </a:xfrm>
+            <a:prstGeom prst="straightConnector1">
+              <a:avLst/>
+            </a:prstGeom>
+            <a:ln>
+              <a:tailEnd type="triangle" w="lg" len="lg"/>
+            </a:ln>
+          </p:spPr>
+          <p:style>
+            <a:lnRef idx="2">
+              <a:schemeClr val="accent1">
+                <a:shade val="15000"/>
+              </a:schemeClr>
+            </a:lnRef>
+            <a:fillRef idx="1">
+              <a:schemeClr val="accent1"/>
+            </a:fillRef>
+            <a:effectRef idx="0">
+              <a:schemeClr val="accent1"/>
+            </a:effectRef>
+            <a:fontRef idx="minor">
+              <a:schemeClr val="lt1"/>
+            </a:fontRef>
+          </p:style>
+        </p:cxnSp>
+        <p:sp>
+          <p:nvSpPr>
+            <p:cNvPr id="2102391663" name="Oval 3"/>
+            <p:cNvSpPr/>
+            <p:nvPr/>
+          </p:nvSpPr>
+          <p:spPr bwMode="auto">
+            <a:xfrm rot="0" flipH="0" flipV="0">
+              <a:off x="2968912" y="0"/>
+              <a:ext cx="1584571" cy="1584571"/>
+            </a:xfrm>
+            <a:prstGeom prst="ellipse">
+              <a:avLst/>
+            </a:prstGeom>
+            <a:solidFill>
+              <a:schemeClr val="bg1"/>
+            </a:solidFill>
+            <a:ln>
+              <a:tailEnd w="lg" len="lg"/>
+            </a:ln>
+          </p:spPr>
+          <p:style>
+            <a:lnRef idx="2">
+              <a:schemeClr val="accent1">
+                <a:shade val="15000"/>
+              </a:schemeClr>
+            </a:lnRef>
+            <a:fillRef idx="1">
+              <a:schemeClr val="accent1"/>
+            </a:fillRef>
+            <a:effectRef idx="0">
+              <a:schemeClr val="accent1"/>
+            </a:effectRef>
+            <a:fontRef idx="minor">
+              <a:schemeClr val="lt1"/>
+            </a:fontRef>
+          </p:style>
+          <p:txBody>
+            <a:bodyPr vertOverflow="overflow" horzOverflow="overflow" vert="horz" wrap="square" lIns="0" tIns="43200" rIns="0" bIns="45720" numCol="1" spcCol="0" rtlCol="0" fromWordArt="0" anchor="ctr" anchorCtr="0" forceAA="0" upright="0" compatLnSpc="0"/>
+            <a:lstStyle/>
+            <a:p>
+              <a:pPr algn="ctr">
+                <a:defRPr/>
+              </a:pPr>
+              <mc:AlternateContent xmlns:mc="http://schemas.openxmlformats.org/markup-compatibility/2006" xmlns:m="http://schemas.openxmlformats.org/officeDocument/2006/math">
+                <mc:Choice xmlns:a14="http://schemas.microsoft.com/office/drawing/2010/main" Requires="a14">
+                  <a14:m>
+                    <m:oMathPara>
+                      <m:oMathParaPr/>
+                      <m:oMath>
+                        <m:sSub>
+                          <m:sSubPr>
+                            <m:ctrlPr>
+                              <a:rPr sz="1800">
+                                <a:solidFill>
+                                  <a:schemeClr val="accent1"/>
+                                </a:solidFill>
+                                <a:latin typeface="Cambria Math"/>
+                                <a:ea typeface="Cambria Math"/>
+                                <a:cs typeface="Cambria Math"/>
+                              </a:rPr>
+                            </m:ctrlPr>
+                          </m:sSubPr>
+                          <m:e>
+                            <m:r>
+                              <m:rPr>
+                                <m:sty m:val="b"/>
+                              </m:rPr>
+                              <a:rPr sz="1800">
+                                <a:solidFill>
+                                  <a:schemeClr val="accent1"/>
+                                </a:solidFill>
+                                <a:latin typeface="Cambria Math"/>
+                                <a:ea typeface="Cambria Math"/>
+                                <a:cs typeface="Cambria Math"/>
+                              </a:rPr>
+                              <m:t>x</m:t>
+                            </m:r>
+                          </m:e>
+                          <m:sub>
+                            <m:r>
+                              <m:rPr>
+                                <m:sty m:val="bi"/>
+                              </m:rPr>
+                              <a:rPr sz="1800">
+                                <a:solidFill>
+                                  <a:schemeClr val="accent1"/>
+                                </a:solidFill>
+                                <a:latin typeface="Cambria Math"/>
+                                <a:ea typeface="Cambria Math"/>
+                                <a:cs typeface="Cambria Math"/>
+                              </a:rPr>
+                              <m:t>2</m:t>
+                            </m:r>
+                          </m:sub>
+                        </m:sSub>
+                        <m:r>
+                          <m:rPr/>
+                          <a:rPr sz="1800">
+                            <a:solidFill>
+                              <a:schemeClr val="tx1"/>
+                            </a:solidFill>
+                            <a:latin typeface="Cambria Math"/>
+                            <a:ea typeface="Cambria Math"/>
+                            <a:cs typeface="Cambria Math"/>
+                          </a:rPr>
+                          <m:t> </m:t>
+                        </m:r>
+                        <m:r>
+                          <m:rPr/>
+                          <a:rPr>
+                            <a:solidFill>
+                              <a:schemeClr val="tx1"/>
+                            </a:solidFill>
+                            <a:latin typeface="Cambria Math"/>
+                            <a:ea typeface="Cambria Math"/>
+                            <a:cs typeface="Cambria Math"/>
+                          </a:rPr>
+                          <m:t>=</m:t>
+                        </m:r>
+                        <m:r>
+                          <m:rPr>
+                            <m:sty m:val="b"/>
+                          </m:rPr>
+                          <a:rPr>
+                            <a:solidFill>
+                              <a:schemeClr val="tx1"/>
+                            </a:solidFill>
+                            <a:latin typeface="Cambria Math"/>
+                            <a:ea typeface="Cambria Math"/>
+                            <a:cs typeface="Cambria Math"/>
+                          </a:rPr>
+                          <m:t>H</m:t>
+                        </m:r>
+                        <m:sSub>
+                          <m:sSubPr>
+                            <m:ctrlPr>
+                              <a:rPr b="1">
+                                <a:solidFill>
+                                  <a:schemeClr val="tx1"/>
+                                </a:solidFill>
+                                <a:latin typeface="Cambria Math"/>
+                                <a:ea typeface="Cambria Math"/>
+                                <a:cs typeface="Cambria Math"/>
+                              </a:rPr>
+                            </m:ctrlPr>
+                          </m:sSubPr>
+                          <m:e>
+                            <m:r>
+                              <m:rPr>
+                                <m:sty m:val="b"/>
+                              </m:rPr>
+                              <a:rPr>
+                                <a:solidFill>
+                                  <a:schemeClr val="tx1"/>
+                                </a:solidFill>
+                                <a:latin typeface="Cambria Math"/>
+                                <a:ea typeface="Cambria Math"/>
+                                <a:cs typeface="Cambria Math"/>
+                              </a:rPr>
+                              <m:t>x</m:t>
+                            </m:r>
+                          </m:e>
+                          <m:sub>
+                            <m:r>
+                              <m:rPr>
+                                <m:sty m:val="bi"/>
+                              </m:rPr>
+                              <a:rPr>
+                                <a:solidFill>
+                                  <a:schemeClr val="tx1"/>
+                                </a:solidFill>
+                                <a:latin typeface="Cambria Math"/>
+                                <a:ea typeface="Cambria Math"/>
+                                <a:cs typeface="Cambria Math"/>
+                              </a:rPr>
+                              <m:t>1</m:t>
+                            </m:r>
+                          </m:sub>
+                        </m:sSub>
+                      </m:oMath>
+                    </m:oMathPara>
+                  </a14:m>
+                </mc:Choice>
+                <mc:Fallback/>
+              </mc:AlternateContent>
+              <a:endParaRPr sz="1800">
+                <a:solidFill>
+                  <a:schemeClr val="tx1"/>
+                </a:solidFill>
+              </a:endParaRPr>
+            </a:p>
+            <a:p>
+              <a:pPr algn="ctr">
+                <a:defRPr/>
+              </a:pPr>
+              <mc:AlternateContent xmlns:mc="http://schemas.openxmlformats.org/markup-compatibility/2006" xmlns:m="http://schemas.openxmlformats.org/officeDocument/2006/math">
+                <mc:Choice xmlns:a14="http://schemas.microsoft.com/office/drawing/2010/main" Requires="a14">
+                  <a14:m>
+                    <m:oMathPara>
+                      <m:oMathParaPr/>
+                      <m:oMath>
+                        <m:sSub>
+                          <m:sSubPr>
+                            <m:ctrlPr>
+                              <a:rPr sz="1800">
+                                <a:solidFill>
+                                  <a:srgbClr val="C00000"/>
+                                </a:solidFill>
+                                <a:latin typeface="Cambria Math"/>
+                                <a:ea typeface="Cambria Math"/>
+                                <a:cs typeface="Cambria Math"/>
+                              </a:rPr>
+                            </m:ctrlPr>
+                          </m:sSubPr>
+                          <m:e>
+                            <m:acc>
+                              <m:accPr>
+                                <m:chr m:val="̅"/>
+                                <m:ctrlPr>
+                                  <a:rPr sz="1800">
+                                    <a:solidFill>
+                                      <a:srgbClr val="C00000"/>
+                                    </a:solidFill>
+                                    <a:latin typeface="Cambria Math"/>
+                                    <a:ea typeface="Cambria Math"/>
+                                    <a:cs typeface="Cambria Math"/>
+                                  </a:rPr>
+                                </m:ctrlPr>
+                              </m:accPr>
+                              <m:e>
+                                <m:r>
+                                  <m:rPr>
+                                    <m:sty m:val="b"/>
+                                  </m:rPr>
+                                  <a:rPr sz="1800">
+                                    <a:solidFill>
+                                      <a:srgbClr val="C00000"/>
+                                    </a:solidFill>
+                                    <a:latin typeface="Cambria Math"/>
+                                    <a:ea typeface="Cambria Math"/>
+                                    <a:cs typeface="Cambria Math"/>
+                                  </a:rPr>
+                                  <m:t>x</m:t>
+                                </m:r>
+                              </m:e>
+                            </m:acc>
+                          </m:e>
+                          <m:sub>
+                            <m:r>
+                              <m:rPr>
+                                <m:sty m:val="bi"/>
+                              </m:rPr>
+                              <a:rPr sz="1800">
+                                <a:solidFill>
+                                  <a:srgbClr val="C00000"/>
+                                </a:solidFill>
+                                <a:latin typeface="Cambria Math"/>
+                                <a:ea typeface="Cambria Math"/>
+                                <a:cs typeface="Cambria Math"/>
+                              </a:rPr>
+                              <m:t>2</m:t>
+                            </m:r>
+                          </m:sub>
+                        </m:sSub>
+                        <m:r>
+                          <m:rPr/>
+                          <a:rPr sz="1800">
+                            <a:solidFill>
+                              <a:schemeClr val="tx1"/>
+                            </a:solidFill>
+                            <a:latin typeface="Cambria Math"/>
+                            <a:ea typeface="Cambria Math"/>
+                            <a:cs typeface="Cambria Math"/>
+                          </a:rPr>
+                          <m:t>=</m:t>
+                        </m:r>
+                        <m:r>
+                          <m:rPr/>
+                          <a:rPr sz="1800">
+                            <a:solidFill>
+                              <a:schemeClr val="tx1"/>
+                            </a:solidFill>
+                            <a:latin typeface="Cambria Math"/>
+                            <a:ea typeface="Cambria Math"/>
+                            <a:cs typeface="Cambria Math"/>
+                          </a:rPr>
+                          <m:t>?</m:t>
+                        </m:r>
+                      </m:oMath>
+                    </m:oMathPara>
+                  </a14:m>
+                </mc:Choice>
+                <mc:Fallback/>
+              </mc:AlternateContent>
+              <a:endParaRPr sz="1800">
+                <a:solidFill>
+                  <a:schemeClr val="tx1"/>
+                </a:solidFill>
+              </a:endParaRPr>
+            </a:p>
+          </p:txBody>
+        </p:sp>
+        <p:cxnSp>
+          <p:nvCxnSpPr>
+            <p:cNvPr id="361962940" name="Straight Arrow Connector 8"/>
+            <p:cNvCxnSpPr>
+              <a:cxnSpLocks/>
+              <a:stCxn id="2027817037" idx="6"/>
+              <a:endCxn id="528195958" idx="2"/>
+            </p:cNvCxnSpPr>
+            <p:nvPr/>
+          </p:nvCxnSpPr>
+          <p:spPr bwMode="auto">
+            <a:xfrm rot="0" flipH="0" flipV="0">
+              <a:off x="1584571" y="2302714"/>
+              <a:ext cx="4278110" cy="0"/>
+            </a:xfrm>
+            <a:prstGeom prst="straightConnector1">
+              <a:avLst/>
+            </a:prstGeom>
+            <a:ln>
+              <a:tailEnd type="triangle" w="lg" len="lg"/>
+            </a:ln>
+          </p:spPr>
+          <p:style>
+            <a:lnRef idx="2">
+              <a:schemeClr val="accent1">
+                <a:shade val="15000"/>
+              </a:schemeClr>
+            </a:lnRef>
+            <a:fillRef idx="1">
+              <a:schemeClr val="accent1"/>
+            </a:fillRef>
+            <a:effectRef idx="0">
+              <a:schemeClr val="accent1"/>
+            </a:effectRef>
+            <a:fontRef idx="minor">
+              <a:schemeClr val="lt1"/>
+            </a:fontRef>
+          </p:style>
+        </p:cxnSp>
+        <p:sp>
+          <p:nvSpPr>
+            <p:cNvPr id="861080366" name=""/>
+            <p:cNvSpPr txBox="1"/>
+            <p:nvPr/>
+          </p:nvSpPr>
+          <p:spPr bwMode="auto">
+            <a:xfrm rot="0" flipH="0" flipV="0">
+              <a:off x="7447254" y="1871912"/>
+              <a:ext cx="1719522" cy="402338"/>
+            </a:xfrm>
+            <a:prstGeom prst="rect">
+              <a:avLst/>
+            </a:prstGeom>
+            <a:noFill/>
+          </p:spPr>
+          <p:txBody>
+            <a:bodyPr vertOverflow="overflow" horzOverflow="overflow" vert="horz" wrap="square" lIns="91440" tIns="45720" rIns="91440" bIns="45720" numCol="1" spcCol="0" rtlCol="0" fromWordArt="0" anchor="t" anchorCtr="0" forceAA="0" upright="0" compatLnSpc="0">
+              <a:spAutoFit/>
+            </a:bodyPr>
+            <a:p>
+              <a:pPr algn="l">
+                <a:defRPr/>
+              </a:pPr>
+              <mc:AlternateContent xmlns:mc="http://schemas.openxmlformats.org/markup-compatibility/2006" xmlns:m="http://schemas.openxmlformats.org/officeDocument/2006/math">
+                <mc:Choice xmlns:a14="http://schemas.microsoft.com/office/drawing/2010/main" Requires="a14">
+                  <a14:m>
+                    <m:oMathPara>
+                      <m:oMathParaPr/>
+                      <m:oMath>
+                        <m:r>
+                          <m:rPr>
+                            <m:sty m:val="i"/>
+                          </m:rPr>
+                          <a:rPr lang="de-DE" sz="2000" u="none" strike="noStrike" cap="none" spc="0">
+                            <a:solidFill>
+                              <a:schemeClr val="tx1"/>
+                            </a:solidFill>
+                            <a:latin typeface="Cambria Math"/>
+                            <a:ea typeface="Cambria Math"/>
+                            <a:cs typeface="Cambria Math"/>
+                          </a:rPr>
+                          <m:t>f(</m:t>
+                        </m:r>
+                        <m:r>
+                          <m:rPr>
+                            <m:sty m:val="b"/>
+                          </m:rPr>
+                          <a:rPr lang="de-DE" sz="2000" u="none" strike="noStrike" cap="none" spc="0">
+                            <a:solidFill>
+                              <a:schemeClr val="tx1"/>
+                            </a:solidFill>
+                            <a:latin typeface="Cambria Math"/>
+                            <a:ea typeface="Cambria Math"/>
+                            <a:cs typeface="Cambria Math"/>
+                          </a:rPr>
+                          <m:t>x</m:t>
+                        </m:r>
+                        <m:r>
+                          <m:rPr/>
+                          <a:rPr>
+                            <a:latin typeface="Cambria Math"/>
+                            <a:ea typeface="Cambria Math"/>
+                            <a:cs typeface="Cambria Math"/>
+                          </a:rPr>
+                          <m:t>)=</m:t>
+                        </m:r>
+                        <m:sSup>
+                          <m:sSupPr>
+                            <m:ctrlPr>
+                              <a:rPr b="1" i="1">
+                                <a:latin typeface="Cambria Math"/>
+                                <a:ea typeface="Cambria Math"/>
+                                <a:cs typeface="Cambria Math"/>
+                              </a:rPr>
+                            </m:ctrlPr>
+                          </m:sSupPr>
+                          <m:e>
+                            <m:r>
+                              <m:rPr>
+                                <m:sty m:val="b"/>
+                              </m:rPr>
+                              <a:rPr>
+                                <a:latin typeface="Cambria Math"/>
+                                <a:ea typeface="Cambria Math"/>
+                                <a:cs typeface="Cambria Math"/>
+                              </a:rPr>
+                              <m:t>x</m:t>
+                            </m:r>
+                          </m:e>
+                          <m:sup>
+                            <m:r>
+                              <m:rPr>
+                                <m:sty m:val="bi"/>
+                              </m:rPr>
+                              <a:rPr>
+                                <a:latin typeface="Cambria Math"/>
+                                <a:ea typeface="Cambria Math"/>
+                                <a:cs typeface="Cambria Math"/>
+                              </a:rPr>
+                              <m:t>T</m:t>
+                            </m:r>
+                          </m:sup>
+                        </m:sSup>
+                        <m:r>
+                          <m:rPr>
+                            <m:sty m:val="b"/>
+                          </m:rPr>
+                          <a:rPr>
+                            <a:latin typeface="Cambria Math"/>
+                            <a:ea typeface="Cambria Math"/>
+                            <a:cs typeface="Cambria Math"/>
+                          </a:rPr>
+                          <m:t>Hx</m:t>
+                        </m:r>
+                      </m:oMath>
+                    </m:oMathPara>
+                  </a14:m>
+                </mc:Choice>
+                <mc:Fallback/>
+              </mc:AlternateContent>
+              <a:endParaRPr sz="2000">
+                <a:solidFill>
+                  <a:schemeClr val="tx1"/>
+                </a:solidFill>
+              </a:endParaRPr>
+            </a:p>
+          </p:txBody>
+        </p:sp>
+        <p:sp>
+          <p:nvSpPr>
+            <p:cNvPr id="528195958" name="Oval 3"/>
+            <p:cNvSpPr/>
+            <p:nvPr/>
+          </p:nvSpPr>
+          <p:spPr bwMode="auto">
+            <a:xfrm rot="0" flipH="0" flipV="0">
+              <a:off x="5862682" y="1510428"/>
+              <a:ext cx="1584571" cy="1584571"/>
+            </a:xfrm>
+            <a:prstGeom prst="ellipse">
+              <a:avLst/>
+            </a:prstGeom>
+            <a:solidFill>
+              <a:schemeClr val="bg1"/>
+            </a:solidFill>
+            <a:ln>
+              <a:tailEnd w="lg" len="lg"/>
+            </a:ln>
+          </p:spPr>
+          <p:style>
+            <a:lnRef idx="2">
+              <a:schemeClr val="accent1">
+                <a:shade val="15000"/>
+              </a:schemeClr>
+            </a:lnRef>
+            <a:fillRef idx="1">
+              <a:schemeClr val="accent1"/>
+            </a:fillRef>
+            <a:effectRef idx="0">
+              <a:schemeClr val="accent1"/>
+            </a:effectRef>
+            <a:fontRef idx="minor">
+              <a:schemeClr val="lt1"/>
+            </a:fontRef>
+          </p:style>
+          <p:txBody>
+            <a:bodyPr vertOverflow="overflow" horzOverflow="overflow" vert="horz" wrap="square" lIns="0" tIns="43200" rIns="0" bIns="45720" numCol="1" spcCol="0" rtlCol="0" fromWordArt="0" anchor="ctr" anchorCtr="0" forceAA="0" upright="0" compatLnSpc="0"/>
+            <a:lstStyle/>
+            <a:p>
+              <a:pPr algn="ctr">
+                <a:defRPr/>
+              </a:pPr>
+              <mc:AlternateContent xmlns:mc="http://schemas.openxmlformats.org/markup-compatibility/2006" xmlns:m="http://schemas.openxmlformats.org/officeDocument/2006/math">
+                <mc:Choice xmlns:a14="http://schemas.microsoft.com/office/drawing/2010/main" Requires="a14">
+                  <a14:m>
+                    <m:oMathPara>
+                      <m:oMathParaPr/>
+                      <m:oMath>
+                        <m:sSub>
+                          <m:sSubPr>
+                            <m:ctrlPr>
+                              <a:rPr sz="1600" b="1">
+                                <a:solidFill>
+                                  <a:schemeClr val="accent1"/>
+                                </a:solidFill>
+                                <a:latin typeface="Cambria Math"/>
+                                <a:ea typeface="Cambria Math"/>
+                                <a:cs typeface="Cambria Math"/>
+                              </a:rPr>
+                            </m:ctrlPr>
+                          </m:sSubPr>
+                          <m:e>
+                            <m:r>
+                              <m:rPr>
+                                <m:sty m:val="b"/>
+                              </m:rPr>
+                              <a:rPr sz="1600">
+                                <a:solidFill>
+                                  <a:schemeClr val="accent1"/>
+                                </a:solidFill>
+                                <a:latin typeface="Cambria Math"/>
+                                <a:ea typeface="Cambria Math"/>
+                                <a:cs typeface="Cambria Math"/>
+                              </a:rPr>
+                              <m:t>x</m:t>
+                            </m:r>
+                          </m:e>
+                          <m:sub>
+                            <m:r>
+                              <m:rPr>
+                                <m:sty m:val="bi"/>
+                              </m:rPr>
+                              <a:rPr sz="1600">
+                                <a:solidFill>
+                                  <a:schemeClr val="accent1"/>
+                                </a:solidFill>
+                                <a:latin typeface="Cambria Math"/>
+                                <a:ea typeface="Cambria Math"/>
+                                <a:cs typeface="Cambria Math"/>
+                              </a:rPr>
+                              <m:t>3</m:t>
+                            </m:r>
+                          </m:sub>
+                        </m:sSub>
+                        <m:r>
+                          <m:rPr/>
+                          <a:rPr>
+                            <a:solidFill>
+                              <a:schemeClr val="tx1"/>
+                            </a:solidFill>
+                            <a:latin typeface="Cambria Math"/>
+                            <a:ea typeface="Cambria Math"/>
+                            <a:cs typeface="Cambria Math"/>
+                          </a:rPr>
+                          <m:t>=</m:t>
+                        </m:r>
+                        <m:sSup>
+                          <m:sSupPr>
+                            <m:ctrlPr>
+                              <a:rPr>
+                                <a:solidFill>
+                                  <a:schemeClr val="tx1"/>
+                                </a:solidFill>
+                                <a:latin typeface="Cambria Math"/>
+                                <a:ea typeface="Cambria Math"/>
+                                <a:cs typeface="Cambria Math"/>
+                              </a:rPr>
+                            </m:ctrlPr>
+                          </m:sSupPr>
+                          <m:e>
+                            <m:sSub>
+                              <m:sSubPr>
+                                <m:ctrlPr>
+                                  <a:rPr b="1" i="0">
+                                    <a:solidFill>
+                                      <a:schemeClr val="tx1"/>
+                                    </a:solidFill>
+                                    <a:latin typeface="Cambria Math"/>
+                                    <a:ea typeface="Cambria Math"/>
+                                    <a:cs typeface="Cambria Math"/>
+                                  </a:rPr>
+                                </m:ctrlPr>
+                              </m:sSubPr>
+                              <m:e>
+                                <m:r>
+                                  <m:rPr>
+                                    <m:sty m:val="b"/>
+                                  </m:rPr>
+                                  <a:rPr>
+                                    <a:solidFill>
+                                      <a:schemeClr val="tx1"/>
+                                    </a:solidFill>
+                                    <a:latin typeface="Cambria Math"/>
+                                    <a:ea typeface="Cambria Math"/>
+                                    <a:cs typeface="Cambria Math"/>
+                                  </a:rPr>
+                                  <m:t>x</m:t>
+                                </m:r>
+                              </m:e>
+                              <m:sub>
+                                <m:r>
+                                  <m:rPr>
+                                    <m:sty m:val="b"/>
+                                  </m:rPr>
+                                  <a:rPr>
+                                    <a:solidFill>
+                                      <a:schemeClr val="tx1"/>
+                                    </a:solidFill>
+                                    <a:latin typeface="Cambria Math"/>
+                                    <a:ea typeface="Cambria Math"/>
+                                    <a:cs typeface="Cambria Math"/>
+                                  </a:rPr>
+                                  <m:t>1</m:t>
+                                </m:r>
+                              </m:sub>
+                            </m:sSub>
+                          </m:e>
+                          <m:sup>
+                            <m:r>
+                              <m:rPr/>
+                              <a:rPr>
+                                <a:solidFill>
+                                  <a:schemeClr val="tx1"/>
+                                </a:solidFill>
+                                <a:latin typeface="Cambria Math"/>
+                                <a:ea typeface="Cambria Math"/>
+                                <a:cs typeface="Cambria Math"/>
+                              </a:rPr>
+                              <m:t>T</m:t>
+                            </m:r>
+                          </m:sup>
+                        </m:sSup>
+                        <m:sSub>
+                          <m:sSubPr>
+                            <m:ctrlPr>
+                              <a:rPr b="1" i="1">
+                                <a:solidFill>
+                                  <a:schemeClr val="tx1"/>
+                                </a:solidFill>
+                                <a:latin typeface="Cambria Math"/>
+                                <a:ea typeface="Cambria Math"/>
+                                <a:cs typeface="Cambria Math"/>
+                              </a:rPr>
+                            </m:ctrlPr>
+                          </m:sSubPr>
+                          <m:e>
+                            <m:r>
+                              <m:rPr>
+                                <m:sty m:val="b"/>
+                              </m:rPr>
+                              <a:rPr>
+                                <a:solidFill>
+                                  <a:schemeClr val="tx1"/>
+                                </a:solidFill>
+                                <a:latin typeface="Cambria Math"/>
+                                <a:ea typeface="Cambria Math"/>
+                                <a:cs typeface="Cambria Math"/>
+                              </a:rPr>
+                              <m:t>x</m:t>
+                            </m:r>
+                          </m:e>
+                          <m:sub>
+                            <m:r>
+                              <m:rPr>
+                                <m:sty m:val="bi"/>
+                              </m:rPr>
+                              <a:rPr>
+                                <a:solidFill>
+                                  <a:schemeClr val="tx1"/>
+                                </a:solidFill>
+                                <a:latin typeface="Cambria Math"/>
+                                <a:ea typeface="Cambria Math"/>
+                                <a:cs typeface="Cambria Math"/>
+                              </a:rPr>
+                              <m:t>2</m:t>
+                            </m:r>
+                          </m:sub>
+                        </m:sSub>
+                      </m:oMath>
+                    </m:oMathPara>
+                  </a14:m>
+                </mc:Choice>
+                <mc:Fallback/>
+              </mc:AlternateContent>
+              <a:endParaRPr sz="1800">
+                <a:solidFill>
+                  <a:schemeClr val="tx1"/>
+                </a:solidFill>
+              </a:endParaRPr>
+            </a:p>
+            <a:p>
+              <a:pPr algn="ctr">
+                <a:defRPr/>
+              </a:pPr>
+              <mc:AlternateContent xmlns:mc="http://schemas.openxmlformats.org/markup-compatibility/2006" xmlns:m="http://schemas.openxmlformats.org/officeDocument/2006/math">
+                <mc:Choice xmlns:a14="http://schemas.microsoft.com/office/drawing/2010/main" Requires="a14">
+                  <a14:m>
+                    <m:oMathPara>
+                      <m:oMathParaPr/>
+                      <m:oMath>
+                        <m:sSub>
+                          <m:sSubPr>
+                            <m:ctrlPr>
+                              <a:rPr sz="1800">
+                                <a:solidFill>
+                                  <a:srgbClr val="C00000"/>
+                                </a:solidFill>
+                                <a:latin typeface="Cambria Math"/>
+                                <a:ea typeface="Cambria Math"/>
+                                <a:cs typeface="Cambria Math"/>
+                              </a:rPr>
+                            </m:ctrlPr>
+                          </m:sSubPr>
+                          <m:e>
+                            <m:acc>
+                              <m:accPr>
+                                <m:chr m:val="̅"/>
+                                <m:ctrlPr>
+                                  <a:rPr sz="1800">
+                                    <a:solidFill>
+                                      <a:srgbClr val="C00000"/>
+                                    </a:solidFill>
+                                    <a:latin typeface="Cambria Math"/>
+                                    <a:ea typeface="Cambria Math"/>
+                                    <a:cs typeface="Cambria Math"/>
+                                  </a:rPr>
+                                </m:ctrlPr>
+                              </m:accPr>
+                              <m:e>
+                                <m:r>
+                                  <m:rPr>
+                                    <m:sty m:val="b"/>
+                                  </m:rPr>
+                                  <a:rPr sz="1800">
+                                    <a:solidFill>
+                                      <a:srgbClr val="C00000"/>
+                                    </a:solidFill>
+                                    <a:latin typeface="Cambria Math"/>
+                                    <a:ea typeface="Cambria Math"/>
+                                    <a:cs typeface="Cambria Math"/>
+                                  </a:rPr>
+                                  <m:t>x</m:t>
+                                </m:r>
+                              </m:e>
+                            </m:acc>
+                          </m:e>
+                          <m:sub>
+                            <m:r>
+                              <m:rPr>
+                                <m:sty m:val="bi"/>
+                              </m:rPr>
+                              <a:rPr sz="1800">
+                                <a:solidFill>
+                                  <a:srgbClr val="C00000"/>
+                                </a:solidFill>
+                                <a:latin typeface="Cambria Math"/>
+                                <a:ea typeface="Cambria Math"/>
+                                <a:cs typeface="Cambria Math"/>
+                              </a:rPr>
+                              <m:t>3</m:t>
+                            </m:r>
+                          </m:sub>
+                        </m:sSub>
+                        <m:r>
+                          <m:rPr/>
+                          <a:rPr sz="1800">
+                            <a:solidFill>
+                              <a:schemeClr val="tx1"/>
+                            </a:solidFill>
+                            <a:latin typeface="Cambria Math"/>
+                            <a:ea typeface="Cambria Math"/>
+                            <a:cs typeface="Cambria Math"/>
+                          </a:rPr>
+                          <m:t>=</m:t>
+                        </m:r>
+                        <m:r>
+                          <m:rPr/>
+                          <a:rPr sz="1800">
+                            <a:solidFill>
+                              <a:schemeClr val="tx1"/>
+                            </a:solidFill>
+                            <a:latin typeface="Cambria Math"/>
+                            <a:ea typeface="Cambria Math"/>
+                            <a:cs typeface="Cambria Math"/>
+                          </a:rPr>
+                          <m:t>?</m:t>
+                        </m:r>
+                      </m:oMath>
+                    </m:oMathPara>
+                  </a14:m>
+                </mc:Choice>
+                <mc:Fallback/>
+              </mc:AlternateContent>
+              <a:endParaRPr sz="1800">
+                <a:solidFill>
+                  <a:schemeClr val="tx1"/>
+                </a:solidFill>
+              </a:endParaRPr>
+            </a:p>
+          </p:txBody>
+        </p:sp>
+        <p:cxnSp>
+          <p:nvCxnSpPr>
+            <p:cNvPr id="836441927" name="Straight Arrow Connector 8"/>
+            <p:cNvCxnSpPr>
+              <a:cxnSpLocks/>
+              <a:stCxn id="2102391663" idx="6"/>
+              <a:endCxn id="528195958" idx="2"/>
+            </p:cNvCxnSpPr>
+            <p:nvPr/>
+          </p:nvCxnSpPr>
+          <p:spPr bwMode="auto">
+            <a:xfrm rot="0" flipH="0" flipV="0">
+              <a:off x="4553484" y="792285"/>
+              <a:ext cx="1309197" cy="1510428"/>
+            </a:xfrm>
+            <a:prstGeom prst="straightConnector1">
+              <a:avLst/>
+            </a:prstGeom>
+            <a:ln>
+              <a:tailEnd type="triangle" w="lg" len="lg"/>
+            </a:ln>
+          </p:spPr>
+          <p:style>
+            <a:lnRef idx="2">
+              <a:schemeClr val="accent1">
+                <a:shade val="15000"/>
+              </a:schemeClr>
+            </a:lnRef>
+            <a:fillRef idx="1">
+              <a:schemeClr val="accent1"/>
+            </a:fillRef>
+            <a:effectRef idx="0">
+              <a:schemeClr val="accent1"/>
+            </a:effectRef>
+            <a:fontRef idx="minor">
+              <a:schemeClr val="lt1"/>
+            </a:fontRef>
+          </p:style>
+        </p:cxnSp>
+        <p:cxnSp>
+          <p:nvCxnSpPr>
+            <p:cNvPr id="1677358962" name="Straight Arrow Connector 8"/>
+            <p:cNvCxnSpPr>
+              <a:cxnSpLocks/>
+              <a:stCxn id="528195958" idx="6"/>
+            </p:cNvCxnSpPr>
+            <p:nvPr/>
+          </p:nvCxnSpPr>
+          <p:spPr bwMode="auto">
+            <a:xfrm rot="0" flipH="0" flipV="0">
+              <a:off x="7447254" y="2303192"/>
+              <a:ext cx="1870459" cy="0"/>
+            </a:xfrm>
+            <a:prstGeom prst="straightConnector1">
+              <a:avLst/>
+            </a:prstGeom>
+            <a:ln>
+              <a:tailEnd type="triangle" w="lg" len="lg"/>
+            </a:ln>
+          </p:spPr>
+          <p:style>
+            <a:lnRef idx="2">
+              <a:schemeClr val="accent1">
+                <a:shade val="15000"/>
+              </a:schemeClr>
+            </a:lnRef>
+            <a:fillRef idx="1">
+              <a:schemeClr val="accent1"/>
+            </a:fillRef>
+            <a:effectRef idx="0">
+              <a:schemeClr val="accent1"/>
+            </a:effectRef>
+            <a:fontRef idx="minor">
+              <a:schemeClr val="lt1"/>
+            </a:fontRef>
+          </p:style>
+        </p:cxnSp>
+      </p:grpSp>
+    </p:spTree>
+  </p:cSld>
+  <p:clrMapOvr>
+    <a:masterClrMapping/>
+  </p:clrMapOvr>
+  <mc:AlternateContent xmlns:mc="http://schemas.openxmlformats.org/markup-compatibility/2006">
+    <mc:Choice xmlns:p159="http://schemas.microsoft.com/office/powerpoint/2015/09/main" xmlns:p14="http://schemas.microsoft.com/office/powerpoint/2010/main" Requires="p159">
+      <p:transition p14:dur="2000" advClick="1"/>
+    </mc:Choice>
+    <mc:Fallback>
+      <p:transition advClick="1"/>
+    </mc:Fallback>
+  </mc:AlternateContent>
+</p:sld>
+</file>
+
 <file path=ppt/slides/slide3.xml><?xml version="1.0" encoding="utf-8"?>
 <p:sld xmlns:a="http://schemas.openxmlformats.org/drawingml/2006/main" xmlns:r="http://schemas.openxmlformats.org/officeDocument/2006/relationships" xmlns:p="http://schemas.openxmlformats.org/presentationml/2006/main" xmlns:m="http://schemas.openxmlformats.org/officeDocument/2006/math" xmlns:w="http://schemas.openxmlformats.org/wordprocessingml/2006/main" showMasterPhAnim="0" show="1">
   <p:cSld name="">
